--- a/1_deepwalk/deepwalk.pptx
+++ b/1_deepwalk/deepwalk.pptx
@@ -4,10 +4,16 @@
   <p:sldMasterIdLst>
     <p:sldMasterId id="2147483648" r:id="rId1"/>
   </p:sldMasterIdLst>
+  <p:notesMasterIdLst>
+    <p:notesMasterId r:id="rId8"/>
+  </p:notesMasterIdLst>
   <p:sldIdLst>
     <p:sldId id="256" r:id="rId2"/>
     <p:sldId id="258" r:id="rId3"/>
-    <p:sldId id="257" r:id="rId4"/>
+    <p:sldId id="261" r:id="rId4"/>
+    <p:sldId id="260" r:id="rId5"/>
+    <p:sldId id="259" r:id="rId6"/>
+    <p:sldId id="257" r:id="rId7"/>
   </p:sldIdLst>
   <p:sldSz cx="12192000" cy="6858000"/>
   <p:notesSz cx="6858000" cy="9144000"/>
@@ -114,6 +120,562 @@
 </p:presentation>
 </file>
 
+<file path=ppt/commentAuthors.xml><?xml version="1.0" encoding="utf-8"?>
+<p:cmAuthorLst xmlns:a="http://schemas.openxmlformats.org/drawingml/2006/main" xmlns:r="http://schemas.openxmlformats.org/officeDocument/2006/relationships" xmlns:p="http://schemas.openxmlformats.org/presentationml/2006/main">
+  <p:cmAuthor id="1" name="DELL" initials="D" lastIdx="1" clrIdx="0">
+    <p:extLst>
+      <p:ext uri="{19B8F6BF-5375-455C-9EA6-DF929625EA0E}">
+        <p15:presenceInfo xmlns:p15="http://schemas.microsoft.com/office/powerpoint/2012/main" userId="841ee0cdb74ce351" providerId="Windows Live"/>
+      </p:ext>
+    </p:extLst>
+  </p:cmAuthor>
+</p:cmAuthorLst>
+</file>
+
+<file path=ppt/notesMasters/notesMaster1.xml><?xml version="1.0" encoding="utf-8"?>
+<p:notesMaster xmlns:a="http://schemas.openxmlformats.org/drawingml/2006/main" xmlns:r="http://schemas.openxmlformats.org/officeDocument/2006/relationships" xmlns:p="http://schemas.openxmlformats.org/presentationml/2006/main">
+  <p:cSld>
+    <p:bg>
+      <p:bgRef idx="1001">
+        <a:schemeClr val="bg1"/>
+      </p:bgRef>
+    </p:bg>
+    <p:spTree>
+      <p:nvGrpSpPr>
+        <p:cNvPr id="1" name=""/>
+        <p:cNvGrpSpPr/>
+        <p:nvPr/>
+      </p:nvGrpSpPr>
+      <p:grpSpPr>
+        <a:xfrm>
+          <a:off x="0" y="0"/>
+          <a:ext cx="0" cy="0"/>
+          <a:chOff x="0" y="0"/>
+          <a:chExt cx="0" cy="0"/>
+        </a:xfrm>
+      </p:grpSpPr>
+      <p:sp>
+        <p:nvSpPr>
+          <p:cNvPr id="2" name="页眉占位符 1"/>
+          <p:cNvSpPr>
+            <a:spLocks noGrp="1"/>
+          </p:cNvSpPr>
+          <p:nvPr>
+            <p:ph type="hdr" sz="quarter"/>
+          </p:nvPr>
+        </p:nvSpPr>
+        <p:spPr>
+          <a:xfrm>
+            <a:off x="0" y="0"/>
+            <a:ext cx="2971800" cy="458788"/>
+          </a:xfrm>
+          <a:prstGeom prst="rect">
+            <a:avLst/>
+          </a:prstGeom>
+        </p:spPr>
+        <p:txBody>
+          <a:bodyPr vert="horz" lIns="91440" tIns="45720" rIns="91440" bIns="45720" rtlCol="0"/>
+          <a:lstStyle>
+            <a:lvl1pPr algn="l">
+              <a:defRPr sz="1200"/>
+            </a:lvl1pPr>
+          </a:lstStyle>
+          <a:p>
+            <a:endParaRPr lang="zh-CN" altLang="en-US"/>
+          </a:p>
+        </p:txBody>
+      </p:sp>
+      <p:sp>
+        <p:nvSpPr>
+          <p:cNvPr id="3" name="日期占位符 2"/>
+          <p:cNvSpPr>
+            <a:spLocks noGrp="1"/>
+          </p:cNvSpPr>
+          <p:nvPr>
+            <p:ph type="dt" idx="1"/>
+          </p:nvPr>
+        </p:nvSpPr>
+        <p:spPr>
+          <a:xfrm>
+            <a:off x="3884613" y="0"/>
+            <a:ext cx="2971800" cy="458788"/>
+          </a:xfrm>
+          <a:prstGeom prst="rect">
+            <a:avLst/>
+          </a:prstGeom>
+        </p:spPr>
+        <p:txBody>
+          <a:bodyPr vert="horz" lIns="91440" tIns="45720" rIns="91440" bIns="45720" rtlCol="0"/>
+          <a:lstStyle>
+            <a:lvl1pPr algn="r">
+              <a:defRPr sz="1200"/>
+            </a:lvl1pPr>
+          </a:lstStyle>
+          <a:p>
+            <a:fld id="{90CFEA02-8822-4D13-9DAA-0D1CF00E99ED}" type="datetimeFigureOut">
+              <a:rPr lang="zh-CN" altLang="en-US" smtClean="0"/>
+              <a:t>2021/9/16</a:t>
+            </a:fld>
+            <a:endParaRPr lang="zh-CN" altLang="en-US"/>
+          </a:p>
+        </p:txBody>
+      </p:sp>
+      <p:sp>
+        <p:nvSpPr>
+          <p:cNvPr id="4" name="幻灯片图像占位符 3"/>
+          <p:cNvSpPr>
+            <a:spLocks noGrp="1" noRot="1" noChangeAspect="1"/>
+          </p:cNvSpPr>
+          <p:nvPr>
+            <p:ph type="sldImg" idx="2"/>
+          </p:nvPr>
+        </p:nvSpPr>
+        <p:spPr>
+          <a:xfrm>
+            <a:off x="685800" y="1143000"/>
+            <a:ext cx="5486400" cy="3086100"/>
+          </a:xfrm>
+          <a:prstGeom prst="rect">
+            <a:avLst/>
+          </a:prstGeom>
+          <a:noFill/>
+          <a:ln w="12700">
+            <a:solidFill>
+              <a:prstClr val="black"/>
+            </a:solidFill>
+          </a:ln>
+        </p:spPr>
+        <p:txBody>
+          <a:bodyPr vert="horz" lIns="91440" tIns="45720" rIns="91440" bIns="45720" rtlCol="0" anchor="ctr"/>
+          <a:lstStyle/>
+          <a:p>
+            <a:endParaRPr lang="zh-CN" altLang="en-US"/>
+          </a:p>
+        </p:txBody>
+      </p:sp>
+      <p:sp>
+        <p:nvSpPr>
+          <p:cNvPr id="5" name="备注占位符 4"/>
+          <p:cNvSpPr>
+            <a:spLocks noGrp="1"/>
+          </p:cNvSpPr>
+          <p:nvPr>
+            <p:ph type="body" sz="quarter" idx="3"/>
+          </p:nvPr>
+        </p:nvSpPr>
+        <p:spPr>
+          <a:xfrm>
+            <a:off x="685800" y="4400550"/>
+            <a:ext cx="5486400" cy="3600450"/>
+          </a:xfrm>
+          <a:prstGeom prst="rect">
+            <a:avLst/>
+          </a:prstGeom>
+        </p:spPr>
+        <p:txBody>
+          <a:bodyPr vert="horz" lIns="91440" tIns="45720" rIns="91440" bIns="45720" rtlCol="0"/>
+          <a:lstStyle/>
+          <a:p>
+            <a:pPr lvl="0"/>
+            <a:r>
+              <a:rPr lang="zh-CN" altLang="en-US"/>
+              <a:t>编辑母版文本样式</a:t>
+            </a:r>
+          </a:p>
+          <a:p>
+            <a:pPr lvl="1"/>
+            <a:r>
+              <a:rPr lang="zh-CN" altLang="en-US"/>
+              <a:t>第二级</a:t>
+            </a:r>
+          </a:p>
+          <a:p>
+            <a:pPr lvl="2"/>
+            <a:r>
+              <a:rPr lang="zh-CN" altLang="en-US"/>
+              <a:t>第三级</a:t>
+            </a:r>
+          </a:p>
+          <a:p>
+            <a:pPr lvl="3"/>
+            <a:r>
+              <a:rPr lang="zh-CN" altLang="en-US"/>
+              <a:t>第四级</a:t>
+            </a:r>
+          </a:p>
+          <a:p>
+            <a:pPr lvl="4"/>
+            <a:r>
+              <a:rPr lang="zh-CN" altLang="en-US"/>
+              <a:t>第五级</a:t>
+            </a:r>
+          </a:p>
+        </p:txBody>
+      </p:sp>
+      <p:sp>
+        <p:nvSpPr>
+          <p:cNvPr id="6" name="页脚占位符 5"/>
+          <p:cNvSpPr>
+            <a:spLocks noGrp="1"/>
+          </p:cNvSpPr>
+          <p:nvPr>
+            <p:ph type="ftr" sz="quarter" idx="4"/>
+          </p:nvPr>
+        </p:nvSpPr>
+        <p:spPr>
+          <a:xfrm>
+            <a:off x="0" y="8685213"/>
+            <a:ext cx="2971800" cy="458787"/>
+          </a:xfrm>
+          <a:prstGeom prst="rect">
+            <a:avLst/>
+          </a:prstGeom>
+        </p:spPr>
+        <p:txBody>
+          <a:bodyPr vert="horz" lIns="91440" tIns="45720" rIns="91440" bIns="45720" rtlCol="0" anchor="b"/>
+          <a:lstStyle>
+            <a:lvl1pPr algn="l">
+              <a:defRPr sz="1200"/>
+            </a:lvl1pPr>
+          </a:lstStyle>
+          <a:p>
+            <a:endParaRPr lang="zh-CN" altLang="en-US"/>
+          </a:p>
+        </p:txBody>
+      </p:sp>
+      <p:sp>
+        <p:nvSpPr>
+          <p:cNvPr id="7" name="灯片编号占位符 6"/>
+          <p:cNvSpPr>
+            <a:spLocks noGrp="1"/>
+          </p:cNvSpPr>
+          <p:nvPr>
+            <p:ph type="sldNum" sz="quarter" idx="5"/>
+          </p:nvPr>
+        </p:nvSpPr>
+        <p:spPr>
+          <a:xfrm>
+            <a:off x="3884613" y="8685213"/>
+            <a:ext cx="2971800" cy="458787"/>
+          </a:xfrm>
+          <a:prstGeom prst="rect">
+            <a:avLst/>
+          </a:prstGeom>
+        </p:spPr>
+        <p:txBody>
+          <a:bodyPr vert="horz" lIns="91440" tIns="45720" rIns="91440" bIns="45720" rtlCol="0" anchor="b"/>
+          <a:lstStyle>
+            <a:lvl1pPr algn="r">
+              <a:defRPr sz="1200"/>
+            </a:lvl1pPr>
+          </a:lstStyle>
+          <a:p>
+            <a:fld id="{C60B6B56-D07F-4BA1-B905-6FE8234261B0}" type="slidenum">
+              <a:rPr lang="zh-CN" altLang="en-US" smtClean="0"/>
+              <a:t>‹#›</a:t>
+            </a:fld>
+            <a:endParaRPr lang="zh-CN" altLang="en-US"/>
+          </a:p>
+        </p:txBody>
+      </p:sp>
+    </p:spTree>
+    <p:extLst>
+      <p:ext uri="{BB962C8B-B14F-4D97-AF65-F5344CB8AC3E}">
+        <p14:creationId xmlns:p14="http://schemas.microsoft.com/office/powerpoint/2010/main" val="1623716445"/>
+      </p:ext>
+    </p:extLst>
+  </p:cSld>
+  <p:clrMap bg1="lt1" tx1="dk1" bg2="lt2" tx2="dk2" accent1="accent1" accent2="accent2" accent3="accent3" accent4="accent4" accent5="accent5" accent6="accent6" hlink="hlink" folHlink="folHlink"/>
+  <p:notesStyle>
+    <a:lvl1pPr marL="0" algn="l" defTabSz="914400" rtl="0" eaLnBrk="1" latinLnBrk="0" hangingPunct="1">
+      <a:defRPr sz="1200" kern="1200">
+        <a:solidFill>
+          <a:schemeClr val="tx1"/>
+        </a:solidFill>
+        <a:latin typeface="+mn-lt"/>
+        <a:ea typeface="+mn-ea"/>
+        <a:cs typeface="+mn-cs"/>
+      </a:defRPr>
+    </a:lvl1pPr>
+    <a:lvl2pPr marL="457200" algn="l" defTabSz="914400" rtl="0" eaLnBrk="1" latinLnBrk="0" hangingPunct="1">
+      <a:defRPr sz="1200" kern="1200">
+        <a:solidFill>
+          <a:schemeClr val="tx1"/>
+        </a:solidFill>
+        <a:latin typeface="+mn-lt"/>
+        <a:ea typeface="+mn-ea"/>
+        <a:cs typeface="+mn-cs"/>
+      </a:defRPr>
+    </a:lvl2pPr>
+    <a:lvl3pPr marL="914400" algn="l" defTabSz="914400" rtl="0" eaLnBrk="1" latinLnBrk="0" hangingPunct="1">
+      <a:defRPr sz="1200" kern="1200">
+        <a:solidFill>
+          <a:schemeClr val="tx1"/>
+        </a:solidFill>
+        <a:latin typeface="+mn-lt"/>
+        <a:ea typeface="+mn-ea"/>
+        <a:cs typeface="+mn-cs"/>
+      </a:defRPr>
+    </a:lvl3pPr>
+    <a:lvl4pPr marL="1371600" algn="l" defTabSz="914400" rtl="0" eaLnBrk="1" latinLnBrk="0" hangingPunct="1">
+      <a:defRPr sz="1200" kern="1200">
+        <a:solidFill>
+          <a:schemeClr val="tx1"/>
+        </a:solidFill>
+        <a:latin typeface="+mn-lt"/>
+        <a:ea typeface="+mn-ea"/>
+        <a:cs typeface="+mn-cs"/>
+      </a:defRPr>
+    </a:lvl4pPr>
+    <a:lvl5pPr marL="1828800" algn="l" defTabSz="914400" rtl="0" eaLnBrk="1" latinLnBrk="0" hangingPunct="1">
+      <a:defRPr sz="1200" kern="1200">
+        <a:solidFill>
+          <a:schemeClr val="tx1"/>
+        </a:solidFill>
+        <a:latin typeface="+mn-lt"/>
+        <a:ea typeface="+mn-ea"/>
+        <a:cs typeface="+mn-cs"/>
+      </a:defRPr>
+    </a:lvl5pPr>
+    <a:lvl6pPr marL="2286000" algn="l" defTabSz="914400" rtl="0" eaLnBrk="1" latinLnBrk="0" hangingPunct="1">
+      <a:defRPr sz="1200" kern="1200">
+        <a:solidFill>
+          <a:schemeClr val="tx1"/>
+        </a:solidFill>
+        <a:latin typeface="+mn-lt"/>
+        <a:ea typeface="+mn-ea"/>
+        <a:cs typeface="+mn-cs"/>
+      </a:defRPr>
+    </a:lvl6pPr>
+    <a:lvl7pPr marL="2743200" algn="l" defTabSz="914400" rtl="0" eaLnBrk="1" latinLnBrk="0" hangingPunct="1">
+      <a:defRPr sz="1200" kern="1200">
+        <a:solidFill>
+          <a:schemeClr val="tx1"/>
+        </a:solidFill>
+        <a:latin typeface="+mn-lt"/>
+        <a:ea typeface="+mn-ea"/>
+        <a:cs typeface="+mn-cs"/>
+      </a:defRPr>
+    </a:lvl7pPr>
+    <a:lvl8pPr marL="3200400" algn="l" defTabSz="914400" rtl="0" eaLnBrk="1" latinLnBrk="0" hangingPunct="1">
+      <a:defRPr sz="1200" kern="1200">
+        <a:solidFill>
+          <a:schemeClr val="tx1"/>
+        </a:solidFill>
+        <a:latin typeface="+mn-lt"/>
+        <a:ea typeface="+mn-ea"/>
+        <a:cs typeface="+mn-cs"/>
+      </a:defRPr>
+    </a:lvl8pPr>
+    <a:lvl9pPr marL="3657600" algn="l" defTabSz="914400" rtl="0" eaLnBrk="1" latinLnBrk="0" hangingPunct="1">
+      <a:defRPr sz="1200" kern="1200">
+        <a:solidFill>
+          <a:schemeClr val="tx1"/>
+        </a:solidFill>
+        <a:latin typeface="+mn-lt"/>
+        <a:ea typeface="+mn-ea"/>
+        <a:cs typeface="+mn-cs"/>
+      </a:defRPr>
+    </a:lvl9pPr>
+  </p:notesStyle>
+</p:notesMaster>
+</file>
+
+<file path=ppt/notesSlides/notesSlide1.xml><?xml version="1.0" encoding="utf-8"?>
+<p:notes xmlns:a="http://schemas.openxmlformats.org/drawingml/2006/main" xmlns:r="http://schemas.openxmlformats.org/officeDocument/2006/relationships" xmlns:p="http://schemas.openxmlformats.org/presentationml/2006/main">
+  <p:cSld>
+    <p:spTree>
+      <p:nvGrpSpPr>
+        <p:cNvPr id="1" name=""/>
+        <p:cNvGrpSpPr/>
+        <p:nvPr/>
+      </p:nvGrpSpPr>
+      <p:grpSpPr>
+        <a:xfrm>
+          <a:off x="0" y="0"/>
+          <a:ext cx="0" cy="0"/>
+          <a:chOff x="0" y="0"/>
+          <a:chExt cx="0" cy="0"/>
+        </a:xfrm>
+      </p:grpSpPr>
+      <p:sp>
+        <p:nvSpPr>
+          <p:cNvPr id="2" name="幻灯片图像占位符 1"/>
+          <p:cNvSpPr>
+            <a:spLocks noGrp="1" noRot="1" noChangeAspect="1"/>
+          </p:cNvSpPr>
+          <p:nvPr>
+            <p:ph type="sldImg"/>
+          </p:nvPr>
+        </p:nvSpPr>
+        <p:spPr/>
+      </p:sp>
+      <p:sp>
+        <p:nvSpPr>
+          <p:cNvPr id="3" name="备注占位符 2"/>
+          <p:cNvSpPr>
+            <a:spLocks noGrp="1"/>
+          </p:cNvSpPr>
+          <p:nvPr>
+            <p:ph type="body" idx="1"/>
+          </p:nvPr>
+        </p:nvSpPr>
+        <p:spPr/>
+        <p:txBody>
+          <a:bodyPr/>
+          <a:lstStyle/>
+          <a:p>
+            <a:r>
+              <a:rPr lang="zh-CN" altLang="en-US" dirty="0"/>
+              <a:t>特定的句子在语料库</a:t>
+            </a:r>
+            <a:r>
+              <a:rPr lang="en-US" altLang="zh-CN" dirty="0"/>
+              <a:t>(corpus)</a:t>
+            </a:r>
+            <a:r>
+              <a:rPr lang="zh-CN" altLang="en-US" dirty="0"/>
+              <a:t>中出现的可能性。</a:t>
+            </a:r>
+          </a:p>
+        </p:txBody>
+      </p:sp>
+      <p:sp>
+        <p:nvSpPr>
+          <p:cNvPr id="4" name="灯片编号占位符 3"/>
+          <p:cNvSpPr>
+            <a:spLocks noGrp="1"/>
+          </p:cNvSpPr>
+          <p:nvPr>
+            <p:ph type="sldNum" sz="quarter" idx="5"/>
+          </p:nvPr>
+        </p:nvSpPr>
+        <p:spPr/>
+        <p:txBody>
+          <a:bodyPr/>
+          <a:lstStyle/>
+          <a:p>
+            <a:fld id="{C60B6B56-D07F-4BA1-B905-6FE8234261B0}" type="slidenum">
+              <a:rPr lang="zh-CN" altLang="en-US" smtClean="0"/>
+              <a:t>4</a:t>
+            </a:fld>
+            <a:endParaRPr lang="zh-CN" altLang="en-US"/>
+          </a:p>
+        </p:txBody>
+      </p:sp>
+    </p:spTree>
+    <p:extLst>
+      <p:ext uri="{BB962C8B-B14F-4D97-AF65-F5344CB8AC3E}">
+        <p14:creationId xmlns:p14="http://schemas.microsoft.com/office/powerpoint/2010/main" val="2377635956"/>
+      </p:ext>
+    </p:extLst>
+  </p:cSld>
+  <p:clrMapOvr>
+    <a:masterClrMapping/>
+  </p:clrMapOvr>
+</p:notes>
+</file>
+
+<file path=ppt/notesSlides/notesSlide2.xml><?xml version="1.0" encoding="utf-8"?>
+<p:notes xmlns:a="http://schemas.openxmlformats.org/drawingml/2006/main" xmlns:r="http://schemas.openxmlformats.org/officeDocument/2006/relationships" xmlns:p="http://schemas.openxmlformats.org/presentationml/2006/main">
+  <p:cSld>
+    <p:spTree>
+      <p:nvGrpSpPr>
+        <p:cNvPr id="1" name=""/>
+        <p:cNvGrpSpPr/>
+        <p:nvPr/>
+      </p:nvGrpSpPr>
+      <p:grpSpPr>
+        <a:xfrm>
+          <a:off x="0" y="0"/>
+          <a:ext cx="0" cy="0"/>
+          <a:chOff x="0" y="0"/>
+          <a:chExt cx="0" cy="0"/>
+        </a:xfrm>
+      </p:grpSpPr>
+      <p:sp>
+        <p:nvSpPr>
+          <p:cNvPr id="2" name="幻灯片图像占位符 1"/>
+          <p:cNvSpPr>
+            <a:spLocks noGrp="1" noRot="1" noChangeAspect="1"/>
+          </p:cNvSpPr>
+          <p:nvPr>
+            <p:ph type="sldImg"/>
+          </p:nvPr>
+        </p:nvSpPr>
+        <p:spPr/>
+      </p:sp>
+      <p:sp>
+        <p:nvSpPr>
+          <p:cNvPr id="3" name="备注占位符 2"/>
+          <p:cNvSpPr>
+            <a:spLocks noGrp="1"/>
+          </p:cNvSpPr>
+          <p:nvPr>
+            <p:ph type="body" idx="1"/>
+          </p:nvPr>
+        </p:nvSpPr>
+        <p:spPr/>
+        <p:txBody>
+          <a:bodyPr/>
+          <a:lstStyle/>
+          <a:p>
+            <a:r>
+              <a:rPr lang="zh-CN" altLang="en-US" dirty="0"/>
+              <a:t>幂律分布</a:t>
+            </a:r>
+            <a:r>
+              <a:rPr lang="en-US" altLang="zh-CN" dirty="0"/>
+              <a:t>: </a:t>
+            </a:r>
+            <a:r>
+              <a:rPr lang="zh-CN" altLang="en-US" dirty="0"/>
+              <a:t>某个随机变量分布密度函数是幂函数，表现在图上一条斜率为幂指数负数的直线</a:t>
+            </a:r>
+            <a:r>
+              <a:rPr lang="en-US" altLang="zh-CN" dirty="0"/>
+              <a:t>.</a:t>
+            </a:r>
+            <a:endParaRPr lang="zh-CN" altLang="en-US" dirty="0"/>
+          </a:p>
+        </p:txBody>
+      </p:sp>
+      <p:sp>
+        <p:nvSpPr>
+          <p:cNvPr id="4" name="灯片编号占位符 3"/>
+          <p:cNvSpPr>
+            <a:spLocks noGrp="1"/>
+          </p:cNvSpPr>
+          <p:nvPr>
+            <p:ph type="sldNum" sz="quarter" idx="5"/>
+          </p:nvPr>
+        </p:nvSpPr>
+        <p:spPr/>
+        <p:txBody>
+          <a:bodyPr/>
+          <a:lstStyle/>
+          <a:p>
+            <a:fld id="{C60B6B56-D07F-4BA1-B905-6FE8234261B0}" type="slidenum">
+              <a:rPr lang="zh-CN" altLang="en-US" smtClean="0"/>
+              <a:t>5</a:t>
+            </a:fld>
+            <a:endParaRPr lang="zh-CN" altLang="en-US"/>
+          </a:p>
+        </p:txBody>
+      </p:sp>
+    </p:spTree>
+    <p:extLst>
+      <p:ext uri="{BB962C8B-B14F-4D97-AF65-F5344CB8AC3E}">
+        <p14:creationId xmlns:p14="http://schemas.microsoft.com/office/powerpoint/2010/main" val="1752960454"/>
+      </p:ext>
+    </p:extLst>
+  </p:cSld>
+  <p:clrMapOvr>
+    <a:masterClrMapping/>
+  </p:clrMapOvr>
+</p:notes>
+</file>
+
 <file path=ppt/slideLayouts/slideLayout1.xml><?xml version="1.0" encoding="utf-8"?>
 <p:sldLayout xmlns:a="http://schemas.openxmlformats.org/drawingml/2006/main" xmlns:r="http://schemas.openxmlformats.org/officeDocument/2006/relationships" xmlns:p="http://schemas.openxmlformats.org/presentationml/2006/main" type="title" preserve="1">
   <p:cSld name="标题幻灯片">
@@ -261,7 +823,7 @@
           <a:p>
             <a:fld id="{0B3207B4-5D25-4EF4-A88C-C57336970A58}" type="datetimeFigureOut">
               <a:rPr lang="zh-CN" altLang="en-US" smtClean="0"/>
-              <a:t>2021/9/13</a:t>
+              <a:t>2021/9/16</a:t>
             </a:fld>
             <a:endParaRPr lang="zh-CN" altLang="en-US"/>
           </a:p>
@@ -459,7 +1021,7 @@
           <a:p>
             <a:fld id="{0B3207B4-5D25-4EF4-A88C-C57336970A58}" type="datetimeFigureOut">
               <a:rPr lang="zh-CN" altLang="en-US" smtClean="0"/>
-              <a:t>2021/9/13</a:t>
+              <a:t>2021/9/16</a:t>
             </a:fld>
             <a:endParaRPr lang="zh-CN" altLang="en-US"/>
           </a:p>
@@ -667,7 +1229,7 @@
           <a:p>
             <a:fld id="{0B3207B4-5D25-4EF4-A88C-C57336970A58}" type="datetimeFigureOut">
               <a:rPr lang="zh-CN" altLang="en-US" smtClean="0"/>
-              <a:t>2021/9/13</a:t>
+              <a:t>2021/9/16</a:t>
             </a:fld>
             <a:endParaRPr lang="zh-CN" altLang="en-US"/>
           </a:p>
@@ -865,7 +1427,7 @@
           <a:p>
             <a:fld id="{0B3207B4-5D25-4EF4-A88C-C57336970A58}" type="datetimeFigureOut">
               <a:rPr lang="zh-CN" altLang="en-US" smtClean="0"/>
-              <a:t>2021/9/13</a:t>
+              <a:t>2021/9/16</a:t>
             </a:fld>
             <a:endParaRPr lang="zh-CN" altLang="en-US"/>
           </a:p>
@@ -1140,7 +1702,7 @@
           <a:p>
             <a:fld id="{0B3207B4-5D25-4EF4-A88C-C57336970A58}" type="datetimeFigureOut">
               <a:rPr lang="zh-CN" altLang="en-US" smtClean="0"/>
-              <a:t>2021/9/13</a:t>
+              <a:t>2021/9/16</a:t>
             </a:fld>
             <a:endParaRPr lang="zh-CN" altLang="en-US"/>
           </a:p>
@@ -1405,7 +1967,7 @@
           <a:p>
             <a:fld id="{0B3207B4-5D25-4EF4-A88C-C57336970A58}" type="datetimeFigureOut">
               <a:rPr lang="zh-CN" altLang="en-US" smtClean="0"/>
-              <a:t>2021/9/13</a:t>
+              <a:t>2021/9/16</a:t>
             </a:fld>
             <a:endParaRPr lang="zh-CN" altLang="en-US"/>
           </a:p>
@@ -1817,7 +2379,7 @@
           <a:p>
             <a:fld id="{0B3207B4-5D25-4EF4-A88C-C57336970A58}" type="datetimeFigureOut">
               <a:rPr lang="zh-CN" altLang="en-US" smtClean="0"/>
-              <a:t>2021/9/13</a:t>
+              <a:t>2021/9/16</a:t>
             </a:fld>
             <a:endParaRPr lang="zh-CN" altLang="en-US"/>
           </a:p>
@@ -1958,7 +2520,7 @@
           <a:p>
             <a:fld id="{0B3207B4-5D25-4EF4-A88C-C57336970A58}" type="datetimeFigureOut">
               <a:rPr lang="zh-CN" altLang="en-US" smtClean="0"/>
-              <a:t>2021/9/13</a:t>
+              <a:t>2021/9/16</a:t>
             </a:fld>
             <a:endParaRPr lang="zh-CN" altLang="en-US"/>
           </a:p>
@@ -2071,7 +2633,7 @@
           <a:p>
             <a:fld id="{0B3207B4-5D25-4EF4-A88C-C57336970A58}" type="datetimeFigureOut">
               <a:rPr lang="zh-CN" altLang="en-US" smtClean="0"/>
-              <a:t>2021/9/13</a:t>
+              <a:t>2021/9/16</a:t>
             </a:fld>
             <a:endParaRPr lang="zh-CN" altLang="en-US"/>
           </a:p>
@@ -2382,7 +2944,7 @@
           <a:p>
             <a:fld id="{0B3207B4-5D25-4EF4-A88C-C57336970A58}" type="datetimeFigureOut">
               <a:rPr lang="zh-CN" altLang="en-US" smtClean="0"/>
-              <a:t>2021/9/13</a:t>
+              <a:t>2021/9/16</a:t>
             </a:fld>
             <a:endParaRPr lang="zh-CN" altLang="en-US"/>
           </a:p>
@@ -2670,7 +3232,7 @@
           <a:p>
             <a:fld id="{0B3207B4-5D25-4EF4-A88C-C57336970A58}" type="datetimeFigureOut">
               <a:rPr lang="zh-CN" altLang="en-US" smtClean="0"/>
-              <a:t>2021/9/13</a:t>
+              <a:t>2021/9/16</a:t>
             </a:fld>
             <a:endParaRPr lang="zh-CN" altLang="en-US"/>
           </a:p>
@@ -2911,7 +3473,7 @@
           <a:p>
             <a:fld id="{0B3207B4-5D25-4EF4-A88C-C57336970A58}" type="datetimeFigureOut">
               <a:rPr lang="zh-CN" altLang="en-US" smtClean="0"/>
-              <a:t>2021/9/13</a:t>
+              <a:t>2021/9/16</a:t>
             </a:fld>
             <a:endParaRPr lang="zh-CN" altLang="en-US"/>
           </a:p>
@@ -4366,8 +4928,8 @@
           </a:p>
         </p:txBody>
       </p:sp>
-      <mc:AlternateContent xmlns:mc="http://schemas.openxmlformats.org/markup-compatibility/2006">
-        <mc:Choice xmlns:a14="http://schemas.microsoft.com/office/drawing/2010/main" Requires="a14">
+      <mc:AlternateContent xmlns:mc="http://schemas.openxmlformats.org/markup-compatibility/2006" xmlns:a14="http://schemas.microsoft.com/office/drawing/2010/main">
+        <mc:Choice Requires="a14">
           <p:sp>
             <p:nvSpPr>
               <p:cNvPr id="5" name="文本框 4">
@@ -4401,7 +4963,7 @@
                     <m:sSub>
                       <m:sSubPr>
                         <m:ctrlPr>
-                          <a:rPr lang="zh-CN" altLang="en-US" smtClean="0">
+                          <a:rPr lang="zh-CN" altLang="en-US" i="1" smtClean="0">
                             <a:latin typeface="Cambria Math" panose="02040503050406030204" pitchFamily="18" charset="0"/>
                           </a:rPr>
                         </m:ctrlPr>
@@ -4519,7 +5081,7 @@
             </p:txBody>
           </p:sp>
         </mc:Choice>
-        <mc:Fallback>
+        <mc:Fallback xmlns="">
           <p:sp>
             <p:nvSpPr>
               <p:cNvPr id="5" name="文本框 4">
@@ -4623,8 +5185,8 @@
           </a:prstGeom>
         </p:spPr>
       </p:pic>
-      <mc:AlternateContent xmlns:mc="http://schemas.openxmlformats.org/markup-compatibility/2006">
-        <mc:Choice xmlns:a14="http://schemas.microsoft.com/office/drawing/2010/main" Requires="a14">
+      <mc:AlternateContent xmlns:mc="http://schemas.openxmlformats.org/markup-compatibility/2006" xmlns:a14="http://schemas.microsoft.com/office/drawing/2010/main">
+        <mc:Choice Requires="a14">
           <p:sp>
             <p:nvSpPr>
               <p:cNvPr id="10" name="矩形 9">
@@ -4743,7 +5305,7 @@
             </p:txBody>
           </p:sp>
         </mc:Choice>
-        <mc:Fallback>
+        <mc:Fallback xmlns="">
           <p:sp>
             <p:nvSpPr>
               <p:cNvPr id="10" name="矩形 9">
@@ -5167,8 +5729,8 @@
           </a:graphicData>
         </a:graphic>
       </p:graphicFrame>
-      <mc:AlternateContent xmlns:mc="http://schemas.openxmlformats.org/markup-compatibility/2006">
-        <mc:Choice xmlns:a14="http://schemas.microsoft.com/office/drawing/2010/main" Requires="a14">
+      <mc:AlternateContent xmlns:mc="http://schemas.openxmlformats.org/markup-compatibility/2006" xmlns:a14="http://schemas.microsoft.com/office/drawing/2010/main">
+        <mc:Choice Requires="a14">
           <p:sp>
             <p:nvSpPr>
               <p:cNvPr id="15" name="矩形 14">
@@ -5196,6 +5758,7 @@
               </a:bodyPr>
               <a:lstStyle/>
               <a:p>
+                <a:pPr/>
                 <a14:m>
                   <m:oMathPara xmlns:m="http://schemas.openxmlformats.org/officeDocument/2006/math">
                     <m:oMathParaPr>
@@ -5216,7 +5779,7 @@
             </p:txBody>
           </p:sp>
         </mc:Choice>
-        <mc:Fallback>
+        <mc:Fallback xmlns="">
           <p:sp>
             <p:nvSpPr>
               <p:cNvPr id="15" name="矩形 14">
@@ -5351,8 +5914,8 @@
           </a:p>
         </p:txBody>
       </p:sp>
-      <mc:AlternateContent xmlns:mc="http://schemas.openxmlformats.org/markup-compatibility/2006">
-        <mc:Choice xmlns:a14="http://schemas.microsoft.com/office/drawing/2010/main" Requires="a14">
+      <mc:AlternateContent xmlns:mc="http://schemas.openxmlformats.org/markup-compatibility/2006" xmlns:a14="http://schemas.microsoft.com/office/drawing/2010/main">
+        <mc:Choice Requires="a14">
           <p:sp>
             <p:nvSpPr>
               <p:cNvPr id="26" name="矩形 25">
@@ -5380,6 +5943,7 @@
               </a:bodyPr>
               <a:lstStyle/>
               <a:p>
+                <a:pPr/>
                 <a14:m>
                   <m:oMathPara xmlns:m="http://schemas.openxmlformats.org/officeDocument/2006/math">
                     <m:oMathParaPr>
@@ -5400,7 +5964,7 @@
             </p:txBody>
           </p:sp>
         </mc:Choice>
-        <mc:Fallback>
+        <mc:Fallback xmlns="">
           <p:sp>
             <p:nvSpPr>
               <p:cNvPr id="26" name="矩形 25">
@@ -5445,8 +6009,8 @@
           </p:sp>
         </mc:Fallback>
       </mc:AlternateContent>
-      <mc:AlternateContent xmlns:mc="http://schemas.openxmlformats.org/markup-compatibility/2006">
-        <mc:Choice xmlns:a14="http://schemas.microsoft.com/office/drawing/2010/main" Requires="a14">
+      <mc:AlternateContent xmlns:mc="http://schemas.openxmlformats.org/markup-compatibility/2006" xmlns:a14="http://schemas.microsoft.com/office/drawing/2010/main">
+        <mc:Choice Requires="a14">
           <p:sp>
             <p:nvSpPr>
               <p:cNvPr id="27" name="矩形 26">
@@ -5474,6 +6038,7 @@
               </a:bodyPr>
               <a:lstStyle/>
               <a:p>
+                <a:pPr/>
                 <a14:m>
                   <m:oMathPara xmlns:m="http://schemas.openxmlformats.org/officeDocument/2006/math">
                     <m:oMathParaPr>
@@ -5506,7 +6071,7 @@
             </p:txBody>
           </p:sp>
         </mc:Choice>
-        <mc:Fallback>
+        <mc:Fallback xmlns="">
           <p:sp>
             <p:nvSpPr>
               <p:cNvPr id="27" name="矩形 26">
@@ -5551,8 +6116,8 @@
           </p:sp>
         </mc:Fallback>
       </mc:AlternateContent>
-      <mc:AlternateContent xmlns:mc="http://schemas.openxmlformats.org/markup-compatibility/2006">
-        <mc:Choice xmlns:a14="http://schemas.microsoft.com/office/drawing/2010/main" Requires="a14">
+      <mc:AlternateContent xmlns:mc="http://schemas.openxmlformats.org/markup-compatibility/2006" xmlns:a14="http://schemas.microsoft.com/office/drawing/2010/main">
+        <mc:Choice Requires="a14">
           <p:sp>
             <p:nvSpPr>
               <p:cNvPr id="33" name="矩形 32">
@@ -5580,6 +6145,7 @@
               </a:bodyPr>
               <a:lstStyle/>
               <a:p>
+                <a:pPr/>
                 <a14:m>
                   <m:oMathPara xmlns:m="http://schemas.openxmlformats.org/officeDocument/2006/math">
                     <m:oMathParaPr>
@@ -5600,7 +6166,7 @@
             </p:txBody>
           </p:sp>
         </mc:Choice>
-        <mc:Fallback>
+        <mc:Fallback xmlns="">
           <p:sp>
             <p:nvSpPr>
               <p:cNvPr id="33" name="矩形 32">
@@ -5912,8 +6478,8 @@
           </a:p>
         </p:txBody>
       </p:sp>
-      <mc:AlternateContent xmlns:mc="http://schemas.openxmlformats.org/markup-compatibility/2006">
-        <mc:Choice xmlns:a14="http://schemas.microsoft.com/office/drawing/2010/main" Requires="a14">
+      <mc:AlternateContent xmlns:mc="http://schemas.openxmlformats.org/markup-compatibility/2006" xmlns:a14="http://schemas.microsoft.com/office/drawing/2010/main">
+        <mc:Choice Requires="a14">
           <p:sp>
             <p:nvSpPr>
               <p:cNvPr id="36" name="矩形 35">
@@ -5941,6 +6507,7 @@
               </a:bodyPr>
               <a:lstStyle/>
               <a:p>
+                <a:pPr/>
                 <a14:m>
                   <m:oMathPara xmlns:m="http://schemas.openxmlformats.org/officeDocument/2006/math">
                     <m:oMathParaPr>
@@ -5973,7 +6540,7 @@
             </p:txBody>
           </p:sp>
         </mc:Choice>
-        <mc:Fallback>
+        <mc:Fallback xmlns="">
           <p:sp>
             <p:nvSpPr>
               <p:cNvPr id="36" name="矩形 35">
@@ -6220,7 +6787,21 @@
                 <a:latin typeface="Times New Roman" panose="02020603050405020304" pitchFamily="18" charset="0"/>
                 <a:cs typeface="Times New Roman" panose="02020603050405020304" pitchFamily="18" charset="0"/>
               </a:rPr>
-              <a:t>Classify vertices into categories. </a:t>
+              <a:t>Classify vertices into </a:t>
+            </a:r>
+            <a:r>
+              <a:rPr lang="en-US" altLang="zh-CN" u="sng" dirty="0">
+                <a:latin typeface="Times New Roman" panose="02020603050405020304" pitchFamily="18" charset="0"/>
+                <a:cs typeface="Times New Roman" panose="02020603050405020304" pitchFamily="18" charset="0"/>
+              </a:rPr>
+              <a:t>categories</a:t>
+            </a:r>
+            <a:r>
+              <a:rPr lang="en-US" altLang="zh-CN" dirty="0">
+                <a:latin typeface="Times New Roman" panose="02020603050405020304" pitchFamily="18" charset="0"/>
+                <a:cs typeface="Times New Roman" panose="02020603050405020304" pitchFamily="18" charset="0"/>
+              </a:rPr>
+              <a:t>. </a:t>
             </a:r>
             <a:endParaRPr lang="zh-CN" altLang="en-US" dirty="0"/>
           </a:p>
@@ -6292,7 +6873,7 @@
           <a:lstStyle/>
           <a:p>
             <a:r>
-              <a:rPr lang="en-US" altLang="zh-CN" dirty="0" err="1">
+              <a:rPr lang="en-US" altLang="zh-CN" b="1" dirty="0" err="1">
                 <a:latin typeface="Times New Roman" panose="02020603050405020304" pitchFamily="18" charset="0"/>
                 <a:ea typeface="黑体" panose="02010609060101010101" pitchFamily="49" charset="-122"/>
                 <a:cs typeface="Times New Roman" panose="02020603050405020304" pitchFamily="18" charset="0"/>
@@ -6515,8 +7096,4388 @@
           <a:chExt cx="0" cy="0"/>
         </a:xfrm>
       </p:grpSpPr>
+      <p:sp>
+        <p:nvSpPr>
+          <p:cNvPr id="3" name="矩形 2">
+            <a:extLst>
+              <a:ext uri="{FF2B5EF4-FFF2-40B4-BE49-F238E27FC236}">
+                <a16:creationId xmlns:a16="http://schemas.microsoft.com/office/drawing/2014/main" id="{95830657-34FC-4327-A4F7-1B5A43317C5A}"/>
+              </a:ext>
+            </a:extLst>
+          </p:cNvPr>
+          <p:cNvSpPr/>
+          <p:nvPr/>
+        </p:nvSpPr>
+        <p:spPr>
+          <a:xfrm>
+            <a:off x="397123" y="362738"/>
+            <a:ext cx="5414303" cy="400110"/>
+          </a:xfrm>
+          <a:prstGeom prst="rect">
+            <a:avLst/>
+          </a:prstGeom>
+        </p:spPr>
+        <p:txBody>
+          <a:bodyPr wrap="none">
+            <a:spAutoFit/>
+          </a:bodyPr>
+          <a:lstStyle/>
+          <a:p>
+            <a:r>
+              <a:rPr lang="en-US" altLang="zh-CN" sz="2000" b="1" dirty="0">
+                <a:latin typeface="Times New Roman" panose="02020603050405020304" pitchFamily="18" charset="0"/>
+                <a:ea typeface="黑体" panose="02010609060101010101" pitchFamily="49" charset="-122"/>
+                <a:cs typeface="Times New Roman" panose="02020603050405020304" pitchFamily="18" charset="0"/>
+              </a:rPr>
+              <a:t>3. LEARNING SOCIAL REPRESENTATIONS</a:t>
+            </a:r>
+            <a:endParaRPr lang="zh-CN" altLang="en-US" sz="2000" dirty="0"/>
+          </a:p>
+        </p:txBody>
+      </p:sp>
+      <p:sp>
+        <p:nvSpPr>
+          <p:cNvPr id="4" name="矩形 3">
+            <a:extLst>
+              <a:ext uri="{FF2B5EF4-FFF2-40B4-BE49-F238E27FC236}">
+                <a16:creationId xmlns:a16="http://schemas.microsoft.com/office/drawing/2014/main" id="{E1E340BC-3219-4B8B-913C-1437915B8EC5}"/>
+              </a:ext>
+            </a:extLst>
+          </p:cNvPr>
+          <p:cNvSpPr/>
+          <p:nvPr/>
+        </p:nvSpPr>
+        <p:spPr>
+          <a:xfrm>
+            <a:off x="828298" y="845083"/>
+            <a:ext cx="2185214" cy="1477328"/>
+          </a:xfrm>
+          <a:prstGeom prst="rect">
+            <a:avLst/>
+          </a:prstGeom>
+        </p:spPr>
+        <p:txBody>
+          <a:bodyPr wrap="square">
+            <a:spAutoFit/>
+          </a:bodyPr>
+          <a:lstStyle/>
+          <a:p>
+            <a:r>
+              <a:rPr lang="en-US" altLang="zh-CN" dirty="0">
+                <a:latin typeface="Times New Roman" panose="02020603050405020304" pitchFamily="18" charset="0"/>
+                <a:ea typeface="黑体" panose="02010609060101010101" pitchFamily="49" charset="-122"/>
+                <a:cs typeface="Times New Roman" panose="02020603050405020304" pitchFamily="18" charset="0"/>
+              </a:rPr>
+              <a:t>Some characteristics:</a:t>
+            </a:r>
+          </a:p>
+          <a:p>
+            <a:pPr marL="285750" indent="-285750">
+              <a:buFont typeface="Arial" panose="020B0604020202020204" pitchFamily="34" charset="0"/>
+              <a:buChar char="•"/>
+            </a:pPr>
+            <a:r>
+              <a:rPr lang="en-US" altLang="zh-CN" dirty="0">
+                <a:latin typeface="Times New Roman" panose="02020603050405020304" pitchFamily="18" charset="0"/>
+                <a:ea typeface="微软雅黑" panose="020B0503020204020204" pitchFamily="34" charset="-122"/>
+                <a:cs typeface="Times New Roman" panose="02020603050405020304" pitchFamily="18" charset="0"/>
+              </a:rPr>
+              <a:t>Adaptability</a:t>
+            </a:r>
+          </a:p>
+          <a:p>
+            <a:pPr marL="285750" indent="-285750">
+              <a:buFont typeface="Arial" panose="020B0604020202020204" pitchFamily="34" charset="0"/>
+              <a:buChar char="•"/>
+            </a:pPr>
+            <a:r>
+              <a:rPr lang="en-US" altLang="zh-CN" dirty="0">
+                <a:latin typeface="Times New Roman" panose="02020603050405020304" pitchFamily="18" charset="0"/>
+                <a:ea typeface="微软雅黑" panose="020B0503020204020204" pitchFamily="34" charset="-122"/>
+                <a:cs typeface="Times New Roman" panose="02020603050405020304" pitchFamily="18" charset="0"/>
+              </a:rPr>
+              <a:t>Community aware</a:t>
+            </a:r>
+          </a:p>
+          <a:p>
+            <a:pPr marL="285750" indent="-285750">
+              <a:buFont typeface="Arial" panose="020B0604020202020204" pitchFamily="34" charset="0"/>
+              <a:buChar char="•"/>
+            </a:pPr>
+            <a:r>
+              <a:rPr lang="en-US" altLang="zh-CN" dirty="0">
+                <a:latin typeface="Times New Roman" panose="02020603050405020304" pitchFamily="18" charset="0"/>
+                <a:ea typeface="微软雅黑" panose="020B0503020204020204" pitchFamily="34" charset="-122"/>
+                <a:cs typeface="Times New Roman" panose="02020603050405020304" pitchFamily="18" charset="0"/>
+              </a:rPr>
+              <a:t>Low dimensional</a:t>
+            </a:r>
+          </a:p>
+          <a:p>
+            <a:pPr marL="285750" indent="-285750">
+              <a:buFont typeface="Arial" panose="020B0604020202020204" pitchFamily="34" charset="0"/>
+              <a:buChar char="•"/>
+            </a:pPr>
+            <a:r>
+              <a:rPr lang="en-US" altLang="zh-CN" dirty="0">
+                <a:latin typeface="Times New Roman" panose="02020603050405020304" pitchFamily="18" charset="0"/>
+                <a:ea typeface="微软雅黑" panose="020B0503020204020204" pitchFamily="34" charset="-122"/>
+                <a:cs typeface="Times New Roman" panose="02020603050405020304" pitchFamily="18" charset="0"/>
+              </a:rPr>
+              <a:t>Continuous</a:t>
+            </a:r>
+            <a:endParaRPr lang="zh-CN" altLang="en-US" dirty="0">
+              <a:latin typeface="Times New Roman" panose="02020603050405020304" pitchFamily="18" charset="0"/>
+              <a:ea typeface="微软雅黑" panose="020B0503020204020204" pitchFamily="34" charset="-122"/>
+              <a:cs typeface="Times New Roman" panose="02020603050405020304" pitchFamily="18" charset="0"/>
+            </a:endParaRPr>
+          </a:p>
+        </p:txBody>
+      </p:sp>
+      <p:sp>
+        <p:nvSpPr>
+          <p:cNvPr id="5" name="矩形 4">
+            <a:extLst>
+              <a:ext uri="{FF2B5EF4-FFF2-40B4-BE49-F238E27FC236}">
+                <a16:creationId xmlns:a16="http://schemas.microsoft.com/office/drawing/2014/main" id="{22507041-91C7-4B79-AD0A-9466B034E525}"/>
+              </a:ext>
+            </a:extLst>
+          </p:cNvPr>
+          <p:cNvSpPr/>
+          <p:nvPr/>
+        </p:nvSpPr>
+        <p:spPr>
+          <a:xfrm>
+            <a:off x="126350" y="2492909"/>
+            <a:ext cx="2046458" cy="369332"/>
+          </a:xfrm>
+          <a:prstGeom prst="rect">
+            <a:avLst/>
+          </a:prstGeom>
+        </p:spPr>
+        <p:txBody>
+          <a:bodyPr wrap="none">
+            <a:spAutoFit/>
+          </a:bodyPr>
+          <a:lstStyle/>
+          <a:p>
+            <a:r>
+              <a:rPr lang="en-US" altLang="zh-CN" b="1" dirty="0">
+                <a:latin typeface="Times New Roman" panose="02020603050405020304" pitchFamily="18" charset="0"/>
+                <a:ea typeface="黑体" panose="02010609060101010101" pitchFamily="49" charset="-122"/>
+                <a:cs typeface="Times New Roman" panose="02020603050405020304" pitchFamily="18" charset="0"/>
+              </a:rPr>
+              <a:t>3.1 Random Walks</a:t>
+            </a:r>
+            <a:endParaRPr lang="zh-CN" altLang="en-US" b="1" dirty="0"/>
+          </a:p>
+        </p:txBody>
+      </p:sp>
+      <p:sp>
+        <p:nvSpPr>
+          <p:cNvPr id="6" name="流程图: 接点 5">
+            <a:extLst>
+              <a:ext uri="{FF2B5EF4-FFF2-40B4-BE49-F238E27FC236}">
+                <a16:creationId xmlns:a16="http://schemas.microsoft.com/office/drawing/2014/main" id="{7648FC95-4987-4A84-8000-58CB3A5354CE}"/>
+              </a:ext>
+            </a:extLst>
+          </p:cNvPr>
+          <p:cNvSpPr/>
+          <p:nvPr/>
+        </p:nvSpPr>
+        <p:spPr>
+          <a:xfrm>
+            <a:off x="434829" y="4011538"/>
+            <a:ext cx="171164" cy="170916"/>
+          </a:xfrm>
+          <a:prstGeom prst="flowChartConnector">
+            <a:avLst/>
+          </a:prstGeom>
+        </p:spPr>
+        <p:style>
+          <a:lnRef idx="2">
+            <a:schemeClr val="accent1">
+              <a:shade val="50000"/>
+            </a:schemeClr>
+          </a:lnRef>
+          <a:fillRef idx="1">
+            <a:schemeClr val="accent1"/>
+          </a:fillRef>
+          <a:effectRef idx="0">
+            <a:schemeClr val="accent1"/>
+          </a:effectRef>
+          <a:fontRef idx="minor">
+            <a:schemeClr val="lt1"/>
+          </a:fontRef>
+        </p:style>
+        <p:txBody>
+          <a:bodyPr rtlCol="0" anchor="ctr"/>
+          <a:lstStyle/>
+          <a:p>
+            <a:pPr algn="ctr"/>
+            <a:endParaRPr lang="zh-CN" altLang="en-US"/>
+          </a:p>
+        </p:txBody>
+      </p:sp>
+      <p:sp>
+        <p:nvSpPr>
+          <p:cNvPr id="7" name="流程图: 接点 6">
+            <a:extLst>
+              <a:ext uri="{FF2B5EF4-FFF2-40B4-BE49-F238E27FC236}">
+                <a16:creationId xmlns:a16="http://schemas.microsoft.com/office/drawing/2014/main" id="{421EA48A-3120-43F7-8BD5-0D0EF2FBB5D9}"/>
+              </a:ext>
+            </a:extLst>
+          </p:cNvPr>
+          <p:cNvSpPr/>
+          <p:nvPr/>
+        </p:nvSpPr>
+        <p:spPr>
+          <a:xfrm>
+            <a:off x="1040156" y="3343542"/>
+            <a:ext cx="171164" cy="170916"/>
+          </a:xfrm>
+          <a:prstGeom prst="flowChartConnector">
+            <a:avLst/>
+          </a:prstGeom>
+        </p:spPr>
+        <p:style>
+          <a:lnRef idx="2">
+            <a:schemeClr val="accent1">
+              <a:shade val="50000"/>
+            </a:schemeClr>
+          </a:lnRef>
+          <a:fillRef idx="1">
+            <a:schemeClr val="accent1"/>
+          </a:fillRef>
+          <a:effectRef idx="0">
+            <a:schemeClr val="accent1"/>
+          </a:effectRef>
+          <a:fontRef idx="minor">
+            <a:schemeClr val="lt1"/>
+          </a:fontRef>
+        </p:style>
+        <p:txBody>
+          <a:bodyPr rtlCol="0" anchor="ctr"/>
+          <a:lstStyle/>
+          <a:p>
+            <a:pPr algn="ctr"/>
+            <a:endParaRPr lang="zh-CN" altLang="en-US"/>
+          </a:p>
+        </p:txBody>
+      </p:sp>
+      <p:sp>
+        <p:nvSpPr>
+          <p:cNvPr id="8" name="流程图: 接点 7">
+            <a:extLst>
+              <a:ext uri="{FF2B5EF4-FFF2-40B4-BE49-F238E27FC236}">
+                <a16:creationId xmlns:a16="http://schemas.microsoft.com/office/drawing/2014/main" id="{90829ED8-6AF6-4FD4-B704-AF07F8903439}"/>
+              </a:ext>
+            </a:extLst>
+          </p:cNvPr>
+          <p:cNvSpPr/>
+          <p:nvPr/>
+        </p:nvSpPr>
+        <p:spPr>
+          <a:xfrm>
+            <a:off x="1638362" y="4011538"/>
+            <a:ext cx="171164" cy="170916"/>
+          </a:xfrm>
+          <a:prstGeom prst="flowChartConnector">
+            <a:avLst/>
+          </a:prstGeom>
+        </p:spPr>
+        <p:style>
+          <a:lnRef idx="2">
+            <a:schemeClr val="accent1">
+              <a:shade val="50000"/>
+            </a:schemeClr>
+          </a:lnRef>
+          <a:fillRef idx="1">
+            <a:schemeClr val="accent1"/>
+          </a:fillRef>
+          <a:effectRef idx="0">
+            <a:schemeClr val="accent1"/>
+          </a:effectRef>
+          <a:fontRef idx="minor">
+            <a:schemeClr val="lt1"/>
+          </a:fontRef>
+        </p:style>
+        <p:txBody>
+          <a:bodyPr rtlCol="0" anchor="ctr"/>
+          <a:lstStyle/>
+          <a:p>
+            <a:pPr algn="ctr"/>
+            <a:endParaRPr lang="zh-CN" altLang="en-US"/>
+          </a:p>
+        </p:txBody>
+      </p:sp>
+      <p:sp>
+        <p:nvSpPr>
+          <p:cNvPr id="9" name="流程图: 接点 8">
+            <a:extLst>
+              <a:ext uri="{FF2B5EF4-FFF2-40B4-BE49-F238E27FC236}">
+                <a16:creationId xmlns:a16="http://schemas.microsoft.com/office/drawing/2014/main" id="{BBE4386A-6BA8-42F2-A9EA-2168C87BD310}"/>
+              </a:ext>
+            </a:extLst>
+          </p:cNvPr>
+          <p:cNvSpPr/>
+          <p:nvPr/>
+        </p:nvSpPr>
+        <p:spPr>
+          <a:xfrm>
+            <a:off x="2339116" y="3343542"/>
+            <a:ext cx="171164" cy="170916"/>
+          </a:xfrm>
+          <a:prstGeom prst="flowChartConnector">
+            <a:avLst/>
+          </a:prstGeom>
+        </p:spPr>
+        <p:style>
+          <a:lnRef idx="2">
+            <a:schemeClr val="accent1">
+              <a:shade val="50000"/>
+            </a:schemeClr>
+          </a:lnRef>
+          <a:fillRef idx="1">
+            <a:schemeClr val="accent1"/>
+          </a:fillRef>
+          <a:effectRef idx="0">
+            <a:schemeClr val="accent1"/>
+          </a:effectRef>
+          <a:fontRef idx="minor">
+            <a:schemeClr val="lt1"/>
+          </a:fontRef>
+        </p:style>
+        <p:txBody>
+          <a:bodyPr rtlCol="0" anchor="ctr"/>
+          <a:lstStyle/>
+          <a:p>
+            <a:pPr algn="ctr"/>
+            <a:endParaRPr lang="zh-CN" altLang="en-US"/>
+          </a:p>
+        </p:txBody>
+      </p:sp>
+      <p:sp>
+        <p:nvSpPr>
+          <p:cNvPr id="10" name="流程图: 接点 9">
+            <a:extLst>
+              <a:ext uri="{FF2B5EF4-FFF2-40B4-BE49-F238E27FC236}">
+                <a16:creationId xmlns:a16="http://schemas.microsoft.com/office/drawing/2014/main" id="{C01AAB6E-4EC5-4985-BE49-AC4C94DB7E88}"/>
+              </a:ext>
+            </a:extLst>
+          </p:cNvPr>
+          <p:cNvSpPr/>
+          <p:nvPr/>
+        </p:nvSpPr>
+        <p:spPr>
+          <a:xfrm>
+            <a:off x="2756313" y="4011538"/>
+            <a:ext cx="171164" cy="170916"/>
+          </a:xfrm>
+          <a:prstGeom prst="flowChartConnector">
+            <a:avLst/>
+          </a:prstGeom>
+        </p:spPr>
+        <p:style>
+          <a:lnRef idx="2">
+            <a:schemeClr val="accent1">
+              <a:shade val="50000"/>
+            </a:schemeClr>
+          </a:lnRef>
+          <a:fillRef idx="1">
+            <a:schemeClr val="accent1"/>
+          </a:fillRef>
+          <a:effectRef idx="0">
+            <a:schemeClr val="accent1"/>
+          </a:effectRef>
+          <a:fontRef idx="minor">
+            <a:schemeClr val="lt1"/>
+          </a:fontRef>
+        </p:style>
+        <p:txBody>
+          <a:bodyPr rtlCol="0" anchor="ctr"/>
+          <a:lstStyle/>
+          <a:p>
+            <a:pPr algn="ctr"/>
+            <a:endParaRPr lang="zh-CN" altLang="en-US"/>
+          </a:p>
+        </p:txBody>
+      </p:sp>
+      <p:sp>
+        <p:nvSpPr>
+          <p:cNvPr id="11" name="流程图: 接点 10">
+            <a:extLst>
+              <a:ext uri="{FF2B5EF4-FFF2-40B4-BE49-F238E27FC236}">
+                <a16:creationId xmlns:a16="http://schemas.microsoft.com/office/drawing/2014/main" id="{1A66E347-3E54-45B4-8C6A-474F51ADDA7D}"/>
+              </a:ext>
+            </a:extLst>
+          </p:cNvPr>
+          <p:cNvSpPr/>
+          <p:nvPr/>
+        </p:nvSpPr>
+        <p:spPr>
+          <a:xfrm>
+            <a:off x="1997285" y="4736507"/>
+            <a:ext cx="171164" cy="170916"/>
+          </a:xfrm>
+          <a:prstGeom prst="flowChartConnector">
+            <a:avLst/>
+          </a:prstGeom>
+        </p:spPr>
+        <p:style>
+          <a:lnRef idx="2">
+            <a:schemeClr val="accent1">
+              <a:shade val="50000"/>
+            </a:schemeClr>
+          </a:lnRef>
+          <a:fillRef idx="1">
+            <a:schemeClr val="accent1"/>
+          </a:fillRef>
+          <a:effectRef idx="0">
+            <a:schemeClr val="accent1"/>
+          </a:effectRef>
+          <a:fontRef idx="minor">
+            <a:schemeClr val="lt1"/>
+          </a:fontRef>
+        </p:style>
+        <p:txBody>
+          <a:bodyPr rtlCol="0" anchor="ctr"/>
+          <a:lstStyle/>
+          <a:p>
+            <a:pPr algn="ctr"/>
+            <a:endParaRPr lang="zh-CN" altLang="en-US"/>
+          </a:p>
+        </p:txBody>
+      </p:sp>
+      <p:cxnSp>
+        <p:nvCxnSpPr>
+          <p:cNvPr id="12" name="直接连接符 11">
+            <a:extLst>
+              <a:ext uri="{FF2B5EF4-FFF2-40B4-BE49-F238E27FC236}">
+                <a16:creationId xmlns:a16="http://schemas.microsoft.com/office/drawing/2014/main" id="{5F240428-2094-45F2-A9DF-ADEB31C63195}"/>
+              </a:ext>
+            </a:extLst>
+          </p:cNvPr>
+          <p:cNvCxnSpPr>
+            <a:stCxn id="6" idx="7"/>
+            <a:endCxn id="7" idx="3"/>
+          </p:cNvCxnSpPr>
+          <p:nvPr/>
+        </p:nvCxnSpPr>
+        <p:spPr>
+          <a:xfrm flipV="1">
+            <a:off x="580927" y="3489428"/>
+            <a:ext cx="484295" cy="547140"/>
+          </a:xfrm>
+          <a:prstGeom prst="line">
+            <a:avLst/>
+          </a:prstGeom>
+          <a:ln w="28575">
+            <a:solidFill>
+              <a:srgbClr val="FF0000"/>
+            </a:solidFill>
+          </a:ln>
+        </p:spPr>
+        <p:style>
+          <a:lnRef idx="1">
+            <a:schemeClr val="dk1"/>
+          </a:lnRef>
+          <a:fillRef idx="0">
+            <a:schemeClr val="dk1"/>
+          </a:fillRef>
+          <a:effectRef idx="0">
+            <a:schemeClr val="dk1"/>
+          </a:effectRef>
+          <a:fontRef idx="minor">
+            <a:schemeClr val="tx1"/>
+          </a:fontRef>
+        </p:style>
+      </p:cxnSp>
+      <p:cxnSp>
+        <p:nvCxnSpPr>
+          <p:cNvPr id="13" name="直接连接符 12">
+            <a:extLst>
+              <a:ext uri="{FF2B5EF4-FFF2-40B4-BE49-F238E27FC236}">
+                <a16:creationId xmlns:a16="http://schemas.microsoft.com/office/drawing/2014/main" id="{088E4418-8D0F-447E-B812-5B3EF9298928}"/>
+              </a:ext>
+            </a:extLst>
+          </p:cNvPr>
+          <p:cNvCxnSpPr>
+            <a:cxnSpLocks/>
+            <a:stCxn id="8" idx="1"/>
+            <a:endCxn id="7" idx="5"/>
+          </p:cNvCxnSpPr>
+          <p:nvPr/>
+        </p:nvCxnSpPr>
+        <p:spPr>
+          <a:xfrm flipH="1" flipV="1">
+            <a:off x="1186254" y="3489428"/>
+            <a:ext cx="477174" cy="547140"/>
+          </a:xfrm>
+          <a:prstGeom prst="line">
+            <a:avLst/>
+          </a:prstGeom>
+          <a:ln w="28575">
+            <a:solidFill>
+              <a:srgbClr val="FF0000"/>
+            </a:solidFill>
+          </a:ln>
+        </p:spPr>
+        <p:style>
+          <a:lnRef idx="1">
+            <a:schemeClr val="dk1"/>
+          </a:lnRef>
+          <a:fillRef idx="0">
+            <a:schemeClr val="dk1"/>
+          </a:fillRef>
+          <a:effectRef idx="0">
+            <a:schemeClr val="dk1"/>
+          </a:effectRef>
+          <a:fontRef idx="minor">
+            <a:schemeClr val="tx1"/>
+          </a:fontRef>
+        </p:style>
+      </p:cxnSp>
+      <p:cxnSp>
+        <p:nvCxnSpPr>
+          <p:cNvPr id="14" name="直接连接符 13">
+            <a:extLst>
+              <a:ext uri="{FF2B5EF4-FFF2-40B4-BE49-F238E27FC236}">
+                <a16:creationId xmlns:a16="http://schemas.microsoft.com/office/drawing/2014/main" id="{988A1D4C-2653-47DB-9331-50EEB8F8F5DB}"/>
+              </a:ext>
+            </a:extLst>
+          </p:cNvPr>
+          <p:cNvCxnSpPr>
+            <a:cxnSpLocks/>
+            <a:stCxn id="9" idx="2"/>
+            <a:endCxn id="7" idx="6"/>
+          </p:cNvCxnSpPr>
+          <p:nvPr/>
+        </p:nvCxnSpPr>
+        <p:spPr>
+          <a:xfrm flipH="1">
+            <a:off x="1211320" y="3429000"/>
+            <a:ext cx="1127796" cy="0"/>
+          </a:xfrm>
+          <a:prstGeom prst="line">
+            <a:avLst/>
+          </a:prstGeom>
+        </p:spPr>
+        <p:style>
+          <a:lnRef idx="1">
+            <a:schemeClr val="dk1"/>
+          </a:lnRef>
+          <a:fillRef idx="0">
+            <a:schemeClr val="dk1"/>
+          </a:fillRef>
+          <a:effectRef idx="0">
+            <a:schemeClr val="dk1"/>
+          </a:effectRef>
+          <a:fontRef idx="minor">
+            <a:schemeClr val="tx1"/>
+          </a:fontRef>
+        </p:style>
+      </p:cxnSp>
+      <p:cxnSp>
+        <p:nvCxnSpPr>
+          <p:cNvPr id="15" name="直接连接符 14">
+            <a:extLst>
+              <a:ext uri="{FF2B5EF4-FFF2-40B4-BE49-F238E27FC236}">
+                <a16:creationId xmlns:a16="http://schemas.microsoft.com/office/drawing/2014/main" id="{16CDC3C5-AC08-4105-8C40-401EBE93C67D}"/>
+              </a:ext>
+            </a:extLst>
+          </p:cNvPr>
+          <p:cNvCxnSpPr>
+            <a:cxnSpLocks/>
+            <a:stCxn id="10" idx="1"/>
+            <a:endCxn id="9" idx="5"/>
+          </p:cNvCxnSpPr>
+          <p:nvPr/>
+        </p:nvCxnSpPr>
+        <p:spPr>
+          <a:xfrm flipH="1" flipV="1">
+            <a:off x="2485214" y="3489428"/>
+            <a:ext cx="296165" cy="547140"/>
+          </a:xfrm>
+          <a:prstGeom prst="line">
+            <a:avLst/>
+          </a:prstGeom>
+        </p:spPr>
+        <p:style>
+          <a:lnRef idx="1">
+            <a:schemeClr val="dk1"/>
+          </a:lnRef>
+          <a:fillRef idx="0">
+            <a:schemeClr val="dk1"/>
+          </a:fillRef>
+          <a:effectRef idx="0">
+            <a:schemeClr val="dk1"/>
+          </a:effectRef>
+          <a:fontRef idx="minor">
+            <a:schemeClr val="tx1"/>
+          </a:fontRef>
+        </p:style>
+      </p:cxnSp>
+      <p:cxnSp>
+        <p:nvCxnSpPr>
+          <p:cNvPr id="16" name="直接连接符 15">
+            <a:extLst>
+              <a:ext uri="{FF2B5EF4-FFF2-40B4-BE49-F238E27FC236}">
+                <a16:creationId xmlns:a16="http://schemas.microsoft.com/office/drawing/2014/main" id="{892A4651-D8D8-4951-BE8E-A0C8747A3F29}"/>
+              </a:ext>
+            </a:extLst>
+          </p:cNvPr>
+          <p:cNvCxnSpPr>
+            <a:cxnSpLocks/>
+            <a:stCxn id="8" idx="7"/>
+            <a:endCxn id="9" idx="3"/>
+          </p:cNvCxnSpPr>
+          <p:nvPr/>
+        </p:nvCxnSpPr>
+        <p:spPr>
+          <a:xfrm flipV="1">
+            <a:off x="1784460" y="3489428"/>
+            <a:ext cx="579722" cy="547140"/>
+          </a:xfrm>
+          <a:prstGeom prst="line">
+            <a:avLst/>
+          </a:prstGeom>
+        </p:spPr>
+        <p:style>
+          <a:lnRef idx="1">
+            <a:schemeClr val="dk1"/>
+          </a:lnRef>
+          <a:fillRef idx="0">
+            <a:schemeClr val="dk1"/>
+          </a:fillRef>
+          <a:effectRef idx="0">
+            <a:schemeClr val="dk1"/>
+          </a:effectRef>
+          <a:fontRef idx="minor">
+            <a:schemeClr val="tx1"/>
+          </a:fontRef>
+        </p:style>
+      </p:cxnSp>
+      <p:cxnSp>
+        <p:nvCxnSpPr>
+          <p:cNvPr id="17" name="直接连接符 16">
+            <a:extLst>
+              <a:ext uri="{FF2B5EF4-FFF2-40B4-BE49-F238E27FC236}">
+                <a16:creationId xmlns:a16="http://schemas.microsoft.com/office/drawing/2014/main" id="{0C7E1CD8-0964-490E-A0A1-7C3E77A89AE0}"/>
+              </a:ext>
+            </a:extLst>
+          </p:cNvPr>
+          <p:cNvCxnSpPr>
+            <a:cxnSpLocks/>
+            <a:stCxn id="11" idx="1"/>
+            <a:endCxn id="8" idx="4"/>
+          </p:cNvCxnSpPr>
+          <p:nvPr/>
+        </p:nvCxnSpPr>
+        <p:spPr>
+          <a:xfrm flipH="1" flipV="1">
+            <a:off x="1723944" y="4182454"/>
+            <a:ext cx="298407" cy="579083"/>
+          </a:xfrm>
+          <a:prstGeom prst="line">
+            <a:avLst/>
+          </a:prstGeom>
+        </p:spPr>
+        <p:style>
+          <a:lnRef idx="1">
+            <a:schemeClr val="dk1"/>
+          </a:lnRef>
+          <a:fillRef idx="0">
+            <a:schemeClr val="dk1"/>
+          </a:fillRef>
+          <a:effectRef idx="0">
+            <a:schemeClr val="dk1"/>
+          </a:effectRef>
+          <a:fontRef idx="minor">
+            <a:schemeClr val="tx1"/>
+          </a:fontRef>
+        </p:style>
+      </p:cxnSp>
+      <p:cxnSp>
+        <p:nvCxnSpPr>
+          <p:cNvPr id="18" name="直接连接符 17">
+            <a:extLst>
+              <a:ext uri="{FF2B5EF4-FFF2-40B4-BE49-F238E27FC236}">
+                <a16:creationId xmlns:a16="http://schemas.microsoft.com/office/drawing/2014/main" id="{8D8AD37A-86A5-48A2-AD0C-C718BA3C136E}"/>
+              </a:ext>
+            </a:extLst>
+          </p:cNvPr>
+          <p:cNvCxnSpPr>
+            <a:cxnSpLocks/>
+            <a:stCxn id="10" idx="2"/>
+            <a:endCxn id="8" idx="6"/>
+          </p:cNvCxnSpPr>
+          <p:nvPr/>
+        </p:nvCxnSpPr>
+        <p:spPr>
+          <a:xfrm flipH="1">
+            <a:off x="1809526" y="4096996"/>
+            <a:ext cx="946787" cy="0"/>
+          </a:xfrm>
+          <a:prstGeom prst="line">
+            <a:avLst/>
+          </a:prstGeom>
+          <a:ln w="28575">
+            <a:solidFill>
+              <a:srgbClr val="FF0000"/>
+            </a:solidFill>
+          </a:ln>
+        </p:spPr>
+        <p:style>
+          <a:lnRef idx="1">
+            <a:schemeClr val="dk1"/>
+          </a:lnRef>
+          <a:fillRef idx="0">
+            <a:schemeClr val="dk1"/>
+          </a:fillRef>
+          <a:effectRef idx="0">
+            <a:schemeClr val="dk1"/>
+          </a:effectRef>
+          <a:fontRef idx="minor">
+            <a:schemeClr val="tx1"/>
+          </a:fontRef>
+        </p:style>
+      </p:cxnSp>
       <mc:AlternateContent xmlns:mc="http://schemas.openxmlformats.org/markup-compatibility/2006">
         <mc:Choice xmlns:a14="http://schemas.microsoft.com/office/drawing/2010/main" Requires="a14">
+          <p:sp>
+            <p:nvSpPr>
+              <p:cNvPr id="19" name="矩形 18">
+                <a:extLst>
+                  <a:ext uri="{FF2B5EF4-FFF2-40B4-BE49-F238E27FC236}">
+                    <a16:creationId xmlns:a16="http://schemas.microsoft.com/office/drawing/2014/main" id="{738AFFC1-7E02-452B-A94C-3E299489B220}"/>
+                  </a:ext>
+                </a:extLst>
+              </p:cNvPr>
+              <p:cNvSpPr/>
+              <p:nvPr/>
+            </p:nvSpPr>
+            <p:spPr>
+              <a:xfrm>
+                <a:off x="0" y="3927719"/>
+                <a:ext cx="417550" cy="338554"/>
+              </a:xfrm>
+              <a:prstGeom prst="rect">
+                <a:avLst/>
+              </a:prstGeom>
+            </p:spPr>
+            <p:txBody>
+              <a:bodyPr wrap="none">
+                <a:spAutoFit/>
+              </a:bodyPr>
+              <a:lstStyle/>
+              <a:p>
+                <a:pPr/>
+                <a14:m>
+                  <m:oMathPara xmlns:m="http://schemas.openxmlformats.org/officeDocument/2006/math">
+                    <m:oMathParaPr>
+                      <m:jc m:val="centerGroup"/>
+                    </m:oMathParaPr>
+                    <m:oMath xmlns:m="http://schemas.openxmlformats.org/officeDocument/2006/math">
+                      <m:sSub>
+                        <m:sSubPr>
+                          <m:ctrlPr>
+                            <a:rPr lang="en-US" altLang="zh-CN" sz="1600" i="1" smtClean="0">
+                              <a:latin typeface="Cambria Math" panose="02040503050406030204" pitchFamily="18" charset="0"/>
+                            </a:rPr>
+                          </m:ctrlPr>
+                        </m:sSubPr>
+                        <m:e>
+                          <m:r>
+                            <a:rPr lang="en-US" altLang="zh-CN" sz="1600" b="0" i="1" smtClean="0">
+                              <a:latin typeface="Cambria Math" panose="02040503050406030204" pitchFamily="18" charset="0"/>
+                            </a:rPr>
+                            <m:t>𝑣</m:t>
+                          </m:r>
+                        </m:e>
+                        <m:sub>
+                          <m:r>
+                            <a:rPr lang="en-US" altLang="zh-CN" sz="1600" b="0" i="1" smtClean="0">
+                              <a:latin typeface="Cambria Math" panose="02040503050406030204" pitchFamily="18" charset="0"/>
+                            </a:rPr>
+                            <m:t>𝑖</m:t>
+                          </m:r>
+                        </m:sub>
+                      </m:sSub>
+                    </m:oMath>
+                  </m:oMathPara>
+                </a14:m>
+                <a:endParaRPr lang="zh-CN" altLang="en-US" sz="1600" dirty="0"/>
+              </a:p>
+            </p:txBody>
+          </p:sp>
+        </mc:Choice>
+        <mc:Fallback>
+          <p:sp>
+            <p:nvSpPr>
+              <p:cNvPr id="19" name="矩形 18">
+                <a:extLst>
+                  <a:ext uri="{FF2B5EF4-FFF2-40B4-BE49-F238E27FC236}">
+                    <a16:creationId xmlns:a16="http://schemas.microsoft.com/office/drawing/2014/main" id="{738AFFC1-7E02-452B-A94C-3E299489B220}"/>
+                  </a:ext>
+                </a:extLst>
+              </p:cNvPr>
+              <p:cNvSpPr>
+                <a:spLocks noRot="1" noChangeAspect="1" noMove="1" noResize="1" noEditPoints="1" noAdjustHandles="1" noChangeArrowheads="1" noChangeShapeType="1" noTextEdit="1"/>
+              </p:cNvSpPr>
+              <p:nvPr/>
+            </p:nvSpPr>
+            <p:spPr>
+              <a:xfrm>
+                <a:off x="0" y="3927719"/>
+                <a:ext cx="417550" cy="338554"/>
+              </a:xfrm>
+              <a:prstGeom prst="rect">
+                <a:avLst/>
+              </a:prstGeom>
+              <a:blipFill>
+                <a:blip r:embed="rId2"/>
+                <a:stretch>
+                  <a:fillRect/>
+                </a:stretch>
+              </a:blipFill>
+            </p:spPr>
+            <p:txBody>
+              <a:bodyPr/>
+              <a:lstStyle/>
+              <a:p>
+                <a:r>
+                  <a:rPr lang="zh-CN" altLang="en-US">
+                    <a:noFill/>
+                  </a:rPr>
+                  <a:t> </a:t>
+                </a:r>
+              </a:p>
+            </p:txBody>
+          </p:sp>
+        </mc:Fallback>
+      </mc:AlternateContent>
+      <p:sp>
+        <p:nvSpPr>
+          <p:cNvPr id="20" name="矩形 19">
+            <a:extLst>
+              <a:ext uri="{FF2B5EF4-FFF2-40B4-BE49-F238E27FC236}">
+                <a16:creationId xmlns:a16="http://schemas.microsoft.com/office/drawing/2014/main" id="{35FA6D3C-DF70-423E-9176-4DC330E290C6}"/>
+              </a:ext>
+            </a:extLst>
+          </p:cNvPr>
+          <p:cNvSpPr/>
+          <p:nvPr/>
+        </p:nvSpPr>
+        <p:spPr>
+          <a:xfrm>
+            <a:off x="251349" y="4189346"/>
+            <a:ext cx="556563" cy="369332"/>
+          </a:xfrm>
+          <a:prstGeom prst="rect">
+            <a:avLst/>
+          </a:prstGeom>
+        </p:spPr>
+        <p:txBody>
+          <a:bodyPr wrap="none">
+            <a:spAutoFit/>
+          </a:bodyPr>
+          <a:lstStyle/>
+          <a:p>
+            <a:r>
+              <a:rPr lang="en-US" altLang="zh-CN" dirty="0">
+                <a:latin typeface="Times New Roman" panose="02020603050405020304" pitchFamily="18" charset="0"/>
+                <a:ea typeface="黑体" panose="02010609060101010101" pitchFamily="49" charset="-122"/>
+                <a:cs typeface="Times New Roman" panose="02020603050405020304" pitchFamily="18" charset="0"/>
+              </a:rPr>
+              <a:t>root</a:t>
+            </a:r>
+            <a:endParaRPr lang="zh-CN" altLang="en-US" dirty="0"/>
+          </a:p>
+        </p:txBody>
+      </p:sp>
+      <mc:AlternateContent xmlns:mc="http://schemas.openxmlformats.org/markup-compatibility/2006">
+        <mc:Choice xmlns:a14="http://schemas.microsoft.com/office/drawing/2010/main" Requires="a14">
+          <p:sp>
+            <p:nvSpPr>
+              <p:cNvPr id="21" name="矩形 20">
+                <a:extLst>
+                  <a:ext uri="{FF2B5EF4-FFF2-40B4-BE49-F238E27FC236}">
+                    <a16:creationId xmlns:a16="http://schemas.microsoft.com/office/drawing/2014/main" id="{7AC4A03C-C6C7-4755-BA39-8E49A0777CB1}"/>
+                  </a:ext>
+                </a:extLst>
+              </p:cNvPr>
+              <p:cNvSpPr/>
+              <p:nvPr/>
+            </p:nvSpPr>
+            <p:spPr>
+              <a:xfrm>
+                <a:off x="760819" y="2890432"/>
+                <a:ext cx="583621" cy="401457"/>
+              </a:xfrm>
+              <a:prstGeom prst="rect">
+                <a:avLst/>
+              </a:prstGeom>
+            </p:spPr>
+            <p:txBody>
+              <a:bodyPr wrap="none">
+                <a:spAutoFit/>
+              </a:bodyPr>
+              <a:lstStyle/>
+              <a:p>
+                <a:pPr/>
+                <a14:m>
+                  <m:oMathPara xmlns:m="http://schemas.openxmlformats.org/officeDocument/2006/math">
+                    <m:oMathParaPr>
+                      <m:jc m:val="centerGroup"/>
+                    </m:oMathParaPr>
+                    <m:oMath xmlns:m="http://schemas.openxmlformats.org/officeDocument/2006/math">
+                      <m:sSubSup>
+                        <m:sSubSupPr>
+                          <m:ctrlPr>
+                            <a:rPr lang="en-US" altLang="zh-CN" b="0" i="1" smtClean="0">
+                              <a:latin typeface="Cambria Math" panose="02040503050406030204" pitchFamily="18" charset="0"/>
+                            </a:rPr>
+                          </m:ctrlPr>
+                        </m:sSubSupPr>
+                        <m:e>
+                          <m:r>
+                            <a:rPr lang="en-US" altLang="zh-CN" b="0" i="1" smtClean="0">
+                              <a:latin typeface="Cambria Math" panose="02040503050406030204" pitchFamily="18" charset="0"/>
+                            </a:rPr>
+                            <m:t>𝑊</m:t>
+                          </m:r>
+                        </m:e>
+                        <m:sub>
+                          <m:sSub>
+                            <m:sSubPr>
+                              <m:ctrlPr>
+                                <a:rPr lang="en-US" altLang="zh-CN" b="0" i="1" smtClean="0">
+                                  <a:latin typeface="Cambria Math" panose="02040503050406030204" pitchFamily="18" charset="0"/>
+                                </a:rPr>
+                              </m:ctrlPr>
+                            </m:sSubPr>
+                            <m:e>
+                              <m:r>
+                                <a:rPr lang="en-US" altLang="zh-CN" b="0" i="1" smtClean="0">
+                                  <a:latin typeface="Cambria Math" panose="02040503050406030204" pitchFamily="18" charset="0"/>
+                                </a:rPr>
+                                <m:t>𝑣</m:t>
+                              </m:r>
+                            </m:e>
+                            <m:sub>
+                              <m:r>
+                                <a:rPr lang="en-US" altLang="zh-CN" b="0" i="1" smtClean="0">
+                                  <a:latin typeface="Cambria Math" panose="02040503050406030204" pitchFamily="18" charset="0"/>
+                                </a:rPr>
+                                <m:t>𝑖</m:t>
+                              </m:r>
+                            </m:sub>
+                          </m:sSub>
+                        </m:sub>
+                        <m:sup>
+                          <m:r>
+                            <a:rPr lang="en-US" altLang="zh-CN" b="0" i="1" smtClean="0">
+                              <a:latin typeface="Cambria Math" panose="02040503050406030204" pitchFamily="18" charset="0"/>
+                            </a:rPr>
+                            <m:t>1</m:t>
+                          </m:r>
+                        </m:sup>
+                      </m:sSubSup>
+                    </m:oMath>
+                  </m:oMathPara>
+                </a14:m>
+                <a:endParaRPr lang="zh-CN" altLang="en-US" dirty="0"/>
+              </a:p>
+            </p:txBody>
+          </p:sp>
+        </mc:Choice>
+        <mc:Fallback>
+          <p:sp>
+            <p:nvSpPr>
+              <p:cNvPr id="21" name="矩形 20">
+                <a:extLst>
+                  <a:ext uri="{FF2B5EF4-FFF2-40B4-BE49-F238E27FC236}">
+                    <a16:creationId xmlns:a16="http://schemas.microsoft.com/office/drawing/2014/main" id="{7AC4A03C-C6C7-4755-BA39-8E49A0777CB1}"/>
+                  </a:ext>
+                </a:extLst>
+              </p:cNvPr>
+              <p:cNvSpPr>
+                <a:spLocks noRot="1" noChangeAspect="1" noMove="1" noResize="1" noEditPoints="1" noAdjustHandles="1" noChangeArrowheads="1" noChangeShapeType="1" noTextEdit="1"/>
+              </p:cNvSpPr>
+              <p:nvPr/>
+            </p:nvSpPr>
+            <p:spPr>
+              <a:xfrm>
+                <a:off x="760819" y="2890432"/>
+                <a:ext cx="583621" cy="401457"/>
+              </a:xfrm>
+              <a:prstGeom prst="rect">
+                <a:avLst/>
+              </a:prstGeom>
+              <a:blipFill>
+                <a:blip r:embed="rId3"/>
+                <a:stretch>
+                  <a:fillRect b="-1515"/>
+                </a:stretch>
+              </a:blipFill>
+            </p:spPr>
+            <p:txBody>
+              <a:bodyPr/>
+              <a:lstStyle/>
+              <a:p>
+                <a:r>
+                  <a:rPr lang="zh-CN" altLang="en-US">
+                    <a:noFill/>
+                  </a:rPr>
+                  <a:t> </a:t>
+                </a:r>
+              </a:p>
+            </p:txBody>
+          </p:sp>
+        </mc:Fallback>
+      </mc:AlternateContent>
+      <mc:AlternateContent xmlns:mc="http://schemas.openxmlformats.org/markup-compatibility/2006">
+        <mc:Choice xmlns:a14="http://schemas.microsoft.com/office/drawing/2010/main" Requires="a14">
+          <p:sp>
+            <p:nvSpPr>
+              <p:cNvPr id="22" name="矩形 21">
+                <a:extLst>
+                  <a:ext uri="{FF2B5EF4-FFF2-40B4-BE49-F238E27FC236}">
+                    <a16:creationId xmlns:a16="http://schemas.microsoft.com/office/drawing/2014/main" id="{90B43B72-7FE1-4032-8B44-8083576C66F9}"/>
+                  </a:ext>
+                </a:extLst>
+              </p:cNvPr>
+              <p:cNvSpPr/>
+              <p:nvPr/>
+            </p:nvSpPr>
+            <p:spPr>
+              <a:xfrm>
+                <a:off x="1465680" y="3562269"/>
+                <a:ext cx="583621" cy="401457"/>
+              </a:xfrm>
+              <a:prstGeom prst="rect">
+                <a:avLst/>
+              </a:prstGeom>
+            </p:spPr>
+            <p:txBody>
+              <a:bodyPr wrap="none">
+                <a:spAutoFit/>
+              </a:bodyPr>
+              <a:lstStyle/>
+              <a:p>
+                <a:pPr/>
+                <a14:m>
+                  <m:oMathPara xmlns:m="http://schemas.openxmlformats.org/officeDocument/2006/math">
+                    <m:oMathParaPr>
+                      <m:jc m:val="centerGroup"/>
+                    </m:oMathParaPr>
+                    <m:oMath xmlns:m="http://schemas.openxmlformats.org/officeDocument/2006/math">
+                      <m:sSubSup>
+                        <m:sSubSupPr>
+                          <m:ctrlPr>
+                            <a:rPr lang="en-US" altLang="zh-CN" b="0" i="1" smtClean="0">
+                              <a:latin typeface="Cambria Math" panose="02040503050406030204" pitchFamily="18" charset="0"/>
+                            </a:rPr>
+                          </m:ctrlPr>
+                        </m:sSubSupPr>
+                        <m:e>
+                          <m:r>
+                            <a:rPr lang="en-US" altLang="zh-CN" b="0" i="1" smtClean="0">
+                              <a:latin typeface="Cambria Math" panose="02040503050406030204" pitchFamily="18" charset="0"/>
+                            </a:rPr>
+                            <m:t>𝑊</m:t>
+                          </m:r>
+                        </m:e>
+                        <m:sub>
+                          <m:sSub>
+                            <m:sSubPr>
+                              <m:ctrlPr>
+                                <a:rPr lang="en-US" altLang="zh-CN" b="0" i="1" smtClean="0">
+                                  <a:latin typeface="Cambria Math" panose="02040503050406030204" pitchFamily="18" charset="0"/>
+                                </a:rPr>
+                              </m:ctrlPr>
+                            </m:sSubPr>
+                            <m:e>
+                              <m:r>
+                                <a:rPr lang="en-US" altLang="zh-CN" b="0" i="1" smtClean="0">
+                                  <a:latin typeface="Cambria Math" panose="02040503050406030204" pitchFamily="18" charset="0"/>
+                                </a:rPr>
+                                <m:t>𝑣</m:t>
+                              </m:r>
+                            </m:e>
+                            <m:sub>
+                              <m:r>
+                                <a:rPr lang="en-US" altLang="zh-CN" b="0" i="1" smtClean="0">
+                                  <a:latin typeface="Cambria Math" panose="02040503050406030204" pitchFamily="18" charset="0"/>
+                                </a:rPr>
+                                <m:t>𝑖</m:t>
+                              </m:r>
+                            </m:sub>
+                          </m:sSub>
+                        </m:sub>
+                        <m:sup>
+                          <m:r>
+                            <a:rPr lang="en-US" altLang="zh-CN" b="0" i="1" smtClean="0">
+                              <a:latin typeface="Cambria Math" panose="02040503050406030204" pitchFamily="18" charset="0"/>
+                            </a:rPr>
+                            <m:t>2</m:t>
+                          </m:r>
+                        </m:sup>
+                      </m:sSubSup>
+                    </m:oMath>
+                  </m:oMathPara>
+                </a14:m>
+                <a:endParaRPr lang="zh-CN" altLang="en-US" dirty="0"/>
+              </a:p>
+            </p:txBody>
+          </p:sp>
+        </mc:Choice>
+        <mc:Fallback>
+          <p:sp>
+            <p:nvSpPr>
+              <p:cNvPr id="22" name="矩形 21">
+                <a:extLst>
+                  <a:ext uri="{FF2B5EF4-FFF2-40B4-BE49-F238E27FC236}">
+                    <a16:creationId xmlns:a16="http://schemas.microsoft.com/office/drawing/2014/main" id="{90B43B72-7FE1-4032-8B44-8083576C66F9}"/>
+                  </a:ext>
+                </a:extLst>
+              </p:cNvPr>
+              <p:cNvSpPr>
+                <a:spLocks noRot="1" noChangeAspect="1" noMove="1" noResize="1" noEditPoints="1" noAdjustHandles="1" noChangeArrowheads="1" noChangeShapeType="1" noTextEdit="1"/>
+              </p:cNvSpPr>
+              <p:nvPr/>
+            </p:nvSpPr>
+            <p:spPr>
+              <a:xfrm>
+                <a:off x="1465680" y="3562269"/>
+                <a:ext cx="583621" cy="401457"/>
+              </a:xfrm>
+              <a:prstGeom prst="rect">
+                <a:avLst/>
+              </a:prstGeom>
+              <a:blipFill>
+                <a:blip r:embed="rId4"/>
+                <a:stretch>
+                  <a:fillRect b="-3030"/>
+                </a:stretch>
+              </a:blipFill>
+            </p:spPr>
+            <p:txBody>
+              <a:bodyPr/>
+              <a:lstStyle/>
+              <a:p>
+                <a:r>
+                  <a:rPr lang="zh-CN" altLang="en-US">
+                    <a:noFill/>
+                  </a:rPr>
+                  <a:t> </a:t>
+                </a:r>
+              </a:p>
+            </p:txBody>
+          </p:sp>
+        </mc:Fallback>
+      </mc:AlternateContent>
+      <mc:AlternateContent xmlns:mc="http://schemas.openxmlformats.org/markup-compatibility/2006">
+        <mc:Choice xmlns:a14="http://schemas.microsoft.com/office/drawing/2010/main" Requires="a14">
+          <p:sp>
+            <p:nvSpPr>
+              <p:cNvPr id="23" name="矩形 22">
+                <a:extLst>
+                  <a:ext uri="{FF2B5EF4-FFF2-40B4-BE49-F238E27FC236}">
+                    <a16:creationId xmlns:a16="http://schemas.microsoft.com/office/drawing/2014/main" id="{2A1F2353-EC8B-48A3-990D-FBF1485122F0}"/>
+                  </a:ext>
+                </a:extLst>
+              </p:cNvPr>
+              <p:cNvSpPr/>
+              <p:nvPr/>
+            </p:nvSpPr>
+            <p:spPr>
+              <a:xfrm>
+                <a:off x="2767802" y="3665325"/>
+                <a:ext cx="583621" cy="401457"/>
+              </a:xfrm>
+              <a:prstGeom prst="rect">
+                <a:avLst/>
+              </a:prstGeom>
+            </p:spPr>
+            <p:txBody>
+              <a:bodyPr wrap="none">
+                <a:spAutoFit/>
+              </a:bodyPr>
+              <a:lstStyle/>
+              <a:p>
+                <a:pPr/>
+                <a14:m>
+                  <m:oMathPara xmlns:m="http://schemas.openxmlformats.org/officeDocument/2006/math">
+                    <m:oMathParaPr>
+                      <m:jc m:val="centerGroup"/>
+                    </m:oMathParaPr>
+                    <m:oMath xmlns:m="http://schemas.openxmlformats.org/officeDocument/2006/math">
+                      <m:sSubSup>
+                        <m:sSubSupPr>
+                          <m:ctrlPr>
+                            <a:rPr lang="en-US" altLang="zh-CN" b="0" i="1" smtClean="0">
+                              <a:latin typeface="Cambria Math" panose="02040503050406030204" pitchFamily="18" charset="0"/>
+                            </a:rPr>
+                          </m:ctrlPr>
+                        </m:sSubSupPr>
+                        <m:e>
+                          <m:r>
+                            <a:rPr lang="en-US" altLang="zh-CN" b="0" i="1" smtClean="0">
+                              <a:latin typeface="Cambria Math" panose="02040503050406030204" pitchFamily="18" charset="0"/>
+                            </a:rPr>
+                            <m:t>𝑊</m:t>
+                          </m:r>
+                        </m:e>
+                        <m:sub>
+                          <m:sSub>
+                            <m:sSubPr>
+                              <m:ctrlPr>
+                                <a:rPr lang="en-US" altLang="zh-CN" b="0" i="1" smtClean="0">
+                                  <a:latin typeface="Cambria Math" panose="02040503050406030204" pitchFamily="18" charset="0"/>
+                                </a:rPr>
+                              </m:ctrlPr>
+                            </m:sSubPr>
+                            <m:e>
+                              <m:r>
+                                <a:rPr lang="en-US" altLang="zh-CN" b="0" i="1" smtClean="0">
+                                  <a:latin typeface="Cambria Math" panose="02040503050406030204" pitchFamily="18" charset="0"/>
+                                </a:rPr>
+                                <m:t>𝑣</m:t>
+                              </m:r>
+                            </m:e>
+                            <m:sub>
+                              <m:r>
+                                <a:rPr lang="en-US" altLang="zh-CN" b="0" i="1" smtClean="0">
+                                  <a:latin typeface="Cambria Math" panose="02040503050406030204" pitchFamily="18" charset="0"/>
+                                </a:rPr>
+                                <m:t>𝑖</m:t>
+                              </m:r>
+                            </m:sub>
+                          </m:sSub>
+                        </m:sub>
+                        <m:sup>
+                          <m:r>
+                            <a:rPr lang="en-US" altLang="zh-CN" b="0" i="1" smtClean="0">
+                              <a:latin typeface="Cambria Math" panose="02040503050406030204" pitchFamily="18" charset="0"/>
+                            </a:rPr>
+                            <m:t>3</m:t>
+                          </m:r>
+                        </m:sup>
+                      </m:sSubSup>
+                    </m:oMath>
+                  </m:oMathPara>
+                </a14:m>
+                <a:endParaRPr lang="zh-CN" altLang="en-US" dirty="0"/>
+              </a:p>
+            </p:txBody>
+          </p:sp>
+        </mc:Choice>
+        <mc:Fallback>
+          <p:sp>
+            <p:nvSpPr>
+              <p:cNvPr id="23" name="矩形 22">
+                <a:extLst>
+                  <a:ext uri="{FF2B5EF4-FFF2-40B4-BE49-F238E27FC236}">
+                    <a16:creationId xmlns:a16="http://schemas.microsoft.com/office/drawing/2014/main" id="{2A1F2353-EC8B-48A3-990D-FBF1485122F0}"/>
+                  </a:ext>
+                </a:extLst>
+              </p:cNvPr>
+              <p:cNvSpPr>
+                <a:spLocks noRot="1" noChangeAspect="1" noMove="1" noResize="1" noEditPoints="1" noAdjustHandles="1" noChangeArrowheads="1" noChangeShapeType="1" noTextEdit="1"/>
+              </p:cNvSpPr>
+              <p:nvPr/>
+            </p:nvSpPr>
+            <p:spPr>
+              <a:xfrm>
+                <a:off x="2767802" y="3665325"/>
+                <a:ext cx="583621" cy="401457"/>
+              </a:xfrm>
+              <a:prstGeom prst="rect">
+                <a:avLst/>
+              </a:prstGeom>
+              <a:blipFill>
+                <a:blip r:embed="rId5"/>
+                <a:stretch>
+                  <a:fillRect b="-3030"/>
+                </a:stretch>
+              </a:blipFill>
+            </p:spPr>
+            <p:txBody>
+              <a:bodyPr/>
+              <a:lstStyle/>
+              <a:p>
+                <a:r>
+                  <a:rPr lang="zh-CN" altLang="en-US">
+                    <a:noFill/>
+                  </a:rPr>
+                  <a:t> </a:t>
+                </a:r>
+              </a:p>
+            </p:txBody>
+          </p:sp>
+        </mc:Fallback>
+      </mc:AlternateContent>
+      <mc:AlternateContent xmlns:mc="http://schemas.openxmlformats.org/markup-compatibility/2006">
+        <mc:Choice xmlns:a14="http://schemas.microsoft.com/office/drawing/2010/main" Requires="a14">
+          <p:sp>
+            <p:nvSpPr>
+              <p:cNvPr id="24" name="矩形 23">
+                <a:extLst>
+                  <a:ext uri="{FF2B5EF4-FFF2-40B4-BE49-F238E27FC236}">
+                    <a16:creationId xmlns:a16="http://schemas.microsoft.com/office/drawing/2014/main" id="{35F99617-5C1F-49D3-B300-2521F3E022EA}"/>
+                  </a:ext>
+                </a:extLst>
+              </p:cNvPr>
+              <p:cNvSpPr/>
+              <p:nvPr/>
+            </p:nvSpPr>
+            <p:spPr>
+              <a:xfrm>
+                <a:off x="605993" y="4919071"/>
+                <a:ext cx="1844416" cy="396519"/>
+              </a:xfrm>
+              <a:prstGeom prst="rect">
+                <a:avLst/>
+              </a:prstGeom>
+            </p:spPr>
+            <p:txBody>
+              <a:bodyPr wrap="none">
+                <a:spAutoFit/>
+              </a:bodyPr>
+              <a:lstStyle/>
+              <a:p>
+                <a:r>
+                  <a:rPr lang="en-US" altLang="zh-CN" dirty="0">
+                    <a:latin typeface="Times New Roman" panose="02020603050405020304" pitchFamily="18" charset="0"/>
+                    <a:ea typeface="黑体" panose="02010609060101010101" pitchFamily="49" charset="-122"/>
+                    <a:cs typeface="Times New Roman" panose="02020603050405020304" pitchFamily="18" charset="0"/>
+                  </a:rPr>
+                  <a:t>random walk </a:t>
+                </a:r>
+                <a14:m>
+                  <m:oMath xmlns:m="http://schemas.openxmlformats.org/officeDocument/2006/math">
+                    <m:sSub>
+                      <m:sSubPr>
+                        <m:ctrlPr>
+                          <a:rPr lang="en-US" altLang="zh-CN" b="0" i="1" smtClean="0">
+                            <a:solidFill>
+                              <a:srgbClr val="FF0000"/>
+                            </a:solidFill>
+                            <a:latin typeface="Cambria Math" panose="02040503050406030204" pitchFamily="18" charset="0"/>
+                            <a:ea typeface="黑体" panose="02010609060101010101" pitchFamily="49" charset="-122"/>
+                            <a:cs typeface="Times New Roman" panose="02020603050405020304" pitchFamily="18" charset="0"/>
+                          </a:rPr>
+                        </m:ctrlPr>
+                      </m:sSubPr>
+                      <m:e>
+                        <m:r>
+                          <a:rPr lang="en-US" altLang="zh-CN" b="0" i="1" smtClean="0">
+                            <a:solidFill>
+                              <a:srgbClr val="FF0000"/>
+                            </a:solidFill>
+                            <a:latin typeface="Cambria Math" panose="02040503050406030204" pitchFamily="18" charset="0"/>
+                            <a:ea typeface="黑体" panose="02010609060101010101" pitchFamily="49" charset="-122"/>
+                            <a:cs typeface="Times New Roman" panose="02020603050405020304" pitchFamily="18" charset="0"/>
+                          </a:rPr>
+                          <m:t>𝑊</m:t>
+                        </m:r>
+                      </m:e>
+                      <m:sub>
+                        <m:sSub>
+                          <m:sSubPr>
+                            <m:ctrlPr>
+                              <a:rPr lang="en-US" altLang="zh-CN" b="0" i="1" smtClean="0">
+                                <a:solidFill>
+                                  <a:srgbClr val="FF0000"/>
+                                </a:solidFill>
+                                <a:latin typeface="Cambria Math" panose="02040503050406030204" pitchFamily="18" charset="0"/>
+                                <a:ea typeface="黑体" panose="02010609060101010101" pitchFamily="49" charset="-122"/>
+                                <a:cs typeface="Times New Roman" panose="02020603050405020304" pitchFamily="18" charset="0"/>
+                              </a:rPr>
+                            </m:ctrlPr>
+                          </m:sSubPr>
+                          <m:e>
+                            <m:r>
+                              <a:rPr lang="en-US" altLang="zh-CN" b="0" i="1" smtClean="0">
+                                <a:solidFill>
+                                  <a:srgbClr val="FF0000"/>
+                                </a:solidFill>
+                                <a:latin typeface="Cambria Math" panose="02040503050406030204" pitchFamily="18" charset="0"/>
+                                <a:ea typeface="黑体" panose="02010609060101010101" pitchFamily="49" charset="-122"/>
+                                <a:cs typeface="Times New Roman" panose="02020603050405020304" pitchFamily="18" charset="0"/>
+                              </a:rPr>
+                              <m:t>𝑣</m:t>
+                            </m:r>
+                          </m:e>
+                          <m:sub>
+                            <m:r>
+                              <a:rPr lang="en-US" altLang="zh-CN" b="0" i="1" smtClean="0">
+                                <a:solidFill>
+                                  <a:srgbClr val="FF0000"/>
+                                </a:solidFill>
+                                <a:latin typeface="Cambria Math" panose="02040503050406030204" pitchFamily="18" charset="0"/>
+                                <a:ea typeface="黑体" panose="02010609060101010101" pitchFamily="49" charset="-122"/>
+                                <a:cs typeface="Times New Roman" panose="02020603050405020304" pitchFamily="18" charset="0"/>
+                              </a:rPr>
+                              <m:t>𝑖</m:t>
+                            </m:r>
+                          </m:sub>
+                        </m:sSub>
+                      </m:sub>
+                    </m:sSub>
+                  </m:oMath>
+                </a14:m>
+                <a:r>
+                  <a:rPr lang="en-US" altLang="zh-CN" dirty="0">
+                    <a:latin typeface="Times New Roman" panose="02020603050405020304" pitchFamily="18" charset="0"/>
+                    <a:ea typeface="黑体" panose="02010609060101010101" pitchFamily="49" charset="-122"/>
+                    <a:cs typeface="Times New Roman" panose="02020603050405020304" pitchFamily="18" charset="0"/>
+                  </a:rPr>
+                  <a:t> </a:t>
+                </a:r>
+                <a:endParaRPr lang="zh-CN" altLang="en-US" dirty="0"/>
+              </a:p>
+            </p:txBody>
+          </p:sp>
+        </mc:Choice>
+        <mc:Fallback>
+          <p:sp>
+            <p:nvSpPr>
+              <p:cNvPr id="24" name="矩形 23">
+                <a:extLst>
+                  <a:ext uri="{FF2B5EF4-FFF2-40B4-BE49-F238E27FC236}">
+                    <a16:creationId xmlns:a16="http://schemas.microsoft.com/office/drawing/2014/main" id="{35F99617-5C1F-49D3-B300-2521F3E022EA}"/>
+                  </a:ext>
+                </a:extLst>
+              </p:cNvPr>
+              <p:cNvSpPr>
+                <a:spLocks noRot="1" noChangeAspect="1" noMove="1" noResize="1" noEditPoints="1" noAdjustHandles="1" noChangeArrowheads="1" noChangeShapeType="1" noTextEdit="1"/>
+              </p:cNvSpPr>
+              <p:nvPr/>
+            </p:nvSpPr>
+            <p:spPr>
+              <a:xfrm>
+                <a:off x="605993" y="4919071"/>
+                <a:ext cx="1844416" cy="396519"/>
+              </a:xfrm>
+              <a:prstGeom prst="rect">
+                <a:avLst/>
+              </a:prstGeom>
+              <a:blipFill>
+                <a:blip r:embed="rId6"/>
+                <a:stretch>
+                  <a:fillRect l="-2640" t="-9231" b="-16923"/>
+                </a:stretch>
+              </a:blipFill>
+            </p:spPr>
+            <p:txBody>
+              <a:bodyPr/>
+              <a:lstStyle/>
+              <a:p>
+                <a:r>
+                  <a:rPr lang="zh-CN" altLang="en-US">
+                    <a:noFill/>
+                  </a:rPr>
+                  <a:t> </a:t>
+                </a:r>
+              </a:p>
+            </p:txBody>
+          </p:sp>
+        </mc:Fallback>
+      </mc:AlternateContent>
+      <p:sp>
+        <p:nvSpPr>
+          <p:cNvPr id="25" name="矩形 24">
+            <a:extLst>
+              <a:ext uri="{FF2B5EF4-FFF2-40B4-BE49-F238E27FC236}">
+                <a16:creationId xmlns:a16="http://schemas.microsoft.com/office/drawing/2014/main" id="{F92E87C0-C5D8-4E42-AE1E-A8D63CAE229D}"/>
+              </a:ext>
+            </a:extLst>
+          </p:cNvPr>
+          <p:cNvSpPr/>
+          <p:nvPr/>
+        </p:nvSpPr>
+        <p:spPr>
+          <a:xfrm>
+            <a:off x="-32866" y="5796873"/>
+            <a:ext cx="5844292" cy="923330"/>
+          </a:xfrm>
+          <a:prstGeom prst="rect">
+            <a:avLst/>
+          </a:prstGeom>
+        </p:spPr>
+        <p:txBody>
+          <a:bodyPr wrap="none">
+            <a:spAutoFit/>
+          </a:bodyPr>
+          <a:lstStyle/>
+          <a:p>
+            <a:pPr marL="285750" indent="-285750">
+              <a:buFont typeface="Arial" panose="020B0604020202020204" pitchFamily="34" charset="0"/>
+              <a:buChar char="•"/>
+            </a:pPr>
+            <a:r>
+              <a:rPr lang="en-US" altLang="zh-CN" dirty="0">
+                <a:latin typeface="Times New Roman" panose="02020603050405020304" pitchFamily="18" charset="0"/>
+                <a:cs typeface="Times New Roman" panose="02020603050405020304" pitchFamily="18" charset="0"/>
+              </a:rPr>
+              <a:t>Capturing community information.</a:t>
+            </a:r>
+          </a:p>
+          <a:p>
+            <a:pPr marL="285750" indent="-285750">
+              <a:buFont typeface="Arial" panose="020B0604020202020204" pitchFamily="34" charset="0"/>
+              <a:buChar char="•"/>
+            </a:pPr>
+            <a:r>
+              <a:rPr lang="en-US" altLang="zh-CN" dirty="0">
+                <a:latin typeface="Times New Roman" panose="02020603050405020304" pitchFamily="18" charset="0"/>
+                <a:cs typeface="Times New Roman" panose="02020603050405020304" pitchFamily="18" charset="0"/>
+              </a:rPr>
+              <a:t>Easy to parallelize.</a:t>
+            </a:r>
+          </a:p>
+          <a:p>
+            <a:pPr marL="285750" indent="-285750">
+              <a:buFont typeface="Arial" panose="020B0604020202020204" pitchFamily="34" charset="0"/>
+              <a:buChar char="•"/>
+            </a:pPr>
+            <a:r>
+              <a:rPr lang="en-US" altLang="zh-CN" dirty="0">
+                <a:latin typeface="Times New Roman" panose="02020603050405020304" pitchFamily="18" charset="0"/>
+                <a:cs typeface="Times New Roman" panose="02020603050405020304" pitchFamily="18" charset="0"/>
+              </a:rPr>
+              <a:t>Accommodate small changes without computing globally.</a:t>
+            </a:r>
+            <a:endParaRPr lang="zh-CN" altLang="en-US" dirty="0">
+              <a:latin typeface="Times New Roman" panose="02020603050405020304" pitchFamily="18" charset="0"/>
+              <a:cs typeface="Times New Roman" panose="02020603050405020304" pitchFamily="18" charset="0"/>
+            </a:endParaRPr>
+          </a:p>
+        </p:txBody>
+      </p:sp>
+      <p:sp>
+        <p:nvSpPr>
+          <p:cNvPr id="26" name="矩形 25">
+            <a:extLst>
+              <a:ext uri="{FF2B5EF4-FFF2-40B4-BE49-F238E27FC236}">
+                <a16:creationId xmlns:a16="http://schemas.microsoft.com/office/drawing/2014/main" id="{4CC05BA0-4BAC-4B31-9863-CA3A8602EF2B}"/>
+              </a:ext>
+            </a:extLst>
+          </p:cNvPr>
+          <p:cNvSpPr/>
+          <p:nvPr/>
+        </p:nvSpPr>
+        <p:spPr>
+          <a:xfrm>
+            <a:off x="6211997" y="362738"/>
+            <a:ext cx="2933350" cy="369332"/>
+          </a:xfrm>
+          <a:prstGeom prst="rect">
+            <a:avLst/>
+          </a:prstGeom>
+        </p:spPr>
+        <p:txBody>
+          <a:bodyPr wrap="square">
+            <a:spAutoFit/>
+          </a:bodyPr>
+          <a:lstStyle/>
+          <a:p>
+            <a:r>
+              <a:rPr lang="zh-CN" altLang="en-US" b="1" dirty="0">
+                <a:latin typeface="Times New Roman" panose="02020603050405020304" pitchFamily="18" charset="0"/>
+                <a:cs typeface="Times New Roman" panose="02020603050405020304" pitchFamily="18" charset="0"/>
+              </a:rPr>
+              <a:t>3.2 Connection: Power laws</a:t>
+            </a:r>
+          </a:p>
+        </p:txBody>
+      </p:sp>
+      <p:pic>
+        <p:nvPicPr>
+          <p:cNvPr id="27" name="图片 26">
+            <a:extLst>
+              <a:ext uri="{FF2B5EF4-FFF2-40B4-BE49-F238E27FC236}">
+                <a16:creationId xmlns:a16="http://schemas.microsoft.com/office/drawing/2014/main" id="{8A3186B5-60D7-44AC-9465-3D22504DF2A5}"/>
+              </a:ext>
+            </a:extLst>
+          </p:cNvPr>
+          <p:cNvPicPr>
+            <a:picLocks noChangeAspect="1"/>
+          </p:cNvPicPr>
+          <p:nvPr/>
+        </p:nvPicPr>
+        <p:blipFill>
+          <a:blip r:embed="rId7"/>
+          <a:stretch>
+            <a:fillRect/>
+          </a:stretch>
+        </p:blipFill>
+        <p:spPr>
+          <a:xfrm>
+            <a:off x="5395749" y="711483"/>
+            <a:ext cx="5741832" cy="3270012"/>
+          </a:xfrm>
+          <a:prstGeom prst="rect">
+            <a:avLst/>
+          </a:prstGeom>
+        </p:spPr>
+      </p:pic>
+      <mc:AlternateContent xmlns:mc="http://schemas.openxmlformats.org/markup-compatibility/2006">
+        <mc:Choice xmlns:a14="http://schemas.microsoft.com/office/drawing/2010/main" Requires="a14">
+          <p:sp>
+            <p:nvSpPr>
+              <p:cNvPr id="28" name="矩形 27">
+                <a:extLst>
+                  <a:ext uri="{FF2B5EF4-FFF2-40B4-BE49-F238E27FC236}">
+                    <a16:creationId xmlns:a16="http://schemas.microsoft.com/office/drawing/2014/main" id="{5F624EEE-57F6-49AB-B59C-6059D092EE84}"/>
+                  </a:ext>
+                </a:extLst>
+              </p:cNvPr>
+              <p:cNvSpPr/>
+              <p:nvPr/>
+            </p:nvSpPr>
+            <p:spPr>
+              <a:xfrm>
+                <a:off x="6352878" y="4425800"/>
+                <a:ext cx="1468415" cy="923330"/>
+              </a:xfrm>
+              <a:prstGeom prst="rect">
+                <a:avLst/>
+              </a:prstGeom>
+            </p:spPr>
+            <p:txBody>
+              <a:bodyPr wrap="none">
+                <a:spAutoFit/>
+              </a:bodyPr>
+              <a:lstStyle/>
+              <a:p>
+                <a14:m>
+                  <m:oMath xmlns:m="http://schemas.openxmlformats.org/officeDocument/2006/math">
+                    <m:sSub>
+                      <m:sSubPr>
+                        <m:ctrlPr>
+                          <a:rPr lang="en-US" altLang="zh-CN" i="1" smtClean="0">
+                            <a:solidFill>
+                              <a:schemeClr val="tx1"/>
+                            </a:solidFill>
+                            <a:latin typeface="Cambria Math" panose="02040503050406030204" pitchFamily="18" charset="0"/>
+                            <a:ea typeface="黑体" panose="02010609060101010101" pitchFamily="49" charset="-122"/>
+                            <a:cs typeface="Times New Roman" panose="02020603050405020304" pitchFamily="18" charset="0"/>
+                          </a:rPr>
+                        </m:ctrlPr>
+                      </m:sSubPr>
+                      <m:e>
+                        <m:r>
+                          <a:rPr lang="en-US" altLang="zh-CN" i="1">
+                            <a:solidFill>
+                              <a:schemeClr val="tx1"/>
+                            </a:solidFill>
+                            <a:latin typeface="Cambria Math" panose="02040503050406030204" pitchFamily="18" charset="0"/>
+                            <a:ea typeface="黑体" panose="02010609060101010101" pitchFamily="49" charset="-122"/>
+                            <a:cs typeface="Times New Roman" panose="02020603050405020304" pitchFamily="18" charset="0"/>
+                          </a:rPr>
+                          <m:t>𝑊</m:t>
+                        </m:r>
+                      </m:e>
+                      <m:sub>
+                        <m:r>
+                          <a:rPr lang="en-US" altLang="zh-CN" b="0" i="1" smtClean="0">
+                            <a:solidFill>
+                              <a:schemeClr val="tx1"/>
+                            </a:solidFill>
+                            <a:latin typeface="Cambria Math" panose="02040503050406030204" pitchFamily="18" charset="0"/>
+                            <a:ea typeface="黑体" panose="02010609060101010101" pitchFamily="49" charset="-122"/>
+                            <a:cs typeface="Times New Roman" panose="02020603050405020304" pitchFamily="18" charset="0"/>
+                          </a:rPr>
+                          <m:t>1</m:t>
+                        </m:r>
+                      </m:sub>
+                    </m:sSub>
+                  </m:oMath>
+                </a14:m>
+                <a:r>
+                  <a:rPr lang="en-US" altLang="zh-CN" dirty="0">
+                    <a:solidFill>
+                      <a:schemeClr val="tx1"/>
+                    </a:solidFill>
+                    <a:latin typeface="Times New Roman" panose="02020603050405020304" pitchFamily="18" charset="0"/>
+                    <a:cs typeface="Times New Roman" panose="02020603050405020304" pitchFamily="18" charset="0"/>
+                  </a:rPr>
+                  <a:t> : </a:t>
+                </a:r>
+                <a:r>
+                  <a:rPr lang="en-US" altLang="zh-CN" dirty="0">
+                    <a:latin typeface="Times New Roman" panose="02020603050405020304" pitchFamily="18" charset="0"/>
+                    <a:cs typeface="Times New Roman" panose="02020603050405020304" pitchFamily="18" charset="0"/>
+                  </a:rPr>
+                  <a:t>a b </a:t>
+                </a:r>
+                <a:r>
+                  <a:rPr lang="en-US" altLang="zh-CN" dirty="0">
+                    <a:solidFill>
+                      <a:schemeClr val="accent1"/>
+                    </a:solidFill>
+                    <a:latin typeface="Times New Roman" panose="02020603050405020304" pitchFamily="18" charset="0"/>
+                    <a:cs typeface="Times New Roman" panose="02020603050405020304" pitchFamily="18" charset="0"/>
+                  </a:rPr>
+                  <a:t>c</a:t>
+                </a:r>
+                <a:r>
+                  <a:rPr lang="en-US" altLang="zh-CN" dirty="0">
+                    <a:latin typeface="Times New Roman" panose="02020603050405020304" pitchFamily="18" charset="0"/>
+                    <a:cs typeface="Times New Roman" panose="02020603050405020304" pitchFamily="18" charset="0"/>
+                  </a:rPr>
+                  <a:t> </a:t>
+                </a:r>
+                <a:r>
+                  <a:rPr lang="en-US" altLang="zh-CN" dirty="0">
+                    <a:solidFill>
+                      <a:srgbClr val="00B050"/>
+                    </a:solidFill>
+                    <a:latin typeface="Times New Roman" panose="02020603050405020304" pitchFamily="18" charset="0"/>
+                    <a:cs typeface="Times New Roman" panose="02020603050405020304" pitchFamily="18" charset="0"/>
+                  </a:rPr>
+                  <a:t>d</a:t>
+                </a:r>
+                <a:r>
+                  <a:rPr lang="en-US" altLang="zh-CN" dirty="0">
+                    <a:latin typeface="Times New Roman" panose="02020603050405020304" pitchFamily="18" charset="0"/>
+                    <a:cs typeface="Times New Roman" panose="02020603050405020304" pitchFamily="18" charset="0"/>
+                  </a:rPr>
+                  <a:t> </a:t>
+                </a:r>
+                <a:r>
+                  <a:rPr lang="en-US" altLang="zh-CN" dirty="0">
+                    <a:solidFill>
+                      <a:srgbClr val="FF0000"/>
+                    </a:solidFill>
+                    <a:latin typeface="Times New Roman" panose="02020603050405020304" pitchFamily="18" charset="0"/>
+                    <a:cs typeface="Times New Roman" panose="02020603050405020304" pitchFamily="18" charset="0"/>
+                  </a:rPr>
+                  <a:t>e</a:t>
+                </a:r>
+              </a:p>
+              <a:p>
+                <a14:m>
+                  <m:oMath xmlns:m="http://schemas.openxmlformats.org/officeDocument/2006/math">
+                    <m:sSub>
+                      <m:sSubPr>
+                        <m:ctrlPr>
+                          <a:rPr lang="en-US" altLang="zh-CN" i="1">
+                            <a:latin typeface="Cambria Math" panose="02040503050406030204" pitchFamily="18" charset="0"/>
+                            <a:ea typeface="黑体" panose="02010609060101010101" pitchFamily="49" charset="-122"/>
+                            <a:cs typeface="Times New Roman" panose="02020603050405020304" pitchFamily="18" charset="0"/>
+                          </a:rPr>
+                        </m:ctrlPr>
+                      </m:sSubPr>
+                      <m:e>
+                        <m:r>
+                          <a:rPr lang="en-US" altLang="zh-CN" i="1">
+                            <a:latin typeface="Cambria Math" panose="02040503050406030204" pitchFamily="18" charset="0"/>
+                            <a:ea typeface="黑体" panose="02010609060101010101" pitchFamily="49" charset="-122"/>
+                            <a:cs typeface="Times New Roman" panose="02020603050405020304" pitchFamily="18" charset="0"/>
+                          </a:rPr>
+                          <m:t>𝑊</m:t>
+                        </m:r>
+                      </m:e>
+                      <m:sub>
+                        <m:r>
+                          <a:rPr lang="en-US" altLang="zh-CN" b="0" i="1" smtClean="0">
+                            <a:latin typeface="Cambria Math" panose="02040503050406030204" pitchFamily="18" charset="0"/>
+                            <a:ea typeface="黑体" panose="02010609060101010101" pitchFamily="49" charset="-122"/>
+                            <a:cs typeface="Times New Roman" panose="02020603050405020304" pitchFamily="18" charset="0"/>
+                          </a:rPr>
+                          <m:t>3</m:t>
+                        </m:r>
+                      </m:sub>
+                    </m:sSub>
+                  </m:oMath>
+                </a14:m>
+                <a:r>
+                  <a:rPr lang="en-US" altLang="zh-CN" dirty="0">
+                    <a:latin typeface="Times New Roman" panose="02020603050405020304" pitchFamily="18" charset="0"/>
+                    <a:cs typeface="Times New Roman" panose="02020603050405020304" pitchFamily="18" charset="0"/>
+                  </a:rPr>
+                  <a:t> : </a:t>
+                </a:r>
+                <a:r>
+                  <a:rPr lang="en-US" altLang="zh-CN" dirty="0">
+                    <a:solidFill>
+                      <a:schemeClr val="accent1"/>
+                    </a:solidFill>
+                    <a:latin typeface="Times New Roman" panose="02020603050405020304" pitchFamily="18" charset="0"/>
+                    <a:cs typeface="Times New Roman" panose="02020603050405020304" pitchFamily="18" charset="0"/>
+                  </a:rPr>
+                  <a:t>c</a:t>
+                </a:r>
+                <a:r>
+                  <a:rPr lang="en-US" altLang="zh-CN" dirty="0">
+                    <a:latin typeface="Times New Roman" panose="02020603050405020304" pitchFamily="18" charset="0"/>
+                    <a:cs typeface="Times New Roman" panose="02020603050405020304" pitchFamily="18" charset="0"/>
+                  </a:rPr>
+                  <a:t> </a:t>
+                </a:r>
+                <a:r>
+                  <a:rPr lang="en-US" altLang="zh-CN" dirty="0">
+                    <a:solidFill>
+                      <a:srgbClr val="00B050"/>
+                    </a:solidFill>
+                    <a:latin typeface="Times New Roman" panose="02020603050405020304" pitchFamily="18" charset="0"/>
+                    <a:cs typeface="Times New Roman" panose="02020603050405020304" pitchFamily="18" charset="0"/>
+                  </a:rPr>
+                  <a:t>d</a:t>
+                </a:r>
+                <a:r>
+                  <a:rPr lang="en-US" altLang="zh-CN" dirty="0">
+                    <a:solidFill>
+                      <a:srgbClr val="FF0000"/>
+                    </a:solidFill>
+                    <a:latin typeface="Times New Roman" panose="02020603050405020304" pitchFamily="18" charset="0"/>
+                    <a:cs typeface="Times New Roman" panose="02020603050405020304" pitchFamily="18" charset="0"/>
+                  </a:rPr>
+                  <a:t> e</a:t>
+                </a:r>
+                <a:r>
+                  <a:rPr lang="en-US" altLang="zh-CN" dirty="0">
+                    <a:latin typeface="Times New Roman" panose="02020603050405020304" pitchFamily="18" charset="0"/>
+                    <a:cs typeface="Times New Roman" panose="02020603050405020304" pitchFamily="18" charset="0"/>
+                  </a:rPr>
+                  <a:t> </a:t>
+                </a:r>
+                <a:r>
+                  <a:rPr lang="en-US" altLang="zh-CN" dirty="0">
+                    <a:solidFill>
+                      <a:schemeClr val="accent1"/>
+                    </a:solidFill>
+                    <a:latin typeface="Times New Roman" panose="02020603050405020304" pitchFamily="18" charset="0"/>
+                    <a:cs typeface="Times New Roman" panose="02020603050405020304" pitchFamily="18" charset="0"/>
+                  </a:rPr>
+                  <a:t>f g</a:t>
+                </a:r>
+              </a:p>
+              <a:p>
+                <a14:m>
+                  <m:oMath xmlns:m="http://schemas.openxmlformats.org/officeDocument/2006/math">
+                    <m:sSub>
+                      <m:sSubPr>
+                        <m:ctrlPr>
+                          <a:rPr lang="en-US" altLang="zh-CN" i="1" smtClean="0">
+                            <a:latin typeface="Cambria Math" panose="02040503050406030204" pitchFamily="18" charset="0"/>
+                            <a:ea typeface="黑体" panose="02010609060101010101" pitchFamily="49" charset="-122"/>
+                            <a:cs typeface="Times New Roman" panose="02020603050405020304" pitchFamily="18" charset="0"/>
+                          </a:rPr>
+                        </m:ctrlPr>
+                      </m:sSubPr>
+                      <m:e>
+                        <m:r>
+                          <a:rPr lang="en-US" altLang="zh-CN" i="1">
+                            <a:latin typeface="Cambria Math" panose="02040503050406030204" pitchFamily="18" charset="0"/>
+                            <a:ea typeface="黑体" panose="02010609060101010101" pitchFamily="49" charset="-122"/>
+                            <a:cs typeface="Times New Roman" panose="02020603050405020304" pitchFamily="18" charset="0"/>
+                          </a:rPr>
+                          <m:t>𝑊</m:t>
+                        </m:r>
+                      </m:e>
+                      <m:sub>
+                        <m:r>
+                          <a:rPr lang="en-US" altLang="zh-CN" b="0" i="1" smtClean="0">
+                            <a:latin typeface="Cambria Math" panose="02040503050406030204" pitchFamily="18" charset="0"/>
+                            <a:ea typeface="黑体" panose="02010609060101010101" pitchFamily="49" charset="-122"/>
+                            <a:cs typeface="Times New Roman" panose="02020603050405020304" pitchFamily="18" charset="0"/>
+                          </a:rPr>
+                          <m:t>4</m:t>
+                        </m:r>
+                      </m:sub>
+                    </m:sSub>
+                  </m:oMath>
+                </a14:m>
+                <a:r>
+                  <a:rPr lang="en-US" altLang="zh-CN" dirty="0">
+                    <a:latin typeface="Times New Roman" panose="02020603050405020304" pitchFamily="18" charset="0"/>
+                    <a:cs typeface="Times New Roman" panose="02020603050405020304" pitchFamily="18" charset="0"/>
+                  </a:rPr>
+                  <a:t> : </a:t>
+                </a:r>
+                <a:r>
+                  <a:rPr lang="en-US" altLang="zh-CN" dirty="0">
+                    <a:solidFill>
+                      <a:srgbClr val="00B050"/>
+                    </a:solidFill>
+                    <a:latin typeface="Times New Roman" panose="02020603050405020304" pitchFamily="18" charset="0"/>
+                    <a:cs typeface="Times New Roman" panose="02020603050405020304" pitchFamily="18" charset="0"/>
+                  </a:rPr>
+                  <a:t>d</a:t>
+                </a:r>
+                <a:r>
+                  <a:rPr lang="en-US" altLang="zh-CN" dirty="0">
+                    <a:solidFill>
+                      <a:srgbClr val="FF0000"/>
+                    </a:solidFill>
+                    <a:latin typeface="Times New Roman" panose="02020603050405020304" pitchFamily="18" charset="0"/>
+                    <a:cs typeface="Times New Roman" panose="02020603050405020304" pitchFamily="18" charset="0"/>
+                  </a:rPr>
+                  <a:t> e</a:t>
+                </a:r>
+                <a:r>
+                  <a:rPr lang="en-US" altLang="zh-CN" dirty="0">
+                    <a:latin typeface="Times New Roman" panose="02020603050405020304" pitchFamily="18" charset="0"/>
+                    <a:cs typeface="Times New Roman" panose="02020603050405020304" pitchFamily="18" charset="0"/>
+                  </a:rPr>
+                  <a:t> </a:t>
+                </a:r>
+                <a:r>
+                  <a:rPr lang="en-US" altLang="zh-CN" dirty="0">
+                    <a:solidFill>
+                      <a:schemeClr val="accent1"/>
+                    </a:solidFill>
+                    <a:latin typeface="Times New Roman" panose="02020603050405020304" pitchFamily="18" charset="0"/>
+                    <a:cs typeface="Times New Roman" panose="02020603050405020304" pitchFamily="18" charset="0"/>
+                  </a:rPr>
+                  <a:t>f g</a:t>
+                </a:r>
+                <a:r>
+                  <a:rPr lang="en-US" altLang="zh-CN" dirty="0">
+                    <a:latin typeface="Times New Roman" panose="02020603050405020304" pitchFamily="18" charset="0"/>
+                    <a:cs typeface="Times New Roman" panose="02020603050405020304" pitchFamily="18" charset="0"/>
+                  </a:rPr>
+                  <a:t> </a:t>
+                </a:r>
+                <a:r>
+                  <a:rPr lang="en-US" altLang="zh-CN" dirty="0">
+                    <a:solidFill>
+                      <a:srgbClr val="00B050"/>
+                    </a:solidFill>
+                    <a:latin typeface="Times New Roman" panose="02020603050405020304" pitchFamily="18" charset="0"/>
+                    <a:cs typeface="Times New Roman" panose="02020603050405020304" pitchFamily="18" charset="0"/>
+                  </a:rPr>
+                  <a:t>d</a:t>
+                </a:r>
+                <a:endParaRPr lang="zh-CN" altLang="en-US" dirty="0">
+                  <a:solidFill>
+                    <a:srgbClr val="00B050"/>
+                  </a:solidFill>
+                </a:endParaRPr>
+              </a:p>
+            </p:txBody>
+          </p:sp>
+        </mc:Choice>
+        <mc:Fallback>
+          <p:sp>
+            <p:nvSpPr>
+              <p:cNvPr id="28" name="矩形 27">
+                <a:extLst>
+                  <a:ext uri="{FF2B5EF4-FFF2-40B4-BE49-F238E27FC236}">
+                    <a16:creationId xmlns:a16="http://schemas.microsoft.com/office/drawing/2014/main" id="{5F624EEE-57F6-49AB-B59C-6059D092EE84}"/>
+                  </a:ext>
+                </a:extLst>
+              </p:cNvPr>
+              <p:cNvSpPr>
+                <a:spLocks noRot="1" noChangeAspect="1" noMove="1" noResize="1" noEditPoints="1" noAdjustHandles="1" noChangeArrowheads="1" noChangeShapeType="1" noTextEdit="1"/>
+              </p:cNvSpPr>
+              <p:nvPr/>
+            </p:nvSpPr>
+            <p:spPr>
+              <a:xfrm>
+                <a:off x="6352878" y="4425800"/>
+                <a:ext cx="1468415" cy="923330"/>
+              </a:xfrm>
+              <a:prstGeom prst="rect">
+                <a:avLst/>
+              </a:prstGeom>
+              <a:blipFill>
+                <a:blip r:embed="rId8"/>
+                <a:stretch>
+                  <a:fillRect t="-3311" b="-9272"/>
+                </a:stretch>
+              </a:blipFill>
+            </p:spPr>
+            <p:txBody>
+              <a:bodyPr/>
+              <a:lstStyle/>
+              <a:p>
+                <a:r>
+                  <a:rPr lang="zh-CN" altLang="en-US">
+                    <a:noFill/>
+                  </a:rPr>
+                  <a:t> </a:t>
+                </a:r>
+              </a:p>
+            </p:txBody>
+          </p:sp>
+        </mc:Fallback>
+      </mc:AlternateContent>
+      <p:graphicFrame>
+        <p:nvGraphicFramePr>
+          <p:cNvPr id="29" name="表格 28">
+            <a:extLst>
+              <a:ext uri="{FF2B5EF4-FFF2-40B4-BE49-F238E27FC236}">
+                <a16:creationId xmlns:a16="http://schemas.microsoft.com/office/drawing/2014/main" id="{7F41EC33-9A55-4D69-B3C0-8D7C3F376631}"/>
+              </a:ext>
+            </a:extLst>
+          </p:cNvPr>
+          <p:cNvGraphicFramePr>
+            <a:graphicFrameLocks noGrp="1"/>
+          </p:cNvGraphicFramePr>
+          <p:nvPr>
+            <p:extLst>
+              <p:ext uri="{D42A27DB-BD31-4B8C-83A1-F6EECF244321}">
+                <p14:modId xmlns:p14="http://schemas.microsoft.com/office/powerpoint/2010/main" val="707126554"/>
+              </p:ext>
+            </p:extLst>
+          </p:nvPr>
+        </p:nvGraphicFramePr>
+        <p:xfrm>
+          <a:off x="8252571" y="3962084"/>
+          <a:ext cx="2970650" cy="1854200"/>
+        </p:xfrm>
+        <a:graphic>
+          <a:graphicData uri="http://schemas.openxmlformats.org/drawingml/2006/table">
+            <a:tbl>
+              <a:tblPr firstRow="1" bandRow="1">
+                <a:tableStyleId>{5C22544A-7EE6-4342-B048-85BDC9FD1C3A}</a:tableStyleId>
+              </a:tblPr>
+              <a:tblGrid>
+                <a:gridCol w="1485325">
+                  <a:extLst>
+                    <a:ext uri="{9D8B030D-6E8A-4147-A177-3AD203B41FA5}">
+                      <a16:colId xmlns:a16="http://schemas.microsoft.com/office/drawing/2014/main" val="3874138745"/>
+                    </a:ext>
+                  </a:extLst>
+                </a:gridCol>
+                <a:gridCol w="1485325">
+                  <a:extLst>
+                    <a:ext uri="{9D8B030D-6E8A-4147-A177-3AD203B41FA5}">
+                      <a16:colId xmlns:a16="http://schemas.microsoft.com/office/drawing/2014/main" val="1469188704"/>
+                    </a:ext>
+                  </a:extLst>
+                </a:gridCol>
+              </a:tblGrid>
+              <a:tr h="370840">
+                <a:tc>
+                  <a:txBody>
+                    <a:bodyPr/>
+                    <a:lstStyle/>
+                    <a:p>
+                      <a:pPr algn="ctr"/>
+                      <a:r>
+                        <a:rPr lang="en-US" altLang="zh-CN" sz="1400" dirty="0"/>
+                        <a:t>Visitation count</a:t>
+                      </a:r>
+                      <a:endParaRPr lang="zh-CN" altLang="en-US" sz="1400" dirty="0"/>
+                    </a:p>
+                  </a:txBody>
+                  <a:tcPr/>
+                </a:tc>
+                <a:tc>
+                  <a:txBody>
+                    <a:bodyPr/>
+                    <a:lstStyle/>
+                    <a:p>
+                      <a:pPr algn="ctr"/>
+                      <a:r>
+                        <a:rPr lang="en-US" altLang="zh-CN" sz="1400" dirty="0"/>
+                        <a:t>Of vertices</a:t>
+                      </a:r>
+                      <a:endParaRPr lang="zh-CN" altLang="en-US" sz="1400" dirty="0"/>
+                    </a:p>
+                  </a:txBody>
+                  <a:tcPr/>
+                </a:tc>
+                <a:extLst>
+                  <a:ext uri="{0D108BD9-81ED-4DB2-BD59-A6C34878D82A}">
+                    <a16:rowId xmlns:a16="http://schemas.microsoft.com/office/drawing/2014/main" val="175332049"/>
+                  </a:ext>
+                </a:extLst>
+              </a:tr>
+              <a:tr h="370840">
+                <a:tc>
+                  <a:txBody>
+                    <a:bodyPr/>
+                    <a:lstStyle/>
+                    <a:p>
+                      <a:pPr algn="ctr"/>
+                      <a:r>
+                        <a:rPr lang="en-US" altLang="zh-CN" sz="1800" dirty="0">
+                          <a:latin typeface="Times New Roman" panose="02020603050405020304" pitchFamily="18" charset="0"/>
+                          <a:cs typeface="Times New Roman" panose="02020603050405020304" pitchFamily="18" charset="0"/>
+                        </a:rPr>
+                        <a:t>1</a:t>
+                      </a:r>
+                      <a:endParaRPr lang="zh-CN" altLang="en-US" sz="1800" dirty="0">
+                        <a:latin typeface="Times New Roman" panose="02020603050405020304" pitchFamily="18" charset="0"/>
+                        <a:cs typeface="Times New Roman" panose="02020603050405020304" pitchFamily="18" charset="0"/>
+                      </a:endParaRPr>
+                    </a:p>
+                  </a:txBody>
+                  <a:tcPr/>
+                </a:tc>
+                <a:tc>
+                  <a:txBody>
+                    <a:bodyPr/>
+                    <a:lstStyle/>
+                    <a:p>
+                      <a:pPr algn="ctr"/>
+                      <a:r>
+                        <a:rPr lang="en-US" altLang="zh-CN" sz="1800" dirty="0">
+                          <a:latin typeface="Times New Roman" panose="02020603050405020304" pitchFamily="18" charset="0"/>
+                          <a:cs typeface="Times New Roman" panose="02020603050405020304" pitchFamily="18" charset="0"/>
+                        </a:rPr>
+                        <a:t>  2: a b </a:t>
+                      </a:r>
+                      <a:endParaRPr lang="zh-CN" altLang="en-US" sz="1800" dirty="0">
+                        <a:latin typeface="Times New Roman" panose="02020603050405020304" pitchFamily="18" charset="0"/>
+                        <a:cs typeface="Times New Roman" panose="02020603050405020304" pitchFamily="18" charset="0"/>
+                      </a:endParaRPr>
+                    </a:p>
+                  </a:txBody>
+                  <a:tcPr/>
+                </a:tc>
+                <a:extLst>
+                  <a:ext uri="{0D108BD9-81ED-4DB2-BD59-A6C34878D82A}">
+                    <a16:rowId xmlns:a16="http://schemas.microsoft.com/office/drawing/2014/main" val="3394600552"/>
+                  </a:ext>
+                </a:extLst>
+              </a:tr>
+              <a:tr h="370840">
+                <a:tc>
+                  <a:txBody>
+                    <a:bodyPr/>
+                    <a:lstStyle/>
+                    <a:p>
+                      <a:pPr algn="ctr"/>
+                      <a:r>
+                        <a:rPr lang="en-US" altLang="zh-CN" sz="1800" dirty="0">
+                          <a:latin typeface="Times New Roman" panose="02020603050405020304" pitchFamily="18" charset="0"/>
+                          <a:cs typeface="Times New Roman" panose="02020603050405020304" pitchFamily="18" charset="0"/>
+                        </a:rPr>
+                        <a:t>2</a:t>
+                      </a:r>
+                      <a:endParaRPr lang="zh-CN" altLang="en-US" sz="1800" dirty="0">
+                        <a:latin typeface="Times New Roman" panose="02020603050405020304" pitchFamily="18" charset="0"/>
+                        <a:cs typeface="Times New Roman" panose="02020603050405020304" pitchFamily="18" charset="0"/>
+                      </a:endParaRPr>
+                    </a:p>
+                  </a:txBody>
+                  <a:tcPr/>
+                </a:tc>
+                <a:tc>
+                  <a:txBody>
+                    <a:bodyPr/>
+                    <a:lstStyle/>
+                    <a:p>
+                      <a:pPr algn="ctr"/>
+                      <a:r>
+                        <a:rPr lang="en-US" altLang="zh-CN" sz="1800" dirty="0">
+                          <a:latin typeface="Times New Roman" panose="02020603050405020304" pitchFamily="18" charset="0"/>
+                          <a:cs typeface="Times New Roman" panose="02020603050405020304" pitchFamily="18" charset="0"/>
+                        </a:rPr>
+                        <a:t>  2: c f</a:t>
+                      </a:r>
+                      <a:endParaRPr lang="zh-CN" altLang="en-US" sz="1800" dirty="0">
+                        <a:latin typeface="Times New Roman" panose="02020603050405020304" pitchFamily="18" charset="0"/>
+                        <a:cs typeface="Times New Roman" panose="02020603050405020304" pitchFamily="18" charset="0"/>
+                      </a:endParaRPr>
+                    </a:p>
+                  </a:txBody>
+                  <a:tcPr/>
+                </a:tc>
+                <a:extLst>
+                  <a:ext uri="{0D108BD9-81ED-4DB2-BD59-A6C34878D82A}">
+                    <a16:rowId xmlns:a16="http://schemas.microsoft.com/office/drawing/2014/main" val="662016337"/>
+                  </a:ext>
+                </a:extLst>
+              </a:tr>
+              <a:tr h="370840">
+                <a:tc>
+                  <a:txBody>
+                    <a:bodyPr/>
+                    <a:lstStyle/>
+                    <a:p>
+                      <a:pPr algn="ctr"/>
+                      <a:r>
+                        <a:rPr lang="en-US" altLang="zh-CN" sz="1800" dirty="0">
+                          <a:latin typeface="Times New Roman" panose="02020603050405020304" pitchFamily="18" charset="0"/>
+                          <a:cs typeface="Times New Roman" panose="02020603050405020304" pitchFamily="18" charset="0"/>
+                        </a:rPr>
+                        <a:t>3</a:t>
+                      </a:r>
+                      <a:endParaRPr lang="zh-CN" altLang="en-US" sz="1800" dirty="0">
+                        <a:latin typeface="Times New Roman" panose="02020603050405020304" pitchFamily="18" charset="0"/>
+                        <a:cs typeface="Times New Roman" panose="02020603050405020304" pitchFamily="18" charset="0"/>
+                      </a:endParaRPr>
+                    </a:p>
+                  </a:txBody>
+                  <a:tcPr/>
+                </a:tc>
+                <a:tc>
+                  <a:txBody>
+                    <a:bodyPr/>
+                    <a:lstStyle/>
+                    <a:p>
+                      <a:pPr algn="ctr"/>
+                      <a:r>
+                        <a:rPr lang="en-US" altLang="zh-CN" sz="1800" dirty="0">
+                          <a:latin typeface="Times New Roman" panose="02020603050405020304" pitchFamily="18" charset="0"/>
+                          <a:cs typeface="Times New Roman" panose="02020603050405020304" pitchFamily="18" charset="0"/>
+                        </a:rPr>
+                        <a:t>1: e</a:t>
+                      </a:r>
+                      <a:endParaRPr lang="zh-CN" altLang="en-US" sz="1800" dirty="0">
+                        <a:latin typeface="Times New Roman" panose="02020603050405020304" pitchFamily="18" charset="0"/>
+                        <a:cs typeface="Times New Roman" panose="02020603050405020304" pitchFamily="18" charset="0"/>
+                      </a:endParaRPr>
+                    </a:p>
+                  </a:txBody>
+                  <a:tcPr/>
+                </a:tc>
+                <a:extLst>
+                  <a:ext uri="{0D108BD9-81ED-4DB2-BD59-A6C34878D82A}">
+                    <a16:rowId xmlns:a16="http://schemas.microsoft.com/office/drawing/2014/main" val="1577599740"/>
+                  </a:ext>
+                </a:extLst>
+              </a:tr>
+              <a:tr h="370840">
+                <a:tc>
+                  <a:txBody>
+                    <a:bodyPr/>
+                    <a:lstStyle/>
+                    <a:p>
+                      <a:pPr algn="ctr"/>
+                      <a:r>
+                        <a:rPr lang="en-US" altLang="zh-CN" sz="1800" dirty="0">
+                          <a:latin typeface="Times New Roman" panose="02020603050405020304" pitchFamily="18" charset="0"/>
+                          <a:cs typeface="Times New Roman" panose="02020603050405020304" pitchFamily="18" charset="0"/>
+                        </a:rPr>
+                        <a:t>4</a:t>
+                      </a:r>
+                      <a:endParaRPr lang="zh-CN" altLang="en-US" sz="1800" dirty="0">
+                        <a:latin typeface="Times New Roman" panose="02020603050405020304" pitchFamily="18" charset="0"/>
+                        <a:cs typeface="Times New Roman" panose="02020603050405020304" pitchFamily="18" charset="0"/>
+                      </a:endParaRPr>
+                    </a:p>
+                  </a:txBody>
+                  <a:tcPr/>
+                </a:tc>
+                <a:tc>
+                  <a:txBody>
+                    <a:bodyPr/>
+                    <a:lstStyle/>
+                    <a:p>
+                      <a:pPr algn="ctr"/>
+                      <a:r>
+                        <a:rPr lang="en-US" altLang="zh-CN" sz="1800" dirty="0">
+                          <a:latin typeface="Times New Roman" panose="02020603050405020304" pitchFamily="18" charset="0"/>
+                          <a:cs typeface="Times New Roman" panose="02020603050405020304" pitchFamily="18" charset="0"/>
+                        </a:rPr>
+                        <a:t>1: d</a:t>
+                      </a:r>
+                      <a:endParaRPr lang="zh-CN" altLang="en-US" sz="1800" dirty="0">
+                        <a:latin typeface="Times New Roman" panose="02020603050405020304" pitchFamily="18" charset="0"/>
+                        <a:cs typeface="Times New Roman" panose="02020603050405020304" pitchFamily="18" charset="0"/>
+                      </a:endParaRPr>
+                    </a:p>
+                  </a:txBody>
+                  <a:tcPr/>
+                </a:tc>
+                <a:extLst>
+                  <a:ext uri="{0D108BD9-81ED-4DB2-BD59-A6C34878D82A}">
+                    <a16:rowId xmlns:a16="http://schemas.microsoft.com/office/drawing/2014/main" val="2488166128"/>
+                  </a:ext>
+                </a:extLst>
+              </a:tr>
+            </a:tbl>
+          </a:graphicData>
+        </a:graphic>
+      </p:graphicFrame>
+      <p:sp>
+        <p:nvSpPr>
+          <p:cNvPr id="30" name="矩形 29">
+            <a:extLst>
+              <a:ext uri="{FF2B5EF4-FFF2-40B4-BE49-F238E27FC236}">
+                <a16:creationId xmlns:a16="http://schemas.microsoft.com/office/drawing/2014/main" id="{523C19CB-0C9F-45EF-814D-D83434BA71C2}"/>
+              </a:ext>
+            </a:extLst>
+          </p:cNvPr>
+          <p:cNvSpPr/>
+          <p:nvPr/>
+        </p:nvSpPr>
+        <p:spPr>
+          <a:xfrm>
+            <a:off x="7678738" y="6073872"/>
+            <a:ext cx="3833101" cy="646331"/>
+          </a:xfrm>
+          <a:prstGeom prst="rect">
+            <a:avLst/>
+          </a:prstGeom>
+        </p:spPr>
+        <p:txBody>
+          <a:bodyPr wrap="none">
+            <a:spAutoFit/>
+          </a:bodyPr>
+          <a:lstStyle/>
+          <a:p>
+            <a:r>
+              <a:rPr lang="en-US" altLang="zh-CN" dirty="0">
+                <a:latin typeface="Times New Roman" panose="02020603050405020304" pitchFamily="18" charset="0"/>
+                <a:ea typeface="微软雅黑" panose="020B0503020204020204" pitchFamily="34" charset="-122"/>
+                <a:cs typeface="Times New Roman" panose="02020603050405020304" pitchFamily="18" charset="0"/>
+              </a:rPr>
+              <a:t>Text is a sequence of </a:t>
+            </a:r>
+            <a:r>
+              <a:rPr lang="en-US" altLang="zh-CN" u="sng" dirty="0">
+                <a:latin typeface="Times New Roman" panose="02020603050405020304" pitchFamily="18" charset="0"/>
+                <a:ea typeface="微软雅黑" panose="020B0503020204020204" pitchFamily="34" charset="-122"/>
+                <a:cs typeface="Times New Roman" panose="02020603050405020304" pitchFamily="18" charset="0"/>
+              </a:rPr>
+              <a:t>words</a:t>
+            </a:r>
+            <a:r>
+              <a:rPr lang="en-US" altLang="zh-CN" dirty="0">
+                <a:latin typeface="Times New Roman" panose="02020603050405020304" pitchFamily="18" charset="0"/>
+                <a:ea typeface="微软雅黑" panose="020B0503020204020204" pitchFamily="34" charset="-122"/>
+                <a:cs typeface="Times New Roman" panose="02020603050405020304" pitchFamily="18" charset="0"/>
+              </a:rPr>
+              <a:t>.</a:t>
+            </a:r>
+          </a:p>
+          <a:p>
+            <a:r>
+              <a:rPr lang="en-US" altLang="zh-CN" dirty="0">
+                <a:latin typeface="Times New Roman" panose="02020603050405020304" pitchFamily="18" charset="0"/>
+                <a:ea typeface="微软雅黑" panose="020B0503020204020204" pitchFamily="34" charset="-122"/>
+                <a:cs typeface="Times New Roman" panose="02020603050405020304" pitchFamily="18" charset="0"/>
+              </a:rPr>
+              <a:t>Random walk is a sequence of </a:t>
+            </a:r>
+            <a:r>
+              <a:rPr lang="en-US" altLang="zh-CN" u="sng" dirty="0">
+                <a:latin typeface="Times New Roman" panose="02020603050405020304" pitchFamily="18" charset="0"/>
+                <a:ea typeface="微软雅黑" panose="020B0503020204020204" pitchFamily="34" charset="-122"/>
+                <a:cs typeface="Times New Roman" panose="02020603050405020304" pitchFamily="18" charset="0"/>
+              </a:rPr>
+              <a:t>vertices</a:t>
+            </a:r>
+            <a:r>
+              <a:rPr lang="en-US" altLang="zh-CN" dirty="0">
+                <a:latin typeface="Times New Roman" panose="02020603050405020304" pitchFamily="18" charset="0"/>
+                <a:ea typeface="微软雅黑" panose="020B0503020204020204" pitchFamily="34" charset="-122"/>
+                <a:cs typeface="Times New Roman" panose="02020603050405020304" pitchFamily="18" charset="0"/>
+              </a:rPr>
+              <a:t>.</a:t>
+            </a:r>
+            <a:endParaRPr lang="zh-CN" altLang="en-US" dirty="0">
+              <a:latin typeface="Times New Roman" panose="02020603050405020304" pitchFamily="18" charset="0"/>
+              <a:ea typeface="微软雅黑" panose="020B0503020204020204" pitchFamily="34" charset="-122"/>
+              <a:cs typeface="Times New Roman" panose="02020603050405020304" pitchFamily="18" charset="0"/>
+            </a:endParaRPr>
+          </a:p>
+        </p:txBody>
+      </p:sp>
+    </p:spTree>
+    <p:extLst>
+      <p:ext uri="{BB962C8B-B14F-4D97-AF65-F5344CB8AC3E}">
+        <p14:creationId xmlns:p14="http://schemas.microsoft.com/office/powerpoint/2010/main" val="1662129793"/>
+      </p:ext>
+    </p:extLst>
+  </p:cSld>
+  <p:clrMapOvr>
+    <a:masterClrMapping/>
+  </p:clrMapOvr>
+</p:sld>
+</file>
+
+<file path=ppt/slides/slide4.xml><?xml version="1.0" encoding="utf-8"?>
+<p:sld xmlns:a="http://schemas.openxmlformats.org/drawingml/2006/main" xmlns:r="http://schemas.openxmlformats.org/officeDocument/2006/relationships" xmlns:p="http://schemas.openxmlformats.org/presentationml/2006/main">
+  <p:cSld>
+    <p:spTree>
+      <p:nvGrpSpPr>
+        <p:cNvPr id="1" name=""/>
+        <p:cNvGrpSpPr/>
+        <p:nvPr/>
+      </p:nvGrpSpPr>
+      <p:grpSpPr>
+        <a:xfrm>
+          <a:off x="0" y="0"/>
+          <a:ext cx="0" cy="0"/>
+          <a:chOff x="0" y="0"/>
+          <a:chExt cx="0" cy="0"/>
+        </a:xfrm>
+      </p:grpSpPr>
+      <p:sp>
+        <p:nvSpPr>
+          <p:cNvPr id="3" name="矩形 2">
+            <a:extLst>
+              <a:ext uri="{FF2B5EF4-FFF2-40B4-BE49-F238E27FC236}">
+                <a16:creationId xmlns:a16="http://schemas.microsoft.com/office/drawing/2014/main" id="{0222762C-E0F6-4B57-BA2F-A773939FF9A8}"/>
+              </a:ext>
+            </a:extLst>
+          </p:cNvPr>
+          <p:cNvSpPr/>
+          <p:nvPr/>
+        </p:nvSpPr>
+        <p:spPr>
+          <a:xfrm>
+            <a:off x="659908" y="247226"/>
+            <a:ext cx="2544931" cy="369332"/>
+          </a:xfrm>
+          <a:prstGeom prst="rect">
+            <a:avLst/>
+          </a:prstGeom>
+        </p:spPr>
+        <p:txBody>
+          <a:bodyPr wrap="square">
+            <a:spAutoFit/>
+          </a:bodyPr>
+          <a:lstStyle/>
+          <a:p>
+            <a:r>
+              <a:rPr lang="zh-CN" altLang="en-US" b="1" dirty="0">
+                <a:latin typeface="Times New Roman" panose="02020603050405020304" pitchFamily="18" charset="0"/>
+                <a:cs typeface="Times New Roman" panose="02020603050405020304" pitchFamily="18" charset="0"/>
+              </a:rPr>
+              <a:t>3.3 Language Modeling</a:t>
+            </a:r>
+          </a:p>
+        </p:txBody>
+      </p:sp>
+      <mc:AlternateContent xmlns:mc="http://schemas.openxmlformats.org/markup-compatibility/2006">
+        <mc:Choice xmlns:a14="http://schemas.microsoft.com/office/drawing/2010/main" Requires="a14">
+          <p:sp>
+            <p:nvSpPr>
+              <p:cNvPr id="4" name="矩形 3">
+                <a:extLst>
+                  <a:ext uri="{FF2B5EF4-FFF2-40B4-BE49-F238E27FC236}">
+                    <a16:creationId xmlns:a16="http://schemas.microsoft.com/office/drawing/2014/main" id="{5A324446-6369-41B4-97CB-93146494B6CC}"/>
+                  </a:ext>
+                </a:extLst>
+              </p:cNvPr>
+              <p:cNvSpPr/>
+              <p:nvPr/>
+            </p:nvSpPr>
+            <p:spPr>
+              <a:xfrm>
+                <a:off x="1282504" y="856241"/>
+                <a:ext cx="9476377" cy="646331"/>
+              </a:xfrm>
+              <a:prstGeom prst="rect">
+                <a:avLst/>
+              </a:prstGeom>
+            </p:spPr>
+            <p:txBody>
+              <a:bodyPr wrap="none">
+                <a:spAutoFit/>
+              </a:bodyPr>
+              <a:lstStyle/>
+              <a:p>
+                <a:r>
+                  <a:rPr lang="en-US" altLang="zh-CN" dirty="0">
+                    <a:latin typeface="Times New Roman" panose="02020603050405020304" pitchFamily="18" charset="0"/>
+                    <a:cs typeface="Times New Roman" panose="02020603050405020304" pitchFamily="18" charset="0"/>
+                  </a:rPr>
+                  <a:t>Give a sequence of words </a:t>
+                </a:r>
+                <a14:m>
+                  <m:oMath xmlns:m="http://schemas.openxmlformats.org/officeDocument/2006/math">
+                    <m:sSubSup>
+                      <m:sSubSupPr>
+                        <m:ctrlPr>
+                          <a:rPr lang="en-US" altLang="zh-CN" i="1">
+                            <a:latin typeface="Cambria Math" panose="02040503050406030204" pitchFamily="18" charset="0"/>
+                          </a:rPr>
+                        </m:ctrlPr>
+                      </m:sSubSupPr>
+                      <m:e>
+                        <m:r>
+                          <a:rPr lang="en-US" altLang="zh-CN" i="1">
+                            <a:latin typeface="Cambria Math" panose="02040503050406030204" pitchFamily="18" charset="0"/>
+                          </a:rPr>
+                          <m:t>𝑊</m:t>
+                        </m:r>
+                      </m:e>
+                      <m:sub>
+                        <m:r>
+                          <a:rPr lang="en-US" altLang="zh-CN" b="0" i="1" smtClean="0">
+                            <a:latin typeface="Cambria Math" panose="02040503050406030204" pitchFamily="18" charset="0"/>
+                          </a:rPr>
+                          <m:t>𝑛</m:t>
+                        </m:r>
+                      </m:sub>
+                      <m:sup>
+                        <m:r>
+                          <a:rPr lang="en-US" altLang="zh-CN" b="0" i="1" smtClean="0">
+                            <a:latin typeface="Cambria Math" panose="02040503050406030204" pitchFamily="18" charset="0"/>
+                          </a:rPr>
+                          <m:t>1</m:t>
+                        </m:r>
+                      </m:sup>
+                    </m:sSubSup>
+                    <m:r>
+                      <a:rPr lang="en-US" altLang="zh-CN" b="0" i="1" smtClean="0">
+                        <a:latin typeface="Cambria Math" panose="02040503050406030204" pitchFamily="18" charset="0"/>
+                      </a:rPr>
+                      <m:t>=</m:t>
+                    </m:r>
+                    <m:d>
+                      <m:dPr>
+                        <m:ctrlPr>
+                          <a:rPr lang="en-US" altLang="zh-CN" b="0" i="1" smtClean="0">
+                            <a:latin typeface="Cambria Math" panose="02040503050406030204" pitchFamily="18" charset="0"/>
+                          </a:rPr>
+                        </m:ctrlPr>
+                      </m:dPr>
+                      <m:e>
+                        <m:sSub>
+                          <m:sSubPr>
+                            <m:ctrlPr>
+                              <a:rPr lang="en-US" altLang="zh-CN" b="0" i="1" smtClean="0">
+                                <a:latin typeface="Cambria Math" panose="02040503050406030204" pitchFamily="18" charset="0"/>
+                              </a:rPr>
+                            </m:ctrlPr>
+                          </m:sSubPr>
+                          <m:e>
+                            <m:r>
+                              <a:rPr lang="en-US" altLang="zh-CN" b="0" i="1" smtClean="0">
+                                <a:latin typeface="Cambria Math" panose="02040503050406030204" pitchFamily="18" charset="0"/>
+                              </a:rPr>
+                              <m:t>𝑤</m:t>
+                            </m:r>
+                          </m:e>
+                          <m:sub>
+                            <m:r>
+                              <a:rPr lang="en-US" altLang="zh-CN" b="0" i="1" smtClean="0">
+                                <a:latin typeface="Cambria Math" panose="02040503050406030204" pitchFamily="18" charset="0"/>
+                              </a:rPr>
+                              <m:t>0</m:t>
+                            </m:r>
+                          </m:sub>
+                        </m:sSub>
+                        <m:r>
+                          <a:rPr lang="en-US" altLang="zh-CN" b="0" i="1" smtClean="0">
+                            <a:latin typeface="Cambria Math" panose="02040503050406030204" pitchFamily="18" charset="0"/>
+                          </a:rPr>
+                          <m:t>,</m:t>
+                        </m:r>
+                        <m:sSub>
+                          <m:sSubPr>
+                            <m:ctrlPr>
+                              <a:rPr lang="en-US" altLang="zh-CN" b="0" i="1" smtClean="0">
+                                <a:latin typeface="Cambria Math" panose="02040503050406030204" pitchFamily="18" charset="0"/>
+                              </a:rPr>
+                            </m:ctrlPr>
+                          </m:sSubPr>
+                          <m:e>
+                            <m:r>
+                              <a:rPr lang="en-US" altLang="zh-CN" b="0" i="1" smtClean="0">
+                                <a:latin typeface="Cambria Math" panose="02040503050406030204" pitchFamily="18" charset="0"/>
+                              </a:rPr>
+                              <m:t>𝑤</m:t>
+                            </m:r>
+                          </m:e>
+                          <m:sub>
+                            <m:r>
+                              <a:rPr lang="en-US" altLang="zh-CN" b="0" i="1" smtClean="0">
+                                <a:latin typeface="Cambria Math" panose="02040503050406030204" pitchFamily="18" charset="0"/>
+                              </a:rPr>
+                              <m:t>1</m:t>
+                            </m:r>
+                          </m:sub>
+                        </m:sSub>
+                        <m:r>
+                          <a:rPr lang="en-US" altLang="zh-CN" b="0" i="1" smtClean="0">
+                            <a:latin typeface="Cambria Math" panose="02040503050406030204" pitchFamily="18" charset="0"/>
+                          </a:rPr>
+                          <m:t>,</m:t>
+                        </m:r>
+                        <m:r>
+                          <a:rPr lang="en-US" altLang="zh-CN" i="1">
+                            <a:latin typeface="Cambria Math" panose="02040503050406030204" pitchFamily="18" charset="0"/>
+                          </a:rPr>
+                          <m:t>·</m:t>
+                        </m:r>
+                        <m:r>
+                          <a:rPr lang="en-US" altLang="zh-CN" i="1" smtClean="0">
+                            <a:latin typeface="Cambria Math" panose="02040503050406030204" pitchFamily="18" charset="0"/>
+                          </a:rPr>
+                          <m:t>·</m:t>
+                        </m:r>
+                        <m:r>
+                          <a:rPr lang="en-US" altLang="zh-CN" i="1">
+                            <a:latin typeface="Cambria Math" panose="02040503050406030204" pitchFamily="18" charset="0"/>
+                          </a:rPr>
+                          <m:t>·</m:t>
+                        </m:r>
+                        <m:r>
+                          <a:rPr lang="en-US" altLang="zh-CN" b="0" i="1" smtClean="0">
+                            <a:latin typeface="Cambria Math" panose="02040503050406030204" pitchFamily="18" charset="0"/>
+                          </a:rPr>
+                          <m:t>,</m:t>
+                        </m:r>
+                        <m:sSub>
+                          <m:sSubPr>
+                            <m:ctrlPr>
+                              <a:rPr lang="en-US" altLang="zh-CN" b="0" i="1" smtClean="0">
+                                <a:latin typeface="Cambria Math" panose="02040503050406030204" pitchFamily="18" charset="0"/>
+                              </a:rPr>
+                            </m:ctrlPr>
+                          </m:sSubPr>
+                          <m:e>
+                            <m:r>
+                              <a:rPr lang="en-US" altLang="zh-CN" b="0" i="1" smtClean="0">
+                                <a:latin typeface="Cambria Math" panose="02040503050406030204" pitchFamily="18" charset="0"/>
+                              </a:rPr>
+                              <m:t>𝑤</m:t>
+                            </m:r>
+                          </m:e>
+                          <m:sub>
+                            <m:r>
+                              <a:rPr lang="en-US" altLang="zh-CN" b="0" i="1" smtClean="0">
+                                <a:latin typeface="Cambria Math" panose="02040503050406030204" pitchFamily="18" charset="0"/>
+                              </a:rPr>
+                              <m:t>𝑛</m:t>
+                            </m:r>
+                          </m:sub>
+                        </m:sSub>
+                      </m:e>
+                    </m:d>
+                  </m:oMath>
+                </a14:m>
+                <a:r>
+                  <a:rPr lang="en-US" altLang="zh-CN" dirty="0">
+                    <a:latin typeface="Times New Roman" panose="02020603050405020304" pitchFamily="18" charset="0"/>
+                    <a:cs typeface="Times New Roman" panose="02020603050405020304" pitchFamily="18" charset="0"/>
+                  </a:rPr>
+                  <a:t>.</a:t>
+                </a:r>
+              </a:p>
+              <a:p>
+                <a:r>
+                  <a:rPr lang="en-US" altLang="zh-CN" dirty="0">
+                    <a:latin typeface="Times New Roman" panose="02020603050405020304" pitchFamily="18" charset="0"/>
+                    <a:cs typeface="Times New Roman" panose="02020603050405020304" pitchFamily="18" charset="0"/>
+                  </a:rPr>
+                  <a:t>Maximize</a:t>
+                </a:r>
+                <a:r>
+                  <a:rPr lang="en-US" altLang="zh-CN" dirty="0"/>
+                  <a:t> </a:t>
+                </a:r>
+                <a14:m>
+                  <m:oMath xmlns:m="http://schemas.openxmlformats.org/officeDocument/2006/math">
+                    <m:r>
+                      <m:rPr>
+                        <m:sty m:val="p"/>
+                      </m:rPr>
+                      <a:rPr lang="en-US" altLang="zh-CN" b="0" i="0" smtClean="0">
+                        <a:latin typeface="Cambria Math" panose="02040503050406030204" pitchFamily="18" charset="0"/>
+                      </a:rPr>
+                      <m:t>Pr</m:t>
+                    </m:r>
+                    <m:r>
+                      <a:rPr lang="en-US" altLang="zh-CN" b="0" i="1" smtClean="0">
+                        <a:latin typeface="Cambria Math" panose="02040503050406030204" pitchFamily="18" charset="0"/>
+                      </a:rPr>
+                      <m:t>⁡(</m:t>
+                    </m:r>
+                    <m:sSub>
+                      <m:sSubPr>
+                        <m:ctrlPr>
+                          <a:rPr lang="en-US" altLang="zh-CN" b="0" i="1" smtClean="0">
+                            <a:latin typeface="Cambria Math" panose="02040503050406030204" pitchFamily="18" charset="0"/>
+                          </a:rPr>
+                        </m:ctrlPr>
+                      </m:sSubPr>
+                      <m:e>
+                        <m:r>
+                          <a:rPr lang="en-US" altLang="zh-CN" b="0" i="1" smtClean="0">
+                            <a:latin typeface="Cambria Math" panose="02040503050406030204" pitchFamily="18" charset="0"/>
+                          </a:rPr>
+                          <m:t>𝑤</m:t>
+                        </m:r>
+                      </m:e>
+                      <m:sub>
+                        <m:r>
+                          <a:rPr lang="en-US" altLang="zh-CN" b="0" i="1" smtClean="0">
+                            <a:latin typeface="Cambria Math" panose="02040503050406030204" pitchFamily="18" charset="0"/>
+                          </a:rPr>
+                          <m:t>𝑛</m:t>
+                        </m:r>
+                      </m:sub>
+                    </m:sSub>
+                    <m:r>
+                      <a:rPr lang="en-US" altLang="zh-CN" b="0" i="1" smtClean="0">
+                        <a:latin typeface="Cambria Math" panose="02040503050406030204" pitchFamily="18" charset="0"/>
+                      </a:rPr>
+                      <m:t>|</m:t>
+                    </m:r>
+                    <m:sSub>
+                      <m:sSubPr>
+                        <m:ctrlPr>
+                          <a:rPr lang="en-US" altLang="zh-CN" b="0" i="1" smtClean="0">
+                            <a:latin typeface="Cambria Math" panose="02040503050406030204" pitchFamily="18" charset="0"/>
+                          </a:rPr>
+                        </m:ctrlPr>
+                      </m:sSubPr>
+                      <m:e>
+                        <m:r>
+                          <a:rPr lang="en-US" altLang="zh-CN" b="0" i="1" smtClean="0">
+                            <a:latin typeface="Cambria Math" panose="02040503050406030204" pitchFamily="18" charset="0"/>
+                          </a:rPr>
+                          <m:t>𝑤</m:t>
+                        </m:r>
+                      </m:e>
+                      <m:sub>
+                        <m:r>
+                          <a:rPr lang="en-US" altLang="zh-CN" b="0" i="1" smtClean="0">
+                            <a:latin typeface="Cambria Math" panose="02040503050406030204" pitchFamily="18" charset="0"/>
+                          </a:rPr>
+                          <m:t>0</m:t>
+                        </m:r>
+                      </m:sub>
+                    </m:sSub>
+                    <m:r>
+                      <a:rPr lang="en-US" altLang="zh-CN" b="0" i="1" smtClean="0">
+                        <a:latin typeface="Cambria Math" panose="02040503050406030204" pitchFamily="18" charset="0"/>
+                      </a:rPr>
+                      <m:t>,</m:t>
+                    </m:r>
+                    <m:sSub>
+                      <m:sSubPr>
+                        <m:ctrlPr>
+                          <a:rPr lang="en-US" altLang="zh-CN" b="0" i="1" smtClean="0">
+                            <a:latin typeface="Cambria Math" panose="02040503050406030204" pitchFamily="18" charset="0"/>
+                          </a:rPr>
+                        </m:ctrlPr>
+                      </m:sSubPr>
+                      <m:e>
+                        <m:r>
+                          <a:rPr lang="en-US" altLang="zh-CN" b="0" i="1" smtClean="0">
+                            <a:latin typeface="Cambria Math" panose="02040503050406030204" pitchFamily="18" charset="0"/>
+                          </a:rPr>
+                          <m:t>𝑤</m:t>
+                        </m:r>
+                      </m:e>
+                      <m:sub>
+                        <m:r>
+                          <a:rPr lang="en-US" altLang="zh-CN" b="0" i="1" smtClean="0">
+                            <a:latin typeface="Cambria Math" panose="02040503050406030204" pitchFamily="18" charset="0"/>
+                          </a:rPr>
+                          <m:t>1</m:t>
+                        </m:r>
+                      </m:sub>
+                    </m:sSub>
+                    <m:r>
+                      <a:rPr lang="en-US" altLang="zh-CN" b="0" i="1" smtClean="0">
+                        <a:latin typeface="Cambria Math" panose="02040503050406030204" pitchFamily="18" charset="0"/>
+                      </a:rPr>
+                      <m:t>,</m:t>
+                    </m:r>
+                    <m:r>
+                      <a:rPr lang="en-US" altLang="zh-CN" i="1">
+                        <a:latin typeface="Cambria Math" panose="02040503050406030204" pitchFamily="18" charset="0"/>
+                      </a:rPr>
+                      <m:t>·</m:t>
+                    </m:r>
+                    <m:r>
+                      <a:rPr lang="en-US" altLang="zh-CN" i="1" smtClean="0">
+                        <a:latin typeface="Cambria Math" panose="02040503050406030204" pitchFamily="18" charset="0"/>
+                      </a:rPr>
+                      <m:t>·</m:t>
+                    </m:r>
+                    <m:r>
+                      <a:rPr lang="en-US" altLang="zh-CN" i="1">
+                        <a:latin typeface="Cambria Math" panose="02040503050406030204" pitchFamily="18" charset="0"/>
+                      </a:rPr>
+                      <m:t>·</m:t>
+                    </m:r>
+                    <m:r>
+                      <a:rPr lang="en-US" altLang="zh-CN" b="0" i="1" smtClean="0">
+                        <a:latin typeface="Cambria Math" panose="02040503050406030204" pitchFamily="18" charset="0"/>
+                      </a:rPr>
+                      <m:t>,</m:t>
+                    </m:r>
+                    <m:sSub>
+                      <m:sSubPr>
+                        <m:ctrlPr>
+                          <a:rPr lang="en-US" altLang="zh-CN" b="0" i="1" smtClean="0">
+                            <a:latin typeface="Cambria Math" panose="02040503050406030204" pitchFamily="18" charset="0"/>
+                          </a:rPr>
+                        </m:ctrlPr>
+                      </m:sSubPr>
+                      <m:e>
+                        <m:r>
+                          <a:rPr lang="en-US" altLang="zh-CN" b="0" i="1" smtClean="0">
+                            <a:latin typeface="Cambria Math" panose="02040503050406030204" pitchFamily="18" charset="0"/>
+                          </a:rPr>
+                          <m:t>𝑤</m:t>
+                        </m:r>
+                      </m:e>
+                      <m:sub>
+                        <m:r>
+                          <a:rPr lang="en-US" altLang="zh-CN" b="0" i="1" smtClean="0">
+                            <a:latin typeface="Cambria Math" panose="02040503050406030204" pitchFamily="18" charset="0"/>
+                          </a:rPr>
+                          <m:t>𝑛</m:t>
+                        </m:r>
+                        <m:r>
+                          <a:rPr lang="en-US" altLang="zh-CN" b="0" i="1" smtClean="0">
+                            <a:latin typeface="Cambria Math" panose="02040503050406030204" pitchFamily="18" charset="0"/>
+                          </a:rPr>
+                          <m:t>−1</m:t>
+                        </m:r>
+                      </m:sub>
+                    </m:sSub>
+                    <m:r>
+                      <a:rPr lang="en-US" altLang="zh-CN" b="0" i="1" smtClean="0">
+                        <a:latin typeface="Cambria Math" panose="02040503050406030204" pitchFamily="18" charset="0"/>
+                      </a:rPr>
+                      <m:t>)</m:t>
+                    </m:r>
+                  </m:oMath>
+                </a14:m>
+                <a:r>
+                  <a:rPr lang="zh-CN" altLang="en-US" dirty="0"/>
+                  <a:t> </a:t>
+                </a:r>
+                <a:r>
+                  <a:rPr lang="en-US" altLang="zh-CN" dirty="0">
+                    <a:latin typeface="Times New Roman" panose="02020603050405020304" pitchFamily="18" charset="0"/>
+                    <a:cs typeface="Times New Roman" panose="02020603050405020304" pitchFamily="18" charset="0"/>
+                  </a:rPr>
+                  <a:t>over all the training corpus, where</a:t>
+                </a:r>
+                <a:r>
+                  <a:rPr lang="en-US" altLang="zh-CN" dirty="0"/>
+                  <a:t> </a:t>
+                </a:r>
+                <a14:m>
+                  <m:oMath xmlns:m="http://schemas.openxmlformats.org/officeDocument/2006/math">
+                    <m:sSub>
+                      <m:sSubPr>
+                        <m:ctrlPr>
+                          <a:rPr lang="en-US" altLang="zh-CN" i="1">
+                            <a:latin typeface="Cambria Math" panose="02040503050406030204" pitchFamily="18" charset="0"/>
+                          </a:rPr>
+                        </m:ctrlPr>
+                      </m:sSubPr>
+                      <m:e>
+                        <m:r>
+                          <a:rPr lang="en-US" altLang="zh-CN" i="1">
+                            <a:latin typeface="Cambria Math" panose="02040503050406030204" pitchFamily="18" charset="0"/>
+                          </a:rPr>
+                          <m:t>𝑤</m:t>
+                        </m:r>
+                      </m:e>
+                      <m:sub>
+                        <m:r>
+                          <a:rPr lang="en-US" altLang="zh-CN" b="0" i="1" smtClean="0">
+                            <a:latin typeface="Cambria Math" panose="02040503050406030204" pitchFamily="18" charset="0"/>
+                          </a:rPr>
+                          <m:t>𝑖</m:t>
+                        </m:r>
+                      </m:sub>
+                    </m:sSub>
+                    <m:r>
+                      <a:rPr lang="en-US" altLang="zh-CN" b="0" i="1" smtClean="0">
+                        <a:latin typeface="Cambria Math" panose="02040503050406030204" pitchFamily="18" charset="0"/>
+                      </a:rPr>
+                      <m:t>∈</m:t>
+                    </m:r>
+                    <m:r>
+                      <a:rPr lang="en-US" altLang="zh-CN" b="0" i="1" smtClean="0">
+                        <a:latin typeface="Cambria Math" panose="02040503050406030204" pitchFamily="18" charset="0"/>
+                      </a:rPr>
+                      <m:t>𝑉</m:t>
+                    </m:r>
+                  </m:oMath>
+                </a14:m>
+                <a:r>
+                  <a:rPr lang="en-US" altLang="zh-CN" dirty="0">
+                    <a:latin typeface="Times New Roman" panose="02020603050405020304" pitchFamily="18" charset="0"/>
+                    <a:cs typeface="Times New Roman" panose="02020603050405020304" pitchFamily="18" charset="0"/>
+                  </a:rPr>
+                  <a:t> (</a:t>
+                </a:r>
+                <a14:m>
+                  <m:oMath xmlns:m="http://schemas.openxmlformats.org/officeDocument/2006/math">
+                    <m:r>
+                      <a:rPr lang="en-US" altLang="zh-CN" i="1">
+                        <a:latin typeface="Cambria Math" panose="02040503050406030204" pitchFamily="18" charset="0"/>
+                      </a:rPr>
+                      <m:t>𝑉</m:t>
+                    </m:r>
+                  </m:oMath>
+                </a14:m>
+                <a:r>
+                  <a:rPr lang="en-US" altLang="zh-CN" dirty="0">
+                    <a:latin typeface="Times New Roman" panose="02020603050405020304" pitchFamily="18" charset="0"/>
+                    <a:cs typeface="Times New Roman" panose="02020603050405020304" pitchFamily="18" charset="0"/>
+                  </a:rPr>
+                  <a:t> is the vocabulary). </a:t>
+                </a:r>
+                <a:endParaRPr lang="zh-CN" altLang="en-US" dirty="0">
+                  <a:latin typeface="Times New Roman" panose="02020603050405020304" pitchFamily="18" charset="0"/>
+                  <a:cs typeface="Times New Roman" panose="02020603050405020304" pitchFamily="18" charset="0"/>
+                </a:endParaRPr>
+              </a:p>
+            </p:txBody>
+          </p:sp>
+        </mc:Choice>
+        <mc:Fallback>
+          <p:sp>
+            <p:nvSpPr>
+              <p:cNvPr id="4" name="矩形 3">
+                <a:extLst>
+                  <a:ext uri="{FF2B5EF4-FFF2-40B4-BE49-F238E27FC236}">
+                    <a16:creationId xmlns:a16="http://schemas.microsoft.com/office/drawing/2014/main" id="{5A324446-6369-41B4-97CB-93146494B6CC}"/>
+                  </a:ext>
+                </a:extLst>
+              </p:cNvPr>
+              <p:cNvSpPr>
+                <a:spLocks noRot="1" noChangeAspect="1" noMove="1" noResize="1" noEditPoints="1" noAdjustHandles="1" noChangeArrowheads="1" noChangeShapeType="1" noTextEdit="1"/>
+              </p:cNvSpPr>
+              <p:nvPr/>
+            </p:nvSpPr>
+            <p:spPr>
+              <a:xfrm>
+                <a:off x="1282504" y="856241"/>
+                <a:ext cx="9476377" cy="646331"/>
+              </a:xfrm>
+              <a:prstGeom prst="rect">
+                <a:avLst/>
+              </a:prstGeom>
+              <a:blipFill>
+                <a:blip r:embed="rId3"/>
+                <a:stretch>
+                  <a:fillRect l="-514" t="-4717" b="-13208"/>
+                </a:stretch>
+              </a:blipFill>
+            </p:spPr>
+            <p:txBody>
+              <a:bodyPr/>
+              <a:lstStyle/>
+              <a:p>
+                <a:r>
+                  <a:rPr lang="zh-CN" altLang="en-US">
+                    <a:noFill/>
+                  </a:rPr>
+                  <a:t> </a:t>
+                </a:r>
+              </a:p>
+            </p:txBody>
+          </p:sp>
+        </mc:Fallback>
+      </mc:AlternateContent>
+      <p:sp>
+        <p:nvSpPr>
+          <p:cNvPr id="5" name="矩形 4">
+            <a:extLst>
+              <a:ext uri="{FF2B5EF4-FFF2-40B4-BE49-F238E27FC236}">
+                <a16:creationId xmlns:a16="http://schemas.microsoft.com/office/drawing/2014/main" id="{1495A060-85DC-4AB5-B584-408E917C1AA6}"/>
+              </a:ext>
+            </a:extLst>
+          </p:cNvPr>
+          <p:cNvSpPr/>
+          <p:nvPr/>
+        </p:nvSpPr>
+        <p:spPr>
+          <a:xfrm>
+            <a:off x="1282504" y="1742255"/>
+            <a:ext cx="3149260" cy="369332"/>
+          </a:xfrm>
+          <a:prstGeom prst="rect">
+            <a:avLst/>
+          </a:prstGeom>
+        </p:spPr>
+        <p:txBody>
+          <a:bodyPr wrap="none">
+            <a:spAutoFit/>
+          </a:bodyPr>
+          <a:lstStyle/>
+          <a:p>
+            <a:r>
+              <a:rPr lang="en-US" altLang="zh-CN" dirty="0">
+                <a:latin typeface="Times New Roman" panose="02020603050405020304" pitchFamily="18" charset="0"/>
+                <a:cs typeface="Times New Roman" panose="02020603050405020304" pitchFamily="18" charset="0"/>
+              </a:rPr>
+              <a:t>Ex. The cat is sitting on the </a:t>
+            </a:r>
+            <a:r>
+              <a:rPr lang="en-US" altLang="zh-CN" u="sng" dirty="0">
+                <a:latin typeface="Times New Roman" panose="02020603050405020304" pitchFamily="18" charset="0"/>
+                <a:cs typeface="Times New Roman" panose="02020603050405020304" pitchFamily="18" charset="0"/>
+              </a:rPr>
+              <a:t>fire</a:t>
+            </a:r>
+            <a:r>
+              <a:rPr lang="en-US" altLang="zh-CN" dirty="0">
+                <a:latin typeface="Times New Roman" panose="02020603050405020304" pitchFamily="18" charset="0"/>
+                <a:cs typeface="Times New Roman" panose="02020603050405020304" pitchFamily="18" charset="0"/>
+              </a:rPr>
+              <a:t>.</a:t>
+            </a:r>
+            <a:endParaRPr lang="zh-CN" altLang="en-US" dirty="0"/>
+          </a:p>
+        </p:txBody>
+      </p:sp>
+      <mc:AlternateContent xmlns:mc="http://schemas.openxmlformats.org/markup-compatibility/2006">
+        <mc:Choice xmlns:a14="http://schemas.microsoft.com/office/drawing/2010/main" Requires="a14">
+          <p:sp>
+            <p:nvSpPr>
+              <p:cNvPr id="7" name="矩形 6">
+                <a:extLst>
+                  <a:ext uri="{FF2B5EF4-FFF2-40B4-BE49-F238E27FC236}">
+                    <a16:creationId xmlns:a16="http://schemas.microsoft.com/office/drawing/2014/main" id="{4E520E7F-5B4D-4A73-9984-E37D7381C661}"/>
+                  </a:ext>
+                </a:extLst>
+              </p:cNvPr>
+              <p:cNvSpPr/>
+              <p:nvPr/>
+            </p:nvSpPr>
+            <p:spPr>
+              <a:xfrm>
+                <a:off x="976152" y="3059668"/>
+                <a:ext cx="2228687" cy="369332"/>
+              </a:xfrm>
+              <a:prstGeom prst="rect">
+                <a:avLst/>
+              </a:prstGeom>
+            </p:spPr>
+            <p:txBody>
+              <a:bodyPr wrap="none">
+                <a:spAutoFit/>
+              </a:bodyPr>
+              <a:lstStyle/>
+              <a:p>
+                <a14:m>
+                  <m:oMath xmlns:m="http://schemas.openxmlformats.org/officeDocument/2006/math">
+                    <m:r>
+                      <m:rPr>
+                        <m:sty m:val="p"/>
+                      </m:rPr>
+                      <a:rPr lang="en-US" altLang="zh-CN" smtClean="0">
+                        <a:latin typeface="Cambria Math" panose="02040503050406030204" pitchFamily="18" charset="0"/>
+                      </a:rPr>
+                      <m:t>Pr</m:t>
+                    </m:r>
+                    <m:r>
+                      <a:rPr lang="en-US" altLang="zh-CN" i="1">
+                        <a:latin typeface="Cambria Math" panose="02040503050406030204" pitchFamily="18" charset="0"/>
+                      </a:rPr>
+                      <m:t>⁡(</m:t>
+                    </m:r>
+                    <m:sSub>
+                      <m:sSubPr>
+                        <m:ctrlPr>
+                          <a:rPr lang="en-US" altLang="zh-CN" b="0" i="1" smtClean="0">
+                            <a:latin typeface="Cambria Math" panose="02040503050406030204" pitchFamily="18" charset="0"/>
+                          </a:rPr>
+                        </m:ctrlPr>
+                      </m:sSubPr>
+                      <m:e>
+                        <m:r>
+                          <a:rPr lang="en-US" altLang="zh-CN" b="0" i="1" smtClean="0">
+                            <a:latin typeface="Cambria Math" panose="02040503050406030204" pitchFamily="18" charset="0"/>
+                          </a:rPr>
+                          <m:t>𝑣</m:t>
+                        </m:r>
+                      </m:e>
+                      <m:sub>
+                        <m:r>
+                          <a:rPr lang="en-US" altLang="zh-CN" b="0" i="1" smtClean="0">
+                            <a:latin typeface="Cambria Math" panose="02040503050406030204" pitchFamily="18" charset="0"/>
+                          </a:rPr>
+                          <m:t>𝑖</m:t>
+                        </m:r>
+                      </m:sub>
+                    </m:sSub>
+                    <m:r>
+                      <a:rPr lang="en-US" altLang="zh-CN" i="1">
+                        <a:latin typeface="Cambria Math" panose="02040503050406030204" pitchFamily="18" charset="0"/>
+                      </a:rPr>
+                      <m:t>|</m:t>
+                    </m:r>
+                    <m:sSub>
+                      <m:sSubPr>
+                        <m:ctrlPr>
+                          <a:rPr lang="en-US" altLang="zh-CN" b="0" i="1" smtClean="0">
+                            <a:latin typeface="Cambria Math" panose="02040503050406030204" pitchFamily="18" charset="0"/>
+                          </a:rPr>
+                        </m:ctrlPr>
+                      </m:sSubPr>
+                      <m:e>
+                        <m:r>
+                          <a:rPr lang="en-US" altLang="zh-CN" i="1" smtClean="0">
+                            <a:latin typeface="Cambria Math" panose="02040503050406030204" pitchFamily="18" charset="0"/>
+                          </a:rPr>
+                          <m:t>𝑣</m:t>
+                        </m:r>
+                      </m:e>
+                      <m:sub>
+                        <m:r>
+                          <a:rPr lang="en-US" altLang="zh-CN" b="0" i="1" smtClean="0">
+                            <a:latin typeface="Cambria Math" panose="02040503050406030204" pitchFamily="18" charset="0"/>
+                          </a:rPr>
+                          <m:t>1</m:t>
+                        </m:r>
+                      </m:sub>
+                    </m:sSub>
+                    <m:r>
+                      <a:rPr lang="en-US" altLang="zh-CN" i="1">
+                        <a:latin typeface="Cambria Math" panose="02040503050406030204" pitchFamily="18" charset="0"/>
+                      </a:rPr>
+                      <m:t>,</m:t>
+                    </m:r>
+                    <m:sSub>
+                      <m:sSubPr>
+                        <m:ctrlPr>
+                          <a:rPr lang="en-US" altLang="zh-CN" i="1">
+                            <a:latin typeface="Cambria Math" panose="02040503050406030204" pitchFamily="18" charset="0"/>
+                          </a:rPr>
+                        </m:ctrlPr>
+                      </m:sSubPr>
+                      <m:e>
+                        <m:r>
+                          <a:rPr lang="en-US" altLang="zh-CN" b="0" i="1" smtClean="0">
+                            <a:latin typeface="Cambria Math" panose="02040503050406030204" pitchFamily="18" charset="0"/>
+                          </a:rPr>
+                          <m:t>𝑣</m:t>
+                        </m:r>
+                      </m:e>
+                      <m:sub>
+                        <m:r>
+                          <a:rPr lang="en-US" altLang="zh-CN" b="0" i="1" smtClean="0">
+                            <a:latin typeface="Cambria Math" panose="02040503050406030204" pitchFamily="18" charset="0"/>
+                          </a:rPr>
+                          <m:t>2</m:t>
+                        </m:r>
+                      </m:sub>
+                    </m:sSub>
+                    <m:r>
+                      <a:rPr lang="en-US" altLang="zh-CN" i="1">
+                        <a:latin typeface="Cambria Math" panose="02040503050406030204" pitchFamily="18" charset="0"/>
+                      </a:rPr>
+                      <m:t>,</m:t>
+                    </m:r>
+                    <m:r>
+                      <a:rPr lang="en-US" altLang="zh-CN" i="1">
+                        <a:latin typeface="Cambria Math" panose="02040503050406030204" pitchFamily="18" charset="0"/>
+                      </a:rPr>
+                      <m:t>·</m:t>
+                    </m:r>
+                    <m:r>
+                      <a:rPr lang="en-US" altLang="zh-CN" i="1">
+                        <a:latin typeface="Cambria Math" panose="02040503050406030204" pitchFamily="18" charset="0"/>
+                      </a:rPr>
+                      <m:t>·</m:t>
+                    </m:r>
+                    <m:r>
+                      <a:rPr lang="en-US" altLang="zh-CN" i="1">
+                        <a:latin typeface="Cambria Math" panose="02040503050406030204" pitchFamily="18" charset="0"/>
+                      </a:rPr>
+                      <m:t>·</m:t>
+                    </m:r>
+                    <m:r>
+                      <a:rPr lang="en-US" altLang="zh-CN" i="1">
+                        <a:latin typeface="Cambria Math" panose="02040503050406030204" pitchFamily="18" charset="0"/>
+                      </a:rPr>
+                      <m:t>,</m:t>
+                    </m:r>
+                    <m:sSub>
+                      <m:sSubPr>
+                        <m:ctrlPr>
+                          <a:rPr lang="en-US" altLang="zh-CN" i="1">
+                            <a:latin typeface="Cambria Math" panose="02040503050406030204" pitchFamily="18" charset="0"/>
+                          </a:rPr>
+                        </m:ctrlPr>
+                      </m:sSubPr>
+                      <m:e>
+                        <m:r>
+                          <a:rPr lang="en-US" altLang="zh-CN" b="0" i="1" smtClean="0">
+                            <a:latin typeface="Cambria Math" panose="02040503050406030204" pitchFamily="18" charset="0"/>
+                          </a:rPr>
+                          <m:t>𝑣</m:t>
+                        </m:r>
+                      </m:e>
+                      <m:sub>
+                        <m:r>
+                          <a:rPr lang="en-US" altLang="zh-CN" b="0" i="1" smtClean="0">
+                            <a:latin typeface="Cambria Math" panose="02040503050406030204" pitchFamily="18" charset="0"/>
+                          </a:rPr>
+                          <m:t>𝑖</m:t>
+                        </m:r>
+                        <m:r>
+                          <a:rPr lang="en-US" altLang="zh-CN" i="1">
+                            <a:latin typeface="Cambria Math" panose="02040503050406030204" pitchFamily="18" charset="0"/>
+                          </a:rPr>
+                          <m:t>−1</m:t>
+                        </m:r>
+                      </m:sub>
+                    </m:sSub>
+                    <m:r>
+                      <a:rPr lang="en-US" altLang="zh-CN" i="1">
+                        <a:latin typeface="Cambria Math" panose="02040503050406030204" pitchFamily="18" charset="0"/>
+                      </a:rPr>
+                      <m:t>)</m:t>
+                    </m:r>
+                  </m:oMath>
+                </a14:m>
+                <a:r>
+                  <a:rPr lang="zh-CN" altLang="en-US" dirty="0"/>
+                  <a:t> </a:t>
+                </a:r>
+              </a:p>
+            </p:txBody>
+          </p:sp>
+        </mc:Choice>
+        <mc:Fallback>
+          <p:sp>
+            <p:nvSpPr>
+              <p:cNvPr id="7" name="矩形 6">
+                <a:extLst>
+                  <a:ext uri="{FF2B5EF4-FFF2-40B4-BE49-F238E27FC236}">
+                    <a16:creationId xmlns:a16="http://schemas.microsoft.com/office/drawing/2014/main" id="{4E520E7F-5B4D-4A73-9984-E37D7381C661}"/>
+                  </a:ext>
+                </a:extLst>
+              </p:cNvPr>
+              <p:cNvSpPr>
+                <a:spLocks noRot="1" noChangeAspect="1" noMove="1" noResize="1" noEditPoints="1" noAdjustHandles="1" noChangeArrowheads="1" noChangeShapeType="1" noTextEdit="1"/>
+              </p:cNvSpPr>
+              <p:nvPr/>
+            </p:nvSpPr>
+            <p:spPr>
+              <a:xfrm>
+                <a:off x="976152" y="3059668"/>
+                <a:ext cx="2228687" cy="369332"/>
+              </a:xfrm>
+              <a:prstGeom prst="rect">
+                <a:avLst/>
+              </a:prstGeom>
+              <a:blipFill>
+                <a:blip r:embed="rId4"/>
+                <a:stretch>
+                  <a:fillRect b="-11475"/>
+                </a:stretch>
+              </a:blipFill>
+            </p:spPr>
+            <p:txBody>
+              <a:bodyPr/>
+              <a:lstStyle/>
+              <a:p>
+                <a:r>
+                  <a:rPr lang="zh-CN" altLang="en-US">
+                    <a:noFill/>
+                  </a:rPr>
+                  <a:t> </a:t>
+                </a:r>
+              </a:p>
+            </p:txBody>
+          </p:sp>
+        </mc:Fallback>
+      </mc:AlternateContent>
+      <p:sp>
+        <p:nvSpPr>
+          <p:cNvPr id="8" name="流程图: 接点 7">
+            <a:extLst>
+              <a:ext uri="{FF2B5EF4-FFF2-40B4-BE49-F238E27FC236}">
+                <a16:creationId xmlns:a16="http://schemas.microsoft.com/office/drawing/2014/main" id="{50119504-0BC8-4839-8E52-90E065E583A4}"/>
+              </a:ext>
+            </a:extLst>
+          </p:cNvPr>
+          <p:cNvSpPr/>
+          <p:nvPr/>
+        </p:nvSpPr>
+        <p:spPr>
+          <a:xfrm>
+            <a:off x="5468566" y="2451315"/>
+            <a:ext cx="171164" cy="170916"/>
+          </a:xfrm>
+          <a:prstGeom prst="flowChartConnector">
+            <a:avLst/>
+          </a:prstGeom>
+        </p:spPr>
+        <p:style>
+          <a:lnRef idx="2">
+            <a:schemeClr val="accent1">
+              <a:shade val="50000"/>
+            </a:schemeClr>
+          </a:lnRef>
+          <a:fillRef idx="1">
+            <a:schemeClr val="accent1"/>
+          </a:fillRef>
+          <a:effectRef idx="0">
+            <a:schemeClr val="accent1"/>
+          </a:effectRef>
+          <a:fontRef idx="minor">
+            <a:schemeClr val="lt1"/>
+          </a:fontRef>
+        </p:style>
+        <p:txBody>
+          <a:bodyPr rtlCol="0" anchor="ctr"/>
+          <a:lstStyle/>
+          <a:p>
+            <a:pPr algn="ctr"/>
+            <a:endParaRPr lang="zh-CN" altLang="en-US"/>
+          </a:p>
+        </p:txBody>
+      </p:sp>
+      <p:cxnSp>
+        <p:nvCxnSpPr>
+          <p:cNvPr id="9" name="直接连接符 8">
+            <a:extLst>
+              <a:ext uri="{FF2B5EF4-FFF2-40B4-BE49-F238E27FC236}">
+                <a16:creationId xmlns:a16="http://schemas.microsoft.com/office/drawing/2014/main" id="{8BFDDC53-959D-4008-8D22-E5C8A29940E8}"/>
+              </a:ext>
+            </a:extLst>
+          </p:cNvPr>
+          <p:cNvCxnSpPr>
+            <a:cxnSpLocks/>
+            <a:stCxn id="8" idx="7"/>
+            <a:endCxn id="11" idx="3"/>
+          </p:cNvCxnSpPr>
+          <p:nvPr/>
+        </p:nvCxnSpPr>
+        <p:spPr>
+          <a:xfrm flipV="1">
+            <a:off x="5614664" y="1987349"/>
+            <a:ext cx="506402" cy="488996"/>
+          </a:xfrm>
+          <a:prstGeom prst="line">
+            <a:avLst/>
+          </a:prstGeom>
+          <a:ln w="28575">
+            <a:solidFill>
+              <a:srgbClr val="FF0000"/>
+            </a:solidFill>
+          </a:ln>
+        </p:spPr>
+        <p:style>
+          <a:lnRef idx="1">
+            <a:schemeClr val="dk1"/>
+          </a:lnRef>
+          <a:fillRef idx="0">
+            <a:schemeClr val="dk1"/>
+          </a:fillRef>
+          <a:effectRef idx="0">
+            <a:schemeClr val="dk1"/>
+          </a:effectRef>
+          <a:fontRef idx="minor">
+            <a:schemeClr val="tx1"/>
+          </a:fontRef>
+        </p:style>
+      </p:cxnSp>
+      <p:sp>
+        <p:nvSpPr>
+          <p:cNvPr id="11" name="流程图: 接点 10">
+            <a:extLst>
+              <a:ext uri="{FF2B5EF4-FFF2-40B4-BE49-F238E27FC236}">
+                <a16:creationId xmlns:a16="http://schemas.microsoft.com/office/drawing/2014/main" id="{B4DBB93E-AC52-4B63-AF6F-6D779F53E7C5}"/>
+              </a:ext>
+            </a:extLst>
+          </p:cNvPr>
+          <p:cNvSpPr/>
+          <p:nvPr/>
+        </p:nvSpPr>
+        <p:spPr>
+          <a:xfrm>
+            <a:off x="6096000" y="1841463"/>
+            <a:ext cx="171164" cy="170916"/>
+          </a:xfrm>
+          <a:prstGeom prst="flowChartConnector">
+            <a:avLst/>
+          </a:prstGeom>
+        </p:spPr>
+        <p:style>
+          <a:lnRef idx="2">
+            <a:schemeClr val="accent1">
+              <a:shade val="50000"/>
+            </a:schemeClr>
+          </a:lnRef>
+          <a:fillRef idx="1">
+            <a:schemeClr val="accent1"/>
+          </a:fillRef>
+          <a:effectRef idx="0">
+            <a:schemeClr val="accent1"/>
+          </a:effectRef>
+          <a:fontRef idx="minor">
+            <a:schemeClr val="lt1"/>
+          </a:fontRef>
+        </p:style>
+        <p:txBody>
+          <a:bodyPr rtlCol="0" anchor="ctr"/>
+          <a:lstStyle/>
+          <a:p>
+            <a:pPr algn="ctr"/>
+            <a:endParaRPr lang="zh-CN" altLang="en-US"/>
+          </a:p>
+        </p:txBody>
+      </p:sp>
+      <p:cxnSp>
+        <p:nvCxnSpPr>
+          <p:cNvPr id="13" name="直接连接符 12">
+            <a:extLst>
+              <a:ext uri="{FF2B5EF4-FFF2-40B4-BE49-F238E27FC236}">
+                <a16:creationId xmlns:a16="http://schemas.microsoft.com/office/drawing/2014/main" id="{5A1E4790-3D34-4F50-8E39-0E2A7995A7E8}"/>
+              </a:ext>
+            </a:extLst>
+          </p:cNvPr>
+          <p:cNvCxnSpPr>
+            <a:cxnSpLocks/>
+            <a:endCxn id="11" idx="5"/>
+          </p:cNvCxnSpPr>
+          <p:nvPr/>
+        </p:nvCxnSpPr>
+        <p:spPr>
+          <a:xfrm flipH="1" flipV="1">
+            <a:off x="6242098" y="1987349"/>
+            <a:ext cx="502240" cy="539120"/>
+          </a:xfrm>
+          <a:prstGeom prst="line">
+            <a:avLst/>
+          </a:prstGeom>
+          <a:ln w="28575">
+            <a:solidFill>
+              <a:srgbClr val="FF0000"/>
+            </a:solidFill>
+          </a:ln>
+        </p:spPr>
+        <p:style>
+          <a:lnRef idx="1">
+            <a:schemeClr val="dk1"/>
+          </a:lnRef>
+          <a:fillRef idx="0">
+            <a:schemeClr val="dk1"/>
+          </a:fillRef>
+          <a:effectRef idx="0">
+            <a:schemeClr val="dk1"/>
+          </a:effectRef>
+          <a:fontRef idx="minor">
+            <a:schemeClr val="tx1"/>
+          </a:fontRef>
+        </p:style>
+      </p:cxnSp>
+      <p:sp>
+        <p:nvSpPr>
+          <p:cNvPr id="15" name="流程图: 接点 14">
+            <a:extLst>
+              <a:ext uri="{FF2B5EF4-FFF2-40B4-BE49-F238E27FC236}">
+                <a16:creationId xmlns:a16="http://schemas.microsoft.com/office/drawing/2014/main" id="{090EEEFB-1CE6-4C7C-80D7-E0A8A46C826C}"/>
+              </a:ext>
+            </a:extLst>
+          </p:cNvPr>
+          <p:cNvSpPr/>
+          <p:nvPr/>
+        </p:nvSpPr>
+        <p:spPr>
+          <a:xfrm>
+            <a:off x="6694206" y="2501439"/>
+            <a:ext cx="171164" cy="170916"/>
+          </a:xfrm>
+          <a:prstGeom prst="flowChartConnector">
+            <a:avLst/>
+          </a:prstGeom>
+        </p:spPr>
+        <p:style>
+          <a:lnRef idx="2">
+            <a:schemeClr val="accent1">
+              <a:shade val="50000"/>
+            </a:schemeClr>
+          </a:lnRef>
+          <a:fillRef idx="1">
+            <a:schemeClr val="accent1"/>
+          </a:fillRef>
+          <a:effectRef idx="0">
+            <a:schemeClr val="accent1"/>
+          </a:effectRef>
+          <a:fontRef idx="minor">
+            <a:schemeClr val="lt1"/>
+          </a:fontRef>
+        </p:style>
+        <p:txBody>
+          <a:bodyPr rtlCol="0" anchor="ctr"/>
+          <a:lstStyle/>
+          <a:p>
+            <a:pPr algn="ctr"/>
+            <a:endParaRPr lang="zh-CN" altLang="en-US"/>
+          </a:p>
+        </p:txBody>
+      </p:sp>
+      <p:cxnSp>
+        <p:nvCxnSpPr>
+          <p:cNvPr id="16" name="直接连接符 15">
+            <a:extLst>
+              <a:ext uri="{FF2B5EF4-FFF2-40B4-BE49-F238E27FC236}">
+                <a16:creationId xmlns:a16="http://schemas.microsoft.com/office/drawing/2014/main" id="{E9B7E5C6-893A-41C7-8BFB-0B7BE1F1D8F5}"/>
+              </a:ext>
+            </a:extLst>
+          </p:cNvPr>
+          <p:cNvCxnSpPr>
+            <a:cxnSpLocks/>
+            <a:stCxn id="15" idx="7"/>
+          </p:cNvCxnSpPr>
+          <p:nvPr/>
+        </p:nvCxnSpPr>
+        <p:spPr>
+          <a:xfrm flipV="1">
+            <a:off x="6840304" y="1999363"/>
+            <a:ext cx="509750" cy="527106"/>
+          </a:xfrm>
+          <a:prstGeom prst="line">
+            <a:avLst/>
+          </a:prstGeom>
+          <a:ln w="28575">
+            <a:solidFill>
+              <a:srgbClr val="FF0000"/>
+            </a:solidFill>
+            <a:prstDash val="sysDash"/>
+          </a:ln>
+        </p:spPr>
+        <p:style>
+          <a:lnRef idx="1">
+            <a:schemeClr val="dk1"/>
+          </a:lnRef>
+          <a:fillRef idx="0">
+            <a:schemeClr val="dk1"/>
+          </a:fillRef>
+          <a:effectRef idx="0">
+            <a:schemeClr val="dk1"/>
+          </a:effectRef>
+          <a:fontRef idx="minor">
+            <a:schemeClr val="tx1"/>
+          </a:fontRef>
+        </p:style>
+      </p:cxnSp>
+      <p:sp>
+        <p:nvSpPr>
+          <p:cNvPr id="19" name="流程图: 接点 18">
+            <a:extLst>
+              <a:ext uri="{FF2B5EF4-FFF2-40B4-BE49-F238E27FC236}">
+                <a16:creationId xmlns:a16="http://schemas.microsoft.com/office/drawing/2014/main" id="{A6DDC88F-BE7F-4E77-9D5F-3A73B14BB00B}"/>
+              </a:ext>
+            </a:extLst>
+          </p:cNvPr>
+          <p:cNvSpPr/>
+          <p:nvPr/>
+        </p:nvSpPr>
+        <p:spPr>
+          <a:xfrm>
+            <a:off x="7320824" y="1863479"/>
+            <a:ext cx="171164" cy="170916"/>
+          </a:xfrm>
+          <a:prstGeom prst="flowChartConnector">
+            <a:avLst/>
+          </a:prstGeom>
+        </p:spPr>
+        <p:style>
+          <a:lnRef idx="2">
+            <a:schemeClr val="accent1">
+              <a:shade val="50000"/>
+            </a:schemeClr>
+          </a:lnRef>
+          <a:fillRef idx="1">
+            <a:schemeClr val="accent1"/>
+          </a:fillRef>
+          <a:effectRef idx="0">
+            <a:schemeClr val="accent1"/>
+          </a:effectRef>
+          <a:fontRef idx="minor">
+            <a:schemeClr val="lt1"/>
+          </a:fontRef>
+        </p:style>
+        <p:txBody>
+          <a:bodyPr rtlCol="0" anchor="ctr"/>
+          <a:lstStyle/>
+          <a:p>
+            <a:pPr algn="ctr"/>
+            <a:endParaRPr lang="zh-CN" altLang="en-US"/>
+          </a:p>
+        </p:txBody>
+      </p:sp>
+      <p:sp>
+        <p:nvSpPr>
+          <p:cNvPr id="20" name="矩形 19">
+            <a:extLst>
+              <a:ext uri="{FF2B5EF4-FFF2-40B4-BE49-F238E27FC236}">
+                <a16:creationId xmlns:a16="http://schemas.microsoft.com/office/drawing/2014/main" id="{2A7E0C46-2830-4A59-A410-FDC5570CECC6}"/>
+              </a:ext>
+            </a:extLst>
+          </p:cNvPr>
+          <p:cNvSpPr/>
+          <p:nvPr/>
+        </p:nvSpPr>
+        <p:spPr>
+          <a:xfrm>
+            <a:off x="7622825" y="1742255"/>
+            <a:ext cx="287258" cy="369332"/>
+          </a:xfrm>
+          <a:prstGeom prst="rect">
+            <a:avLst/>
+          </a:prstGeom>
+        </p:spPr>
+        <p:txBody>
+          <a:bodyPr wrap="none">
+            <a:spAutoFit/>
+          </a:bodyPr>
+          <a:lstStyle/>
+          <a:p>
+            <a:r>
+              <a:rPr lang="en-US" altLang="zh-CN" dirty="0">
+                <a:latin typeface="Times New Roman" panose="02020603050405020304" pitchFamily="18" charset="0"/>
+                <a:cs typeface="Times New Roman" panose="02020603050405020304" pitchFamily="18" charset="0"/>
+              </a:rPr>
+              <a:t>?</a:t>
+            </a:r>
+            <a:endParaRPr lang="zh-CN" altLang="en-US" dirty="0"/>
+          </a:p>
+        </p:txBody>
+      </p:sp>
+      <mc:AlternateContent xmlns:mc="http://schemas.openxmlformats.org/markup-compatibility/2006">
+        <mc:Choice xmlns:a14="http://schemas.microsoft.com/office/drawing/2010/main" Requires="a14">
+          <p:sp>
+            <p:nvSpPr>
+              <p:cNvPr id="21" name="矩形 20">
+                <a:extLst>
+                  <a:ext uri="{FF2B5EF4-FFF2-40B4-BE49-F238E27FC236}">
+                    <a16:creationId xmlns:a16="http://schemas.microsoft.com/office/drawing/2014/main" id="{D8C48399-C6ED-4B41-9F7D-7B4EB87B8571}"/>
+                  </a:ext>
+                </a:extLst>
+              </p:cNvPr>
+              <p:cNvSpPr/>
+              <p:nvPr/>
+            </p:nvSpPr>
+            <p:spPr>
+              <a:xfrm>
+                <a:off x="4264531" y="3105880"/>
+                <a:ext cx="3349187" cy="369332"/>
+              </a:xfrm>
+              <a:prstGeom prst="rect">
+                <a:avLst/>
+              </a:prstGeom>
+            </p:spPr>
+            <p:txBody>
+              <a:bodyPr wrap="none">
+                <a:spAutoFit/>
+              </a:bodyPr>
+              <a:lstStyle/>
+              <a:p>
+                <a14:m>
+                  <m:oMath xmlns:m="http://schemas.openxmlformats.org/officeDocument/2006/math">
+                    <m:r>
+                      <m:rPr>
+                        <m:sty m:val="p"/>
+                      </m:rPr>
+                      <a:rPr lang="en-US" altLang="zh-CN" smtClean="0">
+                        <a:latin typeface="Cambria Math" panose="02040503050406030204" pitchFamily="18" charset="0"/>
+                      </a:rPr>
+                      <m:t>Pr</m:t>
+                    </m:r>
+                    <m:r>
+                      <a:rPr lang="en-US" altLang="zh-CN" i="1">
+                        <a:latin typeface="Cambria Math" panose="02040503050406030204" pitchFamily="18" charset="0"/>
+                      </a:rPr>
+                      <m:t>⁡(</m:t>
+                    </m:r>
+                    <m:sSub>
+                      <m:sSubPr>
+                        <m:ctrlPr>
+                          <a:rPr lang="en-US" altLang="zh-CN" b="0" i="1" smtClean="0">
+                            <a:latin typeface="Cambria Math" panose="02040503050406030204" pitchFamily="18" charset="0"/>
+                          </a:rPr>
+                        </m:ctrlPr>
+                      </m:sSubPr>
+                      <m:e>
+                        <m:r>
+                          <a:rPr lang="en-US" altLang="zh-CN" b="0" i="1" smtClean="0">
+                            <a:latin typeface="Cambria Math" panose="02040503050406030204" pitchFamily="18" charset="0"/>
+                          </a:rPr>
+                          <m:t>𝑣</m:t>
+                        </m:r>
+                      </m:e>
+                      <m:sub>
+                        <m:r>
+                          <a:rPr lang="en-US" altLang="zh-CN" b="0" i="1" smtClean="0">
+                            <a:latin typeface="Cambria Math" panose="02040503050406030204" pitchFamily="18" charset="0"/>
+                          </a:rPr>
+                          <m:t>𝑖</m:t>
+                        </m:r>
+                      </m:sub>
+                    </m:sSub>
+                    <m:r>
+                      <a:rPr lang="en-US" altLang="zh-CN" i="1">
+                        <a:latin typeface="Cambria Math" panose="02040503050406030204" pitchFamily="18" charset="0"/>
+                      </a:rPr>
+                      <m:t>|</m:t>
+                    </m:r>
+                    <m:r>
+                      <m:rPr>
+                        <m:sty m:val="p"/>
+                      </m:rPr>
+                      <a:rPr lang="en-US" altLang="zh-CN" b="0" i="0" smtClean="0">
+                        <a:latin typeface="Cambria Math" panose="02040503050406030204" pitchFamily="18" charset="0"/>
+                      </a:rPr>
+                      <m:t>Φ</m:t>
+                    </m:r>
+                    <m:r>
+                      <a:rPr lang="en-US" altLang="zh-CN" b="0" i="1" smtClean="0">
+                        <a:latin typeface="Cambria Math" panose="02040503050406030204" pitchFamily="18" charset="0"/>
+                      </a:rPr>
+                      <m:t>(</m:t>
+                    </m:r>
+                    <m:sSub>
+                      <m:sSubPr>
+                        <m:ctrlPr>
+                          <a:rPr lang="en-US" altLang="zh-CN" b="0" i="1" smtClean="0">
+                            <a:latin typeface="Cambria Math" panose="02040503050406030204" pitchFamily="18" charset="0"/>
+                          </a:rPr>
+                        </m:ctrlPr>
+                      </m:sSubPr>
+                      <m:e>
+                        <m:r>
+                          <a:rPr lang="en-US" altLang="zh-CN" i="1" smtClean="0">
+                            <a:latin typeface="Cambria Math" panose="02040503050406030204" pitchFamily="18" charset="0"/>
+                          </a:rPr>
+                          <m:t>𝑣</m:t>
+                        </m:r>
+                      </m:e>
+                      <m:sub>
+                        <m:r>
+                          <a:rPr lang="en-US" altLang="zh-CN" b="0" i="1" smtClean="0">
+                            <a:latin typeface="Cambria Math" panose="02040503050406030204" pitchFamily="18" charset="0"/>
+                          </a:rPr>
+                          <m:t>1</m:t>
+                        </m:r>
+                      </m:sub>
+                    </m:sSub>
+                    <m:r>
+                      <a:rPr lang="en-US" altLang="zh-CN" b="0" i="1" smtClean="0">
+                        <a:latin typeface="Cambria Math" panose="02040503050406030204" pitchFamily="18" charset="0"/>
+                      </a:rPr>
+                      <m:t>)</m:t>
+                    </m:r>
+                    <m:r>
+                      <a:rPr lang="en-US" altLang="zh-CN" i="1">
+                        <a:latin typeface="Cambria Math" panose="02040503050406030204" pitchFamily="18" charset="0"/>
+                      </a:rPr>
+                      <m:t>,</m:t>
+                    </m:r>
+                    <m:sSub>
+                      <m:sSubPr>
+                        <m:ctrlPr>
+                          <a:rPr lang="en-US" altLang="zh-CN" i="1">
+                            <a:latin typeface="Cambria Math" panose="02040503050406030204" pitchFamily="18" charset="0"/>
+                          </a:rPr>
+                        </m:ctrlPr>
+                      </m:sSubPr>
+                      <m:e>
+                        <m:r>
+                          <m:rPr>
+                            <m:sty m:val="p"/>
+                          </m:rPr>
+                          <a:rPr lang="en-US" altLang="zh-CN">
+                            <a:latin typeface="Cambria Math" panose="02040503050406030204" pitchFamily="18" charset="0"/>
+                          </a:rPr>
+                          <m:t>Φ</m:t>
+                        </m:r>
+                        <m:r>
+                          <a:rPr lang="en-US" altLang="zh-CN" b="0" i="1" smtClean="0">
+                            <a:latin typeface="Cambria Math" panose="02040503050406030204" pitchFamily="18" charset="0"/>
+                          </a:rPr>
+                          <m:t>(</m:t>
+                        </m:r>
+                        <m:r>
+                          <a:rPr lang="en-US" altLang="zh-CN" b="0" i="1" smtClean="0">
+                            <a:latin typeface="Cambria Math" panose="02040503050406030204" pitchFamily="18" charset="0"/>
+                          </a:rPr>
+                          <m:t>𝑣</m:t>
+                        </m:r>
+                      </m:e>
+                      <m:sub>
+                        <m:r>
+                          <a:rPr lang="en-US" altLang="zh-CN" b="0" i="1" smtClean="0">
+                            <a:latin typeface="Cambria Math" panose="02040503050406030204" pitchFamily="18" charset="0"/>
+                          </a:rPr>
+                          <m:t>2</m:t>
+                        </m:r>
+                      </m:sub>
+                    </m:sSub>
+                    <m:r>
+                      <a:rPr lang="en-US" altLang="zh-CN" b="0" i="1" smtClean="0">
+                        <a:latin typeface="Cambria Math" panose="02040503050406030204" pitchFamily="18" charset="0"/>
+                      </a:rPr>
+                      <m:t>)</m:t>
+                    </m:r>
+                    <m:r>
+                      <a:rPr lang="en-US" altLang="zh-CN" i="1">
+                        <a:latin typeface="Cambria Math" panose="02040503050406030204" pitchFamily="18" charset="0"/>
+                      </a:rPr>
+                      <m:t>,</m:t>
+                    </m:r>
+                    <m:r>
+                      <a:rPr lang="en-US" altLang="zh-CN" i="1">
+                        <a:latin typeface="Cambria Math" panose="02040503050406030204" pitchFamily="18" charset="0"/>
+                      </a:rPr>
+                      <m:t>·</m:t>
+                    </m:r>
+                    <m:r>
+                      <a:rPr lang="en-US" altLang="zh-CN" i="1">
+                        <a:latin typeface="Cambria Math" panose="02040503050406030204" pitchFamily="18" charset="0"/>
+                      </a:rPr>
+                      <m:t>·</m:t>
+                    </m:r>
+                    <m:r>
+                      <a:rPr lang="en-US" altLang="zh-CN" i="1">
+                        <a:latin typeface="Cambria Math" panose="02040503050406030204" pitchFamily="18" charset="0"/>
+                      </a:rPr>
+                      <m:t>·</m:t>
+                    </m:r>
+                    <m:r>
+                      <a:rPr lang="en-US" altLang="zh-CN" i="1">
+                        <a:latin typeface="Cambria Math" panose="02040503050406030204" pitchFamily="18" charset="0"/>
+                      </a:rPr>
+                      <m:t>,</m:t>
+                    </m:r>
+                    <m:sSub>
+                      <m:sSubPr>
+                        <m:ctrlPr>
+                          <a:rPr lang="en-US" altLang="zh-CN" i="1">
+                            <a:latin typeface="Cambria Math" panose="02040503050406030204" pitchFamily="18" charset="0"/>
+                          </a:rPr>
+                        </m:ctrlPr>
+                      </m:sSubPr>
+                      <m:e>
+                        <m:r>
+                          <m:rPr>
+                            <m:sty m:val="p"/>
+                          </m:rPr>
+                          <a:rPr lang="en-US" altLang="zh-CN">
+                            <a:latin typeface="Cambria Math" panose="02040503050406030204" pitchFamily="18" charset="0"/>
+                          </a:rPr>
+                          <m:t>Φ</m:t>
+                        </m:r>
+                        <m:r>
+                          <a:rPr lang="en-US" altLang="zh-CN" b="0" i="1" smtClean="0">
+                            <a:latin typeface="Cambria Math" panose="02040503050406030204" pitchFamily="18" charset="0"/>
+                          </a:rPr>
+                          <m:t>(</m:t>
+                        </m:r>
+                        <m:r>
+                          <a:rPr lang="en-US" altLang="zh-CN" b="0" i="1" smtClean="0">
+                            <a:latin typeface="Cambria Math" panose="02040503050406030204" pitchFamily="18" charset="0"/>
+                          </a:rPr>
+                          <m:t>𝑣</m:t>
+                        </m:r>
+                      </m:e>
+                      <m:sub>
+                        <m:r>
+                          <a:rPr lang="en-US" altLang="zh-CN" b="0" i="1" smtClean="0">
+                            <a:latin typeface="Cambria Math" panose="02040503050406030204" pitchFamily="18" charset="0"/>
+                          </a:rPr>
+                          <m:t>𝑖</m:t>
+                        </m:r>
+                        <m:r>
+                          <a:rPr lang="en-US" altLang="zh-CN" i="1">
+                            <a:latin typeface="Cambria Math" panose="02040503050406030204" pitchFamily="18" charset="0"/>
+                          </a:rPr>
+                          <m:t>−1</m:t>
+                        </m:r>
+                      </m:sub>
+                    </m:sSub>
+                    <m:r>
+                      <a:rPr lang="en-US" altLang="zh-CN" i="1">
+                        <a:latin typeface="Cambria Math" panose="02040503050406030204" pitchFamily="18" charset="0"/>
+                      </a:rPr>
+                      <m:t>)</m:t>
+                    </m:r>
+                    <m:r>
+                      <a:rPr lang="en-US" altLang="zh-CN" b="0" i="1" smtClean="0">
+                        <a:latin typeface="Cambria Math" panose="02040503050406030204" pitchFamily="18" charset="0"/>
+                      </a:rPr>
+                      <m:t>)</m:t>
+                    </m:r>
+                  </m:oMath>
+                </a14:m>
+                <a:r>
+                  <a:rPr lang="zh-CN" altLang="en-US" dirty="0"/>
+                  <a:t> </a:t>
+                </a:r>
+              </a:p>
+            </p:txBody>
+          </p:sp>
+        </mc:Choice>
+        <mc:Fallback>
+          <p:sp>
+            <p:nvSpPr>
+              <p:cNvPr id="21" name="矩形 20">
+                <a:extLst>
+                  <a:ext uri="{FF2B5EF4-FFF2-40B4-BE49-F238E27FC236}">
+                    <a16:creationId xmlns:a16="http://schemas.microsoft.com/office/drawing/2014/main" id="{D8C48399-C6ED-4B41-9F7D-7B4EB87B8571}"/>
+                  </a:ext>
+                </a:extLst>
+              </p:cNvPr>
+              <p:cNvSpPr>
+                <a:spLocks noRot="1" noChangeAspect="1" noMove="1" noResize="1" noEditPoints="1" noAdjustHandles="1" noChangeArrowheads="1" noChangeShapeType="1" noTextEdit="1"/>
+              </p:cNvSpPr>
+              <p:nvPr/>
+            </p:nvSpPr>
+            <p:spPr>
+              <a:xfrm>
+                <a:off x="4264531" y="3105880"/>
+                <a:ext cx="3349187" cy="369332"/>
+              </a:xfrm>
+              <a:prstGeom prst="rect">
+                <a:avLst/>
+              </a:prstGeom>
+              <a:blipFill>
+                <a:blip r:embed="rId5"/>
+                <a:stretch>
+                  <a:fillRect b="-13115"/>
+                </a:stretch>
+              </a:blipFill>
+            </p:spPr>
+            <p:txBody>
+              <a:bodyPr/>
+              <a:lstStyle/>
+              <a:p>
+                <a:r>
+                  <a:rPr lang="zh-CN" altLang="en-US">
+                    <a:noFill/>
+                  </a:rPr>
+                  <a:t> </a:t>
+                </a:r>
+              </a:p>
+            </p:txBody>
+          </p:sp>
+        </mc:Fallback>
+      </mc:AlternateContent>
+      <mc:AlternateContent xmlns:mc="http://schemas.openxmlformats.org/markup-compatibility/2006">
+        <mc:Choice xmlns:a14="http://schemas.microsoft.com/office/drawing/2010/main" Requires="a14">
+          <p:sp>
+            <p:nvSpPr>
+              <p:cNvPr id="22" name="矩形 21">
+                <a:extLst>
+                  <a:ext uri="{FF2B5EF4-FFF2-40B4-BE49-F238E27FC236}">
+                    <a16:creationId xmlns:a16="http://schemas.microsoft.com/office/drawing/2014/main" id="{D2AA237F-83E3-4928-A46F-188DCF9A89ED}"/>
+                  </a:ext>
+                </a:extLst>
+              </p:cNvPr>
+              <p:cNvSpPr/>
+              <p:nvPr/>
+            </p:nvSpPr>
+            <p:spPr>
+              <a:xfrm>
+                <a:off x="2517202" y="2586897"/>
+                <a:ext cx="2138021" cy="386452"/>
+              </a:xfrm>
+              <a:prstGeom prst="rect">
+                <a:avLst/>
+              </a:prstGeom>
+            </p:spPr>
+            <p:txBody>
+              <a:bodyPr wrap="none">
+                <a:spAutoFit/>
+              </a:bodyPr>
+              <a:lstStyle/>
+              <a:p>
+                <a14:m>
+                  <m:oMathPara xmlns:m="http://schemas.openxmlformats.org/officeDocument/2006/math">
+                    <m:oMathParaPr>
+                      <m:jc m:val="centerGroup"/>
+                    </m:oMathParaPr>
+                    <m:oMath xmlns:m="http://schemas.openxmlformats.org/officeDocument/2006/math">
+                      <m:r>
+                        <m:rPr>
+                          <m:sty m:val="p"/>
+                        </m:rPr>
+                        <a:rPr lang="en-US" altLang="zh-CN" smtClean="0">
+                          <a:latin typeface="Cambria Math" panose="02040503050406030204" pitchFamily="18" charset="0"/>
+                        </a:rPr>
+                        <m:t>Φ</m:t>
+                      </m:r>
+                      <m:r>
+                        <a:rPr lang="en-US" altLang="zh-CN" b="0" i="0" smtClean="0">
+                          <a:latin typeface="Cambria Math" panose="02040503050406030204" pitchFamily="18" charset="0"/>
+                        </a:rPr>
+                        <m:t>:</m:t>
+                      </m:r>
+                      <m:r>
+                        <a:rPr lang="en-US" altLang="zh-CN" b="0" i="1" smtClean="0">
+                          <a:latin typeface="Cambria Math" panose="02040503050406030204" pitchFamily="18" charset="0"/>
+                        </a:rPr>
+                        <m:t>𝑣</m:t>
+                      </m:r>
+                      <m:r>
+                        <a:rPr lang="en-US" altLang="zh-CN" b="0" i="1" smtClean="0">
+                          <a:latin typeface="Cambria Math" panose="02040503050406030204" pitchFamily="18" charset="0"/>
+                        </a:rPr>
+                        <m:t>∈</m:t>
+                      </m:r>
+                      <m:r>
+                        <a:rPr lang="en-US" altLang="zh-CN" b="0" i="1" smtClean="0">
+                          <a:latin typeface="Cambria Math" panose="02040503050406030204" pitchFamily="18" charset="0"/>
+                        </a:rPr>
+                        <m:t>𝑉</m:t>
+                      </m:r>
+                      <m:r>
+                        <a:rPr lang="en-US" altLang="zh-CN" b="0" i="1" smtClean="0">
+                          <a:latin typeface="Cambria Math" panose="02040503050406030204" pitchFamily="18" charset="0"/>
+                        </a:rPr>
+                        <m:t> </m:t>
+                      </m:r>
+                      <m:r>
+                        <a:rPr lang="zh-CN" altLang="en-US" dirty="0" smtClean="0">
+                          <a:latin typeface="Cambria Math" panose="02040503050406030204" pitchFamily="18" charset="0"/>
+                        </a:rPr>
+                        <m:t>↦</m:t>
+                      </m:r>
+                      <m:r>
+                        <a:rPr lang="en-US" altLang="zh-CN" b="0" i="0" dirty="0" smtClean="0">
+                          <a:latin typeface="Cambria Math" panose="02040503050406030204" pitchFamily="18" charset="0"/>
+                        </a:rPr>
+                        <m:t> </m:t>
+                      </m:r>
+                      <m:sSup>
+                        <m:sSupPr>
+                          <m:ctrlPr>
+                            <a:rPr lang="en-US" altLang="zh-CN" b="0" i="0" dirty="0" smtClean="0">
+                              <a:latin typeface="Cambria Math" panose="02040503050406030204" pitchFamily="18" charset="0"/>
+                            </a:rPr>
+                          </m:ctrlPr>
+                        </m:sSupPr>
+                        <m:e>
+                          <m:r>
+                            <a:rPr lang="zh-CN" altLang="en-US" dirty="0" smtClean="0">
+                              <a:latin typeface="Cambria Math" panose="02040503050406030204" pitchFamily="18" charset="0"/>
+                            </a:rPr>
+                            <m:t>ℝ</m:t>
+                          </m:r>
+                        </m:e>
+                        <m:sup>
+                          <m:d>
+                            <m:dPr>
+                              <m:begChr m:val="|"/>
+                              <m:endChr m:val="|"/>
+                              <m:ctrlPr>
+                                <a:rPr lang="en-US" altLang="zh-CN" b="0" i="1" dirty="0" smtClean="0">
+                                  <a:latin typeface="Cambria Math" panose="02040503050406030204" pitchFamily="18" charset="0"/>
+                                </a:rPr>
+                              </m:ctrlPr>
+                            </m:dPr>
+                            <m:e>
+                              <m:r>
+                                <a:rPr lang="en-US" altLang="zh-CN" b="0" i="1" dirty="0" smtClean="0">
+                                  <a:latin typeface="Cambria Math" panose="02040503050406030204" pitchFamily="18" charset="0"/>
+                                </a:rPr>
+                                <m:t>𝑉</m:t>
+                              </m:r>
+                            </m:e>
+                          </m:d>
+                          <m:r>
+                            <a:rPr lang="en-US" altLang="zh-CN" b="0" i="1" dirty="0" smtClean="0">
+                              <a:latin typeface="Cambria Math" panose="02040503050406030204" pitchFamily="18" charset="0"/>
+                            </a:rPr>
+                            <m:t>×</m:t>
+                          </m:r>
+                          <m:r>
+                            <a:rPr lang="en-US" altLang="zh-CN" b="0" i="1" dirty="0" smtClean="0">
+                              <a:latin typeface="Cambria Math" panose="02040503050406030204" pitchFamily="18" charset="0"/>
+                            </a:rPr>
+                            <m:t>𝑑</m:t>
+                          </m:r>
+                        </m:sup>
+                      </m:sSup>
+                    </m:oMath>
+                  </m:oMathPara>
+                </a14:m>
+                <a:endParaRPr lang="zh-CN" altLang="en-US" dirty="0"/>
+              </a:p>
+            </p:txBody>
+          </p:sp>
+        </mc:Choice>
+        <mc:Fallback>
+          <p:sp>
+            <p:nvSpPr>
+              <p:cNvPr id="22" name="矩形 21">
+                <a:extLst>
+                  <a:ext uri="{FF2B5EF4-FFF2-40B4-BE49-F238E27FC236}">
+                    <a16:creationId xmlns:a16="http://schemas.microsoft.com/office/drawing/2014/main" id="{D2AA237F-83E3-4928-A46F-188DCF9A89ED}"/>
+                  </a:ext>
+                </a:extLst>
+              </p:cNvPr>
+              <p:cNvSpPr>
+                <a:spLocks noRot="1" noChangeAspect="1" noMove="1" noResize="1" noEditPoints="1" noAdjustHandles="1" noChangeArrowheads="1" noChangeShapeType="1" noTextEdit="1"/>
+              </p:cNvSpPr>
+              <p:nvPr/>
+            </p:nvSpPr>
+            <p:spPr>
+              <a:xfrm>
+                <a:off x="2517202" y="2586897"/>
+                <a:ext cx="2138021" cy="386452"/>
+              </a:xfrm>
+              <a:prstGeom prst="rect">
+                <a:avLst/>
+              </a:prstGeom>
+              <a:blipFill>
+                <a:blip r:embed="rId6"/>
+                <a:stretch>
+                  <a:fillRect/>
+                </a:stretch>
+              </a:blipFill>
+            </p:spPr>
+            <p:txBody>
+              <a:bodyPr/>
+              <a:lstStyle/>
+              <a:p>
+                <a:r>
+                  <a:rPr lang="zh-CN" altLang="en-US">
+                    <a:noFill/>
+                  </a:rPr>
+                  <a:t> </a:t>
+                </a:r>
+              </a:p>
+            </p:txBody>
+          </p:sp>
+        </mc:Fallback>
+      </mc:AlternateContent>
+    </p:spTree>
+    <p:extLst>
+      <p:ext uri="{BB962C8B-B14F-4D97-AF65-F5344CB8AC3E}">
+        <p14:creationId xmlns:p14="http://schemas.microsoft.com/office/powerpoint/2010/main" val="3200869923"/>
+      </p:ext>
+    </p:extLst>
+  </p:cSld>
+  <p:clrMapOvr>
+    <a:masterClrMapping/>
+  </p:clrMapOvr>
+</p:sld>
+</file>
+
+<file path=ppt/slides/slide5.xml><?xml version="1.0" encoding="utf-8"?>
+<p:sld xmlns:a="http://schemas.openxmlformats.org/drawingml/2006/main" xmlns:r="http://schemas.openxmlformats.org/officeDocument/2006/relationships" xmlns:p="http://schemas.openxmlformats.org/presentationml/2006/main">
+  <p:cSld>
+    <p:spTree>
+      <p:nvGrpSpPr>
+        <p:cNvPr id="1" name=""/>
+        <p:cNvGrpSpPr/>
+        <p:nvPr/>
+      </p:nvGrpSpPr>
+      <p:grpSpPr>
+        <a:xfrm>
+          <a:off x="0" y="0"/>
+          <a:ext cx="0" cy="0"/>
+          <a:chOff x="0" y="0"/>
+          <a:chExt cx="0" cy="0"/>
+        </a:xfrm>
+      </p:grpSpPr>
+      <p:sp>
+        <p:nvSpPr>
+          <p:cNvPr id="3" name="矩形 2">
+            <a:extLst>
+              <a:ext uri="{FF2B5EF4-FFF2-40B4-BE49-F238E27FC236}">
+                <a16:creationId xmlns:a16="http://schemas.microsoft.com/office/drawing/2014/main" id="{2AB96A78-4533-4262-BEE1-E255FF1F2797}"/>
+              </a:ext>
+            </a:extLst>
+          </p:cNvPr>
+          <p:cNvSpPr/>
+          <p:nvPr/>
+        </p:nvSpPr>
+        <p:spPr>
+          <a:xfrm>
+            <a:off x="397123" y="362738"/>
+            <a:ext cx="5414303" cy="400110"/>
+          </a:xfrm>
+          <a:prstGeom prst="rect">
+            <a:avLst/>
+          </a:prstGeom>
+        </p:spPr>
+        <p:txBody>
+          <a:bodyPr wrap="none">
+            <a:spAutoFit/>
+          </a:bodyPr>
+          <a:lstStyle/>
+          <a:p>
+            <a:r>
+              <a:rPr lang="en-US" altLang="zh-CN" sz="2000" b="1" dirty="0">
+                <a:latin typeface="Times New Roman" panose="02020603050405020304" pitchFamily="18" charset="0"/>
+                <a:ea typeface="黑体" panose="02010609060101010101" pitchFamily="49" charset="-122"/>
+                <a:cs typeface="Times New Roman" panose="02020603050405020304" pitchFamily="18" charset="0"/>
+              </a:rPr>
+              <a:t>3. LEARNING SOCIAL REPRESENTATIONS</a:t>
+            </a:r>
+            <a:endParaRPr lang="zh-CN" altLang="en-US" sz="2000" dirty="0"/>
+          </a:p>
+        </p:txBody>
+      </p:sp>
+      <p:sp>
+        <p:nvSpPr>
+          <p:cNvPr id="4" name="矩形 3">
+            <a:extLst>
+              <a:ext uri="{FF2B5EF4-FFF2-40B4-BE49-F238E27FC236}">
+                <a16:creationId xmlns:a16="http://schemas.microsoft.com/office/drawing/2014/main" id="{FF856B01-100C-4B87-9B55-A6A8351979CE}"/>
+              </a:ext>
+            </a:extLst>
+          </p:cNvPr>
+          <p:cNvSpPr/>
+          <p:nvPr/>
+        </p:nvSpPr>
+        <p:spPr>
+          <a:xfrm>
+            <a:off x="828298" y="845083"/>
+            <a:ext cx="2185214" cy="1477328"/>
+          </a:xfrm>
+          <a:prstGeom prst="rect">
+            <a:avLst/>
+          </a:prstGeom>
+        </p:spPr>
+        <p:txBody>
+          <a:bodyPr wrap="none">
+            <a:spAutoFit/>
+          </a:bodyPr>
+          <a:lstStyle/>
+          <a:p>
+            <a:r>
+              <a:rPr lang="en-US" altLang="zh-CN" dirty="0">
+                <a:latin typeface="Times New Roman" panose="02020603050405020304" pitchFamily="18" charset="0"/>
+                <a:ea typeface="黑体" panose="02010609060101010101" pitchFamily="49" charset="-122"/>
+                <a:cs typeface="Times New Roman" panose="02020603050405020304" pitchFamily="18" charset="0"/>
+              </a:rPr>
+              <a:t>Some characteristics:</a:t>
+            </a:r>
+          </a:p>
+          <a:p>
+            <a:pPr marL="285750" indent="-285750">
+              <a:buFont typeface="Arial" panose="020B0604020202020204" pitchFamily="34" charset="0"/>
+              <a:buChar char="•"/>
+            </a:pPr>
+            <a:r>
+              <a:rPr lang="en-US" altLang="zh-CN" dirty="0">
+                <a:latin typeface="Times New Roman" panose="02020603050405020304" pitchFamily="18" charset="0"/>
+                <a:ea typeface="微软雅黑" panose="020B0503020204020204" pitchFamily="34" charset="-122"/>
+                <a:cs typeface="Times New Roman" panose="02020603050405020304" pitchFamily="18" charset="0"/>
+              </a:rPr>
+              <a:t>Adaptability</a:t>
+            </a:r>
+          </a:p>
+          <a:p>
+            <a:pPr marL="285750" indent="-285750">
+              <a:buFont typeface="Arial" panose="020B0604020202020204" pitchFamily="34" charset="0"/>
+              <a:buChar char="•"/>
+            </a:pPr>
+            <a:r>
+              <a:rPr lang="en-US" altLang="zh-CN" dirty="0">
+                <a:latin typeface="Times New Roman" panose="02020603050405020304" pitchFamily="18" charset="0"/>
+                <a:ea typeface="微软雅黑" panose="020B0503020204020204" pitchFamily="34" charset="-122"/>
+                <a:cs typeface="Times New Roman" panose="02020603050405020304" pitchFamily="18" charset="0"/>
+              </a:rPr>
+              <a:t>Community aware</a:t>
+            </a:r>
+          </a:p>
+          <a:p>
+            <a:pPr marL="285750" indent="-285750">
+              <a:buFont typeface="Arial" panose="020B0604020202020204" pitchFamily="34" charset="0"/>
+              <a:buChar char="•"/>
+            </a:pPr>
+            <a:r>
+              <a:rPr lang="en-US" altLang="zh-CN" dirty="0">
+                <a:latin typeface="Times New Roman" panose="02020603050405020304" pitchFamily="18" charset="0"/>
+                <a:ea typeface="微软雅黑" panose="020B0503020204020204" pitchFamily="34" charset="-122"/>
+                <a:cs typeface="Times New Roman" panose="02020603050405020304" pitchFamily="18" charset="0"/>
+              </a:rPr>
+              <a:t>Low dimensional</a:t>
+            </a:r>
+          </a:p>
+          <a:p>
+            <a:pPr marL="285750" indent="-285750">
+              <a:buFont typeface="Arial" panose="020B0604020202020204" pitchFamily="34" charset="0"/>
+              <a:buChar char="•"/>
+            </a:pPr>
+            <a:r>
+              <a:rPr lang="en-US" altLang="zh-CN" dirty="0">
+                <a:latin typeface="Times New Roman" panose="02020603050405020304" pitchFamily="18" charset="0"/>
+                <a:ea typeface="微软雅黑" panose="020B0503020204020204" pitchFamily="34" charset="-122"/>
+                <a:cs typeface="Times New Roman" panose="02020603050405020304" pitchFamily="18" charset="0"/>
+              </a:rPr>
+              <a:t>Continuous</a:t>
+            </a:r>
+            <a:endParaRPr lang="zh-CN" altLang="en-US" dirty="0">
+              <a:latin typeface="Times New Roman" panose="02020603050405020304" pitchFamily="18" charset="0"/>
+              <a:ea typeface="微软雅黑" panose="020B0503020204020204" pitchFamily="34" charset="-122"/>
+              <a:cs typeface="Times New Roman" panose="02020603050405020304" pitchFamily="18" charset="0"/>
+            </a:endParaRPr>
+          </a:p>
+        </p:txBody>
+      </p:sp>
+      <p:sp>
+        <p:nvSpPr>
+          <p:cNvPr id="25" name="矩形 24">
+            <a:extLst>
+              <a:ext uri="{FF2B5EF4-FFF2-40B4-BE49-F238E27FC236}">
+                <a16:creationId xmlns:a16="http://schemas.microsoft.com/office/drawing/2014/main" id="{1698171E-4F7C-4304-819A-4F81B8E24709}"/>
+              </a:ext>
+            </a:extLst>
+          </p:cNvPr>
+          <p:cNvSpPr/>
+          <p:nvPr/>
+        </p:nvSpPr>
+        <p:spPr>
+          <a:xfrm>
+            <a:off x="397123" y="2546942"/>
+            <a:ext cx="2933350" cy="369332"/>
+          </a:xfrm>
+          <a:prstGeom prst="rect">
+            <a:avLst/>
+          </a:prstGeom>
+        </p:spPr>
+        <p:txBody>
+          <a:bodyPr wrap="square">
+            <a:spAutoFit/>
+          </a:bodyPr>
+          <a:lstStyle/>
+          <a:p>
+            <a:r>
+              <a:rPr lang="zh-CN" altLang="en-US" b="1" dirty="0">
+                <a:latin typeface="Times New Roman" panose="02020603050405020304" pitchFamily="18" charset="0"/>
+                <a:cs typeface="Times New Roman" panose="02020603050405020304" pitchFamily="18" charset="0"/>
+              </a:rPr>
+              <a:t>3.2 Connection: Power laws</a:t>
+            </a:r>
+          </a:p>
+        </p:txBody>
+      </p:sp>
+    </p:spTree>
+    <p:extLst>
+      <p:ext uri="{BB962C8B-B14F-4D97-AF65-F5344CB8AC3E}">
+        <p14:creationId xmlns:p14="http://schemas.microsoft.com/office/powerpoint/2010/main" val="3419646154"/>
+      </p:ext>
+    </p:extLst>
+  </p:cSld>
+  <p:clrMapOvr>
+    <a:masterClrMapping/>
+  </p:clrMapOvr>
+</p:sld>
+</file>
+
+<file path=ppt/slides/slide6.xml><?xml version="1.0" encoding="utf-8"?>
+<p:sld xmlns:a="http://schemas.openxmlformats.org/drawingml/2006/main" xmlns:r="http://schemas.openxmlformats.org/officeDocument/2006/relationships" xmlns:p="http://schemas.openxmlformats.org/presentationml/2006/main">
+  <p:cSld>
+    <p:spTree>
+      <p:nvGrpSpPr>
+        <p:cNvPr id="1" name=""/>
+        <p:cNvGrpSpPr/>
+        <p:nvPr/>
+      </p:nvGrpSpPr>
+      <p:grpSpPr>
+        <a:xfrm>
+          <a:off x="0" y="0"/>
+          <a:ext cx="0" cy="0"/>
+          <a:chOff x="0" y="0"/>
+          <a:chExt cx="0" cy="0"/>
+        </a:xfrm>
+      </p:grpSpPr>
+      <mc:AlternateContent xmlns:mc="http://schemas.openxmlformats.org/markup-compatibility/2006" xmlns:a14="http://schemas.microsoft.com/office/drawing/2010/main">
+        <mc:Choice Requires="a14">
           <p:graphicFrame>
             <p:nvGraphicFramePr>
               <p:cNvPr id="3" name="表格 2">
@@ -6629,6 +11590,7 @@
                         <a:bodyPr/>
                         <a:lstStyle/>
                         <a:p>
+                          <a:pPr/>
                           <a14:m>
                             <m:oMathPara xmlns:m="http://schemas.openxmlformats.org/officeDocument/2006/math">
                               <m:oMathParaPr>
@@ -6709,6 +11671,7 @@
                         <a:bodyPr/>
                         <a:lstStyle/>
                         <a:p>
+                          <a:pPr/>
                           <a14:m>
                             <m:oMathPara xmlns:m="http://schemas.openxmlformats.org/officeDocument/2006/math">
                               <m:oMathParaPr>
@@ -6744,31 +11707,7 @@
                                   <a:rPr lang="en-US" altLang="zh-CN" b="0" i="1" smtClean="0">
                                     <a:latin typeface="Cambria Math" panose="02040503050406030204" pitchFamily="18" charset="0"/>
                                   </a:rPr>
-                                  <m:t>=[</m:t>
-                                </m:r>
-                                <m:r>
-                                  <a:rPr lang="en-US" altLang="zh-CN" b="0" i="1" smtClean="0">
-                                    <a:latin typeface="Cambria Math" panose="02040503050406030204" pitchFamily="18" charset="0"/>
-                                  </a:rPr>
-                                  <m:t>0</m:t>
-                                </m:r>
-                                <m:r>
-                                  <a:rPr lang="en-US" altLang="zh-CN" b="0" i="1" smtClean="0">
-                                    <a:latin typeface="Cambria Math" panose="02040503050406030204" pitchFamily="18" charset="0"/>
-                                  </a:rPr>
-                                  <m:t>, </m:t>
-                                </m:r>
-                                <m:r>
-                                  <a:rPr lang="en-US" altLang="zh-CN" b="0" i="1" smtClean="0">
-                                    <a:latin typeface="Cambria Math" panose="02040503050406030204" pitchFamily="18" charset="0"/>
-                                  </a:rPr>
-                                  <m:t>1</m:t>
-                                </m:r>
-                                <m:r>
-                                  <a:rPr lang="en-US" altLang="zh-CN" b="0" i="1" smtClean="0">
-                                    <a:latin typeface="Cambria Math" panose="02040503050406030204" pitchFamily="18" charset="0"/>
-                                  </a:rPr>
-                                  <m:t>, 0,…,0]</m:t>
+                                  <m:t>=[0, 1, 0,…,0]</m:t>
                                 </m:r>
                               </m:oMath>
                             </m:oMathPara>
@@ -6865,31 +11804,7 @@
                                   <a:rPr lang="en-US" altLang="zh-CN" b="0" i="1" smtClean="0">
                                     <a:latin typeface="Cambria Math" panose="02040503050406030204" pitchFamily="18" charset="0"/>
                                   </a:rPr>
-                                  <m:t>=[0, </m:t>
-                                </m:r>
-                                <m:r>
-                                  <a:rPr lang="en-US" altLang="zh-CN" b="0" i="1" smtClean="0">
-                                    <a:latin typeface="Cambria Math" panose="02040503050406030204" pitchFamily="18" charset="0"/>
-                                  </a:rPr>
-                                  <m:t>0</m:t>
-                                </m:r>
-                                <m:r>
-                                  <a:rPr lang="en-US" altLang="zh-CN" b="0" i="1" smtClean="0">
-                                    <a:latin typeface="Cambria Math" panose="02040503050406030204" pitchFamily="18" charset="0"/>
-                                  </a:rPr>
-                                  <m:t>, </m:t>
-                                </m:r>
-                                <m:r>
-                                  <a:rPr lang="en-US" altLang="zh-CN" b="0" i="1" smtClean="0">
-                                    <a:latin typeface="Cambria Math" panose="02040503050406030204" pitchFamily="18" charset="0"/>
-                                  </a:rPr>
-                                  <m:t>1</m:t>
-                                </m:r>
-                                <m:r>
-                                  <a:rPr lang="en-US" altLang="zh-CN" b="0" i="1" smtClean="0">
-                                    <a:latin typeface="Cambria Math" panose="02040503050406030204" pitchFamily="18" charset="0"/>
-                                  </a:rPr>
-                                  <m:t>,…,0]</m:t>
+                                  <m:t>=[0, 0, 1,…,0]</m:t>
                                 </m:r>
                               </m:oMath>
                             </m:oMathPara>
@@ -6994,7 +11909,7 @@
             </a:graphic>
           </p:graphicFrame>
         </mc:Choice>
-        <mc:Fallback>
+        <mc:Fallback xmlns="">
           <p:graphicFrame>
             <p:nvGraphicFramePr>
               <p:cNvPr id="3" name="表格 2">
@@ -7309,8 +12224,8 @@
           </p:graphicFrame>
         </mc:Fallback>
       </mc:AlternateContent>
-      <mc:AlternateContent xmlns:mc="http://schemas.openxmlformats.org/markup-compatibility/2006">
-        <mc:Choice xmlns:a14="http://schemas.microsoft.com/office/drawing/2010/main" Requires="a14">
+      <mc:AlternateContent xmlns:mc="http://schemas.openxmlformats.org/markup-compatibility/2006" xmlns:a14="http://schemas.microsoft.com/office/drawing/2010/main">
+        <mc:Choice Requires="a14">
           <p:sp>
             <p:nvSpPr>
               <p:cNvPr id="4" name="矩形 3">
@@ -7611,7 +12526,7 @@
             </p:txBody>
           </p:sp>
         </mc:Choice>
-        <mc:Fallback>
+        <mc:Fallback xmlns="">
           <p:sp>
             <p:nvSpPr>
               <p:cNvPr id="4" name="矩形 3">
@@ -8226,8 +13141,8 @@
           </a:fontRef>
         </p:style>
       </p:cxnSp>
-      <mc:AlternateContent xmlns:mc="http://schemas.openxmlformats.org/markup-compatibility/2006">
-        <mc:Choice xmlns:a14="http://schemas.microsoft.com/office/drawing/2010/main" Requires="a14">
+      <mc:AlternateContent xmlns:mc="http://schemas.openxmlformats.org/markup-compatibility/2006" xmlns:a14="http://schemas.microsoft.com/office/drawing/2010/main">
+        <mc:Choice Requires="a14">
           <p:sp>
             <p:nvSpPr>
               <p:cNvPr id="35" name="矩形 34">
@@ -8255,6 +13170,7 @@
               </a:bodyPr>
               <a:lstStyle/>
               <a:p>
+                <a:pPr/>
                 <a14:m>
                   <m:oMathPara xmlns:m="http://schemas.openxmlformats.org/officeDocument/2006/math">
                     <m:oMathParaPr>
@@ -8294,7 +13210,7 @@
             </p:txBody>
           </p:sp>
         </mc:Choice>
-        <mc:Fallback>
+        <mc:Fallback xmlns="">
           <p:sp>
             <p:nvSpPr>
               <p:cNvPr id="35" name="矩形 34">
@@ -8378,8 +13294,8 @@
           </a:p>
         </p:txBody>
       </p:sp>
-      <mc:AlternateContent xmlns:mc="http://schemas.openxmlformats.org/markup-compatibility/2006">
-        <mc:Choice xmlns:a14="http://schemas.microsoft.com/office/drawing/2010/main" Requires="a14">
+      <mc:AlternateContent xmlns:mc="http://schemas.openxmlformats.org/markup-compatibility/2006" xmlns:a14="http://schemas.microsoft.com/office/drawing/2010/main">
+        <mc:Choice Requires="a14">
           <p:sp>
             <p:nvSpPr>
               <p:cNvPr id="37" name="矩形 36">
@@ -8407,6 +13323,7 @@
               </a:bodyPr>
               <a:lstStyle/>
               <a:p>
+                <a:pPr/>
                 <a14:m>
                   <m:oMathPara xmlns:m="http://schemas.openxmlformats.org/officeDocument/2006/math">
                     <m:oMathParaPr>
@@ -8473,7 +13390,7 @@
             </p:txBody>
           </p:sp>
         </mc:Choice>
-        <mc:Fallback>
+        <mc:Fallback xmlns="">
           <p:sp>
             <p:nvSpPr>
               <p:cNvPr id="37" name="矩形 36">
@@ -8518,8 +13435,8 @@
           </p:sp>
         </mc:Fallback>
       </mc:AlternateContent>
-      <mc:AlternateContent xmlns:mc="http://schemas.openxmlformats.org/markup-compatibility/2006">
-        <mc:Choice xmlns:a14="http://schemas.microsoft.com/office/drawing/2010/main" Requires="a14">
+      <mc:AlternateContent xmlns:mc="http://schemas.openxmlformats.org/markup-compatibility/2006" xmlns:a14="http://schemas.microsoft.com/office/drawing/2010/main">
+        <mc:Choice Requires="a14">
           <p:sp>
             <p:nvSpPr>
               <p:cNvPr id="38" name="矩形 37">
@@ -8547,6 +13464,7 @@
               </a:bodyPr>
               <a:lstStyle/>
               <a:p>
+                <a:pPr/>
                 <a14:m>
                   <m:oMathPara xmlns:m="http://schemas.openxmlformats.org/officeDocument/2006/math">
                     <m:oMathParaPr>
@@ -8613,7 +13531,7 @@
             </p:txBody>
           </p:sp>
         </mc:Choice>
-        <mc:Fallback>
+        <mc:Fallback xmlns="">
           <p:sp>
             <p:nvSpPr>
               <p:cNvPr id="38" name="矩形 37">
@@ -8658,8 +13576,8 @@
           </p:sp>
         </mc:Fallback>
       </mc:AlternateContent>
-      <mc:AlternateContent xmlns:mc="http://schemas.openxmlformats.org/markup-compatibility/2006">
-        <mc:Choice xmlns:a14="http://schemas.microsoft.com/office/drawing/2010/main" Requires="a14">
+      <mc:AlternateContent xmlns:mc="http://schemas.openxmlformats.org/markup-compatibility/2006" xmlns:a14="http://schemas.microsoft.com/office/drawing/2010/main">
+        <mc:Choice Requires="a14">
           <p:sp>
             <p:nvSpPr>
               <p:cNvPr id="39" name="矩形 38">
@@ -8687,6 +13605,7 @@
               </a:bodyPr>
               <a:lstStyle/>
               <a:p>
+                <a:pPr/>
                 <a14:m>
                   <m:oMathPara xmlns:m="http://schemas.openxmlformats.org/officeDocument/2006/math">
                     <m:oMathParaPr>
@@ -8753,7 +13672,7 @@
             </p:txBody>
           </p:sp>
         </mc:Choice>
-        <mc:Fallback>
+        <mc:Fallback xmlns="">
           <p:sp>
             <p:nvSpPr>
               <p:cNvPr id="39" name="矩形 38">
@@ -8798,8 +13717,8 @@
           </p:sp>
         </mc:Fallback>
       </mc:AlternateContent>
-      <mc:AlternateContent xmlns:mc="http://schemas.openxmlformats.org/markup-compatibility/2006">
-        <mc:Choice xmlns:a14="http://schemas.microsoft.com/office/drawing/2010/main" Requires="a14">
+      <mc:AlternateContent xmlns:mc="http://schemas.openxmlformats.org/markup-compatibility/2006" xmlns:a14="http://schemas.microsoft.com/office/drawing/2010/main">
+        <mc:Choice Requires="a14">
           <p:sp>
             <p:nvSpPr>
               <p:cNvPr id="40" name="矩形 39">
@@ -8921,7 +13840,7 @@
             </p:txBody>
           </p:sp>
         </mc:Choice>
-        <mc:Fallback>
+        <mc:Fallback xmlns="">
           <p:sp>
             <p:nvSpPr>
               <p:cNvPr id="40" name="矩形 39">
@@ -9343,4 +14262,299 @@
     </a:ext>
   </a:extLst>
 </a:theme>
+</file>
+
+<file path=ppt/theme/theme2.xml><?xml version="1.0" encoding="utf-8"?>
+<a:theme xmlns:a="http://schemas.openxmlformats.org/drawingml/2006/main" name="Office 主题​​">
+  <a:themeElements>
+    <a:clrScheme name="Office">
+      <a:dk1>
+        <a:sysClr val="windowText" lastClr="000000"/>
+      </a:dk1>
+      <a:lt1>
+        <a:sysClr val="window" lastClr="FFFFFF"/>
+      </a:lt1>
+      <a:dk2>
+        <a:srgbClr val="44546A"/>
+      </a:dk2>
+      <a:lt2>
+        <a:srgbClr val="E7E6E6"/>
+      </a:lt2>
+      <a:accent1>
+        <a:srgbClr val="4472C4"/>
+      </a:accent1>
+      <a:accent2>
+        <a:srgbClr val="ED7D31"/>
+      </a:accent2>
+      <a:accent3>
+        <a:srgbClr val="A5A5A5"/>
+      </a:accent3>
+      <a:accent4>
+        <a:srgbClr val="FFC000"/>
+      </a:accent4>
+      <a:accent5>
+        <a:srgbClr val="5B9BD5"/>
+      </a:accent5>
+      <a:accent6>
+        <a:srgbClr val="70AD47"/>
+      </a:accent6>
+      <a:hlink>
+        <a:srgbClr val="0563C1"/>
+      </a:hlink>
+      <a:folHlink>
+        <a:srgbClr val="954F72"/>
+      </a:folHlink>
+    </a:clrScheme>
+    <a:fontScheme name="Office">
+      <a:majorFont>
+        <a:latin typeface="等线 Light" panose="020F0302020204030204"/>
+        <a:ea typeface=""/>
+        <a:cs typeface=""/>
+        <a:font script="Jpan" typeface="游ゴシック Light"/>
+        <a:font script="Hang" typeface="맑은 고딕"/>
+        <a:font script="Hans" typeface="等线 Light"/>
+        <a:font script="Hant" typeface="新細明體"/>
+        <a:font script="Arab" typeface="Times New Roman"/>
+        <a:font script="Hebr" typeface="Times New Roman"/>
+        <a:font script="Thai" typeface="Angsana New"/>
+        <a:font script="Ethi" typeface="Nyala"/>
+        <a:font script="Beng" typeface="Vrinda"/>
+        <a:font script="Gujr" typeface="Shruti"/>
+        <a:font script="Khmr" typeface="MoolBoran"/>
+        <a:font script="Knda" typeface="Tunga"/>
+        <a:font script="Guru" typeface="Raavi"/>
+        <a:font script="Cans" typeface="Euphemia"/>
+        <a:font script="Cher" typeface="Plantagenet Cherokee"/>
+        <a:font script="Yiii" typeface="Microsoft Yi Baiti"/>
+        <a:font script="Tibt" typeface="Microsoft Himalaya"/>
+        <a:font script="Thaa" typeface="MV Boli"/>
+        <a:font script="Deva" typeface="Mangal"/>
+        <a:font script="Telu" typeface="Gautami"/>
+        <a:font script="Taml" typeface="Latha"/>
+        <a:font script="Syrc" typeface="Estrangelo Edessa"/>
+        <a:font script="Orya" typeface="Kalinga"/>
+        <a:font script="Mlym" typeface="Kartika"/>
+        <a:font script="Laoo" typeface="DokChampa"/>
+        <a:font script="Sinh" typeface="Iskoola Pota"/>
+        <a:font script="Mong" typeface="Mongolian Baiti"/>
+        <a:font script="Viet" typeface="Times New Roman"/>
+        <a:font script="Uigh" typeface="Microsoft Uighur"/>
+        <a:font script="Geor" typeface="Sylfaen"/>
+        <a:font script="Armn" typeface="Arial"/>
+        <a:font script="Bugi" typeface="Leelawadee UI"/>
+        <a:font script="Bopo" typeface="Microsoft JhengHei"/>
+        <a:font script="Java" typeface="Javanese Text"/>
+        <a:font script="Lisu" typeface="Segoe UI"/>
+        <a:font script="Mymr" typeface="Myanmar Text"/>
+        <a:font script="Nkoo" typeface="Ebrima"/>
+        <a:font script="Olck" typeface="Nirmala UI"/>
+        <a:font script="Osma" typeface="Ebrima"/>
+        <a:font script="Phag" typeface="Phagspa"/>
+        <a:font script="Syrn" typeface="Estrangelo Edessa"/>
+        <a:font script="Syrj" typeface="Estrangelo Edessa"/>
+        <a:font script="Syre" typeface="Estrangelo Edessa"/>
+        <a:font script="Sora" typeface="Nirmala UI"/>
+        <a:font script="Tale" typeface="Microsoft Tai Le"/>
+        <a:font script="Talu" typeface="Microsoft New Tai Lue"/>
+        <a:font script="Tfng" typeface="Ebrima"/>
+      </a:majorFont>
+      <a:minorFont>
+        <a:latin typeface="等线" panose="020F0502020204030204"/>
+        <a:ea typeface=""/>
+        <a:cs typeface=""/>
+        <a:font script="Jpan" typeface="游ゴシック"/>
+        <a:font script="Hang" typeface="맑은 고딕"/>
+        <a:font script="Hans" typeface="等线"/>
+        <a:font script="Hant" typeface="新細明體"/>
+        <a:font script="Arab" typeface="Arial"/>
+        <a:font script="Hebr" typeface="Arial"/>
+        <a:font script="Thai" typeface="Cordia New"/>
+        <a:font script="Ethi" typeface="Nyala"/>
+        <a:font script="Beng" typeface="Vrinda"/>
+        <a:font script="Gujr" typeface="Shruti"/>
+        <a:font script="Khmr" typeface="DaunPenh"/>
+        <a:font script="Knda" typeface="Tunga"/>
+        <a:font script="Guru" typeface="Raavi"/>
+        <a:font script="Cans" typeface="Euphemia"/>
+        <a:font script="Cher" typeface="Plantagenet Cherokee"/>
+        <a:font script="Yiii" typeface="Microsoft Yi Baiti"/>
+        <a:font script="Tibt" typeface="Microsoft Himalaya"/>
+        <a:font script="Thaa" typeface="MV Boli"/>
+        <a:font script="Deva" typeface="Mangal"/>
+        <a:font script="Telu" typeface="Gautami"/>
+        <a:font script="Taml" typeface="Latha"/>
+        <a:font script="Syrc" typeface="Estrangelo Edessa"/>
+        <a:font script="Orya" typeface="Kalinga"/>
+        <a:font script="Mlym" typeface="Kartika"/>
+        <a:font script="Laoo" typeface="DokChampa"/>
+        <a:font script="Sinh" typeface="Iskoola Pota"/>
+        <a:font script="Mong" typeface="Mongolian Baiti"/>
+        <a:font script="Viet" typeface="Arial"/>
+        <a:font script="Uigh" typeface="Microsoft Uighur"/>
+        <a:font script="Geor" typeface="Sylfaen"/>
+        <a:font script="Armn" typeface="Arial"/>
+        <a:font script="Bugi" typeface="Leelawadee UI"/>
+        <a:font script="Bopo" typeface="Microsoft JhengHei"/>
+        <a:font script="Java" typeface="Javanese Text"/>
+        <a:font script="Lisu" typeface="Segoe UI"/>
+        <a:font script="Mymr" typeface="Myanmar Text"/>
+        <a:font script="Nkoo" typeface="Ebrima"/>
+        <a:font script="Olck" typeface="Nirmala UI"/>
+        <a:font script="Osma" typeface="Ebrima"/>
+        <a:font script="Phag" typeface="Phagspa"/>
+        <a:font script="Syrn" typeface="Estrangelo Edessa"/>
+        <a:font script="Syrj" typeface="Estrangelo Edessa"/>
+        <a:font script="Syre" typeface="Estrangelo Edessa"/>
+        <a:font script="Sora" typeface="Nirmala UI"/>
+        <a:font script="Tale" typeface="Microsoft Tai Le"/>
+        <a:font script="Talu" typeface="Microsoft New Tai Lue"/>
+        <a:font script="Tfng" typeface="Ebrima"/>
+      </a:minorFont>
+    </a:fontScheme>
+    <a:fmtScheme name="Office">
+      <a:fillStyleLst>
+        <a:solidFill>
+          <a:schemeClr val="phClr"/>
+        </a:solidFill>
+        <a:gradFill rotWithShape="1">
+          <a:gsLst>
+            <a:gs pos="0">
+              <a:schemeClr val="phClr">
+                <a:lumMod val="110000"/>
+                <a:satMod val="105000"/>
+                <a:tint val="67000"/>
+              </a:schemeClr>
+            </a:gs>
+            <a:gs pos="50000">
+              <a:schemeClr val="phClr">
+                <a:lumMod val="105000"/>
+                <a:satMod val="103000"/>
+                <a:tint val="73000"/>
+              </a:schemeClr>
+            </a:gs>
+            <a:gs pos="100000">
+              <a:schemeClr val="phClr">
+                <a:lumMod val="105000"/>
+                <a:satMod val="109000"/>
+                <a:tint val="81000"/>
+              </a:schemeClr>
+            </a:gs>
+          </a:gsLst>
+          <a:lin ang="5400000" scaled="0"/>
+        </a:gradFill>
+        <a:gradFill rotWithShape="1">
+          <a:gsLst>
+            <a:gs pos="0">
+              <a:schemeClr val="phClr">
+                <a:satMod val="103000"/>
+                <a:lumMod val="102000"/>
+                <a:tint val="94000"/>
+              </a:schemeClr>
+            </a:gs>
+            <a:gs pos="50000">
+              <a:schemeClr val="phClr">
+                <a:satMod val="110000"/>
+                <a:lumMod val="100000"/>
+                <a:shade val="100000"/>
+              </a:schemeClr>
+            </a:gs>
+            <a:gs pos="100000">
+              <a:schemeClr val="phClr">
+                <a:lumMod val="99000"/>
+                <a:satMod val="120000"/>
+                <a:shade val="78000"/>
+              </a:schemeClr>
+            </a:gs>
+          </a:gsLst>
+          <a:lin ang="5400000" scaled="0"/>
+        </a:gradFill>
+      </a:fillStyleLst>
+      <a:lnStyleLst>
+        <a:ln w="6350" cap="flat" cmpd="sng" algn="ctr">
+          <a:solidFill>
+            <a:schemeClr val="phClr"/>
+          </a:solidFill>
+          <a:prstDash val="solid"/>
+          <a:miter lim="800000"/>
+        </a:ln>
+        <a:ln w="12700" cap="flat" cmpd="sng" algn="ctr">
+          <a:solidFill>
+            <a:schemeClr val="phClr"/>
+          </a:solidFill>
+          <a:prstDash val="solid"/>
+          <a:miter lim="800000"/>
+        </a:ln>
+        <a:ln w="19050" cap="flat" cmpd="sng" algn="ctr">
+          <a:solidFill>
+            <a:schemeClr val="phClr"/>
+          </a:solidFill>
+          <a:prstDash val="solid"/>
+          <a:miter lim="800000"/>
+        </a:ln>
+      </a:lnStyleLst>
+      <a:effectStyleLst>
+        <a:effectStyle>
+          <a:effectLst/>
+        </a:effectStyle>
+        <a:effectStyle>
+          <a:effectLst/>
+        </a:effectStyle>
+        <a:effectStyle>
+          <a:effectLst>
+            <a:outerShdw blurRad="57150" dist="19050" dir="5400000" algn="ctr" rotWithShape="0">
+              <a:srgbClr val="000000">
+                <a:alpha val="63000"/>
+              </a:srgbClr>
+            </a:outerShdw>
+          </a:effectLst>
+        </a:effectStyle>
+      </a:effectStyleLst>
+      <a:bgFillStyleLst>
+        <a:solidFill>
+          <a:schemeClr val="phClr"/>
+        </a:solidFill>
+        <a:solidFill>
+          <a:schemeClr val="phClr">
+            <a:tint val="95000"/>
+            <a:satMod val="170000"/>
+          </a:schemeClr>
+        </a:solidFill>
+        <a:gradFill rotWithShape="1">
+          <a:gsLst>
+            <a:gs pos="0">
+              <a:schemeClr val="phClr">
+                <a:tint val="93000"/>
+                <a:satMod val="150000"/>
+                <a:shade val="98000"/>
+                <a:lumMod val="102000"/>
+              </a:schemeClr>
+            </a:gs>
+            <a:gs pos="50000">
+              <a:schemeClr val="phClr">
+                <a:tint val="98000"/>
+                <a:satMod val="130000"/>
+                <a:shade val="90000"/>
+                <a:lumMod val="103000"/>
+              </a:schemeClr>
+            </a:gs>
+            <a:gs pos="100000">
+              <a:schemeClr val="phClr">
+                <a:shade val="63000"/>
+                <a:satMod val="120000"/>
+              </a:schemeClr>
+            </a:gs>
+          </a:gsLst>
+          <a:lin ang="5400000" scaled="0"/>
+        </a:gradFill>
+      </a:bgFillStyleLst>
+    </a:fmtScheme>
+  </a:themeElements>
+  <a:objectDefaults/>
+  <a:extraClrSchemeLst/>
+  <a:extLst>
+    <a:ext uri="{05A4C25C-085E-4340-85A3-A5531E510DB2}">
+      <thm15:themeFamily xmlns:thm15="http://schemas.microsoft.com/office/thememl/2012/main" name="Office Theme" id="{62F939B6-93AF-4DB8-9C6B-D6C7DFDC589F}" vid="{4A3C46E8-61CC-4603-A589-7422A47A8E4A}"/>
+    </a:ext>
+  </a:extLst>
+</a:theme>
 </file>
--- a/1_deepwalk/deepwalk.pptx
+++ b/1_deepwalk/deepwalk.pptx
@@ -525,18 +525,7 @@
           <a:bodyPr/>
           <a:lstStyle/>
           <a:p>
-            <a:r>
-              <a:rPr lang="zh-CN" altLang="en-US" dirty="0"/>
-              <a:t>特定的句子在语料库</a:t>
-            </a:r>
-            <a:r>
-              <a:rPr lang="en-US" altLang="zh-CN" dirty="0"/>
-              <a:t>(corpus)</a:t>
-            </a:r>
-            <a:r>
-              <a:rPr lang="zh-CN" altLang="en-US" dirty="0"/>
-              <a:t>中出现的可能性。</a:t>
-            </a:r>
+            <a:endParaRPr lang="zh-CN" altLang="en-US" dirty="0"/>
           </a:p>
         </p:txBody>
       </p:sp>
@@ -7843,8 +7832,8 @@
           </a:fontRef>
         </p:style>
       </p:cxnSp>
-      <mc:AlternateContent xmlns:mc="http://schemas.openxmlformats.org/markup-compatibility/2006">
-        <mc:Choice xmlns:a14="http://schemas.microsoft.com/office/drawing/2010/main" Requires="a14">
+      <mc:AlternateContent xmlns:mc="http://schemas.openxmlformats.org/markup-compatibility/2006" xmlns:a14="http://schemas.microsoft.com/office/drawing/2010/main">
+        <mc:Choice Requires="a14">
           <p:sp>
             <p:nvSpPr>
               <p:cNvPr id="19" name="矩形 18">
@@ -7912,7 +7901,7 @@
             </p:txBody>
           </p:sp>
         </mc:Choice>
-        <mc:Fallback>
+        <mc:Fallback xmlns="">
           <p:sp>
             <p:nvSpPr>
               <p:cNvPr id="19" name="矩形 18">
@@ -7996,8 +7985,8 @@
           </a:p>
         </p:txBody>
       </p:sp>
-      <mc:AlternateContent xmlns:mc="http://schemas.openxmlformats.org/markup-compatibility/2006">
-        <mc:Choice xmlns:a14="http://schemas.microsoft.com/office/drawing/2010/main" Requires="a14">
+      <mc:AlternateContent xmlns:mc="http://schemas.openxmlformats.org/markup-compatibility/2006" xmlns:a14="http://schemas.microsoft.com/office/drawing/2010/main">
+        <mc:Choice Requires="a14">
           <p:sp>
             <p:nvSpPr>
               <p:cNvPr id="21" name="矩形 20">
@@ -8092,7 +8081,7 @@
             </p:txBody>
           </p:sp>
         </mc:Choice>
-        <mc:Fallback>
+        <mc:Fallback xmlns="">
           <p:sp>
             <p:nvSpPr>
               <p:cNvPr id="21" name="矩形 20">
@@ -8137,8 +8126,8 @@
           </p:sp>
         </mc:Fallback>
       </mc:AlternateContent>
-      <mc:AlternateContent xmlns:mc="http://schemas.openxmlformats.org/markup-compatibility/2006">
-        <mc:Choice xmlns:a14="http://schemas.microsoft.com/office/drawing/2010/main" Requires="a14">
+      <mc:AlternateContent xmlns:mc="http://schemas.openxmlformats.org/markup-compatibility/2006" xmlns:a14="http://schemas.microsoft.com/office/drawing/2010/main">
+        <mc:Choice Requires="a14">
           <p:sp>
             <p:nvSpPr>
               <p:cNvPr id="22" name="矩形 21">
@@ -8233,7 +8222,7 @@
             </p:txBody>
           </p:sp>
         </mc:Choice>
-        <mc:Fallback>
+        <mc:Fallback xmlns="">
           <p:sp>
             <p:nvSpPr>
               <p:cNvPr id="22" name="矩形 21">
@@ -8278,8 +8267,8 @@
           </p:sp>
         </mc:Fallback>
       </mc:AlternateContent>
-      <mc:AlternateContent xmlns:mc="http://schemas.openxmlformats.org/markup-compatibility/2006">
-        <mc:Choice xmlns:a14="http://schemas.microsoft.com/office/drawing/2010/main" Requires="a14">
+      <mc:AlternateContent xmlns:mc="http://schemas.openxmlformats.org/markup-compatibility/2006" xmlns:a14="http://schemas.microsoft.com/office/drawing/2010/main">
+        <mc:Choice Requires="a14">
           <p:sp>
             <p:nvSpPr>
               <p:cNvPr id="23" name="矩形 22">
@@ -8374,7 +8363,7 @@
             </p:txBody>
           </p:sp>
         </mc:Choice>
-        <mc:Fallback>
+        <mc:Fallback xmlns="">
           <p:sp>
             <p:nvSpPr>
               <p:cNvPr id="23" name="矩形 22">
@@ -8419,8 +8408,8 @@
           </p:sp>
         </mc:Fallback>
       </mc:AlternateContent>
-      <mc:AlternateContent xmlns:mc="http://schemas.openxmlformats.org/markup-compatibility/2006">
-        <mc:Choice xmlns:a14="http://schemas.microsoft.com/office/drawing/2010/main" Requires="a14">
+      <mc:AlternateContent xmlns:mc="http://schemas.openxmlformats.org/markup-compatibility/2006" xmlns:a14="http://schemas.microsoft.com/office/drawing/2010/main">
+        <mc:Choice Requires="a14">
           <p:sp>
             <p:nvSpPr>
               <p:cNvPr id="24" name="矩形 23">
@@ -8542,7 +8531,7 @@
             </p:txBody>
           </p:sp>
         </mc:Choice>
-        <mc:Fallback>
+        <mc:Fallback xmlns="">
           <p:sp>
             <p:nvSpPr>
               <p:cNvPr id="24" name="矩形 23">
@@ -8725,8 +8714,8 @@
           </a:prstGeom>
         </p:spPr>
       </p:pic>
-      <mc:AlternateContent xmlns:mc="http://schemas.openxmlformats.org/markup-compatibility/2006">
-        <mc:Choice xmlns:a14="http://schemas.microsoft.com/office/drawing/2010/main" Requires="a14">
+      <mc:AlternateContent xmlns:mc="http://schemas.openxmlformats.org/markup-compatibility/2006" xmlns:a14="http://schemas.microsoft.com/office/drawing/2010/main">
+        <mc:Choice Requires="a14">
           <p:sp>
             <p:nvSpPr>
               <p:cNvPr id="28" name="矩形 27">
@@ -9064,7 +9053,7 @@
             </p:txBody>
           </p:sp>
         </mc:Choice>
-        <mc:Fallback>
+        <mc:Fallback xmlns="">
           <p:sp>
             <p:nvSpPr>
               <p:cNvPr id="28" name="矩形 27">
@@ -9544,8 +9533,8 @@
           </a:p>
         </p:txBody>
       </p:sp>
-      <mc:AlternateContent xmlns:mc="http://schemas.openxmlformats.org/markup-compatibility/2006">
-        <mc:Choice xmlns:a14="http://schemas.microsoft.com/office/drawing/2010/main" Requires="a14">
+      <mc:AlternateContent xmlns:mc="http://schemas.openxmlformats.org/markup-compatibility/2006" xmlns:a14="http://schemas.microsoft.com/office/drawing/2010/main">
+        <mc:Choice Requires="a14">
           <p:sp>
             <p:nvSpPr>
               <p:cNvPr id="4" name="矩形 3">
@@ -10026,7 +10015,7 @@
             </p:txBody>
           </p:sp>
         </mc:Choice>
-        <mc:Fallback>
+        <mc:Fallback xmlns="">
           <p:sp>
             <p:nvSpPr>
               <p:cNvPr id="4" name="矩形 3">
@@ -10139,7 +10128,7 @@
             </p:nvSpPr>
             <p:spPr>
               <a:xfrm>
-                <a:off x="976152" y="3059668"/>
+                <a:off x="1742790" y="3122138"/>
                 <a:ext cx="2228687" cy="369332"/>
               </a:xfrm>
               <a:prstGeom prst="rect">
@@ -10260,31 +10249,7 @@
                       <a:rPr lang="en-US" altLang="zh-CN" i="1">
                         <a:latin typeface="Cambria Math" panose="02040503050406030204" pitchFamily="18" charset="0"/>
                       </a:rPr>
-                      <m:t>,</m:t>
-                    </m:r>
-                    <m:r>
-                      <a:rPr lang="en-US" altLang="zh-CN" i="1">
-                        <a:latin typeface="Cambria Math" panose="02040503050406030204" pitchFamily="18" charset="0"/>
-                      </a:rPr>
-                      <m:t>·</m:t>
-                    </m:r>
-                    <m:r>
-                      <a:rPr lang="en-US" altLang="zh-CN" i="1">
-                        <a:latin typeface="Cambria Math" panose="02040503050406030204" pitchFamily="18" charset="0"/>
-                      </a:rPr>
-                      <m:t>·</m:t>
-                    </m:r>
-                    <m:r>
-                      <a:rPr lang="en-US" altLang="zh-CN" i="1">
-                        <a:latin typeface="Cambria Math" panose="02040503050406030204" pitchFamily="18" charset="0"/>
-                      </a:rPr>
-                      <m:t>·</m:t>
-                    </m:r>
-                    <m:r>
-                      <a:rPr lang="en-US" altLang="zh-CN" i="1">
-                        <a:latin typeface="Cambria Math" panose="02040503050406030204" pitchFamily="18" charset="0"/>
-                      </a:rPr>
-                      <m:t>,</m:t>
+                      <m:t>,···,</m:t>
                     </m:r>
                     <m:sSub>
                       <m:sSubPr>
@@ -10350,7 +10315,7 @@
             </p:nvSpPr>
             <p:spPr>
               <a:xfrm>
-                <a:off x="976152" y="3059668"/>
+                <a:off x="1742790" y="3122138"/>
                 <a:ext cx="2228687" cy="369332"/>
               </a:xfrm>
               <a:prstGeom prst="rect">
@@ -10359,7 +10324,7 @@
               <a:blipFill>
                 <a:blip r:embed="rId4"/>
                 <a:stretch>
-                  <a:fillRect b="-11475"/>
+                  <a:fillRect b="-13115"/>
                 </a:stretch>
               </a:blipFill>
             </p:spPr>
@@ -10750,7 +10715,7 @@
             </p:nvSpPr>
             <p:spPr>
               <a:xfrm>
-                <a:off x="4264531" y="3105880"/>
+                <a:off x="5105194" y="3122138"/>
                 <a:ext cx="3349187" cy="369332"/>
               </a:xfrm>
               <a:prstGeom prst="rect">
@@ -10913,31 +10878,7 @@
                       <a:rPr lang="en-US" altLang="zh-CN" i="1">
                         <a:latin typeface="Cambria Math" panose="02040503050406030204" pitchFamily="18" charset="0"/>
                       </a:rPr>
-                      <m:t>,</m:t>
-                    </m:r>
-                    <m:r>
-                      <a:rPr lang="en-US" altLang="zh-CN" i="1">
-                        <a:latin typeface="Cambria Math" panose="02040503050406030204" pitchFamily="18" charset="0"/>
-                      </a:rPr>
-                      <m:t>·</m:t>
-                    </m:r>
-                    <m:r>
-                      <a:rPr lang="en-US" altLang="zh-CN" i="1">
-                        <a:latin typeface="Cambria Math" panose="02040503050406030204" pitchFamily="18" charset="0"/>
-                      </a:rPr>
-                      <m:t>·</m:t>
-                    </m:r>
-                    <m:r>
-                      <a:rPr lang="en-US" altLang="zh-CN" i="1">
-                        <a:latin typeface="Cambria Math" panose="02040503050406030204" pitchFamily="18" charset="0"/>
-                      </a:rPr>
-                      <m:t>·</m:t>
-                    </m:r>
-                    <m:r>
-                      <a:rPr lang="en-US" altLang="zh-CN" i="1">
-                        <a:latin typeface="Cambria Math" panose="02040503050406030204" pitchFamily="18" charset="0"/>
-                      </a:rPr>
-                      <m:t>,</m:t>
+                      <m:t>,···,</m:t>
                     </m:r>
                     <m:sSub>
                       <m:sSubPr>
@@ -11024,7 +10965,7 @@
             </p:nvSpPr>
             <p:spPr>
               <a:xfrm>
-                <a:off x="4264531" y="3105880"/>
+                <a:off x="5105194" y="3122138"/>
                 <a:ext cx="3349187" cy="369332"/>
               </a:xfrm>
               <a:prstGeom prst="rect">
@@ -11052,8 +10993,8 @@
           </p:sp>
         </mc:Fallback>
       </mc:AlternateContent>
-      <mc:AlternateContent xmlns:mc="http://schemas.openxmlformats.org/markup-compatibility/2006">
-        <mc:Choice xmlns:a14="http://schemas.microsoft.com/office/drawing/2010/main" Requires="a14">
+      <mc:AlternateContent xmlns:mc="http://schemas.openxmlformats.org/markup-compatibility/2006" xmlns:a14="http://schemas.microsoft.com/office/drawing/2010/main">
+        <mc:Choice Requires="a14">
           <p:sp>
             <p:nvSpPr>
               <p:cNvPr id="22" name="矩形 21">
@@ -11081,6 +11022,7 @@
               </a:bodyPr>
               <a:lstStyle/>
               <a:p>
+                <a:pPr/>
                 <a14:m>
                   <m:oMathPara xmlns:m="http://schemas.openxmlformats.org/officeDocument/2006/math">
                     <m:oMathParaPr>
@@ -11141,7 +11083,7 @@
                       <m:sSup>
                         <m:sSupPr>
                           <m:ctrlPr>
-                            <a:rPr lang="en-US" altLang="zh-CN" b="0" i="0" dirty="0" smtClean="0">
+                            <a:rPr lang="en-US" altLang="zh-CN" b="0" i="1" dirty="0" smtClean="0">
                               <a:latin typeface="Cambria Math" panose="02040503050406030204" pitchFamily="18" charset="0"/>
                             </a:rPr>
                           </m:ctrlPr>
@@ -11196,7 +11138,7 @@
             </p:txBody>
           </p:sp>
         </mc:Choice>
-        <mc:Fallback>
+        <mc:Fallback xmlns="">
           <p:sp>
             <p:nvSpPr>
               <p:cNvPr id="22" name="矩形 21">
@@ -11241,6 +11183,1806 @@
           </p:sp>
         </mc:Fallback>
       </mc:AlternateContent>
+      <p:pic>
+        <p:nvPicPr>
+          <p:cNvPr id="2" name="图片 1">
+            <a:extLst>
+              <a:ext uri="{FF2B5EF4-FFF2-40B4-BE49-F238E27FC236}">
+                <a16:creationId xmlns:a16="http://schemas.microsoft.com/office/drawing/2014/main" id="{B55A7D46-ECE6-4950-92C3-94031538E760}"/>
+              </a:ext>
+            </a:extLst>
+          </p:cNvPr>
+          <p:cNvPicPr>
+            <a:picLocks noChangeAspect="1"/>
+          </p:cNvPicPr>
+          <p:nvPr/>
+        </p:nvPicPr>
+        <p:blipFill>
+          <a:blip r:embed="rId7"/>
+          <a:stretch>
+            <a:fillRect/>
+          </a:stretch>
+        </p:blipFill>
+        <p:spPr>
+          <a:xfrm>
+            <a:off x="1543050" y="3983900"/>
+            <a:ext cx="6991350" cy="695325"/>
+          </a:xfrm>
+          <a:prstGeom prst="rect">
+            <a:avLst/>
+          </a:prstGeom>
+        </p:spPr>
+      </p:pic>
+      <p:sp>
+        <p:nvSpPr>
+          <p:cNvPr id="6" name="箭头: 下 5">
+            <a:extLst>
+              <a:ext uri="{FF2B5EF4-FFF2-40B4-BE49-F238E27FC236}">
+                <a16:creationId xmlns:a16="http://schemas.microsoft.com/office/drawing/2014/main" id="{C26B1902-9BE0-4CD2-AED8-7534C53A3725}"/>
+              </a:ext>
+            </a:extLst>
+          </p:cNvPr>
+          <p:cNvSpPr/>
+          <p:nvPr/>
+        </p:nvSpPr>
+        <p:spPr>
+          <a:xfrm>
+            <a:off x="5867865" y="3543300"/>
+            <a:ext cx="228135" cy="448077"/>
+          </a:xfrm>
+          <a:prstGeom prst="downArrow">
+            <a:avLst/>
+          </a:prstGeom>
+        </p:spPr>
+        <p:style>
+          <a:lnRef idx="2">
+            <a:schemeClr val="accent1">
+              <a:shade val="50000"/>
+            </a:schemeClr>
+          </a:lnRef>
+          <a:fillRef idx="1">
+            <a:schemeClr val="accent1"/>
+          </a:fillRef>
+          <a:effectRef idx="0">
+            <a:schemeClr val="accent1"/>
+          </a:effectRef>
+          <a:fontRef idx="minor">
+            <a:schemeClr val="lt1"/>
+          </a:fontRef>
+        </p:style>
+        <p:txBody>
+          <a:bodyPr rtlCol="0" anchor="ctr"/>
+          <a:lstStyle/>
+          <a:p>
+            <a:pPr algn="ctr"/>
+            <a:endParaRPr lang="zh-CN" altLang="en-US"/>
+          </a:p>
+        </p:txBody>
+      </p:sp>
+      <p:sp>
+        <p:nvSpPr>
+          <p:cNvPr id="10" name="矩形 9">
+            <a:extLst>
+              <a:ext uri="{FF2B5EF4-FFF2-40B4-BE49-F238E27FC236}">
+                <a16:creationId xmlns:a16="http://schemas.microsoft.com/office/drawing/2014/main" id="{07F7753E-A21D-44E5-9AF5-BB80EB5FBF33}"/>
+              </a:ext>
+            </a:extLst>
+          </p:cNvPr>
+          <p:cNvSpPr/>
+          <p:nvPr/>
+        </p:nvSpPr>
+        <p:spPr>
+          <a:xfrm>
+            <a:off x="6311372" y="3549196"/>
+            <a:ext cx="1107996" cy="369332"/>
+          </a:xfrm>
+          <a:prstGeom prst="rect">
+            <a:avLst/>
+          </a:prstGeom>
+        </p:spPr>
+        <p:txBody>
+          <a:bodyPr wrap="none">
+            <a:spAutoFit/>
+          </a:bodyPr>
+          <a:lstStyle/>
+          <a:p>
+            <a:r>
+              <a:rPr lang="en-US" altLang="zh-CN" dirty="0">
+                <a:latin typeface="Times New Roman" panose="02020603050405020304" pitchFamily="18" charset="0"/>
+                <a:cs typeface="Times New Roman" panose="02020603050405020304" pitchFamily="18" charset="0"/>
+              </a:rPr>
+              <a:t>relaxation</a:t>
+            </a:r>
+            <a:endParaRPr lang="zh-CN" altLang="en-US" dirty="0"/>
+          </a:p>
+        </p:txBody>
+      </p:sp>
+      <p:sp>
+        <p:nvSpPr>
+          <p:cNvPr id="23" name="流程图: 接点 22">
+            <a:extLst>
+              <a:ext uri="{FF2B5EF4-FFF2-40B4-BE49-F238E27FC236}">
+                <a16:creationId xmlns:a16="http://schemas.microsoft.com/office/drawing/2014/main" id="{D4CF075B-233A-4A10-B62E-F5E8FE4EFE27}"/>
+              </a:ext>
+            </a:extLst>
+          </p:cNvPr>
+          <p:cNvSpPr/>
+          <p:nvPr/>
+        </p:nvSpPr>
+        <p:spPr>
+          <a:xfrm>
+            <a:off x="820366" y="5639652"/>
+            <a:ext cx="171164" cy="170916"/>
+          </a:xfrm>
+          <a:prstGeom prst="flowChartConnector">
+            <a:avLst/>
+          </a:prstGeom>
+        </p:spPr>
+        <p:style>
+          <a:lnRef idx="2">
+            <a:schemeClr val="accent1">
+              <a:shade val="50000"/>
+            </a:schemeClr>
+          </a:lnRef>
+          <a:fillRef idx="1">
+            <a:schemeClr val="accent1"/>
+          </a:fillRef>
+          <a:effectRef idx="0">
+            <a:schemeClr val="accent1"/>
+          </a:effectRef>
+          <a:fontRef idx="minor">
+            <a:schemeClr val="lt1"/>
+          </a:fontRef>
+        </p:style>
+        <p:txBody>
+          <a:bodyPr rtlCol="0" anchor="ctr"/>
+          <a:lstStyle/>
+          <a:p>
+            <a:pPr algn="ctr"/>
+            <a:endParaRPr lang="zh-CN" altLang="en-US"/>
+          </a:p>
+        </p:txBody>
+      </p:sp>
+      <p:cxnSp>
+        <p:nvCxnSpPr>
+          <p:cNvPr id="24" name="直接连接符 23">
+            <a:extLst>
+              <a:ext uri="{FF2B5EF4-FFF2-40B4-BE49-F238E27FC236}">
+                <a16:creationId xmlns:a16="http://schemas.microsoft.com/office/drawing/2014/main" id="{1FC46796-AE28-4579-81CB-F883F7A9BC38}"/>
+              </a:ext>
+            </a:extLst>
+          </p:cNvPr>
+          <p:cNvCxnSpPr>
+            <a:cxnSpLocks/>
+            <a:stCxn id="23" idx="7"/>
+            <a:endCxn id="25" idx="3"/>
+          </p:cNvCxnSpPr>
+          <p:nvPr/>
+        </p:nvCxnSpPr>
+        <p:spPr>
+          <a:xfrm flipV="1">
+            <a:off x="966464" y="5175686"/>
+            <a:ext cx="506402" cy="488996"/>
+          </a:xfrm>
+          <a:prstGeom prst="line">
+            <a:avLst/>
+          </a:prstGeom>
+          <a:ln w="28575">
+            <a:solidFill>
+              <a:schemeClr val="tx1"/>
+            </a:solidFill>
+          </a:ln>
+        </p:spPr>
+        <p:style>
+          <a:lnRef idx="1">
+            <a:schemeClr val="dk1"/>
+          </a:lnRef>
+          <a:fillRef idx="0">
+            <a:schemeClr val="dk1"/>
+          </a:fillRef>
+          <a:effectRef idx="0">
+            <a:schemeClr val="dk1"/>
+          </a:effectRef>
+          <a:fontRef idx="minor">
+            <a:schemeClr val="tx1"/>
+          </a:fontRef>
+        </p:style>
+      </p:cxnSp>
+      <p:sp>
+        <p:nvSpPr>
+          <p:cNvPr id="25" name="流程图: 接点 24">
+            <a:extLst>
+              <a:ext uri="{FF2B5EF4-FFF2-40B4-BE49-F238E27FC236}">
+                <a16:creationId xmlns:a16="http://schemas.microsoft.com/office/drawing/2014/main" id="{FB4D8BA1-0240-429B-8D3E-DD7D08FA29EC}"/>
+              </a:ext>
+            </a:extLst>
+          </p:cNvPr>
+          <p:cNvSpPr/>
+          <p:nvPr/>
+        </p:nvSpPr>
+        <p:spPr>
+          <a:xfrm>
+            <a:off x="1447800" y="5029800"/>
+            <a:ext cx="171164" cy="170916"/>
+          </a:xfrm>
+          <a:prstGeom prst="flowChartConnector">
+            <a:avLst/>
+          </a:prstGeom>
+        </p:spPr>
+        <p:style>
+          <a:lnRef idx="2">
+            <a:schemeClr val="accent1">
+              <a:shade val="50000"/>
+            </a:schemeClr>
+          </a:lnRef>
+          <a:fillRef idx="1">
+            <a:schemeClr val="accent1"/>
+          </a:fillRef>
+          <a:effectRef idx="0">
+            <a:schemeClr val="accent1"/>
+          </a:effectRef>
+          <a:fontRef idx="minor">
+            <a:schemeClr val="lt1"/>
+          </a:fontRef>
+        </p:style>
+        <p:txBody>
+          <a:bodyPr rtlCol="0" anchor="ctr"/>
+          <a:lstStyle/>
+          <a:p>
+            <a:pPr algn="ctr"/>
+            <a:endParaRPr lang="zh-CN" altLang="en-US"/>
+          </a:p>
+        </p:txBody>
+      </p:sp>
+      <p:cxnSp>
+        <p:nvCxnSpPr>
+          <p:cNvPr id="26" name="直接连接符 25">
+            <a:extLst>
+              <a:ext uri="{FF2B5EF4-FFF2-40B4-BE49-F238E27FC236}">
+                <a16:creationId xmlns:a16="http://schemas.microsoft.com/office/drawing/2014/main" id="{30DDF4E7-D3EE-4FDE-AE03-701768AED348}"/>
+              </a:ext>
+            </a:extLst>
+          </p:cNvPr>
+          <p:cNvCxnSpPr>
+            <a:cxnSpLocks/>
+            <a:endCxn id="25" idx="5"/>
+          </p:cNvCxnSpPr>
+          <p:nvPr/>
+        </p:nvCxnSpPr>
+        <p:spPr>
+          <a:xfrm flipH="1" flipV="1">
+            <a:off x="1593898" y="5175686"/>
+            <a:ext cx="502240" cy="539120"/>
+          </a:xfrm>
+          <a:prstGeom prst="line">
+            <a:avLst/>
+          </a:prstGeom>
+          <a:ln w="28575">
+            <a:solidFill>
+              <a:schemeClr val="tx1"/>
+            </a:solidFill>
+          </a:ln>
+        </p:spPr>
+        <p:style>
+          <a:lnRef idx="1">
+            <a:schemeClr val="dk1"/>
+          </a:lnRef>
+          <a:fillRef idx="0">
+            <a:schemeClr val="dk1"/>
+          </a:fillRef>
+          <a:effectRef idx="0">
+            <a:schemeClr val="dk1"/>
+          </a:effectRef>
+          <a:fontRef idx="minor">
+            <a:schemeClr val="tx1"/>
+          </a:fontRef>
+        </p:style>
+      </p:cxnSp>
+      <p:sp>
+        <p:nvSpPr>
+          <p:cNvPr id="27" name="流程图: 接点 26">
+            <a:extLst>
+              <a:ext uri="{FF2B5EF4-FFF2-40B4-BE49-F238E27FC236}">
+                <a16:creationId xmlns:a16="http://schemas.microsoft.com/office/drawing/2014/main" id="{234DD960-B47D-47FA-A00C-3D4D42A4047B}"/>
+              </a:ext>
+            </a:extLst>
+          </p:cNvPr>
+          <p:cNvSpPr/>
+          <p:nvPr/>
+        </p:nvSpPr>
+        <p:spPr>
+          <a:xfrm>
+            <a:off x="2046006" y="5689776"/>
+            <a:ext cx="171164" cy="170916"/>
+          </a:xfrm>
+          <a:prstGeom prst="flowChartConnector">
+            <a:avLst/>
+          </a:prstGeom>
+        </p:spPr>
+        <p:style>
+          <a:lnRef idx="2">
+            <a:schemeClr val="accent1">
+              <a:shade val="50000"/>
+            </a:schemeClr>
+          </a:lnRef>
+          <a:fillRef idx="1">
+            <a:schemeClr val="accent1"/>
+          </a:fillRef>
+          <a:effectRef idx="0">
+            <a:schemeClr val="accent1"/>
+          </a:effectRef>
+          <a:fontRef idx="minor">
+            <a:schemeClr val="lt1"/>
+          </a:fontRef>
+        </p:style>
+        <p:txBody>
+          <a:bodyPr rtlCol="0" anchor="ctr"/>
+          <a:lstStyle/>
+          <a:p>
+            <a:pPr algn="ctr"/>
+            <a:endParaRPr lang="zh-CN" altLang="en-US"/>
+          </a:p>
+        </p:txBody>
+      </p:sp>
+      <p:sp>
+        <p:nvSpPr>
+          <p:cNvPr id="29" name="流程图: 接点 28">
+            <a:extLst>
+              <a:ext uri="{FF2B5EF4-FFF2-40B4-BE49-F238E27FC236}">
+                <a16:creationId xmlns:a16="http://schemas.microsoft.com/office/drawing/2014/main" id="{86DA6735-2537-49C8-8044-9CFF1A9AF33E}"/>
+              </a:ext>
+            </a:extLst>
+          </p:cNvPr>
+          <p:cNvSpPr/>
+          <p:nvPr/>
+        </p:nvSpPr>
+        <p:spPr>
+          <a:xfrm>
+            <a:off x="2672624" y="5051816"/>
+            <a:ext cx="171164" cy="170916"/>
+          </a:xfrm>
+          <a:prstGeom prst="flowChartConnector">
+            <a:avLst/>
+          </a:prstGeom>
+        </p:spPr>
+        <p:style>
+          <a:lnRef idx="2">
+            <a:schemeClr val="accent1">
+              <a:shade val="50000"/>
+            </a:schemeClr>
+          </a:lnRef>
+          <a:fillRef idx="1">
+            <a:schemeClr val="accent1"/>
+          </a:fillRef>
+          <a:effectRef idx="0">
+            <a:schemeClr val="accent1"/>
+          </a:effectRef>
+          <a:fontRef idx="minor">
+            <a:schemeClr val="lt1"/>
+          </a:fontRef>
+        </p:style>
+        <p:txBody>
+          <a:bodyPr rtlCol="0" anchor="ctr"/>
+          <a:lstStyle/>
+          <a:p>
+            <a:pPr algn="ctr"/>
+            <a:endParaRPr lang="zh-CN" altLang="en-US"/>
+          </a:p>
+        </p:txBody>
+      </p:sp>
+      <p:cxnSp>
+        <p:nvCxnSpPr>
+          <p:cNvPr id="31" name="直接连接符 30">
+            <a:extLst>
+              <a:ext uri="{FF2B5EF4-FFF2-40B4-BE49-F238E27FC236}">
+                <a16:creationId xmlns:a16="http://schemas.microsoft.com/office/drawing/2014/main" id="{3F681AFE-9A5F-4920-938E-FEC9A20A99DE}"/>
+              </a:ext>
+            </a:extLst>
+          </p:cNvPr>
+          <p:cNvCxnSpPr>
+            <a:cxnSpLocks/>
+            <a:endCxn id="29" idx="3"/>
+          </p:cNvCxnSpPr>
+          <p:nvPr/>
+        </p:nvCxnSpPr>
+        <p:spPr>
+          <a:xfrm flipV="1">
+            <a:off x="2192104" y="5197702"/>
+            <a:ext cx="505586" cy="527408"/>
+          </a:xfrm>
+          <a:prstGeom prst="line">
+            <a:avLst/>
+          </a:prstGeom>
+          <a:ln w="28575">
+            <a:solidFill>
+              <a:schemeClr val="tx1"/>
+            </a:solidFill>
+          </a:ln>
+        </p:spPr>
+        <p:style>
+          <a:lnRef idx="1">
+            <a:schemeClr val="dk1"/>
+          </a:lnRef>
+          <a:fillRef idx="0">
+            <a:schemeClr val="dk1"/>
+          </a:fillRef>
+          <a:effectRef idx="0">
+            <a:schemeClr val="dk1"/>
+          </a:effectRef>
+          <a:fontRef idx="minor">
+            <a:schemeClr val="tx1"/>
+          </a:fontRef>
+        </p:style>
+      </p:cxnSp>
+      <p:sp>
+        <p:nvSpPr>
+          <p:cNvPr id="32" name="流程图: 接点 31">
+            <a:extLst>
+              <a:ext uri="{FF2B5EF4-FFF2-40B4-BE49-F238E27FC236}">
+                <a16:creationId xmlns:a16="http://schemas.microsoft.com/office/drawing/2014/main" id="{0FA7F1A1-7624-4A56-B9E8-D671006117A5}"/>
+              </a:ext>
+            </a:extLst>
+          </p:cNvPr>
+          <p:cNvSpPr/>
+          <p:nvPr/>
+        </p:nvSpPr>
+        <p:spPr>
+          <a:xfrm>
+            <a:off x="3271646" y="5693880"/>
+            <a:ext cx="171164" cy="170916"/>
+          </a:xfrm>
+          <a:prstGeom prst="flowChartConnector">
+            <a:avLst/>
+          </a:prstGeom>
+        </p:spPr>
+        <p:style>
+          <a:lnRef idx="2">
+            <a:schemeClr val="accent1">
+              <a:shade val="50000"/>
+            </a:schemeClr>
+          </a:lnRef>
+          <a:fillRef idx="1">
+            <a:schemeClr val="accent1"/>
+          </a:fillRef>
+          <a:effectRef idx="0">
+            <a:schemeClr val="accent1"/>
+          </a:effectRef>
+          <a:fontRef idx="minor">
+            <a:schemeClr val="lt1"/>
+          </a:fontRef>
+        </p:style>
+        <p:txBody>
+          <a:bodyPr rtlCol="0" anchor="ctr"/>
+          <a:lstStyle/>
+          <a:p>
+            <a:pPr algn="ctr"/>
+            <a:endParaRPr lang="zh-CN" altLang="en-US"/>
+          </a:p>
+        </p:txBody>
+      </p:sp>
+      <p:cxnSp>
+        <p:nvCxnSpPr>
+          <p:cNvPr id="33" name="直接连接符 32">
+            <a:extLst>
+              <a:ext uri="{FF2B5EF4-FFF2-40B4-BE49-F238E27FC236}">
+                <a16:creationId xmlns:a16="http://schemas.microsoft.com/office/drawing/2014/main" id="{2C3F73D5-7AB4-4423-AB93-5C18872949EF}"/>
+              </a:ext>
+            </a:extLst>
+          </p:cNvPr>
+          <p:cNvCxnSpPr>
+            <a:cxnSpLocks/>
+            <a:stCxn id="32" idx="1"/>
+            <a:endCxn id="29" idx="5"/>
+          </p:cNvCxnSpPr>
+          <p:nvPr/>
+        </p:nvCxnSpPr>
+        <p:spPr>
+          <a:xfrm flipH="1" flipV="1">
+            <a:off x="2818722" y="5197702"/>
+            <a:ext cx="477990" cy="521208"/>
+          </a:xfrm>
+          <a:prstGeom prst="line">
+            <a:avLst/>
+          </a:prstGeom>
+          <a:ln w="28575">
+            <a:solidFill>
+              <a:schemeClr val="tx1"/>
+            </a:solidFill>
+          </a:ln>
+        </p:spPr>
+        <p:style>
+          <a:lnRef idx="1">
+            <a:schemeClr val="dk1"/>
+          </a:lnRef>
+          <a:fillRef idx="0">
+            <a:schemeClr val="dk1"/>
+          </a:fillRef>
+          <a:effectRef idx="0">
+            <a:schemeClr val="dk1"/>
+          </a:effectRef>
+          <a:fontRef idx="minor">
+            <a:schemeClr val="tx1"/>
+          </a:fontRef>
+        </p:style>
+      </p:cxnSp>
+      <p:cxnSp>
+        <p:nvCxnSpPr>
+          <p:cNvPr id="34" name="直接连接符 33">
+            <a:extLst>
+              <a:ext uri="{FF2B5EF4-FFF2-40B4-BE49-F238E27FC236}">
+                <a16:creationId xmlns:a16="http://schemas.microsoft.com/office/drawing/2014/main" id="{39E3D371-A790-4171-B43B-B7115637B148}"/>
+              </a:ext>
+            </a:extLst>
+          </p:cNvPr>
+          <p:cNvCxnSpPr>
+            <a:cxnSpLocks/>
+            <a:stCxn id="23" idx="1"/>
+          </p:cNvCxnSpPr>
+          <p:nvPr/>
+        </p:nvCxnSpPr>
+        <p:spPr>
+          <a:xfrm flipH="1" flipV="1">
+            <a:off x="317948" y="5100532"/>
+            <a:ext cx="527484" cy="564150"/>
+          </a:xfrm>
+          <a:prstGeom prst="line">
+            <a:avLst/>
+          </a:prstGeom>
+          <a:ln w="28575">
+            <a:solidFill>
+              <a:schemeClr val="tx1"/>
+            </a:solidFill>
+          </a:ln>
+        </p:spPr>
+        <p:style>
+          <a:lnRef idx="1">
+            <a:schemeClr val="dk1"/>
+          </a:lnRef>
+          <a:fillRef idx="0">
+            <a:schemeClr val="dk1"/>
+          </a:fillRef>
+          <a:effectRef idx="0">
+            <a:schemeClr val="dk1"/>
+          </a:effectRef>
+          <a:fontRef idx="minor">
+            <a:schemeClr val="tx1"/>
+          </a:fontRef>
+        </p:style>
+      </p:cxnSp>
+      <p:cxnSp>
+        <p:nvCxnSpPr>
+          <p:cNvPr id="37" name="直接连接符 36">
+            <a:extLst>
+              <a:ext uri="{FF2B5EF4-FFF2-40B4-BE49-F238E27FC236}">
+                <a16:creationId xmlns:a16="http://schemas.microsoft.com/office/drawing/2014/main" id="{37BF5108-7E29-4FD0-A035-C7170B9DC04D}"/>
+              </a:ext>
+            </a:extLst>
+          </p:cNvPr>
+          <p:cNvCxnSpPr>
+            <a:cxnSpLocks/>
+            <a:stCxn id="32" idx="7"/>
+          </p:cNvCxnSpPr>
+          <p:nvPr/>
+        </p:nvCxnSpPr>
+        <p:spPr>
+          <a:xfrm flipV="1">
+            <a:off x="3417744" y="5100532"/>
+            <a:ext cx="389875" cy="618378"/>
+          </a:xfrm>
+          <a:prstGeom prst="line">
+            <a:avLst/>
+          </a:prstGeom>
+          <a:ln w="28575">
+            <a:solidFill>
+              <a:schemeClr val="tx1"/>
+            </a:solidFill>
+          </a:ln>
+        </p:spPr>
+        <p:style>
+          <a:lnRef idx="1">
+            <a:schemeClr val="dk1"/>
+          </a:lnRef>
+          <a:fillRef idx="0">
+            <a:schemeClr val="dk1"/>
+          </a:fillRef>
+          <a:effectRef idx="0">
+            <a:schemeClr val="dk1"/>
+          </a:effectRef>
+          <a:fontRef idx="minor">
+            <a:schemeClr val="tx1"/>
+          </a:fontRef>
+        </p:style>
+      </p:cxnSp>
+      <mc:AlternateContent xmlns:mc="http://schemas.openxmlformats.org/markup-compatibility/2006">
+        <mc:Choice xmlns:a14="http://schemas.microsoft.com/office/drawing/2010/main" Requires="a14">
+          <p:sp>
+            <p:nvSpPr>
+              <p:cNvPr id="40" name="矩形 39">
+                <a:extLst>
+                  <a:ext uri="{FF2B5EF4-FFF2-40B4-BE49-F238E27FC236}">
+                    <a16:creationId xmlns:a16="http://schemas.microsoft.com/office/drawing/2014/main" id="{8EA08C7D-60FB-4A77-B9B3-1EDA48BE9C2C}"/>
+                  </a:ext>
+                </a:extLst>
+              </p:cNvPr>
+              <p:cNvSpPr/>
+              <p:nvPr/>
+            </p:nvSpPr>
+            <p:spPr>
+              <a:xfrm>
+                <a:off x="683643" y="5759316"/>
+                <a:ext cx="471989" cy="369332"/>
+              </a:xfrm>
+              <a:prstGeom prst="rect">
+                <a:avLst/>
+              </a:prstGeom>
+            </p:spPr>
+            <p:txBody>
+              <a:bodyPr wrap="none">
+                <a:spAutoFit/>
+              </a:bodyPr>
+              <a:lstStyle/>
+              <a:p>
+                <a14:m>
+                  <m:oMathPara xmlns:m="http://schemas.openxmlformats.org/officeDocument/2006/math">
+                    <m:oMathParaPr>
+                      <m:jc m:val="centerGroup"/>
+                    </m:oMathParaPr>
+                    <m:oMath xmlns:m="http://schemas.openxmlformats.org/officeDocument/2006/math">
+                      <m:sSub>
+                        <m:sSubPr>
+                          <m:ctrlPr>
+                            <a:rPr lang="en-US" altLang="zh-CN" i="1" smtClean="0">
+                              <a:latin typeface="Cambria Math" panose="02040503050406030204" pitchFamily="18" charset="0"/>
+                            </a:rPr>
+                          </m:ctrlPr>
+                        </m:sSubPr>
+                        <m:e>
+                          <m:r>
+                            <a:rPr lang="en-US" altLang="zh-CN" i="1">
+                              <a:latin typeface="Cambria Math" panose="02040503050406030204" pitchFamily="18" charset="0"/>
+                            </a:rPr>
+                            <m:t>𝑣</m:t>
+                          </m:r>
+                        </m:e>
+                        <m:sub>
+                          <m:r>
+                            <a:rPr lang="en-US" altLang="zh-CN" b="0" i="1" smtClean="0">
+                              <a:latin typeface="Cambria Math" panose="02040503050406030204" pitchFamily="18" charset="0"/>
+                            </a:rPr>
+                            <m:t>1</m:t>
+                          </m:r>
+                        </m:sub>
+                      </m:sSub>
+                    </m:oMath>
+                  </m:oMathPara>
+                </a14:m>
+                <a:endParaRPr lang="zh-CN" altLang="en-US" dirty="0"/>
+              </a:p>
+            </p:txBody>
+          </p:sp>
+        </mc:Choice>
+        <mc:Fallback>
+          <p:sp>
+            <p:nvSpPr>
+              <p:cNvPr id="40" name="矩形 39">
+                <a:extLst>
+                  <a:ext uri="{FF2B5EF4-FFF2-40B4-BE49-F238E27FC236}">
+                    <a16:creationId xmlns:a16="http://schemas.microsoft.com/office/drawing/2014/main" id="{8EA08C7D-60FB-4A77-B9B3-1EDA48BE9C2C}"/>
+                  </a:ext>
+                </a:extLst>
+              </p:cNvPr>
+              <p:cNvSpPr>
+                <a:spLocks noRot="1" noChangeAspect="1" noMove="1" noResize="1" noEditPoints="1" noAdjustHandles="1" noChangeArrowheads="1" noChangeShapeType="1" noTextEdit="1"/>
+              </p:cNvSpPr>
+              <p:nvPr/>
+            </p:nvSpPr>
+            <p:spPr>
+              <a:xfrm>
+                <a:off x="683643" y="5759316"/>
+                <a:ext cx="471989" cy="369332"/>
+              </a:xfrm>
+              <a:prstGeom prst="rect">
+                <a:avLst/>
+              </a:prstGeom>
+              <a:blipFill>
+                <a:blip r:embed="rId8"/>
+                <a:stretch>
+                  <a:fillRect/>
+                </a:stretch>
+              </a:blipFill>
+            </p:spPr>
+            <p:txBody>
+              <a:bodyPr/>
+              <a:lstStyle/>
+              <a:p>
+                <a:r>
+                  <a:rPr lang="zh-CN" altLang="en-US">
+                    <a:noFill/>
+                  </a:rPr>
+                  <a:t> </a:t>
+                </a:r>
+              </a:p>
+            </p:txBody>
+          </p:sp>
+        </mc:Fallback>
+      </mc:AlternateContent>
+      <mc:AlternateContent xmlns:mc="http://schemas.openxmlformats.org/markup-compatibility/2006">
+        <mc:Choice xmlns:a14="http://schemas.microsoft.com/office/drawing/2010/main" Requires="a14">
+          <p:sp>
+            <p:nvSpPr>
+              <p:cNvPr id="41" name="矩形 40">
+                <a:extLst>
+                  <a:ext uri="{FF2B5EF4-FFF2-40B4-BE49-F238E27FC236}">
+                    <a16:creationId xmlns:a16="http://schemas.microsoft.com/office/drawing/2014/main" id="{52A61EA0-16D9-4E80-AE37-CFA9232B0187}"/>
+                  </a:ext>
+                </a:extLst>
+              </p:cNvPr>
+              <p:cNvSpPr/>
+              <p:nvPr/>
+            </p:nvSpPr>
+            <p:spPr>
+              <a:xfrm>
+                <a:off x="1307055" y="4640445"/>
+                <a:ext cx="477310" cy="369332"/>
+              </a:xfrm>
+              <a:prstGeom prst="rect">
+                <a:avLst/>
+              </a:prstGeom>
+            </p:spPr>
+            <p:txBody>
+              <a:bodyPr wrap="none">
+                <a:spAutoFit/>
+              </a:bodyPr>
+              <a:lstStyle/>
+              <a:p>
+                <a14:m>
+                  <m:oMathPara xmlns:m="http://schemas.openxmlformats.org/officeDocument/2006/math">
+                    <m:oMathParaPr>
+                      <m:jc m:val="centerGroup"/>
+                    </m:oMathParaPr>
+                    <m:oMath xmlns:m="http://schemas.openxmlformats.org/officeDocument/2006/math">
+                      <m:sSub>
+                        <m:sSubPr>
+                          <m:ctrlPr>
+                            <a:rPr lang="en-US" altLang="zh-CN" i="1" smtClean="0">
+                              <a:latin typeface="Cambria Math" panose="02040503050406030204" pitchFamily="18" charset="0"/>
+                            </a:rPr>
+                          </m:ctrlPr>
+                        </m:sSubPr>
+                        <m:e>
+                          <m:r>
+                            <a:rPr lang="en-US" altLang="zh-CN" i="1">
+                              <a:latin typeface="Cambria Math" panose="02040503050406030204" pitchFamily="18" charset="0"/>
+                            </a:rPr>
+                            <m:t>𝑣</m:t>
+                          </m:r>
+                        </m:e>
+                        <m:sub>
+                          <m:r>
+                            <a:rPr lang="en-US" altLang="zh-CN" b="0" i="1" smtClean="0">
+                              <a:latin typeface="Cambria Math" panose="02040503050406030204" pitchFamily="18" charset="0"/>
+                            </a:rPr>
+                            <m:t>2</m:t>
+                          </m:r>
+                        </m:sub>
+                      </m:sSub>
+                    </m:oMath>
+                  </m:oMathPara>
+                </a14:m>
+                <a:endParaRPr lang="zh-CN" altLang="en-US" dirty="0"/>
+              </a:p>
+            </p:txBody>
+          </p:sp>
+        </mc:Choice>
+        <mc:Fallback>
+          <p:sp>
+            <p:nvSpPr>
+              <p:cNvPr id="41" name="矩形 40">
+                <a:extLst>
+                  <a:ext uri="{FF2B5EF4-FFF2-40B4-BE49-F238E27FC236}">
+                    <a16:creationId xmlns:a16="http://schemas.microsoft.com/office/drawing/2014/main" id="{52A61EA0-16D9-4E80-AE37-CFA9232B0187}"/>
+                  </a:ext>
+                </a:extLst>
+              </p:cNvPr>
+              <p:cNvSpPr>
+                <a:spLocks noRot="1" noChangeAspect="1" noMove="1" noResize="1" noEditPoints="1" noAdjustHandles="1" noChangeArrowheads="1" noChangeShapeType="1" noTextEdit="1"/>
+              </p:cNvSpPr>
+              <p:nvPr/>
+            </p:nvSpPr>
+            <p:spPr>
+              <a:xfrm>
+                <a:off x="1307055" y="4640445"/>
+                <a:ext cx="477310" cy="369332"/>
+              </a:xfrm>
+              <a:prstGeom prst="rect">
+                <a:avLst/>
+              </a:prstGeom>
+              <a:blipFill>
+                <a:blip r:embed="rId9"/>
+                <a:stretch>
+                  <a:fillRect/>
+                </a:stretch>
+              </a:blipFill>
+            </p:spPr>
+            <p:txBody>
+              <a:bodyPr/>
+              <a:lstStyle/>
+              <a:p>
+                <a:r>
+                  <a:rPr lang="zh-CN" altLang="en-US">
+                    <a:noFill/>
+                  </a:rPr>
+                  <a:t> </a:t>
+                </a:r>
+              </a:p>
+            </p:txBody>
+          </p:sp>
+        </mc:Fallback>
+      </mc:AlternateContent>
+      <mc:AlternateContent xmlns:mc="http://schemas.openxmlformats.org/markup-compatibility/2006">
+        <mc:Choice xmlns:a14="http://schemas.microsoft.com/office/drawing/2010/main" Requires="a14">
+          <p:sp>
+            <p:nvSpPr>
+              <p:cNvPr id="42" name="矩形 41">
+                <a:extLst>
+                  <a:ext uri="{FF2B5EF4-FFF2-40B4-BE49-F238E27FC236}">
+                    <a16:creationId xmlns:a16="http://schemas.microsoft.com/office/drawing/2014/main" id="{51C788B7-CFAD-425E-9041-AA26AFC8BE5A}"/>
+                  </a:ext>
+                </a:extLst>
+              </p:cNvPr>
+              <p:cNvSpPr/>
+              <p:nvPr/>
+            </p:nvSpPr>
+            <p:spPr>
+              <a:xfrm>
+                <a:off x="1892933" y="5788132"/>
+                <a:ext cx="477310" cy="369332"/>
+              </a:xfrm>
+              <a:prstGeom prst="rect">
+                <a:avLst/>
+              </a:prstGeom>
+            </p:spPr>
+            <p:txBody>
+              <a:bodyPr wrap="none">
+                <a:spAutoFit/>
+              </a:bodyPr>
+              <a:lstStyle/>
+              <a:p>
+                <a14:m>
+                  <m:oMathPara xmlns:m="http://schemas.openxmlformats.org/officeDocument/2006/math">
+                    <m:oMathParaPr>
+                      <m:jc m:val="centerGroup"/>
+                    </m:oMathParaPr>
+                    <m:oMath xmlns:m="http://schemas.openxmlformats.org/officeDocument/2006/math">
+                      <m:sSub>
+                        <m:sSubPr>
+                          <m:ctrlPr>
+                            <a:rPr lang="en-US" altLang="zh-CN" i="1" smtClean="0">
+                              <a:latin typeface="Cambria Math" panose="02040503050406030204" pitchFamily="18" charset="0"/>
+                            </a:rPr>
+                          </m:ctrlPr>
+                        </m:sSubPr>
+                        <m:e>
+                          <m:r>
+                            <a:rPr lang="en-US" altLang="zh-CN" i="1">
+                              <a:latin typeface="Cambria Math" panose="02040503050406030204" pitchFamily="18" charset="0"/>
+                            </a:rPr>
+                            <m:t>𝑣</m:t>
+                          </m:r>
+                        </m:e>
+                        <m:sub>
+                          <m:r>
+                            <a:rPr lang="en-US" altLang="zh-CN" b="0" i="1" smtClean="0">
+                              <a:latin typeface="Cambria Math" panose="02040503050406030204" pitchFamily="18" charset="0"/>
+                            </a:rPr>
+                            <m:t>3</m:t>
+                          </m:r>
+                        </m:sub>
+                      </m:sSub>
+                    </m:oMath>
+                  </m:oMathPara>
+                </a14:m>
+                <a:endParaRPr lang="zh-CN" altLang="en-US" dirty="0"/>
+              </a:p>
+            </p:txBody>
+          </p:sp>
+        </mc:Choice>
+        <mc:Fallback>
+          <p:sp>
+            <p:nvSpPr>
+              <p:cNvPr id="42" name="矩形 41">
+                <a:extLst>
+                  <a:ext uri="{FF2B5EF4-FFF2-40B4-BE49-F238E27FC236}">
+                    <a16:creationId xmlns:a16="http://schemas.microsoft.com/office/drawing/2014/main" id="{51C788B7-CFAD-425E-9041-AA26AFC8BE5A}"/>
+                  </a:ext>
+                </a:extLst>
+              </p:cNvPr>
+              <p:cNvSpPr>
+                <a:spLocks noRot="1" noChangeAspect="1" noMove="1" noResize="1" noEditPoints="1" noAdjustHandles="1" noChangeArrowheads="1" noChangeShapeType="1" noTextEdit="1"/>
+              </p:cNvSpPr>
+              <p:nvPr/>
+            </p:nvSpPr>
+            <p:spPr>
+              <a:xfrm>
+                <a:off x="1892933" y="5788132"/>
+                <a:ext cx="477310" cy="369332"/>
+              </a:xfrm>
+              <a:prstGeom prst="rect">
+                <a:avLst/>
+              </a:prstGeom>
+              <a:blipFill>
+                <a:blip r:embed="rId10"/>
+                <a:stretch>
+                  <a:fillRect/>
+                </a:stretch>
+              </a:blipFill>
+            </p:spPr>
+            <p:txBody>
+              <a:bodyPr/>
+              <a:lstStyle/>
+              <a:p>
+                <a:r>
+                  <a:rPr lang="zh-CN" altLang="en-US">
+                    <a:noFill/>
+                  </a:rPr>
+                  <a:t> </a:t>
+                </a:r>
+              </a:p>
+            </p:txBody>
+          </p:sp>
+        </mc:Fallback>
+      </mc:AlternateContent>
+      <mc:AlternateContent xmlns:mc="http://schemas.openxmlformats.org/markup-compatibility/2006">
+        <mc:Choice xmlns:a14="http://schemas.microsoft.com/office/drawing/2010/main" Requires="a14">
+          <p:sp>
+            <p:nvSpPr>
+              <p:cNvPr id="43" name="矩形 42">
+                <a:extLst>
+                  <a:ext uri="{FF2B5EF4-FFF2-40B4-BE49-F238E27FC236}">
+                    <a16:creationId xmlns:a16="http://schemas.microsoft.com/office/drawing/2014/main" id="{A8E6EF12-8E46-4413-9BD1-0B3EC671A9AD}"/>
+                  </a:ext>
+                </a:extLst>
+              </p:cNvPr>
+              <p:cNvSpPr/>
+              <p:nvPr/>
+            </p:nvSpPr>
+            <p:spPr>
+              <a:xfrm>
+                <a:off x="2517202" y="4661628"/>
+                <a:ext cx="467436" cy="369332"/>
+              </a:xfrm>
+              <a:prstGeom prst="rect">
+                <a:avLst/>
+              </a:prstGeom>
+            </p:spPr>
+            <p:txBody>
+              <a:bodyPr wrap="none">
+                <a:spAutoFit/>
+              </a:bodyPr>
+              <a:lstStyle/>
+              <a:p>
+                <a14:m>
+                  <m:oMathPara xmlns:m="http://schemas.openxmlformats.org/officeDocument/2006/math">
+                    <m:oMathParaPr>
+                      <m:jc m:val="centerGroup"/>
+                    </m:oMathParaPr>
+                    <m:oMath xmlns:m="http://schemas.openxmlformats.org/officeDocument/2006/math">
+                      <m:sSub>
+                        <m:sSubPr>
+                          <m:ctrlPr>
+                            <a:rPr lang="en-US" altLang="zh-CN" i="1" smtClean="0">
+                              <a:latin typeface="Cambria Math" panose="02040503050406030204" pitchFamily="18" charset="0"/>
+                            </a:rPr>
+                          </m:ctrlPr>
+                        </m:sSubPr>
+                        <m:e>
+                          <m:r>
+                            <a:rPr lang="en-US" altLang="zh-CN" i="1">
+                              <a:latin typeface="Cambria Math" panose="02040503050406030204" pitchFamily="18" charset="0"/>
+                            </a:rPr>
+                            <m:t>𝑣</m:t>
+                          </m:r>
+                        </m:e>
+                        <m:sub>
+                          <m:r>
+                            <a:rPr lang="en-US" altLang="zh-CN" b="0" i="1" smtClean="0">
+                              <a:latin typeface="Cambria Math" panose="02040503050406030204" pitchFamily="18" charset="0"/>
+                            </a:rPr>
+                            <m:t>4</m:t>
+                          </m:r>
+                        </m:sub>
+                      </m:sSub>
+                    </m:oMath>
+                  </m:oMathPara>
+                </a14:m>
+                <a:endParaRPr lang="zh-CN" altLang="en-US" dirty="0"/>
+              </a:p>
+            </p:txBody>
+          </p:sp>
+        </mc:Choice>
+        <mc:Fallback>
+          <p:sp>
+            <p:nvSpPr>
+              <p:cNvPr id="43" name="矩形 42">
+                <a:extLst>
+                  <a:ext uri="{FF2B5EF4-FFF2-40B4-BE49-F238E27FC236}">
+                    <a16:creationId xmlns:a16="http://schemas.microsoft.com/office/drawing/2014/main" id="{A8E6EF12-8E46-4413-9BD1-0B3EC671A9AD}"/>
+                  </a:ext>
+                </a:extLst>
+              </p:cNvPr>
+              <p:cNvSpPr>
+                <a:spLocks noRot="1" noChangeAspect="1" noMove="1" noResize="1" noEditPoints="1" noAdjustHandles="1" noChangeArrowheads="1" noChangeShapeType="1" noTextEdit="1"/>
+              </p:cNvSpPr>
+              <p:nvPr/>
+            </p:nvSpPr>
+            <p:spPr>
+              <a:xfrm>
+                <a:off x="2517202" y="4661628"/>
+                <a:ext cx="467436" cy="369332"/>
+              </a:xfrm>
+              <a:prstGeom prst="rect">
+                <a:avLst/>
+              </a:prstGeom>
+              <a:blipFill>
+                <a:blip r:embed="rId11"/>
+                <a:stretch>
+                  <a:fillRect/>
+                </a:stretch>
+              </a:blipFill>
+            </p:spPr>
+            <p:txBody>
+              <a:bodyPr/>
+              <a:lstStyle/>
+              <a:p>
+                <a:r>
+                  <a:rPr lang="zh-CN" altLang="en-US">
+                    <a:noFill/>
+                  </a:rPr>
+                  <a:t> </a:t>
+                </a:r>
+              </a:p>
+            </p:txBody>
+          </p:sp>
+        </mc:Fallback>
+      </mc:AlternateContent>
+      <mc:AlternateContent xmlns:mc="http://schemas.openxmlformats.org/markup-compatibility/2006">
+        <mc:Choice xmlns:a14="http://schemas.microsoft.com/office/drawing/2010/main" Requires="a14">
+          <p:sp>
+            <p:nvSpPr>
+              <p:cNvPr id="44" name="矩形 43">
+                <a:extLst>
+                  <a:ext uri="{FF2B5EF4-FFF2-40B4-BE49-F238E27FC236}">
+                    <a16:creationId xmlns:a16="http://schemas.microsoft.com/office/drawing/2014/main" id="{6F3A69B1-41EA-4C92-B8E9-EECB64CCC0D6}"/>
+                  </a:ext>
+                </a:extLst>
+              </p:cNvPr>
+              <p:cNvSpPr/>
+              <p:nvPr/>
+            </p:nvSpPr>
+            <p:spPr>
+              <a:xfrm>
+                <a:off x="3184552" y="5784068"/>
+                <a:ext cx="477310" cy="369332"/>
+              </a:xfrm>
+              <a:prstGeom prst="rect">
+                <a:avLst/>
+              </a:prstGeom>
+            </p:spPr>
+            <p:txBody>
+              <a:bodyPr wrap="none">
+                <a:spAutoFit/>
+              </a:bodyPr>
+              <a:lstStyle/>
+              <a:p>
+                <a14:m>
+                  <m:oMathPara xmlns:m="http://schemas.openxmlformats.org/officeDocument/2006/math">
+                    <m:oMathParaPr>
+                      <m:jc m:val="centerGroup"/>
+                    </m:oMathParaPr>
+                    <m:oMath xmlns:m="http://schemas.openxmlformats.org/officeDocument/2006/math">
+                      <m:sSub>
+                        <m:sSubPr>
+                          <m:ctrlPr>
+                            <a:rPr lang="en-US" altLang="zh-CN" i="1" smtClean="0">
+                              <a:latin typeface="Cambria Math" panose="02040503050406030204" pitchFamily="18" charset="0"/>
+                            </a:rPr>
+                          </m:ctrlPr>
+                        </m:sSubPr>
+                        <m:e>
+                          <m:r>
+                            <a:rPr lang="en-US" altLang="zh-CN" i="1">
+                              <a:latin typeface="Cambria Math" panose="02040503050406030204" pitchFamily="18" charset="0"/>
+                            </a:rPr>
+                            <m:t>𝑣</m:t>
+                          </m:r>
+                        </m:e>
+                        <m:sub>
+                          <m:r>
+                            <a:rPr lang="en-US" altLang="zh-CN" b="0" i="1" smtClean="0">
+                              <a:latin typeface="Cambria Math" panose="02040503050406030204" pitchFamily="18" charset="0"/>
+                            </a:rPr>
+                            <m:t>5</m:t>
+                          </m:r>
+                        </m:sub>
+                      </m:sSub>
+                    </m:oMath>
+                  </m:oMathPara>
+                </a14:m>
+                <a:endParaRPr lang="zh-CN" altLang="en-US" dirty="0"/>
+              </a:p>
+            </p:txBody>
+          </p:sp>
+        </mc:Choice>
+        <mc:Fallback>
+          <p:sp>
+            <p:nvSpPr>
+              <p:cNvPr id="44" name="矩形 43">
+                <a:extLst>
+                  <a:ext uri="{FF2B5EF4-FFF2-40B4-BE49-F238E27FC236}">
+                    <a16:creationId xmlns:a16="http://schemas.microsoft.com/office/drawing/2014/main" id="{6F3A69B1-41EA-4C92-B8E9-EECB64CCC0D6}"/>
+                  </a:ext>
+                </a:extLst>
+              </p:cNvPr>
+              <p:cNvSpPr>
+                <a:spLocks noRot="1" noChangeAspect="1" noMove="1" noResize="1" noEditPoints="1" noAdjustHandles="1" noChangeArrowheads="1" noChangeShapeType="1" noTextEdit="1"/>
+              </p:cNvSpPr>
+              <p:nvPr/>
+            </p:nvSpPr>
+            <p:spPr>
+              <a:xfrm>
+                <a:off x="3184552" y="5784068"/>
+                <a:ext cx="477310" cy="369332"/>
+              </a:xfrm>
+              <a:prstGeom prst="rect">
+                <a:avLst/>
+              </a:prstGeom>
+              <a:blipFill>
+                <a:blip r:embed="rId12"/>
+                <a:stretch>
+                  <a:fillRect/>
+                </a:stretch>
+              </a:blipFill>
+            </p:spPr>
+            <p:txBody>
+              <a:bodyPr/>
+              <a:lstStyle/>
+              <a:p>
+                <a:r>
+                  <a:rPr lang="zh-CN" altLang="en-US">
+                    <a:noFill/>
+                  </a:rPr>
+                  <a:t> </a:t>
+                </a:r>
+              </a:p>
+            </p:txBody>
+          </p:sp>
+        </mc:Fallback>
+      </mc:AlternateContent>
+      <p:sp>
+        <p:nvSpPr>
+          <p:cNvPr id="46" name="左大括号 45">
+            <a:extLst>
+              <a:ext uri="{FF2B5EF4-FFF2-40B4-BE49-F238E27FC236}">
+                <a16:creationId xmlns:a16="http://schemas.microsoft.com/office/drawing/2014/main" id="{A7C94BE1-96D6-4ED9-8B75-A6E1D9219E36}"/>
+              </a:ext>
+            </a:extLst>
+          </p:cNvPr>
+          <p:cNvSpPr/>
+          <p:nvPr/>
+        </p:nvSpPr>
+        <p:spPr>
+          <a:xfrm rot="16200000">
+            <a:off x="1447925" y="5716047"/>
+            <a:ext cx="170915" cy="1079544"/>
+          </a:xfrm>
+          <a:prstGeom prst="leftBrace">
+            <a:avLst/>
+          </a:prstGeom>
+          <a:ln w="19050"/>
+        </p:spPr>
+        <p:style>
+          <a:lnRef idx="1">
+            <a:schemeClr val="accent1"/>
+          </a:lnRef>
+          <a:fillRef idx="0">
+            <a:schemeClr val="accent1"/>
+          </a:fillRef>
+          <a:effectRef idx="0">
+            <a:schemeClr val="accent1"/>
+          </a:effectRef>
+          <a:fontRef idx="minor">
+            <a:schemeClr val="tx1"/>
+          </a:fontRef>
+        </p:style>
+        <p:txBody>
+          <a:bodyPr rtlCol="0" anchor="ctr"/>
+          <a:lstStyle/>
+          <a:p>
+            <a:pPr algn="ctr"/>
+            <a:endParaRPr lang="zh-CN" altLang="en-US"/>
+          </a:p>
+        </p:txBody>
+      </p:sp>
+      <p:sp>
+        <p:nvSpPr>
+          <p:cNvPr id="47" name="左大括号 46">
+            <a:extLst>
+              <a:ext uri="{FF2B5EF4-FFF2-40B4-BE49-F238E27FC236}">
+                <a16:creationId xmlns:a16="http://schemas.microsoft.com/office/drawing/2014/main" id="{581E0177-216B-4C95-AC2B-7263BCD939C4}"/>
+              </a:ext>
+            </a:extLst>
+          </p:cNvPr>
+          <p:cNvSpPr/>
+          <p:nvPr/>
+        </p:nvSpPr>
+        <p:spPr>
+          <a:xfrm rot="16200000">
+            <a:off x="2731999" y="5719669"/>
+            <a:ext cx="170915" cy="1079544"/>
+          </a:xfrm>
+          <a:prstGeom prst="leftBrace">
+            <a:avLst/>
+          </a:prstGeom>
+          <a:ln w="19050"/>
+        </p:spPr>
+        <p:style>
+          <a:lnRef idx="1">
+            <a:schemeClr val="accent1"/>
+          </a:lnRef>
+          <a:fillRef idx="0">
+            <a:schemeClr val="accent1"/>
+          </a:fillRef>
+          <a:effectRef idx="0">
+            <a:schemeClr val="accent1"/>
+          </a:effectRef>
+          <a:fontRef idx="minor">
+            <a:schemeClr val="tx1"/>
+          </a:fontRef>
+        </p:style>
+        <p:txBody>
+          <a:bodyPr rtlCol="0" anchor="ctr"/>
+          <a:lstStyle/>
+          <a:p>
+            <a:pPr algn="ctr"/>
+            <a:endParaRPr lang="zh-CN" altLang="en-US"/>
+          </a:p>
+        </p:txBody>
+      </p:sp>
+      <mc:AlternateContent xmlns:mc="http://schemas.openxmlformats.org/markup-compatibility/2006">
+        <mc:Choice xmlns:a14="http://schemas.microsoft.com/office/drawing/2010/main" Requires="a14">
+          <p:sp>
+            <p:nvSpPr>
+              <p:cNvPr id="48" name="矩形 47">
+                <a:extLst>
+                  <a:ext uri="{FF2B5EF4-FFF2-40B4-BE49-F238E27FC236}">
+                    <a16:creationId xmlns:a16="http://schemas.microsoft.com/office/drawing/2014/main" id="{1F0376EF-15EA-4E5A-9519-E8CB6C1C095D}"/>
+                  </a:ext>
+                </a:extLst>
+              </p:cNvPr>
+              <p:cNvSpPr/>
+              <p:nvPr/>
+            </p:nvSpPr>
+            <p:spPr>
+              <a:xfrm>
+                <a:off x="1167178" y="6486049"/>
+                <a:ext cx="853439" cy="369332"/>
+              </a:xfrm>
+              <a:prstGeom prst="rect">
+                <a:avLst/>
+              </a:prstGeom>
+            </p:spPr>
+            <p:txBody>
+              <a:bodyPr wrap="none">
+                <a:spAutoFit/>
+              </a:bodyPr>
+              <a:lstStyle/>
+              <a:p>
+                <a14:m>
+                  <m:oMathPara xmlns:m="http://schemas.openxmlformats.org/officeDocument/2006/math">
+                    <m:oMathParaPr>
+                      <m:jc m:val="centerGroup"/>
+                    </m:oMathParaPr>
+                    <m:oMath xmlns:m="http://schemas.openxmlformats.org/officeDocument/2006/math">
+                      <m:r>
+                        <a:rPr lang="en-US" altLang="zh-CN" b="0" i="1" smtClean="0">
+                          <a:latin typeface="Cambria Math" panose="02040503050406030204" pitchFamily="18" charset="0"/>
+                        </a:rPr>
+                        <m:t>𝑤</m:t>
+                      </m:r>
+                      <m:r>
+                        <a:rPr lang="en-US" altLang="zh-CN" b="0" i="1" smtClean="0">
+                          <a:latin typeface="Cambria Math" panose="02040503050406030204" pitchFamily="18" charset="0"/>
+                        </a:rPr>
+                        <m:t>=2</m:t>
+                      </m:r>
+                    </m:oMath>
+                  </m:oMathPara>
+                </a14:m>
+                <a:endParaRPr lang="zh-CN" altLang="en-US" dirty="0"/>
+              </a:p>
+            </p:txBody>
+          </p:sp>
+        </mc:Choice>
+        <mc:Fallback>
+          <p:sp>
+            <p:nvSpPr>
+              <p:cNvPr id="48" name="矩形 47">
+                <a:extLst>
+                  <a:ext uri="{FF2B5EF4-FFF2-40B4-BE49-F238E27FC236}">
+                    <a16:creationId xmlns:a16="http://schemas.microsoft.com/office/drawing/2014/main" id="{1F0376EF-15EA-4E5A-9519-E8CB6C1C095D}"/>
+                  </a:ext>
+                </a:extLst>
+              </p:cNvPr>
+              <p:cNvSpPr>
+                <a:spLocks noRot="1" noChangeAspect="1" noMove="1" noResize="1" noEditPoints="1" noAdjustHandles="1" noChangeArrowheads="1" noChangeShapeType="1" noTextEdit="1"/>
+              </p:cNvSpPr>
+              <p:nvPr/>
+            </p:nvSpPr>
+            <p:spPr>
+              <a:xfrm>
+                <a:off x="1167178" y="6486049"/>
+                <a:ext cx="853439" cy="369332"/>
+              </a:xfrm>
+              <a:prstGeom prst="rect">
+                <a:avLst/>
+              </a:prstGeom>
+              <a:blipFill>
+                <a:blip r:embed="rId13"/>
+                <a:stretch>
+                  <a:fillRect/>
+                </a:stretch>
+              </a:blipFill>
+            </p:spPr>
+            <p:txBody>
+              <a:bodyPr/>
+              <a:lstStyle/>
+              <a:p>
+                <a:r>
+                  <a:rPr lang="zh-CN" altLang="en-US">
+                    <a:noFill/>
+                  </a:rPr>
+                  <a:t> </a:t>
+                </a:r>
+              </a:p>
+            </p:txBody>
+          </p:sp>
+        </mc:Fallback>
+      </mc:AlternateContent>
+      <mc:AlternateContent xmlns:mc="http://schemas.openxmlformats.org/markup-compatibility/2006">
+        <mc:Choice xmlns:a14="http://schemas.microsoft.com/office/drawing/2010/main" Requires="a14">
+          <p:sp>
+            <p:nvSpPr>
+              <p:cNvPr id="49" name="矩形 48">
+                <a:extLst>
+                  <a:ext uri="{FF2B5EF4-FFF2-40B4-BE49-F238E27FC236}">
+                    <a16:creationId xmlns:a16="http://schemas.microsoft.com/office/drawing/2014/main" id="{F4C71E66-7FCA-4808-A05C-CA314A4B1C64}"/>
+                  </a:ext>
+                </a:extLst>
+              </p:cNvPr>
+              <p:cNvSpPr/>
+              <p:nvPr/>
+            </p:nvSpPr>
+            <p:spPr>
+              <a:xfrm>
+                <a:off x="2351400" y="6476688"/>
+                <a:ext cx="853439" cy="369332"/>
+              </a:xfrm>
+              <a:prstGeom prst="rect">
+                <a:avLst/>
+              </a:prstGeom>
+            </p:spPr>
+            <p:txBody>
+              <a:bodyPr wrap="none">
+                <a:spAutoFit/>
+              </a:bodyPr>
+              <a:lstStyle/>
+              <a:p>
+                <a14:m>
+                  <m:oMathPara xmlns:m="http://schemas.openxmlformats.org/officeDocument/2006/math">
+                    <m:oMathParaPr>
+                      <m:jc m:val="centerGroup"/>
+                    </m:oMathParaPr>
+                    <m:oMath xmlns:m="http://schemas.openxmlformats.org/officeDocument/2006/math">
+                      <m:r>
+                        <a:rPr lang="en-US" altLang="zh-CN" b="0" i="1" smtClean="0">
+                          <a:latin typeface="Cambria Math" panose="02040503050406030204" pitchFamily="18" charset="0"/>
+                        </a:rPr>
+                        <m:t>𝑤</m:t>
+                      </m:r>
+                      <m:r>
+                        <a:rPr lang="en-US" altLang="zh-CN" b="0" i="1" smtClean="0">
+                          <a:latin typeface="Cambria Math" panose="02040503050406030204" pitchFamily="18" charset="0"/>
+                        </a:rPr>
+                        <m:t>=2</m:t>
+                      </m:r>
+                    </m:oMath>
+                  </m:oMathPara>
+                </a14:m>
+                <a:endParaRPr lang="zh-CN" altLang="en-US" dirty="0"/>
+              </a:p>
+            </p:txBody>
+          </p:sp>
+        </mc:Choice>
+        <mc:Fallback>
+          <p:sp>
+            <p:nvSpPr>
+              <p:cNvPr id="49" name="矩形 48">
+                <a:extLst>
+                  <a:ext uri="{FF2B5EF4-FFF2-40B4-BE49-F238E27FC236}">
+                    <a16:creationId xmlns:a16="http://schemas.microsoft.com/office/drawing/2014/main" id="{F4C71E66-7FCA-4808-A05C-CA314A4B1C64}"/>
+                  </a:ext>
+                </a:extLst>
+              </p:cNvPr>
+              <p:cNvSpPr>
+                <a:spLocks noRot="1" noChangeAspect="1" noMove="1" noResize="1" noEditPoints="1" noAdjustHandles="1" noChangeArrowheads="1" noChangeShapeType="1" noTextEdit="1"/>
+              </p:cNvSpPr>
+              <p:nvPr/>
+            </p:nvSpPr>
+            <p:spPr>
+              <a:xfrm>
+                <a:off x="2351400" y="6476688"/>
+                <a:ext cx="853439" cy="369332"/>
+              </a:xfrm>
+              <a:prstGeom prst="rect">
+                <a:avLst/>
+              </a:prstGeom>
+              <a:blipFill>
+                <a:blip r:embed="rId14"/>
+                <a:stretch>
+                  <a:fillRect/>
+                </a:stretch>
+              </a:blipFill>
+            </p:spPr>
+            <p:txBody>
+              <a:bodyPr/>
+              <a:lstStyle/>
+              <a:p>
+                <a:r>
+                  <a:rPr lang="zh-CN" altLang="en-US">
+                    <a:noFill/>
+                  </a:rPr>
+                  <a:t> </a:t>
+                </a:r>
+              </a:p>
+            </p:txBody>
+          </p:sp>
+        </mc:Fallback>
+      </mc:AlternateContent>
+      <mc:AlternateContent xmlns:mc="http://schemas.openxmlformats.org/markup-compatibility/2006">
+        <mc:Choice xmlns:a14="http://schemas.microsoft.com/office/drawing/2010/main" Requires="a14">
+          <p:sp>
+            <p:nvSpPr>
+              <p:cNvPr id="50" name="矩形 49">
+                <a:extLst>
+                  <a:ext uri="{FF2B5EF4-FFF2-40B4-BE49-F238E27FC236}">
+                    <a16:creationId xmlns:a16="http://schemas.microsoft.com/office/drawing/2014/main" id="{45069297-90B7-4DC5-B9FA-D304003A5457}"/>
+                  </a:ext>
+                </a:extLst>
+              </p:cNvPr>
+              <p:cNvSpPr/>
+              <p:nvPr/>
+            </p:nvSpPr>
+            <p:spPr>
+              <a:xfrm>
+                <a:off x="4655223" y="5107586"/>
+                <a:ext cx="2775632" cy="369332"/>
+              </a:xfrm>
+              <a:prstGeom prst="rect">
+                <a:avLst/>
+              </a:prstGeom>
+            </p:spPr>
+            <p:txBody>
+              <a:bodyPr wrap="none">
+                <a:spAutoFit/>
+              </a:bodyPr>
+              <a:lstStyle/>
+              <a:p>
+                <a14:m>
+                  <m:oMath xmlns:m="http://schemas.openxmlformats.org/officeDocument/2006/math">
+                    <m:r>
+                      <m:rPr>
+                        <m:sty m:val="p"/>
+                      </m:rPr>
+                      <a:rPr lang="en-US" altLang="zh-CN" smtClean="0">
+                        <a:latin typeface="Cambria Math" panose="02040503050406030204" pitchFamily="18" charset="0"/>
+                      </a:rPr>
+                      <m:t>Pr</m:t>
+                    </m:r>
+                    <m:r>
+                      <a:rPr lang="en-US" altLang="zh-CN" i="1">
+                        <a:latin typeface="Cambria Math" panose="02040503050406030204" pitchFamily="18" charset="0"/>
+                      </a:rPr>
+                      <m:t>⁡(</m:t>
+                    </m:r>
+                    <m:sSub>
+                      <m:sSubPr>
+                        <m:ctrlPr>
+                          <a:rPr lang="en-US" altLang="zh-CN" i="1">
+                            <a:latin typeface="Cambria Math" panose="02040503050406030204" pitchFamily="18" charset="0"/>
+                          </a:rPr>
+                        </m:ctrlPr>
+                      </m:sSubPr>
+                      <m:e>
+                        <m:r>
+                          <a:rPr lang="en-US" altLang="zh-CN" b="0" i="1" smtClean="0">
+                            <a:latin typeface="Cambria Math" panose="02040503050406030204" pitchFamily="18" charset="0"/>
+                          </a:rPr>
+                          <m:t>{</m:t>
+                        </m:r>
+                        <m:r>
+                          <a:rPr lang="en-US" altLang="zh-CN" i="1">
+                            <a:latin typeface="Cambria Math" panose="02040503050406030204" pitchFamily="18" charset="0"/>
+                          </a:rPr>
+                          <m:t>𝑣</m:t>
+                        </m:r>
+                      </m:e>
+                      <m:sub>
+                        <m:r>
+                          <a:rPr lang="en-US" altLang="zh-CN" i="1" smtClean="0">
+                            <a:latin typeface="Cambria Math" panose="02040503050406030204" pitchFamily="18" charset="0"/>
+                          </a:rPr>
+                          <m:t>1</m:t>
+                        </m:r>
+                      </m:sub>
+                    </m:sSub>
+                    <m:r>
+                      <a:rPr lang="en-US" altLang="zh-CN" b="0" i="1" smtClean="0">
+                        <a:latin typeface="Cambria Math" panose="02040503050406030204" pitchFamily="18" charset="0"/>
+                      </a:rPr>
+                      <m:t>,</m:t>
+                    </m:r>
+                    <m:sSub>
+                      <m:sSubPr>
+                        <m:ctrlPr>
+                          <a:rPr lang="en-US" altLang="zh-CN" b="0" i="1" smtClean="0">
+                            <a:latin typeface="Cambria Math" panose="02040503050406030204" pitchFamily="18" charset="0"/>
+                          </a:rPr>
+                        </m:ctrlPr>
+                      </m:sSubPr>
+                      <m:e>
+                        <m:r>
+                          <a:rPr lang="en-US" altLang="zh-CN" b="0" i="1" smtClean="0">
+                            <a:latin typeface="Cambria Math" panose="02040503050406030204" pitchFamily="18" charset="0"/>
+                          </a:rPr>
+                          <m:t>𝑣</m:t>
+                        </m:r>
+                      </m:e>
+                      <m:sub>
+                        <m:r>
+                          <a:rPr lang="en-US" altLang="zh-CN" b="0" i="1" smtClean="0">
+                            <a:latin typeface="Cambria Math" panose="02040503050406030204" pitchFamily="18" charset="0"/>
+                          </a:rPr>
+                          <m:t>2</m:t>
+                        </m:r>
+                      </m:sub>
+                    </m:sSub>
+                    <m:r>
+                      <a:rPr lang="en-US" altLang="zh-CN" b="0" i="1" smtClean="0">
+                        <a:latin typeface="Cambria Math" panose="02040503050406030204" pitchFamily="18" charset="0"/>
+                      </a:rPr>
+                      <m:t>,</m:t>
+                    </m:r>
+                    <m:sSub>
+                      <m:sSubPr>
+                        <m:ctrlPr>
+                          <a:rPr lang="en-US" altLang="zh-CN" b="0" i="1" smtClean="0">
+                            <a:latin typeface="Cambria Math" panose="02040503050406030204" pitchFamily="18" charset="0"/>
+                          </a:rPr>
+                        </m:ctrlPr>
+                      </m:sSubPr>
+                      <m:e>
+                        <m:r>
+                          <a:rPr lang="en-US" altLang="zh-CN" b="0" i="1" smtClean="0">
+                            <a:latin typeface="Cambria Math" panose="02040503050406030204" pitchFamily="18" charset="0"/>
+                          </a:rPr>
+                          <m:t>𝑣</m:t>
+                        </m:r>
+                      </m:e>
+                      <m:sub>
+                        <m:r>
+                          <a:rPr lang="en-US" altLang="zh-CN" b="0" i="1" smtClean="0">
+                            <a:latin typeface="Cambria Math" panose="02040503050406030204" pitchFamily="18" charset="0"/>
+                          </a:rPr>
+                          <m:t>4</m:t>
+                        </m:r>
+                      </m:sub>
+                    </m:sSub>
+                    <m:r>
+                      <a:rPr lang="en-US" altLang="zh-CN" b="0" i="1" smtClean="0">
+                        <a:latin typeface="Cambria Math" panose="02040503050406030204" pitchFamily="18" charset="0"/>
+                      </a:rPr>
+                      <m:t>,</m:t>
+                    </m:r>
+                    <m:sSub>
+                      <m:sSubPr>
+                        <m:ctrlPr>
+                          <a:rPr lang="en-US" altLang="zh-CN" b="0" i="1" smtClean="0">
+                            <a:latin typeface="Cambria Math" panose="02040503050406030204" pitchFamily="18" charset="0"/>
+                          </a:rPr>
+                        </m:ctrlPr>
+                      </m:sSubPr>
+                      <m:e>
+                        <m:r>
+                          <a:rPr lang="en-US" altLang="zh-CN" b="0" i="1" smtClean="0">
+                            <a:latin typeface="Cambria Math" panose="02040503050406030204" pitchFamily="18" charset="0"/>
+                          </a:rPr>
+                          <m:t>𝑣</m:t>
+                        </m:r>
+                      </m:e>
+                      <m:sub>
+                        <m:r>
+                          <a:rPr lang="en-US" altLang="zh-CN" b="0" i="1" smtClean="0">
+                            <a:latin typeface="Cambria Math" panose="02040503050406030204" pitchFamily="18" charset="0"/>
+                          </a:rPr>
+                          <m:t>5</m:t>
+                        </m:r>
+                      </m:sub>
+                    </m:sSub>
+                    <m:r>
+                      <a:rPr lang="en-US" altLang="zh-CN" i="1" smtClean="0">
+                        <a:latin typeface="Cambria Math" panose="02040503050406030204" pitchFamily="18" charset="0"/>
+                      </a:rPr>
+                      <m:t>}</m:t>
+                    </m:r>
+                    <m:r>
+                      <a:rPr lang="en-US" altLang="zh-CN" i="1">
+                        <a:latin typeface="Cambria Math" panose="02040503050406030204" pitchFamily="18" charset="0"/>
+                      </a:rPr>
+                      <m:t>|</m:t>
+                    </m:r>
+                    <m:r>
+                      <m:rPr>
+                        <m:sty m:val="p"/>
+                      </m:rPr>
+                      <a:rPr lang="en-US" altLang="zh-CN">
+                        <a:latin typeface="Cambria Math" panose="02040503050406030204" pitchFamily="18" charset="0"/>
+                      </a:rPr>
+                      <m:t>Φ</m:t>
+                    </m:r>
+                    <m:d>
+                      <m:dPr>
+                        <m:ctrlPr>
+                          <a:rPr lang="en-US" altLang="zh-CN" i="1">
+                            <a:latin typeface="Cambria Math" panose="02040503050406030204" pitchFamily="18" charset="0"/>
+                          </a:rPr>
+                        </m:ctrlPr>
+                      </m:dPr>
+                      <m:e>
+                        <m:sSub>
+                          <m:sSubPr>
+                            <m:ctrlPr>
+                              <a:rPr lang="en-US" altLang="zh-CN" i="1">
+                                <a:latin typeface="Cambria Math" panose="02040503050406030204" pitchFamily="18" charset="0"/>
+                              </a:rPr>
+                            </m:ctrlPr>
+                          </m:sSubPr>
+                          <m:e>
+                            <m:r>
+                              <a:rPr lang="en-US" altLang="zh-CN" i="1">
+                                <a:latin typeface="Cambria Math" panose="02040503050406030204" pitchFamily="18" charset="0"/>
+                              </a:rPr>
+                              <m:t>𝑣</m:t>
+                            </m:r>
+                          </m:e>
+                          <m:sub>
+                            <m:r>
+                              <a:rPr lang="en-US" altLang="zh-CN" b="0" i="1" smtClean="0">
+                                <a:latin typeface="Cambria Math" panose="02040503050406030204" pitchFamily="18" charset="0"/>
+                              </a:rPr>
+                              <m:t>3</m:t>
+                            </m:r>
+                          </m:sub>
+                        </m:sSub>
+                      </m:e>
+                    </m:d>
+                    <m:r>
+                      <a:rPr lang="en-US" altLang="zh-CN" i="1">
+                        <a:latin typeface="Cambria Math" panose="02040503050406030204" pitchFamily="18" charset="0"/>
+                      </a:rPr>
+                      <m:t>)</m:t>
+                    </m:r>
+                  </m:oMath>
+                </a14:m>
+                <a:r>
+                  <a:rPr lang="zh-CN" altLang="en-US" dirty="0"/>
+                  <a:t> </a:t>
+                </a:r>
+              </a:p>
+            </p:txBody>
+          </p:sp>
+        </mc:Choice>
+        <mc:Fallback>
+          <p:sp>
+            <p:nvSpPr>
+              <p:cNvPr id="50" name="矩形 49">
+                <a:extLst>
+                  <a:ext uri="{FF2B5EF4-FFF2-40B4-BE49-F238E27FC236}">
+                    <a16:creationId xmlns:a16="http://schemas.microsoft.com/office/drawing/2014/main" id="{45069297-90B7-4DC5-B9FA-D304003A5457}"/>
+                  </a:ext>
+                </a:extLst>
+              </p:cNvPr>
+              <p:cNvSpPr>
+                <a:spLocks noRot="1" noChangeAspect="1" noMove="1" noResize="1" noEditPoints="1" noAdjustHandles="1" noChangeArrowheads="1" noChangeShapeType="1" noTextEdit="1"/>
+              </p:cNvSpPr>
+              <p:nvPr/>
+            </p:nvSpPr>
+            <p:spPr>
+              <a:xfrm>
+                <a:off x="4655223" y="5107586"/>
+                <a:ext cx="2775632" cy="369332"/>
+              </a:xfrm>
+              <a:prstGeom prst="rect">
+                <a:avLst/>
+              </a:prstGeom>
+              <a:blipFill>
+                <a:blip r:embed="rId15"/>
+                <a:stretch>
+                  <a:fillRect b="-16667"/>
+                </a:stretch>
+              </a:blipFill>
+            </p:spPr>
+            <p:txBody>
+              <a:bodyPr/>
+              <a:lstStyle/>
+              <a:p>
+                <a:r>
+                  <a:rPr lang="zh-CN" altLang="en-US">
+                    <a:noFill/>
+                  </a:rPr>
+                  <a:t> </a:t>
+                </a:r>
+              </a:p>
+            </p:txBody>
+          </p:sp>
+        </mc:Fallback>
+      </mc:AlternateContent>
+      <p:sp>
+        <p:nvSpPr>
+          <p:cNvPr id="51" name="矩形 50">
+            <a:extLst>
+              <a:ext uri="{FF2B5EF4-FFF2-40B4-BE49-F238E27FC236}">
+                <a16:creationId xmlns:a16="http://schemas.microsoft.com/office/drawing/2014/main" id="{782DED63-F207-4D5A-910D-B47123A5AD20}"/>
+              </a:ext>
+            </a:extLst>
+          </p:cNvPr>
+          <p:cNvSpPr/>
+          <p:nvPr/>
+        </p:nvSpPr>
+        <p:spPr>
+          <a:xfrm>
+            <a:off x="7320824" y="5115258"/>
+            <a:ext cx="3694839" cy="1477328"/>
+          </a:xfrm>
+          <a:prstGeom prst="rect">
+            <a:avLst/>
+          </a:prstGeom>
+        </p:spPr>
+        <p:txBody>
+          <a:bodyPr wrap="square">
+            <a:spAutoFit/>
+          </a:bodyPr>
+          <a:lstStyle/>
+          <a:p>
+            <a:r>
+              <a:rPr lang="en-US" altLang="zh-CN" dirty="0">
+                <a:latin typeface="Times New Roman" panose="02020603050405020304" pitchFamily="18" charset="0"/>
+                <a:cs typeface="Times New Roman" panose="02020603050405020304" pitchFamily="18" charset="0"/>
+              </a:rPr>
+              <a:t>Independent vertex order, better capture the ‘nearness’ provided by random walks.</a:t>
+            </a:r>
+          </a:p>
+          <a:p>
+            <a:r>
+              <a:rPr lang="en-US" altLang="zh-CN" dirty="0">
+                <a:latin typeface="Times New Roman" panose="02020603050405020304" pitchFamily="18" charset="0"/>
+                <a:cs typeface="Times New Roman" panose="02020603050405020304" pitchFamily="18" charset="0"/>
+              </a:rPr>
+              <a:t>Training faster, given one vertex at a time.</a:t>
+            </a:r>
+            <a:endParaRPr lang="zh-CN" altLang="en-US" dirty="0"/>
+          </a:p>
+        </p:txBody>
+      </p:sp>
     </p:spTree>
     <p:extLst>
       <p:ext uri="{BB962C8B-B14F-4D97-AF65-F5344CB8AC3E}">
@@ -11271,181 +13013,210 @@
           <a:chExt cx="0" cy="0"/>
         </a:xfrm>
       </p:grpSpPr>
-      <p:sp>
-        <p:nvSpPr>
-          <p:cNvPr id="3" name="矩形 2">
-            <a:extLst>
-              <a:ext uri="{FF2B5EF4-FFF2-40B4-BE49-F238E27FC236}">
-                <a16:creationId xmlns:a16="http://schemas.microsoft.com/office/drawing/2014/main" id="{2AB96A78-4533-4262-BEE1-E255FF1F2797}"/>
-              </a:ext>
-            </a:extLst>
-          </p:cNvPr>
-          <p:cNvSpPr/>
+      <p:pic>
+        <p:nvPicPr>
+          <p:cNvPr id="2" name="图片 1">
+            <a:extLst>
+              <a:ext uri="{FF2B5EF4-FFF2-40B4-BE49-F238E27FC236}">
+                <a16:creationId xmlns:a16="http://schemas.microsoft.com/office/drawing/2014/main" id="{E89333E0-AEB5-403A-806D-05BE0113364D}"/>
+              </a:ext>
+            </a:extLst>
+          </p:cNvPr>
+          <p:cNvPicPr>
+            <a:picLocks noChangeAspect="1"/>
+          </p:cNvPicPr>
           <p:nvPr/>
-        </p:nvSpPr>
+        </p:nvPicPr>
+        <p:blipFill>
+          <a:blip r:embed="rId3"/>
+          <a:stretch>
+            <a:fillRect/>
+          </a:stretch>
+        </p:blipFill>
         <p:spPr>
           <a:xfrm>
-            <a:off x="397123" y="362738"/>
-            <a:ext cx="5414303" cy="400110"/>
+            <a:off x="88106" y="71438"/>
+            <a:ext cx="6245442" cy="4529137"/>
           </a:xfrm>
           <a:prstGeom prst="rect">
             <a:avLst/>
           </a:prstGeom>
         </p:spPr>
-        <p:txBody>
-          <a:bodyPr wrap="none">
-            <a:spAutoFit/>
-          </a:bodyPr>
-          <a:lstStyle/>
-          <a:p>
-            <a:r>
-              <a:rPr lang="en-US" altLang="zh-CN" sz="2000" b="1" dirty="0">
-                <a:latin typeface="Times New Roman" panose="02020603050405020304" pitchFamily="18" charset="0"/>
-                <a:ea typeface="黑体" panose="02010609060101010101" pitchFamily="49" charset="-122"/>
-                <a:cs typeface="Times New Roman" panose="02020603050405020304" pitchFamily="18" charset="0"/>
-              </a:rPr>
-              <a:t>3. LEARNING SOCIAL REPRESENTATIONS</a:t>
-            </a:r>
-            <a:endParaRPr lang="zh-CN" altLang="en-US" sz="2000" dirty="0"/>
-          </a:p>
-        </p:txBody>
-      </p:sp>
-      <p:sp>
-        <p:nvSpPr>
-          <p:cNvPr id="4" name="矩形 3">
-            <a:extLst>
-              <a:ext uri="{FF2B5EF4-FFF2-40B4-BE49-F238E27FC236}">
-                <a16:creationId xmlns:a16="http://schemas.microsoft.com/office/drawing/2014/main" id="{FF856B01-100C-4B87-9B55-A6A8351979CE}"/>
-              </a:ext>
-            </a:extLst>
-          </p:cNvPr>
-          <p:cNvSpPr/>
+      </p:pic>
+      <p:pic>
+        <p:nvPicPr>
+          <p:cNvPr id="5" name="图片 4">
+            <a:extLst>
+              <a:ext uri="{FF2B5EF4-FFF2-40B4-BE49-F238E27FC236}">
+                <a16:creationId xmlns:a16="http://schemas.microsoft.com/office/drawing/2014/main" id="{15BB02BB-0D15-4807-906F-368683D78528}"/>
+              </a:ext>
+            </a:extLst>
+          </p:cNvPr>
+          <p:cNvPicPr>
+            <a:picLocks noChangeAspect="1"/>
+          </p:cNvPicPr>
           <p:nvPr/>
-        </p:nvSpPr>
+        </p:nvPicPr>
+        <p:blipFill>
+          <a:blip r:embed="rId4"/>
+          <a:stretch>
+            <a:fillRect/>
+          </a:stretch>
+        </p:blipFill>
         <p:spPr>
           <a:xfrm>
-            <a:off x="828298" y="845083"/>
-            <a:ext cx="2185214" cy="1477328"/>
+            <a:off x="252411" y="4533900"/>
+            <a:ext cx="6019801" cy="2066723"/>
           </a:xfrm>
           <a:prstGeom prst="rect">
             <a:avLst/>
           </a:prstGeom>
         </p:spPr>
-        <p:txBody>
-          <a:bodyPr wrap="none">
-            <a:spAutoFit/>
-          </a:bodyPr>
-          <a:lstStyle/>
-          <a:p>
-            <a:r>
-              <a:rPr lang="en-US" altLang="zh-CN" dirty="0">
-                <a:latin typeface="Times New Roman" panose="02020603050405020304" pitchFamily="18" charset="0"/>
-                <a:ea typeface="黑体" panose="02010609060101010101" pitchFamily="49" charset="-122"/>
-                <a:cs typeface="Times New Roman" panose="02020603050405020304" pitchFamily="18" charset="0"/>
-              </a:rPr>
-              <a:t>Some characteristics:</a:t>
-            </a:r>
-          </a:p>
-          <a:p>
-            <a:pPr marL="285750" indent="-285750">
-              <a:buFont typeface="Arial" panose="020B0604020202020204" pitchFamily="34" charset="0"/>
-              <a:buChar char="•"/>
-            </a:pPr>
-            <a:r>
-              <a:rPr lang="en-US" altLang="zh-CN" dirty="0">
-                <a:latin typeface="Times New Roman" panose="02020603050405020304" pitchFamily="18" charset="0"/>
-                <a:ea typeface="微软雅黑" panose="020B0503020204020204" pitchFamily="34" charset="-122"/>
-                <a:cs typeface="Times New Roman" panose="02020603050405020304" pitchFamily="18" charset="0"/>
-              </a:rPr>
-              <a:t>Adaptability</a:t>
-            </a:r>
-          </a:p>
-          <a:p>
-            <a:pPr marL="285750" indent="-285750">
-              <a:buFont typeface="Arial" panose="020B0604020202020204" pitchFamily="34" charset="0"/>
-              <a:buChar char="•"/>
-            </a:pPr>
-            <a:r>
-              <a:rPr lang="en-US" altLang="zh-CN" dirty="0">
-                <a:latin typeface="Times New Roman" panose="02020603050405020304" pitchFamily="18" charset="0"/>
-                <a:ea typeface="微软雅黑" panose="020B0503020204020204" pitchFamily="34" charset="-122"/>
-                <a:cs typeface="Times New Roman" panose="02020603050405020304" pitchFamily="18" charset="0"/>
-              </a:rPr>
-              <a:t>Community aware</a:t>
-            </a:r>
-          </a:p>
-          <a:p>
-            <a:pPr marL="285750" indent="-285750">
-              <a:buFont typeface="Arial" panose="020B0604020202020204" pitchFamily="34" charset="0"/>
-              <a:buChar char="•"/>
-            </a:pPr>
-            <a:r>
-              <a:rPr lang="en-US" altLang="zh-CN" dirty="0">
-                <a:latin typeface="Times New Roman" panose="02020603050405020304" pitchFamily="18" charset="0"/>
-                <a:ea typeface="微软雅黑" panose="020B0503020204020204" pitchFamily="34" charset="-122"/>
-                <a:cs typeface="Times New Roman" panose="02020603050405020304" pitchFamily="18" charset="0"/>
-              </a:rPr>
-              <a:t>Low dimensional</a:t>
-            </a:r>
-          </a:p>
-          <a:p>
-            <a:pPr marL="285750" indent="-285750">
-              <a:buFont typeface="Arial" panose="020B0604020202020204" pitchFamily="34" charset="0"/>
-              <a:buChar char="•"/>
-            </a:pPr>
-            <a:r>
-              <a:rPr lang="en-US" altLang="zh-CN" dirty="0">
-                <a:latin typeface="Times New Roman" panose="02020603050405020304" pitchFamily="18" charset="0"/>
-                <a:ea typeface="微软雅黑" panose="020B0503020204020204" pitchFamily="34" charset="-122"/>
-                <a:cs typeface="Times New Roman" panose="02020603050405020304" pitchFamily="18" charset="0"/>
-              </a:rPr>
-              <a:t>Continuous</a:t>
-            </a:r>
-            <a:endParaRPr lang="zh-CN" altLang="en-US" dirty="0">
-              <a:latin typeface="Times New Roman" panose="02020603050405020304" pitchFamily="18" charset="0"/>
-              <a:ea typeface="微软雅黑" panose="020B0503020204020204" pitchFamily="34" charset="-122"/>
-              <a:cs typeface="Times New Roman" panose="02020603050405020304" pitchFamily="18" charset="0"/>
-            </a:endParaRPr>
-          </a:p>
-        </p:txBody>
-      </p:sp>
-      <p:sp>
-        <p:nvSpPr>
-          <p:cNvPr id="25" name="矩形 24">
-            <a:extLst>
-              <a:ext uri="{FF2B5EF4-FFF2-40B4-BE49-F238E27FC236}">
-                <a16:creationId xmlns:a16="http://schemas.microsoft.com/office/drawing/2014/main" id="{1698171E-4F7C-4304-819A-4F81B8E24709}"/>
-              </a:ext>
-            </a:extLst>
-          </p:cNvPr>
-          <p:cNvSpPr/>
-          <p:nvPr/>
-        </p:nvSpPr>
-        <p:spPr>
-          <a:xfrm>
-            <a:off x="397123" y="2546942"/>
-            <a:ext cx="2933350" cy="369332"/>
-          </a:xfrm>
-          <a:prstGeom prst="rect">
-            <a:avLst/>
-          </a:prstGeom>
-        </p:spPr>
-        <p:txBody>
-          <a:bodyPr wrap="square">
-            <a:spAutoFit/>
-          </a:bodyPr>
-          <a:lstStyle/>
-          <a:p>
-            <a:r>
-              <a:rPr lang="zh-CN" altLang="en-US" b="1" dirty="0">
-                <a:latin typeface="Times New Roman" panose="02020603050405020304" pitchFamily="18" charset="0"/>
-                <a:cs typeface="Times New Roman" panose="02020603050405020304" pitchFamily="18" charset="0"/>
-              </a:rPr>
-              <a:t>3.2 Connection: Power laws</a:t>
-            </a:r>
-          </a:p>
-        </p:txBody>
-      </p:sp>
+      </p:pic>
+      <mc:AlternateContent xmlns:mc="http://schemas.openxmlformats.org/markup-compatibility/2006">
+        <mc:Choice xmlns:a14="http://schemas.microsoft.com/office/drawing/2010/main" Requires="a14">
+          <p:sp>
+            <p:nvSpPr>
+              <p:cNvPr id="6" name="矩形 5">
+                <a:extLst>
+                  <a:ext uri="{FF2B5EF4-FFF2-40B4-BE49-F238E27FC236}">
+                    <a16:creationId xmlns:a16="http://schemas.microsoft.com/office/drawing/2014/main" id="{EC25B0B3-ABCC-4EBC-88FC-9E5470CA4BC1}"/>
+                  </a:ext>
+                </a:extLst>
+              </p:cNvPr>
+              <p:cNvSpPr/>
+              <p:nvPr/>
+            </p:nvSpPr>
+            <p:spPr>
+              <a:xfrm>
+                <a:off x="6226391" y="257377"/>
+                <a:ext cx="3382464" cy="646331"/>
+              </a:xfrm>
+              <a:prstGeom prst="rect">
+                <a:avLst/>
+              </a:prstGeom>
+            </p:spPr>
+            <p:txBody>
+              <a:bodyPr wrap="none">
+                <a:spAutoFit/>
+              </a:bodyPr>
+              <a:lstStyle/>
+              <a:p>
+                <a:r>
+                  <a:rPr lang="en-US" altLang="zh-CN" dirty="0">
+                    <a:latin typeface="Times New Roman" panose="02020603050405020304" pitchFamily="18" charset="0"/>
+                    <a:cs typeface="Times New Roman" panose="02020603050405020304" pitchFamily="18" charset="0"/>
+                  </a:rPr>
+                  <a:t>Line 3: </a:t>
+                </a:r>
+                <a14:m>
+                  <m:oMath xmlns:m="http://schemas.openxmlformats.org/officeDocument/2006/math">
+                    <m:r>
+                      <a:rPr lang="zh-CN" altLang="en-US" i="1" dirty="0" smtClean="0">
+                        <a:latin typeface="Cambria Math" panose="02040503050406030204" pitchFamily="18" charset="0"/>
+                      </a:rPr>
+                      <m:t>𝛾</m:t>
+                    </m:r>
+                  </m:oMath>
+                </a14:m>
+                <a:r>
+                  <a:rPr lang="zh-CN" altLang="en-US" dirty="0"/>
+                  <a:t> </a:t>
+                </a:r>
+                <a:r>
+                  <a:rPr lang="en-US" altLang="zh-CN" dirty="0">
+                    <a:latin typeface="Times New Roman" panose="02020603050405020304" pitchFamily="18" charset="0"/>
+                    <a:cs typeface="Times New Roman" panose="02020603050405020304" pitchFamily="18" charset="0"/>
+                  </a:rPr>
+                  <a:t>random walks per vertex</a:t>
+                </a:r>
+              </a:p>
+              <a:p>
+                <a:r>
+                  <a:rPr lang="en-US" altLang="zh-CN">
+                    <a:latin typeface="Times New Roman" panose="02020603050405020304" pitchFamily="18" charset="0"/>
+                    <a:cs typeface="Times New Roman" panose="02020603050405020304" pitchFamily="18" charset="0"/>
+                  </a:rPr>
+                  <a:t>Line 6</a:t>
+                </a:r>
+                <a:r>
+                  <a:rPr lang="en-US" altLang="zh-CN" dirty="0">
+                    <a:latin typeface="Times New Roman" panose="02020603050405020304" pitchFamily="18" charset="0"/>
+                    <a:cs typeface="Times New Roman" panose="02020603050405020304" pitchFamily="18" charset="0"/>
+                  </a:rPr>
+                  <a:t>: </a:t>
+                </a:r>
+                <a14:m>
+                  <m:oMath xmlns:m="http://schemas.openxmlformats.org/officeDocument/2006/math">
+                    <m:r>
+                      <a:rPr lang="en-US" altLang="zh-CN" b="0" i="1" smtClean="0">
+                        <a:latin typeface="Cambria Math" panose="02040503050406030204" pitchFamily="18" charset="0"/>
+                        <a:cs typeface="Times New Roman" panose="02020603050405020304" pitchFamily="18" charset="0"/>
+                      </a:rPr>
+                      <m:t>𝑡</m:t>
+                    </m:r>
+                  </m:oMath>
+                </a14:m>
+                <a:r>
+                  <a:rPr lang="en-US" altLang="zh-CN" dirty="0">
+                    <a:latin typeface="Times New Roman" panose="02020603050405020304" pitchFamily="18" charset="0"/>
+                    <a:cs typeface="Times New Roman" panose="02020603050405020304" pitchFamily="18" charset="0"/>
+                  </a:rPr>
+                  <a:t> length of random walks</a:t>
+                </a:r>
+                <a:endParaRPr lang="zh-CN" altLang="en-US" dirty="0">
+                  <a:latin typeface="Times New Roman" panose="02020603050405020304" pitchFamily="18" charset="0"/>
+                  <a:cs typeface="Times New Roman" panose="02020603050405020304" pitchFamily="18" charset="0"/>
+                </a:endParaRPr>
+              </a:p>
+            </p:txBody>
+          </p:sp>
+        </mc:Choice>
+        <mc:Fallback>
+          <p:sp>
+            <p:nvSpPr>
+              <p:cNvPr id="6" name="矩形 5">
+                <a:extLst>
+                  <a:ext uri="{FF2B5EF4-FFF2-40B4-BE49-F238E27FC236}">
+                    <a16:creationId xmlns:a16="http://schemas.microsoft.com/office/drawing/2014/main" id="{EC25B0B3-ABCC-4EBC-88FC-9E5470CA4BC1}"/>
+                  </a:ext>
+                </a:extLst>
+              </p:cNvPr>
+              <p:cNvSpPr>
+                <a:spLocks noRot="1" noChangeAspect="1" noMove="1" noResize="1" noEditPoints="1" noAdjustHandles="1" noChangeArrowheads="1" noChangeShapeType="1" noTextEdit="1"/>
+              </p:cNvSpPr>
+              <p:nvPr/>
+            </p:nvSpPr>
+            <p:spPr>
+              <a:xfrm>
+                <a:off x="6226391" y="257377"/>
+                <a:ext cx="3382464" cy="646331"/>
+              </a:xfrm>
+              <a:prstGeom prst="rect">
+                <a:avLst/>
+              </a:prstGeom>
+              <a:blipFill>
+                <a:blip r:embed="rId5"/>
+                <a:stretch>
+                  <a:fillRect l="-1441" t="-5660" r="-901" b="-14151"/>
+                </a:stretch>
+              </a:blipFill>
+            </p:spPr>
+            <p:txBody>
+              <a:bodyPr/>
+              <a:lstStyle/>
+              <a:p>
+                <a:r>
+                  <a:rPr lang="zh-CN" altLang="en-US">
+                    <a:noFill/>
+                  </a:rPr>
+                  <a:t> </a:t>
+                </a:r>
+              </a:p>
+            </p:txBody>
+          </p:sp>
+        </mc:Fallback>
+      </mc:AlternateContent>
     </p:spTree>
     <p:extLst>
       <p:ext uri="{BB962C8B-B14F-4D97-AF65-F5344CB8AC3E}">

--- a/1_deepwalk/deepwalk.pptx
+++ b/1_deepwalk/deepwalk.pptx
@@ -214,7 +214,7 @@
           <a:p>
             <a:fld id="{90CFEA02-8822-4D13-9DAA-0D1CF00E99ED}" type="datetimeFigureOut">
               <a:rPr lang="zh-CN" altLang="en-US" smtClean="0"/>
-              <a:t>2021/9/16</a:t>
+              <a:t>2021/9/17</a:t>
             </a:fld>
             <a:endParaRPr lang="zh-CN" altLang="en-US"/>
           </a:p>
@@ -812,7 +812,7 @@
           <a:p>
             <a:fld id="{0B3207B4-5D25-4EF4-A88C-C57336970A58}" type="datetimeFigureOut">
               <a:rPr lang="zh-CN" altLang="en-US" smtClean="0"/>
-              <a:t>2021/9/16</a:t>
+              <a:t>2021/9/17</a:t>
             </a:fld>
             <a:endParaRPr lang="zh-CN" altLang="en-US"/>
           </a:p>
@@ -1010,7 +1010,7 @@
           <a:p>
             <a:fld id="{0B3207B4-5D25-4EF4-A88C-C57336970A58}" type="datetimeFigureOut">
               <a:rPr lang="zh-CN" altLang="en-US" smtClean="0"/>
-              <a:t>2021/9/16</a:t>
+              <a:t>2021/9/17</a:t>
             </a:fld>
             <a:endParaRPr lang="zh-CN" altLang="en-US"/>
           </a:p>
@@ -1218,7 +1218,7 @@
           <a:p>
             <a:fld id="{0B3207B4-5D25-4EF4-A88C-C57336970A58}" type="datetimeFigureOut">
               <a:rPr lang="zh-CN" altLang="en-US" smtClean="0"/>
-              <a:t>2021/9/16</a:t>
+              <a:t>2021/9/17</a:t>
             </a:fld>
             <a:endParaRPr lang="zh-CN" altLang="en-US"/>
           </a:p>
@@ -1416,7 +1416,7 @@
           <a:p>
             <a:fld id="{0B3207B4-5D25-4EF4-A88C-C57336970A58}" type="datetimeFigureOut">
               <a:rPr lang="zh-CN" altLang="en-US" smtClean="0"/>
-              <a:t>2021/9/16</a:t>
+              <a:t>2021/9/17</a:t>
             </a:fld>
             <a:endParaRPr lang="zh-CN" altLang="en-US"/>
           </a:p>
@@ -1691,7 +1691,7 @@
           <a:p>
             <a:fld id="{0B3207B4-5D25-4EF4-A88C-C57336970A58}" type="datetimeFigureOut">
               <a:rPr lang="zh-CN" altLang="en-US" smtClean="0"/>
-              <a:t>2021/9/16</a:t>
+              <a:t>2021/9/17</a:t>
             </a:fld>
             <a:endParaRPr lang="zh-CN" altLang="en-US"/>
           </a:p>
@@ -1956,7 +1956,7 @@
           <a:p>
             <a:fld id="{0B3207B4-5D25-4EF4-A88C-C57336970A58}" type="datetimeFigureOut">
               <a:rPr lang="zh-CN" altLang="en-US" smtClean="0"/>
-              <a:t>2021/9/16</a:t>
+              <a:t>2021/9/17</a:t>
             </a:fld>
             <a:endParaRPr lang="zh-CN" altLang="en-US"/>
           </a:p>
@@ -2368,7 +2368,7 @@
           <a:p>
             <a:fld id="{0B3207B4-5D25-4EF4-A88C-C57336970A58}" type="datetimeFigureOut">
               <a:rPr lang="zh-CN" altLang="en-US" smtClean="0"/>
-              <a:t>2021/9/16</a:t>
+              <a:t>2021/9/17</a:t>
             </a:fld>
             <a:endParaRPr lang="zh-CN" altLang="en-US"/>
           </a:p>
@@ -2509,7 +2509,7 @@
           <a:p>
             <a:fld id="{0B3207B4-5D25-4EF4-A88C-C57336970A58}" type="datetimeFigureOut">
               <a:rPr lang="zh-CN" altLang="en-US" smtClean="0"/>
-              <a:t>2021/9/16</a:t>
+              <a:t>2021/9/17</a:t>
             </a:fld>
             <a:endParaRPr lang="zh-CN" altLang="en-US"/>
           </a:p>
@@ -2622,7 +2622,7 @@
           <a:p>
             <a:fld id="{0B3207B4-5D25-4EF4-A88C-C57336970A58}" type="datetimeFigureOut">
               <a:rPr lang="zh-CN" altLang="en-US" smtClean="0"/>
-              <a:t>2021/9/16</a:t>
+              <a:t>2021/9/17</a:t>
             </a:fld>
             <a:endParaRPr lang="zh-CN" altLang="en-US"/>
           </a:p>
@@ -2933,7 +2933,7 @@
           <a:p>
             <a:fld id="{0B3207B4-5D25-4EF4-A88C-C57336970A58}" type="datetimeFigureOut">
               <a:rPr lang="zh-CN" altLang="en-US" smtClean="0"/>
-              <a:t>2021/9/16</a:t>
+              <a:t>2021/9/17</a:t>
             </a:fld>
             <a:endParaRPr lang="zh-CN" altLang="en-US"/>
           </a:p>
@@ -3221,7 +3221,7 @@
           <a:p>
             <a:fld id="{0B3207B4-5D25-4EF4-A88C-C57336970A58}" type="datetimeFigureOut">
               <a:rPr lang="zh-CN" altLang="en-US" smtClean="0"/>
-              <a:t>2021/9/16</a:t>
+              <a:t>2021/9/17</a:t>
             </a:fld>
             <a:endParaRPr lang="zh-CN" altLang="en-US"/>
           </a:p>
@@ -3462,7 +3462,7 @@
           <a:p>
             <a:fld id="{0B3207B4-5D25-4EF4-A88C-C57336970A58}" type="datetimeFigureOut">
               <a:rPr lang="zh-CN" altLang="en-US" smtClean="0"/>
-              <a:t>2021/9/16</a:t>
+              <a:t>2021/9/17</a:t>
             </a:fld>
             <a:endParaRPr lang="zh-CN" altLang="en-US"/>
           </a:p>
@@ -4621,52 +4621,6 @@
           </a:p>
         </p:txBody>
       </p:sp>
-      <p:cxnSp>
-        <p:nvCxnSpPr>
-          <p:cNvPr id="17" name="连接符: 肘形 16">
-            <a:extLst>
-              <a:ext uri="{FF2B5EF4-FFF2-40B4-BE49-F238E27FC236}">
-                <a16:creationId xmlns:a16="http://schemas.microsoft.com/office/drawing/2014/main" id="{1ECD52C1-83C1-44DB-A942-62E3D91DED18}"/>
-              </a:ext>
-            </a:extLst>
-          </p:cNvPr>
-          <p:cNvCxnSpPr>
-            <a:cxnSpLocks/>
-            <a:stCxn id="19" idx="2"/>
-            <a:endCxn id="24" idx="0"/>
-          </p:cNvCxnSpPr>
-          <p:nvPr/>
-        </p:nvCxnSpPr>
-        <p:spPr>
-          <a:xfrm rot="5400000">
-            <a:off x="2703058" y="3268813"/>
-            <a:ext cx="587552" cy="810243"/>
-          </a:xfrm>
-          <a:prstGeom prst="bentConnector3">
-            <a:avLst>
-              <a:gd name="adj1" fmla="val 50000"/>
-            </a:avLst>
-          </a:prstGeom>
-          <a:ln>
-            <a:headEnd type="triangle"/>
-            <a:tailEnd type="triangle"/>
-          </a:ln>
-        </p:spPr>
-        <p:style>
-          <a:lnRef idx="1">
-            <a:schemeClr val="accent1"/>
-          </a:lnRef>
-          <a:fillRef idx="0">
-            <a:schemeClr val="accent1"/>
-          </a:fillRef>
-          <a:effectRef idx="0">
-            <a:schemeClr val="accent1"/>
-          </a:effectRef>
-          <a:fontRef idx="minor">
-            <a:schemeClr val="tx1"/>
-          </a:fontRef>
-        </p:style>
-      </p:cxnSp>
       <p:sp>
         <p:nvSpPr>
           <p:cNvPr id="24" name="矩形 23">
@@ -4736,6 +4690,49 @@
           </a:prstGeom>
         </p:spPr>
       </p:pic>
+      <p:cxnSp>
+        <p:nvCxnSpPr>
+          <p:cNvPr id="3" name="连接符: 肘形 2">
+            <a:extLst>
+              <a:ext uri="{FF2B5EF4-FFF2-40B4-BE49-F238E27FC236}">
+                <a16:creationId xmlns:a16="http://schemas.microsoft.com/office/drawing/2014/main" id="{C4B83294-F8BA-492D-AD6C-D9F368C7EAC8}"/>
+              </a:ext>
+            </a:extLst>
+          </p:cNvPr>
+          <p:cNvCxnSpPr>
+            <a:cxnSpLocks/>
+            <a:stCxn id="19" idx="2"/>
+            <a:endCxn id="24" idx="0"/>
+          </p:cNvCxnSpPr>
+          <p:nvPr/>
+        </p:nvCxnSpPr>
+        <p:spPr>
+          <a:xfrm rot="5400000">
+            <a:off x="2703058" y="3268813"/>
+            <a:ext cx="587552" cy="810243"/>
+          </a:xfrm>
+          <a:prstGeom prst="bentConnector3">
+            <a:avLst/>
+          </a:prstGeom>
+          <a:ln>
+            <a:tailEnd type="triangle"/>
+          </a:ln>
+        </p:spPr>
+        <p:style>
+          <a:lnRef idx="1">
+            <a:schemeClr val="accent1"/>
+          </a:lnRef>
+          <a:fillRef idx="0">
+            <a:schemeClr val="accent1"/>
+          </a:fillRef>
+          <a:effectRef idx="0">
+            <a:schemeClr val="accent1"/>
+          </a:effectRef>
+          <a:fontRef idx="minor">
+            <a:schemeClr val="tx1"/>
+          </a:fontRef>
+        </p:style>
+      </p:cxnSp>
     </p:spTree>
     <p:extLst>
       <p:ext uri="{BB962C8B-B14F-4D97-AF65-F5344CB8AC3E}">
@@ -10112,8 +10109,8 @@
           </a:p>
         </p:txBody>
       </p:sp>
-      <mc:AlternateContent xmlns:mc="http://schemas.openxmlformats.org/markup-compatibility/2006">
-        <mc:Choice xmlns:a14="http://schemas.microsoft.com/office/drawing/2010/main" Requires="a14">
+      <mc:AlternateContent xmlns:mc="http://schemas.openxmlformats.org/markup-compatibility/2006" xmlns:a14="http://schemas.microsoft.com/office/drawing/2010/main">
+        <mc:Choice Requires="a14">
           <p:sp>
             <p:nvSpPr>
               <p:cNvPr id="7" name="矩形 6">
@@ -10298,7 +10295,7 @@
             </p:txBody>
           </p:sp>
         </mc:Choice>
-        <mc:Fallback>
+        <mc:Fallback xmlns="">
           <p:sp>
             <p:nvSpPr>
               <p:cNvPr id="7" name="矩形 6">
@@ -10699,8 +10696,8 @@
           </a:p>
         </p:txBody>
       </p:sp>
-      <mc:AlternateContent xmlns:mc="http://schemas.openxmlformats.org/markup-compatibility/2006">
-        <mc:Choice xmlns:a14="http://schemas.microsoft.com/office/drawing/2010/main" Requires="a14">
+      <mc:AlternateContent xmlns:mc="http://schemas.openxmlformats.org/markup-compatibility/2006" xmlns:a14="http://schemas.microsoft.com/office/drawing/2010/main">
+        <mc:Choice Requires="a14">
           <p:sp>
             <p:nvSpPr>
               <p:cNvPr id="21" name="矩形 20">
@@ -10948,7 +10945,7 @@
             </p:txBody>
           </p:sp>
         </mc:Choice>
-        <mc:Fallback>
+        <mc:Fallback xmlns="">
           <p:sp>
             <p:nvSpPr>
               <p:cNvPr id="21" name="矩形 20">
@@ -11793,8 +11790,8 @@
           </a:fontRef>
         </p:style>
       </p:cxnSp>
-      <mc:AlternateContent xmlns:mc="http://schemas.openxmlformats.org/markup-compatibility/2006">
-        <mc:Choice xmlns:a14="http://schemas.microsoft.com/office/drawing/2010/main" Requires="a14">
+      <mc:AlternateContent xmlns:mc="http://schemas.openxmlformats.org/markup-compatibility/2006" xmlns:a14="http://schemas.microsoft.com/office/drawing/2010/main">
+        <mc:Choice Requires="a14">
           <p:sp>
             <p:nvSpPr>
               <p:cNvPr id="40" name="矩形 39">
@@ -11822,6 +11819,7 @@
               </a:bodyPr>
               <a:lstStyle/>
               <a:p>
+                <a:pPr/>
                 <a14:m>
                   <m:oMathPara xmlns:m="http://schemas.openxmlformats.org/officeDocument/2006/math">
                     <m:oMathParaPr>
@@ -11861,7 +11859,7 @@
             </p:txBody>
           </p:sp>
         </mc:Choice>
-        <mc:Fallback>
+        <mc:Fallback xmlns="">
           <p:sp>
             <p:nvSpPr>
               <p:cNvPr id="40" name="矩形 39">
@@ -11906,8 +11904,8 @@
           </p:sp>
         </mc:Fallback>
       </mc:AlternateContent>
-      <mc:AlternateContent xmlns:mc="http://schemas.openxmlformats.org/markup-compatibility/2006">
-        <mc:Choice xmlns:a14="http://schemas.microsoft.com/office/drawing/2010/main" Requires="a14">
+      <mc:AlternateContent xmlns:mc="http://schemas.openxmlformats.org/markup-compatibility/2006" xmlns:a14="http://schemas.microsoft.com/office/drawing/2010/main">
+        <mc:Choice Requires="a14">
           <p:sp>
             <p:nvSpPr>
               <p:cNvPr id="41" name="矩形 40">
@@ -11935,6 +11933,7 @@
               </a:bodyPr>
               <a:lstStyle/>
               <a:p>
+                <a:pPr/>
                 <a14:m>
                   <m:oMathPara xmlns:m="http://schemas.openxmlformats.org/officeDocument/2006/math">
                     <m:oMathParaPr>
@@ -11974,7 +11973,7 @@
             </p:txBody>
           </p:sp>
         </mc:Choice>
-        <mc:Fallback>
+        <mc:Fallback xmlns="">
           <p:sp>
             <p:nvSpPr>
               <p:cNvPr id="41" name="矩形 40">
@@ -12019,8 +12018,8 @@
           </p:sp>
         </mc:Fallback>
       </mc:AlternateContent>
-      <mc:AlternateContent xmlns:mc="http://schemas.openxmlformats.org/markup-compatibility/2006">
-        <mc:Choice xmlns:a14="http://schemas.microsoft.com/office/drawing/2010/main" Requires="a14">
+      <mc:AlternateContent xmlns:mc="http://schemas.openxmlformats.org/markup-compatibility/2006" xmlns:a14="http://schemas.microsoft.com/office/drawing/2010/main">
+        <mc:Choice Requires="a14">
           <p:sp>
             <p:nvSpPr>
               <p:cNvPr id="42" name="矩形 41">
@@ -12048,6 +12047,7 @@
               </a:bodyPr>
               <a:lstStyle/>
               <a:p>
+                <a:pPr/>
                 <a14:m>
                   <m:oMathPara xmlns:m="http://schemas.openxmlformats.org/officeDocument/2006/math">
                     <m:oMathParaPr>
@@ -12087,7 +12087,7 @@
             </p:txBody>
           </p:sp>
         </mc:Choice>
-        <mc:Fallback>
+        <mc:Fallback xmlns="">
           <p:sp>
             <p:nvSpPr>
               <p:cNvPr id="42" name="矩形 41">
@@ -12132,8 +12132,8 @@
           </p:sp>
         </mc:Fallback>
       </mc:AlternateContent>
-      <mc:AlternateContent xmlns:mc="http://schemas.openxmlformats.org/markup-compatibility/2006">
-        <mc:Choice xmlns:a14="http://schemas.microsoft.com/office/drawing/2010/main" Requires="a14">
+      <mc:AlternateContent xmlns:mc="http://schemas.openxmlformats.org/markup-compatibility/2006" xmlns:a14="http://schemas.microsoft.com/office/drawing/2010/main">
+        <mc:Choice Requires="a14">
           <p:sp>
             <p:nvSpPr>
               <p:cNvPr id="43" name="矩形 42">
@@ -12161,6 +12161,7 @@
               </a:bodyPr>
               <a:lstStyle/>
               <a:p>
+                <a:pPr/>
                 <a14:m>
                   <m:oMathPara xmlns:m="http://schemas.openxmlformats.org/officeDocument/2006/math">
                     <m:oMathParaPr>
@@ -12200,7 +12201,7 @@
             </p:txBody>
           </p:sp>
         </mc:Choice>
-        <mc:Fallback>
+        <mc:Fallback xmlns="">
           <p:sp>
             <p:nvSpPr>
               <p:cNvPr id="43" name="矩形 42">
@@ -12245,8 +12246,8 @@
           </p:sp>
         </mc:Fallback>
       </mc:AlternateContent>
-      <mc:AlternateContent xmlns:mc="http://schemas.openxmlformats.org/markup-compatibility/2006">
-        <mc:Choice xmlns:a14="http://schemas.microsoft.com/office/drawing/2010/main" Requires="a14">
+      <mc:AlternateContent xmlns:mc="http://schemas.openxmlformats.org/markup-compatibility/2006" xmlns:a14="http://schemas.microsoft.com/office/drawing/2010/main">
+        <mc:Choice Requires="a14">
           <p:sp>
             <p:nvSpPr>
               <p:cNvPr id="44" name="矩形 43">
@@ -12274,6 +12275,7 @@
               </a:bodyPr>
               <a:lstStyle/>
               <a:p>
+                <a:pPr/>
                 <a14:m>
                   <m:oMathPara xmlns:m="http://schemas.openxmlformats.org/officeDocument/2006/math">
                     <m:oMathParaPr>
@@ -12313,7 +12315,7 @@
             </p:txBody>
           </p:sp>
         </mc:Choice>
-        <mc:Fallback>
+        <mc:Fallback xmlns="">
           <p:sp>
             <p:nvSpPr>
               <p:cNvPr id="44" name="矩形 43">
@@ -12448,8 +12450,8 @@
           </a:p>
         </p:txBody>
       </p:sp>
-      <mc:AlternateContent xmlns:mc="http://schemas.openxmlformats.org/markup-compatibility/2006">
-        <mc:Choice xmlns:a14="http://schemas.microsoft.com/office/drawing/2010/main" Requires="a14">
+      <mc:AlternateContent xmlns:mc="http://schemas.openxmlformats.org/markup-compatibility/2006" xmlns:a14="http://schemas.microsoft.com/office/drawing/2010/main">
+        <mc:Choice Requires="a14">
           <p:sp>
             <p:nvSpPr>
               <p:cNvPr id="48" name="矩形 47">
@@ -12477,6 +12479,7 @@
               </a:bodyPr>
               <a:lstStyle/>
               <a:p>
+                <a:pPr/>
                 <a14:m>
                   <m:oMathPara xmlns:m="http://schemas.openxmlformats.org/officeDocument/2006/math">
                     <m:oMathParaPr>
@@ -12503,7 +12506,7 @@
             </p:txBody>
           </p:sp>
         </mc:Choice>
-        <mc:Fallback>
+        <mc:Fallback xmlns="">
           <p:sp>
             <p:nvSpPr>
               <p:cNvPr id="48" name="矩形 47">
@@ -12548,8 +12551,8 @@
           </p:sp>
         </mc:Fallback>
       </mc:AlternateContent>
-      <mc:AlternateContent xmlns:mc="http://schemas.openxmlformats.org/markup-compatibility/2006">
-        <mc:Choice xmlns:a14="http://schemas.microsoft.com/office/drawing/2010/main" Requires="a14">
+      <mc:AlternateContent xmlns:mc="http://schemas.openxmlformats.org/markup-compatibility/2006" xmlns:a14="http://schemas.microsoft.com/office/drawing/2010/main">
+        <mc:Choice Requires="a14">
           <p:sp>
             <p:nvSpPr>
               <p:cNvPr id="49" name="矩形 48">
@@ -12577,6 +12580,7 @@
               </a:bodyPr>
               <a:lstStyle/>
               <a:p>
+                <a:pPr/>
                 <a14:m>
                   <m:oMathPara xmlns:m="http://schemas.openxmlformats.org/officeDocument/2006/math">
                     <m:oMathParaPr>
@@ -12603,7 +12607,7 @@
             </p:txBody>
           </p:sp>
         </mc:Choice>
-        <mc:Fallback>
+        <mc:Fallback xmlns="">
           <p:sp>
             <p:nvSpPr>
               <p:cNvPr id="49" name="矩形 48">
@@ -12648,8 +12652,8 @@
           </p:sp>
         </mc:Fallback>
       </mc:AlternateContent>
-      <mc:AlternateContent xmlns:mc="http://schemas.openxmlformats.org/markup-compatibility/2006">
-        <mc:Choice xmlns:a14="http://schemas.microsoft.com/office/drawing/2010/main" Requires="a14">
+      <mc:AlternateContent xmlns:mc="http://schemas.openxmlformats.org/markup-compatibility/2006" xmlns:a14="http://schemas.microsoft.com/office/drawing/2010/main">
+        <mc:Choice Requires="a14">
           <p:sp>
             <p:nvSpPr>
               <p:cNvPr id="50" name="矩形 49">
@@ -12891,7 +12895,7 @@
             </p:txBody>
           </p:sp>
         </mc:Choice>
-        <mc:Fallback>
+        <mc:Fallback xmlns="">
           <p:sp>
             <p:nvSpPr>
               <p:cNvPr id="50" name="矩形 49">
@@ -12963,15 +12967,37 @@
           </a:bodyPr>
           <a:lstStyle/>
           <a:p>
+            <a:pPr marL="285750" indent="-285750">
+              <a:buFont typeface="Arial" panose="020B0604020202020204" pitchFamily="34" charset="0"/>
+              <a:buChar char="•"/>
+            </a:pPr>
             <a:r>
               <a:rPr lang="en-US" altLang="zh-CN" dirty="0">
                 <a:latin typeface="Times New Roman" panose="02020603050405020304" pitchFamily="18" charset="0"/>
                 <a:cs typeface="Times New Roman" panose="02020603050405020304" pitchFamily="18" charset="0"/>
               </a:rPr>
-              <a:t>Independent vertex order, better capture the ‘nearness’ provided by random walks.</a:t>
+              <a:t>Independent vertex order, better capture the ‘</a:t>
             </a:r>
-          </a:p>
-          <a:p>
+            <a:r>
+              <a:rPr lang="en-US" altLang="zh-CN" u="sng" dirty="0">
+                <a:latin typeface="Times New Roman" panose="02020603050405020304" pitchFamily="18" charset="0"/>
+                <a:cs typeface="Times New Roman" panose="02020603050405020304" pitchFamily="18" charset="0"/>
+              </a:rPr>
+              <a:t>nearness</a:t>
+            </a:r>
+            <a:r>
+              <a:rPr lang="en-US" altLang="zh-CN" dirty="0">
+                <a:latin typeface="Times New Roman" panose="02020603050405020304" pitchFamily="18" charset="0"/>
+                <a:cs typeface="Times New Roman" panose="02020603050405020304" pitchFamily="18" charset="0"/>
+              </a:rPr>
+              <a:t>’ provided by random walks.</a:t>
+            </a:r>
+          </a:p>
+          <a:p>
+            <a:pPr marL="285750" indent="-285750">
+              <a:buFont typeface="Arial" panose="020B0604020202020204" pitchFamily="34" charset="0"/>
+              <a:buChar char="•"/>
+            </a:pPr>
             <a:r>
               <a:rPr lang="en-US" altLang="zh-CN" dirty="0">
                 <a:latin typeface="Times New Roman" panose="02020603050405020304" pitchFamily="18" charset="0"/>
@@ -13073,8 +13099,8 @@
           </a:prstGeom>
         </p:spPr>
       </p:pic>
-      <mc:AlternateContent xmlns:mc="http://schemas.openxmlformats.org/markup-compatibility/2006">
-        <mc:Choice xmlns:a14="http://schemas.microsoft.com/office/drawing/2010/main" Requires="a14">
+      <mc:AlternateContent xmlns:mc="http://schemas.openxmlformats.org/markup-compatibility/2006" xmlns:a14="http://schemas.microsoft.com/office/drawing/2010/main">
+        <mc:Choice Requires="a14">
           <p:sp>
             <p:nvSpPr>
               <p:cNvPr id="6" name="矩形 5">
@@ -13172,7 +13198,7 @@
             </p:txBody>
           </p:sp>
         </mc:Choice>
-        <mc:Fallback>
+        <mc:Fallback xmlns="">
           <p:sp>
             <p:nvSpPr>
               <p:cNvPr id="6" name="矩形 5">

--- a/1_deepwalk/deepwalk.pptx
+++ b/1_deepwalk/deepwalk.pptx
@@ -5,7 +5,7 @@
     <p:sldMasterId id="2147483648" r:id="rId1"/>
   </p:sldMasterIdLst>
   <p:notesMasterIdLst>
-    <p:notesMasterId r:id="rId8"/>
+    <p:notesMasterId r:id="rId11"/>
   </p:notesMasterIdLst>
   <p:sldIdLst>
     <p:sldId id="256" r:id="rId2"/>
@@ -13,7 +13,10 @@
     <p:sldId id="261" r:id="rId4"/>
     <p:sldId id="260" r:id="rId5"/>
     <p:sldId id="259" r:id="rId6"/>
-    <p:sldId id="257" r:id="rId7"/>
+    <p:sldId id="262" r:id="rId7"/>
+    <p:sldId id="263" r:id="rId8"/>
+    <p:sldId id="264" r:id="rId9"/>
+    <p:sldId id="265" r:id="rId10"/>
   </p:sldIdLst>
   <p:sldSz cx="12192000" cy="6858000"/>
   <p:notesSz cx="6858000" cy="9144000"/>
@@ -214,7 +217,7 @@
           <a:p>
             <a:fld id="{90CFEA02-8822-4D13-9DAA-0D1CF00E99ED}" type="datetimeFigureOut">
               <a:rPr lang="zh-CN" altLang="en-US" smtClean="0"/>
-              <a:t>2021/9/17</a:t>
+              <a:t>2021/9/19</a:t>
             </a:fld>
             <a:endParaRPr lang="zh-CN" altLang="en-US"/>
           </a:p>
@@ -525,6 +528,42 @@
           <a:bodyPr/>
           <a:lstStyle/>
           <a:p>
+            <a:pPr marL="0" marR="0" lvl="0" indent="0" algn="l" defTabSz="914400" rtl="0" eaLnBrk="1" fontAlgn="auto" latinLnBrk="0" hangingPunct="1">
+              <a:lnSpc>
+                <a:spcPct val="100000"/>
+              </a:lnSpc>
+              <a:spcBef>
+                <a:spcPts val="0"/>
+              </a:spcBef>
+              <a:spcAft>
+                <a:spcPts val="0"/>
+              </a:spcAft>
+              <a:buClrTx/>
+              <a:buSzTx/>
+              <a:buFontTx/>
+              <a:buNone/>
+              <a:tabLst/>
+              <a:defRPr/>
+            </a:pPr>
+            <a:r>
+              <a:rPr lang="zh-CN" altLang="en-US" dirty="0"/>
+              <a:t>幂律分布</a:t>
+            </a:r>
+            <a:r>
+              <a:rPr lang="en-US" altLang="zh-CN" dirty="0"/>
+              <a:t>: </a:t>
+            </a:r>
+            <a:r>
+              <a:rPr lang="zh-CN" altLang="en-US" dirty="0"/>
+              <a:t>某个随机变量分布密度函数是幂函数，表现在图上一条斜率为幂指数负数的直线</a:t>
+            </a:r>
+            <a:r>
+              <a:rPr lang="en-US" altLang="zh-CN" dirty="0"/>
+              <a:t>.</a:t>
+            </a:r>
+            <a:endParaRPr lang="zh-CN" altLang="en-US" dirty="0"/>
+          </a:p>
+          <a:p>
             <a:endParaRPr lang="zh-CN" altLang="en-US" dirty="0"/>
           </a:p>
         </p:txBody>
@@ -546,7 +585,7 @@
           <a:p>
             <a:fld id="{C60B6B56-D07F-4BA1-B905-6FE8234261B0}" type="slidenum">
               <a:rPr lang="zh-CN" altLang="en-US" smtClean="0"/>
-              <a:t>4</a:t>
+              <a:t>3</a:t>
             </a:fld>
             <a:endParaRPr lang="zh-CN" altLang="en-US"/>
           </a:p>
@@ -555,7 +594,7 @@
     </p:spTree>
     <p:extLst>
       <p:ext uri="{BB962C8B-B14F-4D97-AF65-F5344CB8AC3E}">
-        <p14:creationId xmlns:p14="http://schemas.microsoft.com/office/powerpoint/2010/main" val="2377635956"/>
+        <p14:creationId xmlns:p14="http://schemas.microsoft.com/office/powerpoint/2010/main" val="3719088954"/>
       </p:ext>
     </p:extLst>
   </p:cSld>
@@ -609,22 +648,90 @@
           <a:bodyPr/>
           <a:lstStyle/>
           <a:p>
-            <a:r>
-              <a:rPr lang="zh-CN" altLang="en-US" dirty="0"/>
-              <a:t>幂律分布</a:t>
-            </a:r>
-            <a:r>
-              <a:rPr lang="en-US" altLang="zh-CN" dirty="0"/>
-              <a:t>: </a:t>
-            </a:r>
-            <a:r>
-              <a:rPr lang="zh-CN" altLang="en-US" dirty="0"/>
-              <a:t>某个随机变量分布密度函数是幂函数，表现在图上一条斜率为幂指数负数的直线</a:t>
-            </a:r>
-            <a:r>
-              <a:rPr lang="en-US" altLang="zh-CN" dirty="0"/>
-              <a:t>.</a:t>
-            </a:r>
+            <a:endParaRPr lang="zh-CN" altLang="en-US" dirty="0"/>
+          </a:p>
+        </p:txBody>
+      </p:sp>
+      <p:sp>
+        <p:nvSpPr>
+          <p:cNvPr id="4" name="灯片编号占位符 3"/>
+          <p:cNvSpPr>
+            <a:spLocks noGrp="1"/>
+          </p:cNvSpPr>
+          <p:nvPr>
+            <p:ph type="sldNum" sz="quarter" idx="5"/>
+          </p:nvPr>
+        </p:nvSpPr>
+        <p:spPr/>
+        <p:txBody>
+          <a:bodyPr/>
+          <a:lstStyle/>
+          <a:p>
+            <a:fld id="{C60B6B56-D07F-4BA1-B905-6FE8234261B0}" type="slidenum">
+              <a:rPr lang="zh-CN" altLang="en-US" smtClean="0"/>
+              <a:t>4</a:t>
+            </a:fld>
+            <a:endParaRPr lang="zh-CN" altLang="en-US"/>
+          </a:p>
+        </p:txBody>
+      </p:sp>
+    </p:spTree>
+    <p:extLst>
+      <p:ext uri="{BB962C8B-B14F-4D97-AF65-F5344CB8AC3E}">
+        <p14:creationId xmlns:p14="http://schemas.microsoft.com/office/powerpoint/2010/main" val="2377635956"/>
+      </p:ext>
+    </p:extLst>
+  </p:cSld>
+  <p:clrMapOvr>
+    <a:masterClrMapping/>
+  </p:clrMapOvr>
+</p:notes>
+</file>
+
+<file path=ppt/notesSlides/notesSlide3.xml><?xml version="1.0" encoding="utf-8"?>
+<p:notes xmlns:a="http://schemas.openxmlformats.org/drawingml/2006/main" xmlns:r="http://schemas.openxmlformats.org/officeDocument/2006/relationships" xmlns:p="http://schemas.openxmlformats.org/presentationml/2006/main">
+  <p:cSld>
+    <p:spTree>
+      <p:nvGrpSpPr>
+        <p:cNvPr id="1" name=""/>
+        <p:cNvGrpSpPr/>
+        <p:nvPr/>
+      </p:nvGrpSpPr>
+      <p:grpSpPr>
+        <a:xfrm>
+          <a:off x="0" y="0"/>
+          <a:ext cx="0" cy="0"/>
+          <a:chOff x="0" y="0"/>
+          <a:chExt cx="0" cy="0"/>
+        </a:xfrm>
+      </p:grpSpPr>
+      <p:sp>
+        <p:nvSpPr>
+          <p:cNvPr id="2" name="幻灯片图像占位符 1"/>
+          <p:cNvSpPr>
+            <a:spLocks noGrp="1" noRot="1" noChangeAspect="1"/>
+          </p:cNvSpPr>
+          <p:nvPr>
+            <p:ph type="sldImg"/>
+          </p:nvPr>
+        </p:nvSpPr>
+        <p:spPr/>
+      </p:sp>
+      <p:sp>
+        <p:nvSpPr>
+          <p:cNvPr id="3" name="备注占位符 2"/>
+          <p:cNvSpPr>
+            <a:spLocks noGrp="1"/>
+          </p:cNvSpPr>
+          <p:nvPr>
+            <p:ph type="body" idx="1"/>
+          </p:nvPr>
+        </p:nvSpPr>
+        <p:spPr/>
+        <p:txBody>
+          <a:bodyPr/>
+          <a:lstStyle/>
+          <a:p>
             <a:endParaRPr lang="zh-CN" altLang="en-US" dirty="0"/>
           </a:p>
         </p:txBody>
@@ -812,7 +919,7 @@
           <a:p>
             <a:fld id="{0B3207B4-5D25-4EF4-A88C-C57336970A58}" type="datetimeFigureOut">
               <a:rPr lang="zh-CN" altLang="en-US" smtClean="0"/>
-              <a:t>2021/9/17</a:t>
+              <a:t>2021/9/19</a:t>
             </a:fld>
             <a:endParaRPr lang="zh-CN" altLang="en-US"/>
           </a:p>
@@ -1010,7 +1117,7 @@
           <a:p>
             <a:fld id="{0B3207B4-5D25-4EF4-A88C-C57336970A58}" type="datetimeFigureOut">
               <a:rPr lang="zh-CN" altLang="en-US" smtClean="0"/>
-              <a:t>2021/9/17</a:t>
+              <a:t>2021/9/19</a:t>
             </a:fld>
             <a:endParaRPr lang="zh-CN" altLang="en-US"/>
           </a:p>
@@ -1218,7 +1325,7 @@
           <a:p>
             <a:fld id="{0B3207B4-5D25-4EF4-A88C-C57336970A58}" type="datetimeFigureOut">
               <a:rPr lang="zh-CN" altLang="en-US" smtClean="0"/>
-              <a:t>2021/9/17</a:t>
+              <a:t>2021/9/19</a:t>
             </a:fld>
             <a:endParaRPr lang="zh-CN" altLang="en-US"/>
           </a:p>
@@ -1416,7 +1523,7 @@
           <a:p>
             <a:fld id="{0B3207B4-5D25-4EF4-A88C-C57336970A58}" type="datetimeFigureOut">
               <a:rPr lang="zh-CN" altLang="en-US" smtClean="0"/>
-              <a:t>2021/9/17</a:t>
+              <a:t>2021/9/19</a:t>
             </a:fld>
             <a:endParaRPr lang="zh-CN" altLang="en-US"/>
           </a:p>
@@ -1691,7 +1798,7 @@
           <a:p>
             <a:fld id="{0B3207B4-5D25-4EF4-A88C-C57336970A58}" type="datetimeFigureOut">
               <a:rPr lang="zh-CN" altLang="en-US" smtClean="0"/>
-              <a:t>2021/9/17</a:t>
+              <a:t>2021/9/19</a:t>
             </a:fld>
             <a:endParaRPr lang="zh-CN" altLang="en-US"/>
           </a:p>
@@ -1956,7 +2063,7 @@
           <a:p>
             <a:fld id="{0B3207B4-5D25-4EF4-A88C-C57336970A58}" type="datetimeFigureOut">
               <a:rPr lang="zh-CN" altLang="en-US" smtClean="0"/>
-              <a:t>2021/9/17</a:t>
+              <a:t>2021/9/19</a:t>
             </a:fld>
             <a:endParaRPr lang="zh-CN" altLang="en-US"/>
           </a:p>
@@ -2368,7 +2475,7 @@
           <a:p>
             <a:fld id="{0B3207B4-5D25-4EF4-A88C-C57336970A58}" type="datetimeFigureOut">
               <a:rPr lang="zh-CN" altLang="en-US" smtClean="0"/>
-              <a:t>2021/9/17</a:t>
+              <a:t>2021/9/19</a:t>
             </a:fld>
             <a:endParaRPr lang="zh-CN" altLang="en-US"/>
           </a:p>
@@ -2509,7 +2616,7 @@
           <a:p>
             <a:fld id="{0B3207B4-5D25-4EF4-A88C-C57336970A58}" type="datetimeFigureOut">
               <a:rPr lang="zh-CN" altLang="en-US" smtClean="0"/>
-              <a:t>2021/9/17</a:t>
+              <a:t>2021/9/19</a:t>
             </a:fld>
             <a:endParaRPr lang="zh-CN" altLang="en-US"/>
           </a:p>
@@ -2622,7 +2729,7 @@
           <a:p>
             <a:fld id="{0B3207B4-5D25-4EF4-A88C-C57336970A58}" type="datetimeFigureOut">
               <a:rPr lang="zh-CN" altLang="en-US" smtClean="0"/>
-              <a:t>2021/9/17</a:t>
+              <a:t>2021/9/19</a:t>
             </a:fld>
             <a:endParaRPr lang="zh-CN" altLang="en-US"/>
           </a:p>
@@ -2933,7 +3040,7 @@
           <a:p>
             <a:fld id="{0B3207B4-5D25-4EF4-A88C-C57336970A58}" type="datetimeFigureOut">
               <a:rPr lang="zh-CN" altLang="en-US" smtClean="0"/>
-              <a:t>2021/9/17</a:t>
+              <a:t>2021/9/19</a:t>
             </a:fld>
             <a:endParaRPr lang="zh-CN" altLang="en-US"/>
           </a:p>
@@ -3221,7 +3328,7 @@
           <a:p>
             <a:fld id="{0B3207B4-5D25-4EF4-A88C-C57336970A58}" type="datetimeFigureOut">
               <a:rPr lang="zh-CN" altLang="en-US" smtClean="0"/>
-              <a:t>2021/9/17</a:t>
+              <a:t>2021/9/19</a:t>
             </a:fld>
             <a:endParaRPr lang="zh-CN" altLang="en-US"/>
           </a:p>
@@ -3462,7 +3569,7 @@
           <a:p>
             <a:fld id="{0B3207B4-5D25-4EF4-A88C-C57336970A58}" type="datetimeFigureOut">
               <a:rPr lang="zh-CN" altLang="en-US" smtClean="0"/>
-              <a:t>2021/9/17</a:t>
+              <a:t>2021/9/19</a:t>
             </a:fld>
             <a:endParaRPr lang="zh-CN" altLang="en-US"/>
           </a:p>
@@ -7922,7 +8029,7 @@
                 <a:avLst/>
               </a:prstGeom>
               <a:blipFill>
-                <a:blip r:embed="rId2"/>
+                <a:blip r:embed="rId3"/>
                 <a:stretch>
                   <a:fillRect/>
                 </a:stretch>
@@ -8102,7 +8209,7 @@
                 <a:avLst/>
               </a:prstGeom>
               <a:blipFill>
-                <a:blip r:embed="rId3"/>
+                <a:blip r:embed="rId4"/>
                 <a:stretch>
                   <a:fillRect b="-1515"/>
                 </a:stretch>
@@ -8243,7 +8350,7 @@
                 <a:avLst/>
               </a:prstGeom>
               <a:blipFill>
-                <a:blip r:embed="rId4"/>
+                <a:blip r:embed="rId5"/>
                 <a:stretch>
                   <a:fillRect b="-3030"/>
                 </a:stretch>
@@ -8384,7 +8491,7 @@
                 <a:avLst/>
               </a:prstGeom>
               <a:blipFill>
-                <a:blip r:embed="rId5"/>
+                <a:blip r:embed="rId6"/>
                 <a:stretch>
                   <a:fillRect b="-3030"/>
                 </a:stretch>
@@ -8552,7 +8659,7 @@
                 <a:avLst/>
               </a:prstGeom>
               <a:blipFill>
-                <a:blip r:embed="rId6"/>
+                <a:blip r:embed="rId7"/>
                 <a:stretch>
                   <a:fillRect l="-2640" t="-9231" b="-16923"/>
                 </a:stretch>
@@ -8696,7 +8803,7 @@
           <p:nvPr/>
         </p:nvPicPr>
         <p:blipFill>
-          <a:blip r:embed="rId7"/>
+          <a:blip r:embed="rId8"/>
           <a:stretch>
             <a:fillRect/>
           </a:stretch>
@@ -9074,7 +9181,7 @@
                 <a:avLst/>
               </a:prstGeom>
               <a:blipFill>
-                <a:blip r:embed="rId8"/>
+                <a:blip r:embed="rId9"/>
                 <a:stretch>
                   <a:fillRect t="-3311" b="-9272"/>
                 </a:stretch>
@@ -11194,16 +11301,15 @@
           </p:cNvPicPr>
           <p:nvPr/>
         </p:nvPicPr>
-        <p:blipFill>
+        <p:blipFill rotWithShape="1">
           <a:blip r:embed="rId7"/>
-          <a:stretch>
-            <a:fillRect/>
-          </a:stretch>
+          <a:srcRect r="10082"/>
+          <a:stretch/>
         </p:blipFill>
         <p:spPr>
           <a:xfrm>
-            <a:off x="1543050" y="3983900"/>
-            <a:ext cx="6991350" cy="695325"/>
+            <a:off x="2073155" y="3955701"/>
+            <a:ext cx="6286500" cy="695325"/>
           </a:xfrm>
           <a:prstGeom prst="rect">
             <a:avLst/>
@@ -13115,8 +13221,8 @@
             </p:nvSpPr>
             <p:spPr>
               <a:xfrm>
-                <a:off x="6226391" y="257377"/>
-                <a:ext cx="3382464" cy="646331"/>
+                <a:off x="6538089" y="1480169"/>
+                <a:ext cx="3440173" cy="646331"/>
               </a:xfrm>
               <a:prstGeom prst="rect">
                 <a:avLst/>
@@ -13154,23 +13260,16 @@
                     <a:latin typeface="Times New Roman" panose="02020603050405020304" pitchFamily="18" charset="0"/>
                     <a:cs typeface="Times New Roman" panose="02020603050405020304" pitchFamily="18" charset="0"/>
                   </a:rPr>
-                  <a:t>random walks per vertex</a:t>
+                  <a:t>random walks per vertex.</a:t>
                 </a:r>
               </a:p>
               <a:p>
-                <a:r>
-                  <a:rPr lang="en-US" altLang="zh-CN">
-                    <a:latin typeface="Times New Roman" panose="02020603050405020304" pitchFamily="18" charset="0"/>
-                    <a:cs typeface="Times New Roman" panose="02020603050405020304" pitchFamily="18" charset="0"/>
-                  </a:rPr>
-                  <a:t>Line 6</a:t>
-                </a:r>
                 <a:r>
                   <a:rPr lang="en-US" altLang="zh-CN" dirty="0">
                     <a:latin typeface="Times New Roman" panose="02020603050405020304" pitchFamily="18" charset="0"/>
                     <a:cs typeface="Times New Roman" panose="02020603050405020304" pitchFamily="18" charset="0"/>
                   </a:rPr>
-                  <a:t>: </a:t>
+                  <a:t>Line 6: </a:t>
                 </a:r>
                 <a14:m>
                   <m:oMath xmlns:m="http://schemas.openxmlformats.org/officeDocument/2006/math">
@@ -13188,7 +13287,7 @@
                     <a:latin typeface="Times New Roman" panose="02020603050405020304" pitchFamily="18" charset="0"/>
                     <a:cs typeface="Times New Roman" panose="02020603050405020304" pitchFamily="18" charset="0"/>
                   </a:rPr>
-                  <a:t> length of random walks</a:t>
+                  <a:t> length of random walks.</a:t>
                 </a:r>
                 <a:endParaRPr lang="zh-CN" altLang="en-US" dirty="0">
                   <a:latin typeface="Times New Roman" panose="02020603050405020304" pitchFamily="18" charset="0"/>
@@ -13215,8 +13314,8 @@
             </p:nvSpPr>
             <p:spPr>
               <a:xfrm>
-                <a:off x="6226391" y="257377"/>
-                <a:ext cx="3382464" cy="646331"/>
+                <a:off x="6538089" y="1480169"/>
+                <a:ext cx="3440173" cy="646331"/>
               </a:xfrm>
               <a:prstGeom prst="rect">
                 <a:avLst/>
@@ -13224,7 +13323,7 @@
               <a:blipFill>
                 <a:blip r:embed="rId5"/>
                 <a:stretch>
-                  <a:fillRect l="-1441" t="-5660" r="-901" b="-14151"/>
+                  <a:fillRect l="-1596" t="-6604" r="-887" b="-14151"/>
                 </a:stretch>
               </a:blipFill>
             </p:spPr>
@@ -13243,6 +13342,712 @@
           </p:sp>
         </mc:Fallback>
       </mc:AlternateContent>
+      <p:pic>
+        <p:nvPicPr>
+          <p:cNvPr id="7" name="图片 6">
+            <a:extLst>
+              <a:ext uri="{FF2B5EF4-FFF2-40B4-BE49-F238E27FC236}">
+                <a16:creationId xmlns:a16="http://schemas.microsoft.com/office/drawing/2014/main" id="{34E845BA-C598-47C7-A8BC-0AE40A5A2AEC}"/>
+              </a:ext>
+            </a:extLst>
+          </p:cNvPr>
+          <p:cNvPicPr>
+            <a:picLocks noChangeAspect="1"/>
+          </p:cNvPicPr>
+          <p:nvPr/>
+        </p:nvPicPr>
+        <p:blipFill rotWithShape="1">
+          <a:blip r:embed="rId6"/>
+          <a:srcRect r="10082"/>
+          <a:stretch/>
+        </p:blipFill>
+        <p:spPr>
+          <a:xfrm>
+            <a:off x="6448131" y="2110003"/>
+            <a:ext cx="5180687" cy="573015"/>
+          </a:xfrm>
+          <a:prstGeom prst="rect">
+            <a:avLst/>
+          </a:prstGeom>
+        </p:spPr>
+      </p:pic>
+      <p:pic>
+        <p:nvPicPr>
+          <p:cNvPr id="3" name="图片 2">
+            <a:extLst>
+              <a:ext uri="{FF2B5EF4-FFF2-40B4-BE49-F238E27FC236}">
+                <a16:creationId xmlns:a16="http://schemas.microsoft.com/office/drawing/2014/main" id="{B460090A-D9AC-4365-B584-3939464A3227}"/>
+              </a:ext>
+            </a:extLst>
+          </p:cNvPr>
+          <p:cNvPicPr>
+            <a:picLocks noChangeAspect="1"/>
+          </p:cNvPicPr>
+          <p:nvPr/>
+        </p:nvPicPr>
+        <p:blipFill>
+          <a:blip r:embed="rId7"/>
+          <a:stretch>
+            <a:fillRect/>
+          </a:stretch>
+        </p:blipFill>
+        <p:spPr>
+          <a:xfrm>
+            <a:off x="6399890" y="3093296"/>
+            <a:ext cx="5275021" cy="807553"/>
+          </a:xfrm>
+          <a:prstGeom prst="rect">
+            <a:avLst/>
+          </a:prstGeom>
+        </p:spPr>
+      </p:pic>
+      <p:cxnSp>
+        <p:nvCxnSpPr>
+          <p:cNvPr id="8" name="直接连接符 7">
+            <a:extLst>
+              <a:ext uri="{FF2B5EF4-FFF2-40B4-BE49-F238E27FC236}">
+                <a16:creationId xmlns:a16="http://schemas.microsoft.com/office/drawing/2014/main" id="{832A939C-B34B-4B4C-BCB9-234A4A704149}"/>
+              </a:ext>
+            </a:extLst>
+          </p:cNvPr>
+          <p:cNvCxnSpPr/>
+          <p:nvPr/>
+        </p:nvCxnSpPr>
+        <p:spPr>
+          <a:xfrm>
+            <a:off x="8313768" y="2571750"/>
+            <a:ext cx="3157537" cy="0"/>
+          </a:xfrm>
+          <a:prstGeom prst="line">
+            <a:avLst/>
+          </a:prstGeom>
+          <a:ln w="28575">
+            <a:solidFill>
+              <a:srgbClr val="FF0000"/>
+            </a:solidFill>
+          </a:ln>
+        </p:spPr>
+        <p:style>
+          <a:lnRef idx="1">
+            <a:schemeClr val="accent1"/>
+          </a:lnRef>
+          <a:fillRef idx="0">
+            <a:schemeClr val="accent1"/>
+          </a:fillRef>
+          <a:effectRef idx="0">
+            <a:schemeClr val="accent1"/>
+          </a:effectRef>
+          <a:fontRef idx="minor">
+            <a:schemeClr val="tx1"/>
+          </a:fontRef>
+        </p:style>
+      </p:cxnSp>
+      <p:sp>
+        <p:nvSpPr>
+          <p:cNvPr id="31" name="矩形 30">
+            <a:extLst>
+              <a:ext uri="{FF2B5EF4-FFF2-40B4-BE49-F238E27FC236}">
+                <a16:creationId xmlns:a16="http://schemas.microsoft.com/office/drawing/2014/main" id="{CBB8C0D1-DBD7-4E7E-B500-28084344E172}"/>
+              </a:ext>
+            </a:extLst>
+          </p:cNvPr>
+          <p:cNvSpPr/>
+          <p:nvPr/>
+        </p:nvSpPr>
+        <p:spPr>
+          <a:xfrm>
+            <a:off x="6448131" y="2780536"/>
+            <a:ext cx="4884671" cy="369332"/>
+          </a:xfrm>
+          <a:prstGeom prst="rect">
+            <a:avLst/>
+          </a:prstGeom>
+        </p:spPr>
+        <p:txBody>
+          <a:bodyPr wrap="none">
+            <a:spAutoFit/>
+          </a:bodyPr>
+          <a:lstStyle/>
+          <a:p>
+            <a:r>
+              <a:rPr lang="en-US" altLang="zh-CN" dirty="0">
+                <a:latin typeface="Times New Roman" panose="02020603050405020304" pitchFamily="18" charset="0"/>
+                <a:ea typeface="微软雅黑" panose="020B0503020204020204" pitchFamily="34" charset="-122"/>
+                <a:cs typeface="Times New Roman" panose="02020603050405020304" pitchFamily="18" charset="0"/>
+              </a:rPr>
+              <a:t>Independent assumption: regardless of the position</a:t>
+            </a:r>
+            <a:endParaRPr lang="zh-CN" altLang="en-US" dirty="0"/>
+          </a:p>
+        </p:txBody>
+      </p:sp>
+      <p:sp>
+        <p:nvSpPr>
+          <p:cNvPr id="32" name="矩形 31">
+            <a:extLst>
+              <a:ext uri="{FF2B5EF4-FFF2-40B4-BE49-F238E27FC236}">
+                <a16:creationId xmlns:a16="http://schemas.microsoft.com/office/drawing/2014/main" id="{4F7F3246-6637-47E3-A122-2615008A53F5}"/>
+              </a:ext>
+            </a:extLst>
+          </p:cNvPr>
+          <p:cNvSpPr/>
+          <p:nvPr/>
+        </p:nvSpPr>
+        <p:spPr>
+          <a:xfrm>
+            <a:off x="5032946" y="5036344"/>
+            <a:ext cx="3627916" cy="369332"/>
+          </a:xfrm>
+          <a:prstGeom prst="rect">
+            <a:avLst/>
+          </a:prstGeom>
+        </p:spPr>
+        <p:txBody>
+          <a:bodyPr wrap="none">
+            <a:spAutoFit/>
+          </a:bodyPr>
+          <a:lstStyle/>
+          <a:p>
+            <a:r>
+              <a:rPr lang="en-US" altLang="zh-CN" i="1" dirty="0">
+                <a:solidFill>
+                  <a:schemeClr val="accent1"/>
+                </a:solidFill>
+                <a:latin typeface="Times New Roman" panose="02020603050405020304" pitchFamily="18" charset="0"/>
+                <a:ea typeface="微软雅黑" panose="020B0503020204020204" pitchFamily="34" charset="-122"/>
+                <a:cs typeface="Times New Roman" panose="02020603050405020304" pitchFamily="18" charset="0"/>
+              </a:rPr>
+              <a:t>Iterate over all possible collocations.</a:t>
+            </a:r>
+            <a:endParaRPr lang="zh-CN" altLang="en-US" i="1" dirty="0">
+              <a:solidFill>
+                <a:schemeClr val="accent1"/>
+              </a:solidFill>
+            </a:endParaRPr>
+          </a:p>
+        </p:txBody>
+      </p:sp>
+      <p:sp>
+        <p:nvSpPr>
+          <p:cNvPr id="33" name="右大括号 32">
+            <a:extLst>
+              <a:ext uri="{FF2B5EF4-FFF2-40B4-BE49-F238E27FC236}">
+                <a16:creationId xmlns:a16="http://schemas.microsoft.com/office/drawing/2014/main" id="{64826228-48DB-472A-A5DC-3909E5EB5FCA}"/>
+              </a:ext>
+            </a:extLst>
+          </p:cNvPr>
+          <p:cNvSpPr/>
+          <p:nvPr/>
+        </p:nvSpPr>
+        <p:spPr>
+          <a:xfrm>
+            <a:off x="4793456" y="5036344"/>
+            <a:ext cx="114300" cy="369332"/>
+          </a:xfrm>
+          <a:prstGeom prst="rightBrace">
+            <a:avLst/>
+          </a:prstGeom>
+          <a:ln w="19050"/>
+        </p:spPr>
+        <p:style>
+          <a:lnRef idx="1">
+            <a:schemeClr val="accent1"/>
+          </a:lnRef>
+          <a:fillRef idx="0">
+            <a:schemeClr val="accent1"/>
+          </a:fillRef>
+          <a:effectRef idx="0">
+            <a:schemeClr val="accent1"/>
+          </a:effectRef>
+          <a:fontRef idx="minor">
+            <a:schemeClr val="tx1"/>
+          </a:fontRef>
+        </p:style>
+        <p:txBody>
+          <a:bodyPr rtlCol="0" anchor="ctr"/>
+          <a:lstStyle/>
+          <a:p>
+            <a:pPr algn="ctr"/>
+            <a:endParaRPr lang="zh-CN" altLang="en-US"/>
+          </a:p>
+        </p:txBody>
+      </p:sp>
+      <p:pic>
+        <p:nvPicPr>
+          <p:cNvPr id="34" name="图片 33">
+            <a:extLst>
+              <a:ext uri="{FF2B5EF4-FFF2-40B4-BE49-F238E27FC236}">
+                <a16:creationId xmlns:a16="http://schemas.microsoft.com/office/drawing/2014/main" id="{2F87E857-6AE0-4532-9A33-48DD0E303C4A}"/>
+              </a:ext>
+            </a:extLst>
+          </p:cNvPr>
+          <p:cNvPicPr>
+            <a:picLocks noChangeAspect="1"/>
+          </p:cNvPicPr>
+          <p:nvPr/>
+        </p:nvPicPr>
+        <p:blipFill>
+          <a:blip r:embed="rId8"/>
+          <a:stretch>
+            <a:fillRect/>
+          </a:stretch>
+        </p:blipFill>
+        <p:spPr>
+          <a:xfrm>
+            <a:off x="8950289" y="4084463"/>
+            <a:ext cx="2578233" cy="2495678"/>
+          </a:xfrm>
+          <a:prstGeom prst="rect">
+            <a:avLst/>
+          </a:prstGeom>
+        </p:spPr>
+      </p:pic>
+      <mc:AlternateContent xmlns:mc="http://schemas.openxmlformats.org/markup-compatibility/2006" xmlns:a14="http://schemas.microsoft.com/office/drawing/2010/main">
+        <mc:Choice Requires="a14">
+          <p:sp>
+            <p:nvSpPr>
+              <p:cNvPr id="35" name="矩形 34">
+                <a:extLst>
+                  <a:ext uri="{FF2B5EF4-FFF2-40B4-BE49-F238E27FC236}">
+                    <a16:creationId xmlns:a16="http://schemas.microsoft.com/office/drawing/2014/main" id="{56A79BD4-6647-4B47-870E-13E9B1BA59CD}"/>
+                  </a:ext>
+                </a:extLst>
+              </p:cNvPr>
+              <p:cNvSpPr/>
+              <p:nvPr/>
+            </p:nvSpPr>
+            <p:spPr>
+              <a:xfrm>
+                <a:off x="6013395" y="5404911"/>
+                <a:ext cx="1628523" cy="369332"/>
+              </a:xfrm>
+              <a:prstGeom prst="rect">
+                <a:avLst/>
+              </a:prstGeom>
+            </p:spPr>
+            <p:txBody>
+              <a:bodyPr wrap="none">
+                <a:spAutoFit/>
+              </a:bodyPr>
+              <a:lstStyle/>
+              <a:p>
+                <a14:m>
+                  <m:oMath xmlns:m="http://schemas.openxmlformats.org/officeDocument/2006/math">
+                    <m:r>
+                      <m:rPr>
+                        <m:sty m:val="p"/>
+                      </m:rPr>
+                      <a:rPr lang="en-US" altLang="zh-CN" smtClean="0">
+                        <a:latin typeface="Cambria Math" panose="02040503050406030204" pitchFamily="18" charset="0"/>
+                      </a:rPr>
+                      <m:t>Pr</m:t>
+                    </m:r>
+                    <m:r>
+                      <a:rPr lang="en-US" altLang="zh-CN" i="1">
+                        <a:latin typeface="Cambria Math" panose="02040503050406030204" pitchFamily="18" charset="0"/>
+                      </a:rPr>
+                      <m:t>⁡(</m:t>
+                    </m:r>
+                    <m:sSub>
+                      <m:sSubPr>
+                        <m:ctrlPr>
+                          <a:rPr lang="en-US" altLang="zh-CN" i="1">
+                            <a:latin typeface="Cambria Math" panose="02040503050406030204" pitchFamily="18" charset="0"/>
+                          </a:rPr>
+                        </m:ctrlPr>
+                      </m:sSubPr>
+                      <m:e>
+                        <m:r>
+                          <a:rPr lang="en-US" altLang="zh-CN" i="1">
+                            <a:latin typeface="Cambria Math" panose="02040503050406030204" pitchFamily="18" charset="0"/>
+                          </a:rPr>
+                          <m:t>𝑣</m:t>
+                        </m:r>
+                      </m:e>
+                      <m:sub>
+                        <m:r>
+                          <a:rPr lang="en-US" altLang="zh-CN" b="0" i="1" smtClean="0">
+                            <a:latin typeface="Cambria Math" panose="02040503050406030204" pitchFamily="18" charset="0"/>
+                          </a:rPr>
+                          <m:t>3</m:t>
+                        </m:r>
+                      </m:sub>
+                    </m:sSub>
+                    <m:r>
+                      <a:rPr lang="en-US" altLang="zh-CN" i="1">
+                        <a:latin typeface="Cambria Math" panose="02040503050406030204" pitchFamily="18" charset="0"/>
+                      </a:rPr>
+                      <m:t>|</m:t>
+                    </m:r>
+                    <m:r>
+                      <m:rPr>
+                        <m:sty m:val="p"/>
+                      </m:rPr>
+                      <a:rPr lang="en-US" altLang="zh-CN">
+                        <a:latin typeface="Cambria Math" panose="02040503050406030204" pitchFamily="18" charset="0"/>
+                      </a:rPr>
+                      <m:t>Φ</m:t>
+                    </m:r>
+                    <m:d>
+                      <m:dPr>
+                        <m:ctrlPr>
+                          <a:rPr lang="en-US" altLang="zh-CN" i="1">
+                            <a:latin typeface="Cambria Math" panose="02040503050406030204" pitchFamily="18" charset="0"/>
+                          </a:rPr>
+                        </m:ctrlPr>
+                      </m:dPr>
+                      <m:e>
+                        <m:sSub>
+                          <m:sSubPr>
+                            <m:ctrlPr>
+                              <a:rPr lang="en-US" altLang="zh-CN" i="1">
+                                <a:latin typeface="Cambria Math" panose="02040503050406030204" pitchFamily="18" charset="0"/>
+                              </a:rPr>
+                            </m:ctrlPr>
+                          </m:sSubPr>
+                          <m:e>
+                            <m:r>
+                              <a:rPr lang="en-US" altLang="zh-CN" i="1">
+                                <a:latin typeface="Cambria Math" panose="02040503050406030204" pitchFamily="18" charset="0"/>
+                              </a:rPr>
+                              <m:t>𝑣</m:t>
+                            </m:r>
+                          </m:e>
+                          <m:sub>
+                            <m:r>
+                              <a:rPr lang="en-US" altLang="zh-CN" b="0" i="1" smtClean="0">
+                                <a:latin typeface="Cambria Math" panose="02040503050406030204" pitchFamily="18" charset="0"/>
+                              </a:rPr>
+                              <m:t>1</m:t>
+                            </m:r>
+                          </m:sub>
+                        </m:sSub>
+                      </m:e>
+                    </m:d>
+                    <m:r>
+                      <a:rPr lang="en-US" altLang="zh-CN" i="1">
+                        <a:latin typeface="Cambria Math" panose="02040503050406030204" pitchFamily="18" charset="0"/>
+                      </a:rPr>
+                      <m:t>)</m:t>
+                    </m:r>
+                  </m:oMath>
+                </a14:m>
+                <a:r>
+                  <a:rPr lang="zh-CN" altLang="en-US" dirty="0"/>
+                  <a:t> </a:t>
+                </a:r>
+              </a:p>
+            </p:txBody>
+          </p:sp>
+        </mc:Choice>
+        <mc:Fallback xmlns="">
+          <p:sp>
+            <p:nvSpPr>
+              <p:cNvPr id="35" name="矩形 34">
+                <a:extLst>
+                  <a:ext uri="{FF2B5EF4-FFF2-40B4-BE49-F238E27FC236}">
+                    <a16:creationId xmlns:a16="http://schemas.microsoft.com/office/drawing/2014/main" id="{56A79BD4-6647-4B47-870E-13E9B1BA59CD}"/>
+                  </a:ext>
+                </a:extLst>
+              </p:cNvPr>
+              <p:cNvSpPr>
+                <a:spLocks noRot="1" noChangeAspect="1" noMove="1" noResize="1" noEditPoints="1" noAdjustHandles="1" noChangeArrowheads="1" noChangeShapeType="1" noTextEdit="1"/>
+              </p:cNvSpPr>
+              <p:nvPr/>
+            </p:nvSpPr>
+            <p:spPr>
+              <a:xfrm>
+                <a:off x="6013395" y="5404911"/>
+                <a:ext cx="1628523" cy="369332"/>
+              </a:xfrm>
+              <a:prstGeom prst="rect">
+                <a:avLst/>
+              </a:prstGeom>
+              <a:blipFill>
+                <a:blip r:embed="rId9"/>
+                <a:stretch>
+                  <a:fillRect b="-13333"/>
+                </a:stretch>
+              </a:blipFill>
+            </p:spPr>
+            <p:txBody>
+              <a:bodyPr/>
+              <a:lstStyle/>
+              <a:p>
+                <a:r>
+                  <a:rPr lang="zh-CN" altLang="en-US">
+                    <a:noFill/>
+                  </a:rPr>
+                  <a:t> </a:t>
+                </a:r>
+              </a:p>
+            </p:txBody>
+          </p:sp>
+        </mc:Fallback>
+      </mc:AlternateContent>
+      <mc:AlternateContent xmlns:mc="http://schemas.openxmlformats.org/markup-compatibility/2006" xmlns:a14="http://schemas.microsoft.com/office/drawing/2010/main">
+        <mc:Choice Requires="a14">
+          <p:sp>
+            <p:nvSpPr>
+              <p:cNvPr id="36" name="矩形 35">
+                <a:extLst>
+                  <a:ext uri="{FF2B5EF4-FFF2-40B4-BE49-F238E27FC236}">
+                    <a16:creationId xmlns:a16="http://schemas.microsoft.com/office/drawing/2014/main" id="{D5177E47-465C-4337-8C2A-083A668437A8}"/>
+                  </a:ext>
+                </a:extLst>
+              </p:cNvPr>
+              <p:cNvSpPr/>
+              <p:nvPr/>
+            </p:nvSpPr>
+            <p:spPr>
+              <a:xfrm>
+                <a:off x="6032642" y="5736070"/>
+                <a:ext cx="1568571" cy="369332"/>
+              </a:xfrm>
+              <a:prstGeom prst="rect">
+                <a:avLst/>
+              </a:prstGeom>
+            </p:spPr>
+            <p:txBody>
+              <a:bodyPr wrap="none">
+                <a:spAutoFit/>
+              </a:bodyPr>
+              <a:lstStyle/>
+              <a:p>
+                <a14:m>
+                  <m:oMath xmlns:m="http://schemas.openxmlformats.org/officeDocument/2006/math">
+                    <m:r>
+                      <m:rPr>
+                        <m:sty m:val="p"/>
+                      </m:rPr>
+                      <a:rPr lang="en-US" altLang="zh-CN" smtClean="0">
+                        <a:latin typeface="Cambria Math" panose="02040503050406030204" pitchFamily="18" charset="0"/>
+                      </a:rPr>
+                      <m:t>Pr</m:t>
+                    </m:r>
+                    <m:r>
+                      <a:rPr lang="en-US" altLang="zh-CN" i="1">
+                        <a:latin typeface="Cambria Math" panose="02040503050406030204" pitchFamily="18" charset="0"/>
+                      </a:rPr>
+                      <m:t>⁡(</m:t>
+                    </m:r>
+                    <m:sSub>
+                      <m:sSubPr>
+                        <m:ctrlPr>
+                          <a:rPr lang="en-US" altLang="zh-CN" i="1">
+                            <a:latin typeface="Cambria Math" panose="02040503050406030204" pitchFamily="18" charset="0"/>
+                          </a:rPr>
+                        </m:ctrlPr>
+                      </m:sSubPr>
+                      <m:e>
+                        <m:r>
+                          <a:rPr lang="en-US" altLang="zh-CN" i="1">
+                            <a:latin typeface="Cambria Math" panose="02040503050406030204" pitchFamily="18" charset="0"/>
+                          </a:rPr>
+                          <m:t>𝑣</m:t>
+                        </m:r>
+                      </m:e>
+                      <m:sub>
+                        <m:r>
+                          <a:rPr lang="en-US" altLang="zh-CN" b="0" i="1" smtClean="0">
+                            <a:latin typeface="Cambria Math" panose="02040503050406030204" pitchFamily="18" charset="0"/>
+                          </a:rPr>
+                          <m:t>5</m:t>
+                        </m:r>
+                      </m:sub>
+                    </m:sSub>
+                    <m:r>
+                      <a:rPr lang="en-US" altLang="zh-CN" i="1">
+                        <a:latin typeface="Cambria Math" panose="02040503050406030204" pitchFamily="18" charset="0"/>
+                      </a:rPr>
+                      <m:t>|</m:t>
+                    </m:r>
+                    <m:r>
+                      <m:rPr>
+                        <m:sty m:val="p"/>
+                      </m:rPr>
+                      <a:rPr lang="en-US" altLang="zh-CN">
+                        <a:latin typeface="Cambria Math" panose="02040503050406030204" pitchFamily="18" charset="0"/>
+                      </a:rPr>
+                      <m:t>Φ</m:t>
+                    </m:r>
+                    <m:d>
+                      <m:dPr>
+                        <m:ctrlPr>
+                          <a:rPr lang="en-US" altLang="zh-CN" i="1">
+                            <a:latin typeface="Cambria Math" panose="02040503050406030204" pitchFamily="18" charset="0"/>
+                          </a:rPr>
+                        </m:ctrlPr>
+                      </m:dPr>
+                      <m:e>
+                        <m:sSub>
+                          <m:sSubPr>
+                            <m:ctrlPr>
+                              <a:rPr lang="en-US" altLang="zh-CN" i="1">
+                                <a:latin typeface="Cambria Math" panose="02040503050406030204" pitchFamily="18" charset="0"/>
+                              </a:rPr>
+                            </m:ctrlPr>
+                          </m:sSubPr>
+                          <m:e>
+                            <m:r>
+                              <a:rPr lang="en-US" altLang="zh-CN" i="1">
+                                <a:latin typeface="Cambria Math" panose="02040503050406030204" pitchFamily="18" charset="0"/>
+                              </a:rPr>
+                              <m:t>𝑣</m:t>
+                            </m:r>
+                          </m:e>
+                          <m:sub>
+                            <m:r>
+                              <a:rPr lang="en-US" altLang="zh-CN" b="0" i="1" smtClean="0">
+                                <a:latin typeface="Cambria Math" panose="02040503050406030204" pitchFamily="18" charset="0"/>
+                              </a:rPr>
+                              <m:t>1</m:t>
+                            </m:r>
+                          </m:sub>
+                        </m:sSub>
+                      </m:e>
+                    </m:d>
+                    <m:r>
+                      <a:rPr lang="en-US" altLang="zh-CN" i="1">
+                        <a:latin typeface="Cambria Math" panose="02040503050406030204" pitchFamily="18" charset="0"/>
+                      </a:rPr>
+                      <m:t>)</m:t>
+                    </m:r>
+                  </m:oMath>
+                </a14:m>
+                <a:r>
+                  <a:rPr lang="zh-CN" altLang="en-US" dirty="0"/>
+                  <a:t> </a:t>
+                </a:r>
+              </a:p>
+            </p:txBody>
+          </p:sp>
+        </mc:Choice>
+        <mc:Fallback xmlns="">
+          <p:sp>
+            <p:nvSpPr>
+              <p:cNvPr id="36" name="矩形 35">
+                <a:extLst>
+                  <a:ext uri="{FF2B5EF4-FFF2-40B4-BE49-F238E27FC236}">
+                    <a16:creationId xmlns:a16="http://schemas.microsoft.com/office/drawing/2014/main" id="{D5177E47-465C-4337-8C2A-083A668437A8}"/>
+                  </a:ext>
+                </a:extLst>
+              </p:cNvPr>
+              <p:cNvSpPr>
+                <a:spLocks noRot="1" noChangeAspect="1" noMove="1" noResize="1" noEditPoints="1" noAdjustHandles="1" noChangeArrowheads="1" noChangeShapeType="1" noTextEdit="1"/>
+              </p:cNvSpPr>
+              <p:nvPr/>
+            </p:nvSpPr>
+            <p:spPr>
+              <a:xfrm>
+                <a:off x="6032642" y="5736070"/>
+                <a:ext cx="1568571" cy="369332"/>
+              </a:xfrm>
+              <a:prstGeom prst="rect">
+                <a:avLst/>
+              </a:prstGeom>
+              <a:blipFill>
+                <a:blip r:embed="rId10"/>
+                <a:stretch>
+                  <a:fillRect b="-11475"/>
+                </a:stretch>
+              </a:blipFill>
+            </p:spPr>
+            <p:txBody>
+              <a:bodyPr/>
+              <a:lstStyle/>
+              <a:p>
+                <a:r>
+                  <a:rPr lang="zh-CN" altLang="en-US">
+                    <a:noFill/>
+                  </a:rPr>
+                  <a:t> </a:t>
+                </a:r>
+              </a:p>
+            </p:txBody>
+          </p:sp>
+        </mc:Fallback>
+      </mc:AlternateContent>
+      <p:sp>
+        <p:nvSpPr>
+          <p:cNvPr id="37" name="矩形 36">
+            <a:extLst>
+              <a:ext uri="{FF2B5EF4-FFF2-40B4-BE49-F238E27FC236}">
+                <a16:creationId xmlns:a16="http://schemas.microsoft.com/office/drawing/2014/main" id="{C9096CE0-8A93-4264-9AA4-0FF597F39ABF}"/>
+              </a:ext>
+            </a:extLst>
+          </p:cNvPr>
+          <p:cNvSpPr/>
+          <p:nvPr/>
+        </p:nvSpPr>
+        <p:spPr>
+          <a:xfrm>
+            <a:off x="6448131" y="255204"/>
+            <a:ext cx="1609736" cy="400110"/>
+          </a:xfrm>
+          <a:prstGeom prst="rect">
+            <a:avLst/>
+          </a:prstGeom>
+        </p:spPr>
+        <p:txBody>
+          <a:bodyPr wrap="none">
+            <a:spAutoFit/>
+          </a:bodyPr>
+          <a:lstStyle/>
+          <a:p>
+            <a:r>
+              <a:rPr lang="en-US" altLang="zh-CN" sz="2000" b="1" dirty="0">
+                <a:latin typeface="Times New Roman" panose="02020603050405020304" pitchFamily="18" charset="0"/>
+                <a:ea typeface="黑体" panose="02010609060101010101" pitchFamily="49" charset="-122"/>
+                <a:cs typeface="Times New Roman" panose="02020603050405020304" pitchFamily="18" charset="0"/>
+              </a:rPr>
+              <a:t>4. METHOD</a:t>
+            </a:r>
+            <a:endParaRPr lang="zh-CN" altLang="en-US" sz="2000" dirty="0"/>
+          </a:p>
+        </p:txBody>
+      </p:sp>
+      <p:sp>
+        <p:nvSpPr>
+          <p:cNvPr id="38" name="矩形 37">
+            <a:extLst>
+              <a:ext uri="{FF2B5EF4-FFF2-40B4-BE49-F238E27FC236}">
+                <a16:creationId xmlns:a16="http://schemas.microsoft.com/office/drawing/2014/main" id="{B138E816-D373-4B09-A40F-D84044785B95}"/>
+              </a:ext>
+            </a:extLst>
+          </p:cNvPr>
+          <p:cNvSpPr/>
+          <p:nvPr/>
+        </p:nvSpPr>
+        <p:spPr>
+          <a:xfrm>
+            <a:off x="6554470" y="974508"/>
+            <a:ext cx="1332230" cy="369332"/>
+          </a:xfrm>
+          <a:prstGeom prst="rect">
+            <a:avLst/>
+          </a:prstGeom>
+        </p:spPr>
+        <p:txBody>
+          <a:bodyPr wrap="square">
+            <a:spAutoFit/>
+          </a:bodyPr>
+          <a:lstStyle/>
+          <a:p>
+            <a:r>
+              <a:rPr lang="en-US" altLang="zh-CN" b="1" dirty="0" err="1">
+                <a:latin typeface="Times New Roman" panose="02020603050405020304" pitchFamily="18" charset="0"/>
+                <a:cs typeface="Times New Roman" panose="02020603050405020304" pitchFamily="18" charset="0"/>
+              </a:rPr>
+              <a:t>SkipGram</a:t>
+            </a:r>
+            <a:endParaRPr lang="zh-CN" altLang="en-US" b="1" dirty="0">
+              <a:latin typeface="Times New Roman" panose="02020603050405020304" pitchFamily="18" charset="0"/>
+              <a:cs typeface="Times New Roman" panose="02020603050405020304" pitchFamily="18" charset="0"/>
+            </a:endParaRPr>
+          </a:p>
+        </p:txBody>
+      </p:sp>
     </p:spTree>
     <p:extLst>
       <p:ext uri="{BB962C8B-B14F-4D97-AF65-F5344CB8AC3E}">
@@ -13273,762 +14078,92 @@
           <a:chExt cx="0" cy="0"/>
         </a:xfrm>
       </p:grpSpPr>
-      <mc:AlternateContent xmlns:mc="http://schemas.openxmlformats.org/markup-compatibility/2006" xmlns:a14="http://schemas.microsoft.com/office/drawing/2010/main">
-        <mc:Choice Requires="a14">
-          <p:graphicFrame>
-            <p:nvGraphicFramePr>
-              <p:cNvPr id="3" name="表格 2">
-                <a:extLst>
-                  <a:ext uri="{FF2B5EF4-FFF2-40B4-BE49-F238E27FC236}">
-                    <a16:creationId xmlns:a16="http://schemas.microsoft.com/office/drawing/2014/main" id="{F66640E6-E32B-4DB3-AB5E-C665FBE929A2}"/>
-                  </a:ext>
-                </a:extLst>
-              </p:cNvPr>
-              <p:cNvGraphicFramePr>
-                <a:graphicFrameLocks noGrp="1"/>
-              </p:cNvGraphicFramePr>
-              <p:nvPr>
-                <p:extLst>
-                  <p:ext uri="{D42A27DB-BD31-4B8C-83A1-F6EECF244321}">
-                    <p14:modId xmlns:p14="http://schemas.microsoft.com/office/powerpoint/2010/main" val="524435502"/>
-                  </p:ext>
-                </p:extLst>
-              </p:nvPr>
-            </p:nvGraphicFramePr>
-            <p:xfrm>
-              <a:off x="1503494" y="1525009"/>
-              <a:ext cx="8128000" cy="2225040"/>
-            </p:xfrm>
-            <a:graphic>
-              <a:graphicData uri="http://schemas.openxmlformats.org/drawingml/2006/table">
-                <a:tbl>
-                  <a:tblPr firstRow="1" bandRow="1">
-                    <a:tableStyleId>{5C22544A-7EE6-4342-B048-85BDC9FD1C3A}</a:tableStyleId>
-                  </a:tblPr>
-                  <a:tblGrid>
-                    <a:gridCol w="4064000">
-                      <a:extLst>
-                        <a:ext uri="{9D8B030D-6E8A-4147-A177-3AD203B41FA5}">
-                          <a16:colId xmlns:a16="http://schemas.microsoft.com/office/drawing/2014/main" val="1748551509"/>
-                        </a:ext>
-                      </a:extLst>
-                    </a:gridCol>
-                    <a:gridCol w="4064000">
-                      <a:extLst>
-                        <a:ext uri="{9D8B030D-6E8A-4147-A177-3AD203B41FA5}">
-                          <a16:colId xmlns:a16="http://schemas.microsoft.com/office/drawing/2014/main" val="1180267281"/>
-                        </a:ext>
-                      </a:extLst>
-                    </a:gridCol>
-                  </a:tblGrid>
-                  <a:tr h="370840">
-                    <a:tc>
-                      <a:txBody>
-                        <a:bodyPr/>
-                        <a:lstStyle/>
-                        <a:p>
-                          <a:pPr algn="ctr"/>
-                          <a:r>
-                            <a:rPr lang="en-US" altLang="zh-CN" dirty="0"/>
-                            <a:t>Vertex</a:t>
-                          </a:r>
-                          <a:endParaRPr lang="zh-CN" altLang="en-US" dirty="0"/>
-                        </a:p>
-                      </a:txBody>
-                      <a:tcPr/>
-                    </a:tc>
-                    <a:tc>
-                      <a:txBody>
-                        <a:bodyPr/>
-                        <a:lstStyle/>
-                        <a:p>
-                          <a:pPr algn="ctr"/>
-                          <a:r>
-                            <a:rPr lang="en-US" altLang="zh-CN" dirty="0"/>
-                            <a:t>One-hot encoding</a:t>
-                          </a:r>
-                          <a:endParaRPr lang="zh-CN" altLang="en-US" dirty="0"/>
-                        </a:p>
-                      </a:txBody>
-                      <a:tcPr/>
-                    </a:tc>
-                    <a:extLst>
-                      <a:ext uri="{0D108BD9-81ED-4DB2-BD59-A6C34878D82A}">
-                        <a16:rowId xmlns:a16="http://schemas.microsoft.com/office/drawing/2014/main" val="3143812712"/>
-                      </a:ext>
-                    </a:extLst>
-                  </a:tr>
-                  <a:tr h="370840">
-                    <a:tc>
-                      <a:txBody>
-                        <a:bodyPr/>
-                        <a:lstStyle/>
-                        <a:p>
-                          <a:pPr algn="ctr"/>
-                          <a:r>
-                            <a:rPr lang="en-US" altLang="zh-CN" dirty="0">
-                              <a:latin typeface="微软雅黑" panose="020B0503020204020204" pitchFamily="34" charset="-122"/>
-                              <a:ea typeface="微软雅黑" panose="020B0503020204020204" pitchFamily="34" charset="-122"/>
-                              <a:cs typeface="Times New Roman" panose="02020603050405020304" pitchFamily="18" charset="0"/>
-                            </a:rPr>
-                            <a:t>0</a:t>
-                          </a:r>
-                          <a:endParaRPr lang="zh-CN" altLang="en-US" dirty="0">
-                            <a:latin typeface="微软雅黑" panose="020B0503020204020204" pitchFamily="34" charset="-122"/>
-                            <a:ea typeface="微软雅黑" panose="020B0503020204020204" pitchFamily="34" charset="-122"/>
-                            <a:cs typeface="Times New Roman" panose="02020603050405020304" pitchFamily="18" charset="0"/>
-                          </a:endParaRPr>
-                        </a:p>
-                      </a:txBody>
-                      <a:tcPr/>
-                    </a:tc>
-                    <a:tc>
-                      <a:txBody>
-                        <a:bodyPr/>
-                        <a:lstStyle/>
-                        <a:p>
-                          <a:pPr/>
-                          <a14:m>
-                            <m:oMathPara xmlns:m="http://schemas.openxmlformats.org/officeDocument/2006/math">
-                              <m:oMathParaPr>
-                                <m:jc m:val="centerGroup"/>
-                              </m:oMathParaPr>
-                              <m:oMath xmlns:m="http://schemas.openxmlformats.org/officeDocument/2006/math">
-                                <m:sSub>
-                                  <m:sSubPr>
-                                    <m:ctrlPr>
-                                      <a:rPr lang="en-US" altLang="zh-CN" b="0" i="1" smtClean="0">
-                                        <a:latin typeface="Cambria Math" panose="02040503050406030204" pitchFamily="18" charset="0"/>
-                                      </a:rPr>
-                                    </m:ctrlPr>
-                                  </m:sSubPr>
-                                  <m:e>
-                                    <m:r>
-                                      <a:rPr lang="en-US" altLang="zh-CN" b="0" i="1" smtClean="0">
-                                        <a:latin typeface="Cambria Math" panose="02040503050406030204" pitchFamily="18" charset="0"/>
-                                      </a:rPr>
-                                      <m:t>𝑒</m:t>
-                                    </m:r>
-                                  </m:e>
-                                  <m:sub>
-                                    <m:r>
-                                      <a:rPr lang="en-US" altLang="zh-CN" b="0" i="1" smtClean="0">
-                                        <a:latin typeface="Cambria Math" panose="02040503050406030204" pitchFamily="18" charset="0"/>
-                                      </a:rPr>
-                                      <m:t>0</m:t>
-                                    </m:r>
-                                  </m:sub>
-                                </m:sSub>
-                                <m:r>
-                                  <a:rPr lang="en-US" altLang="zh-CN" b="0" i="1" smtClean="0">
-                                    <a:latin typeface="Cambria Math" panose="02040503050406030204" pitchFamily="18" charset="0"/>
-                                  </a:rPr>
-                                  <m:t>=[1, 0, 0,…,0]</m:t>
-                                </m:r>
-                              </m:oMath>
-                            </m:oMathPara>
-                          </a14:m>
-                          <a:endParaRPr lang="zh-CN" altLang="en-US" dirty="0"/>
-                        </a:p>
-                      </a:txBody>
-                      <a:tcPr/>
-                    </a:tc>
-                    <a:extLst>
-                      <a:ext uri="{0D108BD9-81ED-4DB2-BD59-A6C34878D82A}">
-                        <a16:rowId xmlns:a16="http://schemas.microsoft.com/office/drawing/2014/main" val="71195492"/>
-                      </a:ext>
-                    </a:extLst>
-                  </a:tr>
-                  <a:tr h="370840">
-                    <a:tc>
-                      <a:txBody>
-                        <a:bodyPr/>
-                        <a:lstStyle/>
-                        <a:p>
-                          <a:pPr algn="ctr"/>
-                          <a:r>
-                            <a:rPr lang="en-US" altLang="zh-CN" dirty="0">
-                              <a:latin typeface="微软雅黑" panose="020B0503020204020204" pitchFamily="34" charset="-122"/>
-                              <a:ea typeface="微软雅黑" panose="020B0503020204020204" pitchFamily="34" charset="-122"/>
-                              <a:cs typeface="Times New Roman" panose="02020603050405020304" pitchFamily="18" charset="0"/>
-                            </a:rPr>
-                            <a:t>1</a:t>
-                          </a:r>
-                          <a:endParaRPr lang="zh-CN" altLang="en-US" dirty="0">
-                            <a:latin typeface="微软雅黑" panose="020B0503020204020204" pitchFamily="34" charset="-122"/>
-                            <a:ea typeface="微软雅黑" panose="020B0503020204020204" pitchFamily="34" charset="-122"/>
-                            <a:cs typeface="Times New Roman" panose="02020603050405020304" pitchFamily="18" charset="0"/>
-                          </a:endParaRPr>
-                        </a:p>
-                      </a:txBody>
-                      <a:tcPr/>
-                    </a:tc>
-                    <a:tc>
-                      <a:txBody>
-                        <a:bodyPr/>
-                        <a:lstStyle/>
-                        <a:p>
-                          <a:pPr/>
-                          <a14:m>
-                            <m:oMathPara xmlns:m="http://schemas.openxmlformats.org/officeDocument/2006/math">
-                              <m:oMathParaPr>
-                                <m:jc m:val="centerGroup"/>
-                              </m:oMathParaPr>
-                              <m:oMath xmlns:m="http://schemas.openxmlformats.org/officeDocument/2006/math">
-                                <m:sSub>
-                                  <m:sSubPr>
-                                    <m:ctrlPr>
-                                      <a:rPr lang="en-US" altLang="zh-CN" b="0" i="1" smtClean="0">
-                                        <a:latin typeface="Cambria Math" panose="02040503050406030204" pitchFamily="18" charset="0"/>
-                                      </a:rPr>
-                                    </m:ctrlPr>
-                                  </m:sSubPr>
-                                  <m:e>
-                                    <m:r>
-                                      <a:rPr lang="en-US" altLang="zh-CN" b="0" i="1" smtClean="0">
-                                        <a:latin typeface="Cambria Math" panose="02040503050406030204" pitchFamily="18" charset="0"/>
-                                      </a:rPr>
-                                      <m:t>𝑒</m:t>
-                                    </m:r>
-                                  </m:e>
-                                  <m:sub>
-                                    <m:r>
-                                      <a:rPr lang="en-US" altLang="zh-CN" b="0" i="1" smtClean="0">
-                                        <a:latin typeface="Cambria Math" panose="02040503050406030204" pitchFamily="18" charset="0"/>
-                                      </a:rPr>
-                                      <m:t>1</m:t>
-                                    </m:r>
-                                  </m:sub>
-                                </m:sSub>
-                                <m:r>
-                                  <a:rPr lang="en-US" altLang="zh-CN" b="0" i="1" smtClean="0">
-                                    <a:latin typeface="Cambria Math" panose="02040503050406030204" pitchFamily="18" charset="0"/>
-                                  </a:rPr>
-                                  <m:t>=[0, 1, 0,…,0]</m:t>
-                                </m:r>
-                              </m:oMath>
-                            </m:oMathPara>
-                          </a14:m>
-                          <a:endParaRPr lang="zh-CN" altLang="en-US" dirty="0"/>
-                        </a:p>
-                      </a:txBody>
-                      <a:tcPr/>
-                    </a:tc>
-                    <a:extLst>
-                      <a:ext uri="{0D108BD9-81ED-4DB2-BD59-A6C34878D82A}">
-                        <a16:rowId xmlns:a16="http://schemas.microsoft.com/office/drawing/2014/main" val="2245052409"/>
-                      </a:ext>
-                    </a:extLst>
-                  </a:tr>
-                  <a:tr h="370840">
-                    <a:tc>
-                      <a:txBody>
-                        <a:bodyPr/>
-                        <a:lstStyle/>
-                        <a:p>
-                          <a:pPr algn="ctr"/>
-                          <a:r>
-                            <a:rPr lang="en-US" altLang="zh-CN" dirty="0">
-                              <a:latin typeface="微软雅黑" panose="020B0503020204020204" pitchFamily="34" charset="-122"/>
-                              <a:ea typeface="微软雅黑" panose="020B0503020204020204" pitchFamily="34" charset="-122"/>
-                              <a:cs typeface="Times New Roman" panose="02020603050405020304" pitchFamily="18" charset="0"/>
-                            </a:rPr>
-                            <a:t>2</a:t>
-                          </a:r>
-                          <a:endParaRPr lang="zh-CN" altLang="en-US" dirty="0">
-                            <a:latin typeface="微软雅黑" panose="020B0503020204020204" pitchFamily="34" charset="-122"/>
-                            <a:ea typeface="微软雅黑" panose="020B0503020204020204" pitchFamily="34" charset="-122"/>
-                            <a:cs typeface="Times New Roman" panose="02020603050405020304" pitchFamily="18" charset="0"/>
-                          </a:endParaRPr>
-                        </a:p>
-                      </a:txBody>
-                      <a:tcPr/>
-                    </a:tc>
-                    <a:tc>
-                      <a:txBody>
-                        <a:bodyPr/>
-                        <a:lstStyle/>
-                        <a:p>
-                          <a:pPr marL="0" marR="0" lvl="0" indent="0" algn="l" defTabSz="914400" rtl="0" eaLnBrk="1" fontAlgn="auto" latinLnBrk="0" hangingPunct="1">
-                            <a:lnSpc>
-                              <a:spcPct val="100000"/>
-                            </a:lnSpc>
-                            <a:spcBef>
-                              <a:spcPts val="0"/>
-                            </a:spcBef>
-                            <a:spcAft>
-                              <a:spcPts val="0"/>
-                            </a:spcAft>
-                            <a:buClrTx/>
-                            <a:buSzTx/>
-                            <a:buFontTx/>
-                            <a:buNone/>
-                            <a:tabLst/>
-                            <a:defRPr/>
-                          </a:pPr>
-                          <a14:m>
-                            <m:oMathPara xmlns:m="http://schemas.openxmlformats.org/officeDocument/2006/math">
-                              <m:oMathParaPr>
-                                <m:jc m:val="centerGroup"/>
-                              </m:oMathParaPr>
-                              <m:oMath xmlns:m="http://schemas.openxmlformats.org/officeDocument/2006/math">
-                                <m:sSub>
-                                  <m:sSubPr>
-                                    <m:ctrlPr>
-                                      <a:rPr lang="en-US" altLang="zh-CN" b="0" i="1" smtClean="0">
-                                        <a:latin typeface="Cambria Math" panose="02040503050406030204" pitchFamily="18" charset="0"/>
-                                      </a:rPr>
-                                    </m:ctrlPr>
-                                  </m:sSubPr>
-                                  <m:e>
-                                    <m:r>
-                                      <a:rPr lang="en-US" altLang="zh-CN" b="0" i="1" smtClean="0">
-                                        <a:latin typeface="Cambria Math" panose="02040503050406030204" pitchFamily="18" charset="0"/>
-                                      </a:rPr>
-                                      <m:t>𝑒</m:t>
-                                    </m:r>
-                                  </m:e>
-                                  <m:sub>
-                                    <m:r>
-                                      <a:rPr lang="en-US" altLang="zh-CN" b="0" i="1" smtClean="0">
-                                        <a:latin typeface="Cambria Math" panose="02040503050406030204" pitchFamily="18" charset="0"/>
-                                      </a:rPr>
-                                      <m:t>2</m:t>
-                                    </m:r>
-                                  </m:sub>
-                                </m:sSub>
-                                <m:r>
-                                  <a:rPr lang="en-US" altLang="zh-CN" b="0" i="1" smtClean="0">
-                                    <a:latin typeface="Cambria Math" panose="02040503050406030204" pitchFamily="18" charset="0"/>
-                                  </a:rPr>
-                                  <m:t>=[0, 0, 1,…,0]</m:t>
-                                </m:r>
-                              </m:oMath>
-                            </m:oMathPara>
-                          </a14:m>
-                          <a:endParaRPr lang="zh-CN" altLang="en-US" dirty="0"/>
-                        </a:p>
-                      </a:txBody>
-                      <a:tcPr/>
-                    </a:tc>
-                    <a:extLst>
-                      <a:ext uri="{0D108BD9-81ED-4DB2-BD59-A6C34878D82A}">
-                        <a16:rowId xmlns:a16="http://schemas.microsoft.com/office/drawing/2014/main" val="1828038392"/>
-                      </a:ext>
-                    </a:extLst>
-                  </a:tr>
-                  <a:tr h="370840">
-                    <a:tc>
-                      <a:txBody>
-                        <a:bodyPr/>
-                        <a:lstStyle/>
-                        <a:p>
-                          <a:pPr algn="ctr"/>
-                          <a:r>
-                            <a:rPr lang="en-US" altLang="zh-CN" dirty="0">
-                              <a:latin typeface="微软雅黑" panose="020B0503020204020204" pitchFamily="34" charset="-122"/>
-                              <a:ea typeface="微软雅黑" panose="020B0503020204020204" pitchFamily="34" charset="-122"/>
-                              <a:cs typeface="Times New Roman" panose="02020603050405020304" pitchFamily="18" charset="0"/>
-                            </a:rPr>
-                            <a:t>3</a:t>
-                          </a:r>
-                          <a:endParaRPr lang="zh-CN" altLang="en-US" dirty="0">
-                            <a:latin typeface="微软雅黑" panose="020B0503020204020204" pitchFamily="34" charset="-122"/>
-                            <a:ea typeface="微软雅黑" panose="020B0503020204020204" pitchFamily="34" charset="-122"/>
-                            <a:cs typeface="Times New Roman" panose="02020603050405020304" pitchFamily="18" charset="0"/>
-                          </a:endParaRPr>
-                        </a:p>
-                      </a:txBody>
-                      <a:tcPr/>
-                    </a:tc>
-                    <a:tc>
-                      <a:txBody>
-                        <a:bodyPr/>
-                        <a:lstStyle/>
-                        <a:p>
-                          <a:endParaRPr lang="zh-CN" altLang="en-US" dirty="0"/>
-                        </a:p>
-                      </a:txBody>
-                      <a:tcPr/>
-                    </a:tc>
-                    <a:extLst>
-                      <a:ext uri="{0D108BD9-81ED-4DB2-BD59-A6C34878D82A}">
-                        <a16:rowId xmlns:a16="http://schemas.microsoft.com/office/drawing/2014/main" val="3266623670"/>
-                      </a:ext>
-                    </a:extLst>
-                  </a:tr>
-                  <a:tr h="370840">
-                    <a:tc>
-                      <a:txBody>
-                        <a:bodyPr/>
-                        <a:lstStyle/>
-                        <a:p>
-                          <a:pPr algn="ctr"/>
-                          <a:r>
-                            <a:rPr lang="en-US" altLang="zh-CN" dirty="0">
-                              <a:latin typeface="微软雅黑" panose="020B0503020204020204" pitchFamily="34" charset="-122"/>
-                              <a:ea typeface="微软雅黑" panose="020B0503020204020204" pitchFamily="34" charset="-122"/>
-                              <a:cs typeface="Times New Roman" panose="02020603050405020304" pitchFamily="18" charset="0"/>
-                            </a:rPr>
-                            <a:t>···</a:t>
-                          </a:r>
-                          <a:endParaRPr lang="zh-CN" altLang="en-US" dirty="0">
-                            <a:latin typeface="微软雅黑" panose="020B0503020204020204" pitchFamily="34" charset="-122"/>
-                            <a:ea typeface="微软雅黑" panose="020B0503020204020204" pitchFamily="34" charset="-122"/>
-                            <a:cs typeface="Times New Roman" panose="02020603050405020304" pitchFamily="18" charset="0"/>
-                          </a:endParaRPr>
-                        </a:p>
-                      </a:txBody>
-                      <a:tcPr/>
-                    </a:tc>
-                    <a:tc>
-                      <a:txBody>
-                        <a:bodyPr/>
-                        <a:lstStyle/>
-                        <a:p>
-                          <a:r>
-                            <a:rPr lang="en-US" altLang="zh-CN" dirty="0"/>
-                            <a:t>···</a:t>
-                          </a:r>
-                          <a:endParaRPr lang="zh-CN" altLang="en-US" dirty="0"/>
-                        </a:p>
-                      </a:txBody>
-                      <a:tcPr/>
-                    </a:tc>
-                    <a:extLst>
-                      <a:ext uri="{0D108BD9-81ED-4DB2-BD59-A6C34878D82A}">
-                        <a16:rowId xmlns:a16="http://schemas.microsoft.com/office/drawing/2014/main" val="3063401826"/>
-                      </a:ext>
-                    </a:extLst>
-                  </a:tr>
-                </a:tbl>
-              </a:graphicData>
-            </a:graphic>
-          </p:graphicFrame>
-        </mc:Choice>
-        <mc:Fallback xmlns="">
-          <p:graphicFrame>
-            <p:nvGraphicFramePr>
-              <p:cNvPr id="3" name="表格 2">
-                <a:extLst>
-                  <a:ext uri="{FF2B5EF4-FFF2-40B4-BE49-F238E27FC236}">
-                    <a16:creationId xmlns:a16="http://schemas.microsoft.com/office/drawing/2014/main" id="{F66640E6-E32B-4DB3-AB5E-C665FBE929A2}"/>
-                  </a:ext>
-                </a:extLst>
-              </p:cNvPr>
-              <p:cNvGraphicFramePr>
-                <a:graphicFrameLocks noGrp="1"/>
-              </p:cNvGraphicFramePr>
-              <p:nvPr>
-                <p:extLst>
-                  <p:ext uri="{D42A27DB-BD31-4B8C-83A1-F6EECF244321}">
-                    <p14:modId xmlns:p14="http://schemas.microsoft.com/office/powerpoint/2010/main" val="524435502"/>
-                  </p:ext>
-                </p:extLst>
-              </p:nvPr>
-            </p:nvGraphicFramePr>
-            <p:xfrm>
-              <a:off x="1503494" y="1525009"/>
-              <a:ext cx="8128000" cy="2225040"/>
-            </p:xfrm>
-            <a:graphic>
-              <a:graphicData uri="http://schemas.openxmlformats.org/drawingml/2006/table">
-                <a:tbl>
-                  <a:tblPr firstRow="1" bandRow="1">
-                    <a:tableStyleId>{5C22544A-7EE6-4342-B048-85BDC9FD1C3A}</a:tableStyleId>
-                  </a:tblPr>
-                  <a:tblGrid>
-                    <a:gridCol w="4064000">
-                      <a:extLst>
-                        <a:ext uri="{9D8B030D-6E8A-4147-A177-3AD203B41FA5}">
-                          <a16:colId xmlns:a16="http://schemas.microsoft.com/office/drawing/2014/main" val="1748551509"/>
-                        </a:ext>
-                      </a:extLst>
-                    </a:gridCol>
-                    <a:gridCol w="4064000">
-                      <a:extLst>
-                        <a:ext uri="{9D8B030D-6E8A-4147-A177-3AD203B41FA5}">
-                          <a16:colId xmlns:a16="http://schemas.microsoft.com/office/drawing/2014/main" val="1180267281"/>
-                        </a:ext>
-                      </a:extLst>
-                    </a:gridCol>
-                  </a:tblGrid>
-                  <a:tr h="370840">
-                    <a:tc>
-                      <a:txBody>
-                        <a:bodyPr/>
-                        <a:lstStyle/>
-                        <a:p>
-                          <a:pPr algn="ctr"/>
-                          <a:r>
-                            <a:rPr lang="en-US" altLang="zh-CN" dirty="0"/>
-                            <a:t>Vertex</a:t>
-                          </a:r>
-                          <a:endParaRPr lang="zh-CN" altLang="en-US" dirty="0"/>
-                        </a:p>
-                      </a:txBody>
-                      <a:tcPr/>
-                    </a:tc>
-                    <a:tc>
-                      <a:txBody>
-                        <a:bodyPr/>
-                        <a:lstStyle/>
-                        <a:p>
-                          <a:pPr algn="ctr"/>
-                          <a:r>
-                            <a:rPr lang="en-US" altLang="zh-CN" dirty="0"/>
-                            <a:t>One-hot encoding</a:t>
-                          </a:r>
-                          <a:endParaRPr lang="zh-CN" altLang="en-US" dirty="0"/>
-                        </a:p>
-                      </a:txBody>
-                      <a:tcPr/>
-                    </a:tc>
-                    <a:extLst>
-                      <a:ext uri="{0D108BD9-81ED-4DB2-BD59-A6C34878D82A}">
-                        <a16:rowId xmlns:a16="http://schemas.microsoft.com/office/drawing/2014/main" val="3143812712"/>
-                      </a:ext>
-                    </a:extLst>
-                  </a:tr>
-                  <a:tr h="370840">
-                    <a:tc>
-                      <a:txBody>
-                        <a:bodyPr/>
-                        <a:lstStyle/>
-                        <a:p>
-                          <a:pPr algn="ctr"/>
-                          <a:r>
-                            <a:rPr lang="en-US" altLang="zh-CN" dirty="0">
-                              <a:latin typeface="微软雅黑" panose="020B0503020204020204" pitchFamily="34" charset="-122"/>
-                              <a:ea typeface="微软雅黑" panose="020B0503020204020204" pitchFamily="34" charset="-122"/>
-                              <a:cs typeface="Times New Roman" panose="02020603050405020304" pitchFamily="18" charset="0"/>
-                            </a:rPr>
-                            <a:t>0</a:t>
-                          </a:r>
-                          <a:endParaRPr lang="zh-CN" altLang="en-US" dirty="0">
-                            <a:latin typeface="微软雅黑" panose="020B0503020204020204" pitchFamily="34" charset="-122"/>
-                            <a:ea typeface="微软雅黑" panose="020B0503020204020204" pitchFamily="34" charset="-122"/>
-                            <a:cs typeface="Times New Roman" panose="02020603050405020304" pitchFamily="18" charset="0"/>
-                          </a:endParaRPr>
-                        </a:p>
-                      </a:txBody>
-                      <a:tcPr/>
-                    </a:tc>
-                    <a:tc>
-                      <a:txBody>
-                        <a:bodyPr/>
-                        <a:lstStyle/>
-                        <a:p>
-                          <a:endParaRPr lang="zh-CN"/>
-                        </a:p>
-                      </a:txBody>
-                      <a:tcPr>
-                        <a:blipFill>
-                          <a:blip r:embed="rId2"/>
-                          <a:stretch>
-                            <a:fillRect l="-100150" t="-108197" r="-750" b="-422951"/>
-                          </a:stretch>
-                        </a:blipFill>
-                      </a:tcPr>
-                    </a:tc>
-                    <a:extLst>
-                      <a:ext uri="{0D108BD9-81ED-4DB2-BD59-A6C34878D82A}">
-                        <a16:rowId xmlns:a16="http://schemas.microsoft.com/office/drawing/2014/main" val="71195492"/>
-                      </a:ext>
-                    </a:extLst>
-                  </a:tr>
-                  <a:tr h="370840">
-                    <a:tc>
-                      <a:txBody>
-                        <a:bodyPr/>
-                        <a:lstStyle/>
-                        <a:p>
-                          <a:pPr algn="ctr"/>
-                          <a:r>
-                            <a:rPr lang="en-US" altLang="zh-CN" dirty="0">
-                              <a:latin typeface="微软雅黑" panose="020B0503020204020204" pitchFamily="34" charset="-122"/>
-                              <a:ea typeface="微软雅黑" panose="020B0503020204020204" pitchFamily="34" charset="-122"/>
-                              <a:cs typeface="Times New Roman" panose="02020603050405020304" pitchFamily="18" charset="0"/>
-                            </a:rPr>
-                            <a:t>1</a:t>
-                          </a:r>
-                          <a:endParaRPr lang="zh-CN" altLang="en-US" dirty="0">
-                            <a:latin typeface="微软雅黑" panose="020B0503020204020204" pitchFamily="34" charset="-122"/>
-                            <a:ea typeface="微软雅黑" panose="020B0503020204020204" pitchFamily="34" charset="-122"/>
-                            <a:cs typeface="Times New Roman" panose="02020603050405020304" pitchFamily="18" charset="0"/>
-                          </a:endParaRPr>
-                        </a:p>
-                      </a:txBody>
-                      <a:tcPr/>
-                    </a:tc>
-                    <a:tc>
-                      <a:txBody>
-                        <a:bodyPr/>
-                        <a:lstStyle/>
-                        <a:p>
-                          <a:endParaRPr lang="zh-CN"/>
-                        </a:p>
-                      </a:txBody>
-                      <a:tcPr>
-                        <a:blipFill>
-                          <a:blip r:embed="rId2"/>
-                          <a:stretch>
-                            <a:fillRect l="-100150" t="-208197" r="-750" b="-322951"/>
-                          </a:stretch>
-                        </a:blipFill>
-                      </a:tcPr>
-                    </a:tc>
-                    <a:extLst>
-                      <a:ext uri="{0D108BD9-81ED-4DB2-BD59-A6C34878D82A}">
-                        <a16:rowId xmlns:a16="http://schemas.microsoft.com/office/drawing/2014/main" val="2245052409"/>
-                      </a:ext>
-                    </a:extLst>
-                  </a:tr>
-                  <a:tr h="370840">
-                    <a:tc>
-                      <a:txBody>
-                        <a:bodyPr/>
-                        <a:lstStyle/>
-                        <a:p>
-                          <a:pPr algn="ctr"/>
-                          <a:r>
-                            <a:rPr lang="en-US" altLang="zh-CN" dirty="0">
-                              <a:latin typeface="微软雅黑" panose="020B0503020204020204" pitchFamily="34" charset="-122"/>
-                              <a:ea typeface="微软雅黑" panose="020B0503020204020204" pitchFamily="34" charset="-122"/>
-                              <a:cs typeface="Times New Roman" panose="02020603050405020304" pitchFamily="18" charset="0"/>
-                            </a:rPr>
-                            <a:t>2</a:t>
-                          </a:r>
-                          <a:endParaRPr lang="zh-CN" altLang="en-US" dirty="0">
-                            <a:latin typeface="微软雅黑" panose="020B0503020204020204" pitchFamily="34" charset="-122"/>
-                            <a:ea typeface="微软雅黑" panose="020B0503020204020204" pitchFamily="34" charset="-122"/>
-                            <a:cs typeface="Times New Roman" panose="02020603050405020304" pitchFamily="18" charset="0"/>
-                          </a:endParaRPr>
-                        </a:p>
-                      </a:txBody>
-                      <a:tcPr/>
-                    </a:tc>
-                    <a:tc>
-                      <a:txBody>
-                        <a:bodyPr/>
-                        <a:lstStyle/>
-                        <a:p>
-                          <a:endParaRPr lang="zh-CN"/>
-                        </a:p>
-                      </a:txBody>
-                      <a:tcPr>
-                        <a:blipFill>
-                          <a:blip r:embed="rId2"/>
-                          <a:stretch>
-                            <a:fillRect l="-100150" t="-308197" r="-750" b="-222951"/>
-                          </a:stretch>
-                        </a:blipFill>
-                      </a:tcPr>
-                    </a:tc>
-                    <a:extLst>
-                      <a:ext uri="{0D108BD9-81ED-4DB2-BD59-A6C34878D82A}">
-                        <a16:rowId xmlns:a16="http://schemas.microsoft.com/office/drawing/2014/main" val="1828038392"/>
-                      </a:ext>
-                    </a:extLst>
-                  </a:tr>
-                  <a:tr h="370840">
-                    <a:tc>
-                      <a:txBody>
-                        <a:bodyPr/>
-                        <a:lstStyle/>
-                        <a:p>
-                          <a:pPr algn="ctr"/>
-                          <a:r>
-                            <a:rPr lang="en-US" altLang="zh-CN" dirty="0">
-                              <a:latin typeface="微软雅黑" panose="020B0503020204020204" pitchFamily="34" charset="-122"/>
-                              <a:ea typeface="微软雅黑" panose="020B0503020204020204" pitchFamily="34" charset="-122"/>
-                              <a:cs typeface="Times New Roman" panose="02020603050405020304" pitchFamily="18" charset="0"/>
-                            </a:rPr>
-                            <a:t>3</a:t>
-                          </a:r>
-                          <a:endParaRPr lang="zh-CN" altLang="en-US" dirty="0">
-                            <a:latin typeface="微软雅黑" panose="020B0503020204020204" pitchFamily="34" charset="-122"/>
-                            <a:ea typeface="微软雅黑" panose="020B0503020204020204" pitchFamily="34" charset="-122"/>
-                            <a:cs typeface="Times New Roman" panose="02020603050405020304" pitchFamily="18" charset="0"/>
-                          </a:endParaRPr>
-                        </a:p>
-                      </a:txBody>
-                      <a:tcPr/>
-                    </a:tc>
-                    <a:tc>
-                      <a:txBody>
-                        <a:bodyPr/>
-                        <a:lstStyle/>
-                        <a:p>
-                          <a:endParaRPr lang="zh-CN" altLang="en-US" dirty="0"/>
-                        </a:p>
-                      </a:txBody>
-                      <a:tcPr/>
-                    </a:tc>
-                    <a:extLst>
-                      <a:ext uri="{0D108BD9-81ED-4DB2-BD59-A6C34878D82A}">
-                        <a16:rowId xmlns:a16="http://schemas.microsoft.com/office/drawing/2014/main" val="3266623670"/>
-                      </a:ext>
-                    </a:extLst>
-                  </a:tr>
-                  <a:tr h="370840">
-                    <a:tc>
-                      <a:txBody>
-                        <a:bodyPr/>
-                        <a:lstStyle/>
-                        <a:p>
-                          <a:pPr algn="ctr"/>
-                          <a:r>
-                            <a:rPr lang="en-US" altLang="zh-CN" dirty="0">
-                              <a:latin typeface="微软雅黑" panose="020B0503020204020204" pitchFamily="34" charset="-122"/>
-                              <a:ea typeface="微软雅黑" panose="020B0503020204020204" pitchFamily="34" charset="-122"/>
-                              <a:cs typeface="Times New Roman" panose="02020603050405020304" pitchFamily="18" charset="0"/>
-                            </a:rPr>
-                            <a:t>···</a:t>
-                          </a:r>
-                          <a:endParaRPr lang="zh-CN" altLang="en-US" dirty="0">
-                            <a:latin typeface="微软雅黑" panose="020B0503020204020204" pitchFamily="34" charset="-122"/>
-                            <a:ea typeface="微软雅黑" panose="020B0503020204020204" pitchFamily="34" charset="-122"/>
-                            <a:cs typeface="Times New Roman" panose="02020603050405020304" pitchFamily="18" charset="0"/>
-                          </a:endParaRPr>
-                        </a:p>
-                      </a:txBody>
-                      <a:tcPr/>
-                    </a:tc>
-                    <a:tc>
-                      <a:txBody>
-                        <a:bodyPr/>
-                        <a:lstStyle/>
-                        <a:p>
-                          <a:r>
-                            <a:rPr lang="en-US" altLang="zh-CN" dirty="0"/>
-                            <a:t>···</a:t>
-                          </a:r>
-                          <a:endParaRPr lang="zh-CN" altLang="en-US" dirty="0"/>
-                        </a:p>
-                      </a:txBody>
-                      <a:tcPr/>
-                    </a:tc>
-                    <a:extLst>
-                      <a:ext uri="{0D108BD9-81ED-4DB2-BD59-A6C34878D82A}">
-                        <a16:rowId xmlns:a16="http://schemas.microsoft.com/office/drawing/2014/main" val="3063401826"/>
-                      </a:ext>
-                    </a:extLst>
-                  </a:tr>
-                </a:tbl>
-              </a:graphicData>
-            </a:graphic>
-          </p:graphicFrame>
-        </mc:Fallback>
-      </mc:AlternateContent>
+      <p:sp>
+        <p:nvSpPr>
+          <p:cNvPr id="5" name="矩形 4">
+            <a:extLst>
+              <a:ext uri="{FF2B5EF4-FFF2-40B4-BE49-F238E27FC236}">
+                <a16:creationId xmlns:a16="http://schemas.microsoft.com/office/drawing/2014/main" id="{7E025C04-40C0-4909-BEAE-976EABC65529}"/>
+              </a:ext>
+            </a:extLst>
+          </p:cNvPr>
+          <p:cNvSpPr/>
+          <p:nvPr/>
+        </p:nvSpPr>
+        <p:spPr>
+          <a:xfrm>
+            <a:off x="374935" y="156552"/>
+            <a:ext cx="2675590" cy="369332"/>
+          </a:xfrm>
+          <a:prstGeom prst="rect">
+            <a:avLst/>
+          </a:prstGeom>
+        </p:spPr>
+        <p:txBody>
+          <a:bodyPr wrap="square">
+            <a:spAutoFit/>
+          </a:bodyPr>
+          <a:lstStyle/>
+          <a:p>
+            <a:r>
+              <a:rPr lang="en-US" altLang="zh-CN" b="1" dirty="0">
+                <a:latin typeface="Times New Roman" panose="02020603050405020304" pitchFamily="18" charset="0"/>
+                <a:cs typeface="Times New Roman" panose="02020603050405020304" pitchFamily="18" charset="0"/>
+              </a:rPr>
+              <a:t>Hierarchical </a:t>
+            </a:r>
+            <a:r>
+              <a:rPr lang="en-US" altLang="zh-CN" b="1" dirty="0" err="1">
+                <a:latin typeface="Times New Roman" panose="02020603050405020304" pitchFamily="18" charset="0"/>
+                <a:cs typeface="Times New Roman" panose="02020603050405020304" pitchFamily="18" charset="0"/>
+              </a:rPr>
+              <a:t>Softmax</a:t>
+            </a:r>
+            <a:endParaRPr lang="zh-CN" altLang="en-US" b="1" dirty="0">
+              <a:latin typeface="Times New Roman" panose="02020603050405020304" pitchFamily="18" charset="0"/>
+              <a:cs typeface="Times New Roman" panose="02020603050405020304" pitchFamily="18" charset="0"/>
+            </a:endParaRPr>
+          </a:p>
+        </p:txBody>
+      </p:sp>
+      <p:pic>
+        <p:nvPicPr>
+          <p:cNvPr id="6" name="图片 5">
+            <a:extLst>
+              <a:ext uri="{FF2B5EF4-FFF2-40B4-BE49-F238E27FC236}">
+                <a16:creationId xmlns:a16="http://schemas.microsoft.com/office/drawing/2014/main" id="{04910712-3A6C-48CB-89CB-59520E167096}"/>
+              </a:ext>
+            </a:extLst>
+          </p:cNvPr>
+          <p:cNvPicPr>
+            <a:picLocks noChangeAspect="1"/>
+          </p:cNvPicPr>
+          <p:nvPr/>
+        </p:nvPicPr>
+        <p:blipFill>
+          <a:blip r:embed="rId2"/>
+          <a:stretch>
+            <a:fillRect/>
+          </a:stretch>
+        </p:blipFill>
+        <p:spPr>
+          <a:xfrm>
+            <a:off x="4590973" y="630715"/>
+            <a:ext cx="1505027" cy="342918"/>
+          </a:xfrm>
+          <a:prstGeom prst="rect">
+            <a:avLst/>
+          </a:prstGeom>
+        </p:spPr>
+      </p:pic>
       <mc:AlternateContent xmlns:mc="http://schemas.openxmlformats.org/markup-compatibility/2006" xmlns:a14="http://schemas.microsoft.com/office/drawing/2010/main">
         <mc:Choice Requires="a14">
           <p:sp>
             <p:nvSpPr>
-              <p:cNvPr id="4" name="矩形 3">
+              <p:cNvPr id="7" name="矩形 6">
                 <a:extLst>
                   <a:ext uri="{FF2B5EF4-FFF2-40B4-BE49-F238E27FC236}">
-                    <a16:creationId xmlns:a16="http://schemas.microsoft.com/office/drawing/2014/main" id="{7ACD0971-9307-4AF8-979A-819D9AAD193D}"/>
+                    <a16:creationId xmlns:a16="http://schemas.microsoft.com/office/drawing/2014/main" id="{6B86DD1C-0F23-4A77-8502-6DB265CE0BE4}"/>
                   </a:ext>
                 </a:extLst>
               </p:cNvPr>
@@ -14037,925 +14172,8 @@
             </p:nvSpPr>
             <p:spPr>
               <a:xfrm>
-                <a:off x="1332330" y="299799"/>
-                <a:ext cx="6315255" cy="948208"/>
-              </a:xfrm>
-              <a:prstGeom prst="rect">
-                <a:avLst/>
-              </a:prstGeom>
-            </p:spPr>
-            <p:txBody>
-              <a:bodyPr wrap="none">
-                <a:spAutoFit/>
-              </a:bodyPr>
-              <a:lstStyle/>
-              <a:p>
-                <a:pPr marL="285750" indent="-285750">
-                  <a:buFont typeface="Arial" panose="020B0604020202020204" pitchFamily="34" charset="0"/>
-                  <a:buChar char="•"/>
-                </a:pPr>
-                <a:r>
-                  <a:rPr lang="en-US" altLang="zh-CN" dirty="0">
-                    <a:latin typeface="Times New Roman" panose="02020603050405020304" pitchFamily="18" charset="0"/>
-                    <a:ea typeface="黑体" panose="02010609060101010101" pitchFamily="49" charset="-122"/>
-                    <a:cs typeface="Times New Roman" panose="02020603050405020304" pitchFamily="18" charset="0"/>
-                  </a:rPr>
-                  <a:t>Represent vertex using one-hot vectors.</a:t>
-                </a:r>
-              </a:p>
-              <a:p>
-                <a:pPr marL="742950" lvl="1" indent="-285750">
-                  <a:buFont typeface="Arial" panose="020B0604020202020204" pitchFamily="34" charset="0"/>
-                  <a:buChar char="•"/>
-                </a:pPr>
-                <a14:m>
-                  <m:oMath xmlns:m="http://schemas.openxmlformats.org/officeDocument/2006/math">
-                    <m:r>
-                      <a:rPr lang="en-US" altLang="zh-CN" b="0" i="1" smtClean="0">
-                        <a:latin typeface="Cambria Math" panose="02040503050406030204" pitchFamily="18" charset="0"/>
-                      </a:rPr>
-                      <m:t>|</m:t>
-                    </m:r>
-                    <m:r>
-                      <a:rPr lang="en-US" altLang="zh-CN" b="0" i="1" smtClean="0">
-                        <a:latin typeface="Cambria Math" panose="02040503050406030204" pitchFamily="18" charset="0"/>
-                      </a:rPr>
-                      <m:t>𝑉</m:t>
-                    </m:r>
-                    <m:r>
-                      <a:rPr lang="en-US" altLang="zh-CN" b="0" i="1" smtClean="0">
-                        <a:latin typeface="Cambria Math" panose="02040503050406030204" pitchFamily="18" charset="0"/>
-                      </a:rPr>
-                      <m:t>|</m:t>
-                    </m:r>
-                  </m:oMath>
-                </a14:m>
-                <a:r>
-                  <a:rPr lang="en-US" altLang="zh-CN" dirty="0">
-                    <a:latin typeface="Times New Roman" panose="02020603050405020304" pitchFamily="18" charset="0"/>
-                    <a:ea typeface="黑体" panose="02010609060101010101" pitchFamily="49" charset="-122"/>
-                    <a:cs typeface="Times New Roman" panose="02020603050405020304" pitchFamily="18" charset="0"/>
-                  </a:rPr>
-                  <a:t> unique vertices.</a:t>
-                </a:r>
-              </a:p>
-              <a:p>
-                <a:pPr marL="742950" lvl="1" indent="-285750">
-                  <a:buFont typeface="Arial" panose="020B0604020202020204" pitchFamily="34" charset="0"/>
-                  <a:buChar char="•"/>
-                </a:pPr>
-                <a:r>
-                  <a:rPr lang="en-US" altLang="zh-CN" dirty="0">
-                    <a:latin typeface="Times New Roman" panose="02020603050405020304" pitchFamily="18" charset="0"/>
-                    <a:ea typeface="黑体" panose="02010609060101010101" pitchFamily="49" charset="-122"/>
-                    <a:cs typeface="Times New Roman" panose="02020603050405020304" pitchFamily="18" charset="0"/>
-                  </a:rPr>
-                  <a:t>Then one-hot vector </a:t>
-                </a:r>
-                <a14:m>
-                  <m:oMath xmlns:m="http://schemas.openxmlformats.org/officeDocument/2006/math">
-                    <m:sSub>
-                      <m:sSubPr>
-                        <m:ctrlPr>
-                          <a:rPr lang="en-US" altLang="zh-CN" i="1">
-                            <a:latin typeface="Cambria Math" panose="02040503050406030204" pitchFamily="18" charset="0"/>
-                          </a:rPr>
-                        </m:ctrlPr>
-                      </m:sSubPr>
-                      <m:e>
-                        <m:r>
-                          <a:rPr lang="en-US" altLang="zh-CN" i="1">
-                            <a:latin typeface="Cambria Math" panose="02040503050406030204" pitchFamily="18" charset="0"/>
-                          </a:rPr>
-                          <m:t>𝑒</m:t>
-                        </m:r>
-                      </m:e>
-                      <m:sub>
-                        <m:r>
-                          <a:rPr lang="en-US" altLang="zh-CN" i="1">
-                            <a:latin typeface="Cambria Math" panose="02040503050406030204" pitchFamily="18" charset="0"/>
-                          </a:rPr>
-                          <m:t>0</m:t>
-                        </m:r>
-                      </m:sub>
-                    </m:sSub>
-                    <m:r>
-                      <a:rPr lang="en-US" altLang="zh-CN" b="0" i="0" smtClean="0">
-                        <a:latin typeface="Cambria Math" panose="02040503050406030204" pitchFamily="18" charset="0"/>
-                      </a:rPr>
-                      <m:t>,</m:t>
-                    </m:r>
-                    <m:sSub>
-                      <m:sSubPr>
-                        <m:ctrlPr>
-                          <a:rPr lang="en-US" altLang="zh-CN" i="1">
-                            <a:latin typeface="Cambria Math" panose="02040503050406030204" pitchFamily="18" charset="0"/>
-                          </a:rPr>
-                        </m:ctrlPr>
-                      </m:sSubPr>
-                      <m:e>
-                        <m:r>
-                          <a:rPr lang="en-US" altLang="zh-CN" i="1">
-                            <a:latin typeface="Cambria Math" panose="02040503050406030204" pitchFamily="18" charset="0"/>
-                          </a:rPr>
-                          <m:t>𝑒</m:t>
-                        </m:r>
-                      </m:e>
-                      <m:sub>
-                        <m:r>
-                          <a:rPr lang="en-US" altLang="zh-CN" b="0" i="1" smtClean="0">
-                            <a:latin typeface="Cambria Math" panose="02040503050406030204" pitchFamily="18" charset="0"/>
-                          </a:rPr>
-                          <m:t>1 </m:t>
-                        </m:r>
-                      </m:sub>
-                    </m:sSub>
-                    <m:r>
-                      <a:rPr lang="en-US" altLang="zh-CN" b="0" i="1" smtClean="0">
-                        <a:latin typeface="Cambria Math" panose="02040503050406030204" pitchFamily="18" charset="0"/>
-                      </a:rPr>
-                      <m:t>, </m:t>
-                    </m:r>
-                    <m:sSub>
-                      <m:sSubPr>
-                        <m:ctrlPr>
-                          <a:rPr lang="en-US" altLang="zh-CN" b="0" i="1" smtClean="0">
-                            <a:latin typeface="Cambria Math" panose="02040503050406030204" pitchFamily="18" charset="0"/>
-                          </a:rPr>
-                        </m:ctrlPr>
-                      </m:sSubPr>
-                      <m:e>
-                        <m:r>
-                          <a:rPr lang="en-US" altLang="zh-CN" b="0" i="1" smtClean="0">
-                            <a:latin typeface="Cambria Math" panose="02040503050406030204" pitchFamily="18" charset="0"/>
-                          </a:rPr>
-                          <m:t>𝑒</m:t>
-                        </m:r>
-                      </m:e>
-                      <m:sub>
-                        <m:r>
-                          <a:rPr lang="en-US" altLang="zh-CN" b="0" i="1" smtClean="0">
-                            <a:latin typeface="Cambria Math" panose="02040503050406030204" pitchFamily="18" charset="0"/>
-                          </a:rPr>
-                          <m:t>2</m:t>
-                        </m:r>
-                      </m:sub>
-                    </m:sSub>
-                    <m:r>
-                      <a:rPr lang="en-US" altLang="zh-CN" b="0" i="1" smtClean="0">
-                        <a:latin typeface="Cambria Math" panose="02040503050406030204" pitchFamily="18" charset="0"/>
-                      </a:rPr>
-                      <m:t>, </m:t>
-                    </m:r>
-                    <m:r>
-                      <a:rPr lang="en-US" altLang="zh-CN" i="1">
-                        <a:latin typeface="Cambria Math" panose="02040503050406030204" pitchFamily="18" charset="0"/>
-                      </a:rPr>
-                      <m:t>·</m:t>
-                    </m:r>
-                    <m:r>
-                      <a:rPr lang="en-US" altLang="zh-CN" i="1" smtClean="0">
-                        <a:latin typeface="Cambria Math" panose="02040503050406030204" pitchFamily="18" charset="0"/>
-                      </a:rPr>
-                      <m:t>·</m:t>
-                    </m:r>
-                    <m:r>
-                      <a:rPr lang="en-US" altLang="zh-CN" i="1">
-                        <a:latin typeface="Cambria Math" panose="02040503050406030204" pitchFamily="18" charset="0"/>
-                      </a:rPr>
-                      <m:t>·</m:t>
-                    </m:r>
-                    <m:r>
-                      <a:rPr lang="en-US" altLang="zh-CN" b="0" i="1" smtClean="0">
-                        <a:latin typeface="Cambria Math" panose="02040503050406030204" pitchFamily="18" charset="0"/>
-                      </a:rPr>
-                      <m:t>, </m:t>
-                    </m:r>
-                    <m:sSub>
-                      <m:sSubPr>
-                        <m:ctrlPr>
-                          <a:rPr lang="en-US" altLang="zh-CN" b="0" i="1" smtClean="0">
-                            <a:latin typeface="Cambria Math" panose="02040503050406030204" pitchFamily="18" charset="0"/>
-                          </a:rPr>
-                        </m:ctrlPr>
-                      </m:sSubPr>
-                      <m:e>
-                        <m:r>
-                          <a:rPr lang="en-US" altLang="zh-CN" b="0" i="1" smtClean="0">
-                            <a:latin typeface="Cambria Math" panose="02040503050406030204" pitchFamily="18" charset="0"/>
-                          </a:rPr>
-                          <m:t>𝑒</m:t>
-                        </m:r>
-                      </m:e>
-                      <m:sub>
-                        <m:r>
-                          <a:rPr lang="en-US" altLang="zh-CN" b="0" i="1" smtClean="0">
-                            <a:latin typeface="Cambria Math" panose="02040503050406030204" pitchFamily="18" charset="0"/>
-                          </a:rPr>
-                          <m:t>|</m:t>
-                        </m:r>
-                        <m:r>
-                          <a:rPr lang="en-US" altLang="zh-CN" b="0" i="1" smtClean="0">
-                            <a:latin typeface="Cambria Math" panose="02040503050406030204" pitchFamily="18" charset="0"/>
-                          </a:rPr>
-                          <m:t>𝑉</m:t>
-                        </m:r>
-                        <m:r>
-                          <a:rPr lang="en-US" altLang="zh-CN" b="0" i="1" smtClean="0">
-                            <a:latin typeface="Cambria Math" panose="02040503050406030204" pitchFamily="18" charset="0"/>
-                          </a:rPr>
-                          <m:t>|</m:t>
-                        </m:r>
-                      </m:sub>
-                    </m:sSub>
-                  </m:oMath>
-                </a14:m>
-                <a:r>
-                  <a:rPr lang="zh-CN" altLang="en-US" dirty="0"/>
-                  <a:t> </a:t>
-                </a:r>
-                <a:r>
-                  <a:rPr lang="en-US" altLang="zh-CN" dirty="0">
-                    <a:latin typeface="Times New Roman" panose="02020603050405020304" pitchFamily="18" charset="0"/>
-                    <a:cs typeface="Times New Roman" panose="02020603050405020304" pitchFamily="18" charset="0"/>
-                  </a:rPr>
-                  <a:t>is </a:t>
-                </a:r>
-                <a14:m>
-                  <m:oMath xmlns:m="http://schemas.openxmlformats.org/officeDocument/2006/math">
-                    <m:r>
-                      <a:rPr lang="en-US" altLang="zh-CN" i="1">
-                        <a:latin typeface="Cambria Math" panose="02040503050406030204" pitchFamily="18" charset="0"/>
-                      </a:rPr>
-                      <m:t>|</m:t>
-                    </m:r>
-                    <m:r>
-                      <a:rPr lang="en-US" altLang="zh-CN" i="1">
-                        <a:latin typeface="Cambria Math" panose="02040503050406030204" pitchFamily="18" charset="0"/>
-                      </a:rPr>
-                      <m:t>𝑉</m:t>
-                    </m:r>
-                    <m:r>
-                      <a:rPr lang="en-US" altLang="zh-CN" i="1">
-                        <a:latin typeface="Cambria Math" panose="02040503050406030204" pitchFamily="18" charset="0"/>
-                      </a:rPr>
-                      <m:t>|</m:t>
-                    </m:r>
-                  </m:oMath>
-                </a14:m>
-                <a:r>
-                  <a:rPr lang="en-US" altLang="zh-CN" dirty="0">
-                    <a:latin typeface="Times New Roman" panose="02020603050405020304" pitchFamily="18" charset="0"/>
-                    <a:ea typeface="黑体" panose="02010609060101010101" pitchFamily="49" charset="-122"/>
-                    <a:cs typeface="Times New Roman" panose="02020603050405020304" pitchFamily="18" charset="0"/>
-                  </a:rPr>
-                  <a:t> </a:t>
-                </a:r>
-                <a:r>
-                  <a:rPr lang="en-US" altLang="zh-CN" dirty="0">
-                    <a:latin typeface="Times New Roman" panose="02020603050405020304" pitchFamily="18" charset="0"/>
-                    <a:cs typeface="Times New Roman" panose="02020603050405020304" pitchFamily="18" charset="0"/>
-                  </a:rPr>
-                  <a:t>- dimensional.</a:t>
-                </a:r>
-                <a:endParaRPr lang="zh-CN" altLang="en-US" dirty="0"/>
-              </a:p>
-            </p:txBody>
-          </p:sp>
-        </mc:Choice>
-        <mc:Fallback xmlns="">
-          <p:sp>
-            <p:nvSpPr>
-              <p:cNvPr id="4" name="矩形 3">
-                <a:extLst>
-                  <a:ext uri="{FF2B5EF4-FFF2-40B4-BE49-F238E27FC236}">
-                    <a16:creationId xmlns:a16="http://schemas.microsoft.com/office/drawing/2014/main" id="{7ACD0971-9307-4AF8-979A-819D9AAD193D}"/>
-                  </a:ext>
-                </a:extLst>
-              </p:cNvPr>
-              <p:cNvSpPr>
-                <a:spLocks noRot="1" noChangeAspect="1" noMove="1" noResize="1" noEditPoints="1" noAdjustHandles="1" noChangeArrowheads="1" noChangeShapeType="1" noTextEdit="1"/>
-              </p:cNvSpPr>
-              <p:nvPr/>
-            </p:nvSpPr>
-            <p:spPr>
-              <a:xfrm>
-                <a:off x="1332330" y="299799"/>
-                <a:ext cx="6315255" cy="948208"/>
-              </a:xfrm>
-              <a:prstGeom prst="rect">
-                <a:avLst/>
-              </a:prstGeom>
-              <a:blipFill>
-                <a:blip r:embed="rId3"/>
-                <a:stretch>
-                  <a:fillRect l="-676" t="-3205" r="-483" b="-6410"/>
-                </a:stretch>
-              </a:blipFill>
-            </p:spPr>
-            <p:txBody>
-              <a:bodyPr/>
-              <a:lstStyle/>
-              <a:p>
-                <a:r>
-                  <a:rPr lang="zh-CN" altLang="en-US">
-                    <a:noFill/>
-                  </a:rPr>
-                  <a:t> </a:t>
-                </a:r>
-              </a:p>
-            </p:txBody>
-          </p:sp>
-        </mc:Fallback>
-      </mc:AlternateContent>
-      <p:sp>
-        <p:nvSpPr>
-          <p:cNvPr id="5" name="流程图: 接点 4">
-            <a:extLst>
-              <a:ext uri="{FF2B5EF4-FFF2-40B4-BE49-F238E27FC236}">
-                <a16:creationId xmlns:a16="http://schemas.microsoft.com/office/drawing/2014/main" id="{89BF2A13-6CA5-4939-908E-E00187CAEC8C}"/>
-              </a:ext>
-            </a:extLst>
-          </p:cNvPr>
-          <p:cNvSpPr/>
-          <p:nvPr/>
-        </p:nvSpPr>
-        <p:spPr>
-          <a:xfrm>
-            <a:off x="1332330" y="5341121"/>
-            <a:ext cx="171164" cy="170916"/>
-          </a:xfrm>
-          <a:prstGeom prst="flowChartConnector">
-            <a:avLst/>
-          </a:prstGeom>
-        </p:spPr>
-        <p:style>
-          <a:lnRef idx="2">
-            <a:schemeClr val="accent1">
-              <a:shade val="50000"/>
-            </a:schemeClr>
-          </a:lnRef>
-          <a:fillRef idx="1">
-            <a:schemeClr val="accent1"/>
-          </a:fillRef>
-          <a:effectRef idx="0">
-            <a:schemeClr val="accent1"/>
-          </a:effectRef>
-          <a:fontRef idx="minor">
-            <a:schemeClr val="lt1"/>
-          </a:fontRef>
-        </p:style>
-        <p:txBody>
-          <a:bodyPr rtlCol="0" anchor="ctr"/>
-          <a:lstStyle/>
-          <a:p>
-            <a:pPr algn="ctr"/>
-            <a:endParaRPr lang="zh-CN" altLang="en-US"/>
-          </a:p>
-        </p:txBody>
-      </p:sp>
-      <p:sp>
-        <p:nvSpPr>
-          <p:cNvPr id="6" name="流程图: 接点 5">
-            <a:extLst>
-              <a:ext uri="{FF2B5EF4-FFF2-40B4-BE49-F238E27FC236}">
-                <a16:creationId xmlns:a16="http://schemas.microsoft.com/office/drawing/2014/main" id="{CFA89DC2-105C-4380-9E6D-A64CD713EEC1}"/>
-              </a:ext>
-            </a:extLst>
-          </p:cNvPr>
-          <p:cNvSpPr/>
-          <p:nvPr/>
-        </p:nvSpPr>
-        <p:spPr>
-          <a:xfrm>
-            <a:off x="1937657" y="4673125"/>
-            <a:ext cx="171164" cy="170916"/>
-          </a:xfrm>
-          <a:prstGeom prst="flowChartConnector">
-            <a:avLst/>
-          </a:prstGeom>
-        </p:spPr>
-        <p:style>
-          <a:lnRef idx="2">
-            <a:schemeClr val="accent1">
-              <a:shade val="50000"/>
-            </a:schemeClr>
-          </a:lnRef>
-          <a:fillRef idx="1">
-            <a:schemeClr val="accent1"/>
-          </a:fillRef>
-          <a:effectRef idx="0">
-            <a:schemeClr val="accent1"/>
-          </a:effectRef>
-          <a:fontRef idx="minor">
-            <a:schemeClr val="lt1"/>
-          </a:fontRef>
-        </p:style>
-        <p:txBody>
-          <a:bodyPr rtlCol="0" anchor="ctr"/>
-          <a:lstStyle/>
-          <a:p>
-            <a:pPr algn="ctr"/>
-            <a:endParaRPr lang="zh-CN" altLang="en-US"/>
-          </a:p>
-        </p:txBody>
-      </p:sp>
-      <p:sp>
-        <p:nvSpPr>
-          <p:cNvPr id="7" name="流程图: 接点 6">
-            <a:extLst>
-              <a:ext uri="{FF2B5EF4-FFF2-40B4-BE49-F238E27FC236}">
-                <a16:creationId xmlns:a16="http://schemas.microsoft.com/office/drawing/2014/main" id="{BDDFA411-E06C-4D99-8711-EE25B9AF7EFC}"/>
-              </a:ext>
-            </a:extLst>
-          </p:cNvPr>
-          <p:cNvSpPr/>
-          <p:nvPr/>
-        </p:nvSpPr>
-        <p:spPr>
-          <a:xfrm>
-            <a:off x="2535863" y="5341121"/>
-            <a:ext cx="171164" cy="170916"/>
-          </a:xfrm>
-          <a:prstGeom prst="flowChartConnector">
-            <a:avLst/>
-          </a:prstGeom>
-        </p:spPr>
-        <p:style>
-          <a:lnRef idx="2">
-            <a:schemeClr val="accent1">
-              <a:shade val="50000"/>
-            </a:schemeClr>
-          </a:lnRef>
-          <a:fillRef idx="1">
-            <a:schemeClr val="accent1"/>
-          </a:fillRef>
-          <a:effectRef idx="0">
-            <a:schemeClr val="accent1"/>
-          </a:effectRef>
-          <a:fontRef idx="minor">
-            <a:schemeClr val="lt1"/>
-          </a:fontRef>
-        </p:style>
-        <p:txBody>
-          <a:bodyPr rtlCol="0" anchor="ctr"/>
-          <a:lstStyle/>
-          <a:p>
-            <a:pPr algn="ctr"/>
-            <a:endParaRPr lang="zh-CN" altLang="en-US"/>
-          </a:p>
-        </p:txBody>
-      </p:sp>
-      <p:sp>
-        <p:nvSpPr>
-          <p:cNvPr id="8" name="流程图: 接点 7">
-            <a:extLst>
-              <a:ext uri="{FF2B5EF4-FFF2-40B4-BE49-F238E27FC236}">
-                <a16:creationId xmlns:a16="http://schemas.microsoft.com/office/drawing/2014/main" id="{C2CEC31C-D884-4D00-8E35-D3E3C21551BA}"/>
-              </a:ext>
-            </a:extLst>
-          </p:cNvPr>
-          <p:cNvSpPr/>
-          <p:nvPr/>
-        </p:nvSpPr>
-        <p:spPr>
-          <a:xfrm>
-            <a:off x="3236617" y="4673125"/>
-            <a:ext cx="171164" cy="170916"/>
-          </a:xfrm>
-          <a:prstGeom prst="flowChartConnector">
-            <a:avLst/>
-          </a:prstGeom>
-        </p:spPr>
-        <p:style>
-          <a:lnRef idx="2">
-            <a:schemeClr val="accent1">
-              <a:shade val="50000"/>
-            </a:schemeClr>
-          </a:lnRef>
-          <a:fillRef idx="1">
-            <a:schemeClr val="accent1"/>
-          </a:fillRef>
-          <a:effectRef idx="0">
-            <a:schemeClr val="accent1"/>
-          </a:effectRef>
-          <a:fontRef idx="minor">
-            <a:schemeClr val="lt1"/>
-          </a:fontRef>
-        </p:style>
-        <p:txBody>
-          <a:bodyPr rtlCol="0" anchor="ctr"/>
-          <a:lstStyle/>
-          <a:p>
-            <a:pPr algn="ctr"/>
-            <a:endParaRPr lang="zh-CN" altLang="en-US"/>
-          </a:p>
-        </p:txBody>
-      </p:sp>
-      <p:sp>
-        <p:nvSpPr>
-          <p:cNvPr id="9" name="流程图: 接点 8">
-            <a:extLst>
-              <a:ext uri="{FF2B5EF4-FFF2-40B4-BE49-F238E27FC236}">
-                <a16:creationId xmlns:a16="http://schemas.microsoft.com/office/drawing/2014/main" id="{BA5B5612-86DC-458E-BD61-915B9E93FA33}"/>
-              </a:ext>
-            </a:extLst>
-          </p:cNvPr>
-          <p:cNvSpPr/>
-          <p:nvPr/>
-        </p:nvSpPr>
-        <p:spPr>
-          <a:xfrm>
-            <a:off x="3653814" y="5341121"/>
-            <a:ext cx="171164" cy="170916"/>
-          </a:xfrm>
-          <a:prstGeom prst="flowChartConnector">
-            <a:avLst/>
-          </a:prstGeom>
-        </p:spPr>
-        <p:style>
-          <a:lnRef idx="2">
-            <a:schemeClr val="accent1">
-              <a:shade val="50000"/>
-            </a:schemeClr>
-          </a:lnRef>
-          <a:fillRef idx="1">
-            <a:schemeClr val="accent1"/>
-          </a:fillRef>
-          <a:effectRef idx="0">
-            <a:schemeClr val="accent1"/>
-          </a:effectRef>
-          <a:fontRef idx="minor">
-            <a:schemeClr val="lt1"/>
-          </a:fontRef>
-        </p:style>
-        <p:txBody>
-          <a:bodyPr rtlCol="0" anchor="ctr"/>
-          <a:lstStyle/>
-          <a:p>
-            <a:pPr algn="ctr"/>
-            <a:endParaRPr lang="zh-CN" altLang="en-US"/>
-          </a:p>
-        </p:txBody>
-      </p:sp>
-      <p:sp>
-        <p:nvSpPr>
-          <p:cNvPr id="10" name="流程图: 接点 9">
-            <a:extLst>
-              <a:ext uri="{FF2B5EF4-FFF2-40B4-BE49-F238E27FC236}">
-                <a16:creationId xmlns:a16="http://schemas.microsoft.com/office/drawing/2014/main" id="{B18166F4-75C2-4B1B-812A-131E17706C87}"/>
-              </a:ext>
-            </a:extLst>
-          </p:cNvPr>
-          <p:cNvSpPr/>
-          <p:nvPr/>
-        </p:nvSpPr>
-        <p:spPr>
-          <a:xfrm>
-            <a:off x="2894786" y="6066090"/>
-            <a:ext cx="171164" cy="170916"/>
-          </a:xfrm>
-          <a:prstGeom prst="flowChartConnector">
-            <a:avLst/>
-          </a:prstGeom>
-        </p:spPr>
-        <p:style>
-          <a:lnRef idx="2">
-            <a:schemeClr val="accent1">
-              <a:shade val="50000"/>
-            </a:schemeClr>
-          </a:lnRef>
-          <a:fillRef idx="1">
-            <a:schemeClr val="accent1"/>
-          </a:fillRef>
-          <a:effectRef idx="0">
-            <a:schemeClr val="accent1"/>
-          </a:effectRef>
-          <a:fontRef idx="minor">
-            <a:schemeClr val="lt1"/>
-          </a:fontRef>
-        </p:style>
-        <p:txBody>
-          <a:bodyPr rtlCol="0" anchor="ctr"/>
-          <a:lstStyle/>
-          <a:p>
-            <a:pPr algn="ctr"/>
-            <a:endParaRPr lang="zh-CN" altLang="en-US"/>
-          </a:p>
-        </p:txBody>
-      </p:sp>
-      <p:cxnSp>
-        <p:nvCxnSpPr>
-          <p:cNvPr id="12" name="直接连接符 11">
-            <a:extLst>
-              <a:ext uri="{FF2B5EF4-FFF2-40B4-BE49-F238E27FC236}">
-                <a16:creationId xmlns:a16="http://schemas.microsoft.com/office/drawing/2014/main" id="{51AAE1FE-97FE-4E41-907D-A1B6BB0D7EA8}"/>
-              </a:ext>
-            </a:extLst>
-          </p:cNvPr>
-          <p:cNvCxnSpPr>
-            <a:stCxn id="5" idx="7"/>
-            <a:endCxn id="6" idx="3"/>
-          </p:cNvCxnSpPr>
-          <p:nvPr/>
-        </p:nvCxnSpPr>
-        <p:spPr>
-          <a:xfrm flipV="1">
-            <a:off x="1478428" y="4819011"/>
-            <a:ext cx="484295" cy="547140"/>
-          </a:xfrm>
-          <a:prstGeom prst="line">
-            <a:avLst/>
-          </a:prstGeom>
-          <a:ln w="28575">
-            <a:solidFill>
-              <a:srgbClr val="FF0000"/>
-            </a:solidFill>
-          </a:ln>
-        </p:spPr>
-        <p:style>
-          <a:lnRef idx="1">
-            <a:schemeClr val="dk1"/>
-          </a:lnRef>
-          <a:fillRef idx="0">
-            <a:schemeClr val="dk1"/>
-          </a:fillRef>
-          <a:effectRef idx="0">
-            <a:schemeClr val="dk1"/>
-          </a:effectRef>
-          <a:fontRef idx="minor">
-            <a:schemeClr val="tx1"/>
-          </a:fontRef>
-        </p:style>
-      </p:cxnSp>
-      <p:cxnSp>
-        <p:nvCxnSpPr>
-          <p:cNvPr id="13" name="直接连接符 12">
-            <a:extLst>
-              <a:ext uri="{FF2B5EF4-FFF2-40B4-BE49-F238E27FC236}">
-                <a16:creationId xmlns:a16="http://schemas.microsoft.com/office/drawing/2014/main" id="{D5807704-0B68-49DA-A0E5-76CD8185A67A}"/>
-              </a:ext>
-            </a:extLst>
-          </p:cNvPr>
-          <p:cNvCxnSpPr>
-            <a:cxnSpLocks/>
-            <a:stCxn id="7" idx="1"/>
-            <a:endCxn id="6" idx="5"/>
-          </p:cNvCxnSpPr>
-          <p:nvPr/>
-        </p:nvCxnSpPr>
-        <p:spPr>
-          <a:xfrm flipH="1" flipV="1">
-            <a:off x="2083755" y="4819011"/>
-            <a:ext cx="477174" cy="547140"/>
-          </a:xfrm>
-          <a:prstGeom prst="line">
-            <a:avLst/>
-          </a:prstGeom>
-          <a:ln w="28575">
-            <a:solidFill>
-              <a:srgbClr val="FF0000"/>
-            </a:solidFill>
-          </a:ln>
-        </p:spPr>
-        <p:style>
-          <a:lnRef idx="1">
-            <a:schemeClr val="dk1"/>
-          </a:lnRef>
-          <a:fillRef idx="0">
-            <a:schemeClr val="dk1"/>
-          </a:fillRef>
-          <a:effectRef idx="0">
-            <a:schemeClr val="dk1"/>
-          </a:effectRef>
-          <a:fontRef idx="minor">
-            <a:schemeClr val="tx1"/>
-          </a:fontRef>
-        </p:style>
-      </p:cxnSp>
-      <p:cxnSp>
-        <p:nvCxnSpPr>
-          <p:cNvPr id="16" name="直接连接符 15">
-            <a:extLst>
-              <a:ext uri="{FF2B5EF4-FFF2-40B4-BE49-F238E27FC236}">
-                <a16:creationId xmlns:a16="http://schemas.microsoft.com/office/drawing/2014/main" id="{2F59B025-984E-4619-B23B-3545B0DAE156}"/>
-              </a:ext>
-            </a:extLst>
-          </p:cNvPr>
-          <p:cNvCxnSpPr>
-            <a:cxnSpLocks/>
-            <a:stCxn id="8" idx="2"/>
-            <a:endCxn id="6" idx="6"/>
-          </p:cNvCxnSpPr>
-          <p:nvPr/>
-        </p:nvCxnSpPr>
-        <p:spPr>
-          <a:xfrm flipH="1">
-            <a:off x="2108821" y="4758583"/>
-            <a:ext cx="1127796" cy="0"/>
-          </a:xfrm>
-          <a:prstGeom prst="line">
-            <a:avLst/>
-          </a:prstGeom>
-        </p:spPr>
-        <p:style>
-          <a:lnRef idx="1">
-            <a:schemeClr val="dk1"/>
-          </a:lnRef>
-          <a:fillRef idx="0">
-            <a:schemeClr val="dk1"/>
-          </a:fillRef>
-          <a:effectRef idx="0">
-            <a:schemeClr val="dk1"/>
-          </a:effectRef>
-          <a:fontRef idx="minor">
-            <a:schemeClr val="tx1"/>
-          </a:fontRef>
-        </p:style>
-      </p:cxnSp>
-      <p:cxnSp>
-        <p:nvCxnSpPr>
-          <p:cNvPr id="21" name="直接连接符 20">
-            <a:extLst>
-              <a:ext uri="{FF2B5EF4-FFF2-40B4-BE49-F238E27FC236}">
-                <a16:creationId xmlns:a16="http://schemas.microsoft.com/office/drawing/2014/main" id="{E32B0F06-5256-4AE5-BB6E-975D0BEC5054}"/>
-              </a:ext>
-            </a:extLst>
-          </p:cNvPr>
-          <p:cNvCxnSpPr>
-            <a:cxnSpLocks/>
-            <a:stCxn id="9" idx="1"/>
-            <a:endCxn id="8" idx="5"/>
-          </p:cNvCxnSpPr>
-          <p:nvPr/>
-        </p:nvCxnSpPr>
-        <p:spPr>
-          <a:xfrm flipH="1" flipV="1">
-            <a:off x="3382715" y="4819011"/>
-            <a:ext cx="296165" cy="547140"/>
-          </a:xfrm>
-          <a:prstGeom prst="line">
-            <a:avLst/>
-          </a:prstGeom>
-        </p:spPr>
-        <p:style>
-          <a:lnRef idx="1">
-            <a:schemeClr val="dk1"/>
-          </a:lnRef>
-          <a:fillRef idx="0">
-            <a:schemeClr val="dk1"/>
-          </a:fillRef>
-          <a:effectRef idx="0">
-            <a:schemeClr val="dk1"/>
-          </a:effectRef>
-          <a:fontRef idx="minor">
-            <a:schemeClr val="tx1"/>
-          </a:fontRef>
-        </p:style>
-      </p:cxnSp>
-      <p:cxnSp>
-        <p:nvCxnSpPr>
-          <p:cNvPr id="24" name="直接连接符 23">
-            <a:extLst>
-              <a:ext uri="{FF2B5EF4-FFF2-40B4-BE49-F238E27FC236}">
-                <a16:creationId xmlns:a16="http://schemas.microsoft.com/office/drawing/2014/main" id="{2507094B-F471-41E6-8BD2-C37082026ED4}"/>
-              </a:ext>
-            </a:extLst>
-          </p:cNvPr>
-          <p:cNvCxnSpPr>
-            <a:cxnSpLocks/>
-            <a:stCxn id="7" idx="7"/>
-            <a:endCxn id="8" idx="3"/>
-          </p:cNvCxnSpPr>
-          <p:nvPr/>
-        </p:nvCxnSpPr>
-        <p:spPr>
-          <a:xfrm flipV="1">
-            <a:off x="2681961" y="4819011"/>
-            <a:ext cx="579722" cy="547140"/>
-          </a:xfrm>
-          <a:prstGeom prst="line">
-            <a:avLst/>
-          </a:prstGeom>
-        </p:spPr>
-        <p:style>
-          <a:lnRef idx="1">
-            <a:schemeClr val="dk1"/>
-          </a:lnRef>
-          <a:fillRef idx="0">
-            <a:schemeClr val="dk1"/>
-          </a:fillRef>
-          <a:effectRef idx="0">
-            <a:schemeClr val="dk1"/>
-          </a:effectRef>
-          <a:fontRef idx="minor">
-            <a:schemeClr val="tx1"/>
-          </a:fontRef>
-        </p:style>
-      </p:cxnSp>
-      <p:cxnSp>
-        <p:nvCxnSpPr>
-          <p:cNvPr id="28" name="直接连接符 27">
-            <a:extLst>
-              <a:ext uri="{FF2B5EF4-FFF2-40B4-BE49-F238E27FC236}">
-                <a16:creationId xmlns:a16="http://schemas.microsoft.com/office/drawing/2014/main" id="{2F3BA8D4-8B12-49E0-A2EC-92868D9E3ABD}"/>
-              </a:ext>
-            </a:extLst>
-          </p:cNvPr>
-          <p:cNvCxnSpPr>
-            <a:cxnSpLocks/>
-            <a:stCxn id="10" idx="1"/>
-            <a:endCxn id="7" idx="4"/>
-          </p:cNvCxnSpPr>
-          <p:nvPr/>
-        </p:nvCxnSpPr>
-        <p:spPr>
-          <a:xfrm flipH="1" flipV="1">
-            <a:off x="2621445" y="5512037"/>
-            <a:ext cx="298407" cy="579083"/>
-          </a:xfrm>
-          <a:prstGeom prst="line">
-            <a:avLst/>
-          </a:prstGeom>
-        </p:spPr>
-        <p:style>
-          <a:lnRef idx="1">
-            <a:schemeClr val="dk1"/>
-          </a:lnRef>
-          <a:fillRef idx="0">
-            <a:schemeClr val="dk1"/>
-          </a:fillRef>
-          <a:effectRef idx="0">
-            <a:schemeClr val="dk1"/>
-          </a:effectRef>
-          <a:fontRef idx="minor">
-            <a:schemeClr val="tx1"/>
-          </a:fontRef>
-        </p:style>
-      </p:cxnSp>
-      <p:cxnSp>
-        <p:nvCxnSpPr>
-          <p:cNvPr id="32" name="直接连接符 31">
-            <a:extLst>
-              <a:ext uri="{FF2B5EF4-FFF2-40B4-BE49-F238E27FC236}">
-                <a16:creationId xmlns:a16="http://schemas.microsoft.com/office/drawing/2014/main" id="{79FD148D-3552-453B-A12E-91C068327B6B}"/>
-              </a:ext>
-            </a:extLst>
-          </p:cNvPr>
-          <p:cNvCxnSpPr>
-            <a:cxnSpLocks/>
-            <a:stCxn id="9" idx="2"/>
-            <a:endCxn id="7" idx="6"/>
-          </p:cNvCxnSpPr>
-          <p:nvPr/>
-        </p:nvCxnSpPr>
-        <p:spPr>
-          <a:xfrm flipH="1">
-            <a:off x="2707027" y="5426579"/>
-            <a:ext cx="946787" cy="0"/>
-          </a:xfrm>
-          <a:prstGeom prst="line">
-            <a:avLst/>
-          </a:prstGeom>
-          <a:ln w="28575">
-            <a:solidFill>
-              <a:srgbClr val="FF0000"/>
-            </a:solidFill>
-          </a:ln>
-        </p:spPr>
-        <p:style>
-          <a:lnRef idx="1">
-            <a:schemeClr val="dk1"/>
-          </a:lnRef>
-          <a:fillRef idx="0">
-            <a:schemeClr val="dk1"/>
-          </a:fillRef>
-          <a:effectRef idx="0">
-            <a:schemeClr val="dk1"/>
-          </a:effectRef>
-          <a:fontRef idx="minor">
-            <a:schemeClr val="tx1"/>
-          </a:fontRef>
-        </p:style>
-      </p:cxnSp>
-      <mc:AlternateContent xmlns:mc="http://schemas.openxmlformats.org/markup-compatibility/2006" xmlns:a14="http://schemas.microsoft.com/office/drawing/2010/main">
-        <mc:Choice Requires="a14">
-          <p:sp>
-            <p:nvSpPr>
-              <p:cNvPr id="35" name="矩形 34">
-                <a:extLst>
-                  <a:ext uri="{FF2B5EF4-FFF2-40B4-BE49-F238E27FC236}">
-                    <a16:creationId xmlns:a16="http://schemas.microsoft.com/office/drawing/2014/main" id="{A57A151E-6F7E-4BFE-A2E8-26FC1DB1B4B7}"/>
-                  </a:ext>
-                </a:extLst>
-              </p:cNvPr>
-              <p:cNvSpPr/>
-              <p:nvPr/>
-            </p:nvSpPr>
-            <p:spPr>
-              <a:xfrm>
-                <a:off x="897501" y="5257302"/>
-                <a:ext cx="417550" cy="338554"/>
+                <a:off x="6010865" y="389614"/>
+                <a:ext cx="2230354" cy="1064907"/>
               </a:xfrm>
               <a:prstGeom prst="rect">
                 <a:avLst/>
@@ -14974,211 +14192,313 @@
                       <m:jc m:val="centerGroup"/>
                     </m:oMathParaPr>
                     <m:oMath xmlns:m="http://schemas.openxmlformats.org/officeDocument/2006/math">
-                      <m:sSub>
-                        <m:sSubPr>
+                      <m:r>
+                        <a:rPr lang="en-US" altLang="zh-CN" b="0" i="1" dirty="0" smtClean="0">
+                          <a:latin typeface="Cambria Math" panose="02040503050406030204" pitchFamily="18" charset="0"/>
+                          <a:cs typeface="Times New Roman" panose="02020603050405020304" pitchFamily="18" charset="0"/>
+                        </a:rPr>
+                        <m:t>=</m:t>
+                      </m:r>
+                      <m:f>
+                        <m:fPr>
                           <m:ctrlPr>
-                            <a:rPr lang="en-US" altLang="zh-CN" sz="1600" i="1" smtClean="0">
+                            <a:rPr lang="en-US" altLang="zh-CN" b="0" i="1" dirty="0" smtClean="0">
                               <a:latin typeface="Cambria Math" panose="02040503050406030204" pitchFamily="18" charset="0"/>
+                              <a:cs typeface="Times New Roman" panose="02020603050405020304" pitchFamily="18" charset="0"/>
                             </a:rPr>
                           </m:ctrlPr>
-                        </m:sSubPr>
-                        <m:e>
-                          <m:r>
-                            <a:rPr lang="en-US" altLang="zh-CN" sz="1600" b="0" i="1" smtClean="0">
-                              <a:latin typeface="Cambria Math" panose="02040503050406030204" pitchFamily="18" charset="0"/>
-                            </a:rPr>
-                            <m:t>𝑣</m:t>
-                          </m:r>
-                        </m:e>
-                        <m:sub>
-                          <m:r>
-                            <a:rPr lang="en-US" altLang="zh-CN" sz="1600" b="0" i="1" smtClean="0">
-                              <a:latin typeface="Cambria Math" panose="02040503050406030204" pitchFamily="18" charset="0"/>
-                            </a:rPr>
-                            <m:t>𝑖</m:t>
-                          </m:r>
-                        </m:sub>
-                      </m:sSub>
-                    </m:oMath>
-                  </m:oMathPara>
-                </a14:m>
-                <a:endParaRPr lang="zh-CN" altLang="en-US" sz="1600" dirty="0"/>
-              </a:p>
-            </p:txBody>
-          </p:sp>
-        </mc:Choice>
-        <mc:Fallback xmlns="">
-          <p:sp>
-            <p:nvSpPr>
-              <p:cNvPr id="35" name="矩形 34">
-                <a:extLst>
-                  <a:ext uri="{FF2B5EF4-FFF2-40B4-BE49-F238E27FC236}">
-                    <a16:creationId xmlns:a16="http://schemas.microsoft.com/office/drawing/2014/main" id="{A57A151E-6F7E-4BFE-A2E8-26FC1DB1B4B7}"/>
-                  </a:ext>
-                </a:extLst>
-              </p:cNvPr>
-              <p:cNvSpPr>
-                <a:spLocks noRot="1" noChangeAspect="1" noMove="1" noResize="1" noEditPoints="1" noAdjustHandles="1" noChangeArrowheads="1" noChangeShapeType="1" noTextEdit="1"/>
-              </p:cNvSpPr>
-              <p:nvPr/>
-            </p:nvSpPr>
-            <p:spPr>
-              <a:xfrm>
-                <a:off x="897501" y="5257302"/>
-                <a:ext cx="417550" cy="338554"/>
-              </a:xfrm>
-              <a:prstGeom prst="rect">
-                <a:avLst/>
-              </a:prstGeom>
-              <a:blipFill>
-                <a:blip r:embed="rId4"/>
-                <a:stretch>
-                  <a:fillRect/>
-                </a:stretch>
-              </a:blipFill>
-            </p:spPr>
-            <p:txBody>
-              <a:bodyPr/>
-              <a:lstStyle/>
-              <a:p>
-                <a:r>
-                  <a:rPr lang="zh-CN" altLang="en-US">
-                    <a:noFill/>
-                  </a:rPr>
-                  <a:t> </a:t>
-                </a:r>
-              </a:p>
-            </p:txBody>
-          </p:sp>
-        </mc:Fallback>
-      </mc:AlternateContent>
-      <p:sp>
-        <p:nvSpPr>
-          <p:cNvPr id="36" name="矩形 35">
-            <a:extLst>
-              <a:ext uri="{FF2B5EF4-FFF2-40B4-BE49-F238E27FC236}">
-                <a16:creationId xmlns:a16="http://schemas.microsoft.com/office/drawing/2014/main" id="{E77E8F13-7201-4977-9C10-58E16D7A9C9E}"/>
-              </a:ext>
-            </a:extLst>
-          </p:cNvPr>
-          <p:cNvSpPr/>
-          <p:nvPr/>
-        </p:nvSpPr>
-        <p:spPr>
-          <a:xfrm>
-            <a:off x="1148850" y="5518929"/>
-            <a:ext cx="556563" cy="369332"/>
-          </a:xfrm>
-          <a:prstGeom prst="rect">
-            <a:avLst/>
-          </a:prstGeom>
-        </p:spPr>
-        <p:txBody>
-          <a:bodyPr wrap="none">
-            <a:spAutoFit/>
-          </a:bodyPr>
-          <a:lstStyle/>
-          <a:p>
-            <a:r>
-              <a:rPr lang="en-US" altLang="zh-CN" dirty="0">
-                <a:latin typeface="Times New Roman" panose="02020603050405020304" pitchFamily="18" charset="0"/>
-                <a:ea typeface="黑体" panose="02010609060101010101" pitchFamily="49" charset="-122"/>
-                <a:cs typeface="Times New Roman" panose="02020603050405020304" pitchFamily="18" charset="0"/>
-              </a:rPr>
-              <a:t>root</a:t>
-            </a:r>
-            <a:endParaRPr lang="zh-CN" altLang="en-US" dirty="0"/>
-          </a:p>
-        </p:txBody>
-      </p:sp>
-      <mc:AlternateContent xmlns:mc="http://schemas.openxmlformats.org/markup-compatibility/2006" xmlns:a14="http://schemas.microsoft.com/office/drawing/2010/main">
-        <mc:Choice Requires="a14">
-          <p:sp>
-            <p:nvSpPr>
-              <p:cNvPr id="37" name="矩形 36">
-                <a:extLst>
-                  <a:ext uri="{FF2B5EF4-FFF2-40B4-BE49-F238E27FC236}">
-                    <a16:creationId xmlns:a16="http://schemas.microsoft.com/office/drawing/2014/main" id="{960AC07B-203B-4E1A-805D-78BD6B35BCD3}"/>
-                  </a:ext>
-                </a:extLst>
-              </p:cNvPr>
-              <p:cNvSpPr/>
-              <p:nvPr/>
-            </p:nvSpPr>
-            <p:spPr>
-              <a:xfrm>
-                <a:off x="1658320" y="4220015"/>
-                <a:ext cx="583621" cy="401457"/>
-              </a:xfrm>
-              <a:prstGeom prst="rect">
-                <a:avLst/>
-              </a:prstGeom>
-            </p:spPr>
-            <p:txBody>
-              <a:bodyPr wrap="none">
-                <a:spAutoFit/>
-              </a:bodyPr>
-              <a:lstStyle/>
-              <a:p>
-                <a:pPr/>
-                <a14:m>
-                  <m:oMathPara xmlns:m="http://schemas.openxmlformats.org/officeDocument/2006/math">
-                    <m:oMathParaPr>
-                      <m:jc m:val="centerGroup"/>
-                    </m:oMathParaPr>
-                    <m:oMath xmlns:m="http://schemas.openxmlformats.org/officeDocument/2006/math">
-                      <m:sSubSup>
-                        <m:sSubSupPr>
-                          <m:ctrlPr>
-                            <a:rPr lang="en-US" altLang="zh-CN" b="0" i="1" smtClean="0">
-                              <a:latin typeface="Cambria Math" panose="02040503050406030204" pitchFamily="18" charset="0"/>
-                            </a:rPr>
-                          </m:ctrlPr>
-                        </m:sSubSupPr>
-                        <m:e>
-                          <m:r>
-                            <a:rPr lang="en-US" altLang="zh-CN" b="0" i="1" smtClean="0">
-                              <a:latin typeface="Cambria Math" panose="02040503050406030204" pitchFamily="18" charset="0"/>
-                            </a:rPr>
-                            <m:t>𝑊</m:t>
-                          </m:r>
-                        </m:e>
-                        <m:sub>
-                          <m:sSub>
-                            <m:sSubPr>
+                        </m:fPr>
+                        <m:num>
+                          <m:sSup>
+                            <m:sSupPr>
                               <m:ctrlPr>
-                                <a:rPr lang="en-US" altLang="zh-CN" b="0" i="1" smtClean="0">
+                                <a:rPr lang="en-US" altLang="zh-CN" b="0" i="1" dirty="0" smtClean="0">
+                                  <a:latin typeface="Cambria Math" panose="02040503050406030204" pitchFamily="18" charset="0"/>
+                                  <a:cs typeface="Times New Roman" panose="02020603050405020304" pitchFamily="18" charset="0"/>
+                                </a:rPr>
+                              </m:ctrlPr>
+                            </m:sSupPr>
+                            <m:e>
+                              <m:r>
+                                <a:rPr lang="en-US" altLang="zh-CN" b="0" i="1" dirty="0" smtClean="0">
+                                  <a:latin typeface="Cambria Math" panose="02040503050406030204" pitchFamily="18" charset="0"/>
+                                  <a:cs typeface="Times New Roman" panose="02020603050405020304" pitchFamily="18" charset="0"/>
+                                </a:rPr>
+                                <m:t>𝑒</m:t>
+                              </m:r>
+                            </m:e>
+                            <m:sup>
+                              <m:r>
+                                <a:rPr lang="en-US" altLang="zh-CN" b="0" i="0" dirty="0" smtClean="0">
+                                  <a:latin typeface="Cambria Math" panose="02040503050406030204" pitchFamily="18" charset="0"/>
+                                  <a:cs typeface="Times New Roman" panose="02020603050405020304" pitchFamily="18" charset="0"/>
+                                </a:rPr>
+                                <m:t>−</m:t>
+                              </m:r>
+                              <m:sSub>
+                                <m:sSubPr>
+                                  <m:ctrlPr>
+                                    <a:rPr lang="en-US" altLang="zh-CN" b="0" i="1" dirty="0" smtClean="0">
+                                      <a:latin typeface="Cambria Math" panose="02040503050406030204" pitchFamily="18" charset="0"/>
+                                      <a:cs typeface="Times New Roman" panose="02020603050405020304" pitchFamily="18" charset="0"/>
+                                    </a:rPr>
+                                  </m:ctrlPr>
+                                </m:sSubPr>
+                                <m:e>
+                                  <m:r>
+                                    <a:rPr lang="en-US" altLang="zh-CN" b="0" i="1" dirty="0" smtClean="0">
+                                      <a:latin typeface="Cambria Math" panose="02040503050406030204" pitchFamily="18" charset="0"/>
+                                      <a:cs typeface="Times New Roman" panose="02020603050405020304" pitchFamily="18" charset="0"/>
+                                    </a:rPr>
+                                    <m:t>𝑤</m:t>
+                                  </m:r>
+                                </m:e>
+                                <m:sub>
+                                  <m:r>
+                                    <a:rPr lang="en-US" altLang="zh-CN" b="0" i="1" dirty="0" smtClean="0">
+                                      <a:latin typeface="Cambria Math" panose="02040503050406030204" pitchFamily="18" charset="0"/>
+                                      <a:cs typeface="Times New Roman" panose="02020603050405020304" pitchFamily="18" charset="0"/>
+                                    </a:rPr>
+                                    <m:t>𝑘</m:t>
+                                  </m:r>
+                                </m:sub>
+                              </m:sSub>
+                              <m:r>
+                                <a:rPr lang="en-US" altLang="zh-CN" b="0" i="1" dirty="0" smtClean="0">
+                                  <a:latin typeface="Cambria Math" panose="02040503050406030204" pitchFamily="18" charset="0"/>
+                                  <a:cs typeface="Times New Roman" panose="02020603050405020304" pitchFamily="18" charset="0"/>
+                                </a:rPr>
+                                <m:t> </m:t>
+                              </m:r>
+                              <m:r>
+                                <a:rPr lang="en-US" altLang="zh-CN" i="1" dirty="0">
+                                  <a:latin typeface="Cambria Math" panose="02040503050406030204" pitchFamily="18" charset="0"/>
+                                  <a:cs typeface="Times New Roman" panose="02020603050405020304" pitchFamily="18" charset="0"/>
+                                </a:rPr>
+                                <m:t>·</m:t>
+                              </m:r>
+                              <m:r>
+                                <a:rPr lang="en-US" altLang="zh-CN" b="0" i="0" dirty="0" smtClean="0">
+                                  <a:latin typeface="Cambria Math" panose="02040503050406030204" pitchFamily="18" charset="0"/>
+                                  <a:cs typeface="Times New Roman" panose="02020603050405020304" pitchFamily="18" charset="0"/>
+                                </a:rPr>
+                                <m:t> </m:t>
+                              </m:r>
+                              <m:r>
+                                <m:rPr>
+                                  <m:sty m:val="p"/>
+                                </m:rPr>
+                                <a:rPr lang="en-US" altLang="zh-CN">
+                                  <a:latin typeface="Cambria Math" panose="02040503050406030204" pitchFamily="18" charset="0"/>
+                                </a:rPr>
+                                <m:t>Φ</m:t>
+                              </m:r>
+                              <m:d>
+                                <m:dPr>
+                                  <m:ctrlPr>
+                                    <a:rPr lang="en-US" altLang="zh-CN" i="1">
+                                      <a:latin typeface="Cambria Math" panose="02040503050406030204" pitchFamily="18" charset="0"/>
+                                    </a:rPr>
+                                  </m:ctrlPr>
+                                </m:dPr>
+                                <m:e>
+                                  <m:sSub>
+                                    <m:sSubPr>
+                                      <m:ctrlPr>
+                                        <a:rPr lang="en-US" altLang="zh-CN" i="1">
+                                          <a:latin typeface="Cambria Math" panose="02040503050406030204" pitchFamily="18" charset="0"/>
+                                        </a:rPr>
+                                      </m:ctrlPr>
+                                    </m:sSubPr>
+                                    <m:e>
+                                      <m:r>
+                                        <a:rPr lang="en-US" altLang="zh-CN" i="1">
+                                          <a:latin typeface="Cambria Math" panose="02040503050406030204" pitchFamily="18" charset="0"/>
+                                        </a:rPr>
+                                        <m:t>𝑣</m:t>
+                                      </m:r>
+                                    </m:e>
+                                    <m:sub>
+                                      <m:r>
+                                        <a:rPr lang="en-US" altLang="zh-CN" b="0" i="1" smtClean="0">
+                                          <a:latin typeface="Cambria Math" panose="02040503050406030204" pitchFamily="18" charset="0"/>
+                                        </a:rPr>
+                                        <m:t>𝑗</m:t>
+                                      </m:r>
+                                    </m:sub>
+                                  </m:sSub>
+                                </m:e>
+                              </m:d>
+                            </m:sup>
+                          </m:sSup>
+                        </m:num>
+                        <m:den>
+                          <m:nary>
+                            <m:naryPr>
+                              <m:chr m:val="∑"/>
+                              <m:limLoc m:val="undOvr"/>
+                              <m:grow m:val="on"/>
+                              <m:ctrlPr>
+                                <a:rPr lang="en-US" altLang="zh-CN" i="1" dirty="0">
                                   <a:latin typeface="Cambria Math" panose="02040503050406030204" pitchFamily="18" charset="0"/>
                                 </a:rPr>
                               </m:ctrlPr>
-                            </m:sSubPr>
-                            <m:e>
-                              <m:r>
-                                <a:rPr lang="en-US" altLang="zh-CN" b="0" i="1" smtClean="0">
-                                  <a:latin typeface="Cambria Math" panose="02040503050406030204" pitchFamily="18" charset="0"/>
-                                </a:rPr>
-                                <m:t>𝑣</m:t>
-                              </m:r>
-                            </m:e>
+                            </m:naryPr>
                             <m:sub>
                               <m:r>
-                                <a:rPr lang="en-US" altLang="zh-CN" b="0" i="1" smtClean="0">
+                                <a:rPr lang="en-US" altLang="zh-CN" i="1" dirty="0">
                                   <a:latin typeface="Cambria Math" panose="02040503050406030204" pitchFamily="18" charset="0"/>
                                 </a:rPr>
                                 <m:t>𝑖</m:t>
                               </m:r>
+                              <m:r>
+                                <a:rPr lang="en-US" altLang="zh-CN" i="1" dirty="0">
+                                  <a:latin typeface="Cambria Math" panose="02040503050406030204" pitchFamily="18" charset="0"/>
+                                </a:rPr>
+                                <m:t>=1</m:t>
+                              </m:r>
                             </m:sub>
-                          </m:sSub>
-                        </m:sub>
-                        <m:sup>
-                          <m:r>
-                            <a:rPr lang="en-US" altLang="zh-CN" b="0" i="1" smtClean="0">
-                              <a:latin typeface="Cambria Math" panose="02040503050406030204" pitchFamily="18" charset="0"/>
-                            </a:rPr>
-                            <m:t>1</m:t>
-                          </m:r>
-                        </m:sup>
-                      </m:sSubSup>
+                            <m:sup>
+                              <m:d>
+                                <m:dPr>
+                                  <m:begChr m:val="|"/>
+                                  <m:endChr m:val="|"/>
+                                  <m:ctrlPr>
+                                    <a:rPr lang="en-US" altLang="zh-CN" i="1" dirty="0">
+                                      <a:latin typeface="Cambria Math" panose="02040503050406030204" pitchFamily="18" charset="0"/>
+                                    </a:rPr>
+                                  </m:ctrlPr>
+                                </m:dPr>
+                                <m:e>
+                                  <m:r>
+                                    <a:rPr lang="en-US" altLang="zh-CN" i="1" dirty="0">
+                                      <a:latin typeface="Cambria Math" panose="02040503050406030204" pitchFamily="18" charset="0"/>
+                                    </a:rPr>
+                                    <m:t>𝑉</m:t>
+                                  </m:r>
+                                </m:e>
+                              </m:d>
+                            </m:sup>
+                            <m:e>
+                              <m:sSup>
+                                <m:sSupPr>
+                                  <m:ctrlPr>
+                                    <a:rPr lang="en-US" altLang="zh-CN" i="1" dirty="0">
+                                      <a:latin typeface="Cambria Math" panose="02040503050406030204" pitchFamily="18" charset="0"/>
+                                      <a:cs typeface="Times New Roman" panose="02020603050405020304" pitchFamily="18" charset="0"/>
+                                    </a:rPr>
+                                  </m:ctrlPr>
+                                </m:sSupPr>
+                                <m:e>
+                                  <m:r>
+                                    <a:rPr lang="en-US" altLang="zh-CN" i="1" dirty="0">
+                                      <a:latin typeface="Cambria Math" panose="02040503050406030204" pitchFamily="18" charset="0"/>
+                                      <a:cs typeface="Times New Roman" panose="02020603050405020304" pitchFamily="18" charset="0"/>
+                                    </a:rPr>
+                                    <m:t>𝑒</m:t>
+                                  </m:r>
+                                </m:e>
+                                <m:sup>
+                                  <m:r>
+                                    <a:rPr lang="en-US" altLang="zh-CN" dirty="0">
+                                      <a:latin typeface="Cambria Math" panose="02040503050406030204" pitchFamily="18" charset="0"/>
+                                      <a:cs typeface="Times New Roman" panose="02020603050405020304" pitchFamily="18" charset="0"/>
+                                    </a:rPr>
+                                    <m:t>−</m:t>
+                                  </m:r>
+                                  <m:sSub>
+                                    <m:sSubPr>
+                                      <m:ctrlPr>
+                                        <a:rPr lang="en-US" altLang="zh-CN" i="1" dirty="0">
+                                          <a:latin typeface="Cambria Math" panose="02040503050406030204" pitchFamily="18" charset="0"/>
+                                          <a:cs typeface="Times New Roman" panose="02020603050405020304" pitchFamily="18" charset="0"/>
+                                        </a:rPr>
+                                      </m:ctrlPr>
+                                    </m:sSubPr>
+                                    <m:e>
+                                      <m:r>
+                                        <a:rPr lang="en-US" altLang="zh-CN" i="1" dirty="0">
+                                          <a:latin typeface="Cambria Math" panose="02040503050406030204" pitchFamily="18" charset="0"/>
+                                          <a:cs typeface="Times New Roman" panose="02020603050405020304" pitchFamily="18" charset="0"/>
+                                        </a:rPr>
+                                        <m:t>𝑤</m:t>
+                                      </m:r>
+                                    </m:e>
+                                    <m:sub>
+                                      <m:r>
+                                        <a:rPr lang="en-US" altLang="zh-CN" b="0" i="1" dirty="0" smtClean="0">
+                                          <a:latin typeface="Cambria Math" panose="02040503050406030204" pitchFamily="18" charset="0"/>
+                                          <a:cs typeface="Times New Roman" panose="02020603050405020304" pitchFamily="18" charset="0"/>
+                                        </a:rPr>
+                                        <m:t>𝑖</m:t>
+                                      </m:r>
+                                    </m:sub>
+                                  </m:sSub>
+                                  <m:r>
+                                    <a:rPr lang="en-US" altLang="zh-CN" i="1" dirty="0">
+                                      <a:latin typeface="Cambria Math" panose="02040503050406030204" pitchFamily="18" charset="0"/>
+                                      <a:cs typeface="Times New Roman" panose="02020603050405020304" pitchFamily="18" charset="0"/>
+                                    </a:rPr>
+                                    <m:t> ·</m:t>
+                                  </m:r>
+                                  <m:r>
+                                    <a:rPr lang="en-US" altLang="zh-CN" dirty="0">
+                                      <a:latin typeface="Cambria Math" panose="02040503050406030204" pitchFamily="18" charset="0"/>
+                                      <a:cs typeface="Times New Roman" panose="02020603050405020304" pitchFamily="18" charset="0"/>
+                                    </a:rPr>
+                                    <m:t> </m:t>
+                                  </m:r>
+                                  <m:r>
+                                    <m:rPr>
+                                      <m:sty m:val="p"/>
+                                    </m:rPr>
+                                    <a:rPr lang="en-US" altLang="zh-CN">
+                                      <a:latin typeface="Cambria Math" panose="02040503050406030204" pitchFamily="18" charset="0"/>
+                                    </a:rPr>
+                                    <m:t>Φ</m:t>
+                                  </m:r>
+                                  <m:d>
+                                    <m:dPr>
+                                      <m:ctrlPr>
+                                        <a:rPr lang="en-US" altLang="zh-CN" i="1">
+                                          <a:latin typeface="Cambria Math" panose="02040503050406030204" pitchFamily="18" charset="0"/>
+                                        </a:rPr>
+                                      </m:ctrlPr>
+                                    </m:dPr>
+                                    <m:e>
+                                      <m:sSub>
+                                        <m:sSubPr>
+                                          <m:ctrlPr>
+                                            <a:rPr lang="en-US" altLang="zh-CN" i="1">
+                                              <a:latin typeface="Cambria Math" panose="02040503050406030204" pitchFamily="18" charset="0"/>
+                                            </a:rPr>
+                                          </m:ctrlPr>
+                                        </m:sSubPr>
+                                        <m:e>
+                                          <m:r>
+                                            <a:rPr lang="en-US" altLang="zh-CN" i="1">
+                                              <a:latin typeface="Cambria Math" panose="02040503050406030204" pitchFamily="18" charset="0"/>
+                                            </a:rPr>
+                                            <m:t>𝑣</m:t>
+                                          </m:r>
+                                        </m:e>
+                                        <m:sub>
+                                          <m:r>
+                                            <a:rPr lang="en-US" altLang="zh-CN" i="1">
+                                              <a:latin typeface="Cambria Math" panose="02040503050406030204" pitchFamily="18" charset="0"/>
+                                            </a:rPr>
+                                            <m:t>𝑗</m:t>
+                                          </m:r>
+                                        </m:sub>
+                                      </m:sSub>
+                                    </m:e>
+                                  </m:d>
+                                </m:sup>
+                              </m:sSup>
+                            </m:e>
+                          </m:nary>
+                        </m:den>
+                      </m:f>
                     </m:oMath>
                   </m:oMathPara>
                 </a14:m>
@@ -15190,10 +14510,10 @@
         <mc:Fallback xmlns="">
           <p:sp>
             <p:nvSpPr>
-              <p:cNvPr id="37" name="矩形 36">
+              <p:cNvPr id="7" name="矩形 6">
                 <a:extLst>
                   <a:ext uri="{FF2B5EF4-FFF2-40B4-BE49-F238E27FC236}">
-                    <a16:creationId xmlns:a16="http://schemas.microsoft.com/office/drawing/2014/main" id="{960AC07B-203B-4E1A-805D-78BD6B35BCD3}"/>
+                    <a16:creationId xmlns:a16="http://schemas.microsoft.com/office/drawing/2014/main" id="{6B86DD1C-0F23-4A77-8502-6DB265CE0BE4}"/>
                   </a:ext>
                 </a:extLst>
               </p:cNvPr>
@@ -15204,16 +14524,16 @@
             </p:nvSpPr>
             <p:spPr>
               <a:xfrm>
-                <a:off x="1658320" y="4220015"/>
-                <a:ext cx="583621" cy="401457"/>
+                <a:off x="6010865" y="389614"/>
+                <a:ext cx="2230354" cy="1064907"/>
               </a:xfrm>
               <a:prstGeom prst="rect">
                 <a:avLst/>
               </a:prstGeom>
               <a:blipFill>
-                <a:blip r:embed="rId5"/>
+                <a:blip r:embed="rId3"/>
                 <a:stretch>
-                  <a:fillRect b="-1515"/>
+                  <a:fillRect/>
                 </a:stretch>
               </a:blipFill>
             </p:spPr>
@@ -15236,10 +14556,10 @@
         <mc:Choice Requires="a14">
           <p:sp>
             <p:nvSpPr>
-              <p:cNvPr id="38" name="矩形 37">
+              <p:cNvPr id="8" name="矩形 7">
                 <a:extLst>
                   <a:ext uri="{FF2B5EF4-FFF2-40B4-BE49-F238E27FC236}">
-                    <a16:creationId xmlns:a16="http://schemas.microsoft.com/office/drawing/2014/main" id="{85B5522B-6133-4841-9DC4-D472456F1765}"/>
+                    <a16:creationId xmlns:a16="http://schemas.microsoft.com/office/drawing/2014/main" id="{DB54A865-399C-4EE6-A7F8-B414C8113045}"/>
                   </a:ext>
                 </a:extLst>
               </p:cNvPr>
@@ -15248,8 +14568,8 @@
             </p:nvSpPr>
             <p:spPr>
               <a:xfrm>
-                <a:off x="2363181" y="4891852"/>
-                <a:ext cx="583621" cy="401457"/>
+                <a:off x="8723768" y="651751"/>
+                <a:ext cx="1152944" cy="374270"/>
               </a:xfrm>
               <a:prstGeom prst="rect">
                 <a:avLst/>
@@ -15268,58 +14588,73 @@
                       <m:jc m:val="centerGroup"/>
                     </m:oMathParaPr>
                     <m:oMath xmlns:m="http://schemas.openxmlformats.org/officeDocument/2006/math">
-                      <m:sSubSup>
-                        <m:sSubSupPr>
+                      <m:sSub>
+                        <m:sSubPr>
                           <m:ctrlPr>
-                            <a:rPr lang="en-US" altLang="zh-CN" b="0" i="1" smtClean="0">
+                            <a:rPr lang="en-US" altLang="zh-CN" i="1" dirty="0" smtClean="0">
+                              <a:latin typeface="Cambria Math" panose="02040503050406030204" pitchFamily="18" charset="0"/>
+                              <a:cs typeface="Times New Roman" panose="02020603050405020304" pitchFamily="18" charset="0"/>
+                            </a:rPr>
+                          </m:ctrlPr>
+                        </m:sSubPr>
+                        <m:e>
+                          <m:r>
+                            <a:rPr lang="en-US" altLang="zh-CN" i="1" dirty="0">
+                              <a:latin typeface="Cambria Math" panose="02040503050406030204" pitchFamily="18" charset="0"/>
+                              <a:cs typeface="Times New Roman" panose="02020603050405020304" pitchFamily="18" charset="0"/>
+                            </a:rPr>
+                            <m:t>𝑤</m:t>
+                          </m:r>
+                        </m:e>
+                        <m:sub>
+                          <m:r>
+                            <a:rPr lang="en-US" altLang="zh-CN" i="1" dirty="0">
+                              <a:latin typeface="Cambria Math" panose="02040503050406030204" pitchFamily="18" charset="0"/>
+                              <a:cs typeface="Times New Roman" panose="02020603050405020304" pitchFamily="18" charset="0"/>
+                            </a:rPr>
+                            <m:t>𝑖</m:t>
+                          </m:r>
+                        </m:sub>
+                      </m:sSub>
+                      <m:r>
+                        <a:rPr lang="en-US" altLang="zh-CN" b="0" i="1" dirty="0" smtClean="0">
+                          <a:latin typeface="Cambria Math" panose="02040503050406030204" pitchFamily="18" charset="0"/>
+                          <a:cs typeface="Times New Roman" panose="02020603050405020304" pitchFamily="18" charset="0"/>
+                        </a:rPr>
+                        <m:t>∈ </m:t>
+                      </m:r>
+                      <m:sSup>
+                        <m:sSupPr>
+                          <m:ctrlPr>
+                            <a:rPr lang="en-US" altLang="zh-CN" i="1" dirty="0" smtClean="0">
                               <a:latin typeface="Cambria Math" panose="02040503050406030204" pitchFamily="18" charset="0"/>
                             </a:rPr>
                           </m:ctrlPr>
-                        </m:sSubSupPr>
+                        </m:sSupPr>
                         <m:e>
                           <m:r>
-                            <a:rPr lang="en-US" altLang="zh-CN" b="0" i="1" smtClean="0">
+                            <a:rPr lang="en-US" altLang="zh-CN" i="1" dirty="0">
                               <a:latin typeface="Cambria Math" panose="02040503050406030204" pitchFamily="18" charset="0"/>
                             </a:rPr>
-                            <m:t>𝑊</m:t>
+                            <m:t>ℝ</m:t>
                           </m:r>
                         </m:e>
-                        <m:sub>
-                          <m:sSub>
-                            <m:sSubPr>
-                              <m:ctrlPr>
-                                <a:rPr lang="en-US" altLang="zh-CN" b="0" i="1" smtClean="0">
-                                  <a:latin typeface="Cambria Math" panose="02040503050406030204" pitchFamily="18" charset="0"/>
-                                </a:rPr>
-                              </m:ctrlPr>
-                            </m:sSubPr>
-                            <m:e>
-                              <m:r>
-                                <a:rPr lang="en-US" altLang="zh-CN" b="0" i="1" smtClean="0">
-                                  <a:latin typeface="Cambria Math" panose="02040503050406030204" pitchFamily="18" charset="0"/>
-                                </a:rPr>
-                                <m:t>𝑣</m:t>
-                              </m:r>
-                            </m:e>
-                            <m:sub>
-                              <m:r>
-                                <a:rPr lang="en-US" altLang="zh-CN" b="0" i="1" smtClean="0">
-                                  <a:latin typeface="Cambria Math" panose="02040503050406030204" pitchFamily="18" charset="0"/>
-                                </a:rPr>
-                                <m:t>𝑖</m:t>
-                              </m:r>
-                            </m:sub>
-                          </m:sSub>
-                        </m:sub>
                         <m:sup>
                           <m:r>
-                            <a:rPr lang="en-US" altLang="zh-CN" b="0" i="1" smtClean="0">
+                            <a:rPr lang="en-US" altLang="zh-CN" i="1" dirty="0">
                               <a:latin typeface="Cambria Math" panose="02040503050406030204" pitchFamily="18" charset="0"/>
                             </a:rPr>
-                            <m:t>2</m:t>
+                            <m:t>𝑑</m:t>
                           </m:r>
                         </m:sup>
-                      </m:sSubSup>
+                      </m:sSup>
+                      <m:r>
+                        <a:rPr lang="en-US" altLang="zh-CN" i="1" dirty="0">
+                          <a:latin typeface="Cambria Math" panose="02040503050406030204" pitchFamily="18" charset="0"/>
+                          <a:cs typeface="Times New Roman" panose="02020603050405020304" pitchFamily="18" charset="0"/>
+                        </a:rPr>
+                        <m:t> </m:t>
+                      </m:r>
                     </m:oMath>
                   </m:oMathPara>
                 </a14:m>
@@ -15331,10 +14666,10 @@
         <mc:Fallback xmlns="">
           <p:sp>
             <p:nvSpPr>
-              <p:cNvPr id="38" name="矩形 37">
+              <p:cNvPr id="8" name="矩形 7">
                 <a:extLst>
                   <a:ext uri="{FF2B5EF4-FFF2-40B4-BE49-F238E27FC236}">
-                    <a16:creationId xmlns:a16="http://schemas.microsoft.com/office/drawing/2014/main" id="{85B5522B-6133-4841-9DC4-D472456F1765}"/>
+                    <a16:creationId xmlns:a16="http://schemas.microsoft.com/office/drawing/2014/main" id="{DB54A865-399C-4EE6-A7F8-B414C8113045}"/>
                   </a:ext>
                 </a:extLst>
               </p:cNvPr>
@@ -15345,8 +14680,461 @@
             </p:nvSpPr>
             <p:spPr>
               <a:xfrm>
-                <a:off x="2363181" y="4891852"/>
-                <a:ext cx="583621" cy="401457"/>
+                <a:off x="8723768" y="651751"/>
+                <a:ext cx="1152944" cy="374270"/>
+              </a:xfrm>
+              <a:prstGeom prst="rect">
+                <a:avLst/>
+              </a:prstGeom>
+              <a:blipFill>
+                <a:blip r:embed="rId4"/>
+                <a:stretch>
+                  <a:fillRect b="-1639"/>
+                </a:stretch>
+              </a:blipFill>
+            </p:spPr>
+            <p:txBody>
+              <a:bodyPr/>
+              <a:lstStyle/>
+              <a:p>
+                <a:r>
+                  <a:rPr lang="zh-CN" altLang="en-US">
+                    <a:noFill/>
+                  </a:rPr>
+                  <a:t> </a:t>
+                </a:r>
+              </a:p>
+            </p:txBody>
+          </p:sp>
+        </mc:Fallback>
+      </mc:AlternateContent>
+      <p:sp>
+        <p:nvSpPr>
+          <p:cNvPr id="9" name="矩形 8">
+            <a:extLst>
+              <a:ext uri="{FF2B5EF4-FFF2-40B4-BE49-F238E27FC236}">
+                <a16:creationId xmlns:a16="http://schemas.microsoft.com/office/drawing/2014/main" id="{E1A7E93E-F9ED-4118-AA12-9896A976DFD9}"/>
+              </a:ext>
+            </a:extLst>
+          </p:cNvPr>
+          <p:cNvSpPr/>
+          <p:nvPr/>
+        </p:nvSpPr>
+        <p:spPr>
+          <a:xfrm>
+            <a:off x="4667562" y="179638"/>
+            <a:ext cx="2050561" cy="369332"/>
+          </a:xfrm>
+          <a:prstGeom prst="rect">
+            <a:avLst/>
+          </a:prstGeom>
+        </p:spPr>
+        <p:txBody>
+          <a:bodyPr wrap="none">
+            <a:spAutoFit/>
+          </a:bodyPr>
+          <a:lstStyle/>
+          <a:p>
+            <a:r>
+              <a:rPr lang="en-US" altLang="zh-CN" dirty="0" err="1">
+                <a:latin typeface="Times New Roman" panose="02020603050405020304" pitchFamily="18" charset="0"/>
+                <a:cs typeface="Times New Roman" panose="02020603050405020304" pitchFamily="18" charset="0"/>
+              </a:rPr>
+              <a:t>Softmax</a:t>
+            </a:r>
+            <a:r>
+              <a:rPr lang="en-US" altLang="zh-CN" dirty="0">
+                <a:latin typeface="Times New Roman" panose="02020603050405020304" pitchFamily="18" charset="0"/>
+                <a:cs typeface="Times New Roman" panose="02020603050405020304" pitchFamily="18" charset="0"/>
+              </a:rPr>
+              <a:t> Regression</a:t>
+            </a:r>
+            <a:endParaRPr lang="zh-CN" altLang="en-US" dirty="0"/>
+          </a:p>
+        </p:txBody>
+      </p:sp>
+      <p:pic>
+        <p:nvPicPr>
+          <p:cNvPr id="10" name="图片 9">
+            <a:extLst>
+              <a:ext uri="{FF2B5EF4-FFF2-40B4-BE49-F238E27FC236}">
+                <a16:creationId xmlns:a16="http://schemas.microsoft.com/office/drawing/2014/main" id="{4B297DD9-14F0-4FDC-BD4F-3CEB353607EB}"/>
+              </a:ext>
+            </a:extLst>
+          </p:cNvPr>
+          <p:cNvPicPr>
+            <a:picLocks noChangeAspect="1"/>
+          </p:cNvPicPr>
+          <p:nvPr/>
+        </p:nvPicPr>
+        <p:blipFill>
+          <a:blip r:embed="rId5"/>
+          <a:stretch>
+            <a:fillRect/>
+          </a:stretch>
+        </p:blipFill>
+        <p:spPr>
+          <a:xfrm>
+            <a:off x="156731" y="2608175"/>
+            <a:ext cx="4286823" cy="3057182"/>
+          </a:xfrm>
+          <a:prstGeom prst="rect">
+            <a:avLst/>
+          </a:prstGeom>
+        </p:spPr>
+      </p:pic>
+      <mc:AlternateContent xmlns:mc="http://schemas.openxmlformats.org/markup-compatibility/2006" xmlns:a14="http://schemas.microsoft.com/office/drawing/2010/main">
+        <mc:Choice Requires="a14">
+          <p:sp>
+            <p:nvSpPr>
+              <p:cNvPr id="11" name="矩形 10">
+                <a:extLst>
+                  <a:ext uri="{FF2B5EF4-FFF2-40B4-BE49-F238E27FC236}">
+                    <a16:creationId xmlns:a16="http://schemas.microsoft.com/office/drawing/2014/main" id="{8A42DE4E-A4C1-4453-86D3-7D49FD00872E}"/>
+                  </a:ext>
+                </a:extLst>
+              </p:cNvPr>
+              <p:cNvSpPr/>
+              <p:nvPr/>
+            </p:nvSpPr>
+            <p:spPr>
+              <a:xfrm>
+                <a:off x="5275267" y="1667658"/>
+                <a:ext cx="6632713" cy="369332"/>
+              </a:xfrm>
+              <a:prstGeom prst="rect">
+                <a:avLst/>
+              </a:prstGeom>
+            </p:spPr>
+            <p:txBody>
+              <a:bodyPr wrap="none">
+                <a:spAutoFit/>
+              </a:bodyPr>
+              <a:lstStyle/>
+              <a:p>
+                <a:r>
+                  <a:rPr lang="en-US" altLang="zh-CN" dirty="0">
+                    <a:latin typeface="Times New Roman" panose="02020603050405020304" pitchFamily="18" charset="0"/>
+                    <a:cs typeface="Times New Roman" panose="02020603050405020304" pitchFamily="18" charset="0"/>
+                  </a:rPr>
+                  <a:t>Encoding the vertices by </a:t>
+                </a:r>
+                <a14:m>
+                  <m:oMath xmlns:m="http://schemas.openxmlformats.org/officeDocument/2006/math">
+                    <m:d>
+                      <m:dPr>
+                        <m:ctrlPr>
+                          <a:rPr lang="en-US" altLang="zh-CN" b="0" i="1" smtClean="0">
+                            <a:latin typeface="Cambria Math" panose="02040503050406030204" pitchFamily="18" charset="0"/>
+                            <a:cs typeface="Times New Roman" panose="02020603050405020304" pitchFamily="18" charset="0"/>
+                          </a:rPr>
+                        </m:ctrlPr>
+                      </m:dPr>
+                      <m:e>
+                        <m:sSub>
+                          <m:sSubPr>
+                            <m:ctrlPr>
+                              <a:rPr lang="en-US" altLang="zh-CN" b="0" i="1" smtClean="0">
+                                <a:latin typeface="Cambria Math" panose="02040503050406030204" pitchFamily="18" charset="0"/>
+                                <a:cs typeface="Times New Roman" panose="02020603050405020304" pitchFamily="18" charset="0"/>
+                              </a:rPr>
+                            </m:ctrlPr>
+                          </m:sSubPr>
+                          <m:e>
+                            <m:sSub>
+                              <m:sSubPr>
+                                <m:ctrlPr>
+                                  <a:rPr lang="en-US" altLang="zh-CN" b="0" i="1" smtClean="0">
+                                    <a:latin typeface="Cambria Math" panose="02040503050406030204" pitchFamily="18" charset="0"/>
+                                    <a:cs typeface="Times New Roman" panose="02020603050405020304" pitchFamily="18" charset="0"/>
+                                  </a:rPr>
+                                </m:ctrlPr>
+                              </m:sSubPr>
+                              <m:e>
+                                <m:r>
+                                  <a:rPr lang="en-US" altLang="zh-CN" b="0" i="1" smtClean="0">
+                                    <a:latin typeface="Cambria Math" panose="02040503050406030204" pitchFamily="18" charset="0"/>
+                                    <a:cs typeface="Times New Roman" panose="02020603050405020304" pitchFamily="18" charset="0"/>
+                                  </a:rPr>
+                                  <m:t>𝑐</m:t>
+                                </m:r>
+                              </m:e>
+                              <m:sub>
+                                <m:r>
+                                  <a:rPr lang="en-US" altLang="zh-CN" b="0" i="1" smtClean="0">
+                                    <a:latin typeface="Cambria Math" panose="02040503050406030204" pitchFamily="18" charset="0"/>
+                                    <a:cs typeface="Times New Roman" panose="02020603050405020304" pitchFamily="18" charset="0"/>
+                                  </a:rPr>
+                                  <m:t>0</m:t>
+                                </m:r>
+                              </m:sub>
+                            </m:sSub>
+                            <m:r>
+                              <a:rPr lang="en-US" altLang="zh-CN" b="0" i="1" smtClean="0">
+                                <a:latin typeface="Cambria Math" panose="02040503050406030204" pitchFamily="18" charset="0"/>
+                                <a:cs typeface="Times New Roman" panose="02020603050405020304" pitchFamily="18" charset="0"/>
+                              </a:rPr>
+                              <m:t>,</m:t>
+                            </m:r>
+                            <m:r>
+                              <a:rPr lang="en-US" altLang="zh-CN" b="0" i="1" smtClean="0">
+                                <a:latin typeface="Cambria Math" panose="02040503050406030204" pitchFamily="18" charset="0"/>
+                                <a:cs typeface="Times New Roman" panose="02020603050405020304" pitchFamily="18" charset="0"/>
+                              </a:rPr>
+                              <m:t>𝑐</m:t>
+                            </m:r>
+                          </m:e>
+                          <m:sub>
+                            <m:r>
+                              <a:rPr lang="en-US" altLang="zh-CN" b="0" i="1" smtClean="0">
+                                <a:latin typeface="Cambria Math" panose="02040503050406030204" pitchFamily="18" charset="0"/>
+                                <a:cs typeface="Times New Roman" panose="02020603050405020304" pitchFamily="18" charset="0"/>
+                              </a:rPr>
+                              <m:t>1</m:t>
+                            </m:r>
+                          </m:sub>
+                        </m:sSub>
+                        <m:r>
+                          <a:rPr lang="en-US" altLang="zh-CN" b="0" i="1" smtClean="0">
+                            <a:latin typeface="Cambria Math" panose="02040503050406030204" pitchFamily="18" charset="0"/>
+                            <a:cs typeface="Times New Roman" panose="02020603050405020304" pitchFamily="18" charset="0"/>
+                          </a:rPr>
+                          <m:t>,</m:t>
+                        </m:r>
+                        <m:sSub>
+                          <m:sSubPr>
+                            <m:ctrlPr>
+                              <a:rPr lang="en-US" altLang="zh-CN" b="0" i="1" smtClean="0">
+                                <a:latin typeface="Cambria Math" panose="02040503050406030204" pitchFamily="18" charset="0"/>
+                                <a:cs typeface="Times New Roman" panose="02020603050405020304" pitchFamily="18" charset="0"/>
+                              </a:rPr>
+                            </m:ctrlPr>
+                          </m:sSubPr>
+                          <m:e>
+                            <m:r>
+                              <a:rPr lang="en-US" altLang="zh-CN" b="0" i="1" smtClean="0">
+                                <a:latin typeface="Cambria Math" panose="02040503050406030204" pitchFamily="18" charset="0"/>
+                                <a:cs typeface="Times New Roman" panose="02020603050405020304" pitchFamily="18" charset="0"/>
+                              </a:rPr>
+                              <m:t>𝑐</m:t>
+                            </m:r>
+                          </m:e>
+                          <m:sub>
+                            <m:r>
+                              <a:rPr lang="en-US" altLang="zh-CN" b="0" i="1" smtClean="0">
+                                <a:latin typeface="Cambria Math" panose="02040503050406030204" pitchFamily="18" charset="0"/>
+                                <a:cs typeface="Times New Roman" panose="02020603050405020304" pitchFamily="18" charset="0"/>
+                              </a:rPr>
+                              <m:t>2</m:t>
+                            </m:r>
+                          </m:sub>
+                        </m:sSub>
+                        <m:r>
+                          <a:rPr lang="en-US" altLang="zh-CN" b="0" i="1" smtClean="0">
+                            <a:latin typeface="Cambria Math" panose="02040503050406030204" pitchFamily="18" charset="0"/>
+                            <a:cs typeface="Times New Roman" panose="02020603050405020304" pitchFamily="18" charset="0"/>
+                          </a:rPr>
+                          <m:t>,</m:t>
+                        </m:r>
+                        <m:r>
+                          <a:rPr lang="en-US" altLang="zh-CN" i="1">
+                            <a:latin typeface="Cambria Math" panose="02040503050406030204" pitchFamily="18" charset="0"/>
+                            <a:cs typeface="Times New Roman" panose="02020603050405020304" pitchFamily="18" charset="0"/>
+                          </a:rPr>
+                          <m:t>·</m:t>
+                        </m:r>
+                        <m:r>
+                          <a:rPr lang="en-US" altLang="zh-CN" i="1" smtClean="0">
+                            <a:latin typeface="Cambria Math" panose="02040503050406030204" pitchFamily="18" charset="0"/>
+                            <a:cs typeface="Times New Roman" panose="02020603050405020304" pitchFamily="18" charset="0"/>
+                          </a:rPr>
+                          <m:t>·</m:t>
+                        </m:r>
+                        <m:r>
+                          <a:rPr lang="en-US" altLang="zh-CN" i="1">
+                            <a:latin typeface="Cambria Math" panose="02040503050406030204" pitchFamily="18" charset="0"/>
+                            <a:cs typeface="Times New Roman" panose="02020603050405020304" pitchFamily="18" charset="0"/>
+                          </a:rPr>
+                          <m:t>·</m:t>
+                        </m:r>
+                        <m:r>
+                          <a:rPr lang="en-US" altLang="zh-CN" b="0" i="1" smtClean="0">
+                            <a:latin typeface="Cambria Math" panose="02040503050406030204" pitchFamily="18" charset="0"/>
+                            <a:cs typeface="Times New Roman" panose="02020603050405020304" pitchFamily="18" charset="0"/>
+                          </a:rPr>
+                          <m:t>,</m:t>
+                        </m:r>
+                        <m:sSub>
+                          <m:sSubPr>
+                            <m:ctrlPr>
+                              <a:rPr lang="en-US" altLang="zh-CN" b="0" i="1" smtClean="0">
+                                <a:latin typeface="Cambria Math" panose="02040503050406030204" pitchFamily="18" charset="0"/>
+                                <a:cs typeface="Times New Roman" panose="02020603050405020304" pitchFamily="18" charset="0"/>
+                              </a:rPr>
+                            </m:ctrlPr>
+                          </m:sSubPr>
+                          <m:e>
+                            <m:r>
+                              <a:rPr lang="en-US" altLang="zh-CN" b="0" i="1" smtClean="0">
+                                <a:latin typeface="Cambria Math" panose="02040503050406030204" pitchFamily="18" charset="0"/>
+                                <a:cs typeface="Times New Roman" panose="02020603050405020304" pitchFamily="18" charset="0"/>
+                              </a:rPr>
+                              <m:t>𝑐</m:t>
+                            </m:r>
+                          </m:e>
+                          <m:sub>
+                            <m:r>
+                              <a:rPr lang="en-US" altLang="zh-CN" b="0" i="1" smtClean="0">
+                                <a:latin typeface="Cambria Math" panose="02040503050406030204" pitchFamily="18" charset="0"/>
+                                <a:cs typeface="Times New Roman" panose="02020603050405020304" pitchFamily="18" charset="0"/>
+                              </a:rPr>
+                              <m:t>𝑚</m:t>
+                            </m:r>
+                          </m:sub>
+                        </m:sSub>
+                      </m:e>
+                    </m:d>
+                    <m:r>
+                      <a:rPr lang="en-US" altLang="zh-CN" b="0" i="1" smtClean="0">
+                        <a:latin typeface="Cambria Math" panose="02040503050406030204" pitchFamily="18" charset="0"/>
+                        <a:cs typeface="Times New Roman" panose="02020603050405020304" pitchFamily="18" charset="0"/>
+                      </a:rPr>
+                      <m:t>, </m:t>
+                    </m:r>
+                    <m:sSub>
+                      <m:sSubPr>
+                        <m:ctrlPr>
+                          <a:rPr lang="en-US" altLang="zh-CN" b="0" i="1" smtClean="0">
+                            <a:latin typeface="Cambria Math" panose="02040503050406030204" pitchFamily="18" charset="0"/>
+                            <a:cs typeface="Times New Roman" panose="02020603050405020304" pitchFamily="18" charset="0"/>
+                          </a:rPr>
+                        </m:ctrlPr>
+                      </m:sSubPr>
+                      <m:e>
+                        <m:r>
+                          <a:rPr lang="en-US" altLang="zh-CN" b="0" i="1" smtClean="0">
+                            <a:latin typeface="Cambria Math" panose="02040503050406030204" pitchFamily="18" charset="0"/>
+                            <a:cs typeface="Times New Roman" panose="02020603050405020304" pitchFamily="18" charset="0"/>
+                          </a:rPr>
+                          <m:t>𝑐</m:t>
+                        </m:r>
+                      </m:e>
+                      <m:sub>
+                        <m:r>
+                          <a:rPr lang="en-US" altLang="zh-CN" b="0" i="1" smtClean="0">
+                            <a:latin typeface="Cambria Math" panose="02040503050406030204" pitchFamily="18" charset="0"/>
+                            <a:cs typeface="Times New Roman" panose="02020603050405020304" pitchFamily="18" charset="0"/>
+                          </a:rPr>
+                          <m:t>𝑖</m:t>
+                        </m:r>
+                      </m:sub>
+                    </m:sSub>
+                    <m:r>
+                      <a:rPr lang="en-US" altLang="zh-CN" b="0" i="1" smtClean="0">
+                        <a:latin typeface="Cambria Math" panose="02040503050406030204" pitchFamily="18" charset="0"/>
+                        <a:cs typeface="Times New Roman" panose="02020603050405020304" pitchFamily="18" charset="0"/>
+                      </a:rPr>
+                      <m:t>∈</m:t>
+                    </m:r>
+                    <m:d>
+                      <m:dPr>
+                        <m:begChr m:val="{"/>
+                        <m:endChr m:val="}"/>
+                        <m:ctrlPr>
+                          <a:rPr lang="en-US" altLang="zh-CN" b="0" i="1" smtClean="0">
+                            <a:latin typeface="Cambria Math" panose="02040503050406030204" pitchFamily="18" charset="0"/>
+                            <a:cs typeface="Times New Roman" panose="02020603050405020304" pitchFamily="18" charset="0"/>
+                          </a:rPr>
+                        </m:ctrlPr>
+                      </m:dPr>
+                      <m:e>
+                        <m:r>
+                          <a:rPr lang="en-US" altLang="zh-CN" b="0" i="1" smtClean="0">
+                            <a:latin typeface="Cambria Math" panose="02040503050406030204" pitchFamily="18" charset="0"/>
+                            <a:cs typeface="Times New Roman" panose="02020603050405020304" pitchFamily="18" charset="0"/>
+                          </a:rPr>
+                          <m:t>0,1</m:t>
+                        </m:r>
+                      </m:e>
+                    </m:d>
+                    <m:r>
+                      <a:rPr lang="en-US" altLang="zh-CN" b="0" i="1" smtClean="0">
+                        <a:latin typeface="Cambria Math" panose="02040503050406030204" pitchFamily="18" charset="0"/>
+                        <a:cs typeface="Times New Roman" panose="02020603050405020304" pitchFamily="18" charset="0"/>
+                      </a:rPr>
+                      <m:t>, </m:t>
+                    </m:r>
+                    <m:r>
+                      <a:rPr lang="en-US" altLang="zh-CN" b="0" i="1" smtClean="0">
+                        <a:latin typeface="Cambria Math" panose="02040503050406030204" pitchFamily="18" charset="0"/>
+                        <a:cs typeface="Times New Roman" panose="02020603050405020304" pitchFamily="18" charset="0"/>
+                      </a:rPr>
+                      <m:t>𝑚</m:t>
+                    </m:r>
+                    <m:r>
+                      <a:rPr lang="en-US" altLang="zh-CN" b="0" i="1" smtClean="0">
+                        <a:latin typeface="Cambria Math" panose="02040503050406030204" pitchFamily="18" charset="0"/>
+                        <a:cs typeface="Times New Roman" panose="02020603050405020304" pitchFamily="18" charset="0"/>
+                      </a:rPr>
+                      <m:t>=⌊</m:t>
+                    </m:r>
+                    <m:r>
+                      <m:rPr>
+                        <m:sty m:val="p"/>
+                      </m:rPr>
+                      <a:rPr lang="en-US" altLang="zh-CN">
+                        <a:latin typeface="Cambria Math" panose="02040503050406030204" pitchFamily="18" charset="0"/>
+                        <a:cs typeface="Times New Roman" panose="02020603050405020304" pitchFamily="18" charset="0"/>
+                      </a:rPr>
+                      <m:t>log</m:t>
+                    </m:r>
+                    <m:r>
+                      <a:rPr lang="en-US" altLang="zh-CN" i="1">
+                        <a:latin typeface="Cambria Math" panose="02040503050406030204" pitchFamily="18" charset="0"/>
+                        <a:cs typeface="Times New Roman" panose="02020603050405020304" pitchFamily="18" charset="0"/>
+                      </a:rPr>
+                      <m:t>⁡|</m:t>
+                    </m:r>
+                    <m:r>
+                      <a:rPr lang="en-US" altLang="zh-CN" i="1">
+                        <a:latin typeface="Cambria Math" panose="02040503050406030204" pitchFamily="18" charset="0"/>
+                        <a:cs typeface="Times New Roman" panose="02020603050405020304" pitchFamily="18" charset="0"/>
+                      </a:rPr>
+                      <m:t>𝑉</m:t>
+                    </m:r>
+                    <m:r>
+                      <a:rPr lang="en-US" altLang="zh-CN" i="1">
+                        <a:latin typeface="Cambria Math" panose="02040503050406030204" pitchFamily="18" charset="0"/>
+                        <a:cs typeface="Times New Roman" panose="02020603050405020304" pitchFamily="18" charset="0"/>
+                      </a:rPr>
+                      <m:t>|⌋</m:t>
+                    </m:r>
+                  </m:oMath>
+                </a14:m>
+                <a:endParaRPr lang="zh-CN" altLang="en-US" dirty="0"/>
+              </a:p>
+            </p:txBody>
+          </p:sp>
+        </mc:Choice>
+        <mc:Fallback xmlns="">
+          <p:sp>
+            <p:nvSpPr>
+              <p:cNvPr id="11" name="矩形 10">
+                <a:extLst>
+                  <a:ext uri="{FF2B5EF4-FFF2-40B4-BE49-F238E27FC236}">
+                    <a16:creationId xmlns:a16="http://schemas.microsoft.com/office/drawing/2014/main" id="{8A42DE4E-A4C1-4453-86D3-7D49FD00872E}"/>
+                  </a:ext>
+                </a:extLst>
+              </p:cNvPr>
+              <p:cNvSpPr>
+                <a:spLocks noRot="1" noChangeAspect="1" noMove="1" noResize="1" noEditPoints="1" noAdjustHandles="1" noChangeArrowheads="1" noChangeShapeType="1" noTextEdit="1"/>
+              </p:cNvSpPr>
+              <p:nvPr/>
+            </p:nvSpPr>
+            <p:spPr>
+              <a:xfrm>
+                <a:off x="5275267" y="1667658"/>
+                <a:ext cx="6632713" cy="369332"/>
               </a:xfrm>
               <a:prstGeom prst="rect">
                 <a:avLst/>
@@ -15354,7 +15142,7 @@
               <a:blipFill>
                 <a:blip r:embed="rId6"/>
                 <a:stretch>
-                  <a:fillRect b="-3030"/>
+                  <a:fillRect l="-735" t="-11667" b="-25000"/>
                 </a:stretch>
               </a:blipFill>
             </p:spPr>
@@ -15377,10 +15165,10 @@
         <mc:Choice Requires="a14">
           <p:sp>
             <p:nvSpPr>
-              <p:cNvPr id="39" name="矩形 38">
+              <p:cNvPr id="12" name="矩形 11">
                 <a:extLst>
                   <a:ext uri="{FF2B5EF4-FFF2-40B4-BE49-F238E27FC236}">
-                    <a16:creationId xmlns:a16="http://schemas.microsoft.com/office/drawing/2014/main" id="{B1B9F654-D9D0-4263-80B5-B4EF89758224}"/>
+                    <a16:creationId xmlns:a16="http://schemas.microsoft.com/office/drawing/2014/main" id="{86606D19-CEE6-4AF6-AEDF-5EEF321936EF}"/>
                   </a:ext>
                 </a:extLst>
               </p:cNvPr>
@@ -15389,8 +15177,8 @@
             </p:nvSpPr>
             <p:spPr>
               <a:xfrm>
-                <a:off x="3665303" y="4994908"/>
-                <a:ext cx="583621" cy="401457"/>
+                <a:off x="1429157" y="4136766"/>
+                <a:ext cx="375424" cy="369332"/>
               </a:xfrm>
               <a:prstGeom prst="rect">
                 <a:avLst/>
@@ -15409,23 +15197,1474 @@
                       <m:jc m:val="centerGroup"/>
                     </m:oMathParaPr>
                     <m:oMath xmlns:m="http://schemas.openxmlformats.org/officeDocument/2006/math">
-                      <m:sSubSup>
-                        <m:sSubSupPr>
+                      <m:r>
+                        <a:rPr lang="en-US" altLang="zh-CN" i="1">
+                          <a:latin typeface="Cambria Math" panose="02040503050406030204" pitchFamily="18" charset="0"/>
+                          <a:cs typeface="Times New Roman" panose="02020603050405020304" pitchFamily="18" charset="0"/>
+                        </a:rPr>
+                        <m:t>0</m:t>
+                      </m:r>
+                    </m:oMath>
+                  </m:oMathPara>
+                </a14:m>
+                <a:endParaRPr lang="zh-CN" altLang="en-US" dirty="0"/>
+              </a:p>
+            </p:txBody>
+          </p:sp>
+        </mc:Choice>
+        <mc:Fallback xmlns="">
+          <p:sp>
+            <p:nvSpPr>
+              <p:cNvPr id="12" name="矩形 11">
+                <a:extLst>
+                  <a:ext uri="{FF2B5EF4-FFF2-40B4-BE49-F238E27FC236}">
+                    <a16:creationId xmlns:a16="http://schemas.microsoft.com/office/drawing/2014/main" id="{86606D19-CEE6-4AF6-AEDF-5EEF321936EF}"/>
+                  </a:ext>
+                </a:extLst>
+              </p:cNvPr>
+              <p:cNvSpPr>
+                <a:spLocks noRot="1" noChangeAspect="1" noMove="1" noResize="1" noEditPoints="1" noAdjustHandles="1" noChangeArrowheads="1" noChangeShapeType="1" noTextEdit="1"/>
+              </p:cNvSpPr>
+              <p:nvPr/>
+            </p:nvSpPr>
+            <p:spPr>
+              <a:xfrm>
+                <a:off x="1429157" y="4136766"/>
+                <a:ext cx="375424" cy="369332"/>
+              </a:xfrm>
+              <a:prstGeom prst="rect">
+                <a:avLst/>
+              </a:prstGeom>
+              <a:blipFill>
+                <a:blip r:embed="rId7"/>
+                <a:stretch>
+                  <a:fillRect/>
+                </a:stretch>
+              </a:blipFill>
+            </p:spPr>
+            <p:txBody>
+              <a:bodyPr/>
+              <a:lstStyle/>
+              <a:p>
+                <a:r>
+                  <a:rPr lang="zh-CN" altLang="en-US">
+                    <a:noFill/>
+                  </a:rPr>
+                  <a:t> </a:t>
+                </a:r>
+              </a:p>
+            </p:txBody>
+          </p:sp>
+        </mc:Fallback>
+      </mc:AlternateContent>
+      <mc:AlternateContent xmlns:mc="http://schemas.openxmlformats.org/markup-compatibility/2006" xmlns:a14="http://schemas.microsoft.com/office/drawing/2010/main">
+        <mc:Choice Requires="a14">
+          <p:sp>
+            <p:nvSpPr>
+              <p:cNvPr id="13" name="矩形 12">
+                <a:extLst>
+                  <a:ext uri="{FF2B5EF4-FFF2-40B4-BE49-F238E27FC236}">
+                    <a16:creationId xmlns:a16="http://schemas.microsoft.com/office/drawing/2014/main" id="{26CDFF47-F2DF-4158-B530-0BC2F34A46D8}"/>
+                  </a:ext>
+                </a:extLst>
+              </p:cNvPr>
+              <p:cNvSpPr/>
+              <p:nvPr/>
+            </p:nvSpPr>
+            <p:spPr>
+              <a:xfrm>
+                <a:off x="2807901" y="4136766"/>
+                <a:ext cx="375424" cy="369332"/>
+              </a:xfrm>
+              <a:prstGeom prst="rect">
+                <a:avLst/>
+              </a:prstGeom>
+            </p:spPr>
+            <p:txBody>
+              <a:bodyPr wrap="none">
+                <a:spAutoFit/>
+              </a:bodyPr>
+              <a:lstStyle/>
+              <a:p>
+                <a:pPr/>
+                <a14:m>
+                  <m:oMathPara xmlns:m="http://schemas.openxmlformats.org/officeDocument/2006/math">
+                    <m:oMathParaPr>
+                      <m:jc m:val="centerGroup"/>
+                    </m:oMathParaPr>
+                    <m:oMath xmlns:m="http://schemas.openxmlformats.org/officeDocument/2006/math">
+                      <m:r>
+                        <a:rPr lang="en-US" altLang="zh-CN" b="0" i="1" smtClean="0">
+                          <a:latin typeface="Cambria Math" panose="02040503050406030204" pitchFamily="18" charset="0"/>
+                          <a:cs typeface="Times New Roman" panose="02020603050405020304" pitchFamily="18" charset="0"/>
+                        </a:rPr>
+                        <m:t>1</m:t>
+                      </m:r>
+                    </m:oMath>
+                  </m:oMathPara>
+                </a14:m>
+                <a:endParaRPr lang="zh-CN" altLang="en-US" dirty="0"/>
+              </a:p>
+            </p:txBody>
+          </p:sp>
+        </mc:Choice>
+        <mc:Fallback xmlns="">
+          <p:sp>
+            <p:nvSpPr>
+              <p:cNvPr id="13" name="矩形 12">
+                <a:extLst>
+                  <a:ext uri="{FF2B5EF4-FFF2-40B4-BE49-F238E27FC236}">
+                    <a16:creationId xmlns:a16="http://schemas.microsoft.com/office/drawing/2014/main" id="{26CDFF47-F2DF-4158-B530-0BC2F34A46D8}"/>
+                  </a:ext>
+                </a:extLst>
+              </p:cNvPr>
+              <p:cNvSpPr>
+                <a:spLocks noRot="1" noChangeAspect="1" noMove="1" noResize="1" noEditPoints="1" noAdjustHandles="1" noChangeArrowheads="1" noChangeShapeType="1" noTextEdit="1"/>
+              </p:cNvSpPr>
+              <p:nvPr/>
+            </p:nvSpPr>
+            <p:spPr>
+              <a:xfrm>
+                <a:off x="2807901" y="4136766"/>
+                <a:ext cx="375424" cy="369332"/>
+              </a:xfrm>
+              <a:prstGeom prst="rect">
+                <a:avLst/>
+              </a:prstGeom>
+              <a:blipFill>
+                <a:blip r:embed="rId8"/>
+                <a:stretch>
+                  <a:fillRect/>
+                </a:stretch>
+              </a:blipFill>
+            </p:spPr>
+            <p:txBody>
+              <a:bodyPr/>
+              <a:lstStyle/>
+              <a:p>
+                <a:r>
+                  <a:rPr lang="zh-CN" altLang="en-US">
+                    <a:noFill/>
+                  </a:rPr>
+                  <a:t> </a:t>
+                </a:r>
+              </a:p>
+            </p:txBody>
+          </p:sp>
+        </mc:Fallback>
+      </mc:AlternateContent>
+      <mc:AlternateContent xmlns:mc="http://schemas.openxmlformats.org/markup-compatibility/2006" xmlns:a14="http://schemas.microsoft.com/office/drawing/2010/main">
+        <mc:Choice Requires="a14">
+          <p:sp>
+            <p:nvSpPr>
+              <p:cNvPr id="14" name="矩形 13">
+                <a:extLst>
+                  <a:ext uri="{FF2B5EF4-FFF2-40B4-BE49-F238E27FC236}">
+                    <a16:creationId xmlns:a16="http://schemas.microsoft.com/office/drawing/2014/main" id="{43911FA5-0B58-4710-916C-5106D9A67B19}"/>
+                  </a:ext>
+                </a:extLst>
+              </p:cNvPr>
+              <p:cNvSpPr/>
+              <p:nvPr/>
+            </p:nvSpPr>
+            <p:spPr>
+              <a:xfrm>
+                <a:off x="621913" y="3544372"/>
+                <a:ext cx="375424" cy="369332"/>
+              </a:xfrm>
+              <a:prstGeom prst="rect">
+                <a:avLst/>
+              </a:prstGeom>
+            </p:spPr>
+            <p:txBody>
+              <a:bodyPr wrap="none">
+                <a:spAutoFit/>
+              </a:bodyPr>
+              <a:lstStyle/>
+              <a:p>
+                <a:pPr/>
+                <a14:m>
+                  <m:oMathPara xmlns:m="http://schemas.openxmlformats.org/officeDocument/2006/math">
+                    <m:oMathParaPr>
+                      <m:jc m:val="centerGroup"/>
+                    </m:oMathParaPr>
+                    <m:oMath xmlns:m="http://schemas.openxmlformats.org/officeDocument/2006/math">
+                      <m:r>
+                        <a:rPr lang="en-US" altLang="zh-CN" i="1">
+                          <a:latin typeface="Cambria Math" panose="02040503050406030204" pitchFamily="18" charset="0"/>
+                          <a:cs typeface="Times New Roman" panose="02020603050405020304" pitchFamily="18" charset="0"/>
+                        </a:rPr>
+                        <m:t>0</m:t>
+                      </m:r>
+                    </m:oMath>
+                  </m:oMathPara>
+                </a14:m>
+                <a:endParaRPr lang="zh-CN" altLang="en-US" dirty="0"/>
+              </a:p>
+            </p:txBody>
+          </p:sp>
+        </mc:Choice>
+        <mc:Fallback xmlns="">
+          <p:sp>
+            <p:nvSpPr>
+              <p:cNvPr id="14" name="矩形 13">
+                <a:extLst>
+                  <a:ext uri="{FF2B5EF4-FFF2-40B4-BE49-F238E27FC236}">
+                    <a16:creationId xmlns:a16="http://schemas.microsoft.com/office/drawing/2014/main" id="{43911FA5-0B58-4710-916C-5106D9A67B19}"/>
+                  </a:ext>
+                </a:extLst>
+              </p:cNvPr>
+              <p:cNvSpPr>
+                <a:spLocks noRot="1" noChangeAspect="1" noMove="1" noResize="1" noEditPoints="1" noAdjustHandles="1" noChangeArrowheads="1" noChangeShapeType="1" noTextEdit="1"/>
+              </p:cNvSpPr>
+              <p:nvPr/>
+            </p:nvSpPr>
+            <p:spPr>
+              <a:xfrm>
+                <a:off x="621913" y="3544372"/>
+                <a:ext cx="375424" cy="369332"/>
+              </a:xfrm>
+              <a:prstGeom prst="rect">
+                <a:avLst/>
+              </a:prstGeom>
+              <a:blipFill>
+                <a:blip r:embed="rId9"/>
+                <a:stretch>
+                  <a:fillRect/>
+                </a:stretch>
+              </a:blipFill>
+            </p:spPr>
+            <p:txBody>
+              <a:bodyPr/>
+              <a:lstStyle/>
+              <a:p>
+                <a:r>
+                  <a:rPr lang="zh-CN" altLang="en-US">
+                    <a:noFill/>
+                  </a:rPr>
+                  <a:t> </a:t>
+                </a:r>
+              </a:p>
+            </p:txBody>
+          </p:sp>
+        </mc:Fallback>
+      </mc:AlternateContent>
+      <mc:AlternateContent xmlns:mc="http://schemas.openxmlformats.org/markup-compatibility/2006" xmlns:a14="http://schemas.microsoft.com/office/drawing/2010/main">
+        <mc:Choice Requires="a14">
+          <p:sp>
+            <p:nvSpPr>
+              <p:cNvPr id="15" name="矩形 14">
+                <a:extLst>
+                  <a:ext uri="{FF2B5EF4-FFF2-40B4-BE49-F238E27FC236}">
+                    <a16:creationId xmlns:a16="http://schemas.microsoft.com/office/drawing/2014/main" id="{4E8B783E-F062-4948-8ACD-91EDC5FA8F92}"/>
+                  </a:ext>
+                </a:extLst>
+              </p:cNvPr>
+              <p:cNvSpPr/>
+              <p:nvPr/>
+            </p:nvSpPr>
+            <p:spPr>
+              <a:xfrm>
+                <a:off x="2778957" y="3544372"/>
+                <a:ext cx="375424" cy="369332"/>
+              </a:xfrm>
+              <a:prstGeom prst="rect">
+                <a:avLst/>
+              </a:prstGeom>
+            </p:spPr>
+            <p:txBody>
+              <a:bodyPr wrap="none">
+                <a:spAutoFit/>
+              </a:bodyPr>
+              <a:lstStyle/>
+              <a:p>
+                <a:pPr/>
+                <a14:m>
+                  <m:oMathPara xmlns:m="http://schemas.openxmlformats.org/officeDocument/2006/math">
+                    <m:oMathParaPr>
+                      <m:jc m:val="centerGroup"/>
+                    </m:oMathParaPr>
+                    <m:oMath xmlns:m="http://schemas.openxmlformats.org/officeDocument/2006/math">
+                      <m:r>
+                        <a:rPr lang="en-US" altLang="zh-CN" i="1">
+                          <a:latin typeface="Cambria Math" panose="02040503050406030204" pitchFamily="18" charset="0"/>
+                          <a:cs typeface="Times New Roman" panose="02020603050405020304" pitchFamily="18" charset="0"/>
+                        </a:rPr>
+                        <m:t>0</m:t>
+                      </m:r>
+                    </m:oMath>
+                  </m:oMathPara>
+                </a14:m>
+                <a:endParaRPr lang="zh-CN" altLang="en-US" dirty="0"/>
+              </a:p>
+            </p:txBody>
+          </p:sp>
+        </mc:Choice>
+        <mc:Fallback xmlns="">
+          <p:sp>
+            <p:nvSpPr>
+              <p:cNvPr id="15" name="矩形 14">
+                <a:extLst>
+                  <a:ext uri="{FF2B5EF4-FFF2-40B4-BE49-F238E27FC236}">
+                    <a16:creationId xmlns:a16="http://schemas.microsoft.com/office/drawing/2014/main" id="{4E8B783E-F062-4948-8ACD-91EDC5FA8F92}"/>
+                  </a:ext>
+                </a:extLst>
+              </p:cNvPr>
+              <p:cNvSpPr>
+                <a:spLocks noRot="1" noChangeAspect="1" noMove="1" noResize="1" noEditPoints="1" noAdjustHandles="1" noChangeArrowheads="1" noChangeShapeType="1" noTextEdit="1"/>
+              </p:cNvSpPr>
+              <p:nvPr/>
+            </p:nvSpPr>
+            <p:spPr>
+              <a:xfrm>
+                <a:off x="2778957" y="3544372"/>
+                <a:ext cx="375424" cy="369332"/>
+              </a:xfrm>
+              <a:prstGeom prst="rect">
+                <a:avLst/>
+              </a:prstGeom>
+              <a:blipFill>
+                <a:blip r:embed="rId10"/>
+                <a:stretch>
+                  <a:fillRect/>
+                </a:stretch>
+              </a:blipFill>
+            </p:spPr>
+            <p:txBody>
+              <a:bodyPr/>
+              <a:lstStyle/>
+              <a:p>
+                <a:r>
+                  <a:rPr lang="zh-CN" altLang="en-US">
+                    <a:noFill/>
+                  </a:rPr>
+                  <a:t> </a:t>
+                </a:r>
+              </a:p>
+            </p:txBody>
+          </p:sp>
+        </mc:Fallback>
+      </mc:AlternateContent>
+      <mc:AlternateContent xmlns:mc="http://schemas.openxmlformats.org/markup-compatibility/2006" xmlns:a14="http://schemas.microsoft.com/office/drawing/2010/main">
+        <mc:Choice Requires="a14">
+          <p:sp>
+            <p:nvSpPr>
+              <p:cNvPr id="16" name="矩形 15">
+                <a:extLst>
+                  <a:ext uri="{FF2B5EF4-FFF2-40B4-BE49-F238E27FC236}">
+                    <a16:creationId xmlns:a16="http://schemas.microsoft.com/office/drawing/2014/main" id="{78905F2D-6C74-4C53-9A8B-A29F9AE0EEBF}"/>
+                  </a:ext>
+                </a:extLst>
+              </p:cNvPr>
+              <p:cNvSpPr/>
+              <p:nvPr/>
+            </p:nvSpPr>
+            <p:spPr>
+              <a:xfrm>
+                <a:off x="187223" y="2944296"/>
+                <a:ext cx="375424" cy="369332"/>
+              </a:xfrm>
+              <a:prstGeom prst="rect">
+                <a:avLst/>
+              </a:prstGeom>
+            </p:spPr>
+            <p:txBody>
+              <a:bodyPr wrap="none">
+                <a:spAutoFit/>
+              </a:bodyPr>
+              <a:lstStyle/>
+              <a:p>
+                <a:pPr/>
+                <a14:m>
+                  <m:oMathPara xmlns:m="http://schemas.openxmlformats.org/officeDocument/2006/math">
+                    <m:oMathParaPr>
+                      <m:jc m:val="centerGroup"/>
+                    </m:oMathParaPr>
+                    <m:oMath xmlns:m="http://schemas.openxmlformats.org/officeDocument/2006/math">
+                      <m:r>
+                        <a:rPr lang="en-US" altLang="zh-CN" i="1">
+                          <a:latin typeface="Cambria Math" panose="02040503050406030204" pitchFamily="18" charset="0"/>
+                          <a:cs typeface="Times New Roman" panose="02020603050405020304" pitchFamily="18" charset="0"/>
+                        </a:rPr>
+                        <m:t>0</m:t>
+                      </m:r>
+                    </m:oMath>
+                  </m:oMathPara>
+                </a14:m>
+                <a:endParaRPr lang="zh-CN" altLang="en-US" dirty="0"/>
+              </a:p>
+            </p:txBody>
+          </p:sp>
+        </mc:Choice>
+        <mc:Fallback xmlns="">
+          <p:sp>
+            <p:nvSpPr>
+              <p:cNvPr id="16" name="矩形 15">
+                <a:extLst>
+                  <a:ext uri="{FF2B5EF4-FFF2-40B4-BE49-F238E27FC236}">
+                    <a16:creationId xmlns:a16="http://schemas.microsoft.com/office/drawing/2014/main" id="{78905F2D-6C74-4C53-9A8B-A29F9AE0EEBF}"/>
+                  </a:ext>
+                </a:extLst>
+              </p:cNvPr>
+              <p:cNvSpPr>
+                <a:spLocks noRot="1" noChangeAspect="1" noMove="1" noResize="1" noEditPoints="1" noAdjustHandles="1" noChangeArrowheads="1" noChangeShapeType="1" noTextEdit="1"/>
+              </p:cNvSpPr>
+              <p:nvPr/>
+            </p:nvSpPr>
+            <p:spPr>
+              <a:xfrm>
+                <a:off x="187223" y="2944296"/>
+                <a:ext cx="375424" cy="369332"/>
+              </a:xfrm>
+              <a:prstGeom prst="rect">
+                <a:avLst/>
+              </a:prstGeom>
+              <a:blipFill>
+                <a:blip r:embed="rId11"/>
+                <a:stretch>
+                  <a:fillRect/>
+                </a:stretch>
+              </a:blipFill>
+            </p:spPr>
+            <p:txBody>
+              <a:bodyPr/>
+              <a:lstStyle/>
+              <a:p>
+                <a:r>
+                  <a:rPr lang="zh-CN" altLang="en-US">
+                    <a:noFill/>
+                  </a:rPr>
+                  <a:t> </a:t>
+                </a:r>
+              </a:p>
+            </p:txBody>
+          </p:sp>
+        </mc:Fallback>
+      </mc:AlternateContent>
+      <mc:AlternateContent xmlns:mc="http://schemas.openxmlformats.org/markup-compatibility/2006" xmlns:a14="http://schemas.microsoft.com/office/drawing/2010/main">
+        <mc:Choice Requires="a14">
+          <p:sp>
+            <p:nvSpPr>
+              <p:cNvPr id="17" name="矩形 16">
+                <a:extLst>
+                  <a:ext uri="{FF2B5EF4-FFF2-40B4-BE49-F238E27FC236}">
+                    <a16:creationId xmlns:a16="http://schemas.microsoft.com/office/drawing/2014/main" id="{BAA7E82B-8135-4EEF-B1B2-77E68F67FF77}"/>
+                  </a:ext>
+                </a:extLst>
+              </p:cNvPr>
+              <p:cNvSpPr/>
+              <p:nvPr/>
+            </p:nvSpPr>
+            <p:spPr>
+              <a:xfrm>
+                <a:off x="1241445" y="2944296"/>
+                <a:ext cx="375424" cy="369332"/>
+              </a:xfrm>
+              <a:prstGeom prst="rect">
+                <a:avLst/>
+              </a:prstGeom>
+            </p:spPr>
+            <p:txBody>
+              <a:bodyPr wrap="none">
+                <a:spAutoFit/>
+              </a:bodyPr>
+              <a:lstStyle/>
+              <a:p>
+                <a:pPr/>
+                <a14:m>
+                  <m:oMathPara xmlns:m="http://schemas.openxmlformats.org/officeDocument/2006/math">
+                    <m:oMathParaPr>
+                      <m:jc m:val="centerGroup"/>
+                    </m:oMathParaPr>
+                    <m:oMath xmlns:m="http://schemas.openxmlformats.org/officeDocument/2006/math">
+                      <m:r>
+                        <a:rPr lang="en-US" altLang="zh-CN" i="1">
+                          <a:latin typeface="Cambria Math" panose="02040503050406030204" pitchFamily="18" charset="0"/>
+                          <a:cs typeface="Times New Roman" panose="02020603050405020304" pitchFamily="18" charset="0"/>
+                        </a:rPr>
+                        <m:t>0</m:t>
+                      </m:r>
+                    </m:oMath>
+                  </m:oMathPara>
+                </a14:m>
+                <a:endParaRPr lang="zh-CN" altLang="en-US" dirty="0"/>
+              </a:p>
+            </p:txBody>
+          </p:sp>
+        </mc:Choice>
+        <mc:Fallback xmlns="">
+          <p:sp>
+            <p:nvSpPr>
+              <p:cNvPr id="17" name="矩形 16">
+                <a:extLst>
+                  <a:ext uri="{FF2B5EF4-FFF2-40B4-BE49-F238E27FC236}">
+                    <a16:creationId xmlns:a16="http://schemas.microsoft.com/office/drawing/2014/main" id="{BAA7E82B-8135-4EEF-B1B2-77E68F67FF77}"/>
+                  </a:ext>
+                </a:extLst>
+              </p:cNvPr>
+              <p:cNvSpPr>
+                <a:spLocks noRot="1" noChangeAspect="1" noMove="1" noResize="1" noEditPoints="1" noAdjustHandles="1" noChangeArrowheads="1" noChangeShapeType="1" noTextEdit="1"/>
+              </p:cNvSpPr>
+              <p:nvPr/>
+            </p:nvSpPr>
+            <p:spPr>
+              <a:xfrm>
+                <a:off x="1241445" y="2944296"/>
+                <a:ext cx="375424" cy="369332"/>
+              </a:xfrm>
+              <a:prstGeom prst="rect">
+                <a:avLst/>
+              </a:prstGeom>
+              <a:blipFill>
+                <a:blip r:embed="rId12"/>
+                <a:stretch>
+                  <a:fillRect/>
+                </a:stretch>
+              </a:blipFill>
+            </p:spPr>
+            <p:txBody>
+              <a:bodyPr/>
+              <a:lstStyle/>
+              <a:p>
+                <a:r>
+                  <a:rPr lang="zh-CN" altLang="en-US">
+                    <a:noFill/>
+                  </a:rPr>
+                  <a:t> </a:t>
+                </a:r>
+              </a:p>
+            </p:txBody>
+          </p:sp>
+        </mc:Fallback>
+      </mc:AlternateContent>
+      <mc:AlternateContent xmlns:mc="http://schemas.openxmlformats.org/markup-compatibility/2006" xmlns:a14="http://schemas.microsoft.com/office/drawing/2010/main">
+        <mc:Choice Requires="a14">
+          <p:sp>
+            <p:nvSpPr>
+              <p:cNvPr id="18" name="矩形 17">
+                <a:extLst>
+                  <a:ext uri="{FF2B5EF4-FFF2-40B4-BE49-F238E27FC236}">
+                    <a16:creationId xmlns:a16="http://schemas.microsoft.com/office/drawing/2014/main" id="{341558E9-2006-400B-9E2A-E13C050D25BA}"/>
+                  </a:ext>
+                </a:extLst>
+              </p:cNvPr>
+              <p:cNvSpPr/>
+              <p:nvPr/>
+            </p:nvSpPr>
+            <p:spPr>
+              <a:xfrm>
+                <a:off x="2339280" y="2944296"/>
+                <a:ext cx="375424" cy="369332"/>
+              </a:xfrm>
+              <a:prstGeom prst="rect">
+                <a:avLst/>
+              </a:prstGeom>
+            </p:spPr>
+            <p:txBody>
+              <a:bodyPr wrap="none">
+                <a:spAutoFit/>
+              </a:bodyPr>
+              <a:lstStyle/>
+              <a:p>
+                <a:pPr/>
+                <a14:m>
+                  <m:oMathPara xmlns:m="http://schemas.openxmlformats.org/officeDocument/2006/math">
+                    <m:oMathParaPr>
+                      <m:jc m:val="centerGroup"/>
+                    </m:oMathParaPr>
+                    <m:oMath xmlns:m="http://schemas.openxmlformats.org/officeDocument/2006/math">
+                      <m:r>
+                        <a:rPr lang="en-US" altLang="zh-CN" i="1">
+                          <a:latin typeface="Cambria Math" panose="02040503050406030204" pitchFamily="18" charset="0"/>
+                          <a:cs typeface="Times New Roman" panose="02020603050405020304" pitchFamily="18" charset="0"/>
+                        </a:rPr>
+                        <m:t>0</m:t>
+                      </m:r>
+                    </m:oMath>
+                  </m:oMathPara>
+                </a14:m>
+                <a:endParaRPr lang="zh-CN" altLang="en-US" dirty="0"/>
+              </a:p>
+            </p:txBody>
+          </p:sp>
+        </mc:Choice>
+        <mc:Fallback xmlns="">
+          <p:sp>
+            <p:nvSpPr>
+              <p:cNvPr id="18" name="矩形 17">
+                <a:extLst>
+                  <a:ext uri="{FF2B5EF4-FFF2-40B4-BE49-F238E27FC236}">
+                    <a16:creationId xmlns:a16="http://schemas.microsoft.com/office/drawing/2014/main" id="{341558E9-2006-400B-9E2A-E13C050D25BA}"/>
+                  </a:ext>
+                </a:extLst>
+              </p:cNvPr>
+              <p:cNvSpPr>
+                <a:spLocks noRot="1" noChangeAspect="1" noMove="1" noResize="1" noEditPoints="1" noAdjustHandles="1" noChangeArrowheads="1" noChangeShapeType="1" noTextEdit="1"/>
+              </p:cNvSpPr>
+              <p:nvPr/>
+            </p:nvSpPr>
+            <p:spPr>
+              <a:xfrm>
+                <a:off x="2339280" y="2944296"/>
+                <a:ext cx="375424" cy="369332"/>
+              </a:xfrm>
+              <a:prstGeom prst="rect">
+                <a:avLst/>
+              </a:prstGeom>
+              <a:blipFill>
+                <a:blip r:embed="rId13"/>
+                <a:stretch>
+                  <a:fillRect/>
+                </a:stretch>
+              </a:blipFill>
+            </p:spPr>
+            <p:txBody>
+              <a:bodyPr/>
+              <a:lstStyle/>
+              <a:p>
+                <a:r>
+                  <a:rPr lang="zh-CN" altLang="en-US">
+                    <a:noFill/>
+                  </a:rPr>
+                  <a:t> </a:t>
+                </a:r>
+              </a:p>
+            </p:txBody>
+          </p:sp>
+        </mc:Fallback>
+      </mc:AlternateContent>
+      <mc:AlternateContent xmlns:mc="http://schemas.openxmlformats.org/markup-compatibility/2006" xmlns:a14="http://schemas.microsoft.com/office/drawing/2010/main">
+        <mc:Choice Requires="a14">
+          <p:sp>
+            <p:nvSpPr>
+              <p:cNvPr id="19" name="矩形 18">
+                <a:extLst>
+                  <a:ext uri="{FF2B5EF4-FFF2-40B4-BE49-F238E27FC236}">
+                    <a16:creationId xmlns:a16="http://schemas.microsoft.com/office/drawing/2014/main" id="{DEE0DE30-953E-4462-A590-1B3E0565A158}"/>
+                  </a:ext>
+                </a:extLst>
+              </p:cNvPr>
+              <p:cNvSpPr/>
+              <p:nvPr/>
+            </p:nvSpPr>
+            <p:spPr>
+              <a:xfrm>
+                <a:off x="3474588" y="2944296"/>
+                <a:ext cx="375424" cy="369332"/>
+              </a:xfrm>
+              <a:prstGeom prst="rect">
+                <a:avLst/>
+              </a:prstGeom>
+            </p:spPr>
+            <p:txBody>
+              <a:bodyPr wrap="none">
+                <a:spAutoFit/>
+              </a:bodyPr>
+              <a:lstStyle/>
+              <a:p>
+                <a:pPr/>
+                <a14:m>
+                  <m:oMathPara xmlns:m="http://schemas.openxmlformats.org/officeDocument/2006/math">
+                    <m:oMathParaPr>
+                      <m:jc m:val="centerGroup"/>
+                    </m:oMathParaPr>
+                    <m:oMath xmlns:m="http://schemas.openxmlformats.org/officeDocument/2006/math">
+                      <m:r>
+                        <a:rPr lang="en-US" altLang="zh-CN" i="1">
+                          <a:latin typeface="Cambria Math" panose="02040503050406030204" pitchFamily="18" charset="0"/>
+                          <a:cs typeface="Times New Roman" panose="02020603050405020304" pitchFamily="18" charset="0"/>
+                        </a:rPr>
+                        <m:t>0</m:t>
+                      </m:r>
+                    </m:oMath>
+                  </m:oMathPara>
+                </a14:m>
+                <a:endParaRPr lang="zh-CN" altLang="en-US" dirty="0"/>
+              </a:p>
+            </p:txBody>
+          </p:sp>
+        </mc:Choice>
+        <mc:Fallback xmlns="">
+          <p:sp>
+            <p:nvSpPr>
+              <p:cNvPr id="19" name="矩形 18">
+                <a:extLst>
+                  <a:ext uri="{FF2B5EF4-FFF2-40B4-BE49-F238E27FC236}">
+                    <a16:creationId xmlns:a16="http://schemas.microsoft.com/office/drawing/2014/main" id="{DEE0DE30-953E-4462-A590-1B3E0565A158}"/>
+                  </a:ext>
+                </a:extLst>
+              </p:cNvPr>
+              <p:cNvSpPr>
+                <a:spLocks noRot="1" noChangeAspect="1" noMove="1" noResize="1" noEditPoints="1" noAdjustHandles="1" noChangeArrowheads="1" noChangeShapeType="1" noTextEdit="1"/>
+              </p:cNvSpPr>
+              <p:nvPr/>
+            </p:nvSpPr>
+            <p:spPr>
+              <a:xfrm>
+                <a:off x="3474588" y="2944296"/>
+                <a:ext cx="375424" cy="369332"/>
+              </a:xfrm>
+              <a:prstGeom prst="rect">
+                <a:avLst/>
+              </a:prstGeom>
+              <a:blipFill>
+                <a:blip r:embed="rId14"/>
+                <a:stretch>
+                  <a:fillRect/>
+                </a:stretch>
+              </a:blipFill>
+            </p:spPr>
+            <p:txBody>
+              <a:bodyPr/>
+              <a:lstStyle/>
+              <a:p>
+                <a:r>
+                  <a:rPr lang="zh-CN" altLang="en-US">
+                    <a:noFill/>
+                  </a:rPr>
+                  <a:t> </a:t>
+                </a:r>
+              </a:p>
+            </p:txBody>
+          </p:sp>
+        </mc:Fallback>
+      </mc:AlternateContent>
+      <mc:AlternateContent xmlns:mc="http://schemas.openxmlformats.org/markup-compatibility/2006" xmlns:a14="http://schemas.microsoft.com/office/drawing/2010/main">
+        <mc:Choice Requires="a14">
+          <p:sp>
+            <p:nvSpPr>
+              <p:cNvPr id="20" name="矩形 19">
+                <a:extLst>
+                  <a:ext uri="{FF2B5EF4-FFF2-40B4-BE49-F238E27FC236}">
+                    <a16:creationId xmlns:a16="http://schemas.microsoft.com/office/drawing/2014/main" id="{BAC5C81A-5134-4E73-A3BD-44D2C4817C6A}"/>
+                  </a:ext>
+                </a:extLst>
+              </p:cNvPr>
+              <p:cNvSpPr/>
+              <p:nvPr/>
+            </p:nvSpPr>
+            <p:spPr>
+              <a:xfrm>
+                <a:off x="809625" y="2952425"/>
+                <a:ext cx="375424" cy="369332"/>
+              </a:xfrm>
+              <a:prstGeom prst="rect">
+                <a:avLst/>
+              </a:prstGeom>
+            </p:spPr>
+            <p:txBody>
+              <a:bodyPr wrap="none">
+                <a:spAutoFit/>
+              </a:bodyPr>
+              <a:lstStyle/>
+              <a:p>
+                <a:pPr/>
+                <a14:m>
+                  <m:oMathPara xmlns:m="http://schemas.openxmlformats.org/officeDocument/2006/math">
+                    <m:oMathParaPr>
+                      <m:jc m:val="centerGroup"/>
+                    </m:oMathParaPr>
+                    <m:oMath xmlns:m="http://schemas.openxmlformats.org/officeDocument/2006/math">
+                      <m:r>
+                        <a:rPr lang="en-US" altLang="zh-CN" b="0" i="1" smtClean="0">
+                          <a:latin typeface="Cambria Math" panose="02040503050406030204" pitchFamily="18" charset="0"/>
+                          <a:cs typeface="Times New Roman" panose="02020603050405020304" pitchFamily="18" charset="0"/>
+                        </a:rPr>
+                        <m:t>1</m:t>
+                      </m:r>
+                    </m:oMath>
+                  </m:oMathPara>
+                </a14:m>
+                <a:endParaRPr lang="zh-CN" altLang="en-US" dirty="0"/>
+              </a:p>
+            </p:txBody>
+          </p:sp>
+        </mc:Choice>
+        <mc:Fallback xmlns="">
+          <p:sp>
+            <p:nvSpPr>
+              <p:cNvPr id="20" name="矩形 19">
+                <a:extLst>
+                  <a:ext uri="{FF2B5EF4-FFF2-40B4-BE49-F238E27FC236}">
+                    <a16:creationId xmlns:a16="http://schemas.microsoft.com/office/drawing/2014/main" id="{BAC5C81A-5134-4E73-A3BD-44D2C4817C6A}"/>
+                  </a:ext>
+                </a:extLst>
+              </p:cNvPr>
+              <p:cNvSpPr>
+                <a:spLocks noRot="1" noChangeAspect="1" noMove="1" noResize="1" noEditPoints="1" noAdjustHandles="1" noChangeArrowheads="1" noChangeShapeType="1" noTextEdit="1"/>
+              </p:cNvSpPr>
+              <p:nvPr/>
+            </p:nvSpPr>
+            <p:spPr>
+              <a:xfrm>
+                <a:off x="809625" y="2952425"/>
+                <a:ext cx="375424" cy="369332"/>
+              </a:xfrm>
+              <a:prstGeom prst="rect">
+                <a:avLst/>
+              </a:prstGeom>
+              <a:blipFill>
+                <a:blip r:embed="rId15"/>
+                <a:stretch>
+                  <a:fillRect/>
+                </a:stretch>
+              </a:blipFill>
+            </p:spPr>
+            <p:txBody>
+              <a:bodyPr/>
+              <a:lstStyle/>
+              <a:p>
+                <a:r>
+                  <a:rPr lang="zh-CN" altLang="en-US">
+                    <a:noFill/>
+                  </a:rPr>
+                  <a:t> </a:t>
+                </a:r>
+              </a:p>
+            </p:txBody>
+          </p:sp>
+        </mc:Fallback>
+      </mc:AlternateContent>
+      <mc:AlternateContent xmlns:mc="http://schemas.openxmlformats.org/markup-compatibility/2006" xmlns:a14="http://schemas.microsoft.com/office/drawing/2010/main">
+        <mc:Choice Requires="a14">
+          <p:sp>
+            <p:nvSpPr>
+              <p:cNvPr id="21" name="矩形 20">
+                <a:extLst>
+                  <a:ext uri="{FF2B5EF4-FFF2-40B4-BE49-F238E27FC236}">
+                    <a16:creationId xmlns:a16="http://schemas.microsoft.com/office/drawing/2014/main" id="{4C0595B6-1067-4626-9369-415F198BEB02}"/>
+                  </a:ext>
+                </a:extLst>
+              </p:cNvPr>
+              <p:cNvSpPr/>
+              <p:nvPr/>
+            </p:nvSpPr>
+            <p:spPr>
+              <a:xfrm>
+                <a:off x="1462519" y="3544372"/>
+                <a:ext cx="375424" cy="369332"/>
+              </a:xfrm>
+              <a:prstGeom prst="rect">
+                <a:avLst/>
+              </a:prstGeom>
+            </p:spPr>
+            <p:txBody>
+              <a:bodyPr wrap="none">
+                <a:spAutoFit/>
+              </a:bodyPr>
+              <a:lstStyle/>
+              <a:p>
+                <a:pPr/>
+                <a14:m>
+                  <m:oMathPara xmlns:m="http://schemas.openxmlformats.org/officeDocument/2006/math">
+                    <m:oMathParaPr>
+                      <m:jc m:val="centerGroup"/>
+                    </m:oMathParaPr>
+                    <m:oMath xmlns:m="http://schemas.openxmlformats.org/officeDocument/2006/math">
+                      <m:r>
+                        <a:rPr lang="en-US" altLang="zh-CN" b="0" i="1" smtClean="0">
+                          <a:latin typeface="Cambria Math" panose="02040503050406030204" pitchFamily="18" charset="0"/>
+                          <a:cs typeface="Times New Roman" panose="02020603050405020304" pitchFamily="18" charset="0"/>
+                        </a:rPr>
+                        <m:t>1</m:t>
+                      </m:r>
+                    </m:oMath>
+                  </m:oMathPara>
+                </a14:m>
+                <a:endParaRPr lang="zh-CN" altLang="en-US" dirty="0"/>
+              </a:p>
+            </p:txBody>
+          </p:sp>
+        </mc:Choice>
+        <mc:Fallback xmlns="">
+          <p:sp>
+            <p:nvSpPr>
+              <p:cNvPr id="21" name="矩形 20">
+                <a:extLst>
+                  <a:ext uri="{FF2B5EF4-FFF2-40B4-BE49-F238E27FC236}">
+                    <a16:creationId xmlns:a16="http://schemas.microsoft.com/office/drawing/2014/main" id="{4C0595B6-1067-4626-9369-415F198BEB02}"/>
+                  </a:ext>
+                </a:extLst>
+              </p:cNvPr>
+              <p:cNvSpPr>
+                <a:spLocks noRot="1" noChangeAspect="1" noMove="1" noResize="1" noEditPoints="1" noAdjustHandles="1" noChangeArrowheads="1" noChangeShapeType="1" noTextEdit="1"/>
+              </p:cNvSpPr>
+              <p:nvPr/>
+            </p:nvSpPr>
+            <p:spPr>
+              <a:xfrm>
+                <a:off x="1462519" y="3544372"/>
+                <a:ext cx="375424" cy="369332"/>
+              </a:xfrm>
+              <a:prstGeom prst="rect">
+                <a:avLst/>
+              </a:prstGeom>
+              <a:blipFill>
+                <a:blip r:embed="rId16"/>
+                <a:stretch>
+                  <a:fillRect/>
+                </a:stretch>
+              </a:blipFill>
+            </p:spPr>
+            <p:txBody>
+              <a:bodyPr/>
+              <a:lstStyle/>
+              <a:p>
+                <a:r>
+                  <a:rPr lang="zh-CN" altLang="en-US">
+                    <a:noFill/>
+                  </a:rPr>
+                  <a:t> </a:t>
+                </a:r>
+              </a:p>
+            </p:txBody>
+          </p:sp>
+        </mc:Fallback>
+      </mc:AlternateContent>
+      <mc:AlternateContent xmlns:mc="http://schemas.openxmlformats.org/markup-compatibility/2006" xmlns:a14="http://schemas.microsoft.com/office/drawing/2010/main">
+        <mc:Choice Requires="a14">
+          <p:sp>
+            <p:nvSpPr>
+              <p:cNvPr id="22" name="矩形 21">
+                <a:extLst>
+                  <a:ext uri="{FF2B5EF4-FFF2-40B4-BE49-F238E27FC236}">
+                    <a16:creationId xmlns:a16="http://schemas.microsoft.com/office/drawing/2014/main" id="{2586D131-0E04-4930-B304-DC87732C44B9}"/>
+                  </a:ext>
+                </a:extLst>
+              </p:cNvPr>
+              <p:cNvSpPr/>
+              <p:nvPr/>
+            </p:nvSpPr>
+            <p:spPr>
+              <a:xfrm>
+                <a:off x="3662300" y="3544372"/>
+                <a:ext cx="375424" cy="369332"/>
+              </a:xfrm>
+              <a:prstGeom prst="rect">
+                <a:avLst/>
+              </a:prstGeom>
+            </p:spPr>
+            <p:txBody>
+              <a:bodyPr wrap="none">
+                <a:spAutoFit/>
+              </a:bodyPr>
+              <a:lstStyle/>
+              <a:p>
+                <a:pPr/>
+                <a14:m>
+                  <m:oMathPara xmlns:m="http://schemas.openxmlformats.org/officeDocument/2006/math">
+                    <m:oMathParaPr>
+                      <m:jc m:val="centerGroup"/>
+                    </m:oMathParaPr>
+                    <m:oMath xmlns:m="http://schemas.openxmlformats.org/officeDocument/2006/math">
+                      <m:r>
+                        <a:rPr lang="en-US" altLang="zh-CN" b="0" i="1" smtClean="0">
+                          <a:latin typeface="Cambria Math" panose="02040503050406030204" pitchFamily="18" charset="0"/>
+                          <a:cs typeface="Times New Roman" panose="02020603050405020304" pitchFamily="18" charset="0"/>
+                        </a:rPr>
+                        <m:t>1</m:t>
+                      </m:r>
+                    </m:oMath>
+                  </m:oMathPara>
+                </a14:m>
+                <a:endParaRPr lang="zh-CN" altLang="en-US" dirty="0"/>
+              </a:p>
+            </p:txBody>
+          </p:sp>
+        </mc:Choice>
+        <mc:Fallback xmlns="">
+          <p:sp>
+            <p:nvSpPr>
+              <p:cNvPr id="22" name="矩形 21">
+                <a:extLst>
+                  <a:ext uri="{FF2B5EF4-FFF2-40B4-BE49-F238E27FC236}">
+                    <a16:creationId xmlns:a16="http://schemas.microsoft.com/office/drawing/2014/main" id="{2586D131-0E04-4930-B304-DC87732C44B9}"/>
+                  </a:ext>
+                </a:extLst>
+              </p:cNvPr>
+              <p:cNvSpPr>
+                <a:spLocks noRot="1" noChangeAspect="1" noMove="1" noResize="1" noEditPoints="1" noAdjustHandles="1" noChangeArrowheads="1" noChangeShapeType="1" noTextEdit="1"/>
+              </p:cNvSpPr>
+              <p:nvPr/>
+            </p:nvSpPr>
+            <p:spPr>
+              <a:xfrm>
+                <a:off x="3662300" y="3544372"/>
+                <a:ext cx="375424" cy="369332"/>
+              </a:xfrm>
+              <a:prstGeom prst="rect">
+                <a:avLst/>
+              </a:prstGeom>
+              <a:blipFill>
+                <a:blip r:embed="rId17"/>
+                <a:stretch>
+                  <a:fillRect/>
+                </a:stretch>
+              </a:blipFill>
+            </p:spPr>
+            <p:txBody>
+              <a:bodyPr/>
+              <a:lstStyle/>
+              <a:p>
+                <a:r>
+                  <a:rPr lang="zh-CN" altLang="en-US">
+                    <a:noFill/>
+                  </a:rPr>
+                  <a:t> </a:t>
+                </a:r>
+              </a:p>
+            </p:txBody>
+          </p:sp>
+        </mc:Fallback>
+      </mc:AlternateContent>
+      <mc:AlternateContent xmlns:mc="http://schemas.openxmlformats.org/markup-compatibility/2006" xmlns:a14="http://schemas.microsoft.com/office/drawing/2010/main">
+        <mc:Choice Requires="a14">
+          <p:sp>
+            <p:nvSpPr>
+              <p:cNvPr id="23" name="矩形 22">
+                <a:extLst>
+                  <a:ext uri="{FF2B5EF4-FFF2-40B4-BE49-F238E27FC236}">
+                    <a16:creationId xmlns:a16="http://schemas.microsoft.com/office/drawing/2014/main" id="{4936D508-3027-4E65-9497-C8263D05B309}"/>
+                  </a:ext>
+                </a:extLst>
+              </p:cNvPr>
+              <p:cNvSpPr/>
+              <p:nvPr/>
+            </p:nvSpPr>
+            <p:spPr>
+              <a:xfrm>
+                <a:off x="1907460" y="2952425"/>
+                <a:ext cx="375424" cy="369332"/>
+              </a:xfrm>
+              <a:prstGeom prst="rect">
+                <a:avLst/>
+              </a:prstGeom>
+            </p:spPr>
+            <p:txBody>
+              <a:bodyPr wrap="none">
+                <a:spAutoFit/>
+              </a:bodyPr>
+              <a:lstStyle/>
+              <a:p>
+                <a:pPr/>
+                <a14:m>
+                  <m:oMathPara xmlns:m="http://schemas.openxmlformats.org/officeDocument/2006/math">
+                    <m:oMathParaPr>
+                      <m:jc m:val="centerGroup"/>
+                    </m:oMathParaPr>
+                    <m:oMath xmlns:m="http://schemas.openxmlformats.org/officeDocument/2006/math">
+                      <m:r>
+                        <a:rPr lang="en-US" altLang="zh-CN" b="0" i="1" smtClean="0">
+                          <a:latin typeface="Cambria Math" panose="02040503050406030204" pitchFamily="18" charset="0"/>
+                          <a:cs typeface="Times New Roman" panose="02020603050405020304" pitchFamily="18" charset="0"/>
+                        </a:rPr>
+                        <m:t>1</m:t>
+                      </m:r>
+                    </m:oMath>
+                  </m:oMathPara>
+                </a14:m>
+                <a:endParaRPr lang="zh-CN" altLang="en-US" dirty="0"/>
+              </a:p>
+            </p:txBody>
+          </p:sp>
+        </mc:Choice>
+        <mc:Fallback xmlns="">
+          <p:sp>
+            <p:nvSpPr>
+              <p:cNvPr id="23" name="矩形 22">
+                <a:extLst>
+                  <a:ext uri="{FF2B5EF4-FFF2-40B4-BE49-F238E27FC236}">
+                    <a16:creationId xmlns:a16="http://schemas.microsoft.com/office/drawing/2014/main" id="{4936D508-3027-4E65-9497-C8263D05B309}"/>
+                  </a:ext>
+                </a:extLst>
+              </p:cNvPr>
+              <p:cNvSpPr>
+                <a:spLocks noRot="1" noChangeAspect="1" noMove="1" noResize="1" noEditPoints="1" noAdjustHandles="1" noChangeArrowheads="1" noChangeShapeType="1" noTextEdit="1"/>
+              </p:cNvSpPr>
+              <p:nvPr/>
+            </p:nvSpPr>
+            <p:spPr>
+              <a:xfrm>
+                <a:off x="1907460" y="2952425"/>
+                <a:ext cx="375424" cy="369332"/>
+              </a:xfrm>
+              <a:prstGeom prst="rect">
+                <a:avLst/>
+              </a:prstGeom>
+              <a:blipFill>
+                <a:blip r:embed="rId18"/>
+                <a:stretch>
+                  <a:fillRect/>
+                </a:stretch>
+              </a:blipFill>
+            </p:spPr>
+            <p:txBody>
+              <a:bodyPr/>
+              <a:lstStyle/>
+              <a:p>
+                <a:r>
+                  <a:rPr lang="zh-CN" altLang="en-US">
+                    <a:noFill/>
+                  </a:rPr>
+                  <a:t> </a:t>
+                </a:r>
+              </a:p>
+            </p:txBody>
+          </p:sp>
+        </mc:Fallback>
+      </mc:AlternateContent>
+      <mc:AlternateContent xmlns:mc="http://schemas.openxmlformats.org/markup-compatibility/2006" xmlns:a14="http://schemas.microsoft.com/office/drawing/2010/main">
+        <mc:Choice Requires="a14">
+          <p:sp>
+            <p:nvSpPr>
+              <p:cNvPr id="24" name="矩形 23">
+                <a:extLst>
+                  <a:ext uri="{FF2B5EF4-FFF2-40B4-BE49-F238E27FC236}">
+                    <a16:creationId xmlns:a16="http://schemas.microsoft.com/office/drawing/2014/main" id="{FFCA88BC-A484-4DB5-9882-32E4C0A04210}"/>
+                  </a:ext>
+                </a:extLst>
+              </p:cNvPr>
+              <p:cNvSpPr/>
+              <p:nvPr/>
+            </p:nvSpPr>
+            <p:spPr>
+              <a:xfrm>
+                <a:off x="2966669" y="2944296"/>
+                <a:ext cx="375424" cy="369332"/>
+              </a:xfrm>
+              <a:prstGeom prst="rect">
+                <a:avLst/>
+              </a:prstGeom>
+            </p:spPr>
+            <p:txBody>
+              <a:bodyPr wrap="none">
+                <a:spAutoFit/>
+              </a:bodyPr>
+              <a:lstStyle/>
+              <a:p>
+                <a:pPr/>
+                <a14:m>
+                  <m:oMathPara xmlns:m="http://schemas.openxmlformats.org/officeDocument/2006/math">
+                    <m:oMathParaPr>
+                      <m:jc m:val="centerGroup"/>
+                    </m:oMathParaPr>
+                    <m:oMath xmlns:m="http://schemas.openxmlformats.org/officeDocument/2006/math">
+                      <m:r>
+                        <a:rPr lang="en-US" altLang="zh-CN" b="0" i="1" smtClean="0">
+                          <a:latin typeface="Cambria Math" panose="02040503050406030204" pitchFamily="18" charset="0"/>
+                          <a:cs typeface="Times New Roman" panose="02020603050405020304" pitchFamily="18" charset="0"/>
+                        </a:rPr>
+                        <m:t>1</m:t>
+                      </m:r>
+                    </m:oMath>
+                  </m:oMathPara>
+                </a14:m>
+                <a:endParaRPr lang="zh-CN" altLang="en-US" dirty="0"/>
+              </a:p>
+            </p:txBody>
+          </p:sp>
+        </mc:Choice>
+        <mc:Fallback xmlns="">
+          <p:sp>
+            <p:nvSpPr>
+              <p:cNvPr id="24" name="矩形 23">
+                <a:extLst>
+                  <a:ext uri="{FF2B5EF4-FFF2-40B4-BE49-F238E27FC236}">
+                    <a16:creationId xmlns:a16="http://schemas.microsoft.com/office/drawing/2014/main" id="{FFCA88BC-A484-4DB5-9882-32E4C0A04210}"/>
+                  </a:ext>
+                </a:extLst>
+              </p:cNvPr>
+              <p:cNvSpPr>
+                <a:spLocks noRot="1" noChangeAspect="1" noMove="1" noResize="1" noEditPoints="1" noAdjustHandles="1" noChangeArrowheads="1" noChangeShapeType="1" noTextEdit="1"/>
+              </p:cNvSpPr>
+              <p:nvPr/>
+            </p:nvSpPr>
+            <p:spPr>
+              <a:xfrm>
+                <a:off x="2966669" y="2944296"/>
+                <a:ext cx="375424" cy="369332"/>
+              </a:xfrm>
+              <a:prstGeom prst="rect">
+                <a:avLst/>
+              </a:prstGeom>
+              <a:blipFill>
+                <a:blip r:embed="rId19"/>
+                <a:stretch>
+                  <a:fillRect/>
+                </a:stretch>
+              </a:blipFill>
+            </p:spPr>
+            <p:txBody>
+              <a:bodyPr/>
+              <a:lstStyle/>
+              <a:p>
+                <a:r>
+                  <a:rPr lang="zh-CN" altLang="en-US">
+                    <a:noFill/>
+                  </a:rPr>
+                  <a:t> </a:t>
+                </a:r>
+              </a:p>
+            </p:txBody>
+          </p:sp>
+        </mc:Fallback>
+      </mc:AlternateContent>
+      <mc:AlternateContent xmlns:mc="http://schemas.openxmlformats.org/markup-compatibility/2006" xmlns:a14="http://schemas.microsoft.com/office/drawing/2010/main">
+        <mc:Choice Requires="a14">
+          <p:sp>
+            <p:nvSpPr>
+              <p:cNvPr id="25" name="矩形 24">
+                <a:extLst>
+                  <a:ext uri="{FF2B5EF4-FFF2-40B4-BE49-F238E27FC236}">
+                    <a16:creationId xmlns:a16="http://schemas.microsoft.com/office/drawing/2014/main" id="{3E7C846B-1160-4826-8271-7838829DEA3D}"/>
+                  </a:ext>
+                </a:extLst>
+              </p:cNvPr>
+              <p:cNvSpPr/>
+              <p:nvPr/>
+            </p:nvSpPr>
+            <p:spPr>
+              <a:xfrm>
+                <a:off x="4025714" y="2952425"/>
+                <a:ext cx="375424" cy="369332"/>
+              </a:xfrm>
+              <a:prstGeom prst="rect">
+                <a:avLst/>
+              </a:prstGeom>
+            </p:spPr>
+            <p:txBody>
+              <a:bodyPr wrap="none">
+                <a:spAutoFit/>
+              </a:bodyPr>
+              <a:lstStyle/>
+              <a:p>
+                <a:pPr/>
+                <a14:m>
+                  <m:oMathPara xmlns:m="http://schemas.openxmlformats.org/officeDocument/2006/math">
+                    <m:oMathParaPr>
+                      <m:jc m:val="centerGroup"/>
+                    </m:oMathParaPr>
+                    <m:oMath xmlns:m="http://schemas.openxmlformats.org/officeDocument/2006/math">
+                      <m:r>
+                        <a:rPr lang="en-US" altLang="zh-CN" b="0" i="1" smtClean="0">
+                          <a:latin typeface="Cambria Math" panose="02040503050406030204" pitchFamily="18" charset="0"/>
+                          <a:cs typeface="Times New Roman" panose="02020603050405020304" pitchFamily="18" charset="0"/>
+                        </a:rPr>
+                        <m:t>1</m:t>
+                      </m:r>
+                    </m:oMath>
+                  </m:oMathPara>
+                </a14:m>
+                <a:endParaRPr lang="zh-CN" altLang="en-US" dirty="0"/>
+              </a:p>
+            </p:txBody>
+          </p:sp>
+        </mc:Choice>
+        <mc:Fallback xmlns="">
+          <p:sp>
+            <p:nvSpPr>
+              <p:cNvPr id="25" name="矩形 24">
+                <a:extLst>
+                  <a:ext uri="{FF2B5EF4-FFF2-40B4-BE49-F238E27FC236}">
+                    <a16:creationId xmlns:a16="http://schemas.microsoft.com/office/drawing/2014/main" id="{3E7C846B-1160-4826-8271-7838829DEA3D}"/>
+                  </a:ext>
+                </a:extLst>
+              </p:cNvPr>
+              <p:cNvSpPr>
+                <a:spLocks noRot="1" noChangeAspect="1" noMove="1" noResize="1" noEditPoints="1" noAdjustHandles="1" noChangeArrowheads="1" noChangeShapeType="1" noTextEdit="1"/>
+              </p:cNvSpPr>
+              <p:nvPr/>
+            </p:nvSpPr>
+            <p:spPr>
+              <a:xfrm>
+                <a:off x="4025714" y="2952425"/>
+                <a:ext cx="375424" cy="369332"/>
+              </a:xfrm>
+              <a:prstGeom prst="rect">
+                <a:avLst/>
+              </a:prstGeom>
+              <a:blipFill>
+                <a:blip r:embed="rId20"/>
+                <a:stretch>
+                  <a:fillRect/>
+                </a:stretch>
+              </a:blipFill>
+            </p:spPr>
+            <p:txBody>
+              <a:bodyPr/>
+              <a:lstStyle/>
+              <a:p>
+                <a:r>
+                  <a:rPr lang="zh-CN" altLang="en-US">
+                    <a:noFill/>
+                  </a:rPr>
+                  <a:t> </a:t>
+                </a:r>
+              </a:p>
+            </p:txBody>
+          </p:sp>
+        </mc:Fallback>
+      </mc:AlternateContent>
+      <mc:AlternateContent xmlns:mc="http://schemas.openxmlformats.org/markup-compatibility/2006" xmlns:a14="http://schemas.microsoft.com/office/drawing/2010/main">
+        <mc:Choice Requires="a14">
+          <p:sp>
+            <p:nvSpPr>
+              <p:cNvPr id="27" name="矩形 26">
+                <a:extLst>
+                  <a:ext uri="{FF2B5EF4-FFF2-40B4-BE49-F238E27FC236}">
+                    <a16:creationId xmlns:a16="http://schemas.microsoft.com/office/drawing/2014/main" id="{192B9FFC-B0A7-4B14-A927-84912D165893}"/>
+                  </a:ext>
+                </a:extLst>
+              </p:cNvPr>
+              <p:cNvSpPr/>
+              <p:nvPr/>
+            </p:nvSpPr>
+            <p:spPr>
+              <a:xfrm>
+                <a:off x="4996112" y="2143279"/>
+                <a:ext cx="4531728" cy="411395"/>
+              </a:xfrm>
+              <a:prstGeom prst="rect">
+                <a:avLst/>
+              </a:prstGeom>
+            </p:spPr>
+            <p:txBody>
+              <a:bodyPr wrap="square">
+                <a:spAutoFit/>
+              </a:bodyPr>
+              <a:lstStyle/>
+              <a:p>
+                <a:pPr/>
+                <a14:m>
+                  <m:oMathPara xmlns:m="http://schemas.openxmlformats.org/officeDocument/2006/math">
+                    <m:oMathParaPr>
+                      <m:jc m:val="centerGroup"/>
+                    </m:oMathParaPr>
+                    <m:oMath xmlns:m="http://schemas.openxmlformats.org/officeDocument/2006/math">
+                      <m:func>
+                        <m:funcPr>
                           <m:ctrlPr>
-                            <a:rPr lang="en-US" altLang="zh-CN" b="0" i="1" smtClean="0">
+                            <a:rPr lang="en-US" altLang="zh-CN" i="1" smtClean="0">
                               <a:latin typeface="Cambria Math" panose="02040503050406030204" pitchFamily="18" charset="0"/>
                             </a:rPr>
                           </m:ctrlPr>
-                        </m:sSubSupPr>
+                        </m:funcPr>
+                        <m:fName>
+                          <m:r>
+                            <m:rPr>
+                              <m:sty m:val="p"/>
+                            </m:rPr>
+                            <a:rPr lang="en-US" altLang="zh-CN" smtClean="0">
+                              <a:latin typeface="Cambria Math" panose="02040503050406030204" pitchFamily="18" charset="0"/>
+                            </a:rPr>
+                            <m:t>Pr</m:t>
+                          </m:r>
+                        </m:fName>
                         <m:e>
+                          <m:d>
+                            <m:dPr>
+                              <m:ctrlPr>
+                                <a:rPr lang="en-US" altLang="zh-CN" i="1">
+                                  <a:latin typeface="Cambria Math" panose="02040503050406030204" pitchFamily="18" charset="0"/>
+                                </a:rPr>
+                              </m:ctrlPr>
+                            </m:dPr>
+                            <m:e>
+                              <m:sSub>
+                                <m:sSubPr>
+                                  <m:ctrlPr>
+                                    <a:rPr lang="en-US" altLang="zh-CN" i="1">
+                                      <a:latin typeface="Cambria Math" panose="02040503050406030204" pitchFamily="18" charset="0"/>
+                                    </a:rPr>
+                                  </m:ctrlPr>
+                                </m:sSubPr>
+                                <m:e>
+                                  <m:r>
+                                    <a:rPr lang="en-US" altLang="zh-CN" b="0" i="1" smtClean="0">
+                                      <a:latin typeface="Cambria Math" panose="02040503050406030204" pitchFamily="18" charset="0"/>
+                                    </a:rPr>
+                                    <m:t>𝑢</m:t>
+                                  </m:r>
+                                </m:e>
+                                <m:sub>
+                                  <m:r>
+                                    <a:rPr lang="en-US" altLang="zh-CN" b="0" i="1" smtClean="0">
+                                      <a:latin typeface="Cambria Math" panose="02040503050406030204" pitchFamily="18" charset="0"/>
+                                    </a:rPr>
+                                    <m:t>𝑘</m:t>
+                                  </m:r>
+                                </m:sub>
+                              </m:sSub>
+                            </m:e>
+                            <m:e>
+                              <m:r>
+                                <m:rPr>
+                                  <m:sty m:val="p"/>
+                                </m:rPr>
+                                <a:rPr lang="en-US" altLang="zh-CN">
+                                  <a:latin typeface="Cambria Math" panose="02040503050406030204" pitchFamily="18" charset="0"/>
+                                </a:rPr>
+                                <m:t>Φ</m:t>
+                              </m:r>
+                              <m:d>
+                                <m:dPr>
+                                  <m:ctrlPr>
+                                    <a:rPr lang="en-US" altLang="zh-CN" i="1">
+                                      <a:latin typeface="Cambria Math" panose="02040503050406030204" pitchFamily="18" charset="0"/>
+                                    </a:rPr>
+                                  </m:ctrlPr>
+                                </m:dPr>
+                                <m:e>
+                                  <m:sSub>
+                                    <m:sSubPr>
+                                      <m:ctrlPr>
+                                        <a:rPr lang="en-US" altLang="zh-CN" i="1">
+                                          <a:latin typeface="Cambria Math" panose="02040503050406030204" pitchFamily="18" charset="0"/>
+                                        </a:rPr>
+                                      </m:ctrlPr>
+                                    </m:sSubPr>
+                                    <m:e>
+                                      <m:r>
+                                        <a:rPr lang="en-US" altLang="zh-CN" i="1">
+                                          <a:latin typeface="Cambria Math" panose="02040503050406030204" pitchFamily="18" charset="0"/>
+                                        </a:rPr>
+                                        <m:t>𝑣</m:t>
+                                      </m:r>
+                                    </m:e>
+                                    <m:sub>
+                                      <m:r>
+                                        <a:rPr lang="en-US" altLang="zh-CN" b="0" i="1" smtClean="0">
+                                          <a:latin typeface="Cambria Math" panose="02040503050406030204" pitchFamily="18" charset="0"/>
+                                        </a:rPr>
+                                        <m:t>𝑗</m:t>
+                                      </m:r>
+                                    </m:sub>
+                                  </m:sSub>
+                                </m:e>
+                              </m:d>
+                            </m:e>
+                          </m:d>
                           <m:r>
                             <a:rPr lang="en-US" altLang="zh-CN" b="0" i="1" smtClean="0">
                               <a:latin typeface="Cambria Math" panose="02040503050406030204" pitchFamily="18" charset="0"/>
                             </a:rPr>
-                            <m:t>𝑊</m:t>
+                            <m:t>=</m:t>
                           </m:r>
-                        </m:e>
-                        <m:sub>
+                          <m:r>
+                            <m:rPr>
+                              <m:sty m:val="p"/>
+                            </m:rPr>
+                            <a:rPr lang="en-US" altLang="zh-CN" b="0" i="0" smtClean="0">
+                              <a:latin typeface="Cambria Math" panose="02040503050406030204" pitchFamily="18" charset="0"/>
+                            </a:rPr>
+                            <m:t>Pr</m:t>
+                          </m:r>
+                          <m:r>
+                            <a:rPr lang="en-US" altLang="zh-CN" b="0" i="1" smtClean="0">
+                              <a:latin typeface="Cambria Math" panose="02040503050406030204" pitchFamily="18" charset="0"/>
+                            </a:rPr>
+                            <m:t>⁡(</m:t>
+                          </m:r>
                           <m:sSub>
                             <m:sSubPr>
                               <m:ctrlPr>
@@ -15439,7 +16678,7 @@
                                 <a:rPr lang="en-US" altLang="zh-CN" b="0" i="1" smtClean="0">
                                   <a:latin typeface="Cambria Math" panose="02040503050406030204" pitchFamily="18" charset="0"/>
                                 </a:rPr>
-                                <m:t>𝑣</m:t>
+                                <m:t>𝑐</m:t>
                               </m:r>
                             </m:e>
                             <m:sub>
@@ -15447,22 +16686,3068 @@
                                 <a:rPr lang="en-US" altLang="zh-CN" b="0" i="1" smtClean="0">
                                   <a:latin typeface="Cambria Math" panose="02040503050406030204" pitchFamily="18" charset="0"/>
                                 </a:rPr>
+                                <m:t>1</m:t>
+                              </m:r>
+                            </m:sub>
+                          </m:sSub>
+                          <m:r>
+                            <a:rPr lang="en-US" altLang="zh-CN" b="0" i="1" smtClean="0">
+                              <a:latin typeface="Cambria Math" panose="02040503050406030204" pitchFamily="18" charset="0"/>
+                            </a:rPr>
+                            <m:t>,</m:t>
+                          </m:r>
+                          <m:sSub>
+                            <m:sSubPr>
+                              <m:ctrlPr>
+                                <a:rPr lang="en-US" altLang="zh-CN" b="0" i="1" smtClean="0">
+                                  <a:latin typeface="Cambria Math" panose="02040503050406030204" pitchFamily="18" charset="0"/>
+                                </a:rPr>
+                              </m:ctrlPr>
+                            </m:sSubPr>
+                            <m:e>
+                              <m:r>
+                                <a:rPr lang="en-US" altLang="zh-CN" b="0" i="1" smtClean="0">
+                                  <a:latin typeface="Cambria Math" panose="02040503050406030204" pitchFamily="18" charset="0"/>
+                                </a:rPr>
+                                <m:t>𝑐</m:t>
+                              </m:r>
+                            </m:e>
+                            <m:sub>
+                              <m:r>
+                                <a:rPr lang="en-US" altLang="zh-CN" b="0" i="1" smtClean="0">
+                                  <a:latin typeface="Cambria Math" panose="02040503050406030204" pitchFamily="18" charset="0"/>
+                                </a:rPr>
+                                <m:t>2</m:t>
+                              </m:r>
+                            </m:sub>
+                          </m:sSub>
+                          <m:r>
+                            <a:rPr lang="en-US" altLang="zh-CN" b="0" i="1" smtClean="0">
+                              <a:latin typeface="Cambria Math" panose="02040503050406030204" pitchFamily="18" charset="0"/>
+                            </a:rPr>
+                            <m:t>,</m:t>
+                          </m:r>
+                          <m:r>
+                            <a:rPr lang="en-US" altLang="zh-CN" i="1">
+                              <a:latin typeface="Cambria Math" panose="02040503050406030204" pitchFamily="18" charset="0"/>
+                            </a:rPr>
+                            <m:t>·</m:t>
+                          </m:r>
+                          <m:r>
+                            <a:rPr lang="en-US" altLang="zh-CN" i="1" smtClean="0">
+                              <a:latin typeface="Cambria Math" panose="02040503050406030204" pitchFamily="18" charset="0"/>
+                            </a:rPr>
+                            <m:t>·</m:t>
+                          </m:r>
+                          <m:r>
+                            <a:rPr lang="en-US" altLang="zh-CN" i="1">
+                              <a:latin typeface="Cambria Math" panose="02040503050406030204" pitchFamily="18" charset="0"/>
+                            </a:rPr>
+                            <m:t>·</m:t>
+                          </m:r>
+                          <m:r>
+                            <a:rPr lang="en-US" altLang="zh-CN" b="0" i="1" smtClean="0">
+                              <a:latin typeface="Cambria Math" panose="02040503050406030204" pitchFamily="18" charset="0"/>
+                            </a:rPr>
+                            <m:t>,</m:t>
+                          </m:r>
+                          <m:sSub>
+                            <m:sSubPr>
+                              <m:ctrlPr>
+                                <a:rPr lang="en-US" altLang="zh-CN" b="0" i="1" smtClean="0">
+                                  <a:latin typeface="Cambria Math" panose="02040503050406030204" pitchFamily="18" charset="0"/>
+                                </a:rPr>
+                              </m:ctrlPr>
+                            </m:sSubPr>
+                            <m:e>
+                              <m:r>
+                                <a:rPr lang="en-US" altLang="zh-CN" b="0" i="1" smtClean="0">
+                                  <a:latin typeface="Cambria Math" panose="02040503050406030204" pitchFamily="18" charset="0"/>
+                                </a:rPr>
+                                <m:t>𝑐</m:t>
+                              </m:r>
+                            </m:e>
+                            <m:sub>
+                              <m:r>
+                                <a:rPr lang="en-US" altLang="zh-CN" b="0" i="1" smtClean="0">
+                                  <a:latin typeface="Cambria Math" panose="02040503050406030204" pitchFamily="18" charset="0"/>
+                                </a:rPr>
+                                <m:t>𝑚</m:t>
+                              </m:r>
+                            </m:sub>
+                          </m:sSub>
+                          <m:r>
+                            <a:rPr lang="en-US" altLang="zh-CN" b="0" i="1" smtClean="0">
+                              <a:latin typeface="Cambria Math" panose="02040503050406030204" pitchFamily="18" charset="0"/>
+                            </a:rPr>
+                            <m:t>|</m:t>
+                          </m:r>
+                          <m:r>
+                            <m:rPr>
+                              <m:sty m:val="p"/>
+                            </m:rPr>
+                            <a:rPr lang="en-US" altLang="zh-CN">
+                              <a:latin typeface="Cambria Math" panose="02040503050406030204" pitchFamily="18" charset="0"/>
+                            </a:rPr>
+                            <m:t>Φ</m:t>
+                          </m:r>
+                          <m:d>
+                            <m:dPr>
+                              <m:ctrlPr>
+                                <a:rPr lang="en-US" altLang="zh-CN" i="1">
+                                  <a:latin typeface="Cambria Math" panose="02040503050406030204" pitchFamily="18" charset="0"/>
+                                </a:rPr>
+                              </m:ctrlPr>
+                            </m:dPr>
+                            <m:e>
+                              <m:sSub>
+                                <m:sSubPr>
+                                  <m:ctrlPr>
+                                    <a:rPr lang="en-US" altLang="zh-CN" i="1">
+                                      <a:latin typeface="Cambria Math" panose="02040503050406030204" pitchFamily="18" charset="0"/>
+                                    </a:rPr>
+                                  </m:ctrlPr>
+                                </m:sSubPr>
+                                <m:e>
+                                  <m:r>
+                                    <a:rPr lang="en-US" altLang="zh-CN" i="1">
+                                      <a:latin typeface="Cambria Math" panose="02040503050406030204" pitchFamily="18" charset="0"/>
+                                    </a:rPr>
+                                    <m:t>𝑣</m:t>
+                                  </m:r>
+                                </m:e>
+                                <m:sub>
+                                  <m:r>
+                                    <a:rPr lang="en-US" altLang="zh-CN" i="1">
+                                      <a:latin typeface="Cambria Math" panose="02040503050406030204" pitchFamily="18" charset="0"/>
+                                    </a:rPr>
+                                    <m:t>𝑗</m:t>
+                                  </m:r>
+                                </m:sub>
+                              </m:sSub>
+                            </m:e>
+                          </m:d>
+                          <m:r>
+                            <a:rPr lang="en-US" altLang="zh-CN" b="0" i="1" smtClean="0">
+                              <a:latin typeface="Cambria Math" panose="02040503050406030204" pitchFamily="18" charset="0"/>
+                            </a:rPr>
+                            <m:t>)</m:t>
+                          </m:r>
+                        </m:e>
+                      </m:func>
+                    </m:oMath>
+                  </m:oMathPara>
+                </a14:m>
+                <a:endParaRPr lang="en-US" altLang="zh-CN" i="1" dirty="0">
+                  <a:latin typeface="Cambria Math" panose="02040503050406030204" pitchFamily="18" charset="0"/>
+                </a:endParaRPr>
+              </a:p>
+            </p:txBody>
+          </p:sp>
+        </mc:Choice>
+        <mc:Fallback xmlns="">
+          <p:sp>
+            <p:nvSpPr>
+              <p:cNvPr id="27" name="矩形 26">
+                <a:extLst>
+                  <a:ext uri="{FF2B5EF4-FFF2-40B4-BE49-F238E27FC236}">
+                    <a16:creationId xmlns:a16="http://schemas.microsoft.com/office/drawing/2014/main" id="{192B9FFC-B0A7-4B14-A927-84912D165893}"/>
+                  </a:ext>
+                </a:extLst>
+              </p:cNvPr>
+              <p:cNvSpPr>
+                <a:spLocks noRot="1" noChangeAspect="1" noMove="1" noResize="1" noEditPoints="1" noAdjustHandles="1" noChangeArrowheads="1" noChangeShapeType="1" noTextEdit="1"/>
+              </p:cNvSpPr>
+              <p:nvPr/>
+            </p:nvSpPr>
+            <p:spPr>
+              <a:xfrm>
+                <a:off x="4996112" y="2143279"/>
+                <a:ext cx="4531728" cy="411395"/>
+              </a:xfrm>
+              <a:prstGeom prst="rect">
+                <a:avLst/>
+              </a:prstGeom>
+              <a:blipFill>
+                <a:blip r:embed="rId21"/>
+                <a:stretch>
+                  <a:fillRect b="-7463"/>
+                </a:stretch>
+              </a:blipFill>
+            </p:spPr>
+            <p:txBody>
+              <a:bodyPr/>
+              <a:lstStyle/>
+              <a:p>
+                <a:r>
+                  <a:rPr lang="zh-CN" altLang="en-US">
+                    <a:noFill/>
+                  </a:rPr>
+                  <a:t> </a:t>
+                </a:r>
+              </a:p>
+            </p:txBody>
+          </p:sp>
+        </mc:Fallback>
+      </mc:AlternateContent>
+      <mc:AlternateContent xmlns:mc="http://schemas.openxmlformats.org/markup-compatibility/2006" xmlns:a14="http://schemas.microsoft.com/office/drawing/2010/main">
+        <mc:Choice Requires="a14">
+          <p:sp>
+            <p:nvSpPr>
+              <p:cNvPr id="28" name="矩形 27">
+                <a:extLst>
+                  <a:ext uri="{FF2B5EF4-FFF2-40B4-BE49-F238E27FC236}">
+                    <a16:creationId xmlns:a16="http://schemas.microsoft.com/office/drawing/2014/main" id="{60607CF5-D09F-4131-9EC1-3EA5EC86224E}"/>
+                  </a:ext>
+                </a:extLst>
+              </p:cNvPr>
+              <p:cNvSpPr/>
+              <p:nvPr/>
+            </p:nvSpPr>
+            <p:spPr>
+              <a:xfrm>
+                <a:off x="6718123" y="2585210"/>
+                <a:ext cx="5164234" cy="636585"/>
+              </a:xfrm>
+              <a:prstGeom prst="rect">
+                <a:avLst/>
+              </a:prstGeom>
+            </p:spPr>
+            <p:txBody>
+              <a:bodyPr wrap="none">
+                <a:spAutoFit/>
+              </a:bodyPr>
+              <a:lstStyle/>
+              <a:p>
+                <a14:m>
+                  <m:oMath xmlns:m="http://schemas.openxmlformats.org/officeDocument/2006/math">
+                    <m:r>
+                      <a:rPr lang="en-US" altLang="zh-CN" b="0" i="1" dirty="0" smtClean="0">
+                        <a:latin typeface="Cambria Math" panose="02040503050406030204" pitchFamily="18" charset="0"/>
+                      </a:rPr>
+                      <m:t>=</m:t>
+                    </m:r>
+                    <m:r>
+                      <m:rPr>
+                        <m:sty m:val="p"/>
+                      </m:rPr>
+                      <a:rPr lang="en-US" altLang="zh-CN" b="0" i="0" dirty="0" smtClean="0">
+                        <a:latin typeface="Cambria Math" panose="02040503050406030204" pitchFamily="18" charset="0"/>
+                      </a:rPr>
+                      <m:t>Pr</m:t>
+                    </m:r>
+                    <m:r>
+                      <a:rPr lang="en-US" altLang="zh-CN" b="0" i="1" dirty="0" smtClean="0">
+                        <a:latin typeface="Cambria Math" panose="02040503050406030204" pitchFamily="18" charset="0"/>
+                      </a:rPr>
+                      <m:t>⁡(</m:t>
+                    </m:r>
+                    <m:sSub>
+                      <m:sSubPr>
+                        <m:ctrlPr>
+                          <a:rPr lang="en-US" altLang="zh-CN" b="0" i="1" dirty="0" smtClean="0">
+                            <a:latin typeface="Cambria Math" panose="02040503050406030204" pitchFamily="18" charset="0"/>
+                          </a:rPr>
+                        </m:ctrlPr>
+                      </m:sSubPr>
+                      <m:e>
+                        <m:r>
+                          <a:rPr lang="en-US" altLang="zh-CN" b="0" i="1" dirty="0" smtClean="0">
+                            <a:latin typeface="Cambria Math" panose="02040503050406030204" pitchFamily="18" charset="0"/>
+                          </a:rPr>
+                          <m:t>𝑐</m:t>
+                        </m:r>
+                      </m:e>
+                      <m:sub>
+                        <m:r>
+                          <a:rPr lang="en-US" altLang="zh-CN" b="0" i="1" dirty="0" smtClean="0">
+                            <a:latin typeface="Cambria Math" panose="02040503050406030204" pitchFamily="18" charset="0"/>
+                          </a:rPr>
+                          <m:t>0</m:t>
+                        </m:r>
+                      </m:sub>
+                    </m:sSub>
+                    <m:r>
+                      <a:rPr lang="en-US" altLang="zh-CN" b="0" i="1" dirty="0" smtClean="0">
+                        <a:latin typeface="Cambria Math" panose="02040503050406030204" pitchFamily="18" charset="0"/>
+                      </a:rPr>
+                      <m:t>|</m:t>
+                    </m:r>
+                    <m:r>
+                      <m:rPr>
+                        <m:sty m:val="p"/>
+                      </m:rPr>
+                      <a:rPr lang="en-US" altLang="zh-CN">
+                        <a:latin typeface="Cambria Math" panose="02040503050406030204" pitchFamily="18" charset="0"/>
+                      </a:rPr>
+                      <m:t>Φ</m:t>
+                    </m:r>
+                    <m:d>
+                      <m:dPr>
+                        <m:ctrlPr>
+                          <a:rPr lang="en-US" altLang="zh-CN" i="1">
+                            <a:latin typeface="Cambria Math" panose="02040503050406030204" pitchFamily="18" charset="0"/>
+                          </a:rPr>
+                        </m:ctrlPr>
+                      </m:dPr>
+                      <m:e>
+                        <m:sSub>
+                          <m:sSubPr>
+                            <m:ctrlPr>
+                              <a:rPr lang="en-US" altLang="zh-CN" i="1">
+                                <a:latin typeface="Cambria Math" panose="02040503050406030204" pitchFamily="18" charset="0"/>
+                              </a:rPr>
+                            </m:ctrlPr>
+                          </m:sSubPr>
+                          <m:e>
+                            <m:r>
+                              <a:rPr lang="en-US" altLang="zh-CN" i="1">
+                                <a:latin typeface="Cambria Math" panose="02040503050406030204" pitchFamily="18" charset="0"/>
+                              </a:rPr>
+                              <m:t>𝑣</m:t>
+                            </m:r>
+                          </m:e>
+                          <m:sub>
+                            <m:r>
+                              <a:rPr lang="en-US" altLang="zh-CN" i="1">
+                                <a:latin typeface="Cambria Math" panose="02040503050406030204" pitchFamily="18" charset="0"/>
+                              </a:rPr>
+                              <m:t>𝑗</m:t>
+                            </m:r>
+                          </m:sub>
+                        </m:sSub>
+                      </m:e>
+                    </m:d>
+                    <m:r>
+                      <a:rPr lang="en-US" altLang="zh-CN" b="0" i="1" dirty="0" smtClean="0">
+                        <a:latin typeface="Cambria Math" panose="02040503050406030204" pitchFamily="18" charset="0"/>
+                      </a:rPr>
+                      <m:t>)</m:t>
+                    </m:r>
+                    <m:nary>
+                      <m:naryPr>
+                        <m:chr m:val="∏"/>
+                        <m:limLoc m:val="undOvr"/>
+                        <m:grow m:val="on"/>
+                        <m:ctrlPr>
+                          <a:rPr lang="zh-CN" altLang="en-US" i="1" dirty="0">
+                            <a:latin typeface="Cambria Math" panose="02040503050406030204" pitchFamily="18" charset="0"/>
+                          </a:rPr>
+                        </m:ctrlPr>
+                      </m:naryPr>
+                      <m:sub>
+                        <m:r>
+                          <a:rPr lang="zh-CN" altLang="en-US" i="1" dirty="0">
+                            <a:latin typeface="Cambria Math" panose="02040503050406030204" pitchFamily="18" charset="0"/>
+                          </a:rPr>
+                          <m:t>𝑖</m:t>
+                        </m:r>
+                        <m:r>
+                          <a:rPr lang="zh-CN" altLang="en-US" dirty="0">
+                            <a:latin typeface="Cambria Math" panose="02040503050406030204" pitchFamily="18" charset="0"/>
+                          </a:rPr>
+                          <m:t>=1</m:t>
+                        </m:r>
+                      </m:sub>
+                      <m:sup>
+                        <m:r>
+                          <a:rPr lang="zh-CN" altLang="en-US" i="1" dirty="0" smtClean="0">
+                            <a:latin typeface="Cambria Math" panose="02040503050406030204" pitchFamily="18" charset="0"/>
+                          </a:rPr>
+                          <m:t>𝑚</m:t>
+                        </m:r>
+                      </m:sup>
+                      <m:e>
+                        <m:r>
+                          <m:rPr>
+                            <m:sty m:val="p"/>
+                          </m:rPr>
+                          <a:rPr lang="en-US" altLang="zh-CN" dirty="0">
+                            <a:latin typeface="Cambria Math" panose="02040503050406030204" pitchFamily="18" charset="0"/>
+                          </a:rPr>
+                          <m:t>Pr</m:t>
+                        </m:r>
+                        <m:r>
+                          <a:rPr lang="en-US" altLang="zh-CN" i="1" dirty="0">
+                            <a:latin typeface="Cambria Math" panose="02040503050406030204" pitchFamily="18" charset="0"/>
+                          </a:rPr>
+                          <m:t>⁡(</m:t>
+                        </m:r>
+                        <m:sSub>
+                          <m:sSubPr>
+                            <m:ctrlPr>
+                              <a:rPr lang="en-US" altLang="zh-CN" i="1" dirty="0">
+                                <a:latin typeface="Cambria Math" panose="02040503050406030204" pitchFamily="18" charset="0"/>
+                              </a:rPr>
+                            </m:ctrlPr>
+                          </m:sSubPr>
+                          <m:e>
+                            <m:r>
+                              <a:rPr lang="en-US" altLang="zh-CN" i="1" dirty="0">
+                                <a:latin typeface="Cambria Math" panose="02040503050406030204" pitchFamily="18" charset="0"/>
+                              </a:rPr>
+                              <m:t>𝑐</m:t>
+                            </m:r>
+                          </m:e>
+                          <m:sub>
+                            <m:r>
+                              <a:rPr lang="en-US" altLang="zh-CN" i="1" dirty="0">
+                                <a:latin typeface="Cambria Math" panose="02040503050406030204" pitchFamily="18" charset="0"/>
+                              </a:rPr>
+                              <m:t>𝑖</m:t>
+                            </m:r>
+                          </m:sub>
+                        </m:sSub>
+                        <m:r>
+                          <a:rPr lang="en-US" altLang="zh-CN" i="1" dirty="0">
+                            <a:latin typeface="Cambria Math" panose="02040503050406030204" pitchFamily="18" charset="0"/>
+                          </a:rPr>
+                          <m:t>|</m:t>
+                        </m:r>
+                        <m:sSub>
+                          <m:sSubPr>
+                            <m:ctrlPr>
+                              <a:rPr lang="en-US" altLang="zh-CN" i="1" dirty="0">
+                                <a:latin typeface="Cambria Math" panose="02040503050406030204" pitchFamily="18" charset="0"/>
+                              </a:rPr>
+                            </m:ctrlPr>
+                          </m:sSubPr>
+                          <m:e>
+                            <m:r>
+                              <a:rPr lang="en-US" altLang="zh-CN" i="1" dirty="0">
+                                <a:latin typeface="Cambria Math" panose="02040503050406030204" pitchFamily="18" charset="0"/>
+                              </a:rPr>
+                              <m:t>𝑐</m:t>
+                            </m:r>
+                          </m:e>
+                          <m:sub>
+                            <m:r>
+                              <a:rPr lang="en-US" altLang="zh-CN" b="0" i="1" dirty="0" smtClean="0">
+                                <a:latin typeface="Cambria Math" panose="02040503050406030204" pitchFamily="18" charset="0"/>
+                              </a:rPr>
+                              <m:t>0</m:t>
+                            </m:r>
+                          </m:sub>
+                        </m:sSub>
+                        <m:r>
+                          <a:rPr lang="en-US" altLang="zh-CN" i="1" dirty="0">
+                            <a:latin typeface="Cambria Math" panose="02040503050406030204" pitchFamily="18" charset="0"/>
+                          </a:rPr>
+                          <m:t>,</m:t>
+                        </m:r>
+                        <m:sSub>
+                          <m:sSubPr>
+                            <m:ctrlPr>
+                              <a:rPr lang="en-US" altLang="zh-CN" i="1" dirty="0">
+                                <a:latin typeface="Cambria Math" panose="02040503050406030204" pitchFamily="18" charset="0"/>
+                              </a:rPr>
+                            </m:ctrlPr>
+                          </m:sSubPr>
+                          <m:e>
+                            <m:r>
+                              <a:rPr lang="en-US" altLang="zh-CN" i="1" dirty="0">
+                                <a:latin typeface="Cambria Math" panose="02040503050406030204" pitchFamily="18" charset="0"/>
+                              </a:rPr>
+                              <m:t>𝑐</m:t>
+                            </m:r>
+                          </m:e>
+                          <m:sub>
+                            <m:r>
+                              <a:rPr lang="en-US" altLang="zh-CN" b="0" i="1" dirty="0" smtClean="0">
+                                <a:latin typeface="Cambria Math" panose="02040503050406030204" pitchFamily="18" charset="0"/>
+                              </a:rPr>
+                              <m:t>1</m:t>
+                            </m:r>
+                          </m:sub>
+                        </m:sSub>
+                        <m:r>
+                          <a:rPr lang="en-US" altLang="zh-CN" i="1" dirty="0">
+                            <a:latin typeface="Cambria Math" panose="02040503050406030204" pitchFamily="18" charset="0"/>
+                          </a:rPr>
+                          <m:t>,···,</m:t>
+                        </m:r>
+                        <m:sSub>
+                          <m:sSubPr>
+                            <m:ctrlPr>
+                              <a:rPr lang="en-US" altLang="zh-CN" i="1" dirty="0">
+                                <a:latin typeface="Cambria Math" panose="02040503050406030204" pitchFamily="18" charset="0"/>
+                              </a:rPr>
+                            </m:ctrlPr>
+                          </m:sSubPr>
+                          <m:e>
+                            <m:r>
+                              <a:rPr lang="en-US" altLang="zh-CN" i="1" dirty="0">
+                                <a:latin typeface="Cambria Math" panose="02040503050406030204" pitchFamily="18" charset="0"/>
+                              </a:rPr>
+                              <m:t>𝑐</m:t>
+                            </m:r>
+                          </m:e>
+                          <m:sub>
+                            <m:r>
+                              <a:rPr lang="en-US" altLang="zh-CN" i="1" dirty="0">
+                                <a:latin typeface="Cambria Math" panose="02040503050406030204" pitchFamily="18" charset="0"/>
+                              </a:rPr>
+                              <m:t>𝑖</m:t>
+                            </m:r>
+                            <m:r>
+                              <a:rPr lang="en-US" altLang="zh-CN" b="0" i="1" dirty="0" smtClean="0">
+                                <a:latin typeface="Cambria Math" panose="02040503050406030204" pitchFamily="18" charset="0"/>
+                              </a:rPr>
+                              <m:t>−</m:t>
+                            </m:r>
+                            <m:r>
+                              <a:rPr lang="en-US" altLang="zh-CN" i="1" dirty="0">
+                                <a:latin typeface="Cambria Math" panose="02040503050406030204" pitchFamily="18" charset="0"/>
+                              </a:rPr>
+                              <m:t>1</m:t>
+                            </m:r>
+                          </m:sub>
+                        </m:sSub>
+                        <m:r>
+                          <a:rPr lang="en-US" altLang="zh-CN" i="1" dirty="0">
+                            <a:latin typeface="Cambria Math" panose="02040503050406030204" pitchFamily="18" charset="0"/>
+                          </a:rPr>
+                          <m:t>,</m:t>
+                        </m:r>
+                        <m:r>
+                          <m:rPr>
+                            <m:sty m:val="p"/>
+                          </m:rPr>
+                          <a:rPr lang="en-US" altLang="zh-CN">
+                            <a:latin typeface="Cambria Math" panose="02040503050406030204" pitchFamily="18" charset="0"/>
+                          </a:rPr>
+                          <m:t>Φ</m:t>
+                        </m:r>
+                        <m:d>
+                          <m:dPr>
+                            <m:ctrlPr>
+                              <a:rPr lang="en-US" altLang="zh-CN" i="1">
+                                <a:latin typeface="Cambria Math" panose="02040503050406030204" pitchFamily="18" charset="0"/>
+                              </a:rPr>
+                            </m:ctrlPr>
+                          </m:dPr>
+                          <m:e>
+                            <m:sSub>
+                              <m:sSubPr>
+                                <m:ctrlPr>
+                                  <a:rPr lang="en-US" altLang="zh-CN" i="1">
+                                    <a:latin typeface="Cambria Math" panose="02040503050406030204" pitchFamily="18" charset="0"/>
+                                  </a:rPr>
+                                </m:ctrlPr>
+                              </m:sSubPr>
+                              <m:e>
+                                <m:r>
+                                  <a:rPr lang="en-US" altLang="zh-CN" i="1">
+                                    <a:latin typeface="Cambria Math" panose="02040503050406030204" pitchFamily="18" charset="0"/>
+                                  </a:rPr>
+                                  <m:t>𝑣</m:t>
+                                </m:r>
+                              </m:e>
+                              <m:sub>
+                                <m:r>
+                                  <a:rPr lang="en-US" altLang="zh-CN" i="1">
+                                    <a:latin typeface="Cambria Math" panose="02040503050406030204" pitchFamily="18" charset="0"/>
+                                  </a:rPr>
+                                  <m:t>𝑗</m:t>
+                                </m:r>
+                              </m:sub>
+                            </m:sSub>
+                          </m:e>
+                        </m:d>
+                        <m:r>
+                          <a:rPr lang="en-US" altLang="zh-CN" i="1" dirty="0">
+                            <a:latin typeface="Cambria Math" panose="02040503050406030204" pitchFamily="18" charset="0"/>
+                          </a:rPr>
+                          <m:t>)</m:t>
+                        </m:r>
+                      </m:e>
+                    </m:nary>
+                  </m:oMath>
+                </a14:m>
+                <a:r>
+                  <a:rPr lang="zh-CN" altLang="en-US" dirty="0"/>
+                  <a:t> </a:t>
+                </a:r>
+              </a:p>
+            </p:txBody>
+          </p:sp>
+        </mc:Choice>
+        <mc:Fallback xmlns="">
+          <p:sp>
+            <p:nvSpPr>
+              <p:cNvPr id="28" name="矩形 27">
+                <a:extLst>
+                  <a:ext uri="{FF2B5EF4-FFF2-40B4-BE49-F238E27FC236}">
+                    <a16:creationId xmlns:a16="http://schemas.microsoft.com/office/drawing/2014/main" id="{60607CF5-D09F-4131-9EC1-3EA5EC86224E}"/>
+                  </a:ext>
+                </a:extLst>
+              </p:cNvPr>
+              <p:cNvSpPr>
+                <a:spLocks noRot="1" noChangeAspect="1" noMove="1" noResize="1" noEditPoints="1" noAdjustHandles="1" noChangeArrowheads="1" noChangeShapeType="1" noTextEdit="1"/>
+              </p:cNvSpPr>
+              <p:nvPr/>
+            </p:nvSpPr>
+            <p:spPr>
+              <a:xfrm>
+                <a:off x="6718123" y="2585210"/>
+                <a:ext cx="5164234" cy="636585"/>
+              </a:xfrm>
+              <a:prstGeom prst="rect">
+                <a:avLst/>
+              </a:prstGeom>
+              <a:blipFill>
+                <a:blip r:embed="rId22"/>
+                <a:stretch>
+                  <a:fillRect/>
+                </a:stretch>
+              </a:blipFill>
+            </p:spPr>
+            <p:txBody>
+              <a:bodyPr/>
+              <a:lstStyle/>
+              <a:p>
+                <a:r>
+                  <a:rPr lang="zh-CN" altLang="en-US">
+                    <a:noFill/>
+                  </a:rPr>
+                  <a:t> </a:t>
+                </a:r>
+              </a:p>
+            </p:txBody>
+          </p:sp>
+        </mc:Fallback>
+      </mc:AlternateContent>
+      <mc:AlternateContent xmlns:mc="http://schemas.openxmlformats.org/markup-compatibility/2006" xmlns:a14="http://schemas.microsoft.com/office/drawing/2010/main">
+        <mc:Choice Requires="a14">
+          <p:sp>
+            <p:nvSpPr>
+              <p:cNvPr id="30" name="矩形 29">
+                <a:extLst>
+                  <a:ext uri="{FF2B5EF4-FFF2-40B4-BE49-F238E27FC236}">
+                    <a16:creationId xmlns:a16="http://schemas.microsoft.com/office/drawing/2014/main" id="{11B2FFEE-D152-4C5D-9340-71F4836BDE57}"/>
+                  </a:ext>
+                </a:extLst>
+              </p:cNvPr>
+              <p:cNvSpPr/>
+              <p:nvPr/>
+            </p:nvSpPr>
+            <p:spPr>
+              <a:xfrm>
+                <a:off x="1748738" y="4257954"/>
+                <a:ext cx="472244" cy="369332"/>
+              </a:xfrm>
+              <a:prstGeom prst="rect">
+                <a:avLst/>
+              </a:prstGeom>
+            </p:spPr>
+            <p:txBody>
+              <a:bodyPr wrap="none">
+                <a:spAutoFit/>
+              </a:bodyPr>
+              <a:lstStyle/>
+              <a:p>
+                <a:pPr/>
+                <a14:m>
+                  <m:oMathPara xmlns:m="http://schemas.openxmlformats.org/officeDocument/2006/math">
+                    <m:oMathParaPr>
+                      <m:jc m:val="centerGroup"/>
+                    </m:oMathParaPr>
+                    <m:oMath xmlns:m="http://schemas.openxmlformats.org/officeDocument/2006/math">
+                      <m:sSub>
+                        <m:sSubPr>
+                          <m:ctrlPr>
+                            <a:rPr lang="en-US" altLang="zh-CN" i="1" dirty="0" smtClean="0">
+                              <a:solidFill>
+                                <a:srgbClr val="0070C0"/>
+                              </a:solidFill>
+                              <a:latin typeface="Cambria Math" panose="02040503050406030204" pitchFamily="18" charset="0"/>
+                            </a:rPr>
+                          </m:ctrlPr>
+                        </m:sSubPr>
+                        <m:e>
+                          <m:r>
+                            <a:rPr lang="en-US" altLang="zh-CN" b="0" i="1" dirty="0" smtClean="0">
+                              <a:solidFill>
+                                <a:srgbClr val="0070C0"/>
+                              </a:solidFill>
+                              <a:latin typeface="Cambria Math" panose="02040503050406030204" pitchFamily="18" charset="0"/>
+                            </a:rPr>
+                            <m:t>𝑏</m:t>
+                          </m:r>
+                        </m:e>
+                        <m:sub>
+                          <m:r>
+                            <a:rPr lang="en-US" altLang="zh-CN" i="1" dirty="0">
+                              <a:solidFill>
+                                <a:srgbClr val="0070C0"/>
+                              </a:solidFill>
+                              <a:latin typeface="Cambria Math" panose="02040503050406030204" pitchFamily="18" charset="0"/>
+                            </a:rPr>
+                            <m:t>0</m:t>
+                          </m:r>
+                        </m:sub>
+                      </m:sSub>
+                    </m:oMath>
+                  </m:oMathPara>
+                </a14:m>
+                <a:endParaRPr lang="zh-CN" altLang="en-US" dirty="0"/>
+              </a:p>
+            </p:txBody>
+          </p:sp>
+        </mc:Choice>
+        <mc:Fallback xmlns="">
+          <p:sp>
+            <p:nvSpPr>
+              <p:cNvPr id="30" name="矩形 29">
+                <a:extLst>
+                  <a:ext uri="{FF2B5EF4-FFF2-40B4-BE49-F238E27FC236}">
+                    <a16:creationId xmlns:a16="http://schemas.microsoft.com/office/drawing/2014/main" id="{11B2FFEE-D152-4C5D-9340-71F4836BDE57}"/>
+                  </a:ext>
+                </a:extLst>
+              </p:cNvPr>
+              <p:cNvSpPr>
+                <a:spLocks noRot="1" noChangeAspect="1" noMove="1" noResize="1" noEditPoints="1" noAdjustHandles="1" noChangeArrowheads="1" noChangeShapeType="1" noTextEdit="1"/>
+              </p:cNvSpPr>
+              <p:nvPr/>
+            </p:nvSpPr>
+            <p:spPr>
+              <a:xfrm>
+                <a:off x="1748738" y="4257954"/>
+                <a:ext cx="472244" cy="369332"/>
+              </a:xfrm>
+              <a:prstGeom prst="rect">
+                <a:avLst/>
+              </a:prstGeom>
+              <a:blipFill>
+                <a:blip r:embed="rId23"/>
+                <a:stretch>
+                  <a:fillRect/>
+                </a:stretch>
+              </a:blipFill>
+            </p:spPr>
+            <p:txBody>
+              <a:bodyPr/>
+              <a:lstStyle/>
+              <a:p>
+                <a:r>
+                  <a:rPr lang="zh-CN" altLang="en-US">
+                    <a:noFill/>
+                  </a:rPr>
+                  <a:t> </a:t>
+                </a:r>
+              </a:p>
+            </p:txBody>
+          </p:sp>
+        </mc:Fallback>
+      </mc:AlternateContent>
+      <mc:AlternateContent xmlns:mc="http://schemas.openxmlformats.org/markup-compatibility/2006" xmlns:a14="http://schemas.microsoft.com/office/drawing/2010/main">
+        <mc:Choice Requires="a14">
+          <p:sp>
+            <p:nvSpPr>
+              <p:cNvPr id="31" name="矩形 30">
+                <a:extLst>
+                  <a:ext uri="{FF2B5EF4-FFF2-40B4-BE49-F238E27FC236}">
+                    <a16:creationId xmlns:a16="http://schemas.microsoft.com/office/drawing/2014/main" id="{C61FF49B-CFCA-4515-A5CB-6CD39BFEB1CA}"/>
+                  </a:ext>
+                </a:extLst>
+              </p:cNvPr>
+              <p:cNvSpPr/>
+              <p:nvPr/>
+            </p:nvSpPr>
+            <p:spPr>
+              <a:xfrm>
+                <a:off x="1276494" y="3716497"/>
+                <a:ext cx="466923" cy="369332"/>
+              </a:xfrm>
+              <a:prstGeom prst="rect">
+                <a:avLst/>
+              </a:prstGeom>
+            </p:spPr>
+            <p:txBody>
+              <a:bodyPr wrap="none">
+                <a:spAutoFit/>
+              </a:bodyPr>
+              <a:lstStyle/>
+              <a:p>
+                <a:pPr/>
+                <a14:m>
+                  <m:oMathPara xmlns:m="http://schemas.openxmlformats.org/officeDocument/2006/math">
+                    <m:oMathParaPr>
+                      <m:jc m:val="centerGroup"/>
+                    </m:oMathParaPr>
+                    <m:oMath xmlns:m="http://schemas.openxmlformats.org/officeDocument/2006/math">
+                      <m:sSub>
+                        <m:sSubPr>
+                          <m:ctrlPr>
+                            <a:rPr lang="en-US" altLang="zh-CN" i="1" dirty="0" smtClean="0">
+                              <a:solidFill>
+                                <a:srgbClr val="0070C0"/>
+                              </a:solidFill>
+                              <a:latin typeface="Cambria Math" panose="02040503050406030204" pitchFamily="18" charset="0"/>
+                            </a:rPr>
+                          </m:ctrlPr>
+                        </m:sSubPr>
+                        <m:e>
+                          <m:r>
+                            <a:rPr lang="en-US" altLang="zh-CN" b="0" i="1" dirty="0" smtClean="0">
+                              <a:solidFill>
+                                <a:srgbClr val="0070C0"/>
+                              </a:solidFill>
+                              <a:latin typeface="Cambria Math" panose="02040503050406030204" pitchFamily="18" charset="0"/>
+                            </a:rPr>
+                            <m:t>𝑏</m:t>
+                          </m:r>
+                        </m:e>
+                        <m:sub>
+                          <m:r>
+                            <a:rPr lang="en-US" altLang="zh-CN" b="0" i="1" dirty="0" smtClean="0">
+                              <a:solidFill>
+                                <a:srgbClr val="0070C0"/>
+                              </a:solidFill>
+                              <a:latin typeface="Cambria Math" panose="02040503050406030204" pitchFamily="18" charset="0"/>
+                            </a:rPr>
+                            <m:t>1</m:t>
+                          </m:r>
+                        </m:sub>
+                      </m:sSub>
+                    </m:oMath>
+                  </m:oMathPara>
+                </a14:m>
+                <a:endParaRPr lang="zh-CN" altLang="en-US" dirty="0"/>
+              </a:p>
+            </p:txBody>
+          </p:sp>
+        </mc:Choice>
+        <mc:Fallback xmlns="">
+          <p:sp>
+            <p:nvSpPr>
+              <p:cNvPr id="31" name="矩形 30">
+                <a:extLst>
+                  <a:ext uri="{FF2B5EF4-FFF2-40B4-BE49-F238E27FC236}">
+                    <a16:creationId xmlns:a16="http://schemas.microsoft.com/office/drawing/2014/main" id="{C61FF49B-CFCA-4515-A5CB-6CD39BFEB1CA}"/>
+                  </a:ext>
+                </a:extLst>
+              </p:cNvPr>
+              <p:cNvSpPr>
+                <a:spLocks noRot="1" noChangeAspect="1" noMove="1" noResize="1" noEditPoints="1" noAdjustHandles="1" noChangeArrowheads="1" noChangeShapeType="1" noTextEdit="1"/>
+              </p:cNvSpPr>
+              <p:nvPr/>
+            </p:nvSpPr>
+            <p:spPr>
+              <a:xfrm>
+                <a:off x="1276494" y="3716497"/>
+                <a:ext cx="466923" cy="369332"/>
+              </a:xfrm>
+              <a:prstGeom prst="rect">
+                <a:avLst/>
+              </a:prstGeom>
+              <a:blipFill>
+                <a:blip r:embed="rId24"/>
+                <a:stretch>
+                  <a:fillRect/>
+                </a:stretch>
+              </a:blipFill>
+            </p:spPr>
+            <p:txBody>
+              <a:bodyPr/>
+              <a:lstStyle/>
+              <a:p>
+                <a:r>
+                  <a:rPr lang="zh-CN" altLang="en-US">
+                    <a:noFill/>
+                  </a:rPr>
+                  <a:t> </a:t>
+                </a:r>
+              </a:p>
+            </p:txBody>
+          </p:sp>
+        </mc:Fallback>
+      </mc:AlternateContent>
+      <mc:AlternateContent xmlns:mc="http://schemas.openxmlformats.org/markup-compatibility/2006" xmlns:a14="http://schemas.microsoft.com/office/drawing/2010/main">
+        <mc:Choice Requires="a14">
+          <p:sp>
+            <p:nvSpPr>
+              <p:cNvPr id="32" name="矩形 31">
+                <a:extLst>
+                  <a:ext uri="{FF2B5EF4-FFF2-40B4-BE49-F238E27FC236}">
+                    <a16:creationId xmlns:a16="http://schemas.microsoft.com/office/drawing/2014/main" id="{40EE80CC-40B3-4C3D-BD9E-9C1FAD29F848}"/>
+                  </a:ext>
+                </a:extLst>
+              </p:cNvPr>
+              <p:cNvSpPr/>
+              <p:nvPr/>
+            </p:nvSpPr>
+            <p:spPr>
+              <a:xfrm>
+                <a:off x="1849443" y="3195264"/>
+                <a:ext cx="472245" cy="369332"/>
+              </a:xfrm>
+              <a:prstGeom prst="rect">
+                <a:avLst/>
+              </a:prstGeom>
+            </p:spPr>
+            <p:txBody>
+              <a:bodyPr wrap="none">
+                <a:spAutoFit/>
+              </a:bodyPr>
+              <a:lstStyle/>
+              <a:p>
+                <a:pPr/>
+                <a14:m>
+                  <m:oMathPara xmlns:m="http://schemas.openxmlformats.org/officeDocument/2006/math">
+                    <m:oMathParaPr>
+                      <m:jc m:val="centerGroup"/>
+                    </m:oMathParaPr>
+                    <m:oMath xmlns:m="http://schemas.openxmlformats.org/officeDocument/2006/math">
+                      <m:sSub>
+                        <m:sSubPr>
+                          <m:ctrlPr>
+                            <a:rPr lang="en-US" altLang="zh-CN" i="1" dirty="0" smtClean="0">
+                              <a:solidFill>
+                                <a:srgbClr val="0070C0"/>
+                              </a:solidFill>
+                              <a:latin typeface="Cambria Math" panose="02040503050406030204" pitchFamily="18" charset="0"/>
+                            </a:rPr>
+                          </m:ctrlPr>
+                        </m:sSubPr>
+                        <m:e>
+                          <m:r>
+                            <a:rPr lang="en-US" altLang="zh-CN" b="0" i="1" dirty="0" smtClean="0">
+                              <a:solidFill>
+                                <a:srgbClr val="0070C0"/>
+                              </a:solidFill>
+                              <a:latin typeface="Cambria Math" panose="02040503050406030204" pitchFamily="18" charset="0"/>
+                            </a:rPr>
+                            <m:t>𝑏</m:t>
+                          </m:r>
+                        </m:e>
+                        <m:sub>
+                          <m:r>
+                            <a:rPr lang="en-US" altLang="zh-CN" b="0" i="1" dirty="0" smtClean="0">
+                              <a:solidFill>
+                                <a:srgbClr val="0070C0"/>
+                              </a:solidFill>
+                              <a:latin typeface="Cambria Math" panose="02040503050406030204" pitchFamily="18" charset="0"/>
+                            </a:rPr>
+                            <m:t>2</m:t>
+                          </m:r>
+                        </m:sub>
+                      </m:sSub>
+                    </m:oMath>
+                  </m:oMathPara>
+                </a14:m>
+                <a:endParaRPr lang="zh-CN" altLang="en-US" dirty="0"/>
+              </a:p>
+            </p:txBody>
+          </p:sp>
+        </mc:Choice>
+        <mc:Fallback xmlns="">
+          <p:sp>
+            <p:nvSpPr>
+              <p:cNvPr id="32" name="矩形 31">
+                <a:extLst>
+                  <a:ext uri="{FF2B5EF4-FFF2-40B4-BE49-F238E27FC236}">
+                    <a16:creationId xmlns:a16="http://schemas.microsoft.com/office/drawing/2014/main" id="{40EE80CC-40B3-4C3D-BD9E-9C1FAD29F848}"/>
+                  </a:ext>
+                </a:extLst>
+              </p:cNvPr>
+              <p:cNvSpPr>
+                <a:spLocks noRot="1" noChangeAspect="1" noMove="1" noResize="1" noEditPoints="1" noAdjustHandles="1" noChangeArrowheads="1" noChangeShapeType="1" noTextEdit="1"/>
+              </p:cNvSpPr>
+              <p:nvPr/>
+            </p:nvSpPr>
+            <p:spPr>
+              <a:xfrm>
+                <a:off x="1849443" y="3195264"/>
+                <a:ext cx="472245" cy="369332"/>
+              </a:xfrm>
+              <a:prstGeom prst="rect">
+                <a:avLst/>
+              </a:prstGeom>
+              <a:blipFill>
+                <a:blip r:embed="rId25"/>
+                <a:stretch>
+                  <a:fillRect/>
+                </a:stretch>
+              </a:blipFill>
+            </p:spPr>
+            <p:txBody>
+              <a:bodyPr/>
+              <a:lstStyle/>
+              <a:p>
+                <a:r>
+                  <a:rPr lang="zh-CN" altLang="en-US">
+                    <a:noFill/>
+                  </a:rPr>
+                  <a:t> </a:t>
+                </a:r>
+              </a:p>
+            </p:txBody>
+          </p:sp>
+        </mc:Fallback>
+      </mc:AlternateContent>
+      <mc:AlternateContent xmlns:mc="http://schemas.openxmlformats.org/markup-compatibility/2006" xmlns:a14="http://schemas.microsoft.com/office/drawing/2010/main">
+        <mc:Choice Requires="a14">
+          <p:sp>
+            <p:nvSpPr>
+              <p:cNvPr id="33" name="矩形 32">
+                <a:extLst>
+                  <a:ext uri="{FF2B5EF4-FFF2-40B4-BE49-F238E27FC236}">
+                    <a16:creationId xmlns:a16="http://schemas.microsoft.com/office/drawing/2014/main" id="{31C30152-79B0-465C-B767-E35DE080D4C5}"/>
+                  </a:ext>
+                </a:extLst>
+              </p:cNvPr>
+              <p:cNvSpPr/>
+              <p:nvPr/>
+            </p:nvSpPr>
+            <p:spPr>
+              <a:xfrm>
+                <a:off x="1855995" y="2277008"/>
+                <a:ext cx="472245" cy="369332"/>
+              </a:xfrm>
+              <a:prstGeom prst="rect">
+                <a:avLst/>
+              </a:prstGeom>
+            </p:spPr>
+            <p:txBody>
+              <a:bodyPr wrap="none">
+                <a:spAutoFit/>
+              </a:bodyPr>
+              <a:lstStyle/>
+              <a:p>
+                <a:pPr/>
+                <a14:m>
+                  <m:oMathPara xmlns:m="http://schemas.openxmlformats.org/officeDocument/2006/math">
+                    <m:oMathParaPr>
+                      <m:jc m:val="centerGroup"/>
+                    </m:oMathParaPr>
+                    <m:oMath xmlns:m="http://schemas.openxmlformats.org/officeDocument/2006/math">
+                      <m:sSub>
+                        <m:sSubPr>
+                          <m:ctrlPr>
+                            <a:rPr lang="en-US" altLang="zh-CN" i="1" dirty="0" smtClean="0">
+                              <a:solidFill>
+                                <a:srgbClr val="0070C0"/>
+                              </a:solidFill>
+                              <a:latin typeface="Cambria Math" panose="02040503050406030204" pitchFamily="18" charset="0"/>
+                            </a:rPr>
+                          </m:ctrlPr>
+                        </m:sSubPr>
+                        <m:e>
+                          <m:r>
+                            <a:rPr lang="en-US" altLang="zh-CN" b="0" i="1" dirty="0" smtClean="0">
+                              <a:solidFill>
+                                <a:srgbClr val="0070C0"/>
+                              </a:solidFill>
+                              <a:latin typeface="Cambria Math" panose="02040503050406030204" pitchFamily="18" charset="0"/>
+                            </a:rPr>
+                            <m:t>𝑏</m:t>
+                          </m:r>
+                        </m:e>
+                        <m:sub>
+                          <m:r>
+                            <a:rPr lang="en-US" altLang="zh-CN" b="0" i="1" dirty="0" smtClean="0">
+                              <a:solidFill>
+                                <a:srgbClr val="0070C0"/>
+                              </a:solidFill>
+                              <a:latin typeface="Cambria Math" panose="02040503050406030204" pitchFamily="18" charset="0"/>
+                            </a:rPr>
+                            <m:t>3</m:t>
+                          </m:r>
+                        </m:sub>
+                      </m:sSub>
+                    </m:oMath>
+                  </m:oMathPara>
+                </a14:m>
+                <a:endParaRPr lang="zh-CN" altLang="en-US" dirty="0"/>
+              </a:p>
+            </p:txBody>
+          </p:sp>
+        </mc:Choice>
+        <mc:Fallback xmlns="">
+          <p:sp>
+            <p:nvSpPr>
+              <p:cNvPr id="33" name="矩形 32">
+                <a:extLst>
+                  <a:ext uri="{FF2B5EF4-FFF2-40B4-BE49-F238E27FC236}">
+                    <a16:creationId xmlns:a16="http://schemas.microsoft.com/office/drawing/2014/main" id="{31C30152-79B0-465C-B767-E35DE080D4C5}"/>
+                  </a:ext>
+                </a:extLst>
+              </p:cNvPr>
+              <p:cNvSpPr>
+                <a:spLocks noRot="1" noChangeAspect="1" noMove="1" noResize="1" noEditPoints="1" noAdjustHandles="1" noChangeArrowheads="1" noChangeShapeType="1" noTextEdit="1"/>
+              </p:cNvSpPr>
+              <p:nvPr/>
+            </p:nvSpPr>
+            <p:spPr>
+              <a:xfrm>
+                <a:off x="1855995" y="2277008"/>
+                <a:ext cx="472245" cy="369332"/>
+              </a:xfrm>
+              <a:prstGeom prst="rect">
+                <a:avLst/>
+              </a:prstGeom>
+              <a:blipFill>
+                <a:blip r:embed="rId26"/>
+                <a:stretch>
+                  <a:fillRect/>
+                </a:stretch>
+              </a:blipFill>
+            </p:spPr>
+            <p:txBody>
+              <a:bodyPr/>
+              <a:lstStyle/>
+              <a:p>
+                <a:r>
+                  <a:rPr lang="zh-CN" altLang="en-US">
+                    <a:noFill/>
+                  </a:rPr>
+                  <a:t> </a:t>
+                </a:r>
+              </a:p>
+            </p:txBody>
+          </p:sp>
+        </mc:Fallback>
+      </mc:AlternateContent>
+      <mc:AlternateContent xmlns:mc="http://schemas.openxmlformats.org/markup-compatibility/2006" xmlns:a14="http://schemas.microsoft.com/office/drawing/2010/main">
+        <mc:Choice Requires="a14">
+          <p:sp>
+            <p:nvSpPr>
+              <p:cNvPr id="34" name="矩形 33">
+                <a:extLst>
+                  <a:ext uri="{FF2B5EF4-FFF2-40B4-BE49-F238E27FC236}">
+                    <a16:creationId xmlns:a16="http://schemas.microsoft.com/office/drawing/2014/main" id="{B24680D4-11FC-470B-978D-8EE3B820DAC6}"/>
+                  </a:ext>
+                </a:extLst>
+              </p:cNvPr>
+              <p:cNvSpPr/>
+              <p:nvPr/>
+            </p:nvSpPr>
+            <p:spPr>
+              <a:xfrm>
+                <a:off x="6718123" y="3202001"/>
+                <a:ext cx="4757713" cy="848566"/>
+              </a:xfrm>
+              <a:prstGeom prst="rect">
+                <a:avLst/>
+              </a:prstGeom>
+            </p:spPr>
+            <p:txBody>
+              <a:bodyPr wrap="none">
+                <a:spAutoFit/>
+              </a:bodyPr>
+              <a:lstStyle/>
+              <a:p>
+                <a:pPr/>
+                <a14:m>
+                  <m:oMathPara xmlns:m="http://schemas.openxmlformats.org/officeDocument/2006/math">
+                    <m:oMathParaPr>
+                      <m:jc m:val="centerGroup"/>
+                    </m:oMathParaPr>
+                    <m:oMath xmlns:m="http://schemas.openxmlformats.org/officeDocument/2006/math">
+                      <m:r>
+                        <a:rPr lang="en-US" altLang="zh-CN" b="0" i="1" dirty="0" smtClean="0">
+                          <a:latin typeface="Cambria Math" panose="02040503050406030204" pitchFamily="18" charset="0"/>
+                        </a:rPr>
+                        <m:t>=</m:t>
+                      </m:r>
+                      <m:r>
+                        <m:rPr>
+                          <m:sty m:val="p"/>
+                        </m:rPr>
+                        <a:rPr lang="en-US" altLang="zh-CN" b="0" i="0" dirty="0" smtClean="0">
+                          <a:latin typeface="Cambria Math" panose="02040503050406030204" pitchFamily="18" charset="0"/>
+                        </a:rPr>
+                        <m:t>Pr</m:t>
+                      </m:r>
+                      <m:r>
+                        <a:rPr lang="en-US" altLang="zh-CN" b="0" i="1" dirty="0" smtClean="0">
+                          <a:latin typeface="Cambria Math" panose="02040503050406030204" pitchFamily="18" charset="0"/>
+                        </a:rPr>
+                        <m:t>⁡(</m:t>
+                      </m:r>
+                      <m:sSub>
+                        <m:sSubPr>
+                          <m:ctrlPr>
+                            <a:rPr lang="en-US" altLang="zh-CN" b="0" i="1" dirty="0" smtClean="0">
+                              <a:latin typeface="Cambria Math" panose="02040503050406030204" pitchFamily="18" charset="0"/>
+                            </a:rPr>
+                          </m:ctrlPr>
+                        </m:sSubPr>
+                        <m:e>
+                          <m:r>
+                            <a:rPr lang="en-US" altLang="zh-CN" b="0" i="1" dirty="0" smtClean="0">
+                              <a:latin typeface="Cambria Math" panose="02040503050406030204" pitchFamily="18" charset="0"/>
+                            </a:rPr>
+                            <m:t>𝑐</m:t>
+                          </m:r>
+                        </m:e>
+                        <m:sub>
+                          <m:r>
+                            <a:rPr lang="en-US" altLang="zh-CN" b="0" i="1" dirty="0" smtClean="0">
+                              <a:latin typeface="Cambria Math" panose="02040503050406030204" pitchFamily="18" charset="0"/>
+                            </a:rPr>
+                            <m:t>0</m:t>
+                          </m:r>
+                        </m:sub>
+                      </m:sSub>
+                      <m:r>
+                        <a:rPr lang="en-US" altLang="zh-CN" b="0" i="1" dirty="0" smtClean="0">
+                          <a:latin typeface="Cambria Math" panose="02040503050406030204" pitchFamily="18" charset="0"/>
+                        </a:rPr>
+                        <m:t>|</m:t>
+                      </m:r>
+                      <m:r>
+                        <m:rPr>
+                          <m:sty m:val="p"/>
+                        </m:rPr>
+                        <a:rPr lang="en-US" altLang="zh-CN">
+                          <a:latin typeface="Cambria Math" panose="02040503050406030204" pitchFamily="18" charset="0"/>
+                        </a:rPr>
+                        <m:t>Φ</m:t>
+                      </m:r>
+                      <m:d>
+                        <m:dPr>
+                          <m:ctrlPr>
+                            <a:rPr lang="en-US" altLang="zh-CN" i="1">
+                              <a:latin typeface="Cambria Math" panose="02040503050406030204" pitchFamily="18" charset="0"/>
+                            </a:rPr>
+                          </m:ctrlPr>
+                        </m:dPr>
+                        <m:e>
+                          <m:sSub>
+                            <m:sSubPr>
+                              <m:ctrlPr>
+                                <a:rPr lang="en-US" altLang="zh-CN" i="1">
+                                  <a:latin typeface="Cambria Math" panose="02040503050406030204" pitchFamily="18" charset="0"/>
+                                </a:rPr>
+                              </m:ctrlPr>
+                            </m:sSubPr>
+                            <m:e>
+                              <m:r>
+                                <a:rPr lang="en-US" altLang="zh-CN" i="1">
+                                  <a:latin typeface="Cambria Math" panose="02040503050406030204" pitchFamily="18" charset="0"/>
+                                </a:rPr>
+                                <m:t>𝑣</m:t>
+                              </m:r>
+                            </m:e>
+                            <m:sub>
+                              <m:r>
+                                <a:rPr lang="en-US" altLang="zh-CN" i="1">
+                                  <a:latin typeface="Cambria Math" panose="02040503050406030204" pitchFamily="18" charset="0"/>
+                                </a:rPr>
+                                <m:t>𝑗</m:t>
+                              </m:r>
+                            </m:sub>
+                          </m:sSub>
+                        </m:e>
+                      </m:d>
+                      <m:r>
+                        <a:rPr lang="en-US" altLang="zh-CN" b="0" i="1" dirty="0" smtClean="0">
+                          <a:latin typeface="Cambria Math" panose="02040503050406030204" pitchFamily="18" charset="0"/>
+                        </a:rPr>
+                        <m:t>)</m:t>
+                      </m:r>
+                      <m:nary>
+                        <m:naryPr>
+                          <m:chr m:val="∏"/>
+                          <m:limLoc m:val="undOvr"/>
+                          <m:grow m:val="on"/>
+                          <m:ctrlPr>
+                            <a:rPr lang="zh-CN" altLang="en-US" i="1" dirty="0">
+                              <a:latin typeface="Cambria Math" panose="02040503050406030204" pitchFamily="18" charset="0"/>
+                            </a:rPr>
+                          </m:ctrlPr>
+                        </m:naryPr>
+                        <m:sub>
+                          <m:r>
+                            <a:rPr lang="zh-CN" altLang="en-US" i="1" dirty="0">
+                              <a:latin typeface="Cambria Math" panose="02040503050406030204" pitchFamily="18" charset="0"/>
+                            </a:rPr>
+                            <m:t>𝑖</m:t>
+                          </m:r>
+                          <m:r>
+                            <a:rPr lang="zh-CN" altLang="en-US" dirty="0">
+                              <a:latin typeface="Cambria Math" panose="02040503050406030204" pitchFamily="18" charset="0"/>
+                            </a:rPr>
+                            <m:t>=1</m:t>
+                          </m:r>
+                        </m:sub>
+                        <m:sup>
+                          <m:r>
+                            <a:rPr lang="zh-CN" altLang="en-US" i="1" dirty="0">
+                              <a:latin typeface="Cambria Math" panose="02040503050406030204" pitchFamily="18" charset="0"/>
+                            </a:rPr>
+                            <m:t>𝑚</m:t>
+                          </m:r>
+                        </m:sup>
+                        <m:e>
+                          <m:r>
+                            <m:rPr>
+                              <m:sty m:val="p"/>
+                            </m:rPr>
+                            <a:rPr lang="en-US" altLang="zh-CN" dirty="0">
+                              <a:latin typeface="Cambria Math" panose="02040503050406030204" pitchFamily="18" charset="0"/>
+                            </a:rPr>
+                            <m:t>Pr</m:t>
+                          </m:r>
+                          <m:r>
+                            <a:rPr lang="en-US" altLang="zh-CN" i="1" dirty="0">
+                              <a:latin typeface="Cambria Math" panose="02040503050406030204" pitchFamily="18" charset="0"/>
+                            </a:rPr>
+                            <m:t>⁡(</m:t>
+                          </m:r>
+                          <m:sSub>
+                            <m:sSubPr>
+                              <m:ctrlPr>
+                                <a:rPr lang="en-US" altLang="zh-CN" i="1" dirty="0">
+                                  <a:latin typeface="Cambria Math" panose="02040503050406030204" pitchFamily="18" charset="0"/>
+                                </a:rPr>
+                              </m:ctrlPr>
+                            </m:sSubPr>
+                            <m:e>
+                              <m:r>
+                                <a:rPr lang="en-US" altLang="zh-CN" i="1" dirty="0">
+                                  <a:latin typeface="Cambria Math" panose="02040503050406030204" pitchFamily="18" charset="0"/>
+                                </a:rPr>
+                                <m:t>𝑐</m:t>
+                              </m:r>
+                            </m:e>
+                            <m:sub>
+                              <m:r>
+                                <a:rPr lang="en-US" altLang="zh-CN" i="1" dirty="0">
+                                  <a:latin typeface="Cambria Math" panose="02040503050406030204" pitchFamily="18" charset="0"/>
+                                </a:rPr>
                                 <m:t>𝑖</m:t>
                               </m:r>
                             </m:sub>
                           </m:sSub>
-                        </m:sub>
-                        <m:sup>
                           <m:r>
-                            <a:rPr lang="en-US" altLang="zh-CN" b="0" i="1" smtClean="0">
+                            <a:rPr lang="en-US" altLang="zh-CN" i="1" dirty="0">
                               <a:latin typeface="Cambria Math" panose="02040503050406030204" pitchFamily="18" charset="0"/>
                             </a:rPr>
-                            <m:t>3</m:t>
+                            <m:t>|</m:t>
                           </m:r>
-                        </m:sup>
-                      </m:sSubSup>
+                          <m:sSub>
+                            <m:sSubPr>
+                              <m:ctrlPr>
+                                <a:rPr lang="en-US" altLang="zh-CN" i="1" dirty="0">
+                                  <a:latin typeface="Cambria Math" panose="02040503050406030204" pitchFamily="18" charset="0"/>
+                                </a:rPr>
+                              </m:ctrlPr>
+                            </m:sSubPr>
+                            <m:e>
+                              <m:r>
+                                <a:rPr lang="en-US" altLang="zh-CN" i="1" dirty="0">
+                                  <a:latin typeface="Cambria Math" panose="02040503050406030204" pitchFamily="18" charset="0"/>
+                                </a:rPr>
+                                <m:t>𝑐</m:t>
+                              </m:r>
+                            </m:e>
+                            <m:sub>
+                              <m:r>
+                                <a:rPr lang="en-US" altLang="zh-CN" b="0" i="1" dirty="0" smtClean="0">
+                                  <a:latin typeface="Cambria Math" panose="02040503050406030204" pitchFamily="18" charset="0"/>
+                                </a:rPr>
+                                <m:t>0</m:t>
+                              </m:r>
+                            </m:sub>
+                          </m:sSub>
+                          <m:r>
+                            <a:rPr lang="en-US" altLang="zh-CN" i="1" dirty="0">
+                              <a:latin typeface="Cambria Math" panose="02040503050406030204" pitchFamily="18" charset="0"/>
+                            </a:rPr>
+                            <m:t>,</m:t>
+                          </m:r>
+                          <m:sSub>
+                            <m:sSubPr>
+                              <m:ctrlPr>
+                                <a:rPr lang="en-US" altLang="zh-CN" i="1" dirty="0">
+                                  <a:latin typeface="Cambria Math" panose="02040503050406030204" pitchFamily="18" charset="0"/>
+                                </a:rPr>
+                              </m:ctrlPr>
+                            </m:sSubPr>
+                            <m:e>
+                              <m:r>
+                                <a:rPr lang="en-US" altLang="zh-CN" i="1" dirty="0">
+                                  <a:latin typeface="Cambria Math" panose="02040503050406030204" pitchFamily="18" charset="0"/>
+                                </a:rPr>
+                                <m:t>𝑐</m:t>
+                              </m:r>
+                            </m:e>
+                            <m:sub>
+                              <m:r>
+                                <a:rPr lang="en-US" altLang="zh-CN" b="0" i="1" dirty="0" smtClean="0">
+                                  <a:latin typeface="Cambria Math" panose="02040503050406030204" pitchFamily="18" charset="0"/>
+                                </a:rPr>
+                                <m:t>1</m:t>
+                              </m:r>
+                            </m:sub>
+                          </m:sSub>
+                          <m:r>
+                            <a:rPr lang="en-US" altLang="zh-CN" i="1" dirty="0">
+                              <a:latin typeface="Cambria Math" panose="02040503050406030204" pitchFamily="18" charset="0"/>
+                            </a:rPr>
+                            <m:t>,···,</m:t>
+                          </m:r>
+                          <m:sSub>
+                            <m:sSubPr>
+                              <m:ctrlPr>
+                                <a:rPr lang="en-US" altLang="zh-CN" i="1" dirty="0">
+                                  <a:latin typeface="Cambria Math" panose="02040503050406030204" pitchFamily="18" charset="0"/>
+                                </a:rPr>
+                              </m:ctrlPr>
+                            </m:sSubPr>
+                            <m:e>
+                              <m:r>
+                                <a:rPr lang="en-US" altLang="zh-CN" i="1" dirty="0">
+                                  <a:latin typeface="Cambria Math" panose="02040503050406030204" pitchFamily="18" charset="0"/>
+                                </a:rPr>
+                                <m:t>𝑐</m:t>
+                              </m:r>
+                            </m:e>
+                            <m:sub>
+                              <m:r>
+                                <a:rPr lang="en-US" altLang="zh-CN" i="1" dirty="0">
+                                  <a:latin typeface="Cambria Math" panose="02040503050406030204" pitchFamily="18" charset="0"/>
+                                </a:rPr>
+                                <m:t>𝑖</m:t>
+                              </m:r>
+                              <m:r>
+                                <a:rPr lang="en-US" altLang="zh-CN" b="0" i="1" dirty="0" smtClean="0">
+                                  <a:latin typeface="Cambria Math" panose="02040503050406030204" pitchFamily="18" charset="0"/>
+                                </a:rPr>
+                                <m:t>−</m:t>
+                              </m:r>
+                              <m:r>
+                                <a:rPr lang="en-US" altLang="zh-CN" i="1" dirty="0">
+                                  <a:latin typeface="Cambria Math" panose="02040503050406030204" pitchFamily="18" charset="0"/>
+                                </a:rPr>
+                                <m:t>1</m:t>
+                              </m:r>
+                            </m:sub>
+                          </m:sSub>
+                          <m:r>
+                            <a:rPr lang="en-US" altLang="zh-CN" i="1" dirty="0">
+                              <a:latin typeface="Cambria Math" panose="02040503050406030204" pitchFamily="18" charset="0"/>
+                            </a:rPr>
+                            <m:t>,</m:t>
+                          </m:r>
+                          <m:r>
+                            <m:rPr>
+                              <m:sty m:val="p"/>
+                            </m:rPr>
+                            <a:rPr lang="en-US" altLang="zh-CN">
+                              <a:latin typeface="Cambria Math" panose="02040503050406030204" pitchFamily="18" charset="0"/>
+                            </a:rPr>
+                            <m:t>Φ</m:t>
+                          </m:r>
+                          <m:d>
+                            <m:dPr>
+                              <m:ctrlPr>
+                                <a:rPr lang="en-US" altLang="zh-CN" i="1">
+                                  <a:latin typeface="Cambria Math" panose="02040503050406030204" pitchFamily="18" charset="0"/>
+                                </a:rPr>
+                              </m:ctrlPr>
+                            </m:dPr>
+                            <m:e>
+                              <m:sSub>
+                                <m:sSubPr>
+                                  <m:ctrlPr>
+                                    <a:rPr lang="en-US" altLang="zh-CN" i="1">
+                                      <a:latin typeface="Cambria Math" panose="02040503050406030204" pitchFamily="18" charset="0"/>
+                                    </a:rPr>
+                                  </m:ctrlPr>
+                                </m:sSubPr>
+                                <m:e>
+                                  <m:r>
+                                    <a:rPr lang="en-US" altLang="zh-CN" i="1">
+                                      <a:latin typeface="Cambria Math" panose="02040503050406030204" pitchFamily="18" charset="0"/>
+                                    </a:rPr>
+                                    <m:t>𝑣</m:t>
+                                  </m:r>
+                                </m:e>
+                                <m:sub>
+                                  <m:r>
+                                    <a:rPr lang="en-US" altLang="zh-CN" i="1">
+                                      <a:latin typeface="Cambria Math" panose="02040503050406030204" pitchFamily="18" charset="0"/>
+                                    </a:rPr>
+                                    <m:t>𝑗</m:t>
+                                  </m:r>
+                                </m:sub>
+                              </m:sSub>
+                            </m:e>
+                          </m:d>
+                          <m:r>
+                            <a:rPr lang="en-US" altLang="zh-CN" i="1" dirty="0">
+                              <a:latin typeface="Cambria Math" panose="02040503050406030204" pitchFamily="18" charset="0"/>
+                            </a:rPr>
+                            <m:t>)</m:t>
+                          </m:r>
+                        </m:e>
+                      </m:nary>
                     </m:oMath>
                   </m:oMathPara>
+                </a14:m>
+                <a:endParaRPr lang="en-US" altLang="zh-CN" dirty="0"/>
+              </a:p>
+            </p:txBody>
+          </p:sp>
+        </mc:Choice>
+        <mc:Fallback xmlns="">
+          <p:sp>
+            <p:nvSpPr>
+              <p:cNvPr id="34" name="矩形 33">
+                <a:extLst>
+                  <a:ext uri="{FF2B5EF4-FFF2-40B4-BE49-F238E27FC236}">
+                    <a16:creationId xmlns:a16="http://schemas.microsoft.com/office/drawing/2014/main" id="{B24680D4-11FC-470B-978D-8EE3B820DAC6}"/>
+                  </a:ext>
+                </a:extLst>
+              </p:cNvPr>
+              <p:cNvSpPr>
+                <a:spLocks noRot="1" noChangeAspect="1" noMove="1" noResize="1" noEditPoints="1" noAdjustHandles="1" noChangeArrowheads="1" noChangeShapeType="1" noTextEdit="1"/>
+              </p:cNvSpPr>
+              <p:nvPr/>
+            </p:nvSpPr>
+            <p:spPr>
+              <a:xfrm>
+                <a:off x="6718123" y="3202001"/>
+                <a:ext cx="4757713" cy="848566"/>
+              </a:xfrm>
+              <a:prstGeom prst="rect">
+                <a:avLst/>
+              </a:prstGeom>
+              <a:blipFill>
+                <a:blip r:embed="rId27"/>
+                <a:stretch>
+                  <a:fillRect/>
+                </a:stretch>
+              </a:blipFill>
+            </p:spPr>
+            <p:txBody>
+              <a:bodyPr/>
+              <a:lstStyle/>
+              <a:p>
+                <a:r>
+                  <a:rPr lang="zh-CN" altLang="en-US">
+                    <a:noFill/>
+                  </a:rPr>
+                  <a:t> </a:t>
+                </a:r>
+              </a:p>
+            </p:txBody>
+          </p:sp>
+        </mc:Fallback>
+      </mc:AlternateContent>
+      <mc:AlternateContent xmlns:mc="http://schemas.openxmlformats.org/markup-compatibility/2006" xmlns:a14="http://schemas.microsoft.com/office/drawing/2010/main">
+        <mc:Choice Requires="a14">
+          <p:sp>
+            <p:nvSpPr>
+              <p:cNvPr id="35" name="矩形 34">
+                <a:extLst>
+                  <a:ext uri="{FF2B5EF4-FFF2-40B4-BE49-F238E27FC236}">
+                    <a16:creationId xmlns:a16="http://schemas.microsoft.com/office/drawing/2014/main" id="{C4990F26-732E-495A-A825-E9B43B4B528E}"/>
+                  </a:ext>
+                </a:extLst>
+              </p:cNvPr>
+              <p:cNvSpPr/>
+              <p:nvPr/>
+            </p:nvSpPr>
+            <p:spPr>
+              <a:xfrm>
+                <a:off x="3342093" y="4927051"/>
+                <a:ext cx="3814249" cy="1049518"/>
+              </a:xfrm>
+              <a:prstGeom prst="rect">
+                <a:avLst/>
+              </a:prstGeom>
+            </p:spPr>
+            <p:txBody>
+              <a:bodyPr wrap="none">
+                <a:spAutoFit/>
+              </a:bodyPr>
+              <a:lstStyle/>
+              <a:p>
+                <a:pPr/>
+                <a14:m>
+                  <m:oMathPara xmlns:m="http://schemas.openxmlformats.org/officeDocument/2006/math">
+                    <m:oMathParaPr>
+                      <m:jc m:val="centerGroup"/>
+                    </m:oMathParaPr>
+                    <m:oMath xmlns:m="http://schemas.openxmlformats.org/officeDocument/2006/math">
+                      <m:func>
+                        <m:funcPr>
+                          <m:ctrlPr>
+                            <a:rPr lang="en-US" altLang="zh-CN" i="1" dirty="0" smtClean="0">
+                              <a:latin typeface="Cambria Math" panose="02040503050406030204" pitchFamily="18" charset="0"/>
+                            </a:rPr>
+                          </m:ctrlPr>
+                        </m:funcPr>
+                        <m:fName>
+                          <m:r>
+                            <m:rPr>
+                              <m:sty m:val="p"/>
+                            </m:rPr>
+                            <a:rPr lang="en-US" altLang="zh-CN" dirty="0">
+                              <a:latin typeface="Cambria Math" panose="02040503050406030204" pitchFamily="18" charset="0"/>
+                            </a:rPr>
+                            <m:t>Pr</m:t>
+                          </m:r>
+                        </m:fName>
+                        <m:e>
+                          <m:d>
+                            <m:dPr>
+                              <m:ctrlPr>
+                                <a:rPr lang="en-US" altLang="zh-CN" i="1" dirty="0">
+                                  <a:latin typeface="Cambria Math" panose="02040503050406030204" pitchFamily="18" charset="0"/>
+                                </a:rPr>
+                              </m:ctrlPr>
+                            </m:dPr>
+                            <m:e>
+                              <m:sSub>
+                                <m:sSubPr>
+                                  <m:ctrlPr>
+                                    <a:rPr lang="en-US" altLang="zh-CN" i="1" dirty="0">
+                                      <a:latin typeface="Cambria Math" panose="02040503050406030204" pitchFamily="18" charset="0"/>
+                                    </a:rPr>
+                                  </m:ctrlPr>
+                                </m:sSubPr>
+                                <m:e>
+                                  <m:r>
+                                    <a:rPr lang="en-US" altLang="zh-CN" i="1" dirty="0">
+                                      <a:latin typeface="Cambria Math" panose="02040503050406030204" pitchFamily="18" charset="0"/>
+                                    </a:rPr>
+                                    <m:t>𝑐</m:t>
+                                  </m:r>
+                                </m:e>
+                                <m:sub>
+                                  <m:r>
+                                    <a:rPr lang="en-US" altLang="zh-CN" i="1" dirty="0">
+                                      <a:latin typeface="Cambria Math" panose="02040503050406030204" pitchFamily="18" charset="0"/>
+                                    </a:rPr>
+                                    <m:t>0</m:t>
+                                  </m:r>
+                                </m:sub>
+                              </m:sSub>
+                            </m:e>
+                            <m:e>
+                              <m:r>
+                                <m:rPr>
+                                  <m:sty m:val="p"/>
+                                </m:rPr>
+                                <a:rPr lang="en-US" altLang="zh-CN">
+                                  <a:latin typeface="Cambria Math" panose="02040503050406030204" pitchFamily="18" charset="0"/>
+                                </a:rPr>
+                                <m:t>Φ</m:t>
+                              </m:r>
+                              <m:d>
+                                <m:dPr>
+                                  <m:ctrlPr>
+                                    <a:rPr lang="en-US" altLang="zh-CN" i="1">
+                                      <a:latin typeface="Cambria Math" panose="02040503050406030204" pitchFamily="18" charset="0"/>
+                                    </a:rPr>
+                                  </m:ctrlPr>
+                                </m:dPr>
+                                <m:e>
+                                  <m:sSub>
+                                    <m:sSubPr>
+                                      <m:ctrlPr>
+                                        <a:rPr lang="en-US" altLang="zh-CN" i="1">
+                                          <a:latin typeface="Cambria Math" panose="02040503050406030204" pitchFamily="18" charset="0"/>
+                                        </a:rPr>
+                                      </m:ctrlPr>
+                                    </m:sSubPr>
+                                    <m:e>
+                                      <m:r>
+                                        <a:rPr lang="en-US" altLang="zh-CN" i="1">
+                                          <a:latin typeface="Cambria Math" panose="02040503050406030204" pitchFamily="18" charset="0"/>
+                                        </a:rPr>
+                                        <m:t>𝑣</m:t>
+                                      </m:r>
+                                    </m:e>
+                                    <m:sub>
+                                      <m:r>
+                                        <a:rPr lang="en-US" altLang="zh-CN" i="1">
+                                          <a:latin typeface="Cambria Math" panose="02040503050406030204" pitchFamily="18" charset="0"/>
+                                        </a:rPr>
+                                        <m:t>𝑗</m:t>
+                                      </m:r>
+                                    </m:sub>
+                                  </m:sSub>
+                                </m:e>
+                              </m:d>
+                            </m:e>
+                          </m:d>
+                        </m:e>
+                      </m:func>
+                      <m:r>
+                        <a:rPr lang="en-US" altLang="zh-CN" b="0" i="1" dirty="0" smtClean="0">
+                          <a:latin typeface="Cambria Math" panose="02040503050406030204" pitchFamily="18" charset="0"/>
+                        </a:rPr>
+                        <m:t>=</m:t>
+                      </m:r>
+                      <m:func>
+                        <m:funcPr>
+                          <m:ctrlPr>
+                            <a:rPr lang="en-US" altLang="zh-CN" i="1" dirty="0">
+                              <a:latin typeface="Cambria Math" panose="02040503050406030204" pitchFamily="18" charset="0"/>
+                            </a:rPr>
+                          </m:ctrlPr>
+                        </m:funcPr>
+                        <m:fName>
+                          <m:r>
+                            <m:rPr>
+                              <m:sty m:val="p"/>
+                            </m:rPr>
+                            <a:rPr lang="en-US" altLang="zh-CN" dirty="0">
+                              <a:latin typeface="Cambria Math" panose="02040503050406030204" pitchFamily="18" charset="0"/>
+                            </a:rPr>
+                            <m:t>Pr</m:t>
+                          </m:r>
+                        </m:fName>
+                        <m:e>
+                          <m:d>
+                            <m:dPr>
+                              <m:ctrlPr>
+                                <a:rPr lang="en-US" altLang="zh-CN" i="1" dirty="0">
+                                  <a:latin typeface="Cambria Math" panose="02040503050406030204" pitchFamily="18" charset="0"/>
+                                </a:rPr>
+                              </m:ctrlPr>
+                            </m:dPr>
+                            <m:e>
+                              <m:sSub>
+                                <m:sSubPr>
+                                  <m:ctrlPr>
+                                    <a:rPr lang="en-US" altLang="zh-CN" i="1" dirty="0">
+                                      <a:latin typeface="Cambria Math" panose="02040503050406030204" pitchFamily="18" charset="0"/>
+                                    </a:rPr>
+                                  </m:ctrlPr>
+                                </m:sSubPr>
+                                <m:e>
+                                  <m:r>
+                                    <a:rPr lang="en-US" altLang="zh-CN" i="1" dirty="0">
+                                      <a:latin typeface="Cambria Math" panose="02040503050406030204" pitchFamily="18" charset="0"/>
+                                    </a:rPr>
+                                    <m:t>𝑏</m:t>
+                                  </m:r>
+                                </m:e>
+                                <m:sub>
+                                  <m:r>
+                                    <a:rPr lang="en-US" altLang="zh-CN" i="1" dirty="0">
+                                      <a:latin typeface="Cambria Math" panose="02040503050406030204" pitchFamily="18" charset="0"/>
+                                    </a:rPr>
+                                    <m:t>1</m:t>
+                                  </m:r>
+                                </m:sub>
+                              </m:sSub>
+                            </m:e>
+                            <m:e>
+                              <m:r>
+                                <m:rPr>
+                                  <m:sty m:val="p"/>
+                                </m:rPr>
+                                <a:rPr lang="en-US" altLang="zh-CN">
+                                  <a:latin typeface="Cambria Math" panose="02040503050406030204" pitchFamily="18" charset="0"/>
+                                </a:rPr>
+                                <m:t>Φ</m:t>
+                              </m:r>
+                              <m:d>
+                                <m:dPr>
+                                  <m:ctrlPr>
+                                    <a:rPr lang="en-US" altLang="zh-CN" i="1">
+                                      <a:latin typeface="Cambria Math" panose="02040503050406030204" pitchFamily="18" charset="0"/>
+                                    </a:rPr>
+                                  </m:ctrlPr>
+                                </m:dPr>
+                                <m:e>
+                                  <m:sSub>
+                                    <m:sSubPr>
+                                      <m:ctrlPr>
+                                        <a:rPr lang="en-US" altLang="zh-CN" i="1">
+                                          <a:latin typeface="Cambria Math" panose="02040503050406030204" pitchFamily="18" charset="0"/>
+                                        </a:rPr>
+                                      </m:ctrlPr>
+                                    </m:sSubPr>
+                                    <m:e>
+                                      <m:r>
+                                        <a:rPr lang="en-US" altLang="zh-CN" i="1">
+                                          <a:latin typeface="Cambria Math" panose="02040503050406030204" pitchFamily="18" charset="0"/>
+                                        </a:rPr>
+                                        <m:t>𝑣</m:t>
+                                      </m:r>
+                                    </m:e>
+                                    <m:sub>
+                                      <m:r>
+                                        <a:rPr lang="en-US" altLang="zh-CN" i="1">
+                                          <a:latin typeface="Cambria Math" panose="02040503050406030204" pitchFamily="18" charset="0"/>
+                                        </a:rPr>
+                                        <m:t>𝑗</m:t>
+                                      </m:r>
+                                    </m:sub>
+                                  </m:sSub>
+                                </m:e>
+                              </m:d>
+                            </m:e>
+                          </m:d>
+                        </m:e>
+                      </m:func>
+                    </m:oMath>
+                  </m:oMathPara>
+                </a14:m>
+                <a:endParaRPr lang="en-US" altLang="zh-CN" b="0" dirty="0"/>
+              </a:p>
+              <a:p>
+                <a:pPr/>
+                <a14:m>
+                  <m:oMathPara xmlns:m="http://schemas.openxmlformats.org/officeDocument/2006/math">
+                    <m:oMathParaPr>
+                      <m:jc m:val="centerGroup"/>
+                    </m:oMathParaPr>
+                    <m:oMath xmlns:m="http://schemas.openxmlformats.org/officeDocument/2006/math">
+                      <m:func>
+                        <m:funcPr>
+                          <m:ctrlPr>
+                            <a:rPr lang="en-US" altLang="zh-CN" i="1" dirty="0">
+                              <a:latin typeface="Cambria Math" panose="02040503050406030204" pitchFamily="18" charset="0"/>
+                            </a:rPr>
+                          </m:ctrlPr>
+                        </m:funcPr>
+                        <m:fName>
+                          <m:r>
+                            <m:rPr>
+                              <m:sty m:val="p"/>
+                            </m:rPr>
+                            <a:rPr lang="en-US" altLang="zh-CN" dirty="0">
+                              <a:latin typeface="Cambria Math" panose="02040503050406030204" pitchFamily="18" charset="0"/>
+                            </a:rPr>
+                            <m:t>Pr</m:t>
+                          </m:r>
+                        </m:fName>
+                        <m:e>
+                          <m:d>
+                            <m:dPr>
+                              <m:ctrlPr>
+                                <a:rPr lang="en-US" altLang="zh-CN" i="1" dirty="0">
+                                  <a:latin typeface="Cambria Math" panose="02040503050406030204" pitchFamily="18" charset="0"/>
+                                </a:rPr>
+                              </m:ctrlPr>
+                            </m:dPr>
+                            <m:e>
+                              <m:sSub>
+                                <m:sSubPr>
+                                  <m:ctrlPr>
+                                    <a:rPr lang="en-US" altLang="zh-CN" i="1" dirty="0">
+                                      <a:latin typeface="Cambria Math" panose="02040503050406030204" pitchFamily="18" charset="0"/>
+                                    </a:rPr>
+                                  </m:ctrlPr>
+                                </m:sSubPr>
+                                <m:e>
+                                  <m:r>
+                                    <a:rPr lang="en-US" altLang="zh-CN" i="1" dirty="0">
+                                      <a:latin typeface="Cambria Math" panose="02040503050406030204" pitchFamily="18" charset="0"/>
+                                    </a:rPr>
+                                    <m:t>𝑐</m:t>
+                                  </m:r>
+                                </m:e>
+                                <m:sub>
+                                  <m:r>
+                                    <a:rPr lang="en-US" altLang="zh-CN" b="0" i="1" dirty="0" smtClean="0">
+                                      <a:latin typeface="Cambria Math" panose="02040503050406030204" pitchFamily="18" charset="0"/>
+                                    </a:rPr>
+                                    <m:t>1</m:t>
+                                  </m:r>
+                                </m:sub>
+                              </m:sSub>
+                            </m:e>
+                            <m:e>
+                              <m:sSub>
+                                <m:sSubPr>
+                                  <m:ctrlPr>
+                                    <a:rPr lang="en-US" altLang="zh-CN" b="0" i="1" dirty="0" smtClean="0">
+                                      <a:latin typeface="Cambria Math" panose="02040503050406030204" pitchFamily="18" charset="0"/>
+                                    </a:rPr>
+                                  </m:ctrlPr>
+                                </m:sSubPr>
+                                <m:e>
+                                  <m:r>
+                                    <a:rPr lang="en-US" altLang="zh-CN" b="0" i="1" dirty="0" smtClean="0">
+                                      <a:latin typeface="Cambria Math" panose="02040503050406030204" pitchFamily="18" charset="0"/>
+                                    </a:rPr>
+                                    <m:t>𝑐</m:t>
+                                  </m:r>
+                                </m:e>
+                                <m:sub>
+                                  <m:r>
+                                    <a:rPr lang="en-US" altLang="zh-CN" b="0" i="1" dirty="0" smtClean="0">
+                                      <a:latin typeface="Cambria Math" panose="02040503050406030204" pitchFamily="18" charset="0"/>
+                                    </a:rPr>
+                                    <m:t>0</m:t>
+                                  </m:r>
+                                </m:sub>
+                              </m:sSub>
+                              <m:r>
+                                <a:rPr lang="en-US" altLang="zh-CN" b="0" i="1" dirty="0" smtClean="0">
+                                  <a:latin typeface="Cambria Math" panose="02040503050406030204" pitchFamily="18" charset="0"/>
+                                </a:rPr>
+                                <m:t>,</m:t>
+                              </m:r>
+                              <m:r>
+                                <m:rPr>
+                                  <m:sty m:val="p"/>
+                                </m:rPr>
+                                <a:rPr lang="en-US" altLang="zh-CN">
+                                  <a:latin typeface="Cambria Math" panose="02040503050406030204" pitchFamily="18" charset="0"/>
+                                </a:rPr>
+                                <m:t>Φ</m:t>
+                              </m:r>
+                              <m:d>
+                                <m:dPr>
+                                  <m:ctrlPr>
+                                    <a:rPr lang="en-US" altLang="zh-CN" i="1">
+                                      <a:latin typeface="Cambria Math" panose="02040503050406030204" pitchFamily="18" charset="0"/>
+                                    </a:rPr>
+                                  </m:ctrlPr>
+                                </m:dPr>
+                                <m:e>
+                                  <m:sSub>
+                                    <m:sSubPr>
+                                      <m:ctrlPr>
+                                        <a:rPr lang="en-US" altLang="zh-CN" i="1">
+                                          <a:latin typeface="Cambria Math" panose="02040503050406030204" pitchFamily="18" charset="0"/>
+                                        </a:rPr>
+                                      </m:ctrlPr>
+                                    </m:sSubPr>
+                                    <m:e>
+                                      <m:r>
+                                        <a:rPr lang="en-US" altLang="zh-CN" i="1">
+                                          <a:latin typeface="Cambria Math" panose="02040503050406030204" pitchFamily="18" charset="0"/>
+                                        </a:rPr>
+                                        <m:t>𝑣</m:t>
+                                      </m:r>
+                                    </m:e>
+                                    <m:sub>
+                                      <m:r>
+                                        <a:rPr lang="en-US" altLang="zh-CN" i="1">
+                                          <a:latin typeface="Cambria Math" panose="02040503050406030204" pitchFamily="18" charset="0"/>
+                                        </a:rPr>
+                                        <m:t>𝑗</m:t>
+                                      </m:r>
+                                    </m:sub>
+                                  </m:sSub>
+                                </m:e>
+                              </m:d>
+                            </m:e>
+                          </m:d>
+                        </m:e>
+                      </m:func>
+                      <m:r>
+                        <a:rPr lang="en-US" altLang="zh-CN" i="1" dirty="0">
+                          <a:latin typeface="Cambria Math" panose="02040503050406030204" pitchFamily="18" charset="0"/>
+                        </a:rPr>
+                        <m:t>=</m:t>
+                      </m:r>
+                      <m:func>
+                        <m:funcPr>
+                          <m:ctrlPr>
+                            <a:rPr lang="en-US" altLang="zh-CN" i="1" dirty="0">
+                              <a:latin typeface="Cambria Math" panose="02040503050406030204" pitchFamily="18" charset="0"/>
+                            </a:rPr>
+                          </m:ctrlPr>
+                        </m:funcPr>
+                        <m:fName>
+                          <m:r>
+                            <m:rPr>
+                              <m:sty m:val="p"/>
+                            </m:rPr>
+                            <a:rPr lang="en-US" altLang="zh-CN" dirty="0">
+                              <a:latin typeface="Cambria Math" panose="02040503050406030204" pitchFamily="18" charset="0"/>
+                            </a:rPr>
+                            <m:t>Pr</m:t>
+                          </m:r>
+                        </m:fName>
+                        <m:e>
+                          <m:d>
+                            <m:dPr>
+                              <m:ctrlPr>
+                                <a:rPr lang="en-US" altLang="zh-CN" i="1" dirty="0">
+                                  <a:latin typeface="Cambria Math" panose="02040503050406030204" pitchFamily="18" charset="0"/>
+                                </a:rPr>
+                              </m:ctrlPr>
+                            </m:dPr>
+                            <m:e>
+                              <m:sSub>
+                                <m:sSubPr>
+                                  <m:ctrlPr>
+                                    <a:rPr lang="en-US" altLang="zh-CN" b="0" i="1" dirty="0" smtClean="0">
+                                      <a:latin typeface="Cambria Math" panose="02040503050406030204" pitchFamily="18" charset="0"/>
+                                    </a:rPr>
+                                  </m:ctrlPr>
+                                </m:sSubPr>
+                                <m:e>
+                                  <m:r>
+                                    <a:rPr lang="en-US" altLang="zh-CN" b="0" i="1" dirty="0" smtClean="0">
+                                      <a:latin typeface="Cambria Math" panose="02040503050406030204" pitchFamily="18" charset="0"/>
+                                    </a:rPr>
+                                    <m:t>𝑏</m:t>
+                                  </m:r>
+                                </m:e>
+                                <m:sub>
+                                  <m:r>
+                                    <a:rPr lang="en-US" altLang="zh-CN" b="0" i="1" dirty="0" smtClean="0">
+                                      <a:latin typeface="Cambria Math" panose="02040503050406030204" pitchFamily="18" charset="0"/>
+                                    </a:rPr>
+                                    <m:t>2</m:t>
+                                  </m:r>
+                                </m:sub>
+                              </m:sSub>
+                            </m:e>
+                            <m:e>
+                              <m:r>
+                                <m:rPr>
+                                  <m:sty m:val="p"/>
+                                </m:rPr>
+                                <a:rPr lang="en-US" altLang="zh-CN">
+                                  <a:latin typeface="Cambria Math" panose="02040503050406030204" pitchFamily="18" charset="0"/>
+                                </a:rPr>
+                                <m:t>Φ</m:t>
+                              </m:r>
+                              <m:d>
+                                <m:dPr>
+                                  <m:ctrlPr>
+                                    <a:rPr lang="en-US" altLang="zh-CN" i="1">
+                                      <a:latin typeface="Cambria Math" panose="02040503050406030204" pitchFamily="18" charset="0"/>
+                                    </a:rPr>
+                                  </m:ctrlPr>
+                                </m:dPr>
+                                <m:e>
+                                  <m:sSub>
+                                    <m:sSubPr>
+                                      <m:ctrlPr>
+                                        <a:rPr lang="en-US" altLang="zh-CN" i="1">
+                                          <a:latin typeface="Cambria Math" panose="02040503050406030204" pitchFamily="18" charset="0"/>
+                                        </a:rPr>
+                                      </m:ctrlPr>
+                                    </m:sSubPr>
+                                    <m:e>
+                                      <m:r>
+                                        <a:rPr lang="en-US" altLang="zh-CN" i="1">
+                                          <a:latin typeface="Cambria Math" panose="02040503050406030204" pitchFamily="18" charset="0"/>
+                                        </a:rPr>
+                                        <m:t>𝑣</m:t>
+                                      </m:r>
+                                    </m:e>
+                                    <m:sub>
+                                      <m:r>
+                                        <a:rPr lang="en-US" altLang="zh-CN" i="1">
+                                          <a:latin typeface="Cambria Math" panose="02040503050406030204" pitchFamily="18" charset="0"/>
+                                        </a:rPr>
+                                        <m:t>𝑗</m:t>
+                                      </m:r>
+                                    </m:sub>
+                                  </m:sSub>
+                                </m:e>
+                              </m:d>
+                            </m:e>
+                          </m:d>
+                        </m:e>
+                      </m:func>
+                    </m:oMath>
+                  </m:oMathPara>
+                </a14:m>
+                <a:endParaRPr lang="en-US" altLang="zh-CN" dirty="0"/>
+              </a:p>
+              <a:p>
+                <a:pPr/>
+                <a14:m>
+                  <m:oMathPara xmlns:m="http://schemas.openxmlformats.org/officeDocument/2006/math">
+                    <m:oMathParaPr>
+                      <m:jc m:val="centerGroup"/>
+                    </m:oMathParaPr>
+                    <m:oMath xmlns:m="http://schemas.openxmlformats.org/officeDocument/2006/math">
+                      <m:func>
+                        <m:funcPr>
+                          <m:ctrlPr>
+                            <a:rPr lang="en-US" altLang="zh-CN" i="1" dirty="0">
+                              <a:latin typeface="Cambria Math" panose="02040503050406030204" pitchFamily="18" charset="0"/>
+                            </a:rPr>
+                          </m:ctrlPr>
+                        </m:funcPr>
+                        <m:fName>
+                          <m:r>
+                            <m:rPr>
+                              <m:sty m:val="p"/>
+                            </m:rPr>
+                            <a:rPr lang="en-US" altLang="zh-CN" dirty="0">
+                              <a:latin typeface="Cambria Math" panose="02040503050406030204" pitchFamily="18" charset="0"/>
+                            </a:rPr>
+                            <m:t>Pr</m:t>
+                          </m:r>
+                        </m:fName>
+                        <m:e>
+                          <m:d>
+                            <m:dPr>
+                              <m:ctrlPr>
+                                <a:rPr lang="en-US" altLang="zh-CN" i="1" dirty="0">
+                                  <a:latin typeface="Cambria Math" panose="02040503050406030204" pitchFamily="18" charset="0"/>
+                                </a:rPr>
+                              </m:ctrlPr>
+                            </m:dPr>
+                            <m:e>
+                              <m:sSub>
+                                <m:sSubPr>
+                                  <m:ctrlPr>
+                                    <a:rPr lang="en-US" altLang="zh-CN" i="1" dirty="0">
+                                      <a:latin typeface="Cambria Math" panose="02040503050406030204" pitchFamily="18" charset="0"/>
+                                    </a:rPr>
+                                  </m:ctrlPr>
+                                </m:sSubPr>
+                                <m:e>
+                                  <m:r>
+                                    <a:rPr lang="en-US" altLang="zh-CN" i="1" dirty="0">
+                                      <a:latin typeface="Cambria Math" panose="02040503050406030204" pitchFamily="18" charset="0"/>
+                                    </a:rPr>
+                                    <m:t>𝑐</m:t>
+                                  </m:r>
+                                </m:e>
+                                <m:sub>
+                                  <m:r>
+                                    <a:rPr lang="en-US" altLang="zh-CN" b="0" i="1" dirty="0" smtClean="0">
+                                      <a:latin typeface="Cambria Math" panose="02040503050406030204" pitchFamily="18" charset="0"/>
+                                    </a:rPr>
+                                    <m:t>2</m:t>
+                                  </m:r>
+                                </m:sub>
+                              </m:sSub>
+                            </m:e>
+                            <m:e>
+                              <m:sSub>
+                                <m:sSubPr>
+                                  <m:ctrlPr>
+                                    <a:rPr lang="en-US" altLang="zh-CN" i="1" dirty="0">
+                                      <a:latin typeface="Cambria Math" panose="02040503050406030204" pitchFamily="18" charset="0"/>
+                                    </a:rPr>
+                                  </m:ctrlPr>
+                                </m:sSubPr>
+                                <m:e>
+                                  <m:r>
+                                    <a:rPr lang="en-US" altLang="zh-CN" i="1" dirty="0">
+                                      <a:latin typeface="Cambria Math" panose="02040503050406030204" pitchFamily="18" charset="0"/>
+                                    </a:rPr>
+                                    <m:t>𝑐</m:t>
+                                  </m:r>
+                                </m:e>
+                                <m:sub>
+                                  <m:r>
+                                    <a:rPr lang="en-US" altLang="zh-CN" i="1" dirty="0">
+                                      <a:latin typeface="Cambria Math" panose="02040503050406030204" pitchFamily="18" charset="0"/>
+                                    </a:rPr>
+                                    <m:t>0</m:t>
+                                  </m:r>
+                                </m:sub>
+                              </m:sSub>
+                              <m:r>
+                                <a:rPr lang="en-US" altLang="zh-CN" i="1" dirty="0">
+                                  <a:latin typeface="Cambria Math" panose="02040503050406030204" pitchFamily="18" charset="0"/>
+                                </a:rPr>
+                                <m:t>,</m:t>
+                              </m:r>
+                              <m:sSub>
+                                <m:sSubPr>
+                                  <m:ctrlPr>
+                                    <a:rPr lang="en-US" altLang="zh-CN" b="0" i="1" dirty="0" smtClean="0">
+                                      <a:latin typeface="Cambria Math" panose="02040503050406030204" pitchFamily="18" charset="0"/>
+                                    </a:rPr>
+                                  </m:ctrlPr>
+                                </m:sSubPr>
+                                <m:e>
+                                  <m:r>
+                                    <a:rPr lang="en-US" altLang="zh-CN" b="0" i="1" dirty="0" smtClean="0">
+                                      <a:latin typeface="Cambria Math" panose="02040503050406030204" pitchFamily="18" charset="0"/>
+                                    </a:rPr>
+                                    <m:t>𝑐</m:t>
+                                  </m:r>
+                                </m:e>
+                                <m:sub>
+                                  <m:r>
+                                    <a:rPr lang="en-US" altLang="zh-CN" b="0" i="1" dirty="0" smtClean="0">
+                                      <a:latin typeface="Cambria Math" panose="02040503050406030204" pitchFamily="18" charset="0"/>
+                                    </a:rPr>
+                                    <m:t>1</m:t>
+                                  </m:r>
+                                </m:sub>
+                              </m:sSub>
+                              <m:r>
+                                <a:rPr lang="en-US" altLang="zh-CN" b="0" i="1" dirty="0" smtClean="0">
+                                  <a:latin typeface="Cambria Math" panose="02040503050406030204" pitchFamily="18" charset="0"/>
+                                </a:rPr>
+                                <m:t>,</m:t>
+                              </m:r>
+                              <m:r>
+                                <m:rPr>
+                                  <m:sty m:val="p"/>
+                                </m:rPr>
+                                <a:rPr lang="en-US" altLang="zh-CN">
+                                  <a:latin typeface="Cambria Math" panose="02040503050406030204" pitchFamily="18" charset="0"/>
+                                </a:rPr>
+                                <m:t>Φ</m:t>
+                              </m:r>
+                              <m:d>
+                                <m:dPr>
+                                  <m:ctrlPr>
+                                    <a:rPr lang="en-US" altLang="zh-CN" i="1">
+                                      <a:latin typeface="Cambria Math" panose="02040503050406030204" pitchFamily="18" charset="0"/>
+                                    </a:rPr>
+                                  </m:ctrlPr>
+                                </m:dPr>
+                                <m:e>
+                                  <m:sSub>
+                                    <m:sSubPr>
+                                      <m:ctrlPr>
+                                        <a:rPr lang="en-US" altLang="zh-CN" i="1">
+                                          <a:latin typeface="Cambria Math" panose="02040503050406030204" pitchFamily="18" charset="0"/>
+                                        </a:rPr>
+                                      </m:ctrlPr>
+                                    </m:sSubPr>
+                                    <m:e>
+                                      <m:r>
+                                        <a:rPr lang="en-US" altLang="zh-CN" i="1">
+                                          <a:latin typeface="Cambria Math" panose="02040503050406030204" pitchFamily="18" charset="0"/>
+                                        </a:rPr>
+                                        <m:t>𝑣</m:t>
+                                      </m:r>
+                                    </m:e>
+                                    <m:sub>
+                                      <m:r>
+                                        <a:rPr lang="en-US" altLang="zh-CN" i="1">
+                                          <a:latin typeface="Cambria Math" panose="02040503050406030204" pitchFamily="18" charset="0"/>
+                                        </a:rPr>
+                                        <m:t>𝑗</m:t>
+                                      </m:r>
+                                    </m:sub>
+                                  </m:sSub>
+                                </m:e>
+                              </m:d>
+                            </m:e>
+                          </m:d>
+                        </m:e>
+                      </m:func>
+                      <m:r>
+                        <a:rPr lang="en-US" altLang="zh-CN" i="1" dirty="0">
+                          <a:latin typeface="Cambria Math" panose="02040503050406030204" pitchFamily="18" charset="0"/>
+                        </a:rPr>
+                        <m:t>=</m:t>
+                      </m:r>
+                      <m:func>
+                        <m:funcPr>
+                          <m:ctrlPr>
+                            <a:rPr lang="en-US" altLang="zh-CN" i="1" dirty="0">
+                              <a:latin typeface="Cambria Math" panose="02040503050406030204" pitchFamily="18" charset="0"/>
+                            </a:rPr>
+                          </m:ctrlPr>
+                        </m:funcPr>
+                        <m:fName>
+                          <m:r>
+                            <m:rPr>
+                              <m:sty m:val="p"/>
+                            </m:rPr>
+                            <a:rPr lang="en-US" altLang="zh-CN" dirty="0">
+                              <a:latin typeface="Cambria Math" panose="02040503050406030204" pitchFamily="18" charset="0"/>
+                            </a:rPr>
+                            <m:t>Pr</m:t>
+                          </m:r>
+                        </m:fName>
+                        <m:e>
+                          <m:d>
+                            <m:dPr>
+                              <m:ctrlPr>
+                                <a:rPr lang="en-US" altLang="zh-CN" i="1" dirty="0">
+                                  <a:latin typeface="Cambria Math" panose="02040503050406030204" pitchFamily="18" charset="0"/>
+                                </a:rPr>
+                              </m:ctrlPr>
+                            </m:dPr>
+                            <m:e>
+                              <m:sSub>
+                                <m:sSubPr>
+                                  <m:ctrlPr>
+                                    <a:rPr lang="en-US" altLang="zh-CN" i="1" dirty="0">
+                                      <a:latin typeface="Cambria Math" panose="02040503050406030204" pitchFamily="18" charset="0"/>
+                                    </a:rPr>
+                                  </m:ctrlPr>
+                                </m:sSubPr>
+                                <m:e>
+                                  <m:r>
+                                    <a:rPr lang="en-US" altLang="zh-CN" i="1" dirty="0">
+                                      <a:latin typeface="Cambria Math" panose="02040503050406030204" pitchFamily="18" charset="0"/>
+                                    </a:rPr>
+                                    <m:t>𝑏</m:t>
+                                  </m:r>
+                                </m:e>
+                                <m:sub>
+                                  <m:r>
+                                    <a:rPr lang="en-US" altLang="zh-CN" b="0" i="1" dirty="0" smtClean="0">
+                                      <a:latin typeface="Cambria Math" panose="02040503050406030204" pitchFamily="18" charset="0"/>
+                                    </a:rPr>
+                                    <m:t>3</m:t>
+                                  </m:r>
+                                </m:sub>
+                              </m:sSub>
+                            </m:e>
+                            <m:e>
+                              <m:r>
+                                <m:rPr>
+                                  <m:sty m:val="p"/>
+                                </m:rPr>
+                                <a:rPr lang="en-US" altLang="zh-CN">
+                                  <a:latin typeface="Cambria Math" panose="02040503050406030204" pitchFamily="18" charset="0"/>
+                                </a:rPr>
+                                <m:t>Φ</m:t>
+                              </m:r>
+                              <m:d>
+                                <m:dPr>
+                                  <m:ctrlPr>
+                                    <a:rPr lang="en-US" altLang="zh-CN" i="1">
+                                      <a:latin typeface="Cambria Math" panose="02040503050406030204" pitchFamily="18" charset="0"/>
+                                    </a:rPr>
+                                  </m:ctrlPr>
+                                </m:dPr>
+                                <m:e>
+                                  <m:sSub>
+                                    <m:sSubPr>
+                                      <m:ctrlPr>
+                                        <a:rPr lang="en-US" altLang="zh-CN" i="1">
+                                          <a:latin typeface="Cambria Math" panose="02040503050406030204" pitchFamily="18" charset="0"/>
+                                        </a:rPr>
+                                      </m:ctrlPr>
+                                    </m:sSubPr>
+                                    <m:e>
+                                      <m:r>
+                                        <a:rPr lang="en-US" altLang="zh-CN" i="1">
+                                          <a:latin typeface="Cambria Math" panose="02040503050406030204" pitchFamily="18" charset="0"/>
+                                        </a:rPr>
+                                        <m:t>𝑣</m:t>
+                                      </m:r>
+                                    </m:e>
+                                    <m:sub>
+                                      <m:r>
+                                        <a:rPr lang="en-US" altLang="zh-CN" i="1">
+                                          <a:latin typeface="Cambria Math" panose="02040503050406030204" pitchFamily="18" charset="0"/>
+                                        </a:rPr>
+                                        <m:t>𝑗</m:t>
+                                      </m:r>
+                                    </m:sub>
+                                  </m:sSub>
+                                </m:e>
+                              </m:d>
+                            </m:e>
+                          </m:d>
+                        </m:e>
+                      </m:func>
+                    </m:oMath>
+                  </m:oMathPara>
+                </a14:m>
+                <a:endParaRPr lang="zh-CN" altLang="en-US" dirty="0"/>
+              </a:p>
+            </p:txBody>
+          </p:sp>
+        </mc:Choice>
+        <mc:Fallback xmlns="">
+          <p:sp>
+            <p:nvSpPr>
+              <p:cNvPr id="35" name="矩形 34">
+                <a:extLst>
+                  <a:ext uri="{FF2B5EF4-FFF2-40B4-BE49-F238E27FC236}">
+                    <a16:creationId xmlns:a16="http://schemas.microsoft.com/office/drawing/2014/main" id="{C4990F26-732E-495A-A825-E9B43B4B528E}"/>
+                  </a:ext>
+                </a:extLst>
+              </p:cNvPr>
+              <p:cNvSpPr>
+                <a:spLocks noRot="1" noChangeAspect="1" noMove="1" noResize="1" noEditPoints="1" noAdjustHandles="1" noChangeArrowheads="1" noChangeShapeType="1" noTextEdit="1"/>
+              </p:cNvSpPr>
+              <p:nvPr/>
+            </p:nvSpPr>
+            <p:spPr>
+              <a:xfrm>
+                <a:off x="3342093" y="4927051"/>
+                <a:ext cx="3814249" cy="1049518"/>
+              </a:xfrm>
+              <a:prstGeom prst="rect">
+                <a:avLst/>
+              </a:prstGeom>
+              <a:blipFill>
+                <a:blip r:embed="rId28"/>
+                <a:stretch>
+                  <a:fillRect b="-2907"/>
+                </a:stretch>
+              </a:blipFill>
+            </p:spPr>
+            <p:txBody>
+              <a:bodyPr/>
+              <a:lstStyle/>
+              <a:p>
+                <a:r>
+                  <a:rPr lang="zh-CN" altLang="en-US">
+                    <a:noFill/>
+                  </a:rPr>
+                  <a:t> </a:t>
+                </a:r>
+              </a:p>
+            </p:txBody>
+          </p:sp>
+        </mc:Fallback>
+      </mc:AlternateContent>
+      <mc:AlternateContent xmlns:mc="http://schemas.openxmlformats.org/markup-compatibility/2006" xmlns:a14="http://schemas.microsoft.com/office/drawing/2010/main">
+        <mc:Choice Requires="a14">
+          <p:sp>
+            <p:nvSpPr>
+              <p:cNvPr id="36" name="矩形 35">
+                <a:extLst>
+                  <a:ext uri="{FF2B5EF4-FFF2-40B4-BE49-F238E27FC236}">
+                    <a16:creationId xmlns:a16="http://schemas.microsoft.com/office/drawing/2014/main" id="{958B0C2B-9F26-47C0-95F1-25DACD2F1FCA}"/>
+                  </a:ext>
+                </a:extLst>
+              </p:cNvPr>
+              <p:cNvSpPr/>
+              <p:nvPr/>
+            </p:nvSpPr>
+            <p:spPr>
+              <a:xfrm>
+                <a:off x="4920823" y="6000033"/>
+                <a:ext cx="444352" cy="369332"/>
+              </a:xfrm>
+              <a:prstGeom prst="rect">
+                <a:avLst/>
+              </a:prstGeom>
+            </p:spPr>
+            <p:txBody>
+              <a:bodyPr wrap="none">
+                <a:spAutoFit/>
+              </a:bodyPr>
+              <a:lstStyle/>
+              <a:p>
+                <a:pPr/>
+                <a14:m>
+                  <m:oMathPara xmlns:m="http://schemas.openxmlformats.org/officeDocument/2006/math">
+                    <m:oMathParaPr>
+                      <m:jc m:val="centerGroup"/>
+                    </m:oMathParaPr>
+                    <m:oMath xmlns:m="http://schemas.openxmlformats.org/officeDocument/2006/math">
+                      <m:r>
+                        <a:rPr lang="en-US" altLang="zh-CN" i="1">
+                          <a:latin typeface="Cambria Math" panose="02040503050406030204" pitchFamily="18" charset="0"/>
+                        </a:rPr>
+                        <m:t>·</m:t>
+                      </m:r>
+                      <m:r>
+                        <a:rPr lang="en-US" altLang="zh-CN" i="1" smtClean="0">
+                          <a:latin typeface="Cambria Math" panose="02040503050406030204" pitchFamily="18" charset="0"/>
+                        </a:rPr>
+                        <m:t>·</m:t>
+                      </m:r>
+                      <m:r>
+                        <a:rPr lang="en-US" altLang="zh-CN" i="1">
+                          <a:latin typeface="Cambria Math" panose="02040503050406030204" pitchFamily="18" charset="0"/>
+                        </a:rPr>
+                        <m:t>·</m:t>
+                      </m:r>
+                    </m:oMath>
+                  </m:oMathPara>
+                </a14:m>
+                <a:endParaRPr lang="zh-CN" altLang="en-US" dirty="0"/>
+              </a:p>
+            </p:txBody>
+          </p:sp>
+        </mc:Choice>
+        <mc:Fallback xmlns="">
+          <p:sp>
+            <p:nvSpPr>
+              <p:cNvPr id="36" name="矩形 35">
+                <a:extLst>
+                  <a:ext uri="{FF2B5EF4-FFF2-40B4-BE49-F238E27FC236}">
+                    <a16:creationId xmlns:a16="http://schemas.microsoft.com/office/drawing/2014/main" id="{958B0C2B-9F26-47C0-95F1-25DACD2F1FCA}"/>
+                  </a:ext>
+                </a:extLst>
+              </p:cNvPr>
+              <p:cNvSpPr>
+                <a:spLocks noRot="1" noChangeAspect="1" noMove="1" noResize="1" noEditPoints="1" noAdjustHandles="1" noChangeArrowheads="1" noChangeShapeType="1" noTextEdit="1"/>
+              </p:cNvSpPr>
+              <p:nvPr/>
+            </p:nvSpPr>
+            <p:spPr>
+              <a:xfrm>
+                <a:off x="4920823" y="6000033"/>
+                <a:ext cx="444352" cy="369332"/>
+              </a:xfrm>
+              <a:prstGeom prst="rect">
+                <a:avLst/>
+              </a:prstGeom>
+              <a:blipFill>
+                <a:blip r:embed="rId29"/>
+                <a:stretch>
+                  <a:fillRect/>
+                </a:stretch>
+              </a:blipFill>
+            </p:spPr>
+            <p:txBody>
+              <a:bodyPr/>
+              <a:lstStyle/>
+              <a:p>
+                <a:r>
+                  <a:rPr lang="zh-CN" altLang="en-US">
+                    <a:noFill/>
+                  </a:rPr>
+                  <a:t> </a:t>
+                </a:r>
+              </a:p>
+            </p:txBody>
+          </p:sp>
+        </mc:Fallback>
+      </mc:AlternateContent>
+      <mc:AlternateContent xmlns:mc="http://schemas.openxmlformats.org/markup-compatibility/2006" xmlns:a14="http://schemas.microsoft.com/office/drawing/2010/main">
+        <mc:Choice Requires="a14">
+          <p:sp>
+            <p:nvSpPr>
+              <p:cNvPr id="37" name="矩形 36">
+                <a:extLst>
+                  <a:ext uri="{FF2B5EF4-FFF2-40B4-BE49-F238E27FC236}">
+                    <a16:creationId xmlns:a16="http://schemas.microsoft.com/office/drawing/2014/main" id="{C1F4E223-6D46-43B4-B9BF-2E1CF40CC330}"/>
+                  </a:ext>
+                </a:extLst>
+              </p:cNvPr>
+              <p:cNvSpPr/>
+              <p:nvPr/>
+            </p:nvSpPr>
+            <p:spPr>
+              <a:xfrm>
+                <a:off x="3154381" y="6271056"/>
+                <a:ext cx="4792530" cy="411395"/>
+              </a:xfrm>
+              <a:prstGeom prst="rect">
+                <a:avLst/>
+              </a:prstGeom>
+            </p:spPr>
+            <p:txBody>
+              <a:bodyPr wrap="none">
+                <a:spAutoFit/>
+              </a:bodyPr>
+              <a:lstStyle/>
+              <a:p>
+                <a:pPr/>
+                <a14:m>
+                  <m:oMathPara xmlns:m="http://schemas.openxmlformats.org/officeDocument/2006/math">
+                    <m:oMathParaPr>
+                      <m:jc m:val="centerGroup"/>
+                    </m:oMathParaPr>
+                    <m:oMath xmlns:m="http://schemas.openxmlformats.org/officeDocument/2006/math">
+                      <m:func>
+                        <m:funcPr>
+                          <m:ctrlPr>
+                            <a:rPr lang="en-US" altLang="zh-CN" i="1" dirty="0" smtClean="0">
+                              <a:latin typeface="Cambria Math" panose="02040503050406030204" pitchFamily="18" charset="0"/>
+                            </a:rPr>
+                          </m:ctrlPr>
+                        </m:funcPr>
+                        <m:fName>
+                          <m:r>
+                            <m:rPr>
+                              <m:sty m:val="p"/>
+                            </m:rPr>
+                            <a:rPr lang="en-US" altLang="zh-CN" dirty="0">
+                              <a:latin typeface="Cambria Math" panose="02040503050406030204" pitchFamily="18" charset="0"/>
+                            </a:rPr>
+                            <m:t>Pr</m:t>
+                          </m:r>
+                        </m:fName>
+                        <m:e>
+                          <m:d>
+                            <m:dPr>
+                              <m:ctrlPr>
+                                <a:rPr lang="en-US" altLang="zh-CN" i="1" dirty="0">
+                                  <a:latin typeface="Cambria Math" panose="02040503050406030204" pitchFamily="18" charset="0"/>
+                                </a:rPr>
+                              </m:ctrlPr>
+                            </m:dPr>
+                            <m:e>
+                              <m:sSub>
+                                <m:sSubPr>
+                                  <m:ctrlPr>
+                                    <a:rPr lang="en-US" altLang="zh-CN" i="1" dirty="0">
+                                      <a:latin typeface="Cambria Math" panose="02040503050406030204" pitchFamily="18" charset="0"/>
+                                    </a:rPr>
+                                  </m:ctrlPr>
+                                </m:sSubPr>
+                                <m:e>
+                                  <m:r>
+                                    <a:rPr lang="en-US" altLang="zh-CN" i="1" dirty="0">
+                                      <a:latin typeface="Cambria Math" panose="02040503050406030204" pitchFamily="18" charset="0"/>
+                                    </a:rPr>
+                                    <m:t>𝑐</m:t>
+                                  </m:r>
+                                </m:e>
+                                <m:sub>
+                                  <m:r>
+                                    <a:rPr lang="en-US" altLang="zh-CN" b="0" i="1" dirty="0" smtClean="0">
+                                      <a:latin typeface="Cambria Math" panose="02040503050406030204" pitchFamily="18" charset="0"/>
+                                    </a:rPr>
+                                    <m:t>𝑚</m:t>
+                                  </m:r>
+                                </m:sub>
+                              </m:sSub>
+                            </m:e>
+                            <m:e>
+                              <m:sSub>
+                                <m:sSubPr>
+                                  <m:ctrlPr>
+                                    <a:rPr lang="en-US" altLang="zh-CN" i="1" dirty="0">
+                                      <a:latin typeface="Cambria Math" panose="02040503050406030204" pitchFamily="18" charset="0"/>
+                                    </a:rPr>
+                                  </m:ctrlPr>
+                                </m:sSubPr>
+                                <m:e>
+                                  <m:r>
+                                    <a:rPr lang="en-US" altLang="zh-CN" i="1" dirty="0">
+                                      <a:latin typeface="Cambria Math" panose="02040503050406030204" pitchFamily="18" charset="0"/>
+                                    </a:rPr>
+                                    <m:t>𝑐</m:t>
+                                  </m:r>
+                                </m:e>
+                                <m:sub>
+                                  <m:r>
+                                    <a:rPr lang="en-US" altLang="zh-CN" i="1" dirty="0">
+                                      <a:latin typeface="Cambria Math" panose="02040503050406030204" pitchFamily="18" charset="0"/>
+                                    </a:rPr>
+                                    <m:t>0</m:t>
+                                  </m:r>
+                                </m:sub>
+                              </m:sSub>
+                              <m:r>
+                                <a:rPr lang="en-US" altLang="zh-CN" i="1" dirty="0">
+                                  <a:latin typeface="Cambria Math" panose="02040503050406030204" pitchFamily="18" charset="0"/>
+                                </a:rPr>
+                                <m:t>,</m:t>
+                              </m:r>
+                              <m:sSub>
+                                <m:sSubPr>
+                                  <m:ctrlPr>
+                                    <a:rPr lang="en-US" altLang="zh-CN" i="1" dirty="0">
+                                      <a:latin typeface="Cambria Math" panose="02040503050406030204" pitchFamily="18" charset="0"/>
+                                    </a:rPr>
+                                  </m:ctrlPr>
+                                </m:sSubPr>
+                                <m:e>
+                                  <m:r>
+                                    <a:rPr lang="en-US" altLang="zh-CN" i="1" dirty="0">
+                                      <a:latin typeface="Cambria Math" panose="02040503050406030204" pitchFamily="18" charset="0"/>
+                                    </a:rPr>
+                                    <m:t>𝑐</m:t>
+                                  </m:r>
+                                </m:e>
+                                <m:sub>
+                                  <m:r>
+                                    <a:rPr lang="en-US" altLang="zh-CN" i="1" dirty="0">
+                                      <a:latin typeface="Cambria Math" panose="02040503050406030204" pitchFamily="18" charset="0"/>
+                                    </a:rPr>
+                                    <m:t>1</m:t>
+                                  </m:r>
+                                </m:sub>
+                              </m:sSub>
+                              <m:r>
+                                <a:rPr lang="en-US" altLang="zh-CN" i="1" dirty="0">
+                                  <a:latin typeface="Cambria Math" panose="02040503050406030204" pitchFamily="18" charset="0"/>
+                                </a:rPr>
+                                <m:t>,</m:t>
+                              </m:r>
+                              <m:r>
+                                <a:rPr lang="en-US" altLang="zh-CN" i="1" dirty="0" smtClean="0">
+                                  <a:latin typeface="Cambria Math" panose="02040503050406030204" pitchFamily="18" charset="0"/>
+                                </a:rPr>
+                                <m:t>·</m:t>
+                              </m:r>
+                              <m:r>
+                                <a:rPr lang="en-US" altLang="zh-CN" i="1" dirty="0">
+                                  <a:latin typeface="Cambria Math" panose="02040503050406030204" pitchFamily="18" charset="0"/>
+                                </a:rPr>
+                                <m:t>·</m:t>
+                              </m:r>
+                              <m:r>
+                                <a:rPr lang="en-US" altLang="zh-CN" i="1" dirty="0" smtClean="0">
+                                  <a:latin typeface="Cambria Math" panose="02040503050406030204" pitchFamily="18" charset="0"/>
+                                </a:rPr>
+                                <m:t>·</m:t>
+                              </m:r>
+                              <m:r>
+                                <a:rPr lang="en-US" altLang="zh-CN" b="0" i="1" dirty="0" smtClean="0">
+                                  <a:latin typeface="Cambria Math" panose="02040503050406030204" pitchFamily="18" charset="0"/>
+                                </a:rPr>
+                                <m:t>,</m:t>
+                              </m:r>
+                              <m:sSub>
+                                <m:sSubPr>
+                                  <m:ctrlPr>
+                                    <a:rPr lang="en-US" altLang="zh-CN" b="0" i="1" dirty="0" smtClean="0">
+                                      <a:latin typeface="Cambria Math" panose="02040503050406030204" pitchFamily="18" charset="0"/>
+                                    </a:rPr>
+                                  </m:ctrlPr>
+                                </m:sSubPr>
+                                <m:e>
+                                  <m:r>
+                                    <a:rPr lang="en-US" altLang="zh-CN" b="0" i="1" dirty="0" smtClean="0">
+                                      <a:latin typeface="Cambria Math" panose="02040503050406030204" pitchFamily="18" charset="0"/>
+                                    </a:rPr>
+                                    <m:t>𝑐</m:t>
+                                  </m:r>
+                                </m:e>
+                                <m:sub>
+                                  <m:r>
+                                    <a:rPr lang="en-US" altLang="zh-CN" b="0" i="1" dirty="0" smtClean="0">
+                                      <a:latin typeface="Cambria Math" panose="02040503050406030204" pitchFamily="18" charset="0"/>
+                                    </a:rPr>
+                                    <m:t>𝑚</m:t>
+                                  </m:r>
+                                  <m:r>
+                                    <a:rPr lang="en-US" altLang="zh-CN" b="0" i="1" dirty="0" smtClean="0">
+                                      <a:latin typeface="Cambria Math" panose="02040503050406030204" pitchFamily="18" charset="0"/>
+                                    </a:rPr>
+                                    <m:t>−1</m:t>
+                                  </m:r>
+                                </m:sub>
+                              </m:sSub>
+                              <m:r>
+                                <a:rPr lang="en-US" altLang="zh-CN" b="0" i="1" dirty="0" smtClean="0">
+                                  <a:latin typeface="Cambria Math" panose="02040503050406030204" pitchFamily="18" charset="0"/>
+                                </a:rPr>
+                                <m:t>,</m:t>
+                              </m:r>
+                              <m:r>
+                                <m:rPr>
+                                  <m:sty m:val="p"/>
+                                </m:rPr>
+                                <a:rPr lang="en-US" altLang="zh-CN">
+                                  <a:latin typeface="Cambria Math" panose="02040503050406030204" pitchFamily="18" charset="0"/>
+                                </a:rPr>
+                                <m:t>Φ</m:t>
+                              </m:r>
+                              <m:d>
+                                <m:dPr>
+                                  <m:ctrlPr>
+                                    <a:rPr lang="en-US" altLang="zh-CN" i="1">
+                                      <a:latin typeface="Cambria Math" panose="02040503050406030204" pitchFamily="18" charset="0"/>
+                                    </a:rPr>
+                                  </m:ctrlPr>
+                                </m:dPr>
+                                <m:e>
+                                  <m:sSub>
+                                    <m:sSubPr>
+                                      <m:ctrlPr>
+                                        <a:rPr lang="en-US" altLang="zh-CN" i="1">
+                                          <a:latin typeface="Cambria Math" panose="02040503050406030204" pitchFamily="18" charset="0"/>
+                                        </a:rPr>
+                                      </m:ctrlPr>
+                                    </m:sSubPr>
+                                    <m:e>
+                                      <m:r>
+                                        <a:rPr lang="en-US" altLang="zh-CN" i="1">
+                                          <a:latin typeface="Cambria Math" panose="02040503050406030204" pitchFamily="18" charset="0"/>
+                                        </a:rPr>
+                                        <m:t>𝑣</m:t>
+                                      </m:r>
+                                    </m:e>
+                                    <m:sub>
+                                      <m:r>
+                                        <a:rPr lang="en-US" altLang="zh-CN" i="1">
+                                          <a:latin typeface="Cambria Math" panose="02040503050406030204" pitchFamily="18" charset="0"/>
+                                        </a:rPr>
+                                        <m:t>𝑗</m:t>
+                                      </m:r>
+                                    </m:sub>
+                                  </m:sSub>
+                                </m:e>
+                              </m:d>
+                            </m:e>
+                          </m:d>
+                        </m:e>
+                      </m:func>
+                      <m:r>
+                        <a:rPr lang="en-US" altLang="zh-CN" i="1" dirty="0">
+                          <a:latin typeface="Cambria Math" panose="02040503050406030204" pitchFamily="18" charset="0"/>
+                        </a:rPr>
+                        <m:t>=</m:t>
+                      </m:r>
+                      <m:func>
+                        <m:funcPr>
+                          <m:ctrlPr>
+                            <a:rPr lang="en-US" altLang="zh-CN" i="1" dirty="0">
+                              <a:latin typeface="Cambria Math" panose="02040503050406030204" pitchFamily="18" charset="0"/>
+                            </a:rPr>
+                          </m:ctrlPr>
+                        </m:funcPr>
+                        <m:fName>
+                          <m:r>
+                            <m:rPr>
+                              <m:sty m:val="p"/>
+                            </m:rPr>
+                            <a:rPr lang="en-US" altLang="zh-CN" dirty="0">
+                              <a:latin typeface="Cambria Math" panose="02040503050406030204" pitchFamily="18" charset="0"/>
+                            </a:rPr>
+                            <m:t>Pr</m:t>
+                          </m:r>
+                        </m:fName>
+                        <m:e>
+                          <m:d>
+                            <m:dPr>
+                              <m:ctrlPr>
+                                <a:rPr lang="en-US" altLang="zh-CN" i="1" dirty="0">
+                                  <a:latin typeface="Cambria Math" panose="02040503050406030204" pitchFamily="18" charset="0"/>
+                                </a:rPr>
+                              </m:ctrlPr>
+                            </m:dPr>
+                            <m:e>
+                              <m:sSub>
+                                <m:sSubPr>
+                                  <m:ctrlPr>
+                                    <a:rPr lang="en-US" altLang="zh-CN" i="1" dirty="0">
+                                      <a:latin typeface="Cambria Math" panose="02040503050406030204" pitchFamily="18" charset="0"/>
+                                    </a:rPr>
+                                  </m:ctrlPr>
+                                </m:sSubPr>
+                                <m:e>
+                                  <m:r>
+                                    <a:rPr lang="en-US" altLang="zh-CN" i="1" dirty="0">
+                                      <a:latin typeface="Cambria Math" panose="02040503050406030204" pitchFamily="18" charset="0"/>
+                                    </a:rPr>
+                                    <m:t>𝑏</m:t>
+                                  </m:r>
+                                </m:e>
+                                <m:sub>
+                                  <m:r>
+                                    <a:rPr lang="en-US" altLang="zh-CN" b="0" i="1" dirty="0" smtClean="0">
+                                      <a:latin typeface="Cambria Math" panose="02040503050406030204" pitchFamily="18" charset="0"/>
+                                    </a:rPr>
+                                    <m:t>𝑚</m:t>
+                                  </m:r>
+                                </m:sub>
+                              </m:sSub>
+                            </m:e>
+                            <m:e>
+                              <m:r>
+                                <m:rPr>
+                                  <m:sty m:val="p"/>
+                                </m:rPr>
+                                <a:rPr lang="en-US" altLang="zh-CN">
+                                  <a:latin typeface="Cambria Math" panose="02040503050406030204" pitchFamily="18" charset="0"/>
+                                </a:rPr>
+                                <m:t>Φ</m:t>
+                              </m:r>
+                              <m:d>
+                                <m:dPr>
+                                  <m:ctrlPr>
+                                    <a:rPr lang="en-US" altLang="zh-CN" i="1">
+                                      <a:latin typeface="Cambria Math" panose="02040503050406030204" pitchFamily="18" charset="0"/>
+                                    </a:rPr>
+                                  </m:ctrlPr>
+                                </m:dPr>
+                                <m:e>
+                                  <m:sSub>
+                                    <m:sSubPr>
+                                      <m:ctrlPr>
+                                        <a:rPr lang="en-US" altLang="zh-CN" i="1">
+                                          <a:latin typeface="Cambria Math" panose="02040503050406030204" pitchFamily="18" charset="0"/>
+                                        </a:rPr>
+                                      </m:ctrlPr>
+                                    </m:sSubPr>
+                                    <m:e>
+                                      <m:r>
+                                        <a:rPr lang="en-US" altLang="zh-CN" i="1">
+                                          <a:latin typeface="Cambria Math" panose="02040503050406030204" pitchFamily="18" charset="0"/>
+                                        </a:rPr>
+                                        <m:t>𝑣</m:t>
+                                      </m:r>
+                                    </m:e>
+                                    <m:sub>
+                                      <m:r>
+                                        <a:rPr lang="en-US" altLang="zh-CN" i="1">
+                                          <a:latin typeface="Cambria Math" panose="02040503050406030204" pitchFamily="18" charset="0"/>
+                                        </a:rPr>
+                                        <m:t>𝑗</m:t>
+                                      </m:r>
+                                    </m:sub>
+                                  </m:sSub>
+                                </m:e>
+                              </m:d>
+                            </m:e>
+                          </m:d>
+                        </m:e>
+                      </m:func>
+                    </m:oMath>
+                  </m:oMathPara>
+                </a14:m>
+                <a:endParaRPr lang="zh-CN" altLang="en-US" dirty="0"/>
+              </a:p>
+            </p:txBody>
+          </p:sp>
+        </mc:Choice>
+        <mc:Fallback xmlns="">
+          <p:sp>
+            <p:nvSpPr>
+              <p:cNvPr id="37" name="矩形 36">
+                <a:extLst>
+                  <a:ext uri="{FF2B5EF4-FFF2-40B4-BE49-F238E27FC236}">
+                    <a16:creationId xmlns:a16="http://schemas.microsoft.com/office/drawing/2014/main" id="{C1F4E223-6D46-43B4-B9BF-2E1CF40CC330}"/>
+                  </a:ext>
+                </a:extLst>
+              </p:cNvPr>
+              <p:cNvSpPr>
+                <a:spLocks noRot="1" noChangeAspect="1" noMove="1" noResize="1" noEditPoints="1" noAdjustHandles="1" noChangeArrowheads="1" noChangeShapeType="1" noTextEdit="1"/>
+              </p:cNvSpPr>
+              <p:nvPr/>
+            </p:nvSpPr>
+            <p:spPr>
+              <a:xfrm>
+                <a:off x="3154381" y="6271056"/>
+                <a:ext cx="4792530" cy="411395"/>
+              </a:xfrm>
+              <a:prstGeom prst="rect">
+                <a:avLst/>
+              </a:prstGeom>
+              <a:blipFill>
+                <a:blip r:embed="rId30"/>
+                <a:stretch>
+                  <a:fillRect b="-7463"/>
+                </a:stretch>
+              </a:blipFill>
+            </p:spPr>
+            <p:txBody>
+              <a:bodyPr/>
+              <a:lstStyle/>
+              <a:p>
+                <a:r>
+                  <a:rPr lang="zh-CN" altLang="en-US">
+                    <a:noFill/>
+                  </a:rPr>
+                  <a:t> </a:t>
+                </a:r>
+              </a:p>
+            </p:txBody>
+          </p:sp>
+        </mc:Fallback>
+      </mc:AlternateContent>
+      <p:sp>
+        <p:nvSpPr>
+          <p:cNvPr id="38" name="右大括号 37">
+            <a:extLst>
+              <a:ext uri="{FF2B5EF4-FFF2-40B4-BE49-F238E27FC236}">
+                <a16:creationId xmlns:a16="http://schemas.microsoft.com/office/drawing/2014/main" id="{E78441CF-814D-4FD7-B88D-0C2C37893289}"/>
+              </a:ext>
+            </a:extLst>
+          </p:cNvPr>
+          <p:cNvSpPr/>
+          <p:nvPr/>
+        </p:nvSpPr>
+        <p:spPr>
+          <a:xfrm>
+            <a:off x="7858125" y="5007769"/>
+            <a:ext cx="444352" cy="1564481"/>
+          </a:xfrm>
+          <a:prstGeom prst="rightBrace">
+            <a:avLst/>
+          </a:prstGeom>
+          <a:ln w="19050"/>
+        </p:spPr>
+        <p:style>
+          <a:lnRef idx="1">
+            <a:schemeClr val="accent1"/>
+          </a:lnRef>
+          <a:fillRef idx="0">
+            <a:schemeClr val="accent1"/>
+          </a:fillRef>
+          <a:effectRef idx="0">
+            <a:schemeClr val="accent1"/>
+          </a:effectRef>
+          <a:fontRef idx="minor">
+            <a:schemeClr val="tx1"/>
+          </a:fontRef>
+        </p:style>
+        <p:txBody>
+          <a:bodyPr rtlCol="0" anchor="ctr"/>
+          <a:lstStyle/>
+          <a:p>
+            <a:pPr algn="ctr"/>
+            <a:endParaRPr lang="zh-CN" altLang="en-US"/>
+          </a:p>
+        </p:txBody>
+      </p:sp>
+      <mc:AlternateContent xmlns:mc="http://schemas.openxmlformats.org/markup-compatibility/2006" xmlns:a14="http://schemas.microsoft.com/office/drawing/2010/main">
+        <mc:Choice Requires="a14">
+          <p:sp>
+            <p:nvSpPr>
+              <p:cNvPr id="39" name="矩形 38">
+                <a:extLst>
+                  <a:ext uri="{FF2B5EF4-FFF2-40B4-BE49-F238E27FC236}">
+                    <a16:creationId xmlns:a16="http://schemas.microsoft.com/office/drawing/2014/main" id="{EBBA89C6-DAB8-43CD-8DFE-F63D016E1DF1}"/>
+                  </a:ext>
+                </a:extLst>
+              </p:cNvPr>
+              <p:cNvSpPr/>
+              <p:nvPr/>
+            </p:nvSpPr>
+            <p:spPr>
+              <a:xfrm>
+                <a:off x="8459726" y="5605343"/>
+                <a:ext cx="3602268" cy="646331"/>
+              </a:xfrm>
+              <a:prstGeom prst="rect">
+                <a:avLst/>
+              </a:prstGeom>
+            </p:spPr>
+            <p:txBody>
+              <a:bodyPr wrap="none">
+                <a:spAutoFit/>
+              </a:bodyPr>
+              <a:lstStyle/>
+              <a:p>
+                <a:r>
+                  <a:rPr lang="en-US" altLang="zh-CN" u="sng" dirty="0">
+                    <a:latin typeface="Times New Roman" panose="02020603050405020304" pitchFamily="18" charset="0"/>
+                    <a:cs typeface="Times New Roman" panose="02020603050405020304" pitchFamily="18" charset="0"/>
+                  </a:rPr>
+                  <a:t>Binary classifier</a:t>
+                </a:r>
+              </a:p>
+              <a:p>
+                <a:r>
+                  <a:rPr lang="en-US" altLang="zh-CN" dirty="0">
+                    <a:latin typeface="Times New Roman" panose="02020603050405020304" pitchFamily="18" charset="0"/>
+                    <a:cs typeface="Times New Roman" panose="02020603050405020304" pitchFamily="18" charset="0"/>
+                  </a:rPr>
+                  <a:t>Assigned to the parent of the node </a:t>
+                </a:r>
+                <a14:m>
+                  <m:oMath xmlns:m="http://schemas.openxmlformats.org/officeDocument/2006/math">
+                    <m:sSub>
+                      <m:sSubPr>
+                        <m:ctrlPr>
+                          <a:rPr lang="en-US" altLang="zh-CN" i="1" dirty="0">
+                            <a:latin typeface="Cambria Math" panose="02040503050406030204" pitchFamily="18" charset="0"/>
+                          </a:rPr>
+                        </m:ctrlPr>
+                      </m:sSubPr>
+                      <m:e>
+                        <m:r>
+                          <a:rPr lang="en-US" altLang="zh-CN" i="1" dirty="0">
+                            <a:latin typeface="Cambria Math" panose="02040503050406030204" pitchFamily="18" charset="0"/>
+                          </a:rPr>
+                          <m:t>𝑏</m:t>
+                        </m:r>
+                      </m:e>
+                      <m:sub>
+                        <m:r>
+                          <a:rPr lang="en-US" altLang="zh-CN" b="0" i="1" dirty="0" smtClean="0">
+                            <a:latin typeface="Cambria Math" panose="02040503050406030204" pitchFamily="18" charset="0"/>
+                          </a:rPr>
+                          <m:t>𝑙</m:t>
+                        </m:r>
+                      </m:sub>
+                    </m:sSub>
+                  </m:oMath>
                 </a14:m>
                 <a:endParaRPr lang="zh-CN" altLang="en-US" dirty="0"/>
               </a:p>
@@ -15475,7 +19760,7 @@
               <p:cNvPr id="39" name="矩形 38">
                 <a:extLst>
                   <a:ext uri="{FF2B5EF4-FFF2-40B4-BE49-F238E27FC236}">
-                    <a16:creationId xmlns:a16="http://schemas.microsoft.com/office/drawing/2014/main" id="{B1B9F654-D9D0-4263-80B5-B4EF89758224}"/>
+                    <a16:creationId xmlns:a16="http://schemas.microsoft.com/office/drawing/2014/main" id="{EBBA89C6-DAB8-43CD-8DFE-F63D016E1DF1}"/>
                   </a:ext>
                 </a:extLst>
               </p:cNvPr>
@@ -15486,16 +19771,16 @@
             </p:nvSpPr>
             <p:spPr>
               <a:xfrm>
-                <a:off x="3665303" y="4994908"/>
-                <a:ext cx="583621" cy="401457"/>
+                <a:off x="8459726" y="5605343"/>
+                <a:ext cx="3602268" cy="646331"/>
               </a:xfrm>
               <a:prstGeom prst="rect">
                 <a:avLst/>
               </a:prstGeom>
               <a:blipFill>
-                <a:blip r:embed="rId7"/>
+                <a:blip r:embed="rId31"/>
                 <a:stretch>
-                  <a:fillRect b="-3030"/>
+                  <a:fillRect l="-1523" t="-5660" b="-13208"/>
                 </a:stretch>
               </a:blipFill>
             </p:spPr>
@@ -15521,7 +19806,7 @@
               <p:cNvPr id="40" name="矩形 39">
                 <a:extLst>
                   <a:ext uri="{FF2B5EF4-FFF2-40B4-BE49-F238E27FC236}">
-                    <a16:creationId xmlns:a16="http://schemas.microsoft.com/office/drawing/2014/main" id="{47592D66-2404-4FEB-B2C0-805B91907907}"/>
+                    <a16:creationId xmlns:a16="http://schemas.microsoft.com/office/drawing/2014/main" id="{18D6E46B-4129-4659-ABA3-BE1E72AA2615}"/>
                   </a:ext>
                 </a:extLst>
               </p:cNvPr>
@@ -15530,8 +19815,8 @@
             </p:nvSpPr>
             <p:spPr>
               <a:xfrm>
-                <a:off x="1503494" y="6248654"/>
-                <a:ext cx="1844416" cy="396519"/>
+                <a:off x="6718123" y="3954916"/>
+                <a:ext cx="2193229" cy="848566"/>
               </a:xfrm>
               <a:prstGeom prst="rect">
                 <a:avLst/>
@@ -15543,95 +19828,161 @@
               </a:bodyPr>
               <a:lstStyle/>
               <a:p>
-                <a:r>
-                  <a:rPr lang="en-US" altLang="zh-CN" dirty="0">
-                    <a:latin typeface="Times New Roman" panose="02020603050405020304" pitchFamily="18" charset="0"/>
-                    <a:ea typeface="黑体" panose="02010609060101010101" pitchFamily="49" charset="-122"/>
-                    <a:cs typeface="Times New Roman" panose="02020603050405020304" pitchFamily="18" charset="0"/>
-                  </a:rPr>
-                  <a:t>random walk </a:t>
-                </a:r>
+                <a:pPr/>
                 <a14:m>
-                  <m:oMath xmlns:m="http://schemas.openxmlformats.org/officeDocument/2006/math">
-                    <m:sSub>
-                      <m:sSubPr>
-                        <m:ctrlPr>
-                          <a:rPr lang="en-US" altLang="zh-CN" b="0" i="1" smtClean="0">
-                            <a:solidFill>
-                              <a:srgbClr val="FF0000"/>
-                            </a:solidFill>
-                            <a:latin typeface="Cambria Math" panose="02040503050406030204" pitchFamily="18" charset="0"/>
-                            <a:ea typeface="黑体" panose="02010609060101010101" pitchFamily="49" charset="-122"/>
-                            <a:cs typeface="Times New Roman" panose="02020603050405020304" pitchFamily="18" charset="0"/>
-                          </a:rPr>
-                        </m:ctrlPr>
-                      </m:sSubPr>
-                      <m:e>
-                        <m:r>
-                          <a:rPr lang="en-US" altLang="zh-CN" b="0" i="1" smtClean="0">
-                            <a:solidFill>
-                              <a:srgbClr val="FF0000"/>
-                            </a:solidFill>
-                            <a:latin typeface="Cambria Math" panose="02040503050406030204" pitchFamily="18" charset="0"/>
-                            <a:ea typeface="黑体" panose="02010609060101010101" pitchFamily="49" charset="-122"/>
-                            <a:cs typeface="Times New Roman" panose="02020603050405020304" pitchFamily="18" charset="0"/>
-                          </a:rPr>
-                          <m:t>𝑊</m:t>
-                        </m:r>
-                      </m:e>
-                      <m:sub>
-                        <m:sSub>
-                          <m:sSubPr>
-                            <m:ctrlPr>
-                              <a:rPr lang="en-US" altLang="zh-CN" b="0" i="1" smtClean="0">
-                                <a:solidFill>
-                                  <a:srgbClr val="FF0000"/>
-                                </a:solidFill>
-                                <a:latin typeface="Cambria Math" panose="02040503050406030204" pitchFamily="18" charset="0"/>
-                                <a:ea typeface="黑体" panose="02010609060101010101" pitchFamily="49" charset="-122"/>
-                                <a:cs typeface="Times New Roman" panose="02020603050405020304" pitchFamily="18" charset="0"/>
-                              </a:rPr>
-                            </m:ctrlPr>
-                          </m:sSubPr>
-                          <m:e>
-                            <m:r>
-                              <a:rPr lang="en-US" altLang="zh-CN" b="0" i="1" smtClean="0">
-                                <a:solidFill>
-                                  <a:srgbClr val="FF0000"/>
-                                </a:solidFill>
-                                <a:latin typeface="Cambria Math" panose="02040503050406030204" pitchFamily="18" charset="0"/>
-                                <a:ea typeface="黑体" panose="02010609060101010101" pitchFamily="49" charset="-122"/>
-                                <a:cs typeface="Times New Roman" panose="02020603050405020304" pitchFamily="18" charset="0"/>
-                              </a:rPr>
-                              <m:t>𝑣</m:t>
-                            </m:r>
-                          </m:e>
-                          <m:sub>
-                            <m:r>
-                              <a:rPr lang="en-US" altLang="zh-CN" b="0" i="1" smtClean="0">
-                                <a:solidFill>
-                                  <a:srgbClr val="FF0000"/>
-                                </a:solidFill>
-                                <a:latin typeface="Cambria Math" panose="02040503050406030204" pitchFamily="18" charset="0"/>
-                                <a:ea typeface="黑体" panose="02010609060101010101" pitchFamily="49" charset="-122"/>
-                                <a:cs typeface="Times New Roman" panose="02020603050405020304" pitchFamily="18" charset="0"/>
-                              </a:rPr>
-                              <m:t>𝑖</m:t>
-                            </m:r>
-                          </m:sub>
-                        </m:sSub>
-                      </m:sub>
-                    </m:sSub>
-                  </m:oMath>
+                  <m:oMathPara xmlns:m="http://schemas.openxmlformats.org/officeDocument/2006/math">
+                    <m:oMathParaPr>
+                      <m:jc m:val="centerGroup"/>
+                    </m:oMathParaPr>
+                    <m:oMath xmlns:m="http://schemas.openxmlformats.org/officeDocument/2006/math">
+                      <m:r>
+                        <a:rPr lang="en-US" altLang="zh-CN" b="0" i="1" dirty="0" smtClean="0">
+                          <a:latin typeface="Cambria Math" panose="02040503050406030204" pitchFamily="18" charset="0"/>
+                        </a:rPr>
+                        <m:t>=</m:t>
+                      </m:r>
+                      <m:nary>
+                        <m:naryPr>
+                          <m:chr m:val="∏"/>
+                          <m:limLoc m:val="undOvr"/>
+                          <m:grow m:val="on"/>
+                          <m:ctrlPr>
+                            <a:rPr lang="zh-CN" altLang="en-US" i="1" dirty="0">
+                              <a:latin typeface="Cambria Math" panose="02040503050406030204" pitchFamily="18" charset="0"/>
+                            </a:rPr>
+                          </m:ctrlPr>
+                        </m:naryPr>
+                        <m:sub>
+                          <m:r>
+                            <a:rPr lang="zh-CN" altLang="en-US" i="1" dirty="0">
+                              <a:latin typeface="Cambria Math" panose="02040503050406030204" pitchFamily="18" charset="0"/>
+                            </a:rPr>
+                            <m:t>𝑖</m:t>
+                          </m:r>
+                          <m:r>
+                            <a:rPr lang="zh-CN" altLang="en-US" dirty="0">
+                              <a:latin typeface="Cambria Math" panose="02040503050406030204" pitchFamily="18" charset="0"/>
+                            </a:rPr>
+                            <m:t>=1</m:t>
+                          </m:r>
+                        </m:sub>
+                        <m:sup>
+                          <m:r>
+                            <a:rPr lang="zh-CN" altLang="en-US" i="1" dirty="0">
+                              <a:latin typeface="Cambria Math" panose="02040503050406030204" pitchFamily="18" charset="0"/>
+                            </a:rPr>
+                            <m:t>𝑚</m:t>
+                          </m:r>
+                        </m:sup>
+                        <m:e>
+                          <m:r>
+                            <m:rPr>
+                              <m:sty m:val="p"/>
+                            </m:rPr>
+                            <a:rPr lang="en-US" altLang="zh-CN" dirty="0">
+                              <a:latin typeface="Cambria Math" panose="02040503050406030204" pitchFamily="18" charset="0"/>
+                            </a:rPr>
+                            <m:t>Pr</m:t>
+                          </m:r>
+                          <m:r>
+                            <a:rPr lang="en-US" altLang="zh-CN" i="1" dirty="0">
+                              <a:latin typeface="Cambria Math" panose="02040503050406030204" pitchFamily="18" charset="0"/>
+                            </a:rPr>
+                            <m:t>⁡(</m:t>
+                          </m:r>
+                          <m:sSub>
+                            <m:sSubPr>
+                              <m:ctrlPr>
+                                <a:rPr lang="en-US" altLang="zh-CN" i="1" dirty="0">
+                                  <a:latin typeface="Cambria Math" panose="02040503050406030204" pitchFamily="18" charset="0"/>
+                                </a:rPr>
+                              </m:ctrlPr>
+                            </m:sSubPr>
+                            <m:e>
+                              <m:r>
+                                <a:rPr lang="en-US" altLang="zh-CN" b="0" i="1" dirty="0" smtClean="0">
+                                  <a:latin typeface="Cambria Math" panose="02040503050406030204" pitchFamily="18" charset="0"/>
+                                </a:rPr>
+                                <m:t>𝑏</m:t>
+                              </m:r>
+                            </m:e>
+                            <m:sub>
+                              <m:r>
+                                <a:rPr lang="en-US" altLang="zh-CN" b="0" i="1" dirty="0" smtClean="0">
+                                  <a:latin typeface="Cambria Math" panose="02040503050406030204" pitchFamily="18" charset="0"/>
+                                </a:rPr>
+                                <m:t>𝑙</m:t>
+                              </m:r>
+                            </m:sub>
+                          </m:sSub>
+                          <m:r>
+                            <a:rPr lang="en-US" altLang="zh-CN" i="1" dirty="0">
+                              <a:latin typeface="Cambria Math" panose="02040503050406030204" pitchFamily="18" charset="0"/>
+                            </a:rPr>
+                            <m:t>|</m:t>
+                          </m:r>
+                          <m:r>
+                            <a:rPr lang="en-US" altLang="zh-CN" i="1" dirty="0" smtClean="0">
+                              <a:latin typeface="Cambria Math" panose="02040503050406030204" pitchFamily="18" charset="0"/>
+                            </a:rPr>
+                            <m:t> </m:t>
+                          </m:r>
+                          <m:r>
+                            <m:rPr>
+                              <m:sty m:val="p"/>
+                            </m:rPr>
+                            <a:rPr lang="en-US" altLang="zh-CN">
+                              <a:latin typeface="Cambria Math" panose="02040503050406030204" pitchFamily="18" charset="0"/>
+                            </a:rPr>
+                            <m:t>Φ</m:t>
+                          </m:r>
+                          <m:d>
+                            <m:dPr>
+                              <m:ctrlPr>
+                                <a:rPr lang="en-US" altLang="zh-CN" i="1">
+                                  <a:latin typeface="Cambria Math" panose="02040503050406030204" pitchFamily="18" charset="0"/>
+                                </a:rPr>
+                              </m:ctrlPr>
+                            </m:dPr>
+                            <m:e>
+                              <m:sSub>
+                                <m:sSubPr>
+                                  <m:ctrlPr>
+                                    <a:rPr lang="en-US" altLang="zh-CN" i="1">
+                                      <a:latin typeface="Cambria Math" panose="02040503050406030204" pitchFamily="18" charset="0"/>
+                                    </a:rPr>
+                                  </m:ctrlPr>
+                                </m:sSubPr>
+                                <m:e>
+                                  <m:r>
+                                    <a:rPr lang="en-US" altLang="zh-CN" i="1">
+                                      <a:latin typeface="Cambria Math" panose="02040503050406030204" pitchFamily="18" charset="0"/>
+                                    </a:rPr>
+                                    <m:t>𝑣</m:t>
+                                  </m:r>
+                                </m:e>
+                                <m:sub>
+                                  <m:r>
+                                    <a:rPr lang="en-US" altLang="zh-CN" i="1">
+                                      <a:latin typeface="Cambria Math" panose="02040503050406030204" pitchFamily="18" charset="0"/>
+                                    </a:rPr>
+                                    <m:t>𝑗</m:t>
+                                  </m:r>
+                                </m:sub>
+                              </m:sSub>
+                            </m:e>
+                          </m:d>
+                          <m:r>
+                            <a:rPr lang="en-US" altLang="zh-CN" i="1" dirty="0">
+                              <a:latin typeface="Cambria Math" panose="02040503050406030204" pitchFamily="18" charset="0"/>
+                            </a:rPr>
+                            <m:t>)</m:t>
+                          </m:r>
+                        </m:e>
+                      </m:nary>
+                    </m:oMath>
+                  </m:oMathPara>
                 </a14:m>
-                <a:r>
-                  <a:rPr lang="en-US" altLang="zh-CN" dirty="0">
-                    <a:latin typeface="Times New Roman" panose="02020603050405020304" pitchFamily="18" charset="0"/>
-                    <a:ea typeface="黑体" panose="02010609060101010101" pitchFamily="49" charset="-122"/>
-                    <a:cs typeface="Times New Roman" panose="02020603050405020304" pitchFamily="18" charset="0"/>
-                  </a:rPr>
-                  <a:t> </a:t>
-                </a:r>
                 <a:endParaRPr lang="zh-CN" altLang="en-US" dirty="0"/>
               </a:p>
             </p:txBody>
@@ -15643,7 +19994,7 @@
               <p:cNvPr id="40" name="矩形 39">
                 <a:extLst>
                   <a:ext uri="{FF2B5EF4-FFF2-40B4-BE49-F238E27FC236}">
-                    <a16:creationId xmlns:a16="http://schemas.microsoft.com/office/drawing/2014/main" id="{47592D66-2404-4FEB-B2C0-805B91907907}"/>
+                    <a16:creationId xmlns:a16="http://schemas.microsoft.com/office/drawing/2014/main" id="{18D6E46B-4129-4659-ABA3-BE1E72AA2615}"/>
                   </a:ext>
                 </a:extLst>
               </p:cNvPr>
@@ -15654,16 +20005,16 @@
             </p:nvSpPr>
             <p:spPr>
               <a:xfrm>
-                <a:off x="1503494" y="6248654"/>
-                <a:ext cx="1844416" cy="396519"/>
+                <a:off x="6718123" y="3954916"/>
+                <a:ext cx="2193229" cy="848566"/>
               </a:xfrm>
               <a:prstGeom prst="rect">
                 <a:avLst/>
               </a:prstGeom>
               <a:blipFill>
-                <a:blip r:embed="rId8"/>
+                <a:blip r:embed="rId32"/>
                 <a:stretch>
-                  <a:fillRect l="-2980" t="-7692" b="-16923"/>
+                  <a:fillRect/>
                 </a:stretch>
               </a:blipFill>
             </p:spPr>
@@ -15682,12 +20033,306 @@
           </p:sp>
         </mc:Fallback>
       </mc:AlternateContent>
+      <mc:AlternateContent xmlns:mc="http://schemas.openxmlformats.org/markup-compatibility/2006" xmlns:a14="http://schemas.microsoft.com/office/drawing/2010/main">
+        <mc:Choice Requires="a14">
+          <p:sp>
+            <p:nvSpPr>
+              <p:cNvPr id="41" name="矩形 40">
+                <a:extLst>
+                  <a:ext uri="{FF2B5EF4-FFF2-40B4-BE49-F238E27FC236}">
+                    <a16:creationId xmlns:a16="http://schemas.microsoft.com/office/drawing/2014/main" id="{993D9FF2-4C9E-4776-9B15-9CB12D4A8EEF}"/>
+                  </a:ext>
+                </a:extLst>
+              </p:cNvPr>
+              <p:cNvSpPr/>
+              <p:nvPr/>
+            </p:nvSpPr>
+            <p:spPr>
+              <a:xfrm>
+                <a:off x="327692" y="5883560"/>
+                <a:ext cx="1900840" cy="369332"/>
+              </a:xfrm>
+              <a:prstGeom prst="rect">
+                <a:avLst/>
+              </a:prstGeom>
+            </p:spPr>
+            <p:txBody>
+              <a:bodyPr wrap="none">
+                <a:spAutoFit/>
+              </a:bodyPr>
+              <a:lstStyle/>
+              <a:p>
+                <a:pPr/>
+                <a14:m>
+                  <m:oMathPara xmlns:m="http://schemas.openxmlformats.org/officeDocument/2006/math">
+                    <m:oMathParaPr>
+                      <m:jc m:val="centerGroup"/>
+                    </m:oMathParaPr>
+                    <m:oMath xmlns:m="http://schemas.openxmlformats.org/officeDocument/2006/math">
+                      <m:d>
+                        <m:dPr>
+                          <m:ctrlPr>
+                            <a:rPr lang="en-US" altLang="zh-CN" i="1" smtClean="0">
+                              <a:latin typeface="Cambria Math" panose="02040503050406030204" pitchFamily="18" charset="0"/>
+                              <a:cs typeface="Times New Roman" panose="02020603050405020304" pitchFamily="18" charset="0"/>
+                            </a:rPr>
+                          </m:ctrlPr>
+                        </m:dPr>
+                        <m:e>
+                          <m:sSub>
+                            <m:sSubPr>
+                              <m:ctrlPr>
+                                <a:rPr lang="en-US" altLang="zh-CN" i="1">
+                                  <a:latin typeface="Cambria Math" panose="02040503050406030204" pitchFamily="18" charset="0"/>
+                                  <a:cs typeface="Times New Roman" panose="02020603050405020304" pitchFamily="18" charset="0"/>
+                                </a:rPr>
+                              </m:ctrlPr>
+                            </m:sSubPr>
+                            <m:e>
+                              <m:sSub>
+                                <m:sSubPr>
+                                  <m:ctrlPr>
+                                    <a:rPr lang="en-US" altLang="zh-CN" i="1">
+                                      <a:latin typeface="Cambria Math" panose="02040503050406030204" pitchFamily="18" charset="0"/>
+                                      <a:cs typeface="Times New Roman" panose="02020603050405020304" pitchFamily="18" charset="0"/>
+                                    </a:rPr>
+                                  </m:ctrlPr>
+                                </m:sSubPr>
+                                <m:e>
+                                  <m:r>
+                                    <a:rPr lang="en-US" altLang="zh-CN" b="0" i="1" smtClean="0">
+                                      <a:latin typeface="Cambria Math" panose="02040503050406030204" pitchFamily="18" charset="0"/>
+                                      <a:cs typeface="Times New Roman" panose="02020603050405020304" pitchFamily="18" charset="0"/>
+                                    </a:rPr>
+                                    <m:t>𝑏</m:t>
+                                  </m:r>
+                                </m:e>
+                                <m:sub>
+                                  <m:r>
+                                    <a:rPr lang="en-US" altLang="zh-CN" i="1">
+                                      <a:latin typeface="Cambria Math" panose="02040503050406030204" pitchFamily="18" charset="0"/>
+                                      <a:cs typeface="Times New Roman" panose="02020603050405020304" pitchFamily="18" charset="0"/>
+                                    </a:rPr>
+                                    <m:t>0</m:t>
+                                  </m:r>
+                                </m:sub>
+                              </m:sSub>
+                              <m:r>
+                                <a:rPr lang="en-US" altLang="zh-CN" i="1">
+                                  <a:latin typeface="Cambria Math" panose="02040503050406030204" pitchFamily="18" charset="0"/>
+                                  <a:cs typeface="Times New Roman" panose="02020603050405020304" pitchFamily="18" charset="0"/>
+                                </a:rPr>
+                                <m:t>,</m:t>
+                              </m:r>
+                              <m:r>
+                                <a:rPr lang="en-US" altLang="zh-CN" b="0" i="1" smtClean="0">
+                                  <a:latin typeface="Cambria Math" panose="02040503050406030204" pitchFamily="18" charset="0"/>
+                                  <a:cs typeface="Times New Roman" panose="02020603050405020304" pitchFamily="18" charset="0"/>
+                                </a:rPr>
+                                <m:t>𝑏</m:t>
+                              </m:r>
+                            </m:e>
+                            <m:sub>
+                              <m:r>
+                                <a:rPr lang="en-US" altLang="zh-CN" i="1">
+                                  <a:latin typeface="Cambria Math" panose="02040503050406030204" pitchFamily="18" charset="0"/>
+                                  <a:cs typeface="Times New Roman" panose="02020603050405020304" pitchFamily="18" charset="0"/>
+                                </a:rPr>
+                                <m:t>1</m:t>
+                              </m:r>
+                            </m:sub>
+                          </m:sSub>
+                          <m:r>
+                            <a:rPr lang="en-US" altLang="zh-CN" i="1">
+                              <a:latin typeface="Cambria Math" panose="02040503050406030204" pitchFamily="18" charset="0"/>
+                              <a:cs typeface="Times New Roman" panose="02020603050405020304" pitchFamily="18" charset="0"/>
+                            </a:rPr>
+                            <m:t>,</m:t>
+                          </m:r>
+                          <m:sSub>
+                            <m:sSubPr>
+                              <m:ctrlPr>
+                                <a:rPr lang="en-US" altLang="zh-CN" i="1">
+                                  <a:latin typeface="Cambria Math" panose="02040503050406030204" pitchFamily="18" charset="0"/>
+                                  <a:cs typeface="Times New Roman" panose="02020603050405020304" pitchFamily="18" charset="0"/>
+                                </a:rPr>
+                              </m:ctrlPr>
+                            </m:sSubPr>
+                            <m:e>
+                              <m:r>
+                                <a:rPr lang="en-US" altLang="zh-CN" b="0" i="1" smtClean="0">
+                                  <a:latin typeface="Cambria Math" panose="02040503050406030204" pitchFamily="18" charset="0"/>
+                                  <a:cs typeface="Times New Roman" panose="02020603050405020304" pitchFamily="18" charset="0"/>
+                                </a:rPr>
+                                <m:t>𝑏</m:t>
+                              </m:r>
+                            </m:e>
+                            <m:sub>
+                              <m:r>
+                                <a:rPr lang="en-US" altLang="zh-CN" i="1">
+                                  <a:latin typeface="Cambria Math" panose="02040503050406030204" pitchFamily="18" charset="0"/>
+                                  <a:cs typeface="Times New Roman" panose="02020603050405020304" pitchFamily="18" charset="0"/>
+                                </a:rPr>
+                                <m:t>2</m:t>
+                              </m:r>
+                            </m:sub>
+                          </m:sSub>
+                          <m:r>
+                            <a:rPr lang="en-US" altLang="zh-CN" i="1">
+                              <a:latin typeface="Cambria Math" panose="02040503050406030204" pitchFamily="18" charset="0"/>
+                              <a:cs typeface="Times New Roman" panose="02020603050405020304" pitchFamily="18" charset="0"/>
+                            </a:rPr>
+                            <m:t>,···,</m:t>
+                          </m:r>
+                          <m:sSub>
+                            <m:sSubPr>
+                              <m:ctrlPr>
+                                <a:rPr lang="en-US" altLang="zh-CN" i="1">
+                                  <a:latin typeface="Cambria Math" panose="02040503050406030204" pitchFamily="18" charset="0"/>
+                                  <a:cs typeface="Times New Roman" panose="02020603050405020304" pitchFamily="18" charset="0"/>
+                                </a:rPr>
+                              </m:ctrlPr>
+                            </m:sSubPr>
+                            <m:e>
+                              <m:r>
+                                <a:rPr lang="en-US" altLang="zh-CN" b="0" i="1" smtClean="0">
+                                  <a:latin typeface="Cambria Math" panose="02040503050406030204" pitchFamily="18" charset="0"/>
+                                  <a:cs typeface="Times New Roman" panose="02020603050405020304" pitchFamily="18" charset="0"/>
+                                </a:rPr>
+                                <m:t>𝑏</m:t>
+                              </m:r>
+                            </m:e>
+                            <m:sub>
+                              <m:r>
+                                <a:rPr lang="en-US" altLang="zh-CN" i="1">
+                                  <a:latin typeface="Cambria Math" panose="02040503050406030204" pitchFamily="18" charset="0"/>
+                                  <a:cs typeface="Times New Roman" panose="02020603050405020304" pitchFamily="18" charset="0"/>
+                                </a:rPr>
+                                <m:t>𝑚</m:t>
+                              </m:r>
+                            </m:sub>
+                          </m:sSub>
+                        </m:e>
+                      </m:d>
+                    </m:oMath>
+                  </m:oMathPara>
+                </a14:m>
+                <a:endParaRPr lang="zh-CN" altLang="en-US" dirty="0"/>
+              </a:p>
+            </p:txBody>
+          </p:sp>
+        </mc:Choice>
+        <mc:Fallback xmlns="">
+          <p:sp>
+            <p:nvSpPr>
+              <p:cNvPr id="41" name="矩形 40">
+                <a:extLst>
+                  <a:ext uri="{FF2B5EF4-FFF2-40B4-BE49-F238E27FC236}">
+                    <a16:creationId xmlns:a16="http://schemas.microsoft.com/office/drawing/2014/main" id="{993D9FF2-4C9E-4776-9B15-9CB12D4A8EEF}"/>
+                  </a:ext>
+                </a:extLst>
+              </p:cNvPr>
+              <p:cNvSpPr>
+                <a:spLocks noRot="1" noChangeAspect="1" noMove="1" noResize="1" noEditPoints="1" noAdjustHandles="1" noChangeArrowheads="1" noChangeShapeType="1" noTextEdit="1"/>
+              </p:cNvSpPr>
+              <p:nvPr/>
+            </p:nvSpPr>
+            <p:spPr>
+              <a:xfrm>
+                <a:off x="327692" y="5883560"/>
+                <a:ext cx="1900840" cy="369332"/>
+              </a:xfrm>
+              <a:prstGeom prst="rect">
+                <a:avLst/>
+              </a:prstGeom>
+              <a:blipFill>
+                <a:blip r:embed="rId33"/>
+                <a:stretch>
+                  <a:fillRect/>
+                </a:stretch>
+              </a:blipFill>
+            </p:spPr>
+            <p:txBody>
+              <a:bodyPr/>
+              <a:lstStyle/>
+              <a:p>
+                <a:r>
+                  <a:rPr lang="zh-CN" altLang="en-US">
+                    <a:noFill/>
+                  </a:rPr>
+                  <a:t> </a:t>
+                </a:r>
+              </a:p>
+            </p:txBody>
+          </p:sp>
+        </mc:Fallback>
+      </mc:AlternateContent>
+      <p:pic>
+        <p:nvPicPr>
+          <p:cNvPr id="42" name="图片 41">
+            <a:extLst>
+              <a:ext uri="{FF2B5EF4-FFF2-40B4-BE49-F238E27FC236}">
+                <a16:creationId xmlns:a16="http://schemas.microsoft.com/office/drawing/2014/main" id="{80350133-9471-48F5-A1FD-D7FB7FF24292}"/>
+              </a:ext>
+            </a:extLst>
+          </p:cNvPr>
+          <p:cNvPicPr>
+            <a:picLocks noChangeAspect="1"/>
+          </p:cNvPicPr>
+          <p:nvPr/>
+        </p:nvPicPr>
+        <p:blipFill>
+          <a:blip r:embed="rId34"/>
+          <a:stretch>
+            <a:fillRect/>
+          </a:stretch>
+        </p:blipFill>
+        <p:spPr>
+          <a:xfrm>
+            <a:off x="225004" y="664263"/>
+            <a:ext cx="4007056" cy="1479626"/>
+          </a:xfrm>
+          <a:prstGeom prst="rect">
+            <a:avLst/>
+          </a:prstGeom>
+        </p:spPr>
+      </p:pic>
+    </p:spTree>
+    <p:extLst>
+      <p:ext uri="{BB962C8B-B14F-4D97-AF65-F5344CB8AC3E}">
+        <p14:creationId xmlns:p14="http://schemas.microsoft.com/office/powerpoint/2010/main" val="1107668940"/>
+      </p:ext>
+    </p:extLst>
+  </p:cSld>
+  <p:clrMapOvr>
+    <a:masterClrMapping/>
+  </p:clrMapOvr>
+</p:sld>
+</file>
+
+<file path=ppt/slides/slide7.xml><?xml version="1.0" encoding="utf-8"?>
+<p:sld xmlns:a="http://schemas.openxmlformats.org/drawingml/2006/main" xmlns:r="http://schemas.openxmlformats.org/officeDocument/2006/relationships" xmlns:p="http://schemas.openxmlformats.org/presentationml/2006/main">
+  <p:cSld>
+    <p:spTree>
+      <p:nvGrpSpPr>
+        <p:cNvPr id="1" name=""/>
+        <p:cNvGrpSpPr/>
+        <p:nvPr/>
+      </p:nvGrpSpPr>
+      <p:grpSpPr>
+        <a:xfrm>
+          <a:off x="0" y="0"/>
+          <a:ext cx="0" cy="0"/>
+          <a:chOff x="0" y="0"/>
+          <a:chExt cx="0" cy="0"/>
+        </a:xfrm>
+      </p:grpSpPr>
       <p:sp>
         <p:nvSpPr>
-          <p:cNvPr id="41" name="矩形 40">
+          <p:cNvPr id="3" name="矩形 2">
             <a:extLst>
               <a:ext uri="{FF2B5EF4-FFF2-40B4-BE49-F238E27FC236}">
-                <a16:creationId xmlns:a16="http://schemas.microsoft.com/office/drawing/2014/main" id="{EE2A11EB-1045-4BB1-B667-C6F1AA901A2F}"/>
+                <a16:creationId xmlns:a16="http://schemas.microsoft.com/office/drawing/2014/main" id="{94DDE298-47AC-43B8-8B77-6EC4144A94E5}"/>
               </a:ext>
             </a:extLst>
           </p:cNvPr>
@@ -15696,8 +20341,8 @@
         </p:nvSpPr>
         <p:spPr>
           <a:xfrm>
-            <a:off x="5198858" y="4803879"/>
-            <a:ext cx="5844292" cy="923330"/>
+            <a:off x="233068" y="126616"/>
+            <a:ext cx="3556230" cy="400110"/>
           </a:xfrm>
           <a:prstGeom prst="rect">
             <a:avLst/>
@@ -15705,6 +20350,114 @@
         </p:spPr>
         <p:txBody>
           <a:bodyPr wrap="none">
+            <a:spAutoFit/>
+          </a:bodyPr>
+          <a:lstStyle/>
+          <a:p>
+            <a:r>
+              <a:rPr lang="en-US" altLang="zh-CN" sz="2000" b="1" dirty="0">
+                <a:latin typeface="Times New Roman" panose="02020603050405020304" pitchFamily="18" charset="0"/>
+                <a:ea typeface="黑体" panose="02010609060101010101" pitchFamily="49" charset="-122"/>
+                <a:cs typeface="Times New Roman" panose="02020603050405020304" pitchFamily="18" charset="0"/>
+              </a:rPr>
+              <a:t>5. EXPERIMENTAL DESIGN</a:t>
+            </a:r>
+            <a:endParaRPr lang="zh-CN" altLang="en-US" sz="2000" dirty="0"/>
+          </a:p>
+        </p:txBody>
+      </p:sp>
+      <p:sp>
+        <p:nvSpPr>
+          <p:cNvPr id="4" name="矩形 3">
+            <a:extLst>
+              <a:ext uri="{FF2B5EF4-FFF2-40B4-BE49-F238E27FC236}">
+                <a16:creationId xmlns:a16="http://schemas.microsoft.com/office/drawing/2014/main" id="{3499E0B6-E7FE-4E50-981C-EDA13065D9D7}"/>
+              </a:ext>
+            </a:extLst>
+          </p:cNvPr>
+          <p:cNvSpPr/>
+          <p:nvPr/>
+        </p:nvSpPr>
+        <p:spPr>
+          <a:xfrm>
+            <a:off x="955416" y="2424378"/>
+            <a:ext cx="1667170" cy="369332"/>
+          </a:xfrm>
+          <a:prstGeom prst="rect">
+            <a:avLst/>
+          </a:prstGeom>
+        </p:spPr>
+        <p:txBody>
+          <a:bodyPr wrap="square">
+            <a:spAutoFit/>
+          </a:bodyPr>
+          <a:lstStyle/>
+          <a:p>
+            <a:r>
+              <a:rPr lang="en-US" altLang="zh-CN" b="1" dirty="0">
+                <a:latin typeface="Times New Roman" panose="02020603050405020304" pitchFamily="18" charset="0"/>
+                <a:cs typeface="Times New Roman" panose="02020603050405020304" pitchFamily="18" charset="0"/>
+              </a:rPr>
+              <a:t>5</a:t>
+            </a:r>
+            <a:r>
+              <a:rPr lang="zh-CN" altLang="en-US" b="1" dirty="0">
+                <a:latin typeface="Times New Roman" panose="02020603050405020304" pitchFamily="18" charset="0"/>
+                <a:cs typeface="Times New Roman" panose="02020603050405020304" pitchFamily="18" charset="0"/>
+              </a:rPr>
+              <a:t>.</a:t>
+            </a:r>
+            <a:r>
+              <a:rPr lang="en-US" altLang="zh-CN" b="1" dirty="0">
+                <a:latin typeface="Times New Roman" panose="02020603050405020304" pitchFamily="18" charset="0"/>
+                <a:cs typeface="Times New Roman" panose="02020603050405020304" pitchFamily="18" charset="0"/>
+              </a:rPr>
+              <a:t>1</a:t>
+            </a:r>
+            <a:r>
+              <a:rPr lang="zh-CN" altLang="en-US" b="1" dirty="0">
+                <a:latin typeface="Times New Roman" panose="02020603050405020304" pitchFamily="18" charset="0"/>
+                <a:cs typeface="Times New Roman" panose="02020603050405020304" pitchFamily="18" charset="0"/>
+              </a:rPr>
+              <a:t> </a:t>
+            </a:r>
+            <a:r>
+              <a:rPr lang="en-US" altLang="zh-CN" b="1" dirty="0">
+                <a:latin typeface="Times New Roman" panose="02020603050405020304" pitchFamily="18" charset="0"/>
+                <a:cs typeface="Times New Roman" panose="02020603050405020304" pitchFamily="18" charset="0"/>
+              </a:rPr>
+              <a:t>Datasets</a:t>
+            </a:r>
+            <a:endParaRPr lang="zh-CN" altLang="en-US" b="1" dirty="0">
+              <a:latin typeface="Times New Roman" panose="02020603050405020304" pitchFamily="18" charset="0"/>
+              <a:cs typeface="Times New Roman" panose="02020603050405020304" pitchFamily="18" charset="0"/>
+            </a:endParaRPr>
+          </a:p>
+        </p:txBody>
+      </p:sp>
+      <p:sp>
+        <p:nvSpPr>
+          <p:cNvPr id="5" name="矩形 4">
+            <a:extLst>
+              <a:ext uri="{FF2B5EF4-FFF2-40B4-BE49-F238E27FC236}">
+                <a16:creationId xmlns:a16="http://schemas.microsoft.com/office/drawing/2014/main" id="{DA41D1B4-2840-4A99-BC8F-CE30DD70FAA7}"/>
+              </a:ext>
+            </a:extLst>
+          </p:cNvPr>
+          <p:cNvSpPr/>
+          <p:nvPr/>
+        </p:nvSpPr>
+        <p:spPr>
+          <a:xfrm>
+            <a:off x="955416" y="3141214"/>
+            <a:ext cx="2303937" cy="923330"/>
+          </a:xfrm>
+          <a:prstGeom prst="rect">
+            <a:avLst/>
+          </a:prstGeom>
+        </p:spPr>
+        <p:txBody>
+          <a:bodyPr wrap="square">
             <a:spAutoFit/>
           </a:bodyPr>
           <a:lstStyle/>
@@ -15718,7 +20471,7 @@
                 <a:latin typeface="Times New Roman" panose="02020603050405020304" pitchFamily="18" charset="0"/>
                 <a:cs typeface="Times New Roman" panose="02020603050405020304" pitchFamily="18" charset="0"/>
               </a:rPr>
-              <a:t>Capturing community information.</a:t>
+              <a:t>BLOGCATLOG </a:t>
             </a:r>
           </a:p>
           <a:p>
@@ -15731,7 +20484,7 @@
                 <a:latin typeface="Times New Roman" panose="02020603050405020304" pitchFamily="18" charset="0"/>
                 <a:cs typeface="Times New Roman" panose="02020603050405020304" pitchFamily="18" charset="0"/>
               </a:rPr>
-              <a:t>Easy to parallelize.</a:t>
+              <a:t>FLICKR</a:t>
             </a:r>
           </a:p>
           <a:p>
@@ -15744,7 +20497,188 @@
                 <a:latin typeface="Times New Roman" panose="02020603050405020304" pitchFamily="18" charset="0"/>
                 <a:cs typeface="Times New Roman" panose="02020603050405020304" pitchFamily="18" charset="0"/>
               </a:rPr>
-              <a:t>Accommodate small changes without computing globally.</a:t>
+              <a:t>YOUTUBE</a:t>
+            </a:r>
+            <a:endParaRPr lang="zh-CN" altLang="en-US" dirty="0">
+              <a:latin typeface="Times New Roman" panose="02020603050405020304" pitchFamily="18" charset="0"/>
+              <a:cs typeface="Times New Roman" panose="02020603050405020304" pitchFamily="18" charset="0"/>
+            </a:endParaRPr>
+          </a:p>
+        </p:txBody>
+      </p:sp>
+      <p:sp>
+        <p:nvSpPr>
+          <p:cNvPr id="6" name="矩形 5">
+            <a:extLst>
+              <a:ext uri="{FF2B5EF4-FFF2-40B4-BE49-F238E27FC236}">
+                <a16:creationId xmlns:a16="http://schemas.microsoft.com/office/drawing/2014/main" id="{E69AF9EF-DF1D-4CDA-A9FB-5DF07B36DFE6}"/>
+              </a:ext>
+            </a:extLst>
+          </p:cNvPr>
+          <p:cNvSpPr/>
+          <p:nvPr/>
+        </p:nvSpPr>
+        <p:spPr>
+          <a:xfrm>
+            <a:off x="5937786" y="2424378"/>
+            <a:ext cx="2446811" cy="369332"/>
+          </a:xfrm>
+          <a:prstGeom prst="rect">
+            <a:avLst/>
+          </a:prstGeom>
+        </p:spPr>
+        <p:txBody>
+          <a:bodyPr wrap="square">
+            <a:spAutoFit/>
+          </a:bodyPr>
+          <a:lstStyle/>
+          <a:p>
+            <a:r>
+              <a:rPr lang="en-US" altLang="zh-CN" b="1" dirty="0">
+                <a:latin typeface="Times New Roman" panose="02020603050405020304" pitchFamily="18" charset="0"/>
+                <a:cs typeface="Times New Roman" panose="02020603050405020304" pitchFamily="18" charset="0"/>
+              </a:rPr>
+              <a:t>5</a:t>
+            </a:r>
+            <a:r>
+              <a:rPr lang="zh-CN" altLang="en-US" b="1" dirty="0">
+                <a:latin typeface="Times New Roman" panose="02020603050405020304" pitchFamily="18" charset="0"/>
+                <a:cs typeface="Times New Roman" panose="02020603050405020304" pitchFamily="18" charset="0"/>
+              </a:rPr>
+              <a:t>.</a:t>
+            </a:r>
+            <a:r>
+              <a:rPr lang="en-US" altLang="zh-CN" b="1" dirty="0">
+                <a:latin typeface="Times New Roman" panose="02020603050405020304" pitchFamily="18" charset="0"/>
+                <a:cs typeface="Times New Roman" panose="02020603050405020304" pitchFamily="18" charset="0"/>
+              </a:rPr>
+              <a:t>2</a:t>
+            </a:r>
+            <a:r>
+              <a:rPr lang="zh-CN" altLang="en-US" b="1" dirty="0">
+                <a:latin typeface="Times New Roman" panose="02020603050405020304" pitchFamily="18" charset="0"/>
+                <a:cs typeface="Times New Roman" panose="02020603050405020304" pitchFamily="18" charset="0"/>
+              </a:rPr>
+              <a:t> </a:t>
+            </a:r>
+            <a:r>
+              <a:rPr lang="en-US" altLang="zh-CN" b="1" dirty="0">
+                <a:latin typeface="Times New Roman" panose="02020603050405020304" pitchFamily="18" charset="0"/>
+                <a:cs typeface="Times New Roman" panose="02020603050405020304" pitchFamily="18" charset="0"/>
+              </a:rPr>
+              <a:t>Baseline Method</a:t>
+            </a:r>
+            <a:endParaRPr lang="zh-CN" altLang="en-US" b="1" dirty="0">
+              <a:latin typeface="Times New Roman" panose="02020603050405020304" pitchFamily="18" charset="0"/>
+              <a:cs typeface="Times New Roman" panose="02020603050405020304" pitchFamily="18" charset="0"/>
+            </a:endParaRPr>
+          </a:p>
+        </p:txBody>
+      </p:sp>
+      <p:sp>
+        <p:nvSpPr>
+          <p:cNvPr id="7" name="矩形 6">
+            <a:extLst>
+              <a:ext uri="{FF2B5EF4-FFF2-40B4-BE49-F238E27FC236}">
+                <a16:creationId xmlns:a16="http://schemas.microsoft.com/office/drawing/2014/main" id="{20A83EEA-B6D9-4CC0-97EF-9C5DC1EDFF15}"/>
+              </a:ext>
+            </a:extLst>
+          </p:cNvPr>
+          <p:cNvSpPr/>
+          <p:nvPr/>
+        </p:nvSpPr>
+        <p:spPr>
+          <a:xfrm>
+            <a:off x="5937786" y="3141214"/>
+            <a:ext cx="2303937" cy="1477328"/>
+          </a:xfrm>
+          <a:prstGeom prst="rect">
+            <a:avLst/>
+          </a:prstGeom>
+        </p:spPr>
+        <p:txBody>
+          <a:bodyPr wrap="square">
+            <a:spAutoFit/>
+          </a:bodyPr>
+          <a:lstStyle/>
+          <a:p>
+            <a:pPr marL="285750" indent="-285750">
+              <a:buFont typeface="Arial" panose="020B0604020202020204" pitchFamily="34" charset="0"/>
+              <a:buChar char="•"/>
+            </a:pPr>
+            <a:r>
+              <a:rPr lang="en-US" altLang="zh-CN" dirty="0" err="1">
+                <a:latin typeface="Times New Roman" panose="02020603050405020304" pitchFamily="18" charset="0"/>
+                <a:cs typeface="Times New Roman" panose="02020603050405020304" pitchFamily="18" charset="0"/>
+              </a:rPr>
+              <a:t>SpectralClustering</a:t>
+            </a:r>
+            <a:r>
+              <a:rPr lang="en-US" altLang="zh-CN" dirty="0">
+                <a:latin typeface="Times New Roman" panose="02020603050405020304" pitchFamily="18" charset="0"/>
+                <a:cs typeface="Times New Roman" panose="02020603050405020304" pitchFamily="18" charset="0"/>
+              </a:rPr>
+              <a:t> </a:t>
+            </a:r>
+          </a:p>
+          <a:p>
+            <a:pPr marL="285750" indent="-285750">
+              <a:buFont typeface="Arial" panose="020B0604020202020204" pitchFamily="34" charset="0"/>
+              <a:buChar char="•"/>
+            </a:pPr>
+            <a:r>
+              <a:rPr lang="en-US" altLang="zh-CN" dirty="0">
+                <a:latin typeface="Times New Roman" panose="02020603050405020304" pitchFamily="18" charset="0"/>
+                <a:cs typeface="Times New Roman" panose="02020603050405020304" pitchFamily="18" charset="0"/>
+              </a:rPr>
+              <a:t>Modularity</a:t>
+            </a:r>
+          </a:p>
+          <a:p>
+            <a:pPr marL="285750" indent="-285750">
+              <a:buFont typeface="Arial" panose="020B0604020202020204" pitchFamily="34" charset="0"/>
+              <a:buChar char="•"/>
+            </a:pPr>
+            <a:r>
+              <a:rPr lang="en-US" altLang="zh-CN" dirty="0" err="1">
+                <a:latin typeface="Times New Roman" panose="02020603050405020304" pitchFamily="18" charset="0"/>
+                <a:cs typeface="Times New Roman" panose="02020603050405020304" pitchFamily="18" charset="0"/>
+              </a:rPr>
+              <a:t>EdgeCluster</a:t>
+            </a:r>
+            <a:endParaRPr lang="en-US" altLang="zh-CN" dirty="0">
+              <a:latin typeface="Times New Roman" panose="02020603050405020304" pitchFamily="18" charset="0"/>
+              <a:cs typeface="Times New Roman" panose="02020603050405020304" pitchFamily="18" charset="0"/>
+            </a:endParaRPr>
+          </a:p>
+          <a:p>
+            <a:pPr marL="285750" indent="-285750">
+              <a:buFont typeface="Arial" panose="020B0604020202020204" pitchFamily="34" charset="0"/>
+              <a:buChar char="•"/>
+            </a:pPr>
+            <a:r>
+              <a:rPr lang="en-US" altLang="zh-CN" dirty="0" err="1">
+                <a:latin typeface="Times New Roman" panose="02020603050405020304" pitchFamily="18" charset="0"/>
+                <a:cs typeface="Times New Roman" panose="02020603050405020304" pitchFamily="18" charset="0"/>
+              </a:rPr>
+              <a:t>wvRN</a:t>
+            </a:r>
+            <a:endParaRPr lang="en-US" altLang="zh-CN" dirty="0">
+              <a:latin typeface="Times New Roman" panose="02020603050405020304" pitchFamily="18" charset="0"/>
+              <a:cs typeface="Times New Roman" panose="02020603050405020304" pitchFamily="18" charset="0"/>
+            </a:endParaRPr>
+          </a:p>
+          <a:p>
+            <a:pPr marL="285750" indent="-285750">
+              <a:buFont typeface="Arial" panose="020B0604020202020204" pitchFamily="34" charset="0"/>
+              <a:buChar char="•"/>
+            </a:pPr>
+            <a:r>
+              <a:rPr lang="en-US" altLang="zh-CN" dirty="0">
+                <a:latin typeface="Times New Roman" panose="02020603050405020304" pitchFamily="18" charset="0"/>
+                <a:cs typeface="Times New Roman" panose="02020603050405020304" pitchFamily="18" charset="0"/>
+              </a:rPr>
+              <a:t>Majority</a:t>
             </a:r>
             <a:endParaRPr lang="zh-CN" altLang="en-US" dirty="0">
               <a:latin typeface="Times New Roman" panose="02020603050405020304" pitchFamily="18" charset="0"/>
@@ -15756,7 +20690,127 @@
     </p:spTree>
     <p:extLst>
       <p:ext uri="{BB962C8B-B14F-4D97-AF65-F5344CB8AC3E}">
-        <p14:creationId xmlns:p14="http://schemas.microsoft.com/office/powerpoint/2010/main" val="576461903"/>
+        <p14:creationId xmlns:p14="http://schemas.microsoft.com/office/powerpoint/2010/main" val="267383322"/>
+      </p:ext>
+    </p:extLst>
+  </p:cSld>
+  <p:clrMapOvr>
+    <a:masterClrMapping/>
+  </p:clrMapOvr>
+</p:sld>
+</file>
+
+<file path=ppt/slides/slide8.xml><?xml version="1.0" encoding="utf-8"?>
+<p:sld xmlns:a="http://schemas.openxmlformats.org/drawingml/2006/main" xmlns:r="http://schemas.openxmlformats.org/officeDocument/2006/relationships" xmlns:p="http://schemas.openxmlformats.org/presentationml/2006/main">
+  <p:cSld>
+    <p:spTree>
+      <p:nvGrpSpPr>
+        <p:cNvPr id="1" name=""/>
+        <p:cNvGrpSpPr/>
+        <p:nvPr/>
+      </p:nvGrpSpPr>
+      <p:grpSpPr>
+        <a:xfrm>
+          <a:off x="0" y="0"/>
+          <a:ext cx="0" cy="0"/>
+          <a:chOff x="0" y="0"/>
+          <a:chExt cx="0" cy="0"/>
+        </a:xfrm>
+      </p:grpSpPr>
+      <p:pic>
+        <p:nvPicPr>
+          <p:cNvPr id="3" name="图片 2">
+            <a:extLst>
+              <a:ext uri="{FF2B5EF4-FFF2-40B4-BE49-F238E27FC236}">
+                <a16:creationId xmlns:a16="http://schemas.microsoft.com/office/drawing/2014/main" id="{CA64AFE4-DFEC-4F1A-875A-FFD6F41A37CB}"/>
+              </a:ext>
+            </a:extLst>
+          </p:cNvPr>
+          <p:cNvPicPr>
+            <a:picLocks noChangeAspect="1"/>
+          </p:cNvPicPr>
+          <p:nvPr/>
+        </p:nvPicPr>
+        <p:blipFill>
+          <a:blip r:embed="rId2"/>
+          <a:stretch>
+            <a:fillRect/>
+          </a:stretch>
+        </p:blipFill>
+        <p:spPr>
+          <a:xfrm>
+            <a:off x="2545904" y="608597"/>
+            <a:ext cx="6820765" cy="5912275"/>
+          </a:xfrm>
+          <a:prstGeom prst="rect">
+            <a:avLst/>
+          </a:prstGeom>
+        </p:spPr>
+      </p:pic>
+    </p:spTree>
+    <p:extLst>
+      <p:ext uri="{BB962C8B-B14F-4D97-AF65-F5344CB8AC3E}">
+        <p14:creationId xmlns:p14="http://schemas.microsoft.com/office/powerpoint/2010/main" val="530613228"/>
+      </p:ext>
+    </p:extLst>
+  </p:cSld>
+  <p:clrMapOvr>
+    <a:masterClrMapping/>
+  </p:clrMapOvr>
+</p:sld>
+</file>
+
+<file path=ppt/slides/slide9.xml><?xml version="1.0" encoding="utf-8"?>
+<p:sld xmlns:a="http://schemas.openxmlformats.org/drawingml/2006/main" xmlns:r="http://schemas.openxmlformats.org/officeDocument/2006/relationships" xmlns:p="http://schemas.openxmlformats.org/presentationml/2006/main">
+  <p:cSld>
+    <p:spTree>
+      <p:nvGrpSpPr>
+        <p:cNvPr id="1" name=""/>
+        <p:cNvGrpSpPr/>
+        <p:nvPr/>
+      </p:nvGrpSpPr>
+      <p:grpSpPr>
+        <a:xfrm>
+          <a:off x="0" y="0"/>
+          <a:ext cx="0" cy="0"/>
+          <a:chOff x="0" y="0"/>
+          <a:chExt cx="0" cy="0"/>
+        </a:xfrm>
+      </p:grpSpPr>
+      <p:pic>
+        <p:nvPicPr>
+          <p:cNvPr id="3" name="图片 2">
+            <a:extLst>
+              <a:ext uri="{FF2B5EF4-FFF2-40B4-BE49-F238E27FC236}">
+                <a16:creationId xmlns:a16="http://schemas.microsoft.com/office/drawing/2014/main" id="{0DAD4C2E-9D43-4FE0-BD27-49651F42009A}"/>
+              </a:ext>
+            </a:extLst>
+          </p:cNvPr>
+          <p:cNvPicPr>
+            <a:picLocks noChangeAspect="1"/>
+          </p:cNvPicPr>
+          <p:nvPr/>
+        </p:nvPicPr>
+        <p:blipFill>
+          <a:blip r:embed="rId2"/>
+          <a:stretch>
+            <a:fillRect/>
+          </a:stretch>
+        </p:blipFill>
+        <p:spPr>
+          <a:xfrm>
+            <a:off x="2420086" y="615751"/>
+            <a:ext cx="7028714" cy="5626498"/>
+          </a:xfrm>
+          <a:prstGeom prst="rect">
+            <a:avLst/>
+          </a:prstGeom>
+        </p:spPr>
+      </p:pic>
+    </p:spTree>
+    <p:extLst>
+      <p:ext uri="{BB962C8B-B14F-4D97-AF65-F5344CB8AC3E}">
+        <p14:creationId xmlns:p14="http://schemas.microsoft.com/office/powerpoint/2010/main" val="3798502274"/>
       </p:ext>
     </p:extLst>
   </p:cSld>

--- a/1_deepwalk/deepwalk.pptx
+++ b/1_deepwalk/deepwalk.pptx
@@ -217,7 +217,7 @@
           <a:p>
             <a:fld id="{90CFEA02-8822-4D13-9DAA-0D1CF00E99ED}" type="datetimeFigureOut">
               <a:rPr lang="zh-CN" altLang="en-US" smtClean="0"/>
-              <a:t>2021/9/19</a:t>
+              <a:t>2021/9/30</a:t>
             </a:fld>
             <a:endParaRPr lang="zh-CN" altLang="en-US"/>
           </a:p>
@@ -919,7 +919,7 @@
           <a:p>
             <a:fld id="{0B3207B4-5D25-4EF4-A88C-C57336970A58}" type="datetimeFigureOut">
               <a:rPr lang="zh-CN" altLang="en-US" smtClean="0"/>
-              <a:t>2021/9/19</a:t>
+              <a:t>2021/9/30</a:t>
             </a:fld>
             <a:endParaRPr lang="zh-CN" altLang="en-US"/>
           </a:p>
@@ -1117,7 +1117,7 @@
           <a:p>
             <a:fld id="{0B3207B4-5D25-4EF4-A88C-C57336970A58}" type="datetimeFigureOut">
               <a:rPr lang="zh-CN" altLang="en-US" smtClean="0"/>
-              <a:t>2021/9/19</a:t>
+              <a:t>2021/9/30</a:t>
             </a:fld>
             <a:endParaRPr lang="zh-CN" altLang="en-US"/>
           </a:p>
@@ -1325,7 +1325,7 @@
           <a:p>
             <a:fld id="{0B3207B4-5D25-4EF4-A88C-C57336970A58}" type="datetimeFigureOut">
               <a:rPr lang="zh-CN" altLang="en-US" smtClean="0"/>
-              <a:t>2021/9/19</a:t>
+              <a:t>2021/9/30</a:t>
             </a:fld>
             <a:endParaRPr lang="zh-CN" altLang="en-US"/>
           </a:p>
@@ -1523,7 +1523,7 @@
           <a:p>
             <a:fld id="{0B3207B4-5D25-4EF4-A88C-C57336970A58}" type="datetimeFigureOut">
               <a:rPr lang="zh-CN" altLang="en-US" smtClean="0"/>
-              <a:t>2021/9/19</a:t>
+              <a:t>2021/9/30</a:t>
             </a:fld>
             <a:endParaRPr lang="zh-CN" altLang="en-US"/>
           </a:p>
@@ -1798,7 +1798,7 @@
           <a:p>
             <a:fld id="{0B3207B4-5D25-4EF4-A88C-C57336970A58}" type="datetimeFigureOut">
               <a:rPr lang="zh-CN" altLang="en-US" smtClean="0"/>
-              <a:t>2021/9/19</a:t>
+              <a:t>2021/9/30</a:t>
             </a:fld>
             <a:endParaRPr lang="zh-CN" altLang="en-US"/>
           </a:p>
@@ -2063,7 +2063,7 @@
           <a:p>
             <a:fld id="{0B3207B4-5D25-4EF4-A88C-C57336970A58}" type="datetimeFigureOut">
               <a:rPr lang="zh-CN" altLang="en-US" smtClean="0"/>
-              <a:t>2021/9/19</a:t>
+              <a:t>2021/9/30</a:t>
             </a:fld>
             <a:endParaRPr lang="zh-CN" altLang="en-US"/>
           </a:p>
@@ -2475,7 +2475,7 @@
           <a:p>
             <a:fld id="{0B3207B4-5D25-4EF4-A88C-C57336970A58}" type="datetimeFigureOut">
               <a:rPr lang="zh-CN" altLang="en-US" smtClean="0"/>
-              <a:t>2021/9/19</a:t>
+              <a:t>2021/9/30</a:t>
             </a:fld>
             <a:endParaRPr lang="zh-CN" altLang="en-US"/>
           </a:p>
@@ -2616,7 +2616,7 @@
           <a:p>
             <a:fld id="{0B3207B4-5D25-4EF4-A88C-C57336970A58}" type="datetimeFigureOut">
               <a:rPr lang="zh-CN" altLang="en-US" smtClean="0"/>
-              <a:t>2021/9/19</a:t>
+              <a:t>2021/9/30</a:t>
             </a:fld>
             <a:endParaRPr lang="zh-CN" altLang="en-US"/>
           </a:p>
@@ -2729,7 +2729,7 @@
           <a:p>
             <a:fld id="{0B3207B4-5D25-4EF4-A88C-C57336970A58}" type="datetimeFigureOut">
               <a:rPr lang="zh-CN" altLang="en-US" smtClean="0"/>
-              <a:t>2021/9/19</a:t>
+              <a:t>2021/9/30</a:t>
             </a:fld>
             <a:endParaRPr lang="zh-CN" altLang="en-US"/>
           </a:p>
@@ -3040,7 +3040,7 @@
           <a:p>
             <a:fld id="{0B3207B4-5D25-4EF4-A88C-C57336970A58}" type="datetimeFigureOut">
               <a:rPr lang="zh-CN" altLang="en-US" smtClean="0"/>
-              <a:t>2021/9/19</a:t>
+              <a:t>2021/9/30</a:t>
             </a:fld>
             <a:endParaRPr lang="zh-CN" altLang="en-US"/>
           </a:p>
@@ -3328,7 +3328,7 @@
           <a:p>
             <a:fld id="{0B3207B4-5D25-4EF4-A88C-C57336970A58}" type="datetimeFigureOut">
               <a:rPr lang="zh-CN" altLang="en-US" smtClean="0"/>
-              <a:t>2021/9/19</a:t>
+              <a:t>2021/9/30</a:t>
             </a:fld>
             <a:endParaRPr lang="zh-CN" altLang="en-US"/>
           </a:p>
@@ -3569,7 +3569,7 @@
           <a:p>
             <a:fld id="{0B3207B4-5D25-4EF4-A88C-C57336970A58}" type="datetimeFigureOut">
               <a:rPr lang="zh-CN" altLang="en-US" smtClean="0"/>
-              <a:t>2021/9/19</a:t>
+              <a:t>2021/9/30</a:t>
             </a:fld>
             <a:endParaRPr lang="zh-CN" altLang="en-US"/>
           </a:p>
@@ -20297,6 +20297,36 @@
           </a:prstGeom>
         </p:spPr>
       </p:pic>
+      <p:pic>
+        <p:nvPicPr>
+          <p:cNvPr id="2" name="图片 1">
+            <a:extLst>
+              <a:ext uri="{FF2B5EF4-FFF2-40B4-BE49-F238E27FC236}">
+                <a16:creationId xmlns:a16="http://schemas.microsoft.com/office/drawing/2014/main" id="{0AB29434-4C25-48B6-80A8-75B335E77E90}"/>
+              </a:ext>
+            </a:extLst>
+          </p:cNvPr>
+          <p:cNvPicPr>
+            <a:picLocks noChangeAspect="1"/>
+          </p:cNvPicPr>
+          <p:nvPr/>
+        </p:nvPicPr>
+        <p:blipFill>
+          <a:blip r:embed="rId35"/>
+          <a:stretch>
+            <a:fillRect/>
+          </a:stretch>
+        </p:blipFill>
+        <p:spPr>
+          <a:xfrm>
+            <a:off x="8361550" y="4847485"/>
+            <a:ext cx="3214932" cy="353937"/>
+          </a:xfrm>
+          <a:prstGeom prst="rect">
+            <a:avLst/>
+          </a:prstGeom>
+        </p:spPr>
+      </p:pic>
     </p:spTree>
     <p:extLst>
       <p:ext uri="{BB962C8B-B14F-4D97-AF65-F5344CB8AC3E}">
